--- a/Presentations/Proposal.pptx
+++ b/Presentations/Proposal.pptx
@@ -6,10 +6,10 @@
     <p:sldMasterId id="2147483658" r:id="rId2"/>
   </p:sldMasterIdLst>
   <p:notesMasterIdLst>
-    <p:notesMasterId r:id="rId25"/>
+    <p:notesMasterId r:id="rId28"/>
   </p:notesMasterIdLst>
   <p:handoutMasterIdLst>
-    <p:handoutMasterId r:id="rId26"/>
+    <p:handoutMasterId r:id="rId29"/>
   </p:handoutMasterIdLst>
   <p:sldIdLst>
     <p:sldId id="256" r:id="rId3"/>
@@ -21,19 +21,22 @@
     <p:sldId id="354" r:id="rId9"/>
     <p:sldId id="373" r:id="rId10"/>
     <p:sldId id="374" r:id="rId11"/>
-    <p:sldId id="355" r:id="rId12"/>
-    <p:sldId id="375" r:id="rId13"/>
-    <p:sldId id="356" r:id="rId14"/>
-    <p:sldId id="360" r:id="rId15"/>
-    <p:sldId id="362" r:id="rId16"/>
-    <p:sldId id="361" r:id="rId17"/>
-    <p:sldId id="363" r:id="rId18"/>
-    <p:sldId id="368" r:id="rId19"/>
-    <p:sldId id="370" r:id="rId20"/>
-    <p:sldId id="369" r:id="rId21"/>
-    <p:sldId id="364" r:id="rId22"/>
-    <p:sldId id="371" r:id="rId23"/>
-    <p:sldId id="348" r:id="rId24"/>
+    <p:sldId id="376" r:id="rId12"/>
+    <p:sldId id="377" r:id="rId13"/>
+    <p:sldId id="378" r:id="rId14"/>
+    <p:sldId id="355" r:id="rId15"/>
+    <p:sldId id="375" r:id="rId16"/>
+    <p:sldId id="356" r:id="rId17"/>
+    <p:sldId id="360" r:id="rId18"/>
+    <p:sldId id="362" r:id="rId19"/>
+    <p:sldId id="361" r:id="rId20"/>
+    <p:sldId id="363" r:id="rId21"/>
+    <p:sldId id="368" r:id="rId22"/>
+    <p:sldId id="370" r:id="rId23"/>
+    <p:sldId id="369" r:id="rId24"/>
+    <p:sldId id="364" r:id="rId25"/>
+    <p:sldId id="371" r:id="rId26"/>
+    <p:sldId id="348" r:id="rId27"/>
   </p:sldIdLst>
   <p:sldSz cx="9144000" cy="6858000" type="screen4x3"/>
   <p:notesSz cx="6858000" cy="9144000"/>
@@ -195,7 +198,7 @@
 <file path=ppt/charts/chart1.xml><?xml version="1.0" encoding="utf-8"?>
 <c:chartSpace xmlns:c="http://schemas.openxmlformats.org/drawingml/2006/chart" xmlns:a="http://schemas.openxmlformats.org/drawingml/2006/main" xmlns:r="http://schemas.openxmlformats.org/officeDocument/2006/relationships">
   <c:date1904 val="0"/>
-  <c:lang val="de-DE"/>
+  <c:lang val="en-US"/>
   <c:roundedCorners val="0"/>
   <mc:AlternateContent xmlns:mc="http://schemas.openxmlformats.org/markup-compatibility/2006">
     <mc:Choice xmlns:c14="http://schemas.microsoft.com/office/drawing/2007/8/2/chart" Requires="c14">
@@ -236,8 +239,8 @@
         <c:manualLayout>
           <c:xMode val="edge"/>
           <c:yMode val="edge"/>
-          <c:x val="0.147451526186345"/>
-          <c:y val="0.0210084033613445"/>
+          <c:x val="0.14745152618634499"/>
+          <c:y val="2.1008403361344501E-2"/>
         </c:manualLayout>
       </c:layout>
       <c:overlay val="0"/>
@@ -318,67 +321,67 @@
                 <c:formatCode>General</c:formatCode>
                 <c:ptCount val="22"/>
                 <c:pt idx="0">
-                  <c:v>0.0</c:v>
+                  <c:v>0</c:v>
                 </c:pt>
                 <c:pt idx="1">
-                  <c:v>1.0</c:v>
+                  <c:v>1</c:v>
                 </c:pt>
                 <c:pt idx="2">
-                  <c:v>2.0</c:v>
+                  <c:v>2</c:v>
                 </c:pt>
                 <c:pt idx="3">
-                  <c:v>3.0</c:v>
+                  <c:v>3</c:v>
                 </c:pt>
                 <c:pt idx="4">
-                  <c:v>4.0</c:v>
+                  <c:v>4</c:v>
                 </c:pt>
                 <c:pt idx="5">
-                  <c:v>5.0</c:v>
+                  <c:v>5</c:v>
                 </c:pt>
                 <c:pt idx="6">
-                  <c:v>6.0</c:v>
+                  <c:v>6</c:v>
                 </c:pt>
                 <c:pt idx="7">
-                  <c:v>7.0</c:v>
+                  <c:v>7</c:v>
                 </c:pt>
                 <c:pt idx="8">
-                  <c:v>8.0</c:v>
+                  <c:v>8</c:v>
                 </c:pt>
                 <c:pt idx="9">
-                  <c:v>9.0</c:v>
+                  <c:v>9</c:v>
                 </c:pt>
                 <c:pt idx="10">
-                  <c:v>10.0</c:v>
+                  <c:v>10</c:v>
                 </c:pt>
                 <c:pt idx="11">
-                  <c:v>11.0</c:v>
+                  <c:v>11</c:v>
                 </c:pt>
                 <c:pt idx="12">
-                  <c:v>12.0</c:v>
+                  <c:v>12</c:v>
                 </c:pt>
                 <c:pt idx="13">
-                  <c:v>13.0</c:v>
+                  <c:v>13</c:v>
                 </c:pt>
                 <c:pt idx="14">
-                  <c:v>14.0</c:v>
+                  <c:v>14</c:v>
                 </c:pt>
                 <c:pt idx="15">
-                  <c:v>15.0</c:v>
+                  <c:v>15</c:v>
                 </c:pt>
                 <c:pt idx="16">
-                  <c:v>16.0</c:v>
+                  <c:v>16</c:v>
                 </c:pt>
                 <c:pt idx="17">
-                  <c:v>17.0</c:v>
+                  <c:v>17</c:v>
                 </c:pt>
                 <c:pt idx="18">
-                  <c:v>18.0</c:v>
+                  <c:v>18</c:v>
                 </c:pt>
                 <c:pt idx="19">
-                  <c:v>19.0</c:v>
+                  <c:v>19</c:v>
                 </c:pt>
                 <c:pt idx="20">
-                  <c:v>20.0</c:v>
+                  <c:v>20</c:v>
                 </c:pt>
               </c:numCache>
             </c:numRef>
@@ -390,67 +393,67 @@
                 <c:formatCode>General</c:formatCode>
                 <c:ptCount val="22"/>
                 <c:pt idx="0">
-                  <c:v>0.0</c:v>
+                  <c:v>0</c:v>
                 </c:pt>
                 <c:pt idx="1">
-                  <c:v>3.0</c:v>
+                  <c:v>3</c:v>
                 </c:pt>
                 <c:pt idx="2">
-                  <c:v>4.0</c:v>
+                  <c:v>4</c:v>
                 </c:pt>
                 <c:pt idx="3">
-                  <c:v>5.0</c:v>
+                  <c:v>5</c:v>
                 </c:pt>
                 <c:pt idx="4">
-                  <c:v>8.0</c:v>
+                  <c:v>8</c:v>
                 </c:pt>
                 <c:pt idx="5">
-                  <c:v>11.0</c:v>
+                  <c:v>11</c:v>
                 </c:pt>
                 <c:pt idx="6">
-                  <c:v>10.0</c:v>
+                  <c:v>10</c:v>
                 </c:pt>
                 <c:pt idx="7">
-                  <c:v>14.0</c:v>
+                  <c:v>14</c:v>
                 </c:pt>
                 <c:pt idx="8">
-                  <c:v>17.0</c:v>
+                  <c:v>17</c:v>
                 </c:pt>
                 <c:pt idx="9">
-                  <c:v>19.0</c:v>
+                  <c:v>19</c:v>
                 </c:pt>
                 <c:pt idx="10">
-                  <c:v>20.0</c:v>
+                  <c:v>20</c:v>
                 </c:pt>
                 <c:pt idx="11">
-                  <c:v>23.0</c:v>
+                  <c:v>23</c:v>
                 </c:pt>
                 <c:pt idx="12">
-                  <c:v>24.0</c:v>
+                  <c:v>24</c:v>
                 </c:pt>
                 <c:pt idx="13">
-                  <c:v>27.0</c:v>
+                  <c:v>27</c:v>
                 </c:pt>
                 <c:pt idx="14">
-                  <c:v>29.0</c:v>
+                  <c:v>29</c:v>
                 </c:pt>
                 <c:pt idx="15">
-                  <c:v>30.0</c:v>
+                  <c:v>30</c:v>
                 </c:pt>
                 <c:pt idx="16">
-                  <c:v>31.0</c:v>
+                  <c:v>31</c:v>
                 </c:pt>
                 <c:pt idx="17">
-                  <c:v>34.0</c:v>
+                  <c:v>34</c:v>
                 </c:pt>
                 <c:pt idx="18">
-                  <c:v>37.0</c:v>
+                  <c:v>37</c:v>
                 </c:pt>
                 <c:pt idx="19">
-                  <c:v>39.0</c:v>
+                  <c:v>39</c:v>
                 </c:pt>
                 <c:pt idx="20">
-                  <c:v>40.0</c:v>
+                  <c:v>40</c:v>
                 </c:pt>
               </c:numCache>
             </c:numRef>
@@ -465,11 +468,11 @@
           <c:showPercent val="0"/>
           <c:showBubbleSize val="0"/>
         </c:dLbls>
-        <c:axId val="-1550644512"/>
-        <c:axId val="-1549861344"/>
+        <c:axId val="1097521696"/>
+        <c:axId val="1097514624"/>
       </c:scatterChart>
       <c:valAx>
-        <c:axId val="-1550644512"/>
+        <c:axId val="1097521696"/>
         <c:scaling>
           <c:orientation val="minMax"/>
         </c:scaling>
@@ -542,8 +545,8 @@
             <c:manualLayout>
               <c:xMode val="edge"/>
               <c:yMode val="edge"/>
-              <c:x val="0.464544813254275"/>
-              <c:y val="0.862975929978118"/>
+              <c:x val="0.46454481325427499"/>
+              <c:y val="0.86297592997811801"/>
             </c:manualLayout>
           </c:layout>
           <c:overlay val="0"/>
@@ -612,12 +615,12 @@
             <a:endParaRPr lang="en-US"/>
           </a:p>
         </c:txPr>
-        <c:crossAx val="-1549861344"/>
+        <c:crossAx val="1097514624"/>
         <c:crosses val="autoZero"/>
         <c:crossBetween val="midCat"/>
       </c:valAx>
       <c:valAx>
-        <c:axId val="-1549861344"/>
+        <c:axId val="1097514624"/>
         <c:scaling>
           <c:orientation val="minMax"/>
         </c:scaling>
@@ -695,8 +698,8 @@
             <c:manualLayout>
               <c:xMode val="edge"/>
               <c:yMode val="edge"/>
-              <c:x val="0.0193704600484261"/>
-              <c:y val="0.25819845276452"/>
+              <c:x val="1.9370460048426099E-2"/>
+              <c:y val="0.25819845276452003"/>
             </c:manualLayout>
           </c:layout>
           <c:overlay val="0"/>
@@ -728,6 +731,7 @@
             </a:p>
           </c:txPr>
         </c:title>
+        <c:numFmt formatCode="General" sourceLinked="1"/>
         <c:majorTickMark val="none"/>
         <c:minorTickMark val="none"/>
         <c:tickLblPos val="nextTo"/>
@@ -764,7 +768,7 @@
             <a:endParaRPr lang="en-US"/>
           </a:p>
         </c:txPr>
-        <c:crossAx val="-1550644512"/>
+        <c:crossAx val="1097521696"/>
         <c:crosses val="autoZero"/>
         <c:crossBetween val="midCat"/>
       </c:valAx>
@@ -1495,7 +1499,7 @@
           <a:p>
             <a:fld id="{74BB652D-7810-496D-A2FA-D61220BB4334}" type="datetime4">
               <a:rPr lang="de-DE" smtClean="0"/>
-              <a:t>4. January 2017</a:t>
+              <a:t>18. Januar 2017</a:t>
             </a:fld>
             <a:endParaRPr lang="de-DE"/>
           </a:p>
@@ -1878,7 +1882,7 @@
           <a:p>
             <a:fld id="{BEF970E4-9540-437D-B70A-0A41E70CE984}" type="datetime4">
               <a:rPr lang="de-DE" smtClean="0"/>
-              <a:t>4. January 2017</a:t>
+              <a:t>18. Januar 2017</a:t>
             </a:fld>
             <a:endParaRPr lang="de-DE"/>
           </a:p>
@@ -2520,7 +2524,7 @@
           <a:p>
             <a:fld id="{BEF970E4-9540-437D-B70A-0A41E70CE984}" type="datetime4">
               <a:rPr lang="de-DE" smtClean="0"/>
-              <a:t>12. January 2017</a:t>
+              <a:t>18. Januar 2017</a:t>
             </a:fld>
             <a:endParaRPr lang="de-DE"/>
           </a:p>
@@ -2660,7 +2664,7 @@
           <a:p>
             <a:fld id="{BEF970E4-9540-437D-B70A-0A41E70CE984}" type="datetime4">
               <a:rPr lang="de-DE" smtClean="0"/>
-              <a:t>9. January 2017</a:t>
+              <a:t>18. Januar 2017</a:t>
             </a:fld>
             <a:endParaRPr lang="de-DE"/>
           </a:p>
@@ -2711,7 +2715,7 @@
             <a:fld id="{C36AA9A4-5D0B-4134-89A6-D8B9DAA4F25C}" type="slidenum">
               <a:rPr lang="de-DE" smtClean="0"/>
               <a:pPr/>
-              <a:t>14</a:t>
+              <a:t>17</a:t>
             </a:fld>
             <a:endParaRPr lang="de-DE"/>
           </a:p>
@@ -2804,7 +2808,7 @@
           <a:p>
             <a:fld id="{BEF970E4-9540-437D-B70A-0A41E70CE984}" type="datetime4">
               <a:rPr lang="de-DE" smtClean="0"/>
-              <a:t>11. January 2017</a:t>
+              <a:t>18. Januar 2017</a:t>
             </a:fld>
             <a:endParaRPr lang="de-DE"/>
           </a:p>
@@ -2854,7 +2858,7 @@
             <a:fld id="{C36AA9A4-5D0B-4134-89A6-D8B9DAA4F25C}" type="slidenum">
               <a:rPr lang="de-DE" smtClean="0"/>
               <a:pPr/>
-              <a:t>15</a:t>
+              <a:t>18</a:t>
             </a:fld>
             <a:endParaRPr lang="de-DE"/>
           </a:p>
@@ -2943,7 +2947,7 @@
           <a:p>
             <a:fld id="{BEF970E4-9540-437D-B70A-0A41E70CE984}" type="datetime4">
               <a:rPr lang="de-DE" smtClean="0"/>
-              <a:t>11. January 2017</a:t>
+              <a:t>18. Januar 2017</a:t>
             </a:fld>
             <a:endParaRPr lang="de-DE"/>
           </a:p>
@@ -2994,7 +2998,7 @@
             <a:fld id="{C36AA9A4-5D0B-4134-89A6-D8B9DAA4F25C}" type="slidenum">
               <a:rPr lang="de-DE" smtClean="0"/>
               <a:pPr/>
-              <a:t>16</a:t>
+              <a:t>19</a:t>
             </a:fld>
             <a:endParaRPr lang="de-DE"/>
           </a:p>
@@ -3087,7 +3091,7 @@
           <a:p>
             <a:fld id="{BEF970E4-9540-437D-B70A-0A41E70CE984}" type="datetime4">
               <a:rPr lang="de-DE" smtClean="0"/>
-              <a:t>12. January 2017</a:t>
+              <a:t>18. Januar 2017</a:t>
             </a:fld>
             <a:endParaRPr lang="de-DE"/>
           </a:p>
@@ -3137,7 +3141,7 @@
             <a:fld id="{C36AA9A4-5D0B-4134-89A6-D8B9DAA4F25C}" type="slidenum">
               <a:rPr lang="de-DE" smtClean="0"/>
               <a:pPr/>
-              <a:t>17</a:t>
+              <a:t>20</a:t>
             </a:fld>
             <a:endParaRPr lang="de-DE"/>
           </a:p>
@@ -3226,7 +3230,7 @@
           <a:p>
             <a:fld id="{BEF970E4-9540-437D-B70A-0A41E70CE984}" type="datetime4">
               <a:rPr lang="de-DE" smtClean="0"/>
-              <a:t>9. January 2017</a:t>
+              <a:t>18. Januar 2017</a:t>
             </a:fld>
             <a:endParaRPr lang="de-DE"/>
           </a:p>
@@ -3277,7 +3281,7 @@
             <a:fld id="{C36AA9A4-5D0B-4134-89A6-D8B9DAA4F25C}" type="slidenum">
               <a:rPr lang="de-DE" smtClean="0"/>
               <a:pPr/>
-              <a:t>18</a:t>
+              <a:t>21</a:t>
             </a:fld>
             <a:endParaRPr lang="de-DE"/>
           </a:p>
@@ -3370,7 +3374,7 @@
           <a:p>
             <a:fld id="{BEF970E4-9540-437D-B70A-0A41E70CE984}" type="datetime4">
               <a:rPr lang="de-DE" smtClean="0"/>
-              <a:t>12. January 2017</a:t>
+              <a:t>18. Januar 2017</a:t>
             </a:fld>
             <a:endParaRPr lang="de-DE"/>
           </a:p>
@@ -3420,7 +3424,7 @@
             <a:fld id="{C36AA9A4-5D0B-4134-89A6-D8B9DAA4F25C}" type="slidenum">
               <a:rPr lang="de-DE" smtClean="0"/>
               <a:pPr/>
-              <a:t>19</a:t>
+              <a:t>22</a:t>
             </a:fld>
             <a:endParaRPr lang="de-DE"/>
           </a:p>
@@ -3509,7 +3513,7 @@
           <a:p>
             <a:fld id="{BEF970E4-9540-437D-B70A-0A41E70CE984}" type="datetime4">
               <a:rPr lang="de-DE" smtClean="0"/>
-              <a:t>11. January 2017</a:t>
+              <a:t>18. Januar 2017</a:t>
             </a:fld>
             <a:endParaRPr lang="de-DE"/>
           </a:p>
@@ -3560,7 +3564,7 @@
             <a:fld id="{C36AA9A4-5D0B-4134-89A6-D8B9DAA4F25C}" type="slidenum">
               <a:rPr lang="de-DE" smtClean="0"/>
               <a:pPr/>
-              <a:t>20</a:t>
+              <a:t>23</a:t>
             </a:fld>
             <a:endParaRPr lang="de-DE"/>
           </a:p>
@@ -3653,7 +3657,7 @@
           <a:p>
             <a:fld id="{BEF970E4-9540-437D-B70A-0A41E70CE984}" type="datetime4">
               <a:rPr lang="de-DE" smtClean="0"/>
-              <a:t>9. January 2017</a:t>
+              <a:t>18. Januar 2017</a:t>
             </a:fld>
             <a:endParaRPr lang="de-DE"/>
           </a:p>
@@ -3703,7 +3707,7 @@
             <a:fld id="{C36AA9A4-5D0B-4134-89A6-D8B9DAA4F25C}" type="slidenum">
               <a:rPr lang="de-DE" smtClean="0"/>
               <a:pPr/>
-              <a:t>21</a:t>
+              <a:t>24</a:t>
             </a:fld>
             <a:endParaRPr lang="de-DE"/>
           </a:p>
@@ -3796,7 +3800,7 @@
           <a:p>
             <a:fld id="{BEF970E4-9540-437D-B70A-0A41E70CE984}" type="datetime4">
               <a:rPr lang="de-DE" smtClean="0"/>
-              <a:t>9. January 2017</a:t>
+              <a:t>18. Januar 2017</a:t>
             </a:fld>
             <a:endParaRPr lang="de-DE"/>
           </a:p>
@@ -3953,7 +3957,7 @@
           <a:p>
             <a:fld id="{BEF970E4-9540-437D-B70A-0A41E70CE984}" type="datetime4">
               <a:rPr lang="de-DE" smtClean="0"/>
-              <a:t>4. January 2017</a:t>
+              <a:t>18. Januar 2017</a:t>
             </a:fld>
             <a:endParaRPr lang="de-DE"/>
           </a:p>
@@ -4101,7 +4105,7 @@
           <a:p>
             <a:fld id="{BEF970E4-9540-437D-B70A-0A41E70CE984}" type="datetime4">
               <a:rPr lang="de-DE" smtClean="0"/>
-              <a:t>9. January 2017</a:t>
+              <a:t>18. Januar 2017</a:t>
             </a:fld>
             <a:endParaRPr lang="de-DE"/>
           </a:p>
@@ -4249,7 +4253,7 @@
           <a:p>
             <a:fld id="{BEF970E4-9540-437D-B70A-0A41E70CE984}" type="datetime4">
               <a:rPr lang="de-DE" smtClean="0"/>
-              <a:t>12. January 2017</a:t>
+              <a:t>18. Januar 2017</a:t>
             </a:fld>
             <a:endParaRPr lang="de-DE"/>
           </a:p>
@@ -4397,7 +4401,7 @@
           <a:p>
             <a:fld id="{BEF970E4-9540-437D-B70A-0A41E70CE984}" type="datetime4">
               <a:rPr lang="de-DE" smtClean="0"/>
-              <a:t>12. January 2017</a:t>
+              <a:t>18. Januar 2017</a:t>
             </a:fld>
             <a:endParaRPr lang="de-DE"/>
           </a:p>
@@ -4537,7 +4541,7 @@
           <a:p>
             <a:fld id="{BEF970E4-9540-437D-B70A-0A41E70CE984}" type="datetime4">
               <a:rPr lang="de-DE" smtClean="0"/>
-              <a:t>12. January 2017</a:t>
+              <a:t>18. Januar 2017</a:t>
             </a:fld>
             <a:endParaRPr lang="de-DE"/>
           </a:p>
@@ -4587,7 +4591,7 @@
             <a:fld id="{C36AA9A4-5D0B-4134-89A6-D8B9DAA4F25C}" type="slidenum">
               <a:rPr lang="de-DE" smtClean="0"/>
               <a:pPr/>
-              <a:t>11</a:t>
+              <a:t>14</a:t>
             </a:fld>
             <a:endParaRPr lang="de-DE"/>
           </a:p>
@@ -4676,7 +4680,7 @@
           <a:p>
             <a:fld id="{BEF970E4-9540-437D-B70A-0A41E70CE984}" type="datetime4">
               <a:rPr lang="de-DE" smtClean="0"/>
-              <a:t>11. January 2017</a:t>
+              <a:t>18. Januar 2017</a:t>
             </a:fld>
             <a:endParaRPr lang="de-DE"/>
           </a:p>
@@ -4727,7 +4731,7 @@
             <a:fld id="{C36AA9A4-5D0B-4134-89A6-D8B9DAA4F25C}" type="slidenum">
               <a:rPr lang="de-DE" smtClean="0"/>
               <a:pPr/>
-              <a:t>12</a:t>
+              <a:t>15</a:t>
             </a:fld>
             <a:endParaRPr lang="de-DE"/>
           </a:p>
@@ -4816,7 +4820,7 @@
           <a:p>
             <a:fld id="{BEF970E4-9540-437D-B70A-0A41E70CE984}" type="datetime4">
               <a:rPr lang="de-DE" smtClean="0"/>
-              <a:t>5. January 2017</a:t>
+              <a:t>18. Januar 2017</a:t>
             </a:fld>
             <a:endParaRPr lang="de-DE"/>
           </a:p>
@@ -4866,7 +4870,7 @@
             <a:fld id="{C36AA9A4-5D0B-4134-89A6-D8B9DAA4F25C}" type="slidenum">
               <a:rPr lang="de-DE" smtClean="0"/>
               <a:pPr/>
-              <a:t>13</a:t>
+              <a:t>16</a:t>
             </a:fld>
             <a:endParaRPr lang="de-DE"/>
           </a:p>
@@ -5252,7 +5256,7 @@
                 <a:tabLst/>
                 <a:defRPr/>
               </a:pPr>
-              <a:t>04.01.17</a:t>
+              <a:t>18.01.2017</a:t>
             </a:fld>
             <a:r>
               <a:rPr kumimoji="0" lang="de-DE" sz="1000" b="0" i="0" u="none" strike="noStrike" kern="1200" cap="none" spc="0" normalizeH="0" baseline="0" noProof="0" dirty="0">
@@ -5803,7 +5807,7 @@
                 <a:tabLst/>
                 <a:defRPr/>
               </a:pPr>
-              <a:t>04.01.17</a:t>
+              <a:t>18.01.2017</a:t>
             </a:fld>
             <a:r>
               <a:rPr kumimoji="0" lang="de-DE" sz="1000" b="0" i="0" u="none" strike="noStrike" kern="1200" cap="none" spc="0" normalizeH="0" baseline="0" noProof="0" dirty="0">
@@ -8806,7 +8810,7 @@
                 <a:tabLst/>
                 <a:defRPr/>
               </a:pPr>
-              <a:t>04.01.17</a:t>
+              <a:t>18.01.2017</a:t>
             </a:fld>
             <a:r>
               <a:rPr kumimoji="0" lang="de-DE" sz="1000" b="0" i="0" u="none" strike="noStrike" kern="1200" cap="none" spc="0" normalizeH="0" baseline="0" noProof="0" dirty="0">
@@ -9890,7 +9894,7 @@
                 <a:tabLst/>
                 <a:defRPr/>
               </a:pPr>
-              <a:t>04.01.17</a:t>
+              <a:t>18.01.2017</a:t>
             </a:fld>
             <a:r>
               <a:rPr kumimoji="0" lang="de-DE" sz="1000" b="0" i="0" u="none" strike="noStrike" kern="1200" cap="none" spc="0" normalizeH="0" baseline="0" noProof="0" dirty="0">
@@ -10613,11 +10617,11 @@
   <p:clrMapOvr>
     <a:masterClrMapping/>
   </p:clrMapOvr>
-  <mc:AlternateContent xmlns:mc="http://schemas.openxmlformats.org/markup-compatibility/2006">
-    <mc:Choice xmlns:p14="http://schemas.microsoft.com/office/powerpoint/2010/main" Requires="p14">
+  <mc:AlternateContent xmlns:mc="http://schemas.openxmlformats.org/markup-compatibility/2006" xmlns:p14="http://schemas.microsoft.com/office/powerpoint/2010/main">
+    <mc:Choice Requires="p14">
       <p:transition p14:dur="0"/>
     </mc:Choice>
-    <mc:Fallback>
+    <mc:Fallback xmlns="">
       <p:transition/>
     </mc:Fallback>
   </mc:AlternateContent>
@@ -10664,9 +10668,17 @@
           <a:lstStyle/>
           <a:p>
             <a:r>
-              <a:rPr lang="en-US" dirty="0"/>
-              <a:t>Outline</a:t>
-            </a:r>
+              <a:rPr lang="de-DE" dirty="0" smtClean="0"/>
+              <a:t>OPARI</a:t>
+            </a:r>
+            <a:br>
+              <a:rPr lang="de-DE" dirty="0" smtClean="0"/>
+            </a:br>
+            <a:r>
+              <a:rPr lang="de-DE" dirty="0" smtClean="0"/>
+              <a:t>OpenMP Pragma And Region Instrumenter</a:t>
+            </a:r>
+            <a:endParaRPr lang="en-US" dirty="0"/>
           </a:p>
         </p:txBody>
       </p:sp>
@@ -10685,79 +10697,20 @@
           <a:bodyPr/>
           <a:lstStyle/>
           <a:p>
-            <a:pPr marL="342900" indent="-342900">
-              <a:buFont typeface="Arial" panose="020B0604020202020204" pitchFamily="34" charset="0"/>
-              <a:buChar char="•"/>
-            </a:pPr>
-            <a:r>
-              <a:rPr lang="en-US" dirty="0" smtClean="0"/>
-              <a:t>Introduction</a:t>
-            </a:r>
             <a:endParaRPr lang="en-US" dirty="0"/>
-          </a:p>
-          <a:p>
-            <a:pPr marL="342900" indent="-342900">
-              <a:buFont typeface="Arial" panose="020B0604020202020204" pitchFamily="34" charset="0"/>
-              <a:buChar char="•"/>
-            </a:pPr>
-            <a:r>
-              <a:rPr lang="en-US" dirty="0"/>
-              <a:t>State of the Art</a:t>
-            </a:r>
-          </a:p>
-          <a:p>
-            <a:pPr marL="342900" lvl="1" indent="-342900">
-              <a:buFont typeface="Arial" panose="020B0604020202020204" pitchFamily="34" charset="0"/>
-              <a:buChar char="•"/>
-            </a:pPr>
-            <a:r>
-              <a:rPr lang="en-US" b="1" dirty="0" smtClean="0"/>
-              <a:t>Objectives</a:t>
-            </a:r>
-            <a:endParaRPr lang="en-US" b="1" dirty="0"/>
-          </a:p>
-          <a:p>
-            <a:pPr marL="342900" indent="-342900">
-              <a:buFont typeface="Arial" panose="020B0604020202020204" pitchFamily="34" charset="0"/>
-              <a:buChar char="•"/>
-            </a:pPr>
-            <a:r>
-              <a:rPr lang="en-US" dirty="0"/>
-              <a:t>Approach</a:t>
-            </a:r>
-          </a:p>
-          <a:p>
-            <a:pPr marL="342900" indent="-342900">
-              <a:buFont typeface="Arial" panose="020B0604020202020204" pitchFamily="34" charset="0"/>
-              <a:buChar char="•"/>
-            </a:pPr>
-            <a:r>
-              <a:rPr lang="en-US" dirty="0"/>
-              <a:t>Evaluation </a:t>
-            </a:r>
           </a:p>
         </p:txBody>
       </p:sp>
     </p:spTree>
     <p:extLst>
       <p:ext uri="{BB962C8B-B14F-4D97-AF65-F5344CB8AC3E}">
-        <p14:creationId xmlns:p14="http://schemas.microsoft.com/office/powerpoint/2010/main" val="1166822466"/>
+        <p14:creationId xmlns:p14="http://schemas.microsoft.com/office/powerpoint/2010/main" val="3361577911"/>
       </p:ext>
     </p:extLst>
   </p:cSld>
   <p:clrMapOvr>
     <a:masterClrMapping/>
   </p:clrMapOvr>
-  <p:transition spd="slow">
-    <p:wipe/>
-  </p:transition>
-  <p:timing>
-    <p:tnLst>
-      <p:par>
-        <p:cTn id="1" dur="indefinite" restart="never" nodeType="tmRoot"/>
-      </p:par>
-    </p:tnLst>
-  </p:timing>
 </p:sld>
 </file>
 
@@ -10794,9 +10747,10 @@
           <a:lstStyle/>
           <a:p>
             <a:r>
-              <a:rPr lang="en-US" dirty="0"/>
-              <a:t>Objectives</a:t>
-            </a:r>
+              <a:rPr lang="de-DE" dirty="0" smtClean="0"/>
+              <a:t>ThreadSpotter</a:t>
+            </a:r>
+            <a:endParaRPr lang="en-US" dirty="0"/>
           </a:p>
         </p:txBody>
       </p:sp>
@@ -10810,138 +10764,25 @@
             <p:ph idx="1"/>
           </p:nvPr>
         </p:nvSpPr>
-        <p:spPr>
-          <a:xfrm>
-            <a:off x="360000" y="1620000"/>
-            <a:ext cx="8244447" cy="4479943"/>
-          </a:xfrm>
-        </p:spPr>
+        <p:spPr/>
         <p:txBody>
           <a:bodyPr/>
           <a:lstStyle/>
           <a:p>
-            <a:pPr marL="342900" indent="-342900">
-              <a:buFont typeface="Arial" charset="0"/>
-              <a:buChar char="•"/>
-            </a:pPr>
-            <a:r>
-              <a:rPr lang="en-US" dirty="0" smtClean="0"/>
-              <a:t>Extend </a:t>
-            </a:r>
-            <a:r>
-              <a:rPr lang="en-US" dirty="0" err="1" smtClean="0"/>
-              <a:t>DiscoPoP</a:t>
-            </a:r>
-            <a:r>
-              <a:rPr lang="en-US" dirty="0" smtClean="0"/>
-              <a:t> </a:t>
-            </a:r>
-          </a:p>
-          <a:p>
-            <a:pPr marL="701675" lvl="2" indent="-342900">
-              <a:buFont typeface="Arial" charset="0"/>
-              <a:buChar char="•"/>
-            </a:pPr>
-            <a:r>
-              <a:rPr lang="en-US" dirty="0" smtClean="0"/>
-              <a:t>OpenMP support (Data dependence)</a:t>
-            </a:r>
-          </a:p>
-          <a:p>
-            <a:pPr marL="701675" lvl="2" indent="-342900">
-              <a:buFont typeface="Arial" charset="0"/>
-              <a:buChar char="•"/>
-            </a:pPr>
-            <a:r>
-              <a:rPr lang="en-US" dirty="0" smtClean="0"/>
-              <a:t>Communication pattern detection (Threads communication)</a:t>
-            </a:r>
-          </a:p>
-          <a:p>
-            <a:pPr marL="701675" lvl="2" indent="-342900">
-              <a:buFont typeface="Arial" charset="0"/>
-              <a:buChar char="•"/>
-            </a:pPr>
-            <a:endParaRPr lang="en-US" dirty="0" smtClean="0"/>
-          </a:p>
-          <a:p>
-            <a:pPr marL="342900" lvl="1" indent="-342900">
-              <a:buFont typeface="Arial" charset="0"/>
-              <a:buChar char="•"/>
-            </a:pPr>
-            <a:r>
-              <a:rPr lang="en-US" dirty="0" smtClean="0"/>
-              <a:t>Adding temporal </a:t>
-            </a:r>
-            <a:r>
-              <a:rPr lang="en-US" dirty="0"/>
-              <a:t>i</a:t>
-            </a:r>
-            <a:r>
-              <a:rPr lang="en-US" dirty="0" smtClean="0"/>
-              <a:t>nformation to communication patterns </a:t>
-            </a:r>
-          </a:p>
-          <a:p>
-            <a:pPr marL="342900" lvl="1" indent="-342900">
-              <a:buFont typeface="Arial" charset="0"/>
-              <a:buChar char="•"/>
-            </a:pPr>
-            <a:endParaRPr lang="en-US" dirty="0" smtClean="0"/>
-          </a:p>
-          <a:p>
-            <a:pPr marL="342900" lvl="1" indent="-342900">
-              <a:buFont typeface="Arial" charset="0"/>
-              <a:buChar char="•"/>
-            </a:pPr>
-            <a:r>
-              <a:rPr lang="en-US" dirty="0" smtClean="0"/>
-              <a:t>Find a use-case</a:t>
-            </a:r>
-          </a:p>
-          <a:p>
-            <a:pPr marL="701675" lvl="2" indent="-342900">
-              <a:buFont typeface="Arial" charset="0"/>
-              <a:buChar char="•"/>
-            </a:pPr>
-            <a:r>
-              <a:rPr lang="en-US" dirty="0" smtClean="0"/>
-              <a:t>Thread mapping</a:t>
-            </a:r>
-          </a:p>
-          <a:p>
-            <a:pPr marL="701675" lvl="2" indent="-342900">
-              <a:buFont typeface="Arial" charset="0"/>
-              <a:buChar char="•"/>
-            </a:pPr>
-            <a:r>
-              <a:rPr lang="en-US" dirty="0" smtClean="0"/>
-              <a:t>Thread synchronization</a:t>
-            </a:r>
-            <a:endParaRPr lang="en-US" dirty="0"/>
+            <a:endParaRPr lang="en-US"/>
           </a:p>
         </p:txBody>
       </p:sp>
     </p:spTree>
     <p:extLst>
       <p:ext uri="{BB962C8B-B14F-4D97-AF65-F5344CB8AC3E}">
-        <p14:creationId xmlns:p14="http://schemas.microsoft.com/office/powerpoint/2010/main" val="1583731665"/>
+        <p14:creationId xmlns:p14="http://schemas.microsoft.com/office/powerpoint/2010/main" val="2700446556"/>
       </p:ext>
     </p:extLst>
   </p:cSld>
   <p:clrMapOvr>
     <a:masterClrMapping/>
   </p:clrMapOvr>
-  <p:transition spd="slow">
-    <p:wipe/>
-  </p:transition>
-  <p:timing>
-    <p:tnLst>
-      <p:par>
-        <p:cTn id="1" dur="indefinite" restart="never" nodeType="tmRoot"/>
-      </p:par>
-    </p:tnLst>
-  </p:timing>
 </p:sld>
 </file>
 
@@ -10978,6 +10819,429 @@
           <a:lstStyle/>
           <a:p>
             <a:r>
+              <a:rPr lang="de-DE" dirty="0" smtClean="0"/>
+              <a:t>Thread Mapping</a:t>
+            </a:r>
+            <a:endParaRPr lang="en-US" dirty="0"/>
+          </a:p>
+        </p:txBody>
+      </p:sp>
+      <p:sp>
+        <p:nvSpPr>
+          <p:cNvPr id="3" name="Content Placeholder 2"/>
+          <p:cNvSpPr>
+            <a:spLocks noGrp="1"/>
+          </p:cNvSpPr>
+          <p:nvPr>
+            <p:ph idx="1"/>
+          </p:nvPr>
+        </p:nvSpPr>
+        <p:spPr/>
+        <p:txBody>
+          <a:bodyPr/>
+          <a:lstStyle/>
+          <a:p>
+            <a:r>
+              <a:rPr lang="de-DE" dirty="0" smtClean="0"/>
+              <a:t>Different Approaches</a:t>
+            </a:r>
+          </a:p>
+          <a:p>
+            <a:r>
+              <a:rPr lang="de-DE" dirty="0"/>
+              <a:t>	</a:t>
+            </a:r>
+            <a:r>
+              <a:rPr lang="de-DE" dirty="0" smtClean="0"/>
+              <a:t>Locality</a:t>
+            </a:r>
+          </a:p>
+          <a:p>
+            <a:r>
+              <a:rPr lang="de-DE" dirty="0"/>
+              <a:t>	</a:t>
+            </a:r>
+            <a:r>
+              <a:rPr lang="de-DE" dirty="0" smtClean="0"/>
+              <a:t>Ballance</a:t>
+            </a:r>
+          </a:p>
+          <a:p>
+            <a:r>
+              <a:rPr lang="en-US" dirty="0"/>
+              <a:t>Mapping Policies</a:t>
+            </a:r>
+            <a:endParaRPr lang="de-DE" dirty="0"/>
+          </a:p>
+          <a:p>
+            <a:r>
+              <a:rPr lang="de-DE" dirty="0" smtClean="0"/>
+              <a:t>Refer to the paper of Mathias Dienner</a:t>
+            </a:r>
+            <a:endParaRPr lang="en-US" dirty="0"/>
+          </a:p>
+        </p:txBody>
+      </p:sp>
+    </p:spTree>
+    <p:extLst>
+      <p:ext uri="{BB962C8B-B14F-4D97-AF65-F5344CB8AC3E}">
+        <p14:creationId xmlns:p14="http://schemas.microsoft.com/office/powerpoint/2010/main" val="3692018628"/>
+      </p:ext>
+    </p:extLst>
+  </p:cSld>
+  <p:clrMapOvr>
+    <a:masterClrMapping/>
+  </p:clrMapOvr>
+</p:sld>
+</file>
+
+<file path=ppt/slides/slide13.xml><?xml version="1.0" encoding="utf-8"?>
+<p:sld xmlns:a="http://schemas.openxmlformats.org/drawingml/2006/main" xmlns:r="http://schemas.openxmlformats.org/officeDocument/2006/relationships" xmlns:p="http://schemas.openxmlformats.org/presentationml/2006/main">
+  <p:cSld>
+    <p:spTree>
+      <p:nvGrpSpPr>
+        <p:cNvPr id="1" name=""/>
+        <p:cNvGrpSpPr/>
+        <p:nvPr/>
+      </p:nvGrpSpPr>
+      <p:grpSpPr>
+        <a:xfrm>
+          <a:off x="0" y="0"/>
+          <a:ext cx="0" cy="0"/>
+          <a:chOff x="0" y="0"/>
+          <a:chExt cx="0" cy="0"/>
+        </a:xfrm>
+      </p:grpSpPr>
+      <p:sp>
+        <p:nvSpPr>
+          <p:cNvPr id="2" name="Title 1"/>
+          <p:cNvSpPr>
+            <a:spLocks noGrp="1"/>
+          </p:cNvSpPr>
+          <p:nvPr>
+            <p:ph type="title"/>
+          </p:nvPr>
+        </p:nvSpPr>
+        <p:spPr/>
+        <p:txBody>
+          <a:bodyPr/>
+          <a:lstStyle/>
+          <a:p>
+            <a:r>
+              <a:rPr lang="en-US" dirty="0"/>
+              <a:t>Outline</a:t>
+            </a:r>
+          </a:p>
+        </p:txBody>
+      </p:sp>
+      <p:sp>
+        <p:nvSpPr>
+          <p:cNvPr id="3" name="Content Placeholder 2"/>
+          <p:cNvSpPr>
+            <a:spLocks noGrp="1"/>
+          </p:cNvSpPr>
+          <p:nvPr>
+            <p:ph idx="1"/>
+          </p:nvPr>
+        </p:nvSpPr>
+        <p:spPr/>
+        <p:txBody>
+          <a:bodyPr/>
+          <a:lstStyle/>
+          <a:p>
+            <a:pPr marL="342900" indent="-342900">
+              <a:buFont typeface="Arial" panose="020B0604020202020204" pitchFamily="34" charset="0"/>
+              <a:buChar char="•"/>
+            </a:pPr>
+            <a:r>
+              <a:rPr lang="en-US" dirty="0" smtClean="0"/>
+              <a:t>Introduction</a:t>
+            </a:r>
+            <a:endParaRPr lang="en-US" dirty="0"/>
+          </a:p>
+          <a:p>
+            <a:pPr marL="342900" indent="-342900">
+              <a:buFont typeface="Arial" panose="020B0604020202020204" pitchFamily="34" charset="0"/>
+              <a:buChar char="•"/>
+            </a:pPr>
+            <a:r>
+              <a:rPr lang="en-US" dirty="0"/>
+              <a:t>State of the Art</a:t>
+            </a:r>
+          </a:p>
+          <a:p>
+            <a:pPr marL="342900" lvl="1" indent="-342900">
+              <a:buFont typeface="Arial" panose="020B0604020202020204" pitchFamily="34" charset="0"/>
+              <a:buChar char="•"/>
+            </a:pPr>
+            <a:r>
+              <a:rPr lang="en-US" b="1" dirty="0" smtClean="0"/>
+              <a:t>Objectives</a:t>
+            </a:r>
+            <a:endParaRPr lang="en-US" b="1" dirty="0"/>
+          </a:p>
+          <a:p>
+            <a:pPr marL="342900" indent="-342900">
+              <a:buFont typeface="Arial" panose="020B0604020202020204" pitchFamily="34" charset="0"/>
+              <a:buChar char="•"/>
+            </a:pPr>
+            <a:r>
+              <a:rPr lang="en-US" dirty="0"/>
+              <a:t>Approach</a:t>
+            </a:r>
+          </a:p>
+          <a:p>
+            <a:pPr marL="342900" indent="-342900">
+              <a:buFont typeface="Arial" panose="020B0604020202020204" pitchFamily="34" charset="0"/>
+              <a:buChar char="•"/>
+            </a:pPr>
+            <a:r>
+              <a:rPr lang="en-US" dirty="0"/>
+              <a:t>Evaluation </a:t>
+            </a:r>
+          </a:p>
+        </p:txBody>
+      </p:sp>
+    </p:spTree>
+    <p:extLst>
+      <p:ext uri="{BB962C8B-B14F-4D97-AF65-F5344CB8AC3E}">
+        <p14:creationId xmlns:p14="http://schemas.microsoft.com/office/powerpoint/2010/main" val="1166822466"/>
+      </p:ext>
+    </p:extLst>
+  </p:cSld>
+  <p:clrMapOvr>
+    <a:masterClrMapping/>
+  </p:clrMapOvr>
+  <p:transition spd="slow">
+    <p:wipe/>
+  </p:transition>
+  <p:timing>
+    <p:tnLst>
+      <p:par>
+        <p:cTn id="1" dur="indefinite" restart="never" nodeType="tmRoot"/>
+      </p:par>
+    </p:tnLst>
+  </p:timing>
+</p:sld>
+</file>
+
+<file path=ppt/slides/slide14.xml><?xml version="1.0" encoding="utf-8"?>
+<p:sld xmlns:a="http://schemas.openxmlformats.org/drawingml/2006/main" xmlns:r="http://schemas.openxmlformats.org/officeDocument/2006/relationships" xmlns:p="http://schemas.openxmlformats.org/presentationml/2006/main">
+  <p:cSld>
+    <p:spTree>
+      <p:nvGrpSpPr>
+        <p:cNvPr id="1" name=""/>
+        <p:cNvGrpSpPr/>
+        <p:nvPr/>
+      </p:nvGrpSpPr>
+      <p:grpSpPr>
+        <a:xfrm>
+          <a:off x="0" y="0"/>
+          <a:ext cx="0" cy="0"/>
+          <a:chOff x="0" y="0"/>
+          <a:chExt cx="0" cy="0"/>
+        </a:xfrm>
+      </p:grpSpPr>
+      <p:sp>
+        <p:nvSpPr>
+          <p:cNvPr id="2" name="Title 1"/>
+          <p:cNvSpPr>
+            <a:spLocks noGrp="1"/>
+          </p:cNvSpPr>
+          <p:nvPr>
+            <p:ph type="title"/>
+          </p:nvPr>
+        </p:nvSpPr>
+        <p:spPr/>
+        <p:txBody>
+          <a:bodyPr/>
+          <a:lstStyle/>
+          <a:p>
+            <a:r>
+              <a:rPr lang="en-US" dirty="0"/>
+              <a:t>Objectives</a:t>
+            </a:r>
+          </a:p>
+        </p:txBody>
+      </p:sp>
+      <p:sp>
+        <p:nvSpPr>
+          <p:cNvPr id="3" name="Content Placeholder 2"/>
+          <p:cNvSpPr>
+            <a:spLocks noGrp="1"/>
+          </p:cNvSpPr>
+          <p:nvPr>
+            <p:ph idx="1"/>
+          </p:nvPr>
+        </p:nvSpPr>
+        <p:spPr>
+          <a:xfrm>
+            <a:off x="360000" y="1620000"/>
+            <a:ext cx="8244447" cy="4479943"/>
+          </a:xfrm>
+        </p:spPr>
+        <p:txBody>
+          <a:bodyPr/>
+          <a:lstStyle/>
+          <a:p>
+            <a:pPr marL="342900" indent="-342900">
+              <a:buFont typeface="Arial" charset="0"/>
+              <a:buChar char="•"/>
+            </a:pPr>
+            <a:r>
+              <a:rPr lang="en-US" dirty="0" smtClean="0"/>
+              <a:t>Extend </a:t>
+            </a:r>
+            <a:r>
+              <a:rPr lang="en-US" dirty="0" err="1" smtClean="0"/>
+              <a:t>DiscoPoP</a:t>
+            </a:r>
+            <a:r>
+              <a:rPr lang="en-US" dirty="0" smtClean="0"/>
+              <a:t> </a:t>
+            </a:r>
+          </a:p>
+          <a:p>
+            <a:pPr marL="701675" lvl="2" indent="-342900">
+              <a:buFont typeface="Arial" charset="0"/>
+              <a:buChar char="•"/>
+            </a:pPr>
+            <a:r>
+              <a:rPr lang="en-US" dirty="0" smtClean="0"/>
+              <a:t>OpenMP support (Data dependence)</a:t>
+            </a:r>
+          </a:p>
+          <a:p>
+            <a:pPr marL="701675" lvl="2" indent="-342900">
+              <a:buFont typeface="Arial" charset="0"/>
+              <a:buChar char="•"/>
+            </a:pPr>
+            <a:r>
+              <a:rPr lang="en-US" dirty="0" smtClean="0"/>
+              <a:t>Communication pattern detection (Threads communication)</a:t>
+            </a:r>
+          </a:p>
+          <a:p>
+            <a:pPr marL="701675" lvl="2" indent="-342900">
+              <a:buFont typeface="Arial" charset="0"/>
+              <a:buChar char="•"/>
+            </a:pPr>
+            <a:endParaRPr lang="en-US" dirty="0" smtClean="0"/>
+          </a:p>
+          <a:p>
+            <a:pPr marL="342900" lvl="1" indent="-342900">
+              <a:buFont typeface="Arial" charset="0"/>
+              <a:buChar char="•"/>
+            </a:pPr>
+            <a:r>
+              <a:rPr lang="en-US" dirty="0" smtClean="0"/>
+              <a:t>Adding temporal </a:t>
+            </a:r>
+            <a:r>
+              <a:rPr lang="en-US" dirty="0"/>
+              <a:t>i</a:t>
+            </a:r>
+            <a:r>
+              <a:rPr lang="en-US" dirty="0" smtClean="0"/>
+              <a:t>nformation to communication patterns </a:t>
+            </a:r>
+          </a:p>
+          <a:p>
+            <a:pPr marL="342900" lvl="1" indent="-342900">
+              <a:buFont typeface="Arial" charset="0"/>
+              <a:buChar char="•"/>
+            </a:pPr>
+            <a:endParaRPr lang="en-US" dirty="0" smtClean="0"/>
+          </a:p>
+          <a:p>
+            <a:pPr marL="342900" lvl="1" indent="-342900">
+              <a:buFont typeface="Arial" charset="0"/>
+              <a:buChar char="•"/>
+            </a:pPr>
+            <a:r>
+              <a:rPr lang="en-US" dirty="0" smtClean="0"/>
+              <a:t>Find a use-case</a:t>
+            </a:r>
+          </a:p>
+          <a:p>
+            <a:pPr marL="701675" lvl="2" indent="-342900">
+              <a:buFont typeface="Arial" charset="0"/>
+              <a:buChar char="•"/>
+            </a:pPr>
+            <a:r>
+              <a:rPr lang="en-US" dirty="0" smtClean="0"/>
+              <a:t>Thread mapping</a:t>
+            </a:r>
+          </a:p>
+          <a:p>
+            <a:pPr marL="701675" lvl="2" indent="-342900">
+              <a:buFont typeface="Arial" charset="0"/>
+              <a:buChar char="•"/>
+            </a:pPr>
+            <a:r>
+              <a:rPr lang="en-US" dirty="0" smtClean="0"/>
+              <a:t>Thread synchronization</a:t>
+            </a:r>
+            <a:endParaRPr lang="en-US" dirty="0"/>
+          </a:p>
+        </p:txBody>
+      </p:sp>
+    </p:spTree>
+    <p:extLst>
+      <p:ext uri="{BB962C8B-B14F-4D97-AF65-F5344CB8AC3E}">
+        <p14:creationId xmlns:p14="http://schemas.microsoft.com/office/powerpoint/2010/main" val="1583731665"/>
+      </p:ext>
+    </p:extLst>
+  </p:cSld>
+  <p:clrMapOvr>
+    <a:masterClrMapping/>
+  </p:clrMapOvr>
+  <p:transition spd="slow">
+    <p:wipe/>
+  </p:transition>
+  <p:timing>
+    <p:tnLst>
+      <p:par>
+        <p:cTn id="1" dur="indefinite" restart="never" nodeType="tmRoot"/>
+      </p:par>
+    </p:tnLst>
+  </p:timing>
+</p:sld>
+</file>
+
+<file path=ppt/slides/slide15.xml><?xml version="1.0" encoding="utf-8"?>
+<p:sld xmlns:a="http://schemas.openxmlformats.org/drawingml/2006/main" xmlns:r="http://schemas.openxmlformats.org/officeDocument/2006/relationships" xmlns:p="http://schemas.openxmlformats.org/presentationml/2006/main">
+  <p:cSld>
+    <p:spTree>
+      <p:nvGrpSpPr>
+        <p:cNvPr id="1" name=""/>
+        <p:cNvGrpSpPr/>
+        <p:nvPr/>
+      </p:nvGrpSpPr>
+      <p:grpSpPr>
+        <a:xfrm>
+          <a:off x="0" y="0"/>
+          <a:ext cx="0" cy="0"/>
+          <a:chOff x="0" y="0"/>
+          <a:chExt cx="0" cy="0"/>
+        </a:xfrm>
+      </p:grpSpPr>
+      <p:sp>
+        <p:nvSpPr>
+          <p:cNvPr id="2" name="Title 1"/>
+          <p:cNvSpPr>
+            <a:spLocks noGrp="1"/>
+          </p:cNvSpPr>
+          <p:nvPr>
+            <p:ph type="title"/>
+          </p:nvPr>
+        </p:nvSpPr>
+        <p:spPr/>
+        <p:txBody>
+          <a:bodyPr/>
+          <a:lstStyle/>
+          <a:p>
+            <a:r>
               <a:rPr lang="en-US" dirty="0"/>
               <a:t>Outline</a:t>
             </a:r>
@@ -11115,7 +11379,7 @@
 </p:sld>
 </file>
 
-<file path=ppt/slides/slide13.xml><?xml version="1.0" encoding="utf-8"?>
+<file path=ppt/slides/slide16.xml><?xml version="1.0" encoding="utf-8"?>
 <p:sld xmlns:a="http://schemas.openxmlformats.org/drawingml/2006/main" xmlns:r="http://schemas.openxmlformats.org/officeDocument/2006/relationships" xmlns:p="http://schemas.openxmlformats.org/presentationml/2006/main">
   <p:cSld>
     <p:spTree>
@@ -12094,7 +12358,7 @@
 </p:sld>
 </file>
 
-<file path=ppt/slides/slide14.xml><?xml version="1.0" encoding="utf-8"?>
+<file path=ppt/slides/slide17.xml><?xml version="1.0" encoding="utf-8"?>
 <p:sld xmlns:a="http://schemas.openxmlformats.org/drawingml/2006/main" xmlns:r="http://schemas.openxmlformats.org/officeDocument/2006/relationships" xmlns:p="http://schemas.openxmlformats.org/presentationml/2006/main">
   <p:cSld>
     <p:spTree>
@@ -12264,7 +12528,7 @@
 </p:sld>
 </file>
 
-<file path=ppt/slides/slide15.xml><?xml version="1.0" encoding="utf-8"?>
+<file path=ppt/slides/slide18.xml><?xml version="1.0" encoding="utf-8"?>
 <p:sld xmlns:a="http://schemas.openxmlformats.org/drawingml/2006/main" xmlns:r="http://schemas.openxmlformats.org/officeDocument/2006/relationships" xmlns:p="http://schemas.openxmlformats.org/presentationml/2006/main">
   <p:cSld>
     <p:spTree>
@@ -12986,7 +13250,7 @@
 </p:sld>
 </file>
 
-<file path=ppt/slides/slide16.xml><?xml version="1.0" encoding="utf-8"?>
+<file path=ppt/slides/slide19.xml><?xml version="1.0" encoding="utf-8"?>
 <p:sld xmlns:a="http://schemas.openxmlformats.org/drawingml/2006/main" xmlns:r="http://schemas.openxmlformats.org/officeDocument/2006/relationships" xmlns:p="http://schemas.openxmlformats.org/presentationml/2006/main">
   <p:cSld>
     <p:spTree>
@@ -13155,7 +13419,3435 @@
 </p:sld>
 </file>
 
-<file path=ppt/slides/slide17.xml><?xml version="1.0" encoding="utf-8"?>
+<file path=ppt/slides/slide2.xml><?xml version="1.0" encoding="utf-8"?>
+<p:sld xmlns:a="http://schemas.openxmlformats.org/drawingml/2006/main" xmlns:r="http://schemas.openxmlformats.org/officeDocument/2006/relationships" xmlns:p="http://schemas.openxmlformats.org/presentationml/2006/main">
+  <p:cSld>
+    <p:spTree>
+      <p:nvGrpSpPr>
+        <p:cNvPr id="1" name=""/>
+        <p:cNvGrpSpPr/>
+        <p:nvPr/>
+      </p:nvGrpSpPr>
+      <p:grpSpPr>
+        <a:xfrm>
+          <a:off x="0" y="0"/>
+          <a:ext cx="0" cy="0"/>
+          <a:chOff x="0" y="0"/>
+          <a:chExt cx="0" cy="0"/>
+        </a:xfrm>
+      </p:grpSpPr>
+      <p:sp>
+        <p:nvSpPr>
+          <p:cNvPr id="2" name="Title 1"/>
+          <p:cNvSpPr>
+            <a:spLocks noGrp="1"/>
+          </p:cNvSpPr>
+          <p:nvPr>
+            <p:ph type="title"/>
+          </p:nvPr>
+        </p:nvSpPr>
+        <p:spPr/>
+        <p:txBody>
+          <a:bodyPr/>
+          <a:lstStyle/>
+          <a:p>
+            <a:pPr marL="701675" lvl="0" indent="-342900" fontAlgn="auto">
+              <a:spcBef>
+                <a:spcPts val="0"/>
+              </a:spcBef>
+              <a:spcAft>
+                <a:spcPts val="0"/>
+              </a:spcAft>
+            </a:pPr>
+            <a:r>
+              <a:rPr lang="en-US" dirty="0" smtClean="0"/>
+              <a:t>Why Temporal Information in Communication Pattern is Necessary?</a:t>
+            </a:r>
+            <a:endParaRPr lang="en-US" dirty="0"/>
+          </a:p>
+        </p:txBody>
+      </p:sp>
+      <p:sp>
+        <p:nvSpPr>
+          <p:cNvPr id="3" name="Content Placeholder 2"/>
+          <p:cNvSpPr>
+            <a:spLocks noGrp="1"/>
+          </p:cNvSpPr>
+          <p:nvPr>
+            <p:ph idx="1"/>
+          </p:nvPr>
+        </p:nvSpPr>
+        <p:spPr>
+          <a:xfrm>
+            <a:off x="360000" y="1693597"/>
+            <a:ext cx="8604488" cy="4615723"/>
+          </a:xfrm>
+        </p:spPr>
+        <p:txBody>
+          <a:bodyPr/>
+          <a:lstStyle/>
+          <a:p>
+            <a:pPr marL="342900" indent="-342900">
+              <a:buFont typeface="Arial" charset="0"/>
+              <a:buChar char="•"/>
+            </a:pPr>
+            <a:r>
+              <a:rPr lang="de-DE" dirty="0"/>
+              <a:t>T</a:t>
+            </a:r>
+            <a:r>
+              <a:rPr lang="de-DE" dirty="0" smtClean="0"/>
+              <a:t>hread </a:t>
+            </a:r>
+            <a:r>
+              <a:rPr lang="de-DE" dirty="0" err="1" smtClean="0"/>
+              <a:t>mapping</a:t>
+            </a:r>
+            <a:endParaRPr lang="de-DE" dirty="0" smtClean="0"/>
+          </a:p>
+          <a:p>
+            <a:pPr marL="701675" lvl="2" indent="-342900">
+              <a:buFont typeface="Arial" charset="0"/>
+              <a:buChar char="•"/>
+            </a:pPr>
+            <a:r>
+              <a:rPr lang="de-DE" dirty="0" err="1" smtClean="0"/>
+              <a:t>To</a:t>
+            </a:r>
+            <a:r>
+              <a:rPr lang="de-DE" dirty="0" smtClean="0"/>
+              <a:t> </a:t>
+            </a:r>
+            <a:r>
+              <a:rPr lang="de-DE" dirty="0" err="1" smtClean="0"/>
+              <a:t>have</a:t>
+            </a:r>
+            <a:r>
+              <a:rPr lang="de-DE" dirty="0" smtClean="0"/>
+              <a:t> </a:t>
+            </a:r>
+            <a:r>
+              <a:rPr lang="de-DE" dirty="0" err="1" smtClean="0"/>
+              <a:t>less</a:t>
+            </a:r>
+            <a:r>
+              <a:rPr lang="de-DE" dirty="0" smtClean="0"/>
+              <a:t> </a:t>
+            </a:r>
+            <a:r>
+              <a:rPr lang="de-DE" dirty="0" err="1" smtClean="0"/>
+              <a:t>communication</a:t>
+            </a:r>
+            <a:r>
+              <a:rPr lang="de-DE" dirty="0" smtClean="0"/>
+              <a:t> </a:t>
+            </a:r>
+            <a:r>
+              <a:rPr lang="de-DE" dirty="0" err="1" smtClean="0"/>
+              <a:t>overhead</a:t>
+            </a:r>
+            <a:endParaRPr lang="de-DE" dirty="0"/>
+          </a:p>
+          <a:p>
+            <a:pPr marL="881062" lvl="3" indent="-342900">
+              <a:buFont typeface="Arial" charset="0"/>
+              <a:buChar char="•"/>
+            </a:pPr>
+            <a:r>
+              <a:rPr lang="de-DE" dirty="0" err="1" smtClean="0"/>
+              <a:t>Based</a:t>
+            </a:r>
+            <a:r>
+              <a:rPr lang="de-DE" dirty="0" smtClean="0"/>
+              <a:t> on </a:t>
+            </a:r>
+            <a:r>
+              <a:rPr lang="de-DE" dirty="0" err="1" smtClean="0"/>
+              <a:t>the</a:t>
+            </a:r>
+            <a:r>
+              <a:rPr lang="de-DE" dirty="0" smtClean="0"/>
+              <a:t> </a:t>
+            </a:r>
+            <a:r>
+              <a:rPr lang="de-DE" dirty="0" err="1" smtClean="0"/>
+              <a:t>extracted</a:t>
+            </a:r>
+            <a:r>
+              <a:rPr lang="de-DE" dirty="0" smtClean="0"/>
+              <a:t> </a:t>
+            </a:r>
+            <a:r>
+              <a:rPr lang="de-DE" dirty="0" err="1" smtClean="0"/>
+              <a:t>communication</a:t>
+            </a:r>
+            <a:endParaRPr lang="de-DE" dirty="0" smtClean="0"/>
+          </a:p>
+          <a:p>
+            <a:pPr marL="358775" lvl="2" indent="0">
+              <a:buNone/>
+            </a:pPr>
+            <a:r>
+              <a:rPr lang="de-DE" dirty="0" err="1" smtClean="0"/>
+              <a:t>patterns</a:t>
+            </a:r>
+            <a:endParaRPr lang="de-DE" dirty="0" smtClean="0"/>
+          </a:p>
+          <a:p>
+            <a:pPr marL="701675" lvl="2" indent="-342900">
+              <a:buFont typeface="Arial" charset="0"/>
+              <a:buChar char="•"/>
+            </a:pPr>
+            <a:endParaRPr lang="de-DE" dirty="0" smtClean="0"/>
+          </a:p>
+          <a:p>
+            <a:pPr marL="342900" indent="-342900">
+              <a:buFont typeface="Arial" charset="0"/>
+              <a:buChar char="•"/>
+            </a:pPr>
+            <a:endParaRPr lang="de-DE" dirty="0" smtClean="0"/>
+          </a:p>
+          <a:p>
+            <a:pPr marL="342900" indent="-342900">
+              <a:buFont typeface="Arial" charset="0"/>
+              <a:buChar char="•"/>
+            </a:pPr>
+            <a:r>
+              <a:rPr lang="de-DE" dirty="0" smtClean="0"/>
+              <a:t>Thread </a:t>
+            </a:r>
+            <a:r>
+              <a:rPr lang="de-DE" dirty="0" err="1" smtClean="0"/>
+              <a:t>synchronization</a:t>
+            </a:r>
+            <a:endParaRPr lang="de-DE" dirty="0" smtClean="0"/>
+          </a:p>
+          <a:p>
+            <a:pPr marL="701675" lvl="2" indent="-342900">
+              <a:buFont typeface="Arial" charset="0"/>
+              <a:buChar char="•"/>
+            </a:pPr>
+            <a:r>
+              <a:rPr lang="de-DE" dirty="0" err="1" smtClean="0"/>
+              <a:t>To</a:t>
+            </a:r>
+            <a:r>
+              <a:rPr lang="de-DE" dirty="0" smtClean="0"/>
+              <a:t> </a:t>
+            </a:r>
+            <a:r>
+              <a:rPr lang="de-DE" dirty="0" err="1" smtClean="0"/>
+              <a:t>have</a:t>
+            </a:r>
+            <a:r>
+              <a:rPr lang="de-DE" dirty="0" smtClean="0"/>
+              <a:t> </a:t>
+            </a:r>
+            <a:r>
+              <a:rPr lang="de-DE" dirty="0" err="1" smtClean="0"/>
+              <a:t>better</a:t>
+            </a:r>
+            <a:r>
+              <a:rPr lang="de-DE" dirty="0" smtClean="0"/>
+              <a:t> </a:t>
+            </a:r>
+            <a:r>
+              <a:rPr lang="de-DE" dirty="0" err="1" smtClean="0"/>
+              <a:t>performance</a:t>
+            </a:r>
+            <a:endParaRPr lang="de-DE" dirty="0" smtClean="0"/>
+          </a:p>
+          <a:p>
+            <a:pPr marL="881062" lvl="3" indent="-342900">
+              <a:buFont typeface="Arial" charset="0"/>
+              <a:buChar char="•"/>
+            </a:pPr>
+            <a:r>
+              <a:rPr lang="de-DE" dirty="0" err="1" smtClean="0"/>
+              <a:t>By</a:t>
+            </a:r>
+            <a:r>
+              <a:rPr lang="de-DE" dirty="0" smtClean="0"/>
+              <a:t> </a:t>
+            </a:r>
+            <a:r>
+              <a:rPr lang="de-DE" dirty="0" err="1" smtClean="0"/>
+              <a:t>reducing</a:t>
+            </a:r>
+            <a:r>
+              <a:rPr lang="de-DE" dirty="0" smtClean="0"/>
+              <a:t> </a:t>
+            </a:r>
+            <a:r>
+              <a:rPr lang="de-DE" dirty="0" err="1" smtClean="0"/>
+              <a:t>energy</a:t>
+            </a:r>
+            <a:r>
+              <a:rPr lang="de-DE" dirty="0" smtClean="0"/>
+              <a:t> </a:t>
+            </a:r>
+            <a:r>
+              <a:rPr lang="de-DE" dirty="0" err="1" smtClean="0"/>
+              <a:t>consumption</a:t>
+            </a:r>
+            <a:endParaRPr lang="de-DE" dirty="0" smtClean="0"/>
+          </a:p>
+          <a:p>
+            <a:pPr marL="701675" lvl="2" indent="-342900">
+              <a:buFont typeface="Arial" charset="0"/>
+              <a:buChar char="•"/>
+            </a:pPr>
+            <a:endParaRPr lang="de-DE" dirty="0" smtClean="0"/>
+          </a:p>
+        </p:txBody>
+      </p:sp>
+      <p:grpSp>
+        <p:nvGrpSpPr>
+          <p:cNvPr id="120" name="Group 119"/>
+          <p:cNvGrpSpPr/>
+          <p:nvPr/>
+        </p:nvGrpSpPr>
+        <p:grpSpPr>
+          <a:xfrm>
+            <a:off x="5733921" y="4293096"/>
+            <a:ext cx="2510487" cy="1828117"/>
+            <a:chOff x="6173734" y="4581128"/>
+            <a:chExt cx="2510487" cy="1828117"/>
+          </a:xfrm>
+        </p:grpSpPr>
+        <p:grpSp>
+          <p:nvGrpSpPr>
+            <p:cNvPr id="66" name="Group 65"/>
+            <p:cNvGrpSpPr/>
+            <p:nvPr/>
+          </p:nvGrpSpPr>
+          <p:grpSpPr>
+            <a:xfrm>
+              <a:off x="7954117" y="4581128"/>
+              <a:ext cx="74267" cy="1728192"/>
+              <a:chOff x="7666085" y="4581128"/>
+              <a:chExt cx="74267" cy="1728192"/>
+            </a:xfrm>
+          </p:grpSpPr>
+          <p:sp>
+            <p:nvSpPr>
+              <p:cNvPr id="58" name="Freeform 57"/>
+              <p:cNvSpPr/>
+              <p:nvPr/>
+            </p:nvSpPr>
+            <p:spPr>
+              <a:xfrm>
+                <a:off x="7666085" y="4581128"/>
+                <a:ext cx="74267" cy="303028"/>
+              </a:xfrm>
+              <a:custGeom>
+                <a:avLst/>
+                <a:gdLst>
+                  <a:gd name="connsiteX0" fmla="*/ 121995 w 167760"/>
+                  <a:gd name="connsiteY0" fmla="*/ 0 h 807720"/>
+                  <a:gd name="connsiteX1" fmla="*/ 75 w 167760"/>
+                  <a:gd name="connsiteY1" fmla="*/ 175260 h 807720"/>
+                  <a:gd name="connsiteX2" fmla="*/ 137235 w 167760"/>
+                  <a:gd name="connsiteY2" fmla="*/ 304800 h 807720"/>
+                  <a:gd name="connsiteX3" fmla="*/ 45795 w 167760"/>
+                  <a:gd name="connsiteY3" fmla="*/ 434340 h 807720"/>
+                  <a:gd name="connsiteX4" fmla="*/ 167715 w 167760"/>
+                  <a:gd name="connsiteY4" fmla="*/ 556260 h 807720"/>
+                  <a:gd name="connsiteX5" fmla="*/ 61035 w 167760"/>
+                  <a:gd name="connsiteY5" fmla="*/ 731520 h 807720"/>
+                  <a:gd name="connsiteX6" fmla="*/ 144855 w 167760"/>
+                  <a:gd name="connsiteY6" fmla="*/ 807720 h 807720"/>
+                </a:gdLst>
+                <a:ahLst/>
+                <a:cxnLst>
+                  <a:cxn ang="0">
+                    <a:pos x="connsiteX0" y="connsiteY0"/>
+                  </a:cxn>
+                  <a:cxn ang="0">
+                    <a:pos x="connsiteX1" y="connsiteY1"/>
+                  </a:cxn>
+                  <a:cxn ang="0">
+                    <a:pos x="connsiteX2" y="connsiteY2"/>
+                  </a:cxn>
+                  <a:cxn ang="0">
+                    <a:pos x="connsiteX3" y="connsiteY3"/>
+                  </a:cxn>
+                  <a:cxn ang="0">
+                    <a:pos x="connsiteX4" y="connsiteY4"/>
+                  </a:cxn>
+                  <a:cxn ang="0">
+                    <a:pos x="connsiteX5" y="connsiteY5"/>
+                  </a:cxn>
+                  <a:cxn ang="0">
+                    <a:pos x="connsiteX6" y="connsiteY6"/>
+                  </a:cxn>
+                </a:cxnLst>
+                <a:rect l="l" t="t" r="r" b="b"/>
+                <a:pathLst>
+                  <a:path w="167760" h="807720">
+                    <a:moveTo>
+                      <a:pt x="121995" y="0"/>
+                    </a:moveTo>
+                    <a:cubicBezTo>
+                      <a:pt x="59765" y="62230"/>
+                      <a:pt x="-2465" y="124460"/>
+                      <a:pt x="75" y="175260"/>
+                    </a:cubicBezTo>
+                    <a:cubicBezTo>
+                      <a:pt x="2615" y="226060"/>
+                      <a:pt x="129615" y="261620"/>
+                      <a:pt x="137235" y="304800"/>
+                    </a:cubicBezTo>
+                    <a:cubicBezTo>
+                      <a:pt x="144855" y="347980"/>
+                      <a:pt x="40715" y="392430"/>
+                      <a:pt x="45795" y="434340"/>
+                    </a:cubicBezTo>
+                    <a:cubicBezTo>
+                      <a:pt x="50875" y="476250"/>
+                      <a:pt x="165175" y="506730"/>
+                      <a:pt x="167715" y="556260"/>
+                    </a:cubicBezTo>
+                    <a:cubicBezTo>
+                      <a:pt x="170255" y="605790"/>
+                      <a:pt x="64845" y="689610"/>
+                      <a:pt x="61035" y="731520"/>
+                    </a:cubicBezTo>
+                    <a:cubicBezTo>
+                      <a:pt x="57225" y="773430"/>
+                      <a:pt x="125805" y="795020"/>
+                      <a:pt x="144855" y="807720"/>
+                    </a:cubicBezTo>
+                  </a:path>
+                </a:pathLst>
+              </a:custGeom>
+              <a:noFill/>
+              <a:ln>
+                <a:solidFill>
+                  <a:schemeClr val="tx1"/>
+                </a:solidFill>
+              </a:ln>
+            </p:spPr>
+            <p:style>
+              <a:lnRef idx="2">
+                <a:schemeClr val="accent1">
+                  <a:shade val="50000"/>
+                </a:schemeClr>
+              </a:lnRef>
+              <a:fillRef idx="1">
+                <a:schemeClr val="accent1"/>
+              </a:fillRef>
+              <a:effectRef idx="0">
+                <a:schemeClr val="accent1"/>
+              </a:effectRef>
+              <a:fontRef idx="minor">
+                <a:schemeClr val="lt1"/>
+              </a:fontRef>
+            </p:style>
+            <p:txBody>
+              <a:bodyPr rtlCol="0" anchor="ctr"/>
+              <a:lstStyle/>
+              <a:p>
+                <a:pPr algn="ctr"/>
+                <a:endParaRPr lang="en-US"/>
+              </a:p>
+            </p:txBody>
+          </p:sp>
+          <p:cxnSp>
+            <p:nvCxnSpPr>
+              <p:cNvPr id="65" name="Straight Arrow Connector 64"/>
+              <p:cNvCxnSpPr/>
+              <p:nvPr/>
+            </p:nvCxnSpPr>
+            <p:spPr>
+              <a:xfrm>
+                <a:off x="7730212" y="4869160"/>
+                <a:ext cx="10140" cy="1440160"/>
+              </a:xfrm>
+              <a:prstGeom prst="straightConnector1">
+                <a:avLst/>
+              </a:prstGeom>
+              <a:ln w="19050">
+                <a:solidFill>
+                  <a:schemeClr val="accent2">
+                    <a:lumMod val="75000"/>
+                  </a:schemeClr>
+                </a:solidFill>
+                <a:tailEnd type="triangle"/>
+              </a:ln>
+            </p:spPr>
+            <p:style>
+              <a:lnRef idx="1">
+                <a:schemeClr val="accent1"/>
+              </a:lnRef>
+              <a:fillRef idx="0">
+                <a:schemeClr val="accent1"/>
+              </a:fillRef>
+              <a:effectRef idx="0">
+                <a:schemeClr val="accent1"/>
+              </a:effectRef>
+              <a:fontRef idx="minor">
+                <a:schemeClr val="tx1"/>
+              </a:fontRef>
+            </p:style>
+          </p:cxnSp>
+        </p:grpSp>
+        <p:grpSp>
+          <p:nvGrpSpPr>
+            <p:cNvPr id="67" name="Group 66"/>
+            <p:cNvGrpSpPr/>
+            <p:nvPr/>
+          </p:nvGrpSpPr>
+          <p:grpSpPr>
+            <a:xfrm>
+              <a:off x="6519211" y="4586971"/>
+              <a:ext cx="74267" cy="1728192"/>
+              <a:chOff x="7666085" y="4581128"/>
+              <a:chExt cx="74267" cy="1728192"/>
+            </a:xfrm>
+          </p:grpSpPr>
+          <p:sp>
+            <p:nvSpPr>
+              <p:cNvPr id="68" name="Freeform 67"/>
+              <p:cNvSpPr/>
+              <p:nvPr/>
+            </p:nvSpPr>
+            <p:spPr>
+              <a:xfrm>
+                <a:off x="7666085" y="4581128"/>
+                <a:ext cx="74267" cy="303028"/>
+              </a:xfrm>
+              <a:custGeom>
+                <a:avLst/>
+                <a:gdLst>
+                  <a:gd name="connsiteX0" fmla="*/ 121995 w 167760"/>
+                  <a:gd name="connsiteY0" fmla="*/ 0 h 807720"/>
+                  <a:gd name="connsiteX1" fmla="*/ 75 w 167760"/>
+                  <a:gd name="connsiteY1" fmla="*/ 175260 h 807720"/>
+                  <a:gd name="connsiteX2" fmla="*/ 137235 w 167760"/>
+                  <a:gd name="connsiteY2" fmla="*/ 304800 h 807720"/>
+                  <a:gd name="connsiteX3" fmla="*/ 45795 w 167760"/>
+                  <a:gd name="connsiteY3" fmla="*/ 434340 h 807720"/>
+                  <a:gd name="connsiteX4" fmla="*/ 167715 w 167760"/>
+                  <a:gd name="connsiteY4" fmla="*/ 556260 h 807720"/>
+                  <a:gd name="connsiteX5" fmla="*/ 61035 w 167760"/>
+                  <a:gd name="connsiteY5" fmla="*/ 731520 h 807720"/>
+                  <a:gd name="connsiteX6" fmla="*/ 144855 w 167760"/>
+                  <a:gd name="connsiteY6" fmla="*/ 807720 h 807720"/>
+                </a:gdLst>
+                <a:ahLst/>
+                <a:cxnLst>
+                  <a:cxn ang="0">
+                    <a:pos x="connsiteX0" y="connsiteY0"/>
+                  </a:cxn>
+                  <a:cxn ang="0">
+                    <a:pos x="connsiteX1" y="connsiteY1"/>
+                  </a:cxn>
+                  <a:cxn ang="0">
+                    <a:pos x="connsiteX2" y="connsiteY2"/>
+                  </a:cxn>
+                  <a:cxn ang="0">
+                    <a:pos x="connsiteX3" y="connsiteY3"/>
+                  </a:cxn>
+                  <a:cxn ang="0">
+                    <a:pos x="connsiteX4" y="connsiteY4"/>
+                  </a:cxn>
+                  <a:cxn ang="0">
+                    <a:pos x="connsiteX5" y="connsiteY5"/>
+                  </a:cxn>
+                  <a:cxn ang="0">
+                    <a:pos x="connsiteX6" y="connsiteY6"/>
+                  </a:cxn>
+                </a:cxnLst>
+                <a:rect l="l" t="t" r="r" b="b"/>
+                <a:pathLst>
+                  <a:path w="167760" h="807720">
+                    <a:moveTo>
+                      <a:pt x="121995" y="0"/>
+                    </a:moveTo>
+                    <a:cubicBezTo>
+                      <a:pt x="59765" y="62230"/>
+                      <a:pt x="-2465" y="124460"/>
+                      <a:pt x="75" y="175260"/>
+                    </a:cubicBezTo>
+                    <a:cubicBezTo>
+                      <a:pt x="2615" y="226060"/>
+                      <a:pt x="129615" y="261620"/>
+                      <a:pt x="137235" y="304800"/>
+                    </a:cubicBezTo>
+                    <a:cubicBezTo>
+                      <a:pt x="144855" y="347980"/>
+                      <a:pt x="40715" y="392430"/>
+                      <a:pt x="45795" y="434340"/>
+                    </a:cubicBezTo>
+                    <a:cubicBezTo>
+                      <a:pt x="50875" y="476250"/>
+                      <a:pt x="165175" y="506730"/>
+                      <a:pt x="167715" y="556260"/>
+                    </a:cubicBezTo>
+                    <a:cubicBezTo>
+                      <a:pt x="170255" y="605790"/>
+                      <a:pt x="64845" y="689610"/>
+                      <a:pt x="61035" y="731520"/>
+                    </a:cubicBezTo>
+                    <a:cubicBezTo>
+                      <a:pt x="57225" y="773430"/>
+                      <a:pt x="125805" y="795020"/>
+                      <a:pt x="144855" y="807720"/>
+                    </a:cubicBezTo>
+                  </a:path>
+                </a:pathLst>
+              </a:custGeom>
+              <a:noFill/>
+              <a:ln>
+                <a:solidFill>
+                  <a:schemeClr val="tx1"/>
+                </a:solidFill>
+              </a:ln>
+            </p:spPr>
+            <p:style>
+              <a:lnRef idx="2">
+                <a:schemeClr val="accent1">
+                  <a:shade val="50000"/>
+                </a:schemeClr>
+              </a:lnRef>
+              <a:fillRef idx="1">
+                <a:schemeClr val="accent1"/>
+              </a:fillRef>
+              <a:effectRef idx="0">
+                <a:schemeClr val="accent1"/>
+              </a:effectRef>
+              <a:fontRef idx="minor">
+                <a:schemeClr val="lt1"/>
+              </a:fontRef>
+            </p:style>
+            <p:txBody>
+              <a:bodyPr rtlCol="0" anchor="ctr"/>
+              <a:lstStyle/>
+              <a:p>
+                <a:pPr algn="ctr"/>
+                <a:endParaRPr lang="en-US"/>
+              </a:p>
+            </p:txBody>
+          </p:sp>
+          <p:cxnSp>
+            <p:nvCxnSpPr>
+              <p:cNvPr id="69" name="Straight Arrow Connector 68"/>
+              <p:cNvCxnSpPr/>
+              <p:nvPr/>
+            </p:nvCxnSpPr>
+            <p:spPr>
+              <a:xfrm>
+                <a:off x="7730212" y="4869160"/>
+                <a:ext cx="10140" cy="1440160"/>
+              </a:xfrm>
+              <a:prstGeom prst="straightConnector1">
+                <a:avLst/>
+              </a:prstGeom>
+              <a:ln w="19050">
+                <a:solidFill>
+                  <a:schemeClr val="accent2">
+                    <a:lumMod val="75000"/>
+                  </a:schemeClr>
+                </a:solidFill>
+                <a:tailEnd type="triangle"/>
+              </a:ln>
+            </p:spPr>
+            <p:style>
+              <a:lnRef idx="1">
+                <a:schemeClr val="accent1"/>
+              </a:lnRef>
+              <a:fillRef idx="0">
+                <a:schemeClr val="accent1"/>
+              </a:fillRef>
+              <a:effectRef idx="0">
+                <a:schemeClr val="accent1"/>
+              </a:effectRef>
+              <a:fontRef idx="minor">
+                <a:schemeClr val="tx1"/>
+              </a:fontRef>
+            </p:style>
+          </p:cxnSp>
+        </p:grpSp>
+        <p:sp>
+          <p:nvSpPr>
+            <p:cNvPr id="70" name="TextBox 69"/>
+            <p:cNvSpPr txBox="1"/>
+            <p:nvPr/>
+          </p:nvSpPr>
+          <p:spPr>
+            <a:xfrm>
+              <a:off x="6556344" y="4604955"/>
+              <a:ext cx="633009" cy="246221"/>
+            </a:xfrm>
+            <a:prstGeom prst="rect">
+              <a:avLst/>
+            </a:prstGeom>
+            <a:noFill/>
+          </p:spPr>
+          <p:txBody>
+            <a:bodyPr wrap="square" rtlCol="0">
+              <a:spAutoFit/>
+            </a:bodyPr>
+            <a:lstStyle/>
+            <a:p>
+              <a:r>
+                <a:rPr lang="en-US" sz="1000" dirty="0" smtClean="0">
+                  <a:solidFill>
+                    <a:srgbClr val="002060"/>
+                  </a:solidFill>
+                </a:rPr>
+                <a:t>Core 1</a:t>
+              </a:r>
+              <a:endParaRPr lang="en-US" sz="1000" dirty="0">
+                <a:solidFill>
+                  <a:srgbClr val="002060"/>
+                </a:solidFill>
+              </a:endParaRPr>
+            </a:p>
+          </p:txBody>
+        </p:sp>
+        <p:sp>
+          <p:nvSpPr>
+            <p:cNvPr id="71" name="TextBox 70"/>
+            <p:cNvSpPr txBox="1"/>
+            <p:nvPr/>
+          </p:nvSpPr>
+          <p:spPr>
+            <a:xfrm>
+              <a:off x="8030347" y="4609190"/>
+              <a:ext cx="633009" cy="246221"/>
+            </a:xfrm>
+            <a:prstGeom prst="rect">
+              <a:avLst/>
+            </a:prstGeom>
+            <a:noFill/>
+          </p:spPr>
+          <p:txBody>
+            <a:bodyPr wrap="square" rtlCol="0">
+              <a:spAutoFit/>
+            </a:bodyPr>
+            <a:lstStyle/>
+            <a:p>
+              <a:r>
+                <a:rPr lang="en-US" sz="1000" dirty="0" smtClean="0">
+                  <a:solidFill>
+                    <a:srgbClr val="002060"/>
+                  </a:solidFill>
+                </a:rPr>
+                <a:t>Core 3</a:t>
+              </a:r>
+              <a:endParaRPr lang="en-US" sz="1000" dirty="0">
+                <a:solidFill>
+                  <a:srgbClr val="002060"/>
+                </a:solidFill>
+              </a:endParaRPr>
+            </a:p>
+          </p:txBody>
+        </p:sp>
+        <p:sp>
+          <p:nvSpPr>
+            <p:cNvPr id="72" name="TextBox 71"/>
+            <p:cNvSpPr txBox="1"/>
+            <p:nvPr/>
+          </p:nvSpPr>
+          <p:spPr>
+            <a:xfrm>
+              <a:off x="6558086" y="6163024"/>
+              <a:ext cx="633009" cy="246221"/>
+            </a:xfrm>
+            <a:prstGeom prst="rect">
+              <a:avLst/>
+            </a:prstGeom>
+            <a:noFill/>
+          </p:spPr>
+          <p:txBody>
+            <a:bodyPr wrap="square" rtlCol="0">
+              <a:spAutoFit/>
+            </a:bodyPr>
+            <a:lstStyle/>
+            <a:p>
+              <a:r>
+                <a:rPr lang="en-US" sz="1000" smtClean="0">
+                  <a:solidFill>
+                    <a:srgbClr val="002060"/>
+                  </a:solidFill>
+                </a:rPr>
+                <a:t>Time</a:t>
+              </a:r>
+              <a:endParaRPr lang="en-US" sz="1000" dirty="0">
+                <a:solidFill>
+                  <a:srgbClr val="002060"/>
+                </a:solidFill>
+              </a:endParaRPr>
+            </a:p>
+          </p:txBody>
+        </p:sp>
+        <p:sp>
+          <p:nvSpPr>
+            <p:cNvPr id="73" name="TextBox 72"/>
+            <p:cNvSpPr txBox="1"/>
+            <p:nvPr/>
+          </p:nvSpPr>
+          <p:spPr>
+            <a:xfrm>
+              <a:off x="8051212" y="6157103"/>
+              <a:ext cx="633009" cy="246221"/>
+            </a:xfrm>
+            <a:prstGeom prst="rect">
+              <a:avLst/>
+            </a:prstGeom>
+            <a:noFill/>
+          </p:spPr>
+          <p:txBody>
+            <a:bodyPr wrap="square" rtlCol="0">
+              <a:spAutoFit/>
+            </a:bodyPr>
+            <a:lstStyle/>
+            <a:p>
+              <a:r>
+                <a:rPr lang="en-US" sz="1000" smtClean="0">
+                  <a:solidFill>
+                    <a:srgbClr val="002060"/>
+                  </a:solidFill>
+                </a:rPr>
+                <a:t>Time</a:t>
+              </a:r>
+              <a:endParaRPr lang="en-US" sz="1000" dirty="0">
+                <a:solidFill>
+                  <a:srgbClr val="002060"/>
+                </a:solidFill>
+              </a:endParaRPr>
+            </a:p>
+          </p:txBody>
+        </p:sp>
+        <p:sp>
+          <p:nvSpPr>
+            <p:cNvPr id="75" name="Double Brace 74"/>
+            <p:cNvSpPr/>
+            <p:nvPr/>
+          </p:nvSpPr>
+          <p:spPr>
+            <a:xfrm>
+              <a:off x="7596336" y="4936685"/>
+              <a:ext cx="818994" cy="347459"/>
+            </a:xfrm>
+            <a:prstGeom prst="bracePair">
+              <a:avLst/>
+            </a:prstGeom>
+            <a:ln w="25400">
+              <a:solidFill>
+                <a:srgbClr val="FF0000"/>
+              </a:solidFill>
+            </a:ln>
+          </p:spPr>
+          <p:style>
+            <a:lnRef idx="1">
+              <a:schemeClr val="accent1"/>
+            </a:lnRef>
+            <a:fillRef idx="0">
+              <a:schemeClr val="accent1"/>
+            </a:fillRef>
+            <a:effectRef idx="0">
+              <a:schemeClr val="accent1"/>
+            </a:effectRef>
+            <a:fontRef idx="minor">
+              <a:schemeClr val="tx1"/>
+            </a:fontRef>
+          </p:style>
+          <p:txBody>
+            <a:bodyPr rtlCol="0" anchor="ctr"/>
+            <a:lstStyle/>
+            <a:p>
+              <a:pPr algn="ctr"/>
+              <a:r>
+                <a:rPr lang="en-US" sz="1200" dirty="0" smtClean="0">
+                  <a:solidFill>
+                    <a:srgbClr val="FF0000"/>
+                  </a:solidFill>
+                </a:rPr>
+                <a:t>Waiting</a:t>
+              </a:r>
+              <a:endParaRPr lang="en-US" sz="1200" dirty="0">
+                <a:solidFill>
+                  <a:srgbClr val="FF0000"/>
+                </a:solidFill>
+              </a:endParaRPr>
+            </a:p>
+          </p:txBody>
+        </p:sp>
+        <p:sp>
+          <p:nvSpPr>
+            <p:cNvPr id="74" name="Frame 73"/>
+            <p:cNvSpPr/>
+            <p:nvPr/>
+          </p:nvSpPr>
+          <p:spPr>
+            <a:xfrm>
+              <a:off x="6485736" y="4943950"/>
+              <a:ext cx="194991" cy="341896"/>
+            </a:xfrm>
+            <a:prstGeom prst="frame">
+              <a:avLst/>
+            </a:prstGeom>
+            <a:solidFill>
+              <a:srgbClr val="00B050"/>
+            </a:solidFill>
+            <a:ln>
+              <a:solidFill>
+                <a:srgbClr val="00B050"/>
+              </a:solidFill>
+            </a:ln>
+          </p:spPr>
+          <p:style>
+            <a:lnRef idx="2">
+              <a:schemeClr val="accent1">
+                <a:shade val="50000"/>
+              </a:schemeClr>
+            </a:lnRef>
+            <a:fillRef idx="1">
+              <a:schemeClr val="accent1"/>
+            </a:fillRef>
+            <a:effectRef idx="0">
+              <a:schemeClr val="accent1"/>
+            </a:effectRef>
+            <a:fontRef idx="minor">
+              <a:schemeClr val="lt1"/>
+            </a:fontRef>
+          </p:style>
+          <p:txBody>
+            <a:bodyPr rtlCol="0" anchor="ctr"/>
+            <a:lstStyle/>
+            <a:p>
+              <a:pPr algn="ctr"/>
+              <a:endParaRPr lang="en-US">
+                <a:solidFill>
+                  <a:schemeClr val="accent1">
+                    <a:lumMod val="50000"/>
+                  </a:schemeClr>
+                </a:solidFill>
+              </a:endParaRPr>
+            </a:p>
+          </p:txBody>
+        </p:sp>
+        <p:cxnSp>
+          <p:nvCxnSpPr>
+            <p:cNvPr id="78" name="Straight Arrow Connector 77"/>
+            <p:cNvCxnSpPr>
+              <a:stCxn id="74" idx="2"/>
+            </p:cNvCxnSpPr>
+            <p:nvPr/>
+          </p:nvCxnSpPr>
+          <p:spPr>
+            <a:xfrm>
+              <a:off x="6583232" y="5285846"/>
+              <a:ext cx="1412184" cy="87370"/>
+            </a:xfrm>
+            <a:prstGeom prst="straightConnector1">
+              <a:avLst/>
+            </a:prstGeom>
+            <a:ln w="15875">
+              <a:solidFill>
+                <a:schemeClr val="accent5">
+                  <a:lumMod val="50000"/>
+                </a:schemeClr>
+              </a:solidFill>
+              <a:tailEnd type="triangle"/>
+            </a:ln>
+          </p:spPr>
+          <p:style>
+            <a:lnRef idx="1">
+              <a:schemeClr val="accent1"/>
+            </a:lnRef>
+            <a:fillRef idx="0">
+              <a:schemeClr val="accent1"/>
+            </a:fillRef>
+            <a:effectRef idx="0">
+              <a:schemeClr val="accent1"/>
+            </a:effectRef>
+            <a:fontRef idx="minor">
+              <a:schemeClr val="tx1"/>
+            </a:fontRef>
+          </p:style>
+        </p:cxnSp>
+        <p:sp>
+          <p:nvSpPr>
+            <p:cNvPr id="80" name="Double Brace 79"/>
+            <p:cNvSpPr/>
+            <p:nvPr/>
+          </p:nvSpPr>
+          <p:spPr>
+            <a:xfrm>
+              <a:off x="6173734" y="5348803"/>
+              <a:ext cx="818994" cy="480873"/>
+            </a:xfrm>
+            <a:prstGeom prst="bracePair">
+              <a:avLst/>
+            </a:prstGeom>
+            <a:ln w="25400">
+              <a:solidFill>
+                <a:srgbClr val="FF0000"/>
+              </a:solidFill>
+            </a:ln>
+          </p:spPr>
+          <p:style>
+            <a:lnRef idx="1">
+              <a:schemeClr val="accent1"/>
+            </a:lnRef>
+            <a:fillRef idx="0">
+              <a:schemeClr val="accent1"/>
+            </a:fillRef>
+            <a:effectRef idx="0">
+              <a:schemeClr val="accent1"/>
+            </a:effectRef>
+            <a:fontRef idx="minor">
+              <a:schemeClr val="tx1"/>
+            </a:fontRef>
+          </p:style>
+          <p:txBody>
+            <a:bodyPr rtlCol="0" anchor="ctr"/>
+            <a:lstStyle/>
+            <a:p>
+              <a:pPr algn="ctr"/>
+              <a:r>
+                <a:rPr lang="en-US" sz="1200" dirty="0" smtClean="0">
+                  <a:solidFill>
+                    <a:srgbClr val="FF0000"/>
+                  </a:solidFill>
+                </a:rPr>
+                <a:t>Waiting</a:t>
+              </a:r>
+              <a:endParaRPr lang="en-US" sz="1200" dirty="0">
+                <a:solidFill>
+                  <a:srgbClr val="FF0000"/>
+                </a:solidFill>
+              </a:endParaRPr>
+            </a:p>
+          </p:txBody>
+        </p:sp>
+        <p:sp>
+          <p:nvSpPr>
+            <p:cNvPr id="81" name="Frame 80"/>
+            <p:cNvSpPr/>
+            <p:nvPr/>
+          </p:nvSpPr>
+          <p:spPr>
+            <a:xfrm>
+              <a:off x="7930888" y="5396868"/>
+              <a:ext cx="194991" cy="432807"/>
+            </a:xfrm>
+            <a:prstGeom prst="frame">
+              <a:avLst/>
+            </a:prstGeom>
+            <a:solidFill>
+              <a:srgbClr val="00B050"/>
+            </a:solidFill>
+            <a:ln>
+              <a:solidFill>
+                <a:srgbClr val="00B050"/>
+              </a:solidFill>
+            </a:ln>
+          </p:spPr>
+          <p:style>
+            <a:lnRef idx="2">
+              <a:schemeClr val="accent1">
+                <a:shade val="50000"/>
+              </a:schemeClr>
+            </a:lnRef>
+            <a:fillRef idx="1">
+              <a:schemeClr val="accent1"/>
+            </a:fillRef>
+            <a:effectRef idx="0">
+              <a:schemeClr val="accent1"/>
+            </a:effectRef>
+            <a:fontRef idx="minor">
+              <a:schemeClr val="lt1"/>
+            </a:fontRef>
+          </p:style>
+          <p:txBody>
+            <a:bodyPr rtlCol="0" anchor="ctr"/>
+            <a:lstStyle/>
+            <a:p>
+              <a:pPr algn="ctr"/>
+              <a:endParaRPr lang="en-US">
+                <a:solidFill>
+                  <a:schemeClr val="accent1">
+                    <a:lumMod val="50000"/>
+                  </a:schemeClr>
+                </a:solidFill>
+              </a:endParaRPr>
+            </a:p>
+          </p:txBody>
+        </p:sp>
+        <p:cxnSp>
+          <p:nvCxnSpPr>
+            <p:cNvPr id="82" name="Straight Arrow Connector 81"/>
+            <p:cNvCxnSpPr>
+              <a:stCxn id="81" idx="2"/>
+            </p:cNvCxnSpPr>
+            <p:nvPr/>
+          </p:nvCxnSpPr>
+          <p:spPr>
+            <a:xfrm flipH="1">
+              <a:off x="6560413" y="5829675"/>
+              <a:ext cx="1467971" cy="54147"/>
+            </a:xfrm>
+            <a:prstGeom prst="straightConnector1">
+              <a:avLst/>
+            </a:prstGeom>
+            <a:ln w="15875">
+              <a:solidFill>
+                <a:schemeClr val="accent5">
+                  <a:lumMod val="50000"/>
+                </a:schemeClr>
+              </a:solidFill>
+              <a:tailEnd type="triangle"/>
+            </a:ln>
+          </p:spPr>
+          <p:style>
+            <a:lnRef idx="1">
+              <a:schemeClr val="accent1"/>
+            </a:lnRef>
+            <a:fillRef idx="0">
+              <a:schemeClr val="accent1"/>
+            </a:fillRef>
+            <a:effectRef idx="0">
+              <a:schemeClr val="accent1"/>
+            </a:effectRef>
+            <a:fontRef idx="minor">
+              <a:schemeClr val="tx1"/>
+            </a:fontRef>
+          </p:style>
+        </p:cxnSp>
+        <p:sp>
+          <p:nvSpPr>
+            <p:cNvPr id="85" name="Frame 84"/>
+            <p:cNvSpPr/>
+            <p:nvPr/>
+          </p:nvSpPr>
+          <p:spPr>
+            <a:xfrm>
+              <a:off x="6495982" y="5908373"/>
+              <a:ext cx="194991" cy="287750"/>
+            </a:xfrm>
+            <a:prstGeom prst="frame">
+              <a:avLst/>
+            </a:prstGeom>
+            <a:solidFill>
+              <a:srgbClr val="00B050"/>
+            </a:solidFill>
+            <a:ln>
+              <a:solidFill>
+                <a:srgbClr val="00B050"/>
+              </a:solidFill>
+            </a:ln>
+          </p:spPr>
+          <p:style>
+            <a:lnRef idx="2">
+              <a:schemeClr val="accent1">
+                <a:shade val="50000"/>
+              </a:schemeClr>
+            </a:lnRef>
+            <a:fillRef idx="1">
+              <a:schemeClr val="accent1"/>
+            </a:fillRef>
+            <a:effectRef idx="0">
+              <a:schemeClr val="accent1"/>
+            </a:effectRef>
+            <a:fontRef idx="minor">
+              <a:schemeClr val="lt1"/>
+            </a:fontRef>
+          </p:style>
+          <p:txBody>
+            <a:bodyPr rtlCol="0" anchor="ctr"/>
+            <a:lstStyle/>
+            <a:p>
+              <a:pPr algn="ctr"/>
+              <a:endParaRPr lang="en-US">
+                <a:solidFill>
+                  <a:schemeClr val="accent1">
+                    <a:lumMod val="50000"/>
+                  </a:schemeClr>
+                </a:solidFill>
+              </a:endParaRPr>
+            </a:p>
+          </p:txBody>
+        </p:sp>
+        <p:sp>
+          <p:nvSpPr>
+            <p:cNvPr id="87" name="Double Brace 86"/>
+            <p:cNvSpPr/>
+            <p:nvPr/>
+          </p:nvSpPr>
+          <p:spPr>
+            <a:xfrm>
+              <a:off x="7625951" y="5927733"/>
+              <a:ext cx="818994" cy="277936"/>
+            </a:xfrm>
+            <a:prstGeom prst="bracePair">
+              <a:avLst/>
+            </a:prstGeom>
+            <a:ln w="25400">
+              <a:solidFill>
+                <a:srgbClr val="FF0000"/>
+              </a:solidFill>
+            </a:ln>
+          </p:spPr>
+          <p:style>
+            <a:lnRef idx="1">
+              <a:schemeClr val="accent1"/>
+            </a:lnRef>
+            <a:fillRef idx="0">
+              <a:schemeClr val="accent1"/>
+            </a:fillRef>
+            <a:effectRef idx="0">
+              <a:schemeClr val="accent1"/>
+            </a:effectRef>
+            <a:fontRef idx="minor">
+              <a:schemeClr val="tx1"/>
+            </a:fontRef>
+          </p:style>
+          <p:txBody>
+            <a:bodyPr rtlCol="0" anchor="ctr"/>
+            <a:lstStyle/>
+            <a:p>
+              <a:pPr algn="ctr"/>
+              <a:r>
+                <a:rPr lang="en-US" sz="1200" dirty="0" smtClean="0">
+                  <a:solidFill>
+                    <a:srgbClr val="FF0000"/>
+                  </a:solidFill>
+                </a:rPr>
+                <a:t>Waiting</a:t>
+              </a:r>
+              <a:endParaRPr lang="en-US" sz="1200" dirty="0">
+                <a:solidFill>
+                  <a:srgbClr val="FF0000"/>
+                </a:solidFill>
+              </a:endParaRPr>
+            </a:p>
+          </p:txBody>
+        </p:sp>
+      </p:grpSp>
+      <p:grpSp>
+        <p:nvGrpSpPr>
+          <p:cNvPr id="88" name="Group 87"/>
+          <p:cNvGrpSpPr/>
+          <p:nvPr/>
+        </p:nvGrpSpPr>
+        <p:grpSpPr>
+          <a:xfrm>
+            <a:off x="4788023" y="1733411"/>
+            <a:ext cx="4059385" cy="2160240"/>
+            <a:chOff x="3781982" y="2204864"/>
+            <a:chExt cx="4592109" cy="2160240"/>
+          </a:xfrm>
+        </p:grpSpPr>
+        <p:grpSp>
+          <p:nvGrpSpPr>
+            <p:cNvPr id="89" name="Group 88"/>
+            <p:cNvGrpSpPr/>
+            <p:nvPr/>
+          </p:nvGrpSpPr>
+          <p:grpSpPr>
+            <a:xfrm>
+              <a:off x="4098680" y="2204864"/>
+              <a:ext cx="4275411" cy="2160240"/>
+              <a:chOff x="3738640" y="2204864"/>
+              <a:chExt cx="4275411" cy="2160240"/>
+            </a:xfrm>
+          </p:grpSpPr>
+          <p:grpSp>
+            <p:nvGrpSpPr>
+              <p:cNvPr id="91" name="Group 90"/>
+              <p:cNvGrpSpPr/>
+              <p:nvPr/>
+            </p:nvGrpSpPr>
+            <p:grpSpPr>
+              <a:xfrm>
+                <a:off x="3738640" y="2204864"/>
+                <a:ext cx="4275411" cy="2160240"/>
+                <a:chOff x="1683858" y="2821732"/>
+                <a:chExt cx="5667329" cy="3384376"/>
+              </a:xfrm>
+            </p:grpSpPr>
+            <p:grpSp>
+              <p:nvGrpSpPr>
+                <p:cNvPr id="94" name="Group 93"/>
+                <p:cNvGrpSpPr/>
+                <p:nvPr/>
+              </p:nvGrpSpPr>
+              <p:grpSpPr>
+                <a:xfrm>
+                  <a:off x="1683858" y="2821732"/>
+                  <a:ext cx="5667329" cy="3384376"/>
+                  <a:chOff x="494969" y="2812131"/>
+                  <a:chExt cx="5667329" cy="3096344"/>
+                </a:xfrm>
+              </p:grpSpPr>
+              <p:sp>
+                <p:nvSpPr>
+                  <p:cNvPr id="99" name="Rounded Rectangle 98"/>
+                  <p:cNvSpPr/>
+                  <p:nvPr/>
+                </p:nvSpPr>
+                <p:spPr>
+                  <a:xfrm>
+                    <a:off x="494969" y="2812131"/>
+                    <a:ext cx="5667329" cy="3096344"/>
+                  </a:xfrm>
+                  <a:prstGeom prst="roundRect">
+                    <a:avLst/>
+                  </a:prstGeom>
+                  <a:solidFill>
+                    <a:schemeClr val="bg1">
+                      <a:lumMod val="75000"/>
+                    </a:schemeClr>
+                  </a:solidFill>
+                  <a:ln>
+                    <a:solidFill>
+                      <a:schemeClr val="tx1"/>
+                    </a:solidFill>
+                  </a:ln>
+                </p:spPr>
+                <p:style>
+                  <a:lnRef idx="2">
+                    <a:schemeClr val="accent1">
+                      <a:shade val="50000"/>
+                    </a:schemeClr>
+                  </a:lnRef>
+                  <a:fillRef idx="1">
+                    <a:schemeClr val="accent1"/>
+                  </a:fillRef>
+                  <a:effectRef idx="0">
+                    <a:schemeClr val="accent1"/>
+                  </a:effectRef>
+                  <a:fontRef idx="minor">
+                    <a:schemeClr val="lt1"/>
+                  </a:fontRef>
+                </p:style>
+                <p:txBody>
+                  <a:bodyPr rtlCol="0" anchor="ctr"/>
+                  <a:lstStyle/>
+                  <a:p>
+                    <a:pPr algn="ctr"/>
+                    <a:endParaRPr lang="en-US"/>
+                  </a:p>
+                </p:txBody>
+              </p:sp>
+              <p:grpSp>
+                <p:nvGrpSpPr>
+                  <p:cNvPr id="100" name="Group 99"/>
+                  <p:cNvGrpSpPr/>
+                  <p:nvPr/>
+                </p:nvGrpSpPr>
+                <p:grpSpPr>
+                  <a:xfrm>
+                    <a:off x="827584" y="3027189"/>
+                    <a:ext cx="2448272" cy="2053399"/>
+                    <a:chOff x="6131218" y="3068960"/>
+                    <a:chExt cx="2448272" cy="2053399"/>
+                  </a:xfrm>
+                </p:grpSpPr>
+                <p:sp>
+                  <p:nvSpPr>
+                    <p:cNvPr id="111" name="Rectangle 110"/>
+                    <p:cNvSpPr/>
+                    <p:nvPr/>
+                  </p:nvSpPr>
+                  <p:spPr>
+                    <a:xfrm>
+                      <a:off x="6131218" y="3068960"/>
+                      <a:ext cx="2448272" cy="2053399"/>
+                    </a:xfrm>
+                    <a:prstGeom prst="rect">
+                      <a:avLst/>
+                    </a:prstGeom>
+                    <a:solidFill>
+                      <a:schemeClr val="accent6">
+                        <a:lumMod val="20000"/>
+                        <a:lumOff val="80000"/>
+                      </a:schemeClr>
+                    </a:solidFill>
+                    <a:ln>
+                      <a:solidFill>
+                        <a:schemeClr val="tx1"/>
+                      </a:solidFill>
+                    </a:ln>
+                  </p:spPr>
+                  <p:style>
+                    <a:lnRef idx="2">
+                      <a:schemeClr val="accent1">
+                        <a:shade val="50000"/>
+                      </a:schemeClr>
+                    </a:lnRef>
+                    <a:fillRef idx="1">
+                      <a:schemeClr val="accent1"/>
+                    </a:fillRef>
+                    <a:effectRef idx="0">
+                      <a:schemeClr val="accent1"/>
+                    </a:effectRef>
+                    <a:fontRef idx="minor">
+                      <a:schemeClr val="lt1"/>
+                    </a:fontRef>
+                  </p:style>
+                  <p:txBody>
+                    <a:bodyPr rtlCol="0" anchor="ctr"/>
+                    <a:lstStyle/>
+                    <a:p>
+                      <a:pPr algn="ctr"/>
+                      <a:endParaRPr lang="en-US"/>
+                    </a:p>
+                  </p:txBody>
+                </p:sp>
+                <p:sp>
+                  <p:nvSpPr>
+                    <p:cNvPr id="112" name="Oval 111"/>
+                    <p:cNvSpPr/>
+                    <p:nvPr/>
+                  </p:nvSpPr>
+                  <p:spPr>
+                    <a:xfrm>
+                      <a:off x="6189008" y="3507100"/>
+                      <a:ext cx="1008112" cy="888112"/>
+                    </a:xfrm>
+                    <a:prstGeom prst="ellipse">
+                      <a:avLst/>
+                    </a:prstGeom>
+                    <a:solidFill>
+                      <a:schemeClr val="accent6">
+                        <a:lumMod val="60000"/>
+                        <a:lumOff val="40000"/>
+                      </a:schemeClr>
+                    </a:solidFill>
+                    <a:ln>
+                      <a:solidFill>
+                        <a:schemeClr val="tx1">
+                          <a:lumMod val="95000"/>
+                          <a:lumOff val="5000"/>
+                        </a:schemeClr>
+                      </a:solidFill>
+                    </a:ln>
+                  </p:spPr>
+                  <p:style>
+                    <a:lnRef idx="2">
+                      <a:schemeClr val="accent1">
+                        <a:shade val="50000"/>
+                      </a:schemeClr>
+                    </a:lnRef>
+                    <a:fillRef idx="1">
+                      <a:schemeClr val="accent1"/>
+                    </a:fillRef>
+                    <a:effectRef idx="0">
+                      <a:schemeClr val="accent1"/>
+                    </a:effectRef>
+                    <a:fontRef idx="minor">
+                      <a:schemeClr val="lt1"/>
+                    </a:fontRef>
+                  </p:style>
+                  <p:txBody>
+                    <a:bodyPr rtlCol="0" anchor="ctr"/>
+                    <a:lstStyle/>
+                    <a:p>
+                      <a:pPr algn="ctr"/>
+                      <a:r>
+                        <a:rPr lang="en-US" sz="1000" dirty="0" smtClean="0"/>
+                        <a:t>Core 1</a:t>
+                      </a:r>
+                      <a:endParaRPr lang="en-US" sz="1000" dirty="0"/>
+                    </a:p>
+                  </p:txBody>
+                </p:sp>
+                <p:sp>
+                  <p:nvSpPr>
+                    <p:cNvPr id="113" name="Oval 112"/>
+                    <p:cNvSpPr/>
+                    <p:nvPr/>
+                  </p:nvSpPr>
+                  <p:spPr>
+                    <a:xfrm>
+                      <a:off x="7488093" y="3507100"/>
+                      <a:ext cx="1008112" cy="888112"/>
+                    </a:xfrm>
+                    <a:prstGeom prst="ellipse">
+                      <a:avLst/>
+                    </a:prstGeom>
+                    <a:solidFill>
+                      <a:schemeClr val="accent6">
+                        <a:lumMod val="60000"/>
+                        <a:lumOff val="40000"/>
+                      </a:schemeClr>
+                    </a:solidFill>
+                    <a:ln>
+                      <a:solidFill>
+                        <a:schemeClr val="tx1">
+                          <a:lumMod val="95000"/>
+                          <a:lumOff val="5000"/>
+                        </a:schemeClr>
+                      </a:solidFill>
+                    </a:ln>
+                  </p:spPr>
+                  <p:style>
+                    <a:lnRef idx="2">
+                      <a:schemeClr val="accent1">
+                        <a:shade val="50000"/>
+                      </a:schemeClr>
+                    </a:lnRef>
+                    <a:fillRef idx="1">
+                      <a:schemeClr val="accent1"/>
+                    </a:fillRef>
+                    <a:effectRef idx="0">
+                      <a:schemeClr val="accent1"/>
+                    </a:effectRef>
+                    <a:fontRef idx="minor">
+                      <a:schemeClr val="lt1"/>
+                    </a:fontRef>
+                  </p:style>
+                  <p:txBody>
+                    <a:bodyPr rtlCol="0" anchor="ctr"/>
+                    <a:lstStyle/>
+                    <a:p>
+                      <a:pPr algn="ctr"/>
+                      <a:r>
+                        <a:rPr lang="en-US" sz="1000" dirty="0" smtClean="0"/>
+                        <a:t>Core 2</a:t>
+                      </a:r>
+                      <a:endParaRPr lang="en-US" sz="1000" dirty="0"/>
+                    </a:p>
+                  </p:txBody>
+                </p:sp>
+                <p:sp>
+                  <p:nvSpPr>
+                    <p:cNvPr id="114" name="Rectangle 113"/>
+                    <p:cNvSpPr/>
+                    <p:nvPr/>
+                  </p:nvSpPr>
+                  <p:spPr>
+                    <a:xfrm>
+                      <a:off x="6189008" y="4411960"/>
+                      <a:ext cx="1008112" cy="288032"/>
+                    </a:xfrm>
+                    <a:prstGeom prst="rect">
+                      <a:avLst/>
+                    </a:prstGeom>
+                    <a:solidFill>
+                      <a:schemeClr val="accent4">
+                        <a:lumMod val="50000"/>
+                        <a:lumOff val="50000"/>
+                      </a:schemeClr>
+                    </a:solidFill>
+                    <a:ln>
+                      <a:solidFill>
+                        <a:schemeClr val="tx1"/>
+                      </a:solidFill>
+                    </a:ln>
+                  </p:spPr>
+                  <p:style>
+                    <a:lnRef idx="2">
+                      <a:schemeClr val="accent1">
+                        <a:shade val="50000"/>
+                      </a:schemeClr>
+                    </a:lnRef>
+                    <a:fillRef idx="1">
+                      <a:schemeClr val="accent1"/>
+                    </a:fillRef>
+                    <a:effectRef idx="0">
+                      <a:schemeClr val="accent1"/>
+                    </a:effectRef>
+                    <a:fontRef idx="minor">
+                      <a:schemeClr val="lt1"/>
+                    </a:fontRef>
+                  </p:style>
+                  <p:txBody>
+                    <a:bodyPr rtlCol="0" anchor="ctr"/>
+                    <a:lstStyle/>
+                    <a:p>
+                      <a:pPr algn="ctr"/>
+                      <a:r>
+                        <a:rPr lang="en-US" sz="800" dirty="0" smtClean="0"/>
+                        <a:t>L1 Cache</a:t>
+                      </a:r>
+                      <a:endParaRPr lang="en-US" sz="800" dirty="0"/>
+                    </a:p>
+                  </p:txBody>
+                </p:sp>
+                <p:sp>
+                  <p:nvSpPr>
+                    <p:cNvPr id="115" name="Rectangle 114"/>
+                    <p:cNvSpPr/>
+                    <p:nvPr/>
+                  </p:nvSpPr>
+                  <p:spPr>
+                    <a:xfrm>
+                      <a:off x="7482290" y="4411960"/>
+                      <a:ext cx="1008112" cy="288032"/>
+                    </a:xfrm>
+                    <a:prstGeom prst="rect">
+                      <a:avLst/>
+                    </a:prstGeom>
+                    <a:solidFill>
+                      <a:schemeClr val="accent4">
+                        <a:lumMod val="50000"/>
+                        <a:lumOff val="50000"/>
+                      </a:schemeClr>
+                    </a:solidFill>
+                    <a:ln>
+                      <a:solidFill>
+                        <a:schemeClr val="tx1"/>
+                      </a:solidFill>
+                    </a:ln>
+                  </p:spPr>
+                  <p:style>
+                    <a:lnRef idx="2">
+                      <a:schemeClr val="accent1">
+                        <a:shade val="50000"/>
+                      </a:schemeClr>
+                    </a:lnRef>
+                    <a:fillRef idx="1">
+                      <a:schemeClr val="accent1"/>
+                    </a:fillRef>
+                    <a:effectRef idx="0">
+                      <a:schemeClr val="accent1"/>
+                    </a:effectRef>
+                    <a:fontRef idx="minor">
+                      <a:schemeClr val="lt1"/>
+                    </a:fontRef>
+                  </p:style>
+                  <p:txBody>
+                    <a:bodyPr rtlCol="0" anchor="ctr"/>
+                    <a:lstStyle/>
+                    <a:p>
+                      <a:pPr algn="ctr"/>
+                      <a:r>
+                        <a:rPr lang="en-US" sz="800" dirty="0" smtClean="0"/>
+                        <a:t>L1 Cache</a:t>
+                      </a:r>
+                      <a:endParaRPr lang="en-US" sz="800" dirty="0"/>
+                    </a:p>
+                  </p:txBody>
+                </p:sp>
+                <p:sp>
+                  <p:nvSpPr>
+                    <p:cNvPr id="116" name="Freeform 115"/>
+                    <p:cNvSpPr/>
+                    <p:nvPr/>
+                  </p:nvSpPr>
+                  <p:spPr>
+                    <a:xfrm>
+                      <a:off x="6500723" y="3182739"/>
+                      <a:ext cx="108243" cy="434340"/>
+                    </a:xfrm>
+                    <a:custGeom>
+                      <a:avLst/>
+                      <a:gdLst>
+                        <a:gd name="connsiteX0" fmla="*/ 121995 w 167760"/>
+                        <a:gd name="connsiteY0" fmla="*/ 0 h 807720"/>
+                        <a:gd name="connsiteX1" fmla="*/ 75 w 167760"/>
+                        <a:gd name="connsiteY1" fmla="*/ 175260 h 807720"/>
+                        <a:gd name="connsiteX2" fmla="*/ 137235 w 167760"/>
+                        <a:gd name="connsiteY2" fmla="*/ 304800 h 807720"/>
+                        <a:gd name="connsiteX3" fmla="*/ 45795 w 167760"/>
+                        <a:gd name="connsiteY3" fmla="*/ 434340 h 807720"/>
+                        <a:gd name="connsiteX4" fmla="*/ 167715 w 167760"/>
+                        <a:gd name="connsiteY4" fmla="*/ 556260 h 807720"/>
+                        <a:gd name="connsiteX5" fmla="*/ 61035 w 167760"/>
+                        <a:gd name="connsiteY5" fmla="*/ 731520 h 807720"/>
+                        <a:gd name="connsiteX6" fmla="*/ 144855 w 167760"/>
+                        <a:gd name="connsiteY6" fmla="*/ 807720 h 807720"/>
+                      </a:gdLst>
+                      <a:ahLst/>
+                      <a:cxnLst>
+                        <a:cxn ang="0">
+                          <a:pos x="connsiteX0" y="connsiteY0"/>
+                        </a:cxn>
+                        <a:cxn ang="0">
+                          <a:pos x="connsiteX1" y="connsiteY1"/>
+                        </a:cxn>
+                        <a:cxn ang="0">
+                          <a:pos x="connsiteX2" y="connsiteY2"/>
+                        </a:cxn>
+                        <a:cxn ang="0">
+                          <a:pos x="connsiteX3" y="connsiteY3"/>
+                        </a:cxn>
+                        <a:cxn ang="0">
+                          <a:pos x="connsiteX4" y="connsiteY4"/>
+                        </a:cxn>
+                        <a:cxn ang="0">
+                          <a:pos x="connsiteX5" y="connsiteY5"/>
+                        </a:cxn>
+                        <a:cxn ang="0">
+                          <a:pos x="connsiteX6" y="connsiteY6"/>
+                        </a:cxn>
+                      </a:cxnLst>
+                      <a:rect l="l" t="t" r="r" b="b"/>
+                      <a:pathLst>
+                        <a:path w="167760" h="807720">
+                          <a:moveTo>
+                            <a:pt x="121995" y="0"/>
+                          </a:moveTo>
+                          <a:cubicBezTo>
+                            <a:pt x="59765" y="62230"/>
+                            <a:pt x="-2465" y="124460"/>
+                            <a:pt x="75" y="175260"/>
+                          </a:cubicBezTo>
+                          <a:cubicBezTo>
+                            <a:pt x="2615" y="226060"/>
+                            <a:pt x="129615" y="261620"/>
+                            <a:pt x="137235" y="304800"/>
+                          </a:cubicBezTo>
+                          <a:cubicBezTo>
+                            <a:pt x="144855" y="347980"/>
+                            <a:pt x="40715" y="392430"/>
+                            <a:pt x="45795" y="434340"/>
+                          </a:cubicBezTo>
+                          <a:cubicBezTo>
+                            <a:pt x="50875" y="476250"/>
+                            <a:pt x="165175" y="506730"/>
+                            <a:pt x="167715" y="556260"/>
+                          </a:cubicBezTo>
+                          <a:cubicBezTo>
+                            <a:pt x="170255" y="605790"/>
+                            <a:pt x="64845" y="689610"/>
+                            <a:pt x="61035" y="731520"/>
+                          </a:cubicBezTo>
+                          <a:cubicBezTo>
+                            <a:pt x="57225" y="773430"/>
+                            <a:pt x="125805" y="795020"/>
+                            <a:pt x="144855" y="807720"/>
+                          </a:cubicBezTo>
+                        </a:path>
+                      </a:pathLst>
+                    </a:custGeom>
+                    <a:noFill/>
+                    <a:ln>
+                      <a:solidFill>
+                        <a:schemeClr val="tx1"/>
+                      </a:solidFill>
+                    </a:ln>
+                  </p:spPr>
+                  <p:style>
+                    <a:lnRef idx="2">
+                      <a:schemeClr val="accent1">
+                        <a:shade val="50000"/>
+                      </a:schemeClr>
+                    </a:lnRef>
+                    <a:fillRef idx="1">
+                      <a:schemeClr val="accent1"/>
+                    </a:fillRef>
+                    <a:effectRef idx="0">
+                      <a:schemeClr val="accent1"/>
+                    </a:effectRef>
+                    <a:fontRef idx="minor">
+                      <a:schemeClr val="lt1"/>
+                    </a:fontRef>
+                  </p:style>
+                  <p:txBody>
+                    <a:bodyPr rtlCol="0" anchor="ctr"/>
+                    <a:lstStyle/>
+                    <a:p>
+                      <a:pPr algn="ctr"/>
+                      <a:endParaRPr lang="en-US"/>
+                    </a:p>
+                  </p:txBody>
+                </p:sp>
+                <p:sp>
+                  <p:nvSpPr>
+                    <p:cNvPr id="117" name="Freeform 116"/>
+                    <p:cNvSpPr/>
+                    <p:nvPr/>
+                  </p:nvSpPr>
+                  <p:spPr>
+                    <a:xfrm>
+                      <a:off x="6662625" y="3182739"/>
+                      <a:ext cx="108243" cy="434340"/>
+                    </a:xfrm>
+                    <a:custGeom>
+                      <a:avLst/>
+                      <a:gdLst>
+                        <a:gd name="connsiteX0" fmla="*/ 121995 w 167760"/>
+                        <a:gd name="connsiteY0" fmla="*/ 0 h 807720"/>
+                        <a:gd name="connsiteX1" fmla="*/ 75 w 167760"/>
+                        <a:gd name="connsiteY1" fmla="*/ 175260 h 807720"/>
+                        <a:gd name="connsiteX2" fmla="*/ 137235 w 167760"/>
+                        <a:gd name="connsiteY2" fmla="*/ 304800 h 807720"/>
+                        <a:gd name="connsiteX3" fmla="*/ 45795 w 167760"/>
+                        <a:gd name="connsiteY3" fmla="*/ 434340 h 807720"/>
+                        <a:gd name="connsiteX4" fmla="*/ 167715 w 167760"/>
+                        <a:gd name="connsiteY4" fmla="*/ 556260 h 807720"/>
+                        <a:gd name="connsiteX5" fmla="*/ 61035 w 167760"/>
+                        <a:gd name="connsiteY5" fmla="*/ 731520 h 807720"/>
+                        <a:gd name="connsiteX6" fmla="*/ 144855 w 167760"/>
+                        <a:gd name="connsiteY6" fmla="*/ 807720 h 807720"/>
+                      </a:gdLst>
+                      <a:ahLst/>
+                      <a:cxnLst>
+                        <a:cxn ang="0">
+                          <a:pos x="connsiteX0" y="connsiteY0"/>
+                        </a:cxn>
+                        <a:cxn ang="0">
+                          <a:pos x="connsiteX1" y="connsiteY1"/>
+                        </a:cxn>
+                        <a:cxn ang="0">
+                          <a:pos x="connsiteX2" y="connsiteY2"/>
+                        </a:cxn>
+                        <a:cxn ang="0">
+                          <a:pos x="connsiteX3" y="connsiteY3"/>
+                        </a:cxn>
+                        <a:cxn ang="0">
+                          <a:pos x="connsiteX4" y="connsiteY4"/>
+                        </a:cxn>
+                        <a:cxn ang="0">
+                          <a:pos x="connsiteX5" y="connsiteY5"/>
+                        </a:cxn>
+                        <a:cxn ang="0">
+                          <a:pos x="connsiteX6" y="connsiteY6"/>
+                        </a:cxn>
+                      </a:cxnLst>
+                      <a:rect l="l" t="t" r="r" b="b"/>
+                      <a:pathLst>
+                        <a:path w="167760" h="807720">
+                          <a:moveTo>
+                            <a:pt x="121995" y="0"/>
+                          </a:moveTo>
+                          <a:cubicBezTo>
+                            <a:pt x="59765" y="62230"/>
+                            <a:pt x="-2465" y="124460"/>
+                            <a:pt x="75" y="175260"/>
+                          </a:cubicBezTo>
+                          <a:cubicBezTo>
+                            <a:pt x="2615" y="226060"/>
+                            <a:pt x="129615" y="261620"/>
+                            <a:pt x="137235" y="304800"/>
+                          </a:cubicBezTo>
+                          <a:cubicBezTo>
+                            <a:pt x="144855" y="347980"/>
+                            <a:pt x="40715" y="392430"/>
+                            <a:pt x="45795" y="434340"/>
+                          </a:cubicBezTo>
+                          <a:cubicBezTo>
+                            <a:pt x="50875" y="476250"/>
+                            <a:pt x="165175" y="506730"/>
+                            <a:pt x="167715" y="556260"/>
+                          </a:cubicBezTo>
+                          <a:cubicBezTo>
+                            <a:pt x="170255" y="605790"/>
+                            <a:pt x="64845" y="689610"/>
+                            <a:pt x="61035" y="731520"/>
+                          </a:cubicBezTo>
+                          <a:cubicBezTo>
+                            <a:pt x="57225" y="773430"/>
+                            <a:pt x="125805" y="795020"/>
+                            <a:pt x="144855" y="807720"/>
+                          </a:cubicBezTo>
+                        </a:path>
+                      </a:pathLst>
+                    </a:custGeom>
+                    <a:noFill/>
+                    <a:ln>
+                      <a:solidFill>
+                        <a:schemeClr val="tx1"/>
+                      </a:solidFill>
+                    </a:ln>
+                  </p:spPr>
+                  <p:style>
+                    <a:lnRef idx="2">
+                      <a:schemeClr val="accent1">
+                        <a:shade val="50000"/>
+                      </a:schemeClr>
+                    </a:lnRef>
+                    <a:fillRef idx="1">
+                      <a:schemeClr val="accent1"/>
+                    </a:fillRef>
+                    <a:effectRef idx="0">
+                      <a:schemeClr val="accent1"/>
+                    </a:effectRef>
+                    <a:fontRef idx="minor">
+                      <a:schemeClr val="lt1"/>
+                    </a:fontRef>
+                  </p:style>
+                  <p:txBody>
+                    <a:bodyPr rtlCol="0" anchor="ctr"/>
+                    <a:lstStyle/>
+                    <a:p>
+                      <a:pPr algn="ctr"/>
+                      <a:endParaRPr lang="en-US"/>
+                    </a:p>
+                  </p:txBody>
+                </p:sp>
+                <p:sp>
+                  <p:nvSpPr>
+                    <p:cNvPr id="118" name="Freeform 117"/>
+                    <p:cNvSpPr/>
+                    <p:nvPr/>
+                  </p:nvSpPr>
+                  <p:spPr>
+                    <a:xfrm>
+                      <a:off x="6833521" y="3182740"/>
+                      <a:ext cx="108243" cy="434340"/>
+                    </a:xfrm>
+                    <a:custGeom>
+                      <a:avLst/>
+                      <a:gdLst>
+                        <a:gd name="connsiteX0" fmla="*/ 121995 w 167760"/>
+                        <a:gd name="connsiteY0" fmla="*/ 0 h 807720"/>
+                        <a:gd name="connsiteX1" fmla="*/ 75 w 167760"/>
+                        <a:gd name="connsiteY1" fmla="*/ 175260 h 807720"/>
+                        <a:gd name="connsiteX2" fmla="*/ 137235 w 167760"/>
+                        <a:gd name="connsiteY2" fmla="*/ 304800 h 807720"/>
+                        <a:gd name="connsiteX3" fmla="*/ 45795 w 167760"/>
+                        <a:gd name="connsiteY3" fmla="*/ 434340 h 807720"/>
+                        <a:gd name="connsiteX4" fmla="*/ 167715 w 167760"/>
+                        <a:gd name="connsiteY4" fmla="*/ 556260 h 807720"/>
+                        <a:gd name="connsiteX5" fmla="*/ 61035 w 167760"/>
+                        <a:gd name="connsiteY5" fmla="*/ 731520 h 807720"/>
+                        <a:gd name="connsiteX6" fmla="*/ 144855 w 167760"/>
+                        <a:gd name="connsiteY6" fmla="*/ 807720 h 807720"/>
+                      </a:gdLst>
+                      <a:ahLst/>
+                      <a:cxnLst>
+                        <a:cxn ang="0">
+                          <a:pos x="connsiteX0" y="connsiteY0"/>
+                        </a:cxn>
+                        <a:cxn ang="0">
+                          <a:pos x="connsiteX1" y="connsiteY1"/>
+                        </a:cxn>
+                        <a:cxn ang="0">
+                          <a:pos x="connsiteX2" y="connsiteY2"/>
+                        </a:cxn>
+                        <a:cxn ang="0">
+                          <a:pos x="connsiteX3" y="connsiteY3"/>
+                        </a:cxn>
+                        <a:cxn ang="0">
+                          <a:pos x="connsiteX4" y="connsiteY4"/>
+                        </a:cxn>
+                        <a:cxn ang="0">
+                          <a:pos x="connsiteX5" y="connsiteY5"/>
+                        </a:cxn>
+                        <a:cxn ang="0">
+                          <a:pos x="connsiteX6" y="connsiteY6"/>
+                        </a:cxn>
+                      </a:cxnLst>
+                      <a:rect l="l" t="t" r="r" b="b"/>
+                      <a:pathLst>
+                        <a:path w="167760" h="807720">
+                          <a:moveTo>
+                            <a:pt x="121995" y="0"/>
+                          </a:moveTo>
+                          <a:cubicBezTo>
+                            <a:pt x="59765" y="62230"/>
+                            <a:pt x="-2465" y="124460"/>
+                            <a:pt x="75" y="175260"/>
+                          </a:cubicBezTo>
+                          <a:cubicBezTo>
+                            <a:pt x="2615" y="226060"/>
+                            <a:pt x="129615" y="261620"/>
+                            <a:pt x="137235" y="304800"/>
+                          </a:cubicBezTo>
+                          <a:cubicBezTo>
+                            <a:pt x="144855" y="347980"/>
+                            <a:pt x="40715" y="392430"/>
+                            <a:pt x="45795" y="434340"/>
+                          </a:cubicBezTo>
+                          <a:cubicBezTo>
+                            <a:pt x="50875" y="476250"/>
+                            <a:pt x="165175" y="506730"/>
+                            <a:pt x="167715" y="556260"/>
+                          </a:cubicBezTo>
+                          <a:cubicBezTo>
+                            <a:pt x="170255" y="605790"/>
+                            <a:pt x="64845" y="689610"/>
+                            <a:pt x="61035" y="731520"/>
+                          </a:cubicBezTo>
+                          <a:cubicBezTo>
+                            <a:pt x="57225" y="773430"/>
+                            <a:pt x="125805" y="795020"/>
+                            <a:pt x="144855" y="807720"/>
+                          </a:cubicBezTo>
+                        </a:path>
+                      </a:pathLst>
+                    </a:custGeom>
+                    <a:noFill/>
+                    <a:ln>
+                      <a:solidFill>
+                        <a:schemeClr val="tx1"/>
+                      </a:solidFill>
+                    </a:ln>
+                  </p:spPr>
+                  <p:style>
+                    <a:lnRef idx="2">
+                      <a:schemeClr val="accent1">
+                        <a:shade val="50000"/>
+                      </a:schemeClr>
+                    </a:lnRef>
+                    <a:fillRef idx="1">
+                      <a:schemeClr val="accent1"/>
+                    </a:fillRef>
+                    <a:effectRef idx="0">
+                      <a:schemeClr val="accent1"/>
+                    </a:effectRef>
+                    <a:fontRef idx="minor">
+                      <a:schemeClr val="lt1"/>
+                    </a:fontRef>
+                  </p:style>
+                  <p:txBody>
+                    <a:bodyPr rtlCol="0" anchor="ctr"/>
+                    <a:lstStyle/>
+                    <a:p>
+                      <a:pPr algn="ctr"/>
+                      <a:endParaRPr lang="en-US"/>
+                    </a:p>
+                  </p:txBody>
+                </p:sp>
+                <p:sp>
+                  <p:nvSpPr>
+                    <p:cNvPr id="119" name="Freeform 118"/>
+                    <p:cNvSpPr/>
+                    <p:nvPr/>
+                  </p:nvSpPr>
+                  <p:spPr>
+                    <a:xfrm>
+                      <a:off x="8063687" y="3197160"/>
+                      <a:ext cx="108243" cy="434340"/>
+                    </a:xfrm>
+                    <a:custGeom>
+                      <a:avLst/>
+                      <a:gdLst>
+                        <a:gd name="connsiteX0" fmla="*/ 121995 w 167760"/>
+                        <a:gd name="connsiteY0" fmla="*/ 0 h 807720"/>
+                        <a:gd name="connsiteX1" fmla="*/ 75 w 167760"/>
+                        <a:gd name="connsiteY1" fmla="*/ 175260 h 807720"/>
+                        <a:gd name="connsiteX2" fmla="*/ 137235 w 167760"/>
+                        <a:gd name="connsiteY2" fmla="*/ 304800 h 807720"/>
+                        <a:gd name="connsiteX3" fmla="*/ 45795 w 167760"/>
+                        <a:gd name="connsiteY3" fmla="*/ 434340 h 807720"/>
+                        <a:gd name="connsiteX4" fmla="*/ 167715 w 167760"/>
+                        <a:gd name="connsiteY4" fmla="*/ 556260 h 807720"/>
+                        <a:gd name="connsiteX5" fmla="*/ 61035 w 167760"/>
+                        <a:gd name="connsiteY5" fmla="*/ 731520 h 807720"/>
+                        <a:gd name="connsiteX6" fmla="*/ 144855 w 167760"/>
+                        <a:gd name="connsiteY6" fmla="*/ 807720 h 807720"/>
+                      </a:gdLst>
+                      <a:ahLst/>
+                      <a:cxnLst>
+                        <a:cxn ang="0">
+                          <a:pos x="connsiteX0" y="connsiteY0"/>
+                        </a:cxn>
+                        <a:cxn ang="0">
+                          <a:pos x="connsiteX1" y="connsiteY1"/>
+                        </a:cxn>
+                        <a:cxn ang="0">
+                          <a:pos x="connsiteX2" y="connsiteY2"/>
+                        </a:cxn>
+                        <a:cxn ang="0">
+                          <a:pos x="connsiteX3" y="connsiteY3"/>
+                        </a:cxn>
+                        <a:cxn ang="0">
+                          <a:pos x="connsiteX4" y="connsiteY4"/>
+                        </a:cxn>
+                        <a:cxn ang="0">
+                          <a:pos x="connsiteX5" y="connsiteY5"/>
+                        </a:cxn>
+                        <a:cxn ang="0">
+                          <a:pos x="connsiteX6" y="connsiteY6"/>
+                        </a:cxn>
+                      </a:cxnLst>
+                      <a:rect l="l" t="t" r="r" b="b"/>
+                      <a:pathLst>
+                        <a:path w="167760" h="807720">
+                          <a:moveTo>
+                            <a:pt x="121995" y="0"/>
+                          </a:moveTo>
+                          <a:cubicBezTo>
+                            <a:pt x="59765" y="62230"/>
+                            <a:pt x="-2465" y="124460"/>
+                            <a:pt x="75" y="175260"/>
+                          </a:cubicBezTo>
+                          <a:cubicBezTo>
+                            <a:pt x="2615" y="226060"/>
+                            <a:pt x="129615" y="261620"/>
+                            <a:pt x="137235" y="304800"/>
+                          </a:cubicBezTo>
+                          <a:cubicBezTo>
+                            <a:pt x="144855" y="347980"/>
+                            <a:pt x="40715" y="392430"/>
+                            <a:pt x="45795" y="434340"/>
+                          </a:cubicBezTo>
+                          <a:cubicBezTo>
+                            <a:pt x="50875" y="476250"/>
+                            <a:pt x="165175" y="506730"/>
+                            <a:pt x="167715" y="556260"/>
+                          </a:cubicBezTo>
+                          <a:cubicBezTo>
+                            <a:pt x="170255" y="605790"/>
+                            <a:pt x="64845" y="689610"/>
+                            <a:pt x="61035" y="731520"/>
+                          </a:cubicBezTo>
+                          <a:cubicBezTo>
+                            <a:pt x="57225" y="773430"/>
+                            <a:pt x="125805" y="795020"/>
+                            <a:pt x="144855" y="807720"/>
+                          </a:cubicBezTo>
+                        </a:path>
+                      </a:pathLst>
+                    </a:custGeom>
+                    <a:noFill/>
+                    <a:ln>
+                      <a:solidFill>
+                        <a:schemeClr val="tx1"/>
+                      </a:solidFill>
+                    </a:ln>
+                  </p:spPr>
+                  <p:style>
+                    <a:lnRef idx="2">
+                      <a:schemeClr val="accent1">
+                        <a:shade val="50000"/>
+                      </a:schemeClr>
+                    </a:lnRef>
+                    <a:fillRef idx="1">
+                      <a:schemeClr val="accent1"/>
+                    </a:fillRef>
+                    <a:effectRef idx="0">
+                      <a:schemeClr val="accent1"/>
+                    </a:effectRef>
+                    <a:fontRef idx="minor">
+                      <a:schemeClr val="lt1"/>
+                    </a:fontRef>
+                  </p:style>
+                  <p:txBody>
+                    <a:bodyPr rtlCol="0" anchor="ctr"/>
+                    <a:lstStyle/>
+                    <a:p>
+                      <a:pPr algn="ctr"/>
+                      <a:endParaRPr lang="en-US"/>
+                    </a:p>
+                  </p:txBody>
+                </p:sp>
+              </p:grpSp>
+              <p:grpSp>
+                <p:nvGrpSpPr>
+                  <p:cNvPr id="101" name="Group 100"/>
+                  <p:cNvGrpSpPr/>
+                  <p:nvPr/>
+                </p:nvGrpSpPr>
+                <p:grpSpPr>
+                  <a:xfrm>
+                    <a:off x="3401683" y="3027189"/>
+                    <a:ext cx="2448272" cy="2053399"/>
+                    <a:chOff x="6131218" y="3068960"/>
+                    <a:chExt cx="2448272" cy="2053399"/>
+                  </a:xfrm>
+                </p:grpSpPr>
+                <p:sp>
+                  <p:nvSpPr>
+                    <p:cNvPr id="102" name="Rectangle 101"/>
+                    <p:cNvSpPr/>
+                    <p:nvPr/>
+                  </p:nvSpPr>
+                  <p:spPr>
+                    <a:xfrm>
+                      <a:off x="6131218" y="3068960"/>
+                      <a:ext cx="2448272" cy="2053399"/>
+                    </a:xfrm>
+                    <a:prstGeom prst="rect">
+                      <a:avLst/>
+                    </a:prstGeom>
+                    <a:solidFill>
+                      <a:schemeClr val="accent6">
+                        <a:lumMod val="20000"/>
+                        <a:lumOff val="80000"/>
+                      </a:schemeClr>
+                    </a:solidFill>
+                    <a:ln>
+                      <a:solidFill>
+                        <a:schemeClr val="tx1"/>
+                      </a:solidFill>
+                    </a:ln>
+                  </p:spPr>
+                  <p:style>
+                    <a:lnRef idx="2">
+                      <a:schemeClr val="accent1">
+                        <a:shade val="50000"/>
+                      </a:schemeClr>
+                    </a:lnRef>
+                    <a:fillRef idx="1">
+                      <a:schemeClr val="accent1"/>
+                    </a:fillRef>
+                    <a:effectRef idx="0">
+                      <a:schemeClr val="accent1"/>
+                    </a:effectRef>
+                    <a:fontRef idx="minor">
+                      <a:schemeClr val="lt1"/>
+                    </a:fontRef>
+                  </p:style>
+                  <p:txBody>
+                    <a:bodyPr rtlCol="0" anchor="ctr"/>
+                    <a:lstStyle/>
+                    <a:p>
+                      <a:pPr algn="ctr"/>
+                      <a:endParaRPr lang="en-US"/>
+                    </a:p>
+                  </p:txBody>
+                </p:sp>
+                <p:sp>
+                  <p:nvSpPr>
+                    <p:cNvPr id="103" name="Oval 102"/>
+                    <p:cNvSpPr/>
+                    <p:nvPr/>
+                  </p:nvSpPr>
+                  <p:spPr>
+                    <a:xfrm>
+                      <a:off x="6189008" y="3507100"/>
+                      <a:ext cx="1008112" cy="888112"/>
+                    </a:xfrm>
+                    <a:prstGeom prst="ellipse">
+                      <a:avLst/>
+                    </a:prstGeom>
+                    <a:solidFill>
+                      <a:schemeClr val="accent6">
+                        <a:lumMod val="60000"/>
+                        <a:lumOff val="40000"/>
+                      </a:schemeClr>
+                    </a:solidFill>
+                    <a:ln>
+                      <a:solidFill>
+                        <a:schemeClr val="tx1">
+                          <a:lumMod val="95000"/>
+                          <a:lumOff val="5000"/>
+                        </a:schemeClr>
+                      </a:solidFill>
+                    </a:ln>
+                  </p:spPr>
+                  <p:style>
+                    <a:lnRef idx="2">
+                      <a:schemeClr val="accent1">
+                        <a:shade val="50000"/>
+                      </a:schemeClr>
+                    </a:lnRef>
+                    <a:fillRef idx="1">
+                      <a:schemeClr val="accent1"/>
+                    </a:fillRef>
+                    <a:effectRef idx="0">
+                      <a:schemeClr val="accent1"/>
+                    </a:effectRef>
+                    <a:fontRef idx="minor">
+                      <a:schemeClr val="lt1"/>
+                    </a:fontRef>
+                  </p:style>
+                  <p:txBody>
+                    <a:bodyPr rtlCol="0" anchor="ctr"/>
+                    <a:lstStyle/>
+                    <a:p>
+                      <a:pPr algn="ctr"/>
+                      <a:r>
+                        <a:rPr lang="en-US" sz="1000" dirty="0" smtClean="0"/>
+                        <a:t>Core 3</a:t>
+                      </a:r>
+                      <a:endParaRPr lang="en-US" sz="1000" dirty="0"/>
+                    </a:p>
+                  </p:txBody>
+                </p:sp>
+                <p:sp>
+                  <p:nvSpPr>
+                    <p:cNvPr id="104" name="Oval 103"/>
+                    <p:cNvSpPr/>
+                    <p:nvPr/>
+                  </p:nvSpPr>
+                  <p:spPr>
+                    <a:xfrm>
+                      <a:off x="7488093" y="3507100"/>
+                      <a:ext cx="1008112" cy="888112"/>
+                    </a:xfrm>
+                    <a:prstGeom prst="ellipse">
+                      <a:avLst/>
+                    </a:prstGeom>
+                    <a:solidFill>
+                      <a:schemeClr val="accent6">
+                        <a:lumMod val="60000"/>
+                        <a:lumOff val="40000"/>
+                      </a:schemeClr>
+                    </a:solidFill>
+                    <a:ln>
+                      <a:solidFill>
+                        <a:schemeClr val="tx1">
+                          <a:lumMod val="95000"/>
+                          <a:lumOff val="5000"/>
+                        </a:schemeClr>
+                      </a:solidFill>
+                    </a:ln>
+                  </p:spPr>
+                  <p:style>
+                    <a:lnRef idx="2">
+                      <a:schemeClr val="accent1">
+                        <a:shade val="50000"/>
+                      </a:schemeClr>
+                    </a:lnRef>
+                    <a:fillRef idx="1">
+                      <a:schemeClr val="accent1"/>
+                    </a:fillRef>
+                    <a:effectRef idx="0">
+                      <a:schemeClr val="accent1"/>
+                    </a:effectRef>
+                    <a:fontRef idx="minor">
+                      <a:schemeClr val="lt1"/>
+                    </a:fontRef>
+                  </p:style>
+                  <p:txBody>
+                    <a:bodyPr rtlCol="0" anchor="ctr"/>
+                    <a:lstStyle/>
+                    <a:p>
+                      <a:pPr algn="ctr"/>
+                      <a:r>
+                        <a:rPr lang="en-US" sz="1000" dirty="0" smtClean="0"/>
+                        <a:t>Core 4</a:t>
+                      </a:r>
+                      <a:endParaRPr lang="en-US" sz="1000" dirty="0"/>
+                    </a:p>
+                  </p:txBody>
+                </p:sp>
+                <p:sp>
+                  <p:nvSpPr>
+                    <p:cNvPr id="105" name="Rectangle 104"/>
+                    <p:cNvSpPr/>
+                    <p:nvPr/>
+                  </p:nvSpPr>
+                  <p:spPr>
+                    <a:xfrm>
+                      <a:off x="6189008" y="4411960"/>
+                      <a:ext cx="1008112" cy="288032"/>
+                    </a:xfrm>
+                    <a:prstGeom prst="rect">
+                      <a:avLst/>
+                    </a:prstGeom>
+                    <a:solidFill>
+                      <a:schemeClr val="accent4">
+                        <a:lumMod val="50000"/>
+                        <a:lumOff val="50000"/>
+                      </a:schemeClr>
+                    </a:solidFill>
+                    <a:ln>
+                      <a:solidFill>
+                        <a:schemeClr val="tx1"/>
+                      </a:solidFill>
+                    </a:ln>
+                  </p:spPr>
+                  <p:style>
+                    <a:lnRef idx="2">
+                      <a:schemeClr val="accent1">
+                        <a:shade val="50000"/>
+                      </a:schemeClr>
+                    </a:lnRef>
+                    <a:fillRef idx="1">
+                      <a:schemeClr val="accent1"/>
+                    </a:fillRef>
+                    <a:effectRef idx="0">
+                      <a:schemeClr val="accent1"/>
+                    </a:effectRef>
+                    <a:fontRef idx="minor">
+                      <a:schemeClr val="lt1"/>
+                    </a:fontRef>
+                  </p:style>
+                  <p:txBody>
+                    <a:bodyPr rtlCol="0" anchor="ctr"/>
+                    <a:lstStyle/>
+                    <a:p>
+                      <a:pPr algn="ctr"/>
+                      <a:r>
+                        <a:rPr lang="en-US" sz="800" dirty="0" smtClean="0"/>
+                        <a:t>L1 Cache</a:t>
+                      </a:r>
+                      <a:endParaRPr lang="en-US" sz="800" dirty="0"/>
+                    </a:p>
+                  </p:txBody>
+                </p:sp>
+                <p:sp>
+                  <p:nvSpPr>
+                    <p:cNvPr id="106" name="Rectangle 105"/>
+                    <p:cNvSpPr/>
+                    <p:nvPr/>
+                  </p:nvSpPr>
+                  <p:spPr>
+                    <a:xfrm>
+                      <a:off x="7482290" y="4411960"/>
+                      <a:ext cx="1008112" cy="288032"/>
+                    </a:xfrm>
+                    <a:prstGeom prst="rect">
+                      <a:avLst/>
+                    </a:prstGeom>
+                    <a:solidFill>
+                      <a:schemeClr val="accent4">
+                        <a:lumMod val="50000"/>
+                        <a:lumOff val="50000"/>
+                      </a:schemeClr>
+                    </a:solidFill>
+                    <a:ln>
+                      <a:solidFill>
+                        <a:schemeClr val="tx1"/>
+                      </a:solidFill>
+                    </a:ln>
+                  </p:spPr>
+                  <p:style>
+                    <a:lnRef idx="2">
+                      <a:schemeClr val="accent1">
+                        <a:shade val="50000"/>
+                      </a:schemeClr>
+                    </a:lnRef>
+                    <a:fillRef idx="1">
+                      <a:schemeClr val="accent1"/>
+                    </a:fillRef>
+                    <a:effectRef idx="0">
+                      <a:schemeClr val="accent1"/>
+                    </a:effectRef>
+                    <a:fontRef idx="minor">
+                      <a:schemeClr val="lt1"/>
+                    </a:fontRef>
+                  </p:style>
+                  <p:txBody>
+                    <a:bodyPr rtlCol="0" anchor="ctr"/>
+                    <a:lstStyle/>
+                    <a:p>
+                      <a:pPr algn="ctr"/>
+                      <a:r>
+                        <a:rPr lang="en-US" sz="800" dirty="0" smtClean="0"/>
+                        <a:t>L1 Cache</a:t>
+                      </a:r>
+                      <a:endParaRPr lang="en-US" sz="800" dirty="0"/>
+                    </a:p>
+                  </p:txBody>
+                </p:sp>
+                <p:sp>
+                  <p:nvSpPr>
+                    <p:cNvPr id="107" name="Freeform 106"/>
+                    <p:cNvSpPr/>
+                    <p:nvPr/>
+                  </p:nvSpPr>
+                  <p:spPr>
+                    <a:xfrm>
+                      <a:off x="6500723" y="3182739"/>
+                      <a:ext cx="108243" cy="434340"/>
+                    </a:xfrm>
+                    <a:custGeom>
+                      <a:avLst/>
+                      <a:gdLst>
+                        <a:gd name="connsiteX0" fmla="*/ 121995 w 167760"/>
+                        <a:gd name="connsiteY0" fmla="*/ 0 h 807720"/>
+                        <a:gd name="connsiteX1" fmla="*/ 75 w 167760"/>
+                        <a:gd name="connsiteY1" fmla="*/ 175260 h 807720"/>
+                        <a:gd name="connsiteX2" fmla="*/ 137235 w 167760"/>
+                        <a:gd name="connsiteY2" fmla="*/ 304800 h 807720"/>
+                        <a:gd name="connsiteX3" fmla="*/ 45795 w 167760"/>
+                        <a:gd name="connsiteY3" fmla="*/ 434340 h 807720"/>
+                        <a:gd name="connsiteX4" fmla="*/ 167715 w 167760"/>
+                        <a:gd name="connsiteY4" fmla="*/ 556260 h 807720"/>
+                        <a:gd name="connsiteX5" fmla="*/ 61035 w 167760"/>
+                        <a:gd name="connsiteY5" fmla="*/ 731520 h 807720"/>
+                        <a:gd name="connsiteX6" fmla="*/ 144855 w 167760"/>
+                        <a:gd name="connsiteY6" fmla="*/ 807720 h 807720"/>
+                      </a:gdLst>
+                      <a:ahLst/>
+                      <a:cxnLst>
+                        <a:cxn ang="0">
+                          <a:pos x="connsiteX0" y="connsiteY0"/>
+                        </a:cxn>
+                        <a:cxn ang="0">
+                          <a:pos x="connsiteX1" y="connsiteY1"/>
+                        </a:cxn>
+                        <a:cxn ang="0">
+                          <a:pos x="connsiteX2" y="connsiteY2"/>
+                        </a:cxn>
+                        <a:cxn ang="0">
+                          <a:pos x="connsiteX3" y="connsiteY3"/>
+                        </a:cxn>
+                        <a:cxn ang="0">
+                          <a:pos x="connsiteX4" y="connsiteY4"/>
+                        </a:cxn>
+                        <a:cxn ang="0">
+                          <a:pos x="connsiteX5" y="connsiteY5"/>
+                        </a:cxn>
+                        <a:cxn ang="0">
+                          <a:pos x="connsiteX6" y="connsiteY6"/>
+                        </a:cxn>
+                      </a:cxnLst>
+                      <a:rect l="l" t="t" r="r" b="b"/>
+                      <a:pathLst>
+                        <a:path w="167760" h="807720">
+                          <a:moveTo>
+                            <a:pt x="121995" y="0"/>
+                          </a:moveTo>
+                          <a:cubicBezTo>
+                            <a:pt x="59765" y="62230"/>
+                            <a:pt x="-2465" y="124460"/>
+                            <a:pt x="75" y="175260"/>
+                          </a:cubicBezTo>
+                          <a:cubicBezTo>
+                            <a:pt x="2615" y="226060"/>
+                            <a:pt x="129615" y="261620"/>
+                            <a:pt x="137235" y="304800"/>
+                          </a:cubicBezTo>
+                          <a:cubicBezTo>
+                            <a:pt x="144855" y="347980"/>
+                            <a:pt x="40715" y="392430"/>
+                            <a:pt x="45795" y="434340"/>
+                          </a:cubicBezTo>
+                          <a:cubicBezTo>
+                            <a:pt x="50875" y="476250"/>
+                            <a:pt x="165175" y="506730"/>
+                            <a:pt x="167715" y="556260"/>
+                          </a:cubicBezTo>
+                          <a:cubicBezTo>
+                            <a:pt x="170255" y="605790"/>
+                            <a:pt x="64845" y="689610"/>
+                            <a:pt x="61035" y="731520"/>
+                          </a:cubicBezTo>
+                          <a:cubicBezTo>
+                            <a:pt x="57225" y="773430"/>
+                            <a:pt x="125805" y="795020"/>
+                            <a:pt x="144855" y="807720"/>
+                          </a:cubicBezTo>
+                        </a:path>
+                      </a:pathLst>
+                    </a:custGeom>
+                    <a:noFill/>
+                    <a:ln>
+                      <a:solidFill>
+                        <a:schemeClr val="tx1"/>
+                      </a:solidFill>
+                    </a:ln>
+                  </p:spPr>
+                  <p:style>
+                    <a:lnRef idx="2">
+                      <a:schemeClr val="accent1">
+                        <a:shade val="50000"/>
+                      </a:schemeClr>
+                    </a:lnRef>
+                    <a:fillRef idx="1">
+                      <a:schemeClr val="accent1"/>
+                    </a:fillRef>
+                    <a:effectRef idx="0">
+                      <a:schemeClr val="accent1"/>
+                    </a:effectRef>
+                    <a:fontRef idx="minor">
+                      <a:schemeClr val="lt1"/>
+                    </a:fontRef>
+                  </p:style>
+                  <p:txBody>
+                    <a:bodyPr rtlCol="0" anchor="ctr"/>
+                    <a:lstStyle/>
+                    <a:p>
+                      <a:pPr algn="ctr"/>
+                      <a:endParaRPr lang="en-US"/>
+                    </a:p>
+                  </p:txBody>
+                </p:sp>
+                <p:sp>
+                  <p:nvSpPr>
+                    <p:cNvPr id="108" name="Freeform 107"/>
+                    <p:cNvSpPr/>
+                    <p:nvPr/>
+                  </p:nvSpPr>
+                  <p:spPr>
+                    <a:xfrm>
+                      <a:off x="6662625" y="3182739"/>
+                      <a:ext cx="108243" cy="434340"/>
+                    </a:xfrm>
+                    <a:custGeom>
+                      <a:avLst/>
+                      <a:gdLst>
+                        <a:gd name="connsiteX0" fmla="*/ 121995 w 167760"/>
+                        <a:gd name="connsiteY0" fmla="*/ 0 h 807720"/>
+                        <a:gd name="connsiteX1" fmla="*/ 75 w 167760"/>
+                        <a:gd name="connsiteY1" fmla="*/ 175260 h 807720"/>
+                        <a:gd name="connsiteX2" fmla="*/ 137235 w 167760"/>
+                        <a:gd name="connsiteY2" fmla="*/ 304800 h 807720"/>
+                        <a:gd name="connsiteX3" fmla="*/ 45795 w 167760"/>
+                        <a:gd name="connsiteY3" fmla="*/ 434340 h 807720"/>
+                        <a:gd name="connsiteX4" fmla="*/ 167715 w 167760"/>
+                        <a:gd name="connsiteY4" fmla="*/ 556260 h 807720"/>
+                        <a:gd name="connsiteX5" fmla="*/ 61035 w 167760"/>
+                        <a:gd name="connsiteY5" fmla="*/ 731520 h 807720"/>
+                        <a:gd name="connsiteX6" fmla="*/ 144855 w 167760"/>
+                        <a:gd name="connsiteY6" fmla="*/ 807720 h 807720"/>
+                      </a:gdLst>
+                      <a:ahLst/>
+                      <a:cxnLst>
+                        <a:cxn ang="0">
+                          <a:pos x="connsiteX0" y="connsiteY0"/>
+                        </a:cxn>
+                        <a:cxn ang="0">
+                          <a:pos x="connsiteX1" y="connsiteY1"/>
+                        </a:cxn>
+                        <a:cxn ang="0">
+                          <a:pos x="connsiteX2" y="connsiteY2"/>
+                        </a:cxn>
+                        <a:cxn ang="0">
+                          <a:pos x="connsiteX3" y="connsiteY3"/>
+                        </a:cxn>
+                        <a:cxn ang="0">
+                          <a:pos x="connsiteX4" y="connsiteY4"/>
+                        </a:cxn>
+                        <a:cxn ang="0">
+                          <a:pos x="connsiteX5" y="connsiteY5"/>
+                        </a:cxn>
+                        <a:cxn ang="0">
+                          <a:pos x="connsiteX6" y="connsiteY6"/>
+                        </a:cxn>
+                      </a:cxnLst>
+                      <a:rect l="l" t="t" r="r" b="b"/>
+                      <a:pathLst>
+                        <a:path w="167760" h="807720">
+                          <a:moveTo>
+                            <a:pt x="121995" y="0"/>
+                          </a:moveTo>
+                          <a:cubicBezTo>
+                            <a:pt x="59765" y="62230"/>
+                            <a:pt x="-2465" y="124460"/>
+                            <a:pt x="75" y="175260"/>
+                          </a:cubicBezTo>
+                          <a:cubicBezTo>
+                            <a:pt x="2615" y="226060"/>
+                            <a:pt x="129615" y="261620"/>
+                            <a:pt x="137235" y="304800"/>
+                          </a:cubicBezTo>
+                          <a:cubicBezTo>
+                            <a:pt x="144855" y="347980"/>
+                            <a:pt x="40715" y="392430"/>
+                            <a:pt x="45795" y="434340"/>
+                          </a:cubicBezTo>
+                          <a:cubicBezTo>
+                            <a:pt x="50875" y="476250"/>
+                            <a:pt x="165175" y="506730"/>
+                            <a:pt x="167715" y="556260"/>
+                          </a:cubicBezTo>
+                          <a:cubicBezTo>
+                            <a:pt x="170255" y="605790"/>
+                            <a:pt x="64845" y="689610"/>
+                            <a:pt x="61035" y="731520"/>
+                          </a:cubicBezTo>
+                          <a:cubicBezTo>
+                            <a:pt x="57225" y="773430"/>
+                            <a:pt x="125805" y="795020"/>
+                            <a:pt x="144855" y="807720"/>
+                          </a:cubicBezTo>
+                        </a:path>
+                      </a:pathLst>
+                    </a:custGeom>
+                    <a:noFill/>
+                    <a:ln>
+                      <a:solidFill>
+                        <a:schemeClr val="tx1"/>
+                      </a:solidFill>
+                    </a:ln>
+                  </p:spPr>
+                  <p:style>
+                    <a:lnRef idx="2">
+                      <a:schemeClr val="accent1">
+                        <a:shade val="50000"/>
+                      </a:schemeClr>
+                    </a:lnRef>
+                    <a:fillRef idx="1">
+                      <a:schemeClr val="accent1"/>
+                    </a:fillRef>
+                    <a:effectRef idx="0">
+                      <a:schemeClr val="accent1"/>
+                    </a:effectRef>
+                    <a:fontRef idx="minor">
+                      <a:schemeClr val="lt1"/>
+                    </a:fontRef>
+                  </p:style>
+                  <p:txBody>
+                    <a:bodyPr rtlCol="0" anchor="ctr"/>
+                    <a:lstStyle/>
+                    <a:p>
+                      <a:pPr algn="ctr"/>
+                      <a:endParaRPr lang="en-US"/>
+                    </a:p>
+                  </p:txBody>
+                </p:sp>
+                <p:sp>
+                  <p:nvSpPr>
+                    <p:cNvPr id="109" name="Freeform 108"/>
+                    <p:cNvSpPr/>
+                    <p:nvPr/>
+                  </p:nvSpPr>
+                  <p:spPr>
+                    <a:xfrm>
+                      <a:off x="7755281" y="3203699"/>
+                      <a:ext cx="108243" cy="434340"/>
+                    </a:xfrm>
+                    <a:custGeom>
+                      <a:avLst/>
+                      <a:gdLst>
+                        <a:gd name="connsiteX0" fmla="*/ 121995 w 167760"/>
+                        <a:gd name="connsiteY0" fmla="*/ 0 h 807720"/>
+                        <a:gd name="connsiteX1" fmla="*/ 75 w 167760"/>
+                        <a:gd name="connsiteY1" fmla="*/ 175260 h 807720"/>
+                        <a:gd name="connsiteX2" fmla="*/ 137235 w 167760"/>
+                        <a:gd name="connsiteY2" fmla="*/ 304800 h 807720"/>
+                        <a:gd name="connsiteX3" fmla="*/ 45795 w 167760"/>
+                        <a:gd name="connsiteY3" fmla="*/ 434340 h 807720"/>
+                        <a:gd name="connsiteX4" fmla="*/ 167715 w 167760"/>
+                        <a:gd name="connsiteY4" fmla="*/ 556260 h 807720"/>
+                        <a:gd name="connsiteX5" fmla="*/ 61035 w 167760"/>
+                        <a:gd name="connsiteY5" fmla="*/ 731520 h 807720"/>
+                        <a:gd name="connsiteX6" fmla="*/ 144855 w 167760"/>
+                        <a:gd name="connsiteY6" fmla="*/ 807720 h 807720"/>
+                      </a:gdLst>
+                      <a:ahLst/>
+                      <a:cxnLst>
+                        <a:cxn ang="0">
+                          <a:pos x="connsiteX0" y="connsiteY0"/>
+                        </a:cxn>
+                        <a:cxn ang="0">
+                          <a:pos x="connsiteX1" y="connsiteY1"/>
+                        </a:cxn>
+                        <a:cxn ang="0">
+                          <a:pos x="connsiteX2" y="connsiteY2"/>
+                        </a:cxn>
+                        <a:cxn ang="0">
+                          <a:pos x="connsiteX3" y="connsiteY3"/>
+                        </a:cxn>
+                        <a:cxn ang="0">
+                          <a:pos x="connsiteX4" y="connsiteY4"/>
+                        </a:cxn>
+                        <a:cxn ang="0">
+                          <a:pos x="connsiteX5" y="connsiteY5"/>
+                        </a:cxn>
+                        <a:cxn ang="0">
+                          <a:pos x="connsiteX6" y="connsiteY6"/>
+                        </a:cxn>
+                      </a:cxnLst>
+                      <a:rect l="l" t="t" r="r" b="b"/>
+                      <a:pathLst>
+                        <a:path w="167760" h="807720">
+                          <a:moveTo>
+                            <a:pt x="121995" y="0"/>
+                          </a:moveTo>
+                          <a:cubicBezTo>
+                            <a:pt x="59765" y="62230"/>
+                            <a:pt x="-2465" y="124460"/>
+                            <a:pt x="75" y="175260"/>
+                          </a:cubicBezTo>
+                          <a:cubicBezTo>
+                            <a:pt x="2615" y="226060"/>
+                            <a:pt x="129615" y="261620"/>
+                            <a:pt x="137235" y="304800"/>
+                          </a:cubicBezTo>
+                          <a:cubicBezTo>
+                            <a:pt x="144855" y="347980"/>
+                            <a:pt x="40715" y="392430"/>
+                            <a:pt x="45795" y="434340"/>
+                          </a:cubicBezTo>
+                          <a:cubicBezTo>
+                            <a:pt x="50875" y="476250"/>
+                            <a:pt x="165175" y="506730"/>
+                            <a:pt x="167715" y="556260"/>
+                          </a:cubicBezTo>
+                          <a:cubicBezTo>
+                            <a:pt x="170255" y="605790"/>
+                            <a:pt x="64845" y="689610"/>
+                            <a:pt x="61035" y="731520"/>
+                          </a:cubicBezTo>
+                          <a:cubicBezTo>
+                            <a:pt x="57225" y="773430"/>
+                            <a:pt x="125805" y="795020"/>
+                            <a:pt x="144855" y="807720"/>
+                          </a:cubicBezTo>
+                        </a:path>
+                      </a:pathLst>
+                    </a:custGeom>
+                    <a:noFill/>
+                    <a:ln>
+                      <a:solidFill>
+                        <a:schemeClr val="tx1"/>
+                      </a:solidFill>
+                    </a:ln>
+                  </p:spPr>
+                  <p:style>
+                    <a:lnRef idx="2">
+                      <a:schemeClr val="accent1">
+                        <a:shade val="50000"/>
+                      </a:schemeClr>
+                    </a:lnRef>
+                    <a:fillRef idx="1">
+                      <a:schemeClr val="accent1"/>
+                    </a:fillRef>
+                    <a:effectRef idx="0">
+                      <a:schemeClr val="accent1"/>
+                    </a:effectRef>
+                    <a:fontRef idx="minor">
+                      <a:schemeClr val="lt1"/>
+                    </a:fontRef>
+                  </p:style>
+                  <p:txBody>
+                    <a:bodyPr rtlCol="0" anchor="ctr"/>
+                    <a:lstStyle/>
+                    <a:p>
+                      <a:pPr algn="ctr"/>
+                      <a:endParaRPr lang="en-US"/>
+                    </a:p>
+                  </p:txBody>
+                </p:sp>
+                <p:sp>
+                  <p:nvSpPr>
+                    <p:cNvPr id="110" name="Freeform 109"/>
+                    <p:cNvSpPr/>
+                    <p:nvPr/>
+                  </p:nvSpPr>
+                  <p:spPr>
+                    <a:xfrm>
+                      <a:off x="7970385" y="3203699"/>
+                      <a:ext cx="108243" cy="434340"/>
+                    </a:xfrm>
+                    <a:custGeom>
+                      <a:avLst/>
+                      <a:gdLst>
+                        <a:gd name="connsiteX0" fmla="*/ 121995 w 167760"/>
+                        <a:gd name="connsiteY0" fmla="*/ 0 h 807720"/>
+                        <a:gd name="connsiteX1" fmla="*/ 75 w 167760"/>
+                        <a:gd name="connsiteY1" fmla="*/ 175260 h 807720"/>
+                        <a:gd name="connsiteX2" fmla="*/ 137235 w 167760"/>
+                        <a:gd name="connsiteY2" fmla="*/ 304800 h 807720"/>
+                        <a:gd name="connsiteX3" fmla="*/ 45795 w 167760"/>
+                        <a:gd name="connsiteY3" fmla="*/ 434340 h 807720"/>
+                        <a:gd name="connsiteX4" fmla="*/ 167715 w 167760"/>
+                        <a:gd name="connsiteY4" fmla="*/ 556260 h 807720"/>
+                        <a:gd name="connsiteX5" fmla="*/ 61035 w 167760"/>
+                        <a:gd name="connsiteY5" fmla="*/ 731520 h 807720"/>
+                        <a:gd name="connsiteX6" fmla="*/ 144855 w 167760"/>
+                        <a:gd name="connsiteY6" fmla="*/ 807720 h 807720"/>
+                      </a:gdLst>
+                      <a:ahLst/>
+                      <a:cxnLst>
+                        <a:cxn ang="0">
+                          <a:pos x="connsiteX0" y="connsiteY0"/>
+                        </a:cxn>
+                        <a:cxn ang="0">
+                          <a:pos x="connsiteX1" y="connsiteY1"/>
+                        </a:cxn>
+                        <a:cxn ang="0">
+                          <a:pos x="connsiteX2" y="connsiteY2"/>
+                        </a:cxn>
+                        <a:cxn ang="0">
+                          <a:pos x="connsiteX3" y="connsiteY3"/>
+                        </a:cxn>
+                        <a:cxn ang="0">
+                          <a:pos x="connsiteX4" y="connsiteY4"/>
+                        </a:cxn>
+                        <a:cxn ang="0">
+                          <a:pos x="connsiteX5" y="connsiteY5"/>
+                        </a:cxn>
+                        <a:cxn ang="0">
+                          <a:pos x="connsiteX6" y="connsiteY6"/>
+                        </a:cxn>
+                      </a:cxnLst>
+                      <a:rect l="l" t="t" r="r" b="b"/>
+                      <a:pathLst>
+                        <a:path w="167760" h="807720">
+                          <a:moveTo>
+                            <a:pt x="121995" y="0"/>
+                          </a:moveTo>
+                          <a:cubicBezTo>
+                            <a:pt x="59765" y="62230"/>
+                            <a:pt x="-2465" y="124460"/>
+                            <a:pt x="75" y="175260"/>
+                          </a:cubicBezTo>
+                          <a:cubicBezTo>
+                            <a:pt x="2615" y="226060"/>
+                            <a:pt x="129615" y="261620"/>
+                            <a:pt x="137235" y="304800"/>
+                          </a:cubicBezTo>
+                          <a:cubicBezTo>
+                            <a:pt x="144855" y="347980"/>
+                            <a:pt x="40715" y="392430"/>
+                            <a:pt x="45795" y="434340"/>
+                          </a:cubicBezTo>
+                          <a:cubicBezTo>
+                            <a:pt x="50875" y="476250"/>
+                            <a:pt x="165175" y="506730"/>
+                            <a:pt x="167715" y="556260"/>
+                          </a:cubicBezTo>
+                          <a:cubicBezTo>
+                            <a:pt x="170255" y="605790"/>
+                            <a:pt x="64845" y="689610"/>
+                            <a:pt x="61035" y="731520"/>
+                          </a:cubicBezTo>
+                          <a:cubicBezTo>
+                            <a:pt x="57225" y="773430"/>
+                            <a:pt x="125805" y="795020"/>
+                            <a:pt x="144855" y="807720"/>
+                          </a:cubicBezTo>
+                        </a:path>
+                      </a:pathLst>
+                    </a:custGeom>
+                    <a:noFill/>
+                    <a:ln>
+                      <a:solidFill>
+                        <a:schemeClr val="tx1"/>
+                      </a:solidFill>
+                    </a:ln>
+                  </p:spPr>
+                  <p:style>
+                    <a:lnRef idx="2">
+                      <a:schemeClr val="accent1">
+                        <a:shade val="50000"/>
+                      </a:schemeClr>
+                    </a:lnRef>
+                    <a:fillRef idx="1">
+                      <a:schemeClr val="accent1"/>
+                    </a:fillRef>
+                    <a:effectRef idx="0">
+                      <a:schemeClr val="accent1"/>
+                    </a:effectRef>
+                    <a:fontRef idx="minor">
+                      <a:schemeClr val="lt1"/>
+                    </a:fontRef>
+                  </p:style>
+                  <p:txBody>
+                    <a:bodyPr rtlCol="0" anchor="ctr"/>
+                    <a:lstStyle/>
+                    <a:p>
+                      <a:pPr algn="ctr"/>
+                      <a:endParaRPr lang="en-US"/>
+                    </a:p>
+                  </p:txBody>
+                </p:sp>
+              </p:grpSp>
+            </p:grpSp>
+            <p:sp>
+              <p:nvSpPr>
+                <p:cNvPr id="95" name="Rectangle 94"/>
+                <p:cNvSpPr/>
+                <p:nvPr/>
+              </p:nvSpPr>
+              <p:spPr>
+                <a:xfrm>
+                  <a:off x="4648362" y="4905698"/>
+                  <a:ext cx="2301394" cy="288032"/>
+                </a:xfrm>
+                <a:prstGeom prst="rect">
+                  <a:avLst/>
+                </a:prstGeom>
+                <a:solidFill>
+                  <a:srgbClr val="E3AE95"/>
+                </a:solidFill>
+                <a:ln>
+                  <a:solidFill>
+                    <a:schemeClr val="tx1"/>
+                  </a:solidFill>
+                </a:ln>
+              </p:spPr>
+              <p:style>
+                <a:lnRef idx="2">
+                  <a:schemeClr val="accent1">
+                    <a:shade val="50000"/>
+                  </a:schemeClr>
+                </a:lnRef>
+                <a:fillRef idx="1">
+                  <a:schemeClr val="accent1"/>
+                </a:fillRef>
+                <a:effectRef idx="0">
+                  <a:schemeClr val="accent1"/>
+                </a:effectRef>
+                <a:fontRef idx="minor">
+                  <a:schemeClr val="lt1"/>
+                </a:fontRef>
+              </p:style>
+              <p:txBody>
+                <a:bodyPr rtlCol="0" anchor="ctr"/>
+                <a:lstStyle/>
+                <a:p>
+                  <a:pPr algn="ctr"/>
+                  <a:r>
+                    <a:rPr lang="en-US" sz="1000" dirty="0"/>
+                    <a:t>L2 Cache</a:t>
+                  </a:r>
+                </a:p>
+              </p:txBody>
+            </p:sp>
+            <p:sp>
+              <p:nvSpPr>
+                <p:cNvPr id="96" name="Rectangle 95"/>
+                <p:cNvSpPr/>
+                <p:nvPr/>
+              </p:nvSpPr>
+              <p:spPr>
+                <a:xfrm>
+                  <a:off x="2074263" y="4899394"/>
+                  <a:ext cx="2301394" cy="288032"/>
+                </a:xfrm>
+                <a:prstGeom prst="rect">
+                  <a:avLst/>
+                </a:prstGeom>
+                <a:solidFill>
+                  <a:srgbClr val="E3AE95"/>
+                </a:solidFill>
+                <a:ln>
+                  <a:solidFill>
+                    <a:schemeClr val="tx1"/>
+                  </a:solidFill>
+                </a:ln>
+              </p:spPr>
+              <p:style>
+                <a:lnRef idx="2">
+                  <a:schemeClr val="accent1">
+                    <a:shade val="50000"/>
+                  </a:schemeClr>
+                </a:lnRef>
+                <a:fillRef idx="1">
+                  <a:schemeClr val="accent1"/>
+                </a:fillRef>
+                <a:effectRef idx="0">
+                  <a:schemeClr val="accent1"/>
+                </a:effectRef>
+                <a:fontRef idx="minor">
+                  <a:schemeClr val="lt1"/>
+                </a:fontRef>
+              </p:style>
+              <p:txBody>
+                <a:bodyPr rtlCol="0" anchor="ctr"/>
+                <a:lstStyle/>
+                <a:p>
+                  <a:pPr algn="ctr"/>
+                  <a:r>
+                    <a:rPr lang="en-US" sz="1000" dirty="0" smtClean="0"/>
+                    <a:t>L2 Cache</a:t>
+                  </a:r>
+                  <a:endParaRPr lang="en-US" sz="1000" dirty="0"/>
+                </a:p>
+              </p:txBody>
+            </p:sp>
+            <p:sp>
+              <p:nvSpPr>
+                <p:cNvPr id="97" name="Rectangle 96"/>
+                <p:cNvSpPr/>
+                <p:nvPr/>
+              </p:nvSpPr>
+              <p:spPr>
+                <a:xfrm>
+                  <a:off x="2016472" y="5367710"/>
+                  <a:ext cx="5022371" cy="288032"/>
+                </a:xfrm>
+                <a:prstGeom prst="rect">
+                  <a:avLst/>
+                </a:prstGeom>
+                <a:solidFill>
+                  <a:srgbClr val="F5A300"/>
+                </a:solidFill>
+                <a:ln>
+                  <a:solidFill>
+                    <a:schemeClr val="tx1"/>
+                  </a:solidFill>
+                </a:ln>
+              </p:spPr>
+              <p:style>
+                <a:lnRef idx="2">
+                  <a:schemeClr val="accent1">
+                    <a:shade val="50000"/>
+                  </a:schemeClr>
+                </a:lnRef>
+                <a:fillRef idx="1">
+                  <a:schemeClr val="accent1"/>
+                </a:fillRef>
+                <a:effectRef idx="0">
+                  <a:schemeClr val="accent1"/>
+                </a:effectRef>
+                <a:fontRef idx="minor">
+                  <a:schemeClr val="lt1"/>
+                </a:fontRef>
+              </p:style>
+              <p:txBody>
+                <a:bodyPr rtlCol="0" anchor="ctr"/>
+                <a:lstStyle/>
+                <a:p>
+                  <a:pPr algn="ctr"/>
+                  <a:r>
+                    <a:rPr lang="en-US" sz="1000" dirty="0" smtClean="0"/>
+                    <a:t>L3 Cache</a:t>
+                  </a:r>
+                  <a:endParaRPr lang="en-US" sz="1000" dirty="0"/>
+                </a:p>
+              </p:txBody>
+            </p:sp>
+            <p:sp>
+              <p:nvSpPr>
+                <p:cNvPr id="98" name="Rectangle 97"/>
+                <p:cNvSpPr/>
+                <p:nvPr/>
+              </p:nvSpPr>
+              <p:spPr>
+                <a:xfrm>
+                  <a:off x="2016472" y="5740111"/>
+                  <a:ext cx="5022371" cy="288032"/>
+                </a:xfrm>
+                <a:prstGeom prst="rect">
+                  <a:avLst/>
+                </a:prstGeom>
+                <a:solidFill>
+                  <a:srgbClr val="E9503E"/>
+                </a:solidFill>
+                <a:ln>
+                  <a:solidFill>
+                    <a:schemeClr val="tx1"/>
+                  </a:solidFill>
+                </a:ln>
+              </p:spPr>
+              <p:style>
+                <a:lnRef idx="2">
+                  <a:schemeClr val="accent1">
+                    <a:shade val="50000"/>
+                  </a:schemeClr>
+                </a:lnRef>
+                <a:fillRef idx="1">
+                  <a:schemeClr val="accent1"/>
+                </a:fillRef>
+                <a:effectRef idx="0">
+                  <a:schemeClr val="accent1"/>
+                </a:effectRef>
+                <a:fontRef idx="minor">
+                  <a:schemeClr val="lt1"/>
+                </a:fontRef>
+              </p:style>
+              <p:txBody>
+                <a:bodyPr rtlCol="0" anchor="ctr"/>
+                <a:lstStyle/>
+                <a:p>
+                  <a:pPr algn="ctr"/>
+                  <a:r>
+                    <a:rPr lang="en-US" sz="1000" dirty="0" smtClean="0"/>
+                    <a:t>Main Memory</a:t>
+                  </a:r>
+                  <a:endParaRPr lang="en-US" sz="1000" dirty="0"/>
+                </a:p>
+              </p:txBody>
+            </p:sp>
+          </p:grpSp>
+          <p:sp>
+            <p:nvSpPr>
+              <p:cNvPr id="92" name="Freeform 91"/>
+              <p:cNvSpPr/>
+              <p:nvPr/>
+            </p:nvSpPr>
+            <p:spPr>
+              <a:xfrm>
+                <a:off x="7438869" y="2455216"/>
+                <a:ext cx="81658" cy="303028"/>
+              </a:xfrm>
+              <a:custGeom>
+                <a:avLst/>
+                <a:gdLst>
+                  <a:gd name="connsiteX0" fmla="*/ 121995 w 167760"/>
+                  <a:gd name="connsiteY0" fmla="*/ 0 h 807720"/>
+                  <a:gd name="connsiteX1" fmla="*/ 75 w 167760"/>
+                  <a:gd name="connsiteY1" fmla="*/ 175260 h 807720"/>
+                  <a:gd name="connsiteX2" fmla="*/ 137235 w 167760"/>
+                  <a:gd name="connsiteY2" fmla="*/ 304800 h 807720"/>
+                  <a:gd name="connsiteX3" fmla="*/ 45795 w 167760"/>
+                  <a:gd name="connsiteY3" fmla="*/ 434340 h 807720"/>
+                  <a:gd name="connsiteX4" fmla="*/ 167715 w 167760"/>
+                  <a:gd name="connsiteY4" fmla="*/ 556260 h 807720"/>
+                  <a:gd name="connsiteX5" fmla="*/ 61035 w 167760"/>
+                  <a:gd name="connsiteY5" fmla="*/ 731520 h 807720"/>
+                  <a:gd name="connsiteX6" fmla="*/ 144855 w 167760"/>
+                  <a:gd name="connsiteY6" fmla="*/ 807720 h 807720"/>
+                </a:gdLst>
+                <a:ahLst/>
+                <a:cxnLst>
+                  <a:cxn ang="0">
+                    <a:pos x="connsiteX0" y="connsiteY0"/>
+                  </a:cxn>
+                  <a:cxn ang="0">
+                    <a:pos x="connsiteX1" y="connsiteY1"/>
+                  </a:cxn>
+                  <a:cxn ang="0">
+                    <a:pos x="connsiteX2" y="connsiteY2"/>
+                  </a:cxn>
+                  <a:cxn ang="0">
+                    <a:pos x="connsiteX3" y="connsiteY3"/>
+                  </a:cxn>
+                  <a:cxn ang="0">
+                    <a:pos x="connsiteX4" y="connsiteY4"/>
+                  </a:cxn>
+                  <a:cxn ang="0">
+                    <a:pos x="connsiteX5" y="connsiteY5"/>
+                  </a:cxn>
+                  <a:cxn ang="0">
+                    <a:pos x="connsiteX6" y="connsiteY6"/>
+                  </a:cxn>
+                </a:cxnLst>
+                <a:rect l="l" t="t" r="r" b="b"/>
+                <a:pathLst>
+                  <a:path w="167760" h="807720">
+                    <a:moveTo>
+                      <a:pt x="121995" y="0"/>
+                    </a:moveTo>
+                    <a:cubicBezTo>
+                      <a:pt x="59765" y="62230"/>
+                      <a:pt x="-2465" y="124460"/>
+                      <a:pt x="75" y="175260"/>
+                    </a:cubicBezTo>
+                    <a:cubicBezTo>
+                      <a:pt x="2615" y="226060"/>
+                      <a:pt x="129615" y="261620"/>
+                      <a:pt x="137235" y="304800"/>
+                    </a:cubicBezTo>
+                    <a:cubicBezTo>
+                      <a:pt x="144855" y="347980"/>
+                      <a:pt x="40715" y="392430"/>
+                      <a:pt x="45795" y="434340"/>
+                    </a:cubicBezTo>
+                    <a:cubicBezTo>
+                      <a:pt x="50875" y="476250"/>
+                      <a:pt x="165175" y="506730"/>
+                      <a:pt x="167715" y="556260"/>
+                    </a:cubicBezTo>
+                    <a:cubicBezTo>
+                      <a:pt x="170255" y="605790"/>
+                      <a:pt x="64845" y="689610"/>
+                      <a:pt x="61035" y="731520"/>
+                    </a:cubicBezTo>
+                    <a:cubicBezTo>
+                      <a:pt x="57225" y="773430"/>
+                      <a:pt x="125805" y="795020"/>
+                      <a:pt x="144855" y="807720"/>
+                    </a:cubicBezTo>
+                  </a:path>
+                </a:pathLst>
+              </a:custGeom>
+              <a:noFill/>
+              <a:ln>
+                <a:solidFill>
+                  <a:schemeClr val="tx1"/>
+                </a:solidFill>
+              </a:ln>
+            </p:spPr>
+            <p:style>
+              <a:lnRef idx="2">
+                <a:schemeClr val="accent1">
+                  <a:shade val="50000"/>
+                </a:schemeClr>
+              </a:lnRef>
+              <a:fillRef idx="1">
+                <a:schemeClr val="accent1"/>
+              </a:fillRef>
+              <a:effectRef idx="0">
+                <a:schemeClr val="accent1"/>
+              </a:effectRef>
+              <a:fontRef idx="minor">
+                <a:schemeClr val="lt1"/>
+              </a:fontRef>
+            </p:style>
+            <p:txBody>
+              <a:bodyPr rtlCol="0" anchor="ctr"/>
+              <a:lstStyle/>
+              <a:p>
+                <a:pPr algn="ctr"/>
+                <a:endParaRPr lang="en-US"/>
+              </a:p>
+            </p:txBody>
+          </p:sp>
+          <p:sp>
+            <p:nvSpPr>
+              <p:cNvPr id="93" name="Freeform 92"/>
+              <p:cNvSpPr/>
+              <p:nvPr/>
+            </p:nvSpPr>
+            <p:spPr>
+              <a:xfrm>
+                <a:off x="7025227" y="2444346"/>
+                <a:ext cx="81658" cy="303028"/>
+              </a:xfrm>
+              <a:custGeom>
+                <a:avLst/>
+                <a:gdLst>
+                  <a:gd name="connsiteX0" fmla="*/ 121995 w 167760"/>
+                  <a:gd name="connsiteY0" fmla="*/ 0 h 807720"/>
+                  <a:gd name="connsiteX1" fmla="*/ 75 w 167760"/>
+                  <a:gd name="connsiteY1" fmla="*/ 175260 h 807720"/>
+                  <a:gd name="connsiteX2" fmla="*/ 137235 w 167760"/>
+                  <a:gd name="connsiteY2" fmla="*/ 304800 h 807720"/>
+                  <a:gd name="connsiteX3" fmla="*/ 45795 w 167760"/>
+                  <a:gd name="connsiteY3" fmla="*/ 434340 h 807720"/>
+                  <a:gd name="connsiteX4" fmla="*/ 167715 w 167760"/>
+                  <a:gd name="connsiteY4" fmla="*/ 556260 h 807720"/>
+                  <a:gd name="connsiteX5" fmla="*/ 61035 w 167760"/>
+                  <a:gd name="connsiteY5" fmla="*/ 731520 h 807720"/>
+                  <a:gd name="connsiteX6" fmla="*/ 144855 w 167760"/>
+                  <a:gd name="connsiteY6" fmla="*/ 807720 h 807720"/>
+                </a:gdLst>
+                <a:ahLst/>
+                <a:cxnLst>
+                  <a:cxn ang="0">
+                    <a:pos x="connsiteX0" y="connsiteY0"/>
+                  </a:cxn>
+                  <a:cxn ang="0">
+                    <a:pos x="connsiteX1" y="connsiteY1"/>
+                  </a:cxn>
+                  <a:cxn ang="0">
+                    <a:pos x="connsiteX2" y="connsiteY2"/>
+                  </a:cxn>
+                  <a:cxn ang="0">
+                    <a:pos x="connsiteX3" y="connsiteY3"/>
+                  </a:cxn>
+                  <a:cxn ang="0">
+                    <a:pos x="connsiteX4" y="connsiteY4"/>
+                  </a:cxn>
+                  <a:cxn ang="0">
+                    <a:pos x="connsiteX5" y="connsiteY5"/>
+                  </a:cxn>
+                  <a:cxn ang="0">
+                    <a:pos x="connsiteX6" y="connsiteY6"/>
+                  </a:cxn>
+                </a:cxnLst>
+                <a:rect l="l" t="t" r="r" b="b"/>
+                <a:pathLst>
+                  <a:path w="167760" h="807720">
+                    <a:moveTo>
+                      <a:pt x="121995" y="0"/>
+                    </a:moveTo>
+                    <a:cubicBezTo>
+                      <a:pt x="59765" y="62230"/>
+                      <a:pt x="-2465" y="124460"/>
+                      <a:pt x="75" y="175260"/>
+                    </a:cubicBezTo>
+                    <a:cubicBezTo>
+                      <a:pt x="2615" y="226060"/>
+                      <a:pt x="129615" y="261620"/>
+                      <a:pt x="137235" y="304800"/>
+                    </a:cubicBezTo>
+                    <a:cubicBezTo>
+                      <a:pt x="144855" y="347980"/>
+                      <a:pt x="40715" y="392430"/>
+                      <a:pt x="45795" y="434340"/>
+                    </a:cubicBezTo>
+                    <a:cubicBezTo>
+                      <a:pt x="50875" y="476250"/>
+                      <a:pt x="165175" y="506730"/>
+                      <a:pt x="167715" y="556260"/>
+                    </a:cubicBezTo>
+                    <a:cubicBezTo>
+                      <a:pt x="170255" y="605790"/>
+                      <a:pt x="64845" y="689610"/>
+                      <a:pt x="61035" y="731520"/>
+                    </a:cubicBezTo>
+                    <a:cubicBezTo>
+                      <a:pt x="57225" y="773430"/>
+                      <a:pt x="125805" y="795020"/>
+                      <a:pt x="144855" y="807720"/>
+                    </a:cubicBezTo>
+                  </a:path>
+                </a:pathLst>
+              </a:custGeom>
+              <a:noFill/>
+              <a:ln>
+                <a:solidFill>
+                  <a:schemeClr val="tx1"/>
+                </a:solidFill>
+              </a:ln>
+            </p:spPr>
+            <p:style>
+              <a:lnRef idx="2">
+                <a:schemeClr val="accent1">
+                  <a:shade val="50000"/>
+                </a:schemeClr>
+              </a:lnRef>
+              <a:fillRef idx="1">
+                <a:schemeClr val="accent1"/>
+              </a:fillRef>
+              <a:effectRef idx="0">
+                <a:schemeClr val="accent1"/>
+              </a:effectRef>
+              <a:fontRef idx="minor">
+                <a:schemeClr val="lt1"/>
+              </a:fontRef>
+            </p:style>
+            <p:txBody>
+              <a:bodyPr rtlCol="0" anchor="ctr"/>
+              <a:lstStyle/>
+              <a:p>
+                <a:pPr algn="ctr"/>
+                <a:endParaRPr lang="en-US"/>
+              </a:p>
+            </p:txBody>
+          </p:sp>
+        </p:grpSp>
+        <p:sp>
+          <p:nvSpPr>
+            <p:cNvPr id="90" name="Pentagon 89"/>
+            <p:cNvSpPr/>
+            <p:nvPr/>
+          </p:nvSpPr>
+          <p:spPr>
+            <a:xfrm>
+              <a:off x="3781982" y="2367783"/>
+              <a:ext cx="846374" cy="250352"/>
+            </a:xfrm>
+            <a:prstGeom prst="homePlate">
+              <a:avLst/>
+            </a:prstGeom>
+            <a:solidFill>
+              <a:srgbClr val="E9503E"/>
+            </a:solidFill>
+            <a:ln>
+              <a:solidFill>
+                <a:schemeClr val="accent2">
+                  <a:lumMod val="75000"/>
+                </a:schemeClr>
+              </a:solidFill>
+            </a:ln>
+          </p:spPr>
+          <p:style>
+            <a:lnRef idx="2">
+              <a:schemeClr val="accent1">
+                <a:shade val="50000"/>
+              </a:schemeClr>
+            </a:lnRef>
+            <a:fillRef idx="1">
+              <a:schemeClr val="accent1"/>
+            </a:fillRef>
+            <a:effectRef idx="0">
+              <a:schemeClr val="accent1"/>
+            </a:effectRef>
+            <a:fontRef idx="minor">
+              <a:schemeClr val="lt1"/>
+            </a:fontRef>
+          </p:style>
+          <p:txBody>
+            <a:bodyPr rtlCol="0" anchor="ctr"/>
+            <a:lstStyle/>
+            <a:p>
+              <a:pPr algn="ctr"/>
+              <a:r>
+                <a:rPr lang="en-US" sz="1000" dirty="0" smtClean="0"/>
+                <a:t>Threads</a:t>
+              </a:r>
+              <a:endParaRPr lang="en-US" sz="1000" dirty="0"/>
+            </a:p>
+          </p:txBody>
+        </p:sp>
+      </p:grpSp>
+    </p:spTree>
+    <p:extLst>
+      <p:ext uri="{BB962C8B-B14F-4D97-AF65-F5344CB8AC3E}">
+        <p14:creationId xmlns:p14="http://schemas.microsoft.com/office/powerpoint/2010/main" val="1474615986"/>
+      </p:ext>
+    </p:extLst>
+  </p:cSld>
+  <p:clrMapOvr>
+    <a:masterClrMapping/>
+  </p:clrMapOvr>
+  <p:transition spd="slow">
+    <p:wipe/>
+  </p:transition>
+  <p:timing>
+    <p:tnLst>
+      <p:par>
+        <p:cTn id="1" dur="indefinite" restart="never" nodeType="tmRoot"/>
+      </p:par>
+    </p:tnLst>
+  </p:timing>
+</p:sld>
+</file>
+
+<file path=ppt/slides/slide20.xml><?xml version="1.0" encoding="utf-8"?>
 <p:sld xmlns:a="http://schemas.openxmlformats.org/drawingml/2006/main" xmlns:r="http://schemas.openxmlformats.org/officeDocument/2006/relationships" xmlns:p="http://schemas.openxmlformats.org/presentationml/2006/main">
   <p:cSld>
     <p:spTree>
@@ -16311,7 +20003,6 @@
                     <a:rPr lang="en-US" sz="1000" dirty="0"/>
                     <a:t>L2 Cache</a:t>
                   </a:r>
-                  <a:endParaRPr lang="en-US" sz="1000" dirty="0"/>
                 </a:p>
               </p:txBody>
             </p:sp>
@@ -16865,7 +20556,7 @@
 </p:sld>
 </file>
 
-<file path=ppt/slides/slide18.xml><?xml version="1.0" encoding="utf-8"?>
+<file path=ppt/slides/slide21.xml><?xml version="1.0" encoding="utf-8"?>
 <p:sld xmlns:a="http://schemas.openxmlformats.org/drawingml/2006/main" xmlns:r="http://schemas.openxmlformats.org/officeDocument/2006/relationships" xmlns:p="http://schemas.openxmlformats.org/presentationml/2006/main">
   <p:cSld>
     <p:spTree>
@@ -17034,7 +20725,7 @@
 </p:sld>
 </file>
 
-<file path=ppt/slides/slide19.xml><?xml version="1.0" encoding="utf-8"?>
+<file path=ppt/slides/slide22.xml><?xml version="1.0" encoding="utf-8"?>
 <p:sld xmlns:a="http://schemas.openxmlformats.org/drawingml/2006/main" xmlns:r="http://schemas.openxmlformats.org/officeDocument/2006/relationships" xmlns:p="http://schemas.openxmlformats.org/presentationml/2006/main">
   <p:cSld>
     <p:spTree>
@@ -18203,14 +21894,6 @@
               </a:rPr>
               <a:t>Profile</a:t>
             </a:r>
-            <a:endParaRPr lang="en-US" dirty="0">
-              <a:solidFill>
-                <a:schemeClr val="tx1">
-                  <a:lumMod val="85000"/>
-                  <a:lumOff val="15000"/>
-                </a:schemeClr>
-              </a:solidFill>
-            </a:endParaRPr>
           </a:p>
         </p:txBody>
       </p:sp>
@@ -18272,14 +21955,6 @@
               </a:rPr>
               <a:t>Profile</a:t>
             </a:r>
-            <a:endParaRPr lang="en-US" dirty="0">
-              <a:solidFill>
-                <a:schemeClr val="tx1">
-                  <a:lumMod val="85000"/>
-                  <a:lumOff val="15000"/>
-                </a:schemeClr>
-              </a:solidFill>
-            </a:endParaRPr>
           </a:p>
         </p:txBody>
       </p:sp>
@@ -18939,7 +22614,7 @@
 </p:sld>
 </file>
 
-<file path=ppt/slides/slide2.xml><?xml version="1.0" encoding="utf-8"?>
+<file path=ppt/slides/slide23.xml><?xml version="1.0" encoding="utf-8"?>
 <p:sld xmlns:a="http://schemas.openxmlformats.org/drawingml/2006/main" xmlns:r="http://schemas.openxmlformats.org/officeDocument/2006/relationships" xmlns:p="http://schemas.openxmlformats.org/presentationml/2006/main">
   <p:cSld>
     <p:spTree>
@@ -18971,3435 +22646,6 @@
           <a:bodyPr/>
           <a:lstStyle/>
           <a:p>
-            <a:pPr marL="701675" lvl="0" indent="-342900" fontAlgn="auto">
-              <a:spcBef>
-                <a:spcPts val="0"/>
-              </a:spcBef>
-              <a:spcAft>
-                <a:spcPts val="0"/>
-              </a:spcAft>
-            </a:pPr>
-            <a:r>
-              <a:rPr lang="en-US" dirty="0" smtClean="0"/>
-              <a:t>Why Temporal Information in Communication Pattern is Necessary?</a:t>
-            </a:r>
-            <a:endParaRPr lang="en-US" dirty="0"/>
-          </a:p>
-        </p:txBody>
-      </p:sp>
-      <p:sp>
-        <p:nvSpPr>
-          <p:cNvPr id="3" name="Content Placeholder 2"/>
-          <p:cNvSpPr>
-            <a:spLocks noGrp="1"/>
-          </p:cNvSpPr>
-          <p:nvPr>
-            <p:ph idx="1"/>
-          </p:nvPr>
-        </p:nvSpPr>
-        <p:spPr>
-          <a:xfrm>
-            <a:off x="360000" y="1693597"/>
-            <a:ext cx="8604488" cy="4615723"/>
-          </a:xfrm>
-        </p:spPr>
-        <p:txBody>
-          <a:bodyPr/>
-          <a:lstStyle/>
-          <a:p>
-            <a:pPr marL="342900" indent="-342900">
-              <a:buFont typeface="Arial" charset="0"/>
-              <a:buChar char="•"/>
-            </a:pPr>
-            <a:r>
-              <a:rPr lang="de-DE" dirty="0"/>
-              <a:t>T</a:t>
-            </a:r>
-            <a:r>
-              <a:rPr lang="de-DE" dirty="0" smtClean="0"/>
-              <a:t>hread </a:t>
-            </a:r>
-            <a:r>
-              <a:rPr lang="de-DE" dirty="0" err="1" smtClean="0"/>
-              <a:t>mapping</a:t>
-            </a:r>
-            <a:endParaRPr lang="de-DE" dirty="0" smtClean="0"/>
-          </a:p>
-          <a:p>
-            <a:pPr marL="701675" lvl="2" indent="-342900">
-              <a:buFont typeface="Arial" charset="0"/>
-              <a:buChar char="•"/>
-            </a:pPr>
-            <a:r>
-              <a:rPr lang="de-DE" dirty="0" err="1" smtClean="0"/>
-              <a:t>To</a:t>
-            </a:r>
-            <a:r>
-              <a:rPr lang="de-DE" dirty="0" smtClean="0"/>
-              <a:t> </a:t>
-            </a:r>
-            <a:r>
-              <a:rPr lang="de-DE" dirty="0" err="1" smtClean="0"/>
-              <a:t>have</a:t>
-            </a:r>
-            <a:r>
-              <a:rPr lang="de-DE" dirty="0" smtClean="0"/>
-              <a:t> </a:t>
-            </a:r>
-            <a:r>
-              <a:rPr lang="de-DE" dirty="0" err="1" smtClean="0"/>
-              <a:t>less</a:t>
-            </a:r>
-            <a:r>
-              <a:rPr lang="de-DE" dirty="0" smtClean="0"/>
-              <a:t> </a:t>
-            </a:r>
-            <a:r>
-              <a:rPr lang="de-DE" dirty="0" err="1" smtClean="0"/>
-              <a:t>communication</a:t>
-            </a:r>
-            <a:r>
-              <a:rPr lang="de-DE" dirty="0" smtClean="0"/>
-              <a:t> </a:t>
-            </a:r>
-            <a:r>
-              <a:rPr lang="de-DE" dirty="0" err="1" smtClean="0"/>
-              <a:t>overhead</a:t>
-            </a:r>
-            <a:endParaRPr lang="de-DE" dirty="0"/>
-          </a:p>
-          <a:p>
-            <a:pPr marL="881062" lvl="3" indent="-342900">
-              <a:buFont typeface="Arial" charset="0"/>
-              <a:buChar char="•"/>
-            </a:pPr>
-            <a:r>
-              <a:rPr lang="de-DE" dirty="0" err="1" smtClean="0"/>
-              <a:t>Based</a:t>
-            </a:r>
-            <a:r>
-              <a:rPr lang="de-DE" dirty="0" smtClean="0"/>
-              <a:t> on </a:t>
-            </a:r>
-            <a:r>
-              <a:rPr lang="de-DE" dirty="0" err="1" smtClean="0"/>
-              <a:t>the</a:t>
-            </a:r>
-            <a:r>
-              <a:rPr lang="de-DE" dirty="0" smtClean="0"/>
-              <a:t> </a:t>
-            </a:r>
-            <a:r>
-              <a:rPr lang="de-DE" dirty="0" err="1" smtClean="0"/>
-              <a:t>extracted</a:t>
-            </a:r>
-            <a:r>
-              <a:rPr lang="de-DE" dirty="0" smtClean="0"/>
-              <a:t> </a:t>
-            </a:r>
-            <a:r>
-              <a:rPr lang="de-DE" dirty="0" err="1" smtClean="0"/>
-              <a:t>communication</a:t>
-            </a:r>
-            <a:endParaRPr lang="de-DE" dirty="0" smtClean="0"/>
-          </a:p>
-          <a:p>
-            <a:pPr marL="358775" lvl="2" indent="0">
-              <a:buNone/>
-            </a:pPr>
-            <a:r>
-              <a:rPr lang="de-DE" dirty="0" err="1" smtClean="0"/>
-              <a:t>patterns</a:t>
-            </a:r>
-            <a:endParaRPr lang="de-DE" dirty="0" smtClean="0"/>
-          </a:p>
-          <a:p>
-            <a:pPr marL="701675" lvl="2" indent="-342900">
-              <a:buFont typeface="Arial" charset="0"/>
-              <a:buChar char="•"/>
-            </a:pPr>
-            <a:endParaRPr lang="de-DE" dirty="0" smtClean="0"/>
-          </a:p>
-          <a:p>
-            <a:pPr marL="342900" indent="-342900">
-              <a:buFont typeface="Arial" charset="0"/>
-              <a:buChar char="•"/>
-            </a:pPr>
-            <a:endParaRPr lang="de-DE" dirty="0" smtClean="0"/>
-          </a:p>
-          <a:p>
-            <a:pPr marL="342900" indent="-342900">
-              <a:buFont typeface="Arial" charset="0"/>
-              <a:buChar char="•"/>
-            </a:pPr>
-            <a:r>
-              <a:rPr lang="de-DE" dirty="0" smtClean="0"/>
-              <a:t>Thread </a:t>
-            </a:r>
-            <a:r>
-              <a:rPr lang="de-DE" dirty="0" err="1" smtClean="0"/>
-              <a:t>synchronization</a:t>
-            </a:r>
-            <a:endParaRPr lang="de-DE" dirty="0" smtClean="0"/>
-          </a:p>
-          <a:p>
-            <a:pPr marL="701675" lvl="2" indent="-342900">
-              <a:buFont typeface="Arial" charset="0"/>
-              <a:buChar char="•"/>
-            </a:pPr>
-            <a:r>
-              <a:rPr lang="de-DE" dirty="0" err="1" smtClean="0"/>
-              <a:t>To</a:t>
-            </a:r>
-            <a:r>
-              <a:rPr lang="de-DE" dirty="0" smtClean="0"/>
-              <a:t> </a:t>
-            </a:r>
-            <a:r>
-              <a:rPr lang="de-DE" dirty="0" err="1" smtClean="0"/>
-              <a:t>have</a:t>
-            </a:r>
-            <a:r>
-              <a:rPr lang="de-DE" dirty="0" smtClean="0"/>
-              <a:t> </a:t>
-            </a:r>
-            <a:r>
-              <a:rPr lang="de-DE" dirty="0" err="1" smtClean="0"/>
-              <a:t>better</a:t>
-            </a:r>
-            <a:r>
-              <a:rPr lang="de-DE" dirty="0" smtClean="0"/>
-              <a:t> </a:t>
-            </a:r>
-            <a:r>
-              <a:rPr lang="de-DE" dirty="0" err="1" smtClean="0"/>
-              <a:t>performance</a:t>
-            </a:r>
-            <a:endParaRPr lang="de-DE" dirty="0" smtClean="0"/>
-          </a:p>
-          <a:p>
-            <a:pPr marL="881062" lvl="3" indent="-342900">
-              <a:buFont typeface="Arial" charset="0"/>
-              <a:buChar char="•"/>
-            </a:pPr>
-            <a:r>
-              <a:rPr lang="de-DE" dirty="0" err="1" smtClean="0"/>
-              <a:t>By</a:t>
-            </a:r>
-            <a:r>
-              <a:rPr lang="de-DE" dirty="0" smtClean="0"/>
-              <a:t> </a:t>
-            </a:r>
-            <a:r>
-              <a:rPr lang="de-DE" dirty="0" err="1" smtClean="0"/>
-              <a:t>reducing</a:t>
-            </a:r>
-            <a:r>
-              <a:rPr lang="de-DE" dirty="0" smtClean="0"/>
-              <a:t> </a:t>
-            </a:r>
-            <a:r>
-              <a:rPr lang="de-DE" dirty="0" err="1" smtClean="0"/>
-              <a:t>energy</a:t>
-            </a:r>
-            <a:r>
-              <a:rPr lang="de-DE" dirty="0" smtClean="0"/>
-              <a:t> </a:t>
-            </a:r>
-            <a:r>
-              <a:rPr lang="de-DE" dirty="0" err="1" smtClean="0"/>
-              <a:t>consumption</a:t>
-            </a:r>
-            <a:endParaRPr lang="de-DE" dirty="0" smtClean="0"/>
-          </a:p>
-          <a:p>
-            <a:pPr marL="701675" lvl="2" indent="-342900">
-              <a:buFont typeface="Arial" charset="0"/>
-              <a:buChar char="•"/>
-            </a:pPr>
-            <a:endParaRPr lang="de-DE" dirty="0" smtClean="0"/>
-          </a:p>
-        </p:txBody>
-      </p:sp>
-      <p:grpSp>
-        <p:nvGrpSpPr>
-          <p:cNvPr id="120" name="Group 119"/>
-          <p:cNvGrpSpPr/>
-          <p:nvPr/>
-        </p:nvGrpSpPr>
-        <p:grpSpPr>
-          <a:xfrm>
-            <a:off x="5733921" y="4293096"/>
-            <a:ext cx="2510487" cy="1828117"/>
-            <a:chOff x="6173734" y="4581128"/>
-            <a:chExt cx="2510487" cy="1828117"/>
-          </a:xfrm>
-        </p:grpSpPr>
-        <p:grpSp>
-          <p:nvGrpSpPr>
-            <p:cNvPr id="66" name="Group 65"/>
-            <p:cNvGrpSpPr/>
-            <p:nvPr/>
-          </p:nvGrpSpPr>
-          <p:grpSpPr>
-            <a:xfrm>
-              <a:off x="7954117" y="4581128"/>
-              <a:ext cx="74267" cy="1728192"/>
-              <a:chOff x="7666085" y="4581128"/>
-              <a:chExt cx="74267" cy="1728192"/>
-            </a:xfrm>
-          </p:grpSpPr>
-          <p:sp>
-            <p:nvSpPr>
-              <p:cNvPr id="58" name="Freeform 57"/>
-              <p:cNvSpPr/>
-              <p:nvPr/>
-            </p:nvSpPr>
-            <p:spPr>
-              <a:xfrm>
-                <a:off x="7666085" y="4581128"/>
-                <a:ext cx="74267" cy="303028"/>
-              </a:xfrm>
-              <a:custGeom>
-                <a:avLst/>
-                <a:gdLst>
-                  <a:gd name="connsiteX0" fmla="*/ 121995 w 167760"/>
-                  <a:gd name="connsiteY0" fmla="*/ 0 h 807720"/>
-                  <a:gd name="connsiteX1" fmla="*/ 75 w 167760"/>
-                  <a:gd name="connsiteY1" fmla="*/ 175260 h 807720"/>
-                  <a:gd name="connsiteX2" fmla="*/ 137235 w 167760"/>
-                  <a:gd name="connsiteY2" fmla="*/ 304800 h 807720"/>
-                  <a:gd name="connsiteX3" fmla="*/ 45795 w 167760"/>
-                  <a:gd name="connsiteY3" fmla="*/ 434340 h 807720"/>
-                  <a:gd name="connsiteX4" fmla="*/ 167715 w 167760"/>
-                  <a:gd name="connsiteY4" fmla="*/ 556260 h 807720"/>
-                  <a:gd name="connsiteX5" fmla="*/ 61035 w 167760"/>
-                  <a:gd name="connsiteY5" fmla="*/ 731520 h 807720"/>
-                  <a:gd name="connsiteX6" fmla="*/ 144855 w 167760"/>
-                  <a:gd name="connsiteY6" fmla="*/ 807720 h 807720"/>
-                </a:gdLst>
-                <a:ahLst/>
-                <a:cxnLst>
-                  <a:cxn ang="0">
-                    <a:pos x="connsiteX0" y="connsiteY0"/>
-                  </a:cxn>
-                  <a:cxn ang="0">
-                    <a:pos x="connsiteX1" y="connsiteY1"/>
-                  </a:cxn>
-                  <a:cxn ang="0">
-                    <a:pos x="connsiteX2" y="connsiteY2"/>
-                  </a:cxn>
-                  <a:cxn ang="0">
-                    <a:pos x="connsiteX3" y="connsiteY3"/>
-                  </a:cxn>
-                  <a:cxn ang="0">
-                    <a:pos x="connsiteX4" y="connsiteY4"/>
-                  </a:cxn>
-                  <a:cxn ang="0">
-                    <a:pos x="connsiteX5" y="connsiteY5"/>
-                  </a:cxn>
-                  <a:cxn ang="0">
-                    <a:pos x="connsiteX6" y="connsiteY6"/>
-                  </a:cxn>
-                </a:cxnLst>
-                <a:rect l="l" t="t" r="r" b="b"/>
-                <a:pathLst>
-                  <a:path w="167760" h="807720">
-                    <a:moveTo>
-                      <a:pt x="121995" y="0"/>
-                    </a:moveTo>
-                    <a:cubicBezTo>
-                      <a:pt x="59765" y="62230"/>
-                      <a:pt x="-2465" y="124460"/>
-                      <a:pt x="75" y="175260"/>
-                    </a:cubicBezTo>
-                    <a:cubicBezTo>
-                      <a:pt x="2615" y="226060"/>
-                      <a:pt x="129615" y="261620"/>
-                      <a:pt x="137235" y="304800"/>
-                    </a:cubicBezTo>
-                    <a:cubicBezTo>
-                      <a:pt x="144855" y="347980"/>
-                      <a:pt x="40715" y="392430"/>
-                      <a:pt x="45795" y="434340"/>
-                    </a:cubicBezTo>
-                    <a:cubicBezTo>
-                      <a:pt x="50875" y="476250"/>
-                      <a:pt x="165175" y="506730"/>
-                      <a:pt x="167715" y="556260"/>
-                    </a:cubicBezTo>
-                    <a:cubicBezTo>
-                      <a:pt x="170255" y="605790"/>
-                      <a:pt x="64845" y="689610"/>
-                      <a:pt x="61035" y="731520"/>
-                    </a:cubicBezTo>
-                    <a:cubicBezTo>
-                      <a:pt x="57225" y="773430"/>
-                      <a:pt x="125805" y="795020"/>
-                      <a:pt x="144855" y="807720"/>
-                    </a:cubicBezTo>
-                  </a:path>
-                </a:pathLst>
-              </a:custGeom>
-              <a:noFill/>
-              <a:ln>
-                <a:solidFill>
-                  <a:schemeClr val="tx1"/>
-                </a:solidFill>
-              </a:ln>
-            </p:spPr>
-            <p:style>
-              <a:lnRef idx="2">
-                <a:schemeClr val="accent1">
-                  <a:shade val="50000"/>
-                </a:schemeClr>
-              </a:lnRef>
-              <a:fillRef idx="1">
-                <a:schemeClr val="accent1"/>
-              </a:fillRef>
-              <a:effectRef idx="0">
-                <a:schemeClr val="accent1"/>
-              </a:effectRef>
-              <a:fontRef idx="minor">
-                <a:schemeClr val="lt1"/>
-              </a:fontRef>
-            </p:style>
-            <p:txBody>
-              <a:bodyPr rtlCol="0" anchor="ctr"/>
-              <a:lstStyle/>
-              <a:p>
-                <a:pPr algn="ctr"/>
-                <a:endParaRPr lang="en-US"/>
-              </a:p>
-            </p:txBody>
-          </p:sp>
-          <p:cxnSp>
-            <p:nvCxnSpPr>
-              <p:cNvPr id="65" name="Straight Arrow Connector 64"/>
-              <p:cNvCxnSpPr/>
-              <p:nvPr/>
-            </p:nvCxnSpPr>
-            <p:spPr>
-              <a:xfrm>
-                <a:off x="7730212" y="4869160"/>
-                <a:ext cx="10140" cy="1440160"/>
-              </a:xfrm>
-              <a:prstGeom prst="straightConnector1">
-                <a:avLst/>
-              </a:prstGeom>
-              <a:ln w="19050">
-                <a:solidFill>
-                  <a:schemeClr val="accent2">
-                    <a:lumMod val="75000"/>
-                  </a:schemeClr>
-                </a:solidFill>
-                <a:tailEnd type="triangle"/>
-              </a:ln>
-            </p:spPr>
-            <p:style>
-              <a:lnRef idx="1">
-                <a:schemeClr val="accent1"/>
-              </a:lnRef>
-              <a:fillRef idx="0">
-                <a:schemeClr val="accent1"/>
-              </a:fillRef>
-              <a:effectRef idx="0">
-                <a:schemeClr val="accent1"/>
-              </a:effectRef>
-              <a:fontRef idx="minor">
-                <a:schemeClr val="tx1"/>
-              </a:fontRef>
-            </p:style>
-          </p:cxnSp>
-        </p:grpSp>
-        <p:grpSp>
-          <p:nvGrpSpPr>
-            <p:cNvPr id="67" name="Group 66"/>
-            <p:cNvGrpSpPr/>
-            <p:nvPr/>
-          </p:nvGrpSpPr>
-          <p:grpSpPr>
-            <a:xfrm>
-              <a:off x="6519211" y="4586971"/>
-              <a:ext cx="74267" cy="1728192"/>
-              <a:chOff x="7666085" y="4581128"/>
-              <a:chExt cx="74267" cy="1728192"/>
-            </a:xfrm>
-          </p:grpSpPr>
-          <p:sp>
-            <p:nvSpPr>
-              <p:cNvPr id="68" name="Freeform 67"/>
-              <p:cNvSpPr/>
-              <p:nvPr/>
-            </p:nvSpPr>
-            <p:spPr>
-              <a:xfrm>
-                <a:off x="7666085" y="4581128"/>
-                <a:ext cx="74267" cy="303028"/>
-              </a:xfrm>
-              <a:custGeom>
-                <a:avLst/>
-                <a:gdLst>
-                  <a:gd name="connsiteX0" fmla="*/ 121995 w 167760"/>
-                  <a:gd name="connsiteY0" fmla="*/ 0 h 807720"/>
-                  <a:gd name="connsiteX1" fmla="*/ 75 w 167760"/>
-                  <a:gd name="connsiteY1" fmla="*/ 175260 h 807720"/>
-                  <a:gd name="connsiteX2" fmla="*/ 137235 w 167760"/>
-                  <a:gd name="connsiteY2" fmla="*/ 304800 h 807720"/>
-                  <a:gd name="connsiteX3" fmla="*/ 45795 w 167760"/>
-                  <a:gd name="connsiteY3" fmla="*/ 434340 h 807720"/>
-                  <a:gd name="connsiteX4" fmla="*/ 167715 w 167760"/>
-                  <a:gd name="connsiteY4" fmla="*/ 556260 h 807720"/>
-                  <a:gd name="connsiteX5" fmla="*/ 61035 w 167760"/>
-                  <a:gd name="connsiteY5" fmla="*/ 731520 h 807720"/>
-                  <a:gd name="connsiteX6" fmla="*/ 144855 w 167760"/>
-                  <a:gd name="connsiteY6" fmla="*/ 807720 h 807720"/>
-                </a:gdLst>
-                <a:ahLst/>
-                <a:cxnLst>
-                  <a:cxn ang="0">
-                    <a:pos x="connsiteX0" y="connsiteY0"/>
-                  </a:cxn>
-                  <a:cxn ang="0">
-                    <a:pos x="connsiteX1" y="connsiteY1"/>
-                  </a:cxn>
-                  <a:cxn ang="0">
-                    <a:pos x="connsiteX2" y="connsiteY2"/>
-                  </a:cxn>
-                  <a:cxn ang="0">
-                    <a:pos x="connsiteX3" y="connsiteY3"/>
-                  </a:cxn>
-                  <a:cxn ang="0">
-                    <a:pos x="connsiteX4" y="connsiteY4"/>
-                  </a:cxn>
-                  <a:cxn ang="0">
-                    <a:pos x="connsiteX5" y="connsiteY5"/>
-                  </a:cxn>
-                  <a:cxn ang="0">
-                    <a:pos x="connsiteX6" y="connsiteY6"/>
-                  </a:cxn>
-                </a:cxnLst>
-                <a:rect l="l" t="t" r="r" b="b"/>
-                <a:pathLst>
-                  <a:path w="167760" h="807720">
-                    <a:moveTo>
-                      <a:pt x="121995" y="0"/>
-                    </a:moveTo>
-                    <a:cubicBezTo>
-                      <a:pt x="59765" y="62230"/>
-                      <a:pt x="-2465" y="124460"/>
-                      <a:pt x="75" y="175260"/>
-                    </a:cubicBezTo>
-                    <a:cubicBezTo>
-                      <a:pt x="2615" y="226060"/>
-                      <a:pt x="129615" y="261620"/>
-                      <a:pt x="137235" y="304800"/>
-                    </a:cubicBezTo>
-                    <a:cubicBezTo>
-                      <a:pt x="144855" y="347980"/>
-                      <a:pt x="40715" y="392430"/>
-                      <a:pt x="45795" y="434340"/>
-                    </a:cubicBezTo>
-                    <a:cubicBezTo>
-                      <a:pt x="50875" y="476250"/>
-                      <a:pt x="165175" y="506730"/>
-                      <a:pt x="167715" y="556260"/>
-                    </a:cubicBezTo>
-                    <a:cubicBezTo>
-                      <a:pt x="170255" y="605790"/>
-                      <a:pt x="64845" y="689610"/>
-                      <a:pt x="61035" y="731520"/>
-                    </a:cubicBezTo>
-                    <a:cubicBezTo>
-                      <a:pt x="57225" y="773430"/>
-                      <a:pt x="125805" y="795020"/>
-                      <a:pt x="144855" y="807720"/>
-                    </a:cubicBezTo>
-                  </a:path>
-                </a:pathLst>
-              </a:custGeom>
-              <a:noFill/>
-              <a:ln>
-                <a:solidFill>
-                  <a:schemeClr val="tx1"/>
-                </a:solidFill>
-              </a:ln>
-            </p:spPr>
-            <p:style>
-              <a:lnRef idx="2">
-                <a:schemeClr val="accent1">
-                  <a:shade val="50000"/>
-                </a:schemeClr>
-              </a:lnRef>
-              <a:fillRef idx="1">
-                <a:schemeClr val="accent1"/>
-              </a:fillRef>
-              <a:effectRef idx="0">
-                <a:schemeClr val="accent1"/>
-              </a:effectRef>
-              <a:fontRef idx="minor">
-                <a:schemeClr val="lt1"/>
-              </a:fontRef>
-            </p:style>
-            <p:txBody>
-              <a:bodyPr rtlCol="0" anchor="ctr"/>
-              <a:lstStyle/>
-              <a:p>
-                <a:pPr algn="ctr"/>
-                <a:endParaRPr lang="en-US"/>
-              </a:p>
-            </p:txBody>
-          </p:sp>
-          <p:cxnSp>
-            <p:nvCxnSpPr>
-              <p:cNvPr id="69" name="Straight Arrow Connector 68"/>
-              <p:cNvCxnSpPr/>
-              <p:nvPr/>
-            </p:nvCxnSpPr>
-            <p:spPr>
-              <a:xfrm>
-                <a:off x="7730212" y="4869160"/>
-                <a:ext cx="10140" cy="1440160"/>
-              </a:xfrm>
-              <a:prstGeom prst="straightConnector1">
-                <a:avLst/>
-              </a:prstGeom>
-              <a:ln w="19050">
-                <a:solidFill>
-                  <a:schemeClr val="accent2">
-                    <a:lumMod val="75000"/>
-                  </a:schemeClr>
-                </a:solidFill>
-                <a:tailEnd type="triangle"/>
-              </a:ln>
-            </p:spPr>
-            <p:style>
-              <a:lnRef idx="1">
-                <a:schemeClr val="accent1"/>
-              </a:lnRef>
-              <a:fillRef idx="0">
-                <a:schemeClr val="accent1"/>
-              </a:fillRef>
-              <a:effectRef idx="0">
-                <a:schemeClr val="accent1"/>
-              </a:effectRef>
-              <a:fontRef idx="minor">
-                <a:schemeClr val="tx1"/>
-              </a:fontRef>
-            </p:style>
-          </p:cxnSp>
-        </p:grpSp>
-        <p:sp>
-          <p:nvSpPr>
-            <p:cNvPr id="70" name="TextBox 69"/>
-            <p:cNvSpPr txBox="1"/>
-            <p:nvPr/>
-          </p:nvSpPr>
-          <p:spPr>
-            <a:xfrm>
-              <a:off x="6556344" y="4604955"/>
-              <a:ext cx="633009" cy="246221"/>
-            </a:xfrm>
-            <a:prstGeom prst="rect">
-              <a:avLst/>
-            </a:prstGeom>
-            <a:noFill/>
-          </p:spPr>
-          <p:txBody>
-            <a:bodyPr wrap="square" rtlCol="0">
-              <a:spAutoFit/>
-            </a:bodyPr>
-            <a:lstStyle/>
-            <a:p>
-              <a:r>
-                <a:rPr lang="en-US" sz="1000" dirty="0" smtClean="0">
-                  <a:solidFill>
-                    <a:srgbClr val="002060"/>
-                  </a:solidFill>
-                </a:rPr>
-                <a:t>Core 1</a:t>
-              </a:r>
-              <a:endParaRPr lang="en-US" sz="1000" dirty="0">
-                <a:solidFill>
-                  <a:srgbClr val="002060"/>
-                </a:solidFill>
-              </a:endParaRPr>
-            </a:p>
-          </p:txBody>
-        </p:sp>
-        <p:sp>
-          <p:nvSpPr>
-            <p:cNvPr id="71" name="TextBox 70"/>
-            <p:cNvSpPr txBox="1"/>
-            <p:nvPr/>
-          </p:nvSpPr>
-          <p:spPr>
-            <a:xfrm>
-              <a:off x="8030347" y="4609190"/>
-              <a:ext cx="633009" cy="246221"/>
-            </a:xfrm>
-            <a:prstGeom prst="rect">
-              <a:avLst/>
-            </a:prstGeom>
-            <a:noFill/>
-          </p:spPr>
-          <p:txBody>
-            <a:bodyPr wrap="square" rtlCol="0">
-              <a:spAutoFit/>
-            </a:bodyPr>
-            <a:lstStyle/>
-            <a:p>
-              <a:r>
-                <a:rPr lang="en-US" sz="1000" dirty="0" smtClean="0">
-                  <a:solidFill>
-                    <a:srgbClr val="002060"/>
-                  </a:solidFill>
-                </a:rPr>
-                <a:t>Core 3</a:t>
-              </a:r>
-              <a:endParaRPr lang="en-US" sz="1000" dirty="0">
-                <a:solidFill>
-                  <a:srgbClr val="002060"/>
-                </a:solidFill>
-              </a:endParaRPr>
-            </a:p>
-          </p:txBody>
-        </p:sp>
-        <p:sp>
-          <p:nvSpPr>
-            <p:cNvPr id="72" name="TextBox 71"/>
-            <p:cNvSpPr txBox="1"/>
-            <p:nvPr/>
-          </p:nvSpPr>
-          <p:spPr>
-            <a:xfrm>
-              <a:off x="6558086" y="6163024"/>
-              <a:ext cx="633009" cy="246221"/>
-            </a:xfrm>
-            <a:prstGeom prst="rect">
-              <a:avLst/>
-            </a:prstGeom>
-            <a:noFill/>
-          </p:spPr>
-          <p:txBody>
-            <a:bodyPr wrap="square" rtlCol="0">
-              <a:spAutoFit/>
-            </a:bodyPr>
-            <a:lstStyle/>
-            <a:p>
-              <a:r>
-                <a:rPr lang="en-US" sz="1000" smtClean="0">
-                  <a:solidFill>
-                    <a:srgbClr val="002060"/>
-                  </a:solidFill>
-                </a:rPr>
-                <a:t>Time</a:t>
-              </a:r>
-              <a:endParaRPr lang="en-US" sz="1000" dirty="0">
-                <a:solidFill>
-                  <a:srgbClr val="002060"/>
-                </a:solidFill>
-              </a:endParaRPr>
-            </a:p>
-          </p:txBody>
-        </p:sp>
-        <p:sp>
-          <p:nvSpPr>
-            <p:cNvPr id="73" name="TextBox 72"/>
-            <p:cNvSpPr txBox="1"/>
-            <p:nvPr/>
-          </p:nvSpPr>
-          <p:spPr>
-            <a:xfrm>
-              <a:off x="8051212" y="6157103"/>
-              <a:ext cx="633009" cy="246221"/>
-            </a:xfrm>
-            <a:prstGeom prst="rect">
-              <a:avLst/>
-            </a:prstGeom>
-            <a:noFill/>
-          </p:spPr>
-          <p:txBody>
-            <a:bodyPr wrap="square" rtlCol="0">
-              <a:spAutoFit/>
-            </a:bodyPr>
-            <a:lstStyle/>
-            <a:p>
-              <a:r>
-                <a:rPr lang="en-US" sz="1000" smtClean="0">
-                  <a:solidFill>
-                    <a:srgbClr val="002060"/>
-                  </a:solidFill>
-                </a:rPr>
-                <a:t>Time</a:t>
-              </a:r>
-              <a:endParaRPr lang="en-US" sz="1000" dirty="0">
-                <a:solidFill>
-                  <a:srgbClr val="002060"/>
-                </a:solidFill>
-              </a:endParaRPr>
-            </a:p>
-          </p:txBody>
-        </p:sp>
-        <p:sp>
-          <p:nvSpPr>
-            <p:cNvPr id="75" name="Double Brace 74"/>
-            <p:cNvSpPr/>
-            <p:nvPr/>
-          </p:nvSpPr>
-          <p:spPr>
-            <a:xfrm>
-              <a:off x="7596336" y="4936685"/>
-              <a:ext cx="818994" cy="347459"/>
-            </a:xfrm>
-            <a:prstGeom prst="bracePair">
-              <a:avLst/>
-            </a:prstGeom>
-            <a:ln w="25400">
-              <a:solidFill>
-                <a:srgbClr val="FF0000"/>
-              </a:solidFill>
-            </a:ln>
-          </p:spPr>
-          <p:style>
-            <a:lnRef idx="1">
-              <a:schemeClr val="accent1"/>
-            </a:lnRef>
-            <a:fillRef idx="0">
-              <a:schemeClr val="accent1"/>
-            </a:fillRef>
-            <a:effectRef idx="0">
-              <a:schemeClr val="accent1"/>
-            </a:effectRef>
-            <a:fontRef idx="minor">
-              <a:schemeClr val="tx1"/>
-            </a:fontRef>
-          </p:style>
-          <p:txBody>
-            <a:bodyPr rtlCol="0" anchor="ctr"/>
-            <a:lstStyle/>
-            <a:p>
-              <a:pPr algn="ctr"/>
-              <a:r>
-                <a:rPr lang="en-US" sz="1200" dirty="0" smtClean="0">
-                  <a:solidFill>
-                    <a:srgbClr val="FF0000"/>
-                  </a:solidFill>
-                </a:rPr>
-                <a:t>Waiting</a:t>
-              </a:r>
-              <a:endParaRPr lang="en-US" sz="1200" dirty="0">
-                <a:solidFill>
-                  <a:srgbClr val="FF0000"/>
-                </a:solidFill>
-              </a:endParaRPr>
-            </a:p>
-          </p:txBody>
-        </p:sp>
-        <p:sp>
-          <p:nvSpPr>
-            <p:cNvPr id="74" name="Frame 73"/>
-            <p:cNvSpPr/>
-            <p:nvPr/>
-          </p:nvSpPr>
-          <p:spPr>
-            <a:xfrm>
-              <a:off x="6485736" y="4943950"/>
-              <a:ext cx="194991" cy="341896"/>
-            </a:xfrm>
-            <a:prstGeom prst="frame">
-              <a:avLst/>
-            </a:prstGeom>
-            <a:solidFill>
-              <a:srgbClr val="00B050"/>
-            </a:solidFill>
-            <a:ln>
-              <a:solidFill>
-                <a:srgbClr val="00B050"/>
-              </a:solidFill>
-            </a:ln>
-          </p:spPr>
-          <p:style>
-            <a:lnRef idx="2">
-              <a:schemeClr val="accent1">
-                <a:shade val="50000"/>
-              </a:schemeClr>
-            </a:lnRef>
-            <a:fillRef idx="1">
-              <a:schemeClr val="accent1"/>
-            </a:fillRef>
-            <a:effectRef idx="0">
-              <a:schemeClr val="accent1"/>
-            </a:effectRef>
-            <a:fontRef idx="minor">
-              <a:schemeClr val="lt1"/>
-            </a:fontRef>
-          </p:style>
-          <p:txBody>
-            <a:bodyPr rtlCol="0" anchor="ctr"/>
-            <a:lstStyle/>
-            <a:p>
-              <a:pPr algn="ctr"/>
-              <a:endParaRPr lang="en-US">
-                <a:solidFill>
-                  <a:schemeClr val="accent1">
-                    <a:lumMod val="50000"/>
-                  </a:schemeClr>
-                </a:solidFill>
-              </a:endParaRPr>
-            </a:p>
-          </p:txBody>
-        </p:sp>
-        <p:cxnSp>
-          <p:nvCxnSpPr>
-            <p:cNvPr id="78" name="Straight Arrow Connector 77"/>
-            <p:cNvCxnSpPr>
-              <a:stCxn id="74" idx="2"/>
-            </p:cNvCxnSpPr>
-            <p:nvPr/>
-          </p:nvCxnSpPr>
-          <p:spPr>
-            <a:xfrm>
-              <a:off x="6583232" y="5285846"/>
-              <a:ext cx="1412184" cy="87370"/>
-            </a:xfrm>
-            <a:prstGeom prst="straightConnector1">
-              <a:avLst/>
-            </a:prstGeom>
-            <a:ln w="15875">
-              <a:solidFill>
-                <a:schemeClr val="accent5">
-                  <a:lumMod val="50000"/>
-                </a:schemeClr>
-              </a:solidFill>
-              <a:tailEnd type="triangle"/>
-            </a:ln>
-          </p:spPr>
-          <p:style>
-            <a:lnRef idx="1">
-              <a:schemeClr val="accent1"/>
-            </a:lnRef>
-            <a:fillRef idx="0">
-              <a:schemeClr val="accent1"/>
-            </a:fillRef>
-            <a:effectRef idx="0">
-              <a:schemeClr val="accent1"/>
-            </a:effectRef>
-            <a:fontRef idx="minor">
-              <a:schemeClr val="tx1"/>
-            </a:fontRef>
-          </p:style>
-        </p:cxnSp>
-        <p:sp>
-          <p:nvSpPr>
-            <p:cNvPr id="80" name="Double Brace 79"/>
-            <p:cNvSpPr/>
-            <p:nvPr/>
-          </p:nvSpPr>
-          <p:spPr>
-            <a:xfrm>
-              <a:off x="6173734" y="5348803"/>
-              <a:ext cx="818994" cy="480873"/>
-            </a:xfrm>
-            <a:prstGeom prst="bracePair">
-              <a:avLst/>
-            </a:prstGeom>
-            <a:ln w="25400">
-              <a:solidFill>
-                <a:srgbClr val="FF0000"/>
-              </a:solidFill>
-            </a:ln>
-          </p:spPr>
-          <p:style>
-            <a:lnRef idx="1">
-              <a:schemeClr val="accent1"/>
-            </a:lnRef>
-            <a:fillRef idx="0">
-              <a:schemeClr val="accent1"/>
-            </a:fillRef>
-            <a:effectRef idx="0">
-              <a:schemeClr val="accent1"/>
-            </a:effectRef>
-            <a:fontRef idx="minor">
-              <a:schemeClr val="tx1"/>
-            </a:fontRef>
-          </p:style>
-          <p:txBody>
-            <a:bodyPr rtlCol="0" anchor="ctr"/>
-            <a:lstStyle/>
-            <a:p>
-              <a:pPr algn="ctr"/>
-              <a:r>
-                <a:rPr lang="en-US" sz="1200" dirty="0" smtClean="0">
-                  <a:solidFill>
-                    <a:srgbClr val="FF0000"/>
-                  </a:solidFill>
-                </a:rPr>
-                <a:t>Waiting</a:t>
-              </a:r>
-              <a:endParaRPr lang="en-US" sz="1200" dirty="0">
-                <a:solidFill>
-                  <a:srgbClr val="FF0000"/>
-                </a:solidFill>
-              </a:endParaRPr>
-            </a:p>
-          </p:txBody>
-        </p:sp>
-        <p:sp>
-          <p:nvSpPr>
-            <p:cNvPr id="81" name="Frame 80"/>
-            <p:cNvSpPr/>
-            <p:nvPr/>
-          </p:nvSpPr>
-          <p:spPr>
-            <a:xfrm>
-              <a:off x="7930888" y="5396868"/>
-              <a:ext cx="194991" cy="432807"/>
-            </a:xfrm>
-            <a:prstGeom prst="frame">
-              <a:avLst/>
-            </a:prstGeom>
-            <a:solidFill>
-              <a:srgbClr val="00B050"/>
-            </a:solidFill>
-            <a:ln>
-              <a:solidFill>
-                <a:srgbClr val="00B050"/>
-              </a:solidFill>
-            </a:ln>
-          </p:spPr>
-          <p:style>
-            <a:lnRef idx="2">
-              <a:schemeClr val="accent1">
-                <a:shade val="50000"/>
-              </a:schemeClr>
-            </a:lnRef>
-            <a:fillRef idx="1">
-              <a:schemeClr val="accent1"/>
-            </a:fillRef>
-            <a:effectRef idx="0">
-              <a:schemeClr val="accent1"/>
-            </a:effectRef>
-            <a:fontRef idx="minor">
-              <a:schemeClr val="lt1"/>
-            </a:fontRef>
-          </p:style>
-          <p:txBody>
-            <a:bodyPr rtlCol="0" anchor="ctr"/>
-            <a:lstStyle/>
-            <a:p>
-              <a:pPr algn="ctr"/>
-              <a:endParaRPr lang="en-US">
-                <a:solidFill>
-                  <a:schemeClr val="accent1">
-                    <a:lumMod val="50000"/>
-                  </a:schemeClr>
-                </a:solidFill>
-              </a:endParaRPr>
-            </a:p>
-          </p:txBody>
-        </p:sp>
-        <p:cxnSp>
-          <p:nvCxnSpPr>
-            <p:cNvPr id="82" name="Straight Arrow Connector 81"/>
-            <p:cNvCxnSpPr>
-              <a:stCxn id="81" idx="2"/>
-            </p:cNvCxnSpPr>
-            <p:nvPr/>
-          </p:nvCxnSpPr>
-          <p:spPr>
-            <a:xfrm flipH="1">
-              <a:off x="6560413" y="5829675"/>
-              <a:ext cx="1467971" cy="54147"/>
-            </a:xfrm>
-            <a:prstGeom prst="straightConnector1">
-              <a:avLst/>
-            </a:prstGeom>
-            <a:ln w="15875">
-              <a:solidFill>
-                <a:schemeClr val="accent5">
-                  <a:lumMod val="50000"/>
-                </a:schemeClr>
-              </a:solidFill>
-              <a:tailEnd type="triangle"/>
-            </a:ln>
-          </p:spPr>
-          <p:style>
-            <a:lnRef idx="1">
-              <a:schemeClr val="accent1"/>
-            </a:lnRef>
-            <a:fillRef idx="0">
-              <a:schemeClr val="accent1"/>
-            </a:fillRef>
-            <a:effectRef idx="0">
-              <a:schemeClr val="accent1"/>
-            </a:effectRef>
-            <a:fontRef idx="minor">
-              <a:schemeClr val="tx1"/>
-            </a:fontRef>
-          </p:style>
-        </p:cxnSp>
-        <p:sp>
-          <p:nvSpPr>
-            <p:cNvPr id="85" name="Frame 84"/>
-            <p:cNvSpPr/>
-            <p:nvPr/>
-          </p:nvSpPr>
-          <p:spPr>
-            <a:xfrm>
-              <a:off x="6495982" y="5908373"/>
-              <a:ext cx="194991" cy="287750"/>
-            </a:xfrm>
-            <a:prstGeom prst="frame">
-              <a:avLst/>
-            </a:prstGeom>
-            <a:solidFill>
-              <a:srgbClr val="00B050"/>
-            </a:solidFill>
-            <a:ln>
-              <a:solidFill>
-                <a:srgbClr val="00B050"/>
-              </a:solidFill>
-            </a:ln>
-          </p:spPr>
-          <p:style>
-            <a:lnRef idx="2">
-              <a:schemeClr val="accent1">
-                <a:shade val="50000"/>
-              </a:schemeClr>
-            </a:lnRef>
-            <a:fillRef idx="1">
-              <a:schemeClr val="accent1"/>
-            </a:fillRef>
-            <a:effectRef idx="0">
-              <a:schemeClr val="accent1"/>
-            </a:effectRef>
-            <a:fontRef idx="minor">
-              <a:schemeClr val="lt1"/>
-            </a:fontRef>
-          </p:style>
-          <p:txBody>
-            <a:bodyPr rtlCol="0" anchor="ctr"/>
-            <a:lstStyle/>
-            <a:p>
-              <a:pPr algn="ctr"/>
-              <a:endParaRPr lang="en-US">
-                <a:solidFill>
-                  <a:schemeClr val="accent1">
-                    <a:lumMod val="50000"/>
-                  </a:schemeClr>
-                </a:solidFill>
-              </a:endParaRPr>
-            </a:p>
-          </p:txBody>
-        </p:sp>
-        <p:sp>
-          <p:nvSpPr>
-            <p:cNvPr id="87" name="Double Brace 86"/>
-            <p:cNvSpPr/>
-            <p:nvPr/>
-          </p:nvSpPr>
-          <p:spPr>
-            <a:xfrm>
-              <a:off x="7625951" y="5927733"/>
-              <a:ext cx="818994" cy="277936"/>
-            </a:xfrm>
-            <a:prstGeom prst="bracePair">
-              <a:avLst/>
-            </a:prstGeom>
-            <a:ln w="25400">
-              <a:solidFill>
-                <a:srgbClr val="FF0000"/>
-              </a:solidFill>
-            </a:ln>
-          </p:spPr>
-          <p:style>
-            <a:lnRef idx="1">
-              <a:schemeClr val="accent1"/>
-            </a:lnRef>
-            <a:fillRef idx="0">
-              <a:schemeClr val="accent1"/>
-            </a:fillRef>
-            <a:effectRef idx="0">
-              <a:schemeClr val="accent1"/>
-            </a:effectRef>
-            <a:fontRef idx="minor">
-              <a:schemeClr val="tx1"/>
-            </a:fontRef>
-          </p:style>
-          <p:txBody>
-            <a:bodyPr rtlCol="0" anchor="ctr"/>
-            <a:lstStyle/>
-            <a:p>
-              <a:pPr algn="ctr"/>
-              <a:r>
-                <a:rPr lang="en-US" sz="1200" dirty="0" smtClean="0">
-                  <a:solidFill>
-                    <a:srgbClr val="FF0000"/>
-                  </a:solidFill>
-                </a:rPr>
-                <a:t>Waiting</a:t>
-              </a:r>
-              <a:endParaRPr lang="en-US" sz="1200" dirty="0">
-                <a:solidFill>
-                  <a:srgbClr val="FF0000"/>
-                </a:solidFill>
-              </a:endParaRPr>
-            </a:p>
-          </p:txBody>
-        </p:sp>
-      </p:grpSp>
-      <p:grpSp>
-        <p:nvGrpSpPr>
-          <p:cNvPr id="88" name="Group 87"/>
-          <p:cNvGrpSpPr/>
-          <p:nvPr/>
-        </p:nvGrpSpPr>
-        <p:grpSpPr>
-          <a:xfrm>
-            <a:off x="4788023" y="1733411"/>
-            <a:ext cx="4059385" cy="2160240"/>
-            <a:chOff x="3781982" y="2204864"/>
-            <a:chExt cx="4592109" cy="2160240"/>
-          </a:xfrm>
-        </p:grpSpPr>
-        <p:grpSp>
-          <p:nvGrpSpPr>
-            <p:cNvPr id="89" name="Group 88"/>
-            <p:cNvGrpSpPr/>
-            <p:nvPr/>
-          </p:nvGrpSpPr>
-          <p:grpSpPr>
-            <a:xfrm>
-              <a:off x="4098680" y="2204864"/>
-              <a:ext cx="4275411" cy="2160240"/>
-              <a:chOff x="3738640" y="2204864"/>
-              <a:chExt cx="4275411" cy="2160240"/>
-            </a:xfrm>
-          </p:grpSpPr>
-          <p:grpSp>
-            <p:nvGrpSpPr>
-              <p:cNvPr id="91" name="Group 90"/>
-              <p:cNvGrpSpPr/>
-              <p:nvPr/>
-            </p:nvGrpSpPr>
-            <p:grpSpPr>
-              <a:xfrm>
-                <a:off x="3738640" y="2204864"/>
-                <a:ext cx="4275411" cy="2160240"/>
-                <a:chOff x="1683858" y="2821732"/>
-                <a:chExt cx="5667329" cy="3384376"/>
-              </a:xfrm>
-            </p:grpSpPr>
-            <p:grpSp>
-              <p:nvGrpSpPr>
-                <p:cNvPr id="94" name="Group 93"/>
-                <p:cNvGrpSpPr/>
-                <p:nvPr/>
-              </p:nvGrpSpPr>
-              <p:grpSpPr>
-                <a:xfrm>
-                  <a:off x="1683858" y="2821732"/>
-                  <a:ext cx="5667329" cy="3384376"/>
-                  <a:chOff x="494969" y="2812131"/>
-                  <a:chExt cx="5667329" cy="3096344"/>
-                </a:xfrm>
-              </p:grpSpPr>
-              <p:sp>
-                <p:nvSpPr>
-                  <p:cNvPr id="99" name="Rounded Rectangle 98"/>
-                  <p:cNvSpPr/>
-                  <p:nvPr/>
-                </p:nvSpPr>
-                <p:spPr>
-                  <a:xfrm>
-                    <a:off x="494969" y="2812131"/>
-                    <a:ext cx="5667329" cy="3096344"/>
-                  </a:xfrm>
-                  <a:prstGeom prst="roundRect">
-                    <a:avLst/>
-                  </a:prstGeom>
-                  <a:solidFill>
-                    <a:schemeClr val="bg1">
-                      <a:lumMod val="75000"/>
-                    </a:schemeClr>
-                  </a:solidFill>
-                  <a:ln>
-                    <a:solidFill>
-                      <a:schemeClr val="tx1"/>
-                    </a:solidFill>
-                  </a:ln>
-                </p:spPr>
-                <p:style>
-                  <a:lnRef idx="2">
-                    <a:schemeClr val="accent1">
-                      <a:shade val="50000"/>
-                    </a:schemeClr>
-                  </a:lnRef>
-                  <a:fillRef idx="1">
-                    <a:schemeClr val="accent1"/>
-                  </a:fillRef>
-                  <a:effectRef idx="0">
-                    <a:schemeClr val="accent1"/>
-                  </a:effectRef>
-                  <a:fontRef idx="minor">
-                    <a:schemeClr val="lt1"/>
-                  </a:fontRef>
-                </p:style>
-                <p:txBody>
-                  <a:bodyPr rtlCol="0" anchor="ctr"/>
-                  <a:lstStyle/>
-                  <a:p>
-                    <a:pPr algn="ctr"/>
-                    <a:endParaRPr lang="en-US"/>
-                  </a:p>
-                </p:txBody>
-              </p:sp>
-              <p:grpSp>
-                <p:nvGrpSpPr>
-                  <p:cNvPr id="100" name="Group 99"/>
-                  <p:cNvGrpSpPr/>
-                  <p:nvPr/>
-                </p:nvGrpSpPr>
-                <p:grpSpPr>
-                  <a:xfrm>
-                    <a:off x="827584" y="3027189"/>
-                    <a:ext cx="2448272" cy="2053399"/>
-                    <a:chOff x="6131218" y="3068960"/>
-                    <a:chExt cx="2448272" cy="2053399"/>
-                  </a:xfrm>
-                </p:grpSpPr>
-                <p:sp>
-                  <p:nvSpPr>
-                    <p:cNvPr id="111" name="Rectangle 110"/>
-                    <p:cNvSpPr/>
-                    <p:nvPr/>
-                  </p:nvSpPr>
-                  <p:spPr>
-                    <a:xfrm>
-                      <a:off x="6131218" y="3068960"/>
-                      <a:ext cx="2448272" cy="2053399"/>
-                    </a:xfrm>
-                    <a:prstGeom prst="rect">
-                      <a:avLst/>
-                    </a:prstGeom>
-                    <a:solidFill>
-                      <a:schemeClr val="accent6">
-                        <a:lumMod val="20000"/>
-                        <a:lumOff val="80000"/>
-                      </a:schemeClr>
-                    </a:solidFill>
-                    <a:ln>
-                      <a:solidFill>
-                        <a:schemeClr val="tx1"/>
-                      </a:solidFill>
-                    </a:ln>
-                  </p:spPr>
-                  <p:style>
-                    <a:lnRef idx="2">
-                      <a:schemeClr val="accent1">
-                        <a:shade val="50000"/>
-                      </a:schemeClr>
-                    </a:lnRef>
-                    <a:fillRef idx="1">
-                      <a:schemeClr val="accent1"/>
-                    </a:fillRef>
-                    <a:effectRef idx="0">
-                      <a:schemeClr val="accent1"/>
-                    </a:effectRef>
-                    <a:fontRef idx="minor">
-                      <a:schemeClr val="lt1"/>
-                    </a:fontRef>
-                  </p:style>
-                  <p:txBody>
-                    <a:bodyPr rtlCol="0" anchor="ctr"/>
-                    <a:lstStyle/>
-                    <a:p>
-                      <a:pPr algn="ctr"/>
-                      <a:endParaRPr lang="en-US"/>
-                    </a:p>
-                  </p:txBody>
-                </p:sp>
-                <p:sp>
-                  <p:nvSpPr>
-                    <p:cNvPr id="112" name="Oval 111"/>
-                    <p:cNvSpPr/>
-                    <p:nvPr/>
-                  </p:nvSpPr>
-                  <p:spPr>
-                    <a:xfrm>
-                      <a:off x="6189008" y="3507100"/>
-                      <a:ext cx="1008112" cy="888112"/>
-                    </a:xfrm>
-                    <a:prstGeom prst="ellipse">
-                      <a:avLst/>
-                    </a:prstGeom>
-                    <a:solidFill>
-                      <a:schemeClr val="accent6">
-                        <a:lumMod val="60000"/>
-                        <a:lumOff val="40000"/>
-                      </a:schemeClr>
-                    </a:solidFill>
-                    <a:ln>
-                      <a:solidFill>
-                        <a:schemeClr val="tx1">
-                          <a:lumMod val="95000"/>
-                          <a:lumOff val="5000"/>
-                        </a:schemeClr>
-                      </a:solidFill>
-                    </a:ln>
-                  </p:spPr>
-                  <p:style>
-                    <a:lnRef idx="2">
-                      <a:schemeClr val="accent1">
-                        <a:shade val="50000"/>
-                      </a:schemeClr>
-                    </a:lnRef>
-                    <a:fillRef idx="1">
-                      <a:schemeClr val="accent1"/>
-                    </a:fillRef>
-                    <a:effectRef idx="0">
-                      <a:schemeClr val="accent1"/>
-                    </a:effectRef>
-                    <a:fontRef idx="minor">
-                      <a:schemeClr val="lt1"/>
-                    </a:fontRef>
-                  </p:style>
-                  <p:txBody>
-                    <a:bodyPr rtlCol="0" anchor="ctr"/>
-                    <a:lstStyle/>
-                    <a:p>
-                      <a:pPr algn="ctr"/>
-                      <a:r>
-                        <a:rPr lang="en-US" sz="1000" dirty="0" smtClean="0"/>
-                        <a:t>Core 1</a:t>
-                      </a:r>
-                      <a:endParaRPr lang="en-US" sz="1000" dirty="0"/>
-                    </a:p>
-                  </p:txBody>
-                </p:sp>
-                <p:sp>
-                  <p:nvSpPr>
-                    <p:cNvPr id="113" name="Oval 112"/>
-                    <p:cNvSpPr/>
-                    <p:nvPr/>
-                  </p:nvSpPr>
-                  <p:spPr>
-                    <a:xfrm>
-                      <a:off x="7488093" y="3507100"/>
-                      <a:ext cx="1008112" cy="888112"/>
-                    </a:xfrm>
-                    <a:prstGeom prst="ellipse">
-                      <a:avLst/>
-                    </a:prstGeom>
-                    <a:solidFill>
-                      <a:schemeClr val="accent6">
-                        <a:lumMod val="60000"/>
-                        <a:lumOff val="40000"/>
-                      </a:schemeClr>
-                    </a:solidFill>
-                    <a:ln>
-                      <a:solidFill>
-                        <a:schemeClr val="tx1">
-                          <a:lumMod val="95000"/>
-                          <a:lumOff val="5000"/>
-                        </a:schemeClr>
-                      </a:solidFill>
-                    </a:ln>
-                  </p:spPr>
-                  <p:style>
-                    <a:lnRef idx="2">
-                      <a:schemeClr val="accent1">
-                        <a:shade val="50000"/>
-                      </a:schemeClr>
-                    </a:lnRef>
-                    <a:fillRef idx="1">
-                      <a:schemeClr val="accent1"/>
-                    </a:fillRef>
-                    <a:effectRef idx="0">
-                      <a:schemeClr val="accent1"/>
-                    </a:effectRef>
-                    <a:fontRef idx="minor">
-                      <a:schemeClr val="lt1"/>
-                    </a:fontRef>
-                  </p:style>
-                  <p:txBody>
-                    <a:bodyPr rtlCol="0" anchor="ctr"/>
-                    <a:lstStyle/>
-                    <a:p>
-                      <a:pPr algn="ctr"/>
-                      <a:r>
-                        <a:rPr lang="en-US" sz="1000" dirty="0" smtClean="0"/>
-                        <a:t>Core 2</a:t>
-                      </a:r>
-                      <a:endParaRPr lang="en-US" sz="1000" dirty="0"/>
-                    </a:p>
-                  </p:txBody>
-                </p:sp>
-                <p:sp>
-                  <p:nvSpPr>
-                    <p:cNvPr id="114" name="Rectangle 113"/>
-                    <p:cNvSpPr/>
-                    <p:nvPr/>
-                  </p:nvSpPr>
-                  <p:spPr>
-                    <a:xfrm>
-                      <a:off x="6189008" y="4411960"/>
-                      <a:ext cx="1008112" cy="288032"/>
-                    </a:xfrm>
-                    <a:prstGeom prst="rect">
-                      <a:avLst/>
-                    </a:prstGeom>
-                    <a:solidFill>
-                      <a:schemeClr val="accent4">
-                        <a:lumMod val="50000"/>
-                        <a:lumOff val="50000"/>
-                      </a:schemeClr>
-                    </a:solidFill>
-                    <a:ln>
-                      <a:solidFill>
-                        <a:schemeClr val="tx1"/>
-                      </a:solidFill>
-                    </a:ln>
-                  </p:spPr>
-                  <p:style>
-                    <a:lnRef idx="2">
-                      <a:schemeClr val="accent1">
-                        <a:shade val="50000"/>
-                      </a:schemeClr>
-                    </a:lnRef>
-                    <a:fillRef idx="1">
-                      <a:schemeClr val="accent1"/>
-                    </a:fillRef>
-                    <a:effectRef idx="0">
-                      <a:schemeClr val="accent1"/>
-                    </a:effectRef>
-                    <a:fontRef idx="minor">
-                      <a:schemeClr val="lt1"/>
-                    </a:fontRef>
-                  </p:style>
-                  <p:txBody>
-                    <a:bodyPr rtlCol="0" anchor="ctr"/>
-                    <a:lstStyle/>
-                    <a:p>
-                      <a:pPr algn="ctr"/>
-                      <a:r>
-                        <a:rPr lang="en-US" sz="800" dirty="0" smtClean="0"/>
-                        <a:t>L1 Cache</a:t>
-                      </a:r>
-                      <a:endParaRPr lang="en-US" sz="800" dirty="0"/>
-                    </a:p>
-                  </p:txBody>
-                </p:sp>
-                <p:sp>
-                  <p:nvSpPr>
-                    <p:cNvPr id="115" name="Rectangle 114"/>
-                    <p:cNvSpPr/>
-                    <p:nvPr/>
-                  </p:nvSpPr>
-                  <p:spPr>
-                    <a:xfrm>
-                      <a:off x="7482290" y="4411960"/>
-                      <a:ext cx="1008112" cy="288032"/>
-                    </a:xfrm>
-                    <a:prstGeom prst="rect">
-                      <a:avLst/>
-                    </a:prstGeom>
-                    <a:solidFill>
-                      <a:schemeClr val="accent4">
-                        <a:lumMod val="50000"/>
-                        <a:lumOff val="50000"/>
-                      </a:schemeClr>
-                    </a:solidFill>
-                    <a:ln>
-                      <a:solidFill>
-                        <a:schemeClr val="tx1"/>
-                      </a:solidFill>
-                    </a:ln>
-                  </p:spPr>
-                  <p:style>
-                    <a:lnRef idx="2">
-                      <a:schemeClr val="accent1">
-                        <a:shade val="50000"/>
-                      </a:schemeClr>
-                    </a:lnRef>
-                    <a:fillRef idx="1">
-                      <a:schemeClr val="accent1"/>
-                    </a:fillRef>
-                    <a:effectRef idx="0">
-                      <a:schemeClr val="accent1"/>
-                    </a:effectRef>
-                    <a:fontRef idx="minor">
-                      <a:schemeClr val="lt1"/>
-                    </a:fontRef>
-                  </p:style>
-                  <p:txBody>
-                    <a:bodyPr rtlCol="0" anchor="ctr"/>
-                    <a:lstStyle/>
-                    <a:p>
-                      <a:pPr algn="ctr"/>
-                      <a:r>
-                        <a:rPr lang="en-US" sz="800" dirty="0" smtClean="0"/>
-                        <a:t>L1 Cache</a:t>
-                      </a:r>
-                      <a:endParaRPr lang="en-US" sz="800" dirty="0"/>
-                    </a:p>
-                  </p:txBody>
-                </p:sp>
-                <p:sp>
-                  <p:nvSpPr>
-                    <p:cNvPr id="116" name="Freeform 115"/>
-                    <p:cNvSpPr/>
-                    <p:nvPr/>
-                  </p:nvSpPr>
-                  <p:spPr>
-                    <a:xfrm>
-                      <a:off x="6500723" y="3182739"/>
-                      <a:ext cx="108243" cy="434340"/>
-                    </a:xfrm>
-                    <a:custGeom>
-                      <a:avLst/>
-                      <a:gdLst>
-                        <a:gd name="connsiteX0" fmla="*/ 121995 w 167760"/>
-                        <a:gd name="connsiteY0" fmla="*/ 0 h 807720"/>
-                        <a:gd name="connsiteX1" fmla="*/ 75 w 167760"/>
-                        <a:gd name="connsiteY1" fmla="*/ 175260 h 807720"/>
-                        <a:gd name="connsiteX2" fmla="*/ 137235 w 167760"/>
-                        <a:gd name="connsiteY2" fmla="*/ 304800 h 807720"/>
-                        <a:gd name="connsiteX3" fmla="*/ 45795 w 167760"/>
-                        <a:gd name="connsiteY3" fmla="*/ 434340 h 807720"/>
-                        <a:gd name="connsiteX4" fmla="*/ 167715 w 167760"/>
-                        <a:gd name="connsiteY4" fmla="*/ 556260 h 807720"/>
-                        <a:gd name="connsiteX5" fmla="*/ 61035 w 167760"/>
-                        <a:gd name="connsiteY5" fmla="*/ 731520 h 807720"/>
-                        <a:gd name="connsiteX6" fmla="*/ 144855 w 167760"/>
-                        <a:gd name="connsiteY6" fmla="*/ 807720 h 807720"/>
-                      </a:gdLst>
-                      <a:ahLst/>
-                      <a:cxnLst>
-                        <a:cxn ang="0">
-                          <a:pos x="connsiteX0" y="connsiteY0"/>
-                        </a:cxn>
-                        <a:cxn ang="0">
-                          <a:pos x="connsiteX1" y="connsiteY1"/>
-                        </a:cxn>
-                        <a:cxn ang="0">
-                          <a:pos x="connsiteX2" y="connsiteY2"/>
-                        </a:cxn>
-                        <a:cxn ang="0">
-                          <a:pos x="connsiteX3" y="connsiteY3"/>
-                        </a:cxn>
-                        <a:cxn ang="0">
-                          <a:pos x="connsiteX4" y="connsiteY4"/>
-                        </a:cxn>
-                        <a:cxn ang="0">
-                          <a:pos x="connsiteX5" y="connsiteY5"/>
-                        </a:cxn>
-                        <a:cxn ang="0">
-                          <a:pos x="connsiteX6" y="connsiteY6"/>
-                        </a:cxn>
-                      </a:cxnLst>
-                      <a:rect l="l" t="t" r="r" b="b"/>
-                      <a:pathLst>
-                        <a:path w="167760" h="807720">
-                          <a:moveTo>
-                            <a:pt x="121995" y="0"/>
-                          </a:moveTo>
-                          <a:cubicBezTo>
-                            <a:pt x="59765" y="62230"/>
-                            <a:pt x="-2465" y="124460"/>
-                            <a:pt x="75" y="175260"/>
-                          </a:cubicBezTo>
-                          <a:cubicBezTo>
-                            <a:pt x="2615" y="226060"/>
-                            <a:pt x="129615" y="261620"/>
-                            <a:pt x="137235" y="304800"/>
-                          </a:cubicBezTo>
-                          <a:cubicBezTo>
-                            <a:pt x="144855" y="347980"/>
-                            <a:pt x="40715" y="392430"/>
-                            <a:pt x="45795" y="434340"/>
-                          </a:cubicBezTo>
-                          <a:cubicBezTo>
-                            <a:pt x="50875" y="476250"/>
-                            <a:pt x="165175" y="506730"/>
-                            <a:pt x="167715" y="556260"/>
-                          </a:cubicBezTo>
-                          <a:cubicBezTo>
-                            <a:pt x="170255" y="605790"/>
-                            <a:pt x="64845" y="689610"/>
-                            <a:pt x="61035" y="731520"/>
-                          </a:cubicBezTo>
-                          <a:cubicBezTo>
-                            <a:pt x="57225" y="773430"/>
-                            <a:pt x="125805" y="795020"/>
-                            <a:pt x="144855" y="807720"/>
-                          </a:cubicBezTo>
-                        </a:path>
-                      </a:pathLst>
-                    </a:custGeom>
-                    <a:noFill/>
-                    <a:ln>
-                      <a:solidFill>
-                        <a:schemeClr val="tx1"/>
-                      </a:solidFill>
-                    </a:ln>
-                  </p:spPr>
-                  <p:style>
-                    <a:lnRef idx="2">
-                      <a:schemeClr val="accent1">
-                        <a:shade val="50000"/>
-                      </a:schemeClr>
-                    </a:lnRef>
-                    <a:fillRef idx="1">
-                      <a:schemeClr val="accent1"/>
-                    </a:fillRef>
-                    <a:effectRef idx="0">
-                      <a:schemeClr val="accent1"/>
-                    </a:effectRef>
-                    <a:fontRef idx="minor">
-                      <a:schemeClr val="lt1"/>
-                    </a:fontRef>
-                  </p:style>
-                  <p:txBody>
-                    <a:bodyPr rtlCol="0" anchor="ctr"/>
-                    <a:lstStyle/>
-                    <a:p>
-                      <a:pPr algn="ctr"/>
-                      <a:endParaRPr lang="en-US"/>
-                    </a:p>
-                  </p:txBody>
-                </p:sp>
-                <p:sp>
-                  <p:nvSpPr>
-                    <p:cNvPr id="117" name="Freeform 116"/>
-                    <p:cNvSpPr/>
-                    <p:nvPr/>
-                  </p:nvSpPr>
-                  <p:spPr>
-                    <a:xfrm>
-                      <a:off x="6662625" y="3182739"/>
-                      <a:ext cx="108243" cy="434340"/>
-                    </a:xfrm>
-                    <a:custGeom>
-                      <a:avLst/>
-                      <a:gdLst>
-                        <a:gd name="connsiteX0" fmla="*/ 121995 w 167760"/>
-                        <a:gd name="connsiteY0" fmla="*/ 0 h 807720"/>
-                        <a:gd name="connsiteX1" fmla="*/ 75 w 167760"/>
-                        <a:gd name="connsiteY1" fmla="*/ 175260 h 807720"/>
-                        <a:gd name="connsiteX2" fmla="*/ 137235 w 167760"/>
-                        <a:gd name="connsiteY2" fmla="*/ 304800 h 807720"/>
-                        <a:gd name="connsiteX3" fmla="*/ 45795 w 167760"/>
-                        <a:gd name="connsiteY3" fmla="*/ 434340 h 807720"/>
-                        <a:gd name="connsiteX4" fmla="*/ 167715 w 167760"/>
-                        <a:gd name="connsiteY4" fmla="*/ 556260 h 807720"/>
-                        <a:gd name="connsiteX5" fmla="*/ 61035 w 167760"/>
-                        <a:gd name="connsiteY5" fmla="*/ 731520 h 807720"/>
-                        <a:gd name="connsiteX6" fmla="*/ 144855 w 167760"/>
-                        <a:gd name="connsiteY6" fmla="*/ 807720 h 807720"/>
-                      </a:gdLst>
-                      <a:ahLst/>
-                      <a:cxnLst>
-                        <a:cxn ang="0">
-                          <a:pos x="connsiteX0" y="connsiteY0"/>
-                        </a:cxn>
-                        <a:cxn ang="0">
-                          <a:pos x="connsiteX1" y="connsiteY1"/>
-                        </a:cxn>
-                        <a:cxn ang="0">
-                          <a:pos x="connsiteX2" y="connsiteY2"/>
-                        </a:cxn>
-                        <a:cxn ang="0">
-                          <a:pos x="connsiteX3" y="connsiteY3"/>
-                        </a:cxn>
-                        <a:cxn ang="0">
-                          <a:pos x="connsiteX4" y="connsiteY4"/>
-                        </a:cxn>
-                        <a:cxn ang="0">
-                          <a:pos x="connsiteX5" y="connsiteY5"/>
-                        </a:cxn>
-                        <a:cxn ang="0">
-                          <a:pos x="connsiteX6" y="connsiteY6"/>
-                        </a:cxn>
-                      </a:cxnLst>
-                      <a:rect l="l" t="t" r="r" b="b"/>
-                      <a:pathLst>
-                        <a:path w="167760" h="807720">
-                          <a:moveTo>
-                            <a:pt x="121995" y="0"/>
-                          </a:moveTo>
-                          <a:cubicBezTo>
-                            <a:pt x="59765" y="62230"/>
-                            <a:pt x="-2465" y="124460"/>
-                            <a:pt x="75" y="175260"/>
-                          </a:cubicBezTo>
-                          <a:cubicBezTo>
-                            <a:pt x="2615" y="226060"/>
-                            <a:pt x="129615" y="261620"/>
-                            <a:pt x="137235" y="304800"/>
-                          </a:cubicBezTo>
-                          <a:cubicBezTo>
-                            <a:pt x="144855" y="347980"/>
-                            <a:pt x="40715" y="392430"/>
-                            <a:pt x="45795" y="434340"/>
-                          </a:cubicBezTo>
-                          <a:cubicBezTo>
-                            <a:pt x="50875" y="476250"/>
-                            <a:pt x="165175" y="506730"/>
-                            <a:pt x="167715" y="556260"/>
-                          </a:cubicBezTo>
-                          <a:cubicBezTo>
-                            <a:pt x="170255" y="605790"/>
-                            <a:pt x="64845" y="689610"/>
-                            <a:pt x="61035" y="731520"/>
-                          </a:cubicBezTo>
-                          <a:cubicBezTo>
-                            <a:pt x="57225" y="773430"/>
-                            <a:pt x="125805" y="795020"/>
-                            <a:pt x="144855" y="807720"/>
-                          </a:cubicBezTo>
-                        </a:path>
-                      </a:pathLst>
-                    </a:custGeom>
-                    <a:noFill/>
-                    <a:ln>
-                      <a:solidFill>
-                        <a:schemeClr val="tx1"/>
-                      </a:solidFill>
-                    </a:ln>
-                  </p:spPr>
-                  <p:style>
-                    <a:lnRef idx="2">
-                      <a:schemeClr val="accent1">
-                        <a:shade val="50000"/>
-                      </a:schemeClr>
-                    </a:lnRef>
-                    <a:fillRef idx="1">
-                      <a:schemeClr val="accent1"/>
-                    </a:fillRef>
-                    <a:effectRef idx="0">
-                      <a:schemeClr val="accent1"/>
-                    </a:effectRef>
-                    <a:fontRef idx="minor">
-                      <a:schemeClr val="lt1"/>
-                    </a:fontRef>
-                  </p:style>
-                  <p:txBody>
-                    <a:bodyPr rtlCol="0" anchor="ctr"/>
-                    <a:lstStyle/>
-                    <a:p>
-                      <a:pPr algn="ctr"/>
-                      <a:endParaRPr lang="en-US"/>
-                    </a:p>
-                  </p:txBody>
-                </p:sp>
-                <p:sp>
-                  <p:nvSpPr>
-                    <p:cNvPr id="118" name="Freeform 117"/>
-                    <p:cNvSpPr/>
-                    <p:nvPr/>
-                  </p:nvSpPr>
-                  <p:spPr>
-                    <a:xfrm>
-                      <a:off x="6833521" y="3182740"/>
-                      <a:ext cx="108243" cy="434340"/>
-                    </a:xfrm>
-                    <a:custGeom>
-                      <a:avLst/>
-                      <a:gdLst>
-                        <a:gd name="connsiteX0" fmla="*/ 121995 w 167760"/>
-                        <a:gd name="connsiteY0" fmla="*/ 0 h 807720"/>
-                        <a:gd name="connsiteX1" fmla="*/ 75 w 167760"/>
-                        <a:gd name="connsiteY1" fmla="*/ 175260 h 807720"/>
-                        <a:gd name="connsiteX2" fmla="*/ 137235 w 167760"/>
-                        <a:gd name="connsiteY2" fmla="*/ 304800 h 807720"/>
-                        <a:gd name="connsiteX3" fmla="*/ 45795 w 167760"/>
-                        <a:gd name="connsiteY3" fmla="*/ 434340 h 807720"/>
-                        <a:gd name="connsiteX4" fmla="*/ 167715 w 167760"/>
-                        <a:gd name="connsiteY4" fmla="*/ 556260 h 807720"/>
-                        <a:gd name="connsiteX5" fmla="*/ 61035 w 167760"/>
-                        <a:gd name="connsiteY5" fmla="*/ 731520 h 807720"/>
-                        <a:gd name="connsiteX6" fmla="*/ 144855 w 167760"/>
-                        <a:gd name="connsiteY6" fmla="*/ 807720 h 807720"/>
-                      </a:gdLst>
-                      <a:ahLst/>
-                      <a:cxnLst>
-                        <a:cxn ang="0">
-                          <a:pos x="connsiteX0" y="connsiteY0"/>
-                        </a:cxn>
-                        <a:cxn ang="0">
-                          <a:pos x="connsiteX1" y="connsiteY1"/>
-                        </a:cxn>
-                        <a:cxn ang="0">
-                          <a:pos x="connsiteX2" y="connsiteY2"/>
-                        </a:cxn>
-                        <a:cxn ang="0">
-                          <a:pos x="connsiteX3" y="connsiteY3"/>
-                        </a:cxn>
-                        <a:cxn ang="0">
-                          <a:pos x="connsiteX4" y="connsiteY4"/>
-                        </a:cxn>
-                        <a:cxn ang="0">
-                          <a:pos x="connsiteX5" y="connsiteY5"/>
-                        </a:cxn>
-                        <a:cxn ang="0">
-                          <a:pos x="connsiteX6" y="connsiteY6"/>
-                        </a:cxn>
-                      </a:cxnLst>
-                      <a:rect l="l" t="t" r="r" b="b"/>
-                      <a:pathLst>
-                        <a:path w="167760" h="807720">
-                          <a:moveTo>
-                            <a:pt x="121995" y="0"/>
-                          </a:moveTo>
-                          <a:cubicBezTo>
-                            <a:pt x="59765" y="62230"/>
-                            <a:pt x="-2465" y="124460"/>
-                            <a:pt x="75" y="175260"/>
-                          </a:cubicBezTo>
-                          <a:cubicBezTo>
-                            <a:pt x="2615" y="226060"/>
-                            <a:pt x="129615" y="261620"/>
-                            <a:pt x="137235" y="304800"/>
-                          </a:cubicBezTo>
-                          <a:cubicBezTo>
-                            <a:pt x="144855" y="347980"/>
-                            <a:pt x="40715" y="392430"/>
-                            <a:pt x="45795" y="434340"/>
-                          </a:cubicBezTo>
-                          <a:cubicBezTo>
-                            <a:pt x="50875" y="476250"/>
-                            <a:pt x="165175" y="506730"/>
-                            <a:pt x="167715" y="556260"/>
-                          </a:cubicBezTo>
-                          <a:cubicBezTo>
-                            <a:pt x="170255" y="605790"/>
-                            <a:pt x="64845" y="689610"/>
-                            <a:pt x="61035" y="731520"/>
-                          </a:cubicBezTo>
-                          <a:cubicBezTo>
-                            <a:pt x="57225" y="773430"/>
-                            <a:pt x="125805" y="795020"/>
-                            <a:pt x="144855" y="807720"/>
-                          </a:cubicBezTo>
-                        </a:path>
-                      </a:pathLst>
-                    </a:custGeom>
-                    <a:noFill/>
-                    <a:ln>
-                      <a:solidFill>
-                        <a:schemeClr val="tx1"/>
-                      </a:solidFill>
-                    </a:ln>
-                  </p:spPr>
-                  <p:style>
-                    <a:lnRef idx="2">
-                      <a:schemeClr val="accent1">
-                        <a:shade val="50000"/>
-                      </a:schemeClr>
-                    </a:lnRef>
-                    <a:fillRef idx="1">
-                      <a:schemeClr val="accent1"/>
-                    </a:fillRef>
-                    <a:effectRef idx="0">
-                      <a:schemeClr val="accent1"/>
-                    </a:effectRef>
-                    <a:fontRef idx="minor">
-                      <a:schemeClr val="lt1"/>
-                    </a:fontRef>
-                  </p:style>
-                  <p:txBody>
-                    <a:bodyPr rtlCol="0" anchor="ctr"/>
-                    <a:lstStyle/>
-                    <a:p>
-                      <a:pPr algn="ctr"/>
-                      <a:endParaRPr lang="en-US"/>
-                    </a:p>
-                  </p:txBody>
-                </p:sp>
-                <p:sp>
-                  <p:nvSpPr>
-                    <p:cNvPr id="119" name="Freeform 118"/>
-                    <p:cNvSpPr/>
-                    <p:nvPr/>
-                  </p:nvSpPr>
-                  <p:spPr>
-                    <a:xfrm>
-                      <a:off x="8063687" y="3197160"/>
-                      <a:ext cx="108243" cy="434340"/>
-                    </a:xfrm>
-                    <a:custGeom>
-                      <a:avLst/>
-                      <a:gdLst>
-                        <a:gd name="connsiteX0" fmla="*/ 121995 w 167760"/>
-                        <a:gd name="connsiteY0" fmla="*/ 0 h 807720"/>
-                        <a:gd name="connsiteX1" fmla="*/ 75 w 167760"/>
-                        <a:gd name="connsiteY1" fmla="*/ 175260 h 807720"/>
-                        <a:gd name="connsiteX2" fmla="*/ 137235 w 167760"/>
-                        <a:gd name="connsiteY2" fmla="*/ 304800 h 807720"/>
-                        <a:gd name="connsiteX3" fmla="*/ 45795 w 167760"/>
-                        <a:gd name="connsiteY3" fmla="*/ 434340 h 807720"/>
-                        <a:gd name="connsiteX4" fmla="*/ 167715 w 167760"/>
-                        <a:gd name="connsiteY4" fmla="*/ 556260 h 807720"/>
-                        <a:gd name="connsiteX5" fmla="*/ 61035 w 167760"/>
-                        <a:gd name="connsiteY5" fmla="*/ 731520 h 807720"/>
-                        <a:gd name="connsiteX6" fmla="*/ 144855 w 167760"/>
-                        <a:gd name="connsiteY6" fmla="*/ 807720 h 807720"/>
-                      </a:gdLst>
-                      <a:ahLst/>
-                      <a:cxnLst>
-                        <a:cxn ang="0">
-                          <a:pos x="connsiteX0" y="connsiteY0"/>
-                        </a:cxn>
-                        <a:cxn ang="0">
-                          <a:pos x="connsiteX1" y="connsiteY1"/>
-                        </a:cxn>
-                        <a:cxn ang="0">
-                          <a:pos x="connsiteX2" y="connsiteY2"/>
-                        </a:cxn>
-                        <a:cxn ang="0">
-                          <a:pos x="connsiteX3" y="connsiteY3"/>
-                        </a:cxn>
-                        <a:cxn ang="0">
-                          <a:pos x="connsiteX4" y="connsiteY4"/>
-                        </a:cxn>
-                        <a:cxn ang="0">
-                          <a:pos x="connsiteX5" y="connsiteY5"/>
-                        </a:cxn>
-                        <a:cxn ang="0">
-                          <a:pos x="connsiteX6" y="connsiteY6"/>
-                        </a:cxn>
-                      </a:cxnLst>
-                      <a:rect l="l" t="t" r="r" b="b"/>
-                      <a:pathLst>
-                        <a:path w="167760" h="807720">
-                          <a:moveTo>
-                            <a:pt x="121995" y="0"/>
-                          </a:moveTo>
-                          <a:cubicBezTo>
-                            <a:pt x="59765" y="62230"/>
-                            <a:pt x="-2465" y="124460"/>
-                            <a:pt x="75" y="175260"/>
-                          </a:cubicBezTo>
-                          <a:cubicBezTo>
-                            <a:pt x="2615" y="226060"/>
-                            <a:pt x="129615" y="261620"/>
-                            <a:pt x="137235" y="304800"/>
-                          </a:cubicBezTo>
-                          <a:cubicBezTo>
-                            <a:pt x="144855" y="347980"/>
-                            <a:pt x="40715" y="392430"/>
-                            <a:pt x="45795" y="434340"/>
-                          </a:cubicBezTo>
-                          <a:cubicBezTo>
-                            <a:pt x="50875" y="476250"/>
-                            <a:pt x="165175" y="506730"/>
-                            <a:pt x="167715" y="556260"/>
-                          </a:cubicBezTo>
-                          <a:cubicBezTo>
-                            <a:pt x="170255" y="605790"/>
-                            <a:pt x="64845" y="689610"/>
-                            <a:pt x="61035" y="731520"/>
-                          </a:cubicBezTo>
-                          <a:cubicBezTo>
-                            <a:pt x="57225" y="773430"/>
-                            <a:pt x="125805" y="795020"/>
-                            <a:pt x="144855" y="807720"/>
-                          </a:cubicBezTo>
-                        </a:path>
-                      </a:pathLst>
-                    </a:custGeom>
-                    <a:noFill/>
-                    <a:ln>
-                      <a:solidFill>
-                        <a:schemeClr val="tx1"/>
-                      </a:solidFill>
-                    </a:ln>
-                  </p:spPr>
-                  <p:style>
-                    <a:lnRef idx="2">
-                      <a:schemeClr val="accent1">
-                        <a:shade val="50000"/>
-                      </a:schemeClr>
-                    </a:lnRef>
-                    <a:fillRef idx="1">
-                      <a:schemeClr val="accent1"/>
-                    </a:fillRef>
-                    <a:effectRef idx="0">
-                      <a:schemeClr val="accent1"/>
-                    </a:effectRef>
-                    <a:fontRef idx="minor">
-                      <a:schemeClr val="lt1"/>
-                    </a:fontRef>
-                  </p:style>
-                  <p:txBody>
-                    <a:bodyPr rtlCol="0" anchor="ctr"/>
-                    <a:lstStyle/>
-                    <a:p>
-                      <a:pPr algn="ctr"/>
-                      <a:endParaRPr lang="en-US"/>
-                    </a:p>
-                  </p:txBody>
-                </p:sp>
-              </p:grpSp>
-              <p:grpSp>
-                <p:nvGrpSpPr>
-                  <p:cNvPr id="101" name="Group 100"/>
-                  <p:cNvGrpSpPr/>
-                  <p:nvPr/>
-                </p:nvGrpSpPr>
-                <p:grpSpPr>
-                  <a:xfrm>
-                    <a:off x="3401683" y="3027189"/>
-                    <a:ext cx="2448272" cy="2053399"/>
-                    <a:chOff x="6131218" y="3068960"/>
-                    <a:chExt cx="2448272" cy="2053399"/>
-                  </a:xfrm>
-                </p:grpSpPr>
-                <p:sp>
-                  <p:nvSpPr>
-                    <p:cNvPr id="102" name="Rectangle 101"/>
-                    <p:cNvSpPr/>
-                    <p:nvPr/>
-                  </p:nvSpPr>
-                  <p:spPr>
-                    <a:xfrm>
-                      <a:off x="6131218" y="3068960"/>
-                      <a:ext cx="2448272" cy="2053399"/>
-                    </a:xfrm>
-                    <a:prstGeom prst="rect">
-                      <a:avLst/>
-                    </a:prstGeom>
-                    <a:solidFill>
-                      <a:schemeClr val="accent6">
-                        <a:lumMod val="20000"/>
-                        <a:lumOff val="80000"/>
-                      </a:schemeClr>
-                    </a:solidFill>
-                    <a:ln>
-                      <a:solidFill>
-                        <a:schemeClr val="tx1"/>
-                      </a:solidFill>
-                    </a:ln>
-                  </p:spPr>
-                  <p:style>
-                    <a:lnRef idx="2">
-                      <a:schemeClr val="accent1">
-                        <a:shade val="50000"/>
-                      </a:schemeClr>
-                    </a:lnRef>
-                    <a:fillRef idx="1">
-                      <a:schemeClr val="accent1"/>
-                    </a:fillRef>
-                    <a:effectRef idx="0">
-                      <a:schemeClr val="accent1"/>
-                    </a:effectRef>
-                    <a:fontRef idx="minor">
-                      <a:schemeClr val="lt1"/>
-                    </a:fontRef>
-                  </p:style>
-                  <p:txBody>
-                    <a:bodyPr rtlCol="0" anchor="ctr"/>
-                    <a:lstStyle/>
-                    <a:p>
-                      <a:pPr algn="ctr"/>
-                      <a:endParaRPr lang="en-US"/>
-                    </a:p>
-                  </p:txBody>
-                </p:sp>
-                <p:sp>
-                  <p:nvSpPr>
-                    <p:cNvPr id="103" name="Oval 102"/>
-                    <p:cNvSpPr/>
-                    <p:nvPr/>
-                  </p:nvSpPr>
-                  <p:spPr>
-                    <a:xfrm>
-                      <a:off x="6189008" y="3507100"/>
-                      <a:ext cx="1008112" cy="888112"/>
-                    </a:xfrm>
-                    <a:prstGeom prst="ellipse">
-                      <a:avLst/>
-                    </a:prstGeom>
-                    <a:solidFill>
-                      <a:schemeClr val="accent6">
-                        <a:lumMod val="60000"/>
-                        <a:lumOff val="40000"/>
-                      </a:schemeClr>
-                    </a:solidFill>
-                    <a:ln>
-                      <a:solidFill>
-                        <a:schemeClr val="tx1">
-                          <a:lumMod val="95000"/>
-                          <a:lumOff val="5000"/>
-                        </a:schemeClr>
-                      </a:solidFill>
-                    </a:ln>
-                  </p:spPr>
-                  <p:style>
-                    <a:lnRef idx="2">
-                      <a:schemeClr val="accent1">
-                        <a:shade val="50000"/>
-                      </a:schemeClr>
-                    </a:lnRef>
-                    <a:fillRef idx="1">
-                      <a:schemeClr val="accent1"/>
-                    </a:fillRef>
-                    <a:effectRef idx="0">
-                      <a:schemeClr val="accent1"/>
-                    </a:effectRef>
-                    <a:fontRef idx="minor">
-                      <a:schemeClr val="lt1"/>
-                    </a:fontRef>
-                  </p:style>
-                  <p:txBody>
-                    <a:bodyPr rtlCol="0" anchor="ctr"/>
-                    <a:lstStyle/>
-                    <a:p>
-                      <a:pPr algn="ctr"/>
-                      <a:r>
-                        <a:rPr lang="en-US" sz="1000" dirty="0" smtClean="0"/>
-                        <a:t>Core 3</a:t>
-                      </a:r>
-                      <a:endParaRPr lang="en-US" sz="1000" dirty="0"/>
-                    </a:p>
-                  </p:txBody>
-                </p:sp>
-                <p:sp>
-                  <p:nvSpPr>
-                    <p:cNvPr id="104" name="Oval 103"/>
-                    <p:cNvSpPr/>
-                    <p:nvPr/>
-                  </p:nvSpPr>
-                  <p:spPr>
-                    <a:xfrm>
-                      <a:off x="7488093" y="3507100"/>
-                      <a:ext cx="1008112" cy="888112"/>
-                    </a:xfrm>
-                    <a:prstGeom prst="ellipse">
-                      <a:avLst/>
-                    </a:prstGeom>
-                    <a:solidFill>
-                      <a:schemeClr val="accent6">
-                        <a:lumMod val="60000"/>
-                        <a:lumOff val="40000"/>
-                      </a:schemeClr>
-                    </a:solidFill>
-                    <a:ln>
-                      <a:solidFill>
-                        <a:schemeClr val="tx1">
-                          <a:lumMod val="95000"/>
-                          <a:lumOff val="5000"/>
-                        </a:schemeClr>
-                      </a:solidFill>
-                    </a:ln>
-                  </p:spPr>
-                  <p:style>
-                    <a:lnRef idx="2">
-                      <a:schemeClr val="accent1">
-                        <a:shade val="50000"/>
-                      </a:schemeClr>
-                    </a:lnRef>
-                    <a:fillRef idx="1">
-                      <a:schemeClr val="accent1"/>
-                    </a:fillRef>
-                    <a:effectRef idx="0">
-                      <a:schemeClr val="accent1"/>
-                    </a:effectRef>
-                    <a:fontRef idx="minor">
-                      <a:schemeClr val="lt1"/>
-                    </a:fontRef>
-                  </p:style>
-                  <p:txBody>
-                    <a:bodyPr rtlCol="0" anchor="ctr"/>
-                    <a:lstStyle/>
-                    <a:p>
-                      <a:pPr algn="ctr"/>
-                      <a:r>
-                        <a:rPr lang="en-US" sz="1000" dirty="0" smtClean="0"/>
-                        <a:t>Core 4</a:t>
-                      </a:r>
-                      <a:endParaRPr lang="en-US" sz="1000" dirty="0"/>
-                    </a:p>
-                  </p:txBody>
-                </p:sp>
-                <p:sp>
-                  <p:nvSpPr>
-                    <p:cNvPr id="105" name="Rectangle 104"/>
-                    <p:cNvSpPr/>
-                    <p:nvPr/>
-                  </p:nvSpPr>
-                  <p:spPr>
-                    <a:xfrm>
-                      <a:off x="6189008" y="4411960"/>
-                      <a:ext cx="1008112" cy="288032"/>
-                    </a:xfrm>
-                    <a:prstGeom prst="rect">
-                      <a:avLst/>
-                    </a:prstGeom>
-                    <a:solidFill>
-                      <a:schemeClr val="accent4">
-                        <a:lumMod val="50000"/>
-                        <a:lumOff val="50000"/>
-                      </a:schemeClr>
-                    </a:solidFill>
-                    <a:ln>
-                      <a:solidFill>
-                        <a:schemeClr val="tx1"/>
-                      </a:solidFill>
-                    </a:ln>
-                  </p:spPr>
-                  <p:style>
-                    <a:lnRef idx="2">
-                      <a:schemeClr val="accent1">
-                        <a:shade val="50000"/>
-                      </a:schemeClr>
-                    </a:lnRef>
-                    <a:fillRef idx="1">
-                      <a:schemeClr val="accent1"/>
-                    </a:fillRef>
-                    <a:effectRef idx="0">
-                      <a:schemeClr val="accent1"/>
-                    </a:effectRef>
-                    <a:fontRef idx="minor">
-                      <a:schemeClr val="lt1"/>
-                    </a:fontRef>
-                  </p:style>
-                  <p:txBody>
-                    <a:bodyPr rtlCol="0" anchor="ctr"/>
-                    <a:lstStyle/>
-                    <a:p>
-                      <a:pPr algn="ctr"/>
-                      <a:r>
-                        <a:rPr lang="en-US" sz="800" dirty="0" smtClean="0"/>
-                        <a:t>L1 Cache</a:t>
-                      </a:r>
-                      <a:endParaRPr lang="en-US" sz="800" dirty="0"/>
-                    </a:p>
-                  </p:txBody>
-                </p:sp>
-                <p:sp>
-                  <p:nvSpPr>
-                    <p:cNvPr id="106" name="Rectangle 105"/>
-                    <p:cNvSpPr/>
-                    <p:nvPr/>
-                  </p:nvSpPr>
-                  <p:spPr>
-                    <a:xfrm>
-                      <a:off x="7482290" y="4411960"/>
-                      <a:ext cx="1008112" cy="288032"/>
-                    </a:xfrm>
-                    <a:prstGeom prst="rect">
-                      <a:avLst/>
-                    </a:prstGeom>
-                    <a:solidFill>
-                      <a:schemeClr val="accent4">
-                        <a:lumMod val="50000"/>
-                        <a:lumOff val="50000"/>
-                      </a:schemeClr>
-                    </a:solidFill>
-                    <a:ln>
-                      <a:solidFill>
-                        <a:schemeClr val="tx1"/>
-                      </a:solidFill>
-                    </a:ln>
-                  </p:spPr>
-                  <p:style>
-                    <a:lnRef idx="2">
-                      <a:schemeClr val="accent1">
-                        <a:shade val="50000"/>
-                      </a:schemeClr>
-                    </a:lnRef>
-                    <a:fillRef idx="1">
-                      <a:schemeClr val="accent1"/>
-                    </a:fillRef>
-                    <a:effectRef idx="0">
-                      <a:schemeClr val="accent1"/>
-                    </a:effectRef>
-                    <a:fontRef idx="minor">
-                      <a:schemeClr val="lt1"/>
-                    </a:fontRef>
-                  </p:style>
-                  <p:txBody>
-                    <a:bodyPr rtlCol="0" anchor="ctr"/>
-                    <a:lstStyle/>
-                    <a:p>
-                      <a:pPr algn="ctr"/>
-                      <a:r>
-                        <a:rPr lang="en-US" sz="800" dirty="0" smtClean="0"/>
-                        <a:t>L1 Cache</a:t>
-                      </a:r>
-                      <a:endParaRPr lang="en-US" sz="800" dirty="0"/>
-                    </a:p>
-                  </p:txBody>
-                </p:sp>
-                <p:sp>
-                  <p:nvSpPr>
-                    <p:cNvPr id="107" name="Freeform 106"/>
-                    <p:cNvSpPr/>
-                    <p:nvPr/>
-                  </p:nvSpPr>
-                  <p:spPr>
-                    <a:xfrm>
-                      <a:off x="6500723" y="3182739"/>
-                      <a:ext cx="108243" cy="434340"/>
-                    </a:xfrm>
-                    <a:custGeom>
-                      <a:avLst/>
-                      <a:gdLst>
-                        <a:gd name="connsiteX0" fmla="*/ 121995 w 167760"/>
-                        <a:gd name="connsiteY0" fmla="*/ 0 h 807720"/>
-                        <a:gd name="connsiteX1" fmla="*/ 75 w 167760"/>
-                        <a:gd name="connsiteY1" fmla="*/ 175260 h 807720"/>
-                        <a:gd name="connsiteX2" fmla="*/ 137235 w 167760"/>
-                        <a:gd name="connsiteY2" fmla="*/ 304800 h 807720"/>
-                        <a:gd name="connsiteX3" fmla="*/ 45795 w 167760"/>
-                        <a:gd name="connsiteY3" fmla="*/ 434340 h 807720"/>
-                        <a:gd name="connsiteX4" fmla="*/ 167715 w 167760"/>
-                        <a:gd name="connsiteY4" fmla="*/ 556260 h 807720"/>
-                        <a:gd name="connsiteX5" fmla="*/ 61035 w 167760"/>
-                        <a:gd name="connsiteY5" fmla="*/ 731520 h 807720"/>
-                        <a:gd name="connsiteX6" fmla="*/ 144855 w 167760"/>
-                        <a:gd name="connsiteY6" fmla="*/ 807720 h 807720"/>
-                      </a:gdLst>
-                      <a:ahLst/>
-                      <a:cxnLst>
-                        <a:cxn ang="0">
-                          <a:pos x="connsiteX0" y="connsiteY0"/>
-                        </a:cxn>
-                        <a:cxn ang="0">
-                          <a:pos x="connsiteX1" y="connsiteY1"/>
-                        </a:cxn>
-                        <a:cxn ang="0">
-                          <a:pos x="connsiteX2" y="connsiteY2"/>
-                        </a:cxn>
-                        <a:cxn ang="0">
-                          <a:pos x="connsiteX3" y="connsiteY3"/>
-                        </a:cxn>
-                        <a:cxn ang="0">
-                          <a:pos x="connsiteX4" y="connsiteY4"/>
-                        </a:cxn>
-                        <a:cxn ang="0">
-                          <a:pos x="connsiteX5" y="connsiteY5"/>
-                        </a:cxn>
-                        <a:cxn ang="0">
-                          <a:pos x="connsiteX6" y="connsiteY6"/>
-                        </a:cxn>
-                      </a:cxnLst>
-                      <a:rect l="l" t="t" r="r" b="b"/>
-                      <a:pathLst>
-                        <a:path w="167760" h="807720">
-                          <a:moveTo>
-                            <a:pt x="121995" y="0"/>
-                          </a:moveTo>
-                          <a:cubicBezTo>
-                            <a:pt x="59765" y="62230"/>
-                            <a:pt x="-2465" y="124460"/>
-                            <a:pt x="75" y="175260"/>
-                          </a:cubicBezTo>
-                          <a:cubicBezTo>
-                            <a:pt x="2615" y="226060"/>
-                            <a:pt x="129615" y="261620"/>
-                            <a:pt x="137235" y="304800"/>
-                          </a:cubicBezTo>
-                          <a:cubicBezTo>
-                            <a:pt x="144855" y="347980"/>
-                            <a:pt x="40715" y="392430"/>
-                            <a:pt x="45795" y="434340"/>
-                          </a:cubicBezTo>
-                          <a:cubicBezTo>
-                            <a:pt x="50875" y="476250"/>
-                            <a:pt x="165175" y="506730"/>
-                            <a:pt x="167715" y="556260"/>
-                          </a:cubicBezTo>
-                          <a:cubicBezTo>
-                            <a:pt x="170255" y="605790"/>
-                            <a:pt x="64845" y="689610"/>
-                            <a:pt x="61035" y="731520"/>
-                          </a:cubicBezTo>
-                          <a:cubicBezTo>
-                            <a:pt x="57225" y="773430"/>
-                            <a:pt x="125805" y="795020"/>
-                            <a:pt x="144855" y="807720"/>
-                          </a:cubicBezTo>
-                        </a:path>
-                      </a:pathLst>
-                    </a:custGeom>
-                    <a:noFill/>
-                    <a:ln>
-                      <a:solidFill>
-                        <a:schemeClr val="tx1"/>
-                      </a:solidFill>
-                    </a:ln>
-                  </p:spPr>
-                  <p:style>
-                    <a:lnRef idx="2">
-                      <a:schemeClr val="accent1">
-                        <a:shade val="50000"/>
-                      </a:schemeClr>
-                    </a:lnRef>
-                    <a:fillRef idx="1">
-                      <a:schemeClr val="accent1"/>
-                    </a:fillRef>
-                    <a:effectRef idx="0">
-                      <a:schemeClr val="accent1"/>
-                    </a:effectRef>
-                    <a:fontRef idx="minor">
-                      <a:schemeClr val="lt1"/>
-                    </a:fontRef>
-                  </p:style>
-                  <p:txBody>
-                    <a:bodyPr rtlCol="0" anchor="ctr"/>
-                    <a:lstStyle/>
-                    <a:p>
-                      <a:pPr algn="ctr"/>
-                      <a:endParaRPr lang="en-US"/>
-                    </a:p>
-                  </p:txBody>
-                </p:sp>
-                <p:sp>
-                  <p:nvSpPr>
-                    <p:cNvPr id="108" name="Freeform 107"/>
-                    <p:cNvSpPr/>
-                    <p:nvPr/>
-                  </p:nvSpPr>
-                  <p:spPr>
-                    <a:xfrm>
-                      <a:off x="6662625" y="3182739"/>
-                      <a:ext cx="108243" cy="434340"/>
-                    </a:xfrm>
-                    <a:custGeom>
-                      <a:avLst/>
-                      <a:gdLst>
-                        <a:gd name="connsiteX0" fmla="*/ 121995 w 167760"/>
-                        <a:gd name="connsiteY0" fmla="*/ 0 h 807720"/>
-                        <a:gd name="connsiteX1" fmla="*/ 75 w 167760"/>
-                        <a:gd name="connsiteY1" fmla="*/ 175260 h 807720"/>
-                        <a:gd name="connsiteX2" fmla="*/ 137235 w 167760"/>
-                        <a:gd name="connsiteY2" fmla="*/ 304800 h 807720"/>
-                        <a:gd name="connsiteX3" fmla="*/ 45795 w 167760"/>
-                        <a:gd name="connsiteY3" fmla="*/ 434340 h 807720"/>
-                        <a:gd name="connsiteX4" fmla="*/ 167715 w 167760"/>
-                        <a:gd name="connsiteY4" fmla="*/ 556260 h 807720"/>
-                        <a:gd name="connsiteX5" fmla="*/ 61035 w 167760"/>
-                        <a:gd name="connsiteY5" fmla="*/ 731520 h 807720"/>
-                        <a:gd name="connsiteX6" fmla="*/ 144855 w 167760"/>
-                        <a:gd name="connsiteY6" fmla="*/ 807720 h 807720"/>
-                      </a:gdLst>
-                      <a:ahLst/>
-                      <a:cxnLst>
-                        <a:cxn ang="0">
-                          <a:pos x="connsiteX0" y="connsiteY0"/>
-                        </a:cxn>
-                        <a:cxn ang="0">
-                          <a:pos x="connsiteX1" y="connsiteY1"/>
-                        </a:cxn>
-                        <a:cxn ang="0">
-                          <a:pos x="connsiteX2" y="connsiteY2"/>
-                        </a:cxn>
-                        <a:cxn ang="0">
-                          <a:pos x="connsiteX3" y="connsiteY3"/>
-                        </a:cxn>
-                        <a:cxn ang="0">
-                          <a:pos x="connsiteX4" y="connsiteY4"/>
-                        </a:cxn>
-                        <a:cxn ang="0">
-                          <a:pos x="connsiteX5" y="connsiteY5"/>
-                        </a:cxn>
-                        <a:cxn ang="0">
-                          <a:pos x="connsiteX6" y="connsiteY6"/>
-                        </a:cxn>
-                      </a:cxnLst>
-                      <a:rect l="l" t="t" r="r" b="b"/>
-                      <a:pathLst>
-                        <a:path w="167760" h="807720">
-                          <a:moveTo>
-                            <a:pt x="121995" y="0"/>
-                          </a:moveTo>
-                          <a:cubicBezTo>
-                            <a:pt x="59765" y="62230"/>
-                            <a:pt x="-2465" y="124460"/>
-                            <a:pt x="75" y="175260"/>
-                          </a:cubicBezTo>
-                          <a:cubicBezTo>
-                            <a:pt x="2615" y="226060"/>
-                            <a:pt x="129615" y="261620"/>
-                            <a:pt x="137235" y="304800"/>
-                          </a:cubicBezTo>
-                          <a:cubicBezTo>
-                            <a:pt x="144855" y="347980"/>
-                            <a:pt x="40715" y="392430"/>
-                            <a:pt x="45795" y="434340"/>
-                          </a:cubicBezTo>
-                          <a:cubicBezTo>
-                            <a:pt x="50875" y="476250"/>
-                            <a:pt x="165175" y="506730"/>
-                            <a:pt x="167715" y="556260"/>
-                          </a:cubicBezTo>
-                          <a:cubicBezTo>
-                            <a:pt x="170255" y="605790"/>
-                            <a:pt x="64845" y="689610"/>
-                            <a:pt x="61035" y="731520"/>
-                          </a:cubicBezTo>
-                          <a:cubicBezTo>
-                            <a:pt x="57225" y="773430"/>
-                            <a:pt x="125805" y="795020"/>
-                            <a:pt x="144855" y="807720"/>
-                          </a:cubicBezTo>
-                        </a:path>
-                      </a:pathLst>
-                    </a:custGeom>
-                    <a:noFill/>
-                    <a:ln>
-                      <a:solidFill>
-                        <a:schemeClr val="tx1"/>
-                      </a:solidFill>
-                    </a:ln>
-                  </p:spPr>
-                  <p:style>
-                    <a:lnRef idx="2">
-                      <a:schemeClr val="accent1">
-                        <a:shade val="50000"/>
-                      </a:schemeClr>
-                    </a:lnRef>
-                    <a:fillRef idx="1">
-                      <a:schemeClr val="accent1"/>
-                    </a:fillRef>
-                    <a:effectRef idx="0">
-                      <a:schemeClr val="accent1"/>
-                    </a:effectRef>
-                    <a:fontRef idx="minor">
-                      <a:schemeClr val="lt1"/>
-                    </a:fontRef>
-                  </p:style>
-                  <p:txBody>
-                    <a:bodyPr rtlCol="0" anchor="ctr"/>
-                    <a:lstStyle/>
-                    <a:p>
-                      <a:pPr algn="ctr"/>
-                      <a:endParaRPr lang="en-US"/>
-                    </a:p>
-                  </p:txBody>
-                </p:sp>
-                <p:sp>
-                  <p:nvSpPr>
-                    <p:cNvPr id="109" name="Freeform 108"/>
-                    <p:cNvSpPr/>
-                    <p:nvPr/>
-                  </p:nvSpPr>
-                  <p:spPr>
-                    <a:xfrm>
-                      <a:off x="7755281" y="3203699"/>
-                      <a:ext cx="108243" cy="434340"/>
-                    </a:xfrm>
-                    <a:custGeom>
-                      <a:avLst/>
-                      <a:gdLst>
-                        <a:gd name="connsiteX0" fmla="*/ 121995 w 167760"/>
-                        <a:gd name="connsiteY0" fmla="*/ 0 h 807720"/>
-                        <a:gd name="connsiteX1" fmla="*/ 75 w 167760"/>
-                        <a:gd name="connsiteY1" fmla="*/ 175260 h 807720"/>
-                        <a:gd name="connsiteX2" fmla="*/ 137235 w 167760"/>
-                        <a:gd name="connsiteY2" fmla="*/ 304800 h 807720"/>
-                        <a:gd name="connsiteX3" fmla="*/ 45795 w 167760"/>
-                        <a:gd name="connsiteY3" fmla="*/ 434340 h 807720"/>
-                        <a:gd name="connsiteX4" fmla="*/ 167715 w 167760"/>
-                        <a:gd name="connsiteY4" fmla="*/ 556260 h 807720"/>
-                        <a:gd name="connsiteX5" fmla="*/ 61035 w 167760"/>
-                        <a:gd name="connsiteY5" fmla="*/ 731520 h 807720"/>
-                        <a:gd name="connsiteX6" fmla="*/ 144855 w 167760"/>
-                        <a:gd name="connsiteY6" fmla="*/ 807720 h 807720"/>
-                      </a:gdLst>
-                      <a:ahLst/>
-                      <a:cxnLst>
-                        <a:cxn ang="0">
-                          <a:pos x="connsiteX0" y="connsiteY0"/>
-                        </a:cxn>
-                        <a:cxn ang="0">
-                          <a:pos x="connsiteX1" y="connsiteY1"/>
-                        </a:cxn>
-                        <a:cxn ang="0">
-                          <a:pos x="connsiteX2" y="connsiteY2"/>
-                        </a:cxn>
-                        <a:cxn ang="0">
-                          <a:pos x="connsiteX3" y="connsiteY3"/>
-                        </a:cxn>
-                        <a:cxn ang="0">
-                          <a:pos x="connsiteX4" y="connsiteY4"/>
-                        </a:cxn>
-                        <a:cxn ang="0">
-                          <a:pos x="connsiteX5" y="connsiteY5"/>
-                        </a:cxn>
-                        <a:cxn ang="0">
-                          <a:pos x="connsiteX6" y="connsiteY6"/>
-                        </a:cxn>
-                      </a:cxnLst>
-                      <a:rect l="l" t="t" r="r" b="b"/>
-                      <a:pathLst>
-                        <a:path w="167760" h="807720">
-                          <a:moveTo>
-                            <a:pt x="121995" y="0"/>
-                          </a:moveTo>
-                          <a:cubicBezTo>
-                            <a:pt x="59765" y="62230"/>
-                            <a:pt x="-2465" y="124460"/>
-                            <a:pt x="75" y="175260"/>
-                          </a:cubicBezTo>
-                          <a:cubicBezTo>
-                            <a:pt x="2615" y="226060"/>
-                            <a:pt x="129615" y="261620"/>
-                            <a:pt x="137235" y="304800"/>
-                          </a:cubicBezTo>
-                          <a:cubicBezTo>
-                            <a:pt x="144855" y="347980"/>
-                            <a:pt x="40715" y="392430"/>
-                            <a:pt x="45795" y="434340"/>
-                          </a:cubicBezTo>
-                          <a:cubicBezTo>
-                            <a:pt x="50875" y="476250"/>
-                            <a:pt x="165175" y="506730"/>
-                            <a:pt x="167715" y="556260"/>
-                          </a:cubicBezTo>
-                          <a:cubicBezTo>
-                            <a:pt x="170255" y="605790"/>
-                            <a:pt x="64845" y="689610"/>
-                            <a:pt x="61035" y="731520"/>
-                          </a:cubicBezTo>
-                          <a:cubicBezTo>
-                            <a:pt x="57225" y="773430"/>
-                            <a:pt x="125805" y="795020"/>
-                            <a:pt x="144855" y="807720"/>
-                          </a:cubicBezTo>
-                        </a:path>
-                      </a:pathLst>
-                    </a:custGeom>
-                    <a:noFill/>
-                    <a:ln>
-                      <a:solidFill>
-                        <a:schemeClr val="tx1"/>
-                      </a:solidFill>
-                    </a:ln>
-                  </p:spPr>
-                  <p:style>
-                    <a:lnRef idx="2">
-                      <a:schemeClr val="accent1">
-                        <a:shade val="50000"/>
-                      </a:schemeClr>
-                    </a:lnRef>
-                    <a:fillRef idx="1">
-                      <a:schemeClr val="accent1"/>
-                    </a:fillRef>
-                    <a:effectRef idx="0">
-                      <a:schemeClr val="accent1"/>
-                    </a:effectRef>
-                    <a:fontRef idx="minor">
-                      <a:schemeClr val="lt1"/>
-                    </a:fontRef>
-                  </p:style>
-                  <p:txBody>
-                    <a:bodyPr rtlCol="0" anchor="ctr"/>
-                    <a:lstStyle/>
-                    <a:p>
-                      <a:pPr algn="ctr"/>
-                      <a:endParaRPr lang="en-US"/>
-                    </a:p>
-                  </p:txBody>
-                </p:sp>
-                <p:sp>
-                  <p:nvSpPr>
-                    <p:cNvPr id="110" name="Freeform 109"/>
-                    <p:cNvSpPr/>
-                    <p:nvPr/>
-                  </p:nvSpPr>
-                  <p:spPr>
-                    <a:xfrm>
-                      <a:off x="7970385" y="3203699"/>
-                      <a:ext cx="108243" cy="434340"/>
-                    </a:xfrm>
-                    <a:custGeom>
-                      <a:avLst/>
-                      <a:gdLst>
-                        <a:gd name="connsiteX0" fmla="*/ 121995 w 167760"/>
-                        <a:gd name="connsiteY0" fmla="*/ 0 h 807720"/>
-                        <a:gd name="connsiteX1" fmla="*/ 75 w 167760"/>
-                        <a:gd name="connsiteY1" fmla="*/ 175260 h 807720"/>
-                        <a:gd name="connsiteX2" fmla="*/ 137235 w 167760"/>
-                        <a:gd name="connsiteY2" fmla="*/ 304800 h 807720"/>
-                        <a:gd name="connsiteX3" fmla="*/ 45795 w 167760"/>
-                        <a:gd name="connsiteY3" fmla="*/ 434340 h 807720"/>
-                        <a:gd name="connsiteX4" fmla="*/ 167715 w 167760"/>
-                        <a:gd name="connsiteY4" fmla="*/ 556260 h 807720"/>
-                        <a:gd name="connsiteX5" fmla="*/ 61035 w 167760"/>
-                        <a:gd name="connsiteY5" fmla="*/ 731520 h 807720"/>
-                        <a:gd name="connsiteX6" fmla="*/ 144855 w 167760"/>
-                        <a:gd name="connsiteY6" fmla="*/ 807720 h 807720"/>
-                      </a:gdLst>
-                      <a:ahLst/>
-                      <a:cxnLst>
-                        <a:cxn ang="0">
-                          <a:pos x="connsiteX0" y="connsiteY0"/>
-                        </a:cxn>
-                        <a:cxn ang="0">
-                          <a:pos x="connsiteX1" y="connsiteY1"/>
-                        </a:cxn>
-                        <a:cxn ang="0">
-                          <a:pos x="connsiteX2" y="connsiteY2"/>
-                        </a:cxn>
-                        <a:cxn ang="0">
-                          <a:pos x="connsiteX3" y="connsiteY3"/>
-                        </a:cxn>
-                        <a:cxn ang="0">
-                          <a:pos x="connsiteX4" y="connsiteY4"/>
-                        </a:cxn>
-                        <a:cxn ang="0">
-                          <a:pos x="connsiteX5" y="connsiteY5"/>
-                        </a:cxn>
-                        <a:cxn ang="0">
-                          <a:pos x="connsiteX6" y="connsiteY6"/>
-                        </a:cxn>
-                      </a:cxnLst>
-                      <a:rect l="l" t="t" r="r" b="b"/>
-                      <a:pathLst>
-                        <a:path w="167760" h="807720">
-                          <a:moveTo>
-                            <a:pt x="121995" y="0"/>
-                          </a:moveTo>
-                          <a:cubicBezTo>
-                            <a:pt x="59765" y="62230"/>
-                            <a:pt x="-2465" y="124460"/>
-                            <a:pt x="75" y="175260"/>
-                          </a:cubicBezTo>
-                          <a:cubicBezTo>
-                            <a:pt x="2615" y="226060"/>
-                            <a:pt x="129615" y="261620"/>
-                            <a:pt x="137235" y="304800"/>
-                          </a:cubicBezTo>
-                          <a:cubicBezTo>
-                            <a:pt x="144855" y="347980"/>
-                            <a:pt x="40715" y="392430"/>
-                            <a:pt x="45795" y="434340"/>
-                          </a:cubicBezTo>
-                          <a:cubicBezTo>
-                            <a:pt x="50875" y="476250"/>
-                            <a:pt x="165175" y="506730"/>
-                            <a:pt x="167715" y="556260"/>
-                          </a:cubicBezTo>
-                          <a:cubicBezTo>
-                            <a:pt x="170255" y="605790"/>
-                            <a:pt x="64845" y="689610"/>
-                            <a:pt x="61035" y="731520"/>
-                          </a:cubicBezTo>
-                          <a:cubicBezTo>
-                            <a:pt x="57225" y="773430"/>
-                            <a:pt x="125805" y="795020"/>
-                            <a:pt x="144855" y="807720"/>
-                          </a:cubicBezTo>
-                        </a:path>
-                      </a:pathLst>
-                    </a:custGeom>
-                    <a:noFill/>
-                    <a:ln>
-                      <a:solidFill>
-                        <a:schemeClr val="tx1"/>
-                      </a:solidFill>
-                    </a:ln>
-                  </p:spPr>
-                  <p:style>
-                    <a:lnRef idx="2">
-                      <a:schemeClr val="accent1">
-                        <a:shade val="50000"/>
-                      </a:schemeClr>
-                    </a:lnRef>
-                    <a:fillRef idx="1">
-                      <a:schemeClr val="accent1"/>
-                    </a:fillRef>
-                    <a:effectRef idx="0">
-                      <a:schemeClr val="accent1"/>
-                    </a:effectRef>
-                    <a:fontRef idx="minor">
-                      <a:schemeClr val="lt1"/>
-                    </a:fontRef>
-                  </p:style>
-                  <p:txBody>
-                    <a:bodyPr rtlCol="0" anchor="ctr"/>
-                    <a:lstStyle/>
-                    <a:p>
-                      <a:pPr algn="ctr"/>
-                      <a:endParaRPr lang="en-US"/>
-                    </a:p>
-                  </p:txBody>
-                </p:sp>
-              </p:grpSp>
-            </p:grpSp>
-            <p:sp>
-              <p:nvSpPr>
-                <p:cNvPr id="95" name="Rectangle 94"/>
-                <p:cNvSpPr/>
-                <p:nvPr/>
-              </p:nvSpPr>
-              <p:spPr>
-                <a:xfrm>
-                  <a:off x="4648362" y="4905698"/>
-                  <a:ext cx="2301394" cy="288032"/>
-                </a:xfrm>
-                <a:prstGeom prst="rect">
-                  <a:avLst/>
-                </a:prstGeom>
-                <a:solidFill>
-                  <a:srgbClr val="E3AE95"/>
-                </a:solidFill>
-                <a:ln>
-                  <a:solidFill>
-                    <a:schemeClr val="tx1"/>
-                  </a:solidFill>
-                </a:ln>
-              </p:spPr>
-              <p:style>
-                <a:lnRef idx="2">
-                  <a:schemeClr val="accent1">
-                    <a:shade val="50000"/>
-                  </a:schemeClr>
-                </a:lnRef>
-                <a:fillRef idx="1">
-                  <a:schemeClr val="accent1"/>
-                </a:fillRef>
-                <a:effectRef idx="0">
-                  <a:schemeClr val="accent1"/>
-                </a:effectRef>
-                <a:fontRef idx="minor">
-                  <a:schemeClr val="lt1"/>
-                </a:fontRef>
-              </p:style>
-              <p:txBody>
-                <a:bodyPr rtlCol="0" anchor="ctr"/>
-                <a:lstStyle/>
-                <a:p>
-                  <a:pPr algn="ctr"/>
-                  <a:r>
-                    <a:rPr lang="en-US" sz="1000" dirty="0"/>
-                    <a:t>L2 Cache</a:t>
-                  </a:r>
-                  <a:endParaRPr lang="en-US" sz="1000" dirty="0"/>
-                </a:p>
-              </p:txBody>
-            </p:sp>
-            <p:sp>
-              <p:nvSpPr>
-                <p:cNvPr id="96" name="Rectangle 95"/>
-                <p:cNvSpPr/>
-                <p:nvPr/>
-              </p:nvSpPr>
-              <p:spPr>
-                <a:xfrm>
-                  <a:off x="2074263" y="4899394"/>
-                  <a:ext cx="2301394" cy="288032"/>
-                </a:xfrm>
-                <a:prstGeom prst="rect">
-                  <a:avLst/>
-                </a:prstGeom>
-                <a:solidFill>
-                  <a:srgbClr val="E3AE95"/>
-                </a:solidFill>
-                <a:ln>
-                  <a:solidFill>
-                    <a:schemeClr val="tx1"/>
-                  </a:solidFill>
-                </a:ln>
-              </p:spPr>
-              <p:style>
-                <a:lnRef idx="2">
-                  <a:schemeClr val="accent1">
-                    <a:shade val="50000"/>
-                  </a:schemeClr>
-                </a:lnRef>
-                <a:fillRef idx="1">
-                  <a:schemeClr val="accent1"/>
-                </a:fillRef>
-                <a:effectRef idx="0">
-                  <a:schemeClr val="accent1"/>
-                </a:effectRef>
-                <a:fontRef idx="minor">
-                  <a:schemeClr val="lt1"/>
-                </a:fontRef>
-              </p:style>
-              <p:txBody>
-                <a:bodyPr rtlCol="0" anchor="ctr"/>
-                <a:lstStyle/>
-                <a:p>
-                  <a:pPr algn="ctr"/>
-                  <a:r>
-                    <a:rPr lang="en-US" sz="1000" dirty="0" smtClean="0"/>
-                    <a:t>L2 Cache</a:t>
-                  </a:r>
-                  <a:endParaRPr lang="en-US" sz="1000" dirty="0"/>
-                </a:p>
-              </p:txBody>
-            </p:sp>
-            <p:sp>
-              <p:nvSpPr>
-                <p:cNvPr id="97" name="Rectangle 96"/>
-                <p:cNvSpPr/>
-                <p:nvPr/>
-              </p:nvSpPr>
-              <p:spPr>
-                <a:xfrm>
-                  <a:off x="2016472" y="5367710"/>
-                  <a:ext cx="5022371" cy="288032"/>
-                </a:xfrm>
-                <a:prstGeom prst="rect">
-                  <a:avLst/>
-                </a:prstGeom>
-                <a:solidFill>
-                  <a:srgbClr val="F5A300"/>
-                </a:solidFill>
-                <a:ln>
-                  <a:solidFill>
-                    <a:schemeClr val="tx1"/>
-                  </a:solidFill>
-                </a:ln>
-              </p:spPr>
-              <p:style>
-                <a:lnRef idx="2">
-                  <a:schemeClr val="accent1">
-                    <a:shade val="50000"/>
-                  </a:schemeClr>
-                </a:lnRef>
-                <a:fillRef idx="1">
-                  <a:schemeClr val="accent1"/>
-                </a:fillRef>
-                <a:effectRef idx="0">
-                  <a:schemeClr val="accent1"/>
-                </a:effectRef>
-                <a:fontRef idx="minor">
-                  <a:schemeClr val="lt1"/>
-                </a:fontRef>
-              </p:style>
-              <p:txBody>
-                <a:bodyPr rtlCol="0" anchor="ctr"/>
-                <a:lstStyle/>
-                <a:p>
-                  <a:pPr algn="ctr"/>
-                  <a:r>
-                    <a:rPr lang="en-US" sz="1000" dirty="0" smtClean="0"/>
-                    <a:t>L3 Cache</a:t>
-                  </a:r>
-                  <a:endParaRPr lang="en-US" sz="1000" dirty="0"/>
-                </a:p>
-              </p:txBody>
-            </p:sp>
-            <p:sp>
-              <p:nvSpPr>
-                <p:cNvPr id="98" name="Rectangle 97"/>
-                <p:cNvSpPr/>
-                <p:nvPr/>
-              </p:nvSpPr>
-              <p:spPr>
-                <a:xfrm>
-                  <a:off x="2016472" y="5740111"/>
-                  <a:ext cx="5022371" cy="288032"/>
-                </a:xfrm>
-                <a:prstGeom prst="rect">
-                  <a:avLst/>
-                </a:prstGeom>
-                <a:solidFill>
-                  <a:srgbClr val="E9503E"/>
-                </a:solidFill>
-                <a:ln>
-                  <a:solidFill>
-                    <a:schemeClr val="tx1"/>
-                  </a:solidFill>
-                </a:ln>
-              </p:spPr>
-              <p:style>
-                <a:lnRef idx="2">
-                  <a:schemeClr val="accent1">
-                    <a:shade val="50000"/>
-                  </a:schemeClr>
-                </a:lnRef>
-                <a:fillRef idx="1">
-                  <a:schemeClr val="accent1"/>
-                </a:fillRef>
-                <a:effectRef idx="0">
-                  <a:schemeClr val="accent1"/>
-                </a:effectRef>
-                <a:fontRef idx="minor">
-                  <a:schemeClr val="lt1"/>
-                </a:fontRef>
-              </p:style>
-              <p:txBody>
-                <a:bodyPr rtlCol="0" anchor="ctr"/>
-                <a:lstStyle/>
-                <a:p>
-                  <a:pPr algn="ctr"/>
-                  <a:r>
-                    <a:rPr lang="en-US" sz="1000" dirty="0" smtClean="0"/>
-                    <a:t>Main Memory</a:t>
-                  </a:r>
-                  <a:endParaRPr lang="en-US" sz="1000" dirty="0"/>
-                </a:p>
-              </p:txBody>
-            </p:sp>
-          </p:grpSp>
-          <p:sp>
-            <p:nvSpPr>
-              <p:cNvPr id="92" name="Freeform 91"/>
-              <p:cNvSpPr/>
-              <p:nvPr/>
-            </p:nvSpPr>
-            <p:spPr>
-              <a:xfrm>
-                <a:off x="7438869" y="2455216"/>
-                <a:ext cx="81658" cy="303028"/>
-              </a:xfrm>
-              <a:custGeom>
-                <a:avLst/>
-                <a:gdLst>
-                  <a:gd name="connsiteX0" fmla="*/ 121995 w 167760"/>
-                  <a:gd name="connsiteY0" fmla="*/ 0 h 807720"/>
-                  <a:gd name="connsiteX1" fmla="*/ 75 w 167760"/>
-                  <a:gd name="connsiteY1" fmla="*/ 175260 h 807720"/>
-                  <a:gd name="connsiteX2" fmla="*/ 137235 w 167760"/>
-                  <a:gd name="connsiteY2" fmla="*/ 304800 h 807720"/>
-                  <a:gd name="connsiteX3" fmla="*/ 45795 w 167760"/>
-                  <a:gd name="connsiteY3" fmla="*/ 434340 h 807720"/>
-                  <a:gd name="connsiteX4" fmla="*/ 167715 w 167760"/>
-                  <a:gd name="connsiteY4" fmla="*/ 556260 h 807720"/>
-                  <a:gd name="connsiteX5" fmla="*/ 61035 w 167760"/>
-                  <a:gd name="connsiteY5" fmla="*/ 731520 h 807720"/>
-                  <a:gd name="connsiteX6" fmla="*/ 144855 w 167760"/>
-                  <a:gd name="connsiteY6" fmla="*/ 807720 h 807720"/>
-                </a:gdLst>
-                <a:ahLst/>
-                <a:cxnLst>
-                  <a:cxn ang="0">
-                    <a:pos x="connsiteX0" y="connsiteY0"/>
-                  </a:cxn>
-                  <a:cxn ang="0">
-                    <a:pos x="connsiteX1" y="connsiteY1"/>
-                  </a:cxn>
-                  <a:cxn ang="0">
-                    <a:pos x="connsiteX2" y="connsiteY2"/>
-                  </a:cxn>
-                  <a:cxn ang="0">
-                    <a:pos x="connsiteX3" y="connsiteY3"/>
-                  </a:cxn>
-                  <a:cxn ang="0">
-                    <a:pos x="connsiteX4" y="connsiteY4"/>
-                  </a:cxn>
-                  <a:cxn ang="0">
-                    <a:pos x="connsiteX5" y="connsiteY5"/>
-                  </a:cxn>
-                  <a:cxn ang="0">
-                    <a:pos x="connsiteX6" y="connsiteY6"/>
-                  </a:cxn>
-                </a:cxnLst>
-                <a:rect l="l" t="t" r="r" b="b"/>
-                <a:pathLst>
-                  <a:path w="167760" h="807720">
-                    <a:moveTo>
-                      <a:pt x="121995" y="0"/>
-                    </a:moveTo>
-                    <a:cubicBezTo>
-                      <a:pt x="59765" y="62230"/>
-                      <a:pt x="-2465" y="124460"/>
-                      <a:pt x="75" y="175260"/>
-                    </a:cubicBezTo>
-                    <a:cubicBezTo>
-                      <a:pt x="2615" y="226060"/>
-                      <a:pt x="129615" y="261620"/>
-                      <a:pt x="137235" y="304800"/>
-                    </a:cubicBezTo>
-                    <a:cubicBezTo>
-                      <a:pt x="144855" y="347980"/>
-                      <a:pt x="40715" y="392430"/>
-                      <a:pt x="45795" y="434340"/>
-                    </a:cubicBezTo>
-                    <a:cubicBezTo>
-                      <a:pt x="50875" y="476250"/>
-                      <a:pt x="165175" y="506730"/>
-                      <a:pt x="167715" y="556260"/>
-                    </a:cubicBezTo>
-                    <a:cubicBezTo>
-                      <a:pt x="170255" y="605790"/>
-                      <a:pt x="64845" y="689610"/>
-                      <a:pt x="61035" y="731520"/>
-                    </a:cubicBezTo>
-                    <a:cubicBezTo>
-                      <a:pt x="57225" y="773430"/>
-                      <a:pt x="125805" y="795020"/>
-                      <a:pt x="144855" y="807720"/>
-                    </a:cubicBezTo>
-                  </a:path>
-                </a:pathLst>
-              </a:custGeom>
-              <a:noFill/>
-              <a:ln>
-                <a:solidFill>
-                  <a:schemeClr val="tx1"/>
-                </a:solidFill>
-              </a:ln>
-            </p:spPr>
-            <p:style>
-              <a:lnRef idx="2">
-                <a:schemeClr val="accent1">
-                  <a:shade val="50000"/>
-                </a:schemeClr>
-              </a:lnRef>
-              <a:fillRef idx="1">
-                <a:schemeClr val="accent1"/>
-              </a:fillRef>
-              <a:effectRef idx="0">
-                <a:schemeClr val="accent1"/>
-              </a:effectRef>
-              <a:fontRef idx="minor">
-                <a:schemeClr val="lt1"/>
-              </a:fontRef>
-            </p:style>
-            <p:txBody>
-              <a:bodyPr rtlCol="0" anchor="ctr"/>
-              <a:lstStyle/>
-              <a:p>
-                <a:pPr algn="ctr"/>
-                <a:endParaRPr lang="en-US"/>
-              </a:p>
-            </p:txBody>
-          </p:sp>
-          <p:sp>
-            <p:nvSpPr>
-              <p:cNvPr id="93" name="Freeform 92"/>
-              <p:cNvSpPr/>
-              <p:nvPr/>
-            </p:nvSpPr>
-            <p:spPr>
-              <a:xfrm>
-                <a:off x="7025227" y="2444346"/>
-                <a:ext cx="81658" cy="303028"/>
-              </a:xfrm>
-              <a:custGeom>
-                <a:avLst/>
-                <a:gdLst>
-                  <a:gd name="connsiteX0" fmla="*/ 121995 w 167760"/>
-                  <a:gd name="connsiteY0" fmla="*/ 0 h 807720"/>
-                  <a:gd name="connsiteX1" fmla="*/ 75 w 167760"/>
-                  <a:gd name="connsiteY1" fmla="*/ 175260 h 807720"/>
-                  <a:gd name="connsiteX2" fmla="*/ 137235 w 167760"/>
-                  <a:gd name="connsiteY2" fmla="*/ 304800 h 807720"/>
-                  <a:gd name="connsiteX3" fmla="*/ 45795 w 167760"/>
-                  <a:gd name="connsiteY3" fmla="*/ 434340 h 807720"/>
-                  <a:gd name="connsiteX4" fmla="*/ 167715 w 167760"/>
-                  <a:gd name="connsiteY4" fmla="*/ 556260 h 807720"/>
-                  <a:gd name="connsiteX5" fmla="*/ 61035 w 167760"/>
-                  <a:gd name="connsiteY5" fmla="*/ 731520 h 807720"/>
-                  <a:gd name="connsiteX6" fmla="*/ 144855 w 167760"/>
-                  <a:gd name="connsiteY6" fmla="*/ 807720 h 807720"/>
-                </a:gdLst>
-                <a:ahLst/>
-                <a:cxnLst>
-                  <a:cxn ang="0">
-                    <a:pos x="connsiteX0" y="connsiteY0"/>
-                  </a:cxn>
-                  <a:cxn ang="0">
-                    <a:pos x="connsiteX1" y="connsiteY1"/>
-                  </a:cxn>
-                  <a:cxn ang="0">
-                    <a:pos x="connsiteX2" y="connsiteY2"/>
-                  </a:cxn>
-                  <a:cxn ang="0">
-                    <a:pos x="connsiteX3" y="connsiteY3"/>
-                  </a:cxn>
-                  <a:cxn ang="0">
-                    <a:pos x="connsiteX4" y="connsiteY4"/>
-                  </a:cxn>
-                  <a:cxn ang="0">
-                    <a:pos x="connsiteX5" y="connsiteY5"/>
-                  </a:cxn>
-                  <a:cxn ang="0">
-                    <a:pos x="connsiteX6" y="connsiteY6"/>
-                  </a:cxn>
-                </a:cxnLst>
-                <a:rect l="l" t="t" r="r" b="b"/>
-                <a:pathLst>
-                  <a:path w="167760" h="807720">
-                    <a:moveTo>
-                      <a:pt x="121995" y="0"/>
-                    </a:moveTo>
-                    <a:cubicBezTo>
-                      <a:pt x="59765" y="62230"/>
-                      <a:pt x="-2465" y="124460"/>
-                      <a:pt x="75" y="175260"/>
-                    </a:cubicBezTo>
-                    <a:cubicBezTo>
-                      <a:pt x="2615" y="226060"/>
-                      <a:pt x="129615" y="261620"/>
-                      <a:pt x="137235" y="304800"/>
-                    </a:cubicBezTo>
-                    <a:cubicBezTo>
-                      <a:pt x="144855" y="347980"/>
-                      <a:pt x="40715" y="392430"/>
-                      <a:pt x="45795" y="434340"/>
-                    </a:cubicBezTo>
-                    <a:cubicBezTo>
-                      <a:pt x="50875" y="476250"/>
-                      <a:pt x="165175" y="506730"/>
-                      <a:pt x="167715" y="556260"/>
-                    </a:cubicBezTo>
-                    <a:cubicBezTo>
-                      <a:pt x="170255" y="605790"/>
-                      <a:pt x="64845" y="689610"/>
-                      <a:pt x="61035" y="731520"/>
-                    </a:cubicBezTo>
-                    <a:cubicBezTo>
-                      <a:pt x="57225" y="773430"/>
-                      <a:pt x="125805" y="795020"/>
-                      <a:pt x="144855" y="807720"/>
-                    </a:cubicBezTo>
-                  </a:path>
-                </a:pathLst>
-              </a:custGeom>
-              <a:noFill/>
-              <a:ln>
-                <a:solidFill>
-                  <a:schemeClr val="tx1"/>
-                </a:solidFill>
-              </a:ln>
-            </p:spPr>
-            <p:style>
-              <a:lnRef idx="2">
-                <a:schemeClr val="accent1">
-                  <a:shade val="50000"/>
-                </a:schemeClr>
-              </a:lnRef>
-              <a:fillRef idx="1">
-                <a:schemeClr val="accent1"/>
-              </a:fillRef>
-              <a:effectRef idx="0">
-                <a:schemeClr val="accent1"/>
-              </a:effectRef>
-              <a:fontRef idx="minor">
-                <a:schemeClr val="lt1"/>
-              </a:fontRef>
-            </p:style>
-            <p:txBody>
-              <a:bodyPr rtlCol="0" anchor="ctr"/>
-              <a:lstStyle/>
-              <a:p>
-                <a:pPr algn="ctr"/>
-                <a:endParaRPr lang="en-US"/>
-              </a:p>
-            </p:txBody>
-          </p:sp>
-        </p:grpSp>
-        <p:sp>
-          <p:nvSpPr>
-            <p:cNvPr id="90" name="Pentagon 89"/>
-            <p:cNvSpPr/>
-            <p:nvPr/>
-          </p:nvSpPr>
-          <p:spPr>
-            <a:xfrm>
-              <a:off x="3781982" y="2367783"/>
-              <a:ext cx="846374" cy="250352"/>
-            </a:xfrm>
-            <a:prstGeom prst="homePlate">
-              <a:avLst/>
-            </a:prstGeom>
-            <a:solidFill>
-              <a:srgbClr val="E9503E"/>
-            </a:solidFill>
-            <a:ln>
-              <a:solidFill>
-                <a:schemeClr val="accent2">
-                  <a:lumMod val="75000"/>
-                </a:schemeClr>
-              </a:solidFill>
-            </a:ln>
-          </p:spPr>
-          <p:style>
-            <a:lnRef idx="2">
-              <a:schemeClr val="accent1">
-                <a:shade val="50000"/>
-              </a:schemeClr>
-            </a:lnRef>
-            <a:fillRef idx="1">
-              <a:schemeClr val="accent1"/>
-            </a:fillRef>
-            <a:effectRef idx="0">
-              <a:schemeClr val="accent1"/>
-            </a:effectRef>
-            <a:fontRef idx="minor">
-              <a:schemeClr val="lt1"/>
-            </a:fontRef>
-          </p:style>
-          <p:txBody>
-            <a:bodyPr rtlCol="0" anchor="ctr"/>
-            <a:lstStyle/>
-            <a:p>
-              <a:pPr algn="ctr"/>
-              <a:r>
-                <a:rPr lang="en-US" sz="1000" dirty="0" smtClean="0"/>
-                <a:t>Threads</a:t>
-              </a:r>
-              <a:endParaRPr lang="en-US" sz="1000" dirty="0"/>
-            </a:p>
-          </p:txBody>
-        </p:sp>
-      </p:grpSp>
-    </p:spTree>
-    <p:extLst>
-      <p:ext uri="{BB962C8B-B14F-4D97-AF65-F5344CB8AC3E}">
-        <p14:creationId xmlns:p14="http://schemas.microsoft.com/office/powerpoint/2010/main" val="1474615986"/>
-      </p:ext>
-    </p:extLst>
-  </p:cSld>
-  <p:clrMapOvr>
-    <a:masterClrMapping/>
-  </p:clrMapOvr>
-  <p:transition spd="slow">
-    <p:wipe/>
-  </p:transition>
-  <p:timing>
-    <p:tnLst>
-      <p:par>
-        <p:cTn id="1" dur="indefinite" restart="never" nodeType="tmRoot"/>
-      </p:par>
-    </p:tnLst>
-  </p:timing>
-</p:sld>
-</file>
-
-<file path=ppt/slides/slide20.xml><?xml version="1.0" encoding="utf-8"?>
-<p:sld xmlns:a="http://schemas.openxmlformats.org/drawingml/2006/main" xmlns:r="http://schemas.openxmlformats.org/officeDocument/2006/relationships" xmlns:p="http://schemas.openxmlformats.org/presentationml/2006/main">
-  <p:cSld>
-    <p:spTree>
-      <p:nvGrpSpPr>
-        <p:cNvPr id="1" name=""/>
-        <p:cNvGrpSpPr/>
-        <p:nvPr/>
-      </p:nvGrpSpPr>
-      <p:grpSpPr>
-        <a:xfrm>
-          <a:off x="0" y="0"/>
-          <a:ext cx="0" cy="0"/>
-          <a:chOff x="0" y="0"/>
-          <a:chExt cx="0" cy="0"/>
-        </a:xfrm>
-      </p:grpSpPr>
-      <p:sp>
-        <p:nvSpPr>
-          <p:cNvPr id="2" name="Title 1"/>
-          <p:cNvSpPr>
-            <a:spLocks noGrp="1"/>
-          </p:cNvSpPr>
-          <p:nvPr>
-            <p:ph type="title"/>
-          </p:nvPr>
-        </p:nvSpPr>
-        <p:spPr/>
-        <p:txBody>
-          <a:bodyPr/>
-          <a:lstStyle/>
-          <a:p>
             <a:r>
               <a:rPr lang="en-US" dirty="0"/>
               <a:t>Outline</a:t>
@@ -22507,7 +22753,7 @@
 </p:sld>
 </file>
 
-<file path=ppt/slides/slide21.xml><?xml version="1.0" encoding="utf-8"?>
+<file path=ppt/slides/slide24.xml><?xml version="1.0" encoding="utf-8"?>
 <p:sld xmlns:a="http://schemas.openxmlformats.org/drawingml/2006/main" xmlns:r="http://schemas.openxmlformats.org/officeDocument/2006/relationships" xmlns:p="http://schemas.openxmlformats.org/presentationml/2006/main">
   <p:cSld>
     <p:spTree>
@@ -23197,7 +23443,7 @@
 </p:sld>
 </file>
 
-<file path=ppt/slides/slide22.xml><?xml version="1.0" encoding="utf-8"?>
+<file path=ppt/slides/slide25.xml><?xml version="1.0" encoding="utf-8"?>
 <p:sld xmlns:a="http://schemas.openxmlformats.org/drawingml/2006/main" xmlns:r="http://schemas.openxmlformats.org/officeDocument/2006/relationships" xmlns:p="http://schemas.openxmlformats.org/presentationml/2006/main">
   <p:cSld>
     <p:spTree>
@@ -23291,13 +23537,13 @@
   <p:clrMapOvr>
     <a:masterClrMapping/>
   </p:clrMapOvr>
-  <mc:AlternateContent xmlns:mc="http://schemas.openxmlformats.org/markup-compatibility/2006">
-    <mc:Choice xmlns:p15="http://schemas.microsoft.com/office/powerpoint/2012/main" Requires="p15">
+  <mc:AlternateContent xmlns:mc="http://schemas.openxmlformats.org/markup-compatibility/2006" xmlns:p15="http://schemas.microsoft.com/office/powerpoint/2012/main">
+    <mc:Choice Requires="p15">
       <p:transition xmlns:p14="http://schemas.microsoft.com/office/powerpoint/2010/main" spd="slow" p14:dur="2000">
         <p15:prstTrans prst="prestige"/>
       </p:transition>
     </mc:Choice>
-    <mc:Fallback>
+    <mc:Fallback xmlns="">
       <p:transition spd="slow">
         <p:fade/>
       </p:transition>
@@ -23417,7 +23663,6 @@
               <a:rPr lang="en-US" dirty="0" smtClean="0"/>
               <a:t>Objectives</a:t>
             </a:r>
-            <a:endParaRPr lang="en-US" dirty="0" smtClean="0"/>
           </a:p>
           <a:p>
             <a:pPr marL="342900" indent="-342900">
@@ -23612,7 +23857,6 @@
               <a:rPr lang="en-US" dirty="0"/>
               <a:t>that can be added to a sequential program in Fortran, C, or C++ </a:t>
             </a:r>
-            <a:endParaRPr lang="en-US" dirty="0"/>
           </a:p>
           <a:p>
             <a:pPr marL="342900" lvl="1" indent="-342900">
@@ -23631,7 +23875,6 @@
               <a:rPr lang="en-US" dirty="0"/>
               <a:t>to benefit from shared-memory parallel architectures—often with minimal modification to the code </a:t>
             </a:r>
-            <a:endParaRPr lang="en-US" dirty="0"/>
           </a:p>
         </p:txBody>
       </p:sp>
@@ -24045,7 +24288,6 @@
               <a:rPr lang="en-US" dirty="0"/>
               <a:t>dependences that prevent parallelization </a:t>
             </a:r>
-            <a:endParaRPr lang="en-US" dirty="0"/>
           </a:p>
           <a:p>
             <a:pPr marL="701675" lvl="2" indent="-342900">
@@ -24245,14 +24487,6 @@
               </a:rPr>
               <a:t>Parallelism Discovery &amp; Parallel Pattern </a:t>
             </a:r>
-            <a:endParaRPr lang="en-US" sz="1600" dirty="0">
-              <a:solidFill>
-                <a:schemeClr val="tx2">
-                  <a:lumMod val="95000"/>
-                  <a:lumOff val="5000"/>
-                </a:schemeClr>
-              </a:solidFill>
-            </a:endParaRPr>
           </a:p>
           <a:p>
             <a:pPr algn="ctr"/>
@@ -24267,14 +24501,6 @@
               </a:rPr>
               <a:t>Detection </a:t>
             </a:r>
-            <a:endParaRPr lang="en-US" sz="1600" dirty="0">
-              <a:solidFill>
-                <a:schemeClr val="tx2">
-                  <a:lumMod val="95000"/>
-                  <a:lumOff val="5000"/>
-                </a:schemeClr>
-              </a:solidFill>
-            </a:endParaRPr>
           </a:p>
         </p:txBody>
       </p:sp>
@@ -24668,14 +24894,6 @@
               </a:rPr>
               <a:t>Static &amp; Dynamic Analysis</a:t>
             </a:r>
-            <a:endParaRPr lang="en-US" sz="1600" dirty="0">
-              <a:solidFill>
-                <a:schemeClr val="tx2">
-                  <a:lumMod val="95000"/>
-                  <a:lumOff val="5000"/>
-                </a:schemeClr>
-              </a:solidFill>
-            </a:endParaRPr>
           </a:p>
         </p:txBody>
       </p:sp>
@@ -24894,7 +25112,6 @@
               <a:rPr lang="en-US" b="1" dirty="0" smtClean="0"/>
               <a:t>Art</a:t>
             </a:r>
-            <a:endParaRPr lang="en-US" b="1" dirty="0" smtClean="0"/>
           </a:p>
           <a:p>
             <a:pPr marL="342900" lvl="1" indent="-342900">
@@ -24905,7 +25122,6 @@
               <a:rPr lang="en-US" dirty="0" smtClean="0"/>
               <a:t>Objectives</a:t>
             </a:r>
-            <a:endParaRPr lang="en-US" dirty="0" smtClean="0"/>
           </a:p>
           <a:p>
             <a:pPr marL="342900" indent="-342900">

--- a/Presentations/Proposal.pptx
+++ b/Presentations/Proposal.pptx
@@ -6,10 +6,10 @@
     <p:sldMasterId id="2147483658" r:id="rId2"/>
   </p:sldMasterIdLst>
   <p:notesMasterIdLst>
-    <p:notesMasterId r:id="rId28"/>
+    <p:notesMasterId r:id="rId34"/>
   </p:notesMasterIdLst>
   <p:handoutMasterIdLst>
-    <p:handoutMasterId r:id="rId29"/>
+    <p:handoutMasterId r:id="rId35"/>
   </p:handoutMasterIdLst>
   <p:sldIdLst>
     <p:sldId id="256" r:id="rId3"/>
@@ -22,21 +22,27 @@
     <p:sldId id="373" r:id="rId10"/>
     <p:sldId id="374" r:id="rId11"/>
     <p:sldId id="376" r:id="rId12"/>
-    <p:sldId id="377" r:id="rId13"/>
-    <p:sldId id="378" r:id="rId14"/>
-    <p:sldId id="355" r:id="rId15"/>
-    <p:sldId id="375" r:id="rId16"/>
-    <p:sldId id="356" r:id="rId17"/>
-    <p:sldId id="360" r:id="rId18"/>
-    <p:sldId id="362" r:id="rId19"/>
-    <p:sldId id="361" r:id="rId20"/>
-    <p:sldId id="363" r:id="rId21"/>
-    <p:sldId id="368" r:id="rId22"/>
-    <p:sldId id="370" r:id="rId23"/>
-    <p:sldId id="369" r:id="rId24"/>
-    <p:sldId id="364" r:id="rId25"/>
-    <p:sldId id="371" r:id="rId26"/>
-    <p:sldId id="348" r:id="rId27"/>
+    <p:sldId id="379" r:id="rId13"/>
+    <p:sldId id="377" r:id="rId14"/>
+    <p:sldId id="381" r:id="rId15"/>
+    <p:sldId id="380" r:id="rId16"/>
+    <p:sldId id="378" r:id="rId17"/>
+    <p:sldId id="383" r:id="rId18"/>
+    <p:sldId id="382" r:id="rId19"/>
+    <p:sldId id="355" r:id="rId20"/>
+    <p:sldId id="375" r:id="rId21"/>
+    <p:sldId id="356" r:id="rId22"/>
+    <p:sldId id="360" r:id="rId23"/>
+    <p:sldId id="362" r:id="rId24"/>
+    <p:sldId id="361" r:id="rId25"/>
+    <p:sldId id="363" r:id="rId26"/>
+    <p:sldId id="368" r:id="rId27"/>
+    <p:sldId id="370" r:id="rId28"/>
+    <p:sldId id="369" r:id="rId29"/>
+    <p:sldId id="364" r:id="rId30"/>
+    <p:sldId id="371" r:id="rId31"/>
+    <p:sldId id="384" r:id="rId32"/>
+    <p:sldId id="348" r:id="rId33"/>
   </p:sldIdLst>
   <p:sldSz cx="9144000" cy="6858000" type="screen4x3"/>
   <p:notesSz cx="6858000" cy="9144000"/>
@@ -198,7 +204,7 @@
 <file path=ppt/charts/chart1.xml><?xml version="1.0" encoding="utf-8"?>
 <c:chartSpace xmlns:c="http://schemas.openxmlformats.org/drawingml/2006/chart" xmlns:a="http://schemas.openxmlformats.org/drawingml/2006/main" xmlns:r="http://schemas.openxmlformats.org/officeDocument/2006/relationships">
   <c:date1904 val="0"/>
-  <c:lang val="en-US"/>
+  <c:lang val="de-DE"/>
   <c:roundedCorners val="0"/>
   <mc:AlternateContent xmlns:mc="http://schemas.openxmlformats.org/markup-compatibility/2006">
     <mc:Choice xmlns:c14="http://schemas.microsoft.com/office/drawing/2007/8/2/chart" Requires="c14">
@@ -239,8 +245,8 @@
         <c:manualLayout>
           <c:xMode val="edge"/>
           <c:yMode val="edge"/>
-          <c:x val="0.14745152618634499"/>
-          <c:y val="2.1008403361344501E-2"/>
+          <c:x val="0.147451526186345"/>
+          <c:y val="0.0210084033613445"/>
         </c:manualLayout>
       </c:layout>
       <c:overlay val="0"/>
@@ -321,67 +327,67 @@
                 <c:formatCode>General</c:formatCode>
                 <c:ptCount val="22"/>
                 <c:pt idx="0">
-                  <c:v>0</c:v>
+                  <c:v>0.0</c:v>
                 </c:pt>
                 <c:pt idx="1">
-                  <c:v>1</c:v>
+                  <c:v>1.0</c:v>
                 </c:pt>
                 <c:pt idx="2">
-                  <c:v>2</c:v>
+                  <c:v>2.0</c:v>
                 </c:pt>
                 <c:pt idx="3">
-                  <c:v>3</c:v>
+                  <c:v>3.0</c:v>
                 </c:pt>
                 <c:pt idx="4">
-                  <c:v>4</c:v>
+                  <c:v>4.0</c:v>
                 </c:pt>
                 <c:pt idx="5">
-                  <c:v>5</c:v>
+                  <c:v>5.0</c:v>
                 </c:pt>
                 <c:pt idx="6">
-                  <c:v>6</c:v>
+                  <c:v>6.0</c:v>
                 </c:pt>
                 <c:pt idx="7">
-                  <c:v>7</c:v>
+                  <c:v>7.0</c:v>
                 </c:pt>
                 <c:pt idx="8">
-                  <c:v>8</c:v>
+                  <c:v>8.0</c:v>
                 </c:pt>
                 <c:pt idx="9">
-                  <c:v>9</c:v>
+                  <c:v>9.0</c:v>
                 </c:pt>
                 <c:pt idx="10">
-                  <c:v>10</c:v>
+                  <c:v>10.0</c:v>
                 </c:pt>
                 <c:pt idx="11">
-                  <c:v>11</c:v>
+                  <c:v>11.0</c:v>
                 </c:pt>
                 <c:pt idx="12">
-                  <c:v>12</c:v>
+                  <c:v>12.0</c:v>
                 </c:pt>
                 <c:pt idx="13">
-                  <c:v>13</c:v>
+                  <c:v>13.0</c:v>
                 </c:pt>
                 <c:pt idx="14">
-                  <c:v>14</c:v>
+                  <c:v>14.0</c:v>
                 </c:pt>
                 <c:pt idx="15">
-                  <c:v>15</c:v>
+                  <c:v>15.0</c:v>
                 </c:pt>
                 <c:pt idx="16">
-                  <c:v>16</c:v>
+                  <c:v>16.0</c:v>
                 </c:pt>
                 <c:pt idx="17">
-                  <c:v>17</c:v>
+                  <c:v>17.0</c:v>
                 </c:pt>
                 <c:pt idx="18">
-                  <c:v>18</c:v>
+                  <c:v>18.0</c:v>
                 </c:pt>
                 <c:pt idx="19">
-                  <c:v>19</c:v>
+                  <c:v>19.0</c:v>
                 </c:pt>
                 <c:pt idx="20">
-                  <c:v>20</c:v>
+                  <c:v>20.0</c:v>
                 </c:pt>
               </c:numCache>
             </c:numRef>
@@ -393,67 +399,67 @@
                 <c:formatCode>General</c:formatCode>
                 <c:ptCount val="22"/>
                 <c:pt idx="0">
-                  <c:v>0</c:v>
+                  <c:v>0.0</c:v>
                 </c:pt>
                 <c:pt idx="1">
-                  <c:v>3</c:v>
+                  <c:v>3.0</c:v>
                 </c:pt>
                 <c:pt idx="2">
-                  <c:v>4</c:v>
+                  <c:v>4.0</c:v>
                 </c:pt>
                 <c:pt idx="3">
-                  <c:v>5</c:v>
+                  <c:v>5.0</c:v>
                 </c:pt>
                 <c:pt idx="4">
-                  <c:v>8</c:v>
+                  <c:v>8.0</c:v>
                 </c:pt>
                 <c:pt idx="5">
-                  <c:v>11</c:v>
+                  <c:v>11.0</c:v>
                 </c:pt>
                 <c:pt idx="6">
-                  <c:v>10</c:v>
+                  <c:v>10.0</c:v>
                 </c:pt>
                 <c:pt idx="7">
-                  <c:v>14</c:v>
+                  <c:v>14.0</c:v>
                 </c:pt>
                 <c:pt idx="8">
-                  <c:v>17</c:v>
+                  <c:v>17.0</c:v>
                 </c:pt>
                 <c:pt idx="9">
-                  <c:v>19</c:v>
+                  <c:v>19.0</c:v>
                 </c:pt>
                 <c:pt idx="10">
-                  <c:v>20</c:v>
+                  <c:v>20.0</c:v>
                 </c:pt>
                 <c:pt idx="11">
-                  <c:v>23</c:v>
+                  <c:v>23.0</c:v>
                 </c:pt>
                 <c:pt idx="12">
-                  <c:v>24</c:v>
+                  <c:v>24.0</c:v>
                 </c:pt>
                 <c:pt idx="13">
-                  <c:v>27</c:v>
+                  <c:v>27.0</c:v>
                 </c:pt>
                 <c:pt idx="14">
-                  <c:v>29</c:v>
+                  <c:v>29.0</c:v>
                 </c:pt>
                 <c:pt idx="15">
-                  <c:v>30</c:v>
+                  <c:v>30.0</c:v>
                 </c:pt>
                 <c:pt idx="16">
-                  <c:v>31</c:v>
+                  <c:v>31.0</c:v>
                 </c:pt>
                 <c:pt idx="17">
-                  <c:v>34</c:v>
+                  <c:v>34.0</c:v>
                 </c:pt>
                 <c:pt idx="18">
-                  <c:v>37</c:v>
+                  <c:v>37.0</c:v>
                 </c:pt>
                 <c:pt idx="19">
-                  <c:v>39</c:v>
+                  <c:v>39.0</c:v>
                 </c:pt>
                 <c:pt idx="20">
-                  <c:v>40</c:v>
+                  <c:v>40.0</c:v>
                 </c:pt>
               </c:numCache>
             </c:numRef>
@@ -468,11 +474,11 @@
           <c:showPercent val="0"/>
           <c:showBubbleSize val="0"/>
         </c:dLbls>
-        <c:axId val="1097521696"/>
-        <c:axId val="1097514624"/>
+        <c:axId val="816493936"/>
+        <c:axId val="744293232"/>
       </c:scatterChart>
       <c:valAx>
-        <c:axId val="1097521696"/>
+        <c:axId val="816493936"/>
         <c:scaling>
           <c:orientation val="minMax"/>
         </c:scaling>
@@ -545,8 +551,8 @@
             <c:manualLayout>
               <c:xMode val="edge"/>
               <c:yMode val="edge"/>
-              <c:x val="0.46454481325427499"/>
-              <c:y val="0.86297592997811801"/>
+              <c:x val="0.464544813254275"/>
+              <c:y val="0.862975929978118"/>
             </c:manualLayout>
           </c:layout>
           <c:overlay val="0"/>
@@ -615,12 +621,12 @@
             <a:endParaRPr lang="en-US"/>
           </a:p>
         </c:txPr>
-        <c:crossAx val="1097514624"/>
+        <c:crossAx val="744293232"/>
         <c:crosses val="autoZero"/>
         <c:crossBetween val="midCat"/>
       </c:valAx>
       <c:valAx>
-        <c:axId val="1097514624"/>
+        <c:axId val="744293232"/>
         <c:scaling>
           <c:orientation val="minMax"/>
         </c:scaling>
@@ -698,8 +704,8 @@
             <c:manualLayout>
               <c:xMode val="edge"/>
               <c:yMode val="edge"/>
-              <c:x val="1.9370460048426099E-2"/>
-              <c:y val="0.25819845276452003"/>
+              <c:x val="0.0193704600484261"/>
+              <c:y val="0.25819845276452"/>
             </c:manualLayout>
           </c:layout>
           <c:overlay val="0"/>
@@ -768,7 +774,7 @@
             <a:endParaRPr lang="en-US"/>
           </a:p>
         </c:txPr>
-        <c:crossAx val="1097521696"/>
+        <c:crossAx val="816493936"/>
         <c:crosses val="autoZero"/>
         <c:crossBetween val="midCat"/>
       </c:valAx>
@@ -1499,7 +1505,7 @@
           <a:p>
             <a:fld id="{74BB652D-7810-496D-A2FA-D61220BB4334}" type="datetime4">
               <a:rPr lang="de-DE" smtClean="0"/>
-              <a:t>18. Januar 2017</a:t>
+              <a:t>19. January 2017</a:t>
             </a:fld>
             <a:endParaRPr lang="de-DE"/>
           </a:p>
@@ -1882,7 +1888,7 @@
           <a:p>
             <a:fld id="{BEF970E4-9540-437D-B70A-0A41E70CE984}" type="datetime4">
               <a:rPr lang="de-DE" smtClean="0"/>
-              <a:t>18. Januar 2017</a:t>
+              <a:t>19. January 2017</a:t>
             </a:fld>
             <a:endParaRPr lang="de-DE"/>
           </a:p>
@@ -2524,7 +2530,7 @@
           <a:p>
             <a:fld id="{BEF970E4-9540-437D-B70A-0A41E70CE984}" type="datetime4">
               <a:rPr lang="de-DE" smtClean="0"/>
-              <a:t>18. Januar 2017</a:t>
+              <a:t>19. January 2017</a:t>
             </a:fld>
             <a:endParaRPr lang="de-DE"/>
           </a:p>
@@ -2643,7 +2649,7 @@
           <a:bodyPr/>
           <a:lstStyle/>
           <a:p>
-            <a:endParaRPr lang="en-US"/>
+            <a:endParaRPr lang="en-US" dirty="0"/>
           </a:p>
         </p:txBody>
       </p:sp>
@@ -2664,7 +2670,7 @@
           <a:p>
             <a:fld id="{BEF970E4-9540-437D-B70A-0A41E70CE984}" type="datetime4">
               <a:rPr lang="de-DE" smtClean="0"/>
-              <a:t>18. Januar 2017</a:t>
+              <a:t>19. January 2017</a:t>
             </a:fld>
             <a:endParaRPr lang="de-DE"/>
           </a:p>
@@ -2715,7 +2721,7 @@
             <a:fld id="{C36AA9A4-5D0B-4134-89A6-D8B9DAA4F25C}" type="slidenum">
               <a:rPr lang="de-DE" smtClean="0"/>
               <a:pPr/>
-              <a:t>17</a:t>
+              <a:t>16</a:t>
             </a:fld>
             <a:endParaRPr lang="de-DE"/>
           </a:p>
@@ -2724,7 +2730,7 @@
     </p:spTree>
     <p:extLst>
       <p:ext uri="{BB962C8B-B14F-4D97-AF65-F5344CB8AC3E}">
-        <p14:creationId xmlns:p14="http://schemas.microsoft.com/office/powerpoint/2010/main" val="405505431"/>
+        <p14:creationId xmlns:p14="http://schemas.microsoft.com/office/powerpoint/2010/main" val="2098755093"/>
       </p:ext>
     </p:extLst>
   </p:cSld>
@@ -2783,10 +2789,6 @@
           <a:bodyPr/>
           <a:lstStyle/>
           <a:p>
-            <a:r>
-              <a:rPr lang="en-US" dirty="0" smtClean="0"/>
-              <a:t>Change the color of photo</a:t>
-            </a:r>
             <a:endParaRPr lang="en-US" dirty="0"/>
           </a:p>
         </p:txBody>
@@ -2808,7 +2810,7 @@
           <a:p>
             <a:fld id="{BEF970E4-9540-437D-B70A-0A41E70CE984}" type="datetime4">
               <a:rPr lang="de-DE" smtClean="0"/>
-              <a:t>18. Januar 2017</a:t>
+              <a:t>19. January 2017</a:t>
             </a:fld>
             <a:endParaRPr lang="de-DE"/>
           </a:p>
@@ -2830,9 +2832,10 @@
           <a:lstStyle/>
           <a:p>
             <a:r>
-              <a:rPr lang="de-DE"/>
+              <a:rPr lang="de-DE" smtClean="0"/>
               <a:t>|  </a:t>
             </a:r>
+            <a:endParaRPr lang="de-DE"/>
           </a:p>
         </p:txBody>
       </p:sp>
@@ -2852,13 +2855,13 @@
           <a:lstStyle/>
           <a:p>
             <a:r>
-              <a:rPr lang="de-DE"/>
+              <a:rPr lang="de-DE" smtClean="0"/>
               <a:t>|  </a:t>
             </a:r>
             <a:fld id="{C36AA9A4-5D0B-4134-89A6-D8B9DAA4F25C}" type="slidenum">
               <a:rPr lang="de-DE" smtClean="0"/>
               <a:pPr/>
-              <a:t>18</a:t>
+              <a:t>17</a:t>
             </a:fld>
             <a:endParaRPr lang="de-DE"/>
           </a:p>
@@ -2867,7 +2870,7 @@
     </p:spTree>
     <p:extLst>
       <p:ext uri="{BB962C8B-B14F-4D97-AF65-F5344CB8AC3E}">
-        <p14:creationId xmlns:p14="http://schemas.microsoft.com/office/powerpoint/2010/main" val="614719273"/>
+        <p14:creationId xmlns:p14="http://schemas.microsoft.com/office/powerpoint/2010/main" val="1719715303"/>
       </p:ext>
     </p:extLst>
   </p:cSld>
@@ -2947,7 +2950,7 @@
           <a:p>
             <a:fld id="{BEF970E4-9540-437D-B70A-0A41E70CE984}" type="datetime4">
               <a:rPr lang="de-DE" smtClean="0"/>
-              <a:t>18. Januar 2017</a:t>
+              <a:t>19. January 2017</a:t>
             </a:fld>
             <a:endParaRPr lang="de-DE"/>
           </a:p>
@@ -2969,10 +2972,9 @@
           <a:lstStyle/>
           <a:p>
             <a:r>
-              <a:rPr lang="de-DE" smtClean="0"/>
+              <a:rPr lang="de-DE"/>
               <a:t>|  </a:t>
             </a:r>
-            <a:endParaRPr lang="de-DE"/>
           </a:p>
         </p:txBody>
       </p:sp>
@@ -2992,7 +2994,7 @@
           <a:lstStyle/>
           <a:p>
             <a:r>
-              <a:rPr lang="de-DE" smtClean="0"/>
+              <a:rPr lang="de-DE"/>
               <a:t>|  </a:t>
             </a:r>
             <a:fld id="{C36AA9A4-5D0B-4134-89A6-D8B9DAA4F25C}" type="slidenum">
@@ -3007,7 +3009,7 @@
     </p:spTree>
     <p:extLst>
       <p:ext uri="{BB962C8B-B14F-4D97-AF65-F5344CB8AC3E}">
-        <p14:creationId xmlns:p14="http://schemas.microsoft.com/office/powerpoint/2010/main" val="83472082"/>
+        <p14:creationId xmlns:p14="http://schemas.microsoft.com/office/powerpoint/2010/main" val="1865772737"/>
       </p:ext>
     </p:extLst>
   </p:cSld>
@@ -3066,10 +3068,6 @@
           <a:bodyPr/>
           <a:lstStyle/>
           <a:p>
-            <a:r>
-              <a:rPr lang="en-US" dirty="0" smtClean="0"/>
-              <a:t>Add photos </a:t>
-            </a:r>
             <a:endParaRPr lang="en-US" dirty="0"/>
           </a:p>
         </p:txBody>
@@ -3091,7 +3089,7 @@
           <a:p>
             <a:fld id="{BEF970E4-9540-437D-B70A-0A41E70CE984}" type="datetime4">
               <a:rPr lang="de-DE" smtClean="0"/>
-              <a:t>18. Januar 2017</a:t>
+              <a:t>19. January 2017</a:t>
             </a:fld>
             <a:endParaRPr lang="de-DE"/>
           </a:p>
@@ -3113,9 +3111,10 @@
           <a:lstStyle/>
           <a:p>
             <a:r>
-              <a:rPr lang="de-DE"/>
+              <a:rPr lang="de-DE" smtClean="0"/>
               <a:t>|  </a:t>
             </a:r>
+            <a:endParaRPr lang="de-DE"/>
           </a:p>
         </p:txBody>
       </p:sp>
@@ -3135,7 +3134,7 @@
           <a:lstStyle/>
           <a:p>
             <a:r>
-              <a:rPr lang="de-DE"/>
+              <a:rPr lang="de-DE" smtClean="0"/>
               <a:t>|  </a:t>
             </a:r>
             <a:fld id="{C36AA9A4-5D0B-4134-89A6-D8B9DAA4F25C}" type="slidenum">
@@ -3150,7 +3149,7 @@
     </p:spTree>
     <p:extLst>
       <p:ext uri="{BB962C8B-B14F-4D97-AF65-F5344CB8AC3E}">
-        <p14:creationId xmlns:p14="http://schemas.microsoft.com/office/powerpoint/2010/main" val="459473194"/>
+        <p14:creationId xmlns:p14="http://schemas.microsoft.com/office/powerpoint/2010/main" val="1744293244"/>
       </p:ext>
     </p:extLst>
   </p:cSld>
@@ -3230,7 +3229,7 @@
           <a:p>
             <a:fld id="{BEF970E4-9540-437D-B70A-0A41E70CE984}" type="datetime4">
               <a:rPr lang="de-DE" smtClean="0"/>
-              <a:t>18. Januar 2017</a:t>
+              <a:t>19. January 2017</a:t>
             </a:fld>
             <a:endParaRPr lang="de-DE"/>
           </a:p>
@@ -3252,10 +3251,9 @@
           <a:lstStyle/>
           <a:p>
             <a:r>
-              <a:rPr lang="de-DE" smtClean="0"/>
+              <a:rPr lang="de-DE"/>
               <a:t>|  </a:t>
             </a:r>
-            <a:endParaRPr lang="de-DE"/>
           </a:p>
         </p:txBody>
       </p:sp>
@@ -3275,7 +3273,7 @@
           <a:lstStyle/>
           <a:p>
             <a:r>
-              <a:rPr lang="de-DE" smtClean="0"/>
+              <a:rPr lang="de-DE"/>
               <a:t>|  </a:t>
             </a:r>
             <a:fld id="{C36AA9A4-5D0B-4134-89A6-D8B9DAA4F25C}" type="slidenum">
@@ -3290,7 +3288,7 @@
     </p:spTree>
     <p:extLst>
       <p:ext uri="{BB962C8B-B14F-4D97-AF65-F5344CB8AC3E}">
-        <p14:creationId xmlns:p14="http://schemas.microsoft.com/office/powerpoint/2010/main" val="1236201559"/>
+        <p14:creationId xmlns:p14="http://schemas.microsoft.com/office/powerpoint/2010/main" val="1301839886"/>
       </p:ext>
     </p:extLst>
   </p:cSld>
@@ -3349,11 +3347,7 @@
           <a:bodyPr/>
           <a:lstStyle/>
           <a:p>
-            <a:r>
-              <a:rPr lang="en-US" dirty="0" smtClean="0"/>
-              <a:t>Add photos </a:t>
-            </a:r>
-            <a:endParaRPr lang="en-US" dirty="0"/>
+            <a:endParaRPr lang="en-US"/>
           </a:p>
         </p:txBody>
       </p:sp>
@@ -3374,7 +3368,7 @@
           <a:p>
             <a:fld id="{BEF970E4-9540-437D-B70A-0A41E70CE984}" type="datetime4">
               <a:rPr lang="de-DE" smtClean="0"/>
-              <a:t>18. Januar 2017</a:t>
+              <a:t>19. January 2017</a:t>
             </a:fld>
             <a:endParaRPr lang="de-DE"/>
           </a:p>
@@ -3396,9 +3390,10 @@
           <a:lstStyle/>
           <a:p>
             <a:r>
-              <a:rPr lang="de-DE"/>
+              <a:rPr lang="de-DE" smtClean="0"/>
               <a:t>|  </a:t>
             </a:r>
+            <a:endParaRPr lang="de-DE"/>
           </a:p>
         </p:txBody>
       </p:sp>
@@ -3418,7 +3413,7 @@
           <a:lstStyle/>
           <a:p>
             <a:r>
-              <a:rPr lang="de-DE"/>
+              <a:rPr lang="de-DE" smtClean="0"/>
               <a:t>|  </a:t>
             </a:r>
             <a:fld id="{C36AA9A4-5D0B-4134-89A6-D8B9DAA4F25C}" type="slidenum">
@@ -3433,7 +3428,7 @@
     </p:spTree>
     <p:extLst>
       <p:ext uri="{BB962C8B-B14F-4D97-AF65-F5344CB8AC3E}">
-        <p14:creationId xmlns:p14="http://schemas.microsoft.com/office/powerpoint/2010/main" val="1957951507"/>
+        <p14:creationId xmlns:p14="http://schemas.microsoft.com/office/powerpoint/2010/main" val="405505431"/>
       </p:ext>
     </p:extLst>
   </p:cSld>
@@ -3492,7 +3487,11 @@
           <a:bodyPr/>
           <a:lstStyle/>
           <a:p>
-            <a:endParaRPr lang="en-US"/>
+            <a:r>
+              <a:rPr lang="en-US" dirty="0" smtClean="0"/>
+              <a:t>Change the color of photo</a:t>
+            </a:r>
+            <a:endParaRPr lang="en-US" dirty="0"/>
           </a:p>
         </p:txBody>
       </p:sp>
@@ -3513,7 +3512,7 @@
           <a:p>
             <a:fld id="{BEF970E4-9540-437D-B70A-0A41E70CE984}" type="datetime4">
               <a:rPr lang="de-DE" smtClean="0"/>
-              <a:t>18. Januar 2017</a:t>
+              <a:t>19. January 2017</a:t>
             </a:fld>
             <a:endParaRPr lang="de-DE"/>
           </a:p>
@@ -3535,10 +3534,9 @@
           <a:lstStyle/>
           <a:p>
             <a:r>
-              <a:rPr lang="de-DE" smtClean="0"/>
+              <a:rPr lang="de-DE"/>
               <a:t>|  </a:t>
             </a:r>
-            <a:endParaRPr lang="de-DE"/>
           </a:p>
         </p:txBody>
       </p:sp>
@@ -3558,7 +3556,7 @@
           <a:lstStyle/>
           <a:p>
             <a:r>
-              <a:rPr lang="de-DE" smtClean="0"/>
+              <a:rPr lang="de-DE"/>
               <a:t>|  </a:t>
             </a:r>
             <a:fld id="{C36AA9A4-5D0B-4134-89A6-D8B9DAA4F25C}" type="slidenum">
@@ -3573,7 +3571,7 @@
     </p:spTree>
     <p:extLst>
       <p:ext uri="{BB962C8B-B14F-4D97-AF65-F5344CB8AC3E}">
-        <p14:creationId xmlns:p14="http://schemas.microsoft.com/office/powerpoint/2010/main" val="334645891"/>
+        <p14:creationId xmlns:p14="http://schemas.microsoft.com/office/powerpoint/2010/main" val="614719273"/>
       </p:ext>
     </p:extLst>
   </p:cSld>
@@ -3632,10 +3630,6 @@
           <a:bodyPr/>
           <a:lstStyle/>
           <a:p>
-            <a:r>
-              <a:rPr lang="en-US" smtClean="0"/>
-              <a:t>Add photos </a:t>
-            </a:r>
             <a:endParaRPr lang="en-US" dirty="0"/>
           </a:p>
         </p:txBody>
@@ -3657,7 +3651,7 @@
           <a:p>
             <a:fld id="{BEF970E4-9540-437D-B70A-0A41E70CE984}" type="datetime4">
               <a:rPr lang="de-DE" smtClean="0"/>
-              <a:t>18. Januar 2017</a:t>
+              <a:t>19. January 2017</a:t>
             </a:fld>
             <a:endParaRPr lang="de-DE"/>
           </a:p>
@@ -3679,9 +3673,10 @@
           <a:lstStyle/>
           <a:p>
             <a:r>
-              <a:rPr lang="de-DE"/>
+              <a:rPr lang="de-DE" smtClean="0"/>
               <a:t>|  </a:t>
             </a:r>
+            <a:endParaRPr lang="de-DE"/>
           </a:p>
         </p:txBody>
       </p:sp>
@@ -3701,7 +3696,7 @@
           <a:lstStyle/>
           <a:p>
             <a:r>
-              <a:rPr lang="de-DE"/>
+              <a:rPr lang="de-DE" smtClean="0"/>
               <a:t>|  </a:t>
             </a:r>
             <a:fld id="{C36AA9A4-5D0B-4134-89A6-D8B9DAA4F25C}" type="slidenum">
@@ -3716,7 +3711,290 @@
     </p:spTree>
     <p:extLst>
       <p:ext uri="{BB962C8B-B14F-4D97-AF65-F5344CB8AC3E}">
-        <p14:creationId xmlns:p14="http://schemas.microsoft.com/office/powerpoint/2010/main" val="1500454912"/>
+        <p14:creationId xmlns:p14="http://schemas.microsoft.com/office/powerpoint/2010/main" val="83472082"/>
+      </p:ext>
+    </p:extLst>
+  </p:cSld>
+  <p:clrMapOvr>
+    <a:masterClrMapping/>
+  </p:clrMapOvr>
+</p:notes>
+</file>
+
+<file path=ppt/notesSlides/notesSlide18.xml><?xml version="1.0" encoding="utf-8"?>
+<p:notes xmlns:a="http://schemas.openxmlformats.org/drawingml/2006/main" xmlns:r="http://schemas.openxmlformats.org/officeDocument/2006/relationships" xmlns:p="http://schemas.openxmlformats.org/presentationml/2006/main">
+  <p:cSld>
+    <p:spTree>
+      <p:nvGrpSpPr>
+        <p:cNvPr id="1" name=""/>
+        <p:cNvGrpSpPr/>
+        <p:nvPr/>
+      </p:nvGrpSpPr>
+      <p:grpSpPr>
+        <a:xfrm>
+          <a:off x="0" y="0"/>
+          <a:ext cx="0" cy="0"/>
+          <a:chOff x="0" y="0"/>
+          <a:chExt cx="0" cy="0"/>
+        </a:xfrm>
+      </p:grpSpPr>
+      <p:sp>
+        <p:nvSpPr>
+          <p:cNvPr id="2" name="Slide Image Placeholder 1"/>
+          <p:cNvSpPr>
+            <a:spLocks noGrp="1" noRot="1" noChangeAspect="1"/>
+          </p:cNvSpPr>
+          <p:nvPr>
+            <p:ph type="sldImg"/>
+          </p:nvPr>
+        </p:nvSpPr>
+        <p:spPr>
+          <a:xfrm>
+            <a:off x="1371600" y="923925"/>
+            <a:ext cx="4095750" cy="3071813"/>
+          </a:xfrm>
+        </p:spPr>
+      </p:sp>
+      <p:sp>
+        <p:nvSpPr>
+          <p:cNvPr id="3" name="Notes Placeholder 2"/>
+          <p:cNvSpPr>
+            <a:spLocks noGrp="1"/>
+          </p:cNvSpPr>
+          <p:nvPr>
+            <p:ph type="body" idx="1"/>
+          </p:nvPr>
+        </p:nvSpPr>
+        <p:spPr/>
+        <p:txBody>
+          <a:bodyPr/>
+          <a:lstStyle/>
+          <a:p>
+            <a:r>
+              <a:rPr lang="en-US" dirty="0" smtClean="0"/>
+              <a:t>Add photos </a:t>
+            </a:r>
+            <a:endParaRPr lang="en-US" dirty="0"/>
+          </a:p>
+        </p:txBody>
+      </p:sp>
+      <p:sp>
+        <p:nvSpPr>
+          <p:cNvPr id="4" name="Date Placeholder 3"/>
+          <p:cNvSpPr>
+            <a:spLocks noGrp="1"/>
+          </p:cNvSpPr>
+          <p:nvPr>
+            <p:ph type="dt" idx="10"/>
+          </p:nvPr>
+        </p:nvSpPr>
+        <p:spPr/>
+        <p:txBody>
+          <a:bodyPr/>
+          <a:lstStyle/>
+          <a:p>
+            <a:fld id="{BEF970E4-9540-437D-B70A-0A41E70CE984}" type="datetime4">
+              <a:rPr lang="de-DE" smtClean="0"/>
+              <a:t>19. January 2017</a:t>
+            </a:fld>
+            <a:endParaRPr lang="de-DE"/>
+          </a:p>
+        </p:txBody>
+      </p:sp>
+      <p:sp>
+        <p:nvSpPr>
+          <p:cNvPr id="5" name="Footer Placeholder 4"/>
+          <p:cNvSpPr>
+            <a:spLocks noGrp="1"/>
+          </p:cNvSpPr>
+          <p:nvPr>
+            <p:ph type="ftr" sz="quarter" idx="11"/>
+          </p:nvPr>
+        </p:nvSpPr>
+        <p:spPr/>
+        <p:txBody>
+          <a:bodyPr/>
+          <a:lstStyle/>
+          <a:p>
+            <a:r>
+              <a:rPr lang="de-DE"/>
+              <a:t>|  </a:t>
+            </a:r>
+          </a:p>
+        </p:txBody>
+      </p:sp>
+      <p:sp>
+        <p:nvSpPr>
+          <p:cNvPr id="6" name="Slide Number Placeholder 5"/>
+          <p:cNvSpPr>
+            <a:spLocks noGrp="1"/>
+          </p:cNvSpPr>
+          <p:nvPr>
+            <p:ph type="sldNum" sz="quarter" idx="12"/>
+          </p:nvPr>
+        </p:nvSpPr>
+        <p:spPr/>
+        <p:txBody>
+          <a:bodyPr/>
+          <a:lstStyle/>
+          <a:p>
+            <a:r>
+              <a:rPr lang="de-DE"/>
+              <a:t>|  </a:t>
+            </a:r>
+            <a:fld id="{C36AA9A4-5D0B-4134-89A6-D8B9DAA4F25C}" type="slidenum">
+              <a:rPr lang="de-DE" smtClean="0"/>
+              <a:pPr/>
+              <a:t>25</a:t>
+            </a:fld>
+            <a:endParaRPr lang="de-DE"/>
+          </a:p>
+        </p:txBody>
+      </p:sp>
+    </p:spTree>
+    <p:extLst>
+      <p:ext uri="{BB962C8B-B14F-4D97-AF65-F5344CB8AC3E}">
+        <p14:creationId xmlns:p14="http://schemas.microsoft.com/office/powerpoint/2010/main" val="459473194"/>
+      </p:ext>
+    </p:extLst>
+  </p:cSld>
+  <p:clrMapOvr>
+    <a:masterClrMapping/>
+  </p:clrMapOvr>
+</p:notes>
+</file>
+
+<file path=ppt/notesSlides/notesSlide19.xml><?xml version="1.0" encoding="utf-8"?>
+<p:notes xmlns:a="http://schemas.openxmlformats.org/drawingml/2006/main" xmlns:r="http://schemas.openxmlformats.org/officeDocument/2006/relationships" xmlns:p="http://schemas.openxmlformats.org/presentationml/2006/main">
+  <p:cSld>
+    <p:spTree>
+      <p:nvGrpSpPr>
+        <p:cNvPr id="1" name=""/>
+        <p:cNvGrpSpPr/>
+        <p:nvPr/>
+      </p:nvGrpSpPr>
+      <p:grpSpPr>
+        <a:xfrm>
+          <a:off x="0" y="0"/>
+          <a:ext cx="0" cy="0"/>
+          <a:chOff x="0" y="0"/>
+          <a:chExt cx="0" cy="0"/>
+        </a:xfrm>
+      </p:grpSpPr>
+      <p:sp>
+        <p:nvSpPr>
+          <p:cNvPr id="2" name="Slide Image Placeholder 1"/>
+          <p:cNvSpPr>
+            <a:spLocks noGrp="1" noRot="1" noChangeAspect="1"/>
+          </p:cNvSpPr>
+          <p:nvPr>
+            <p:ph type="sldImg"/>
+          </p:nvPr>
+        </p:nvSpPr>
+        <p:spPr>
+          <a:xfrm>
+            <a:off x="1371600" y="923925"/>
+            <a:ext cx="4095750" cy="3071813"/>
+          </a:xfrm>
+        </p:spPr>
+      </p:sp>
+      <p:sp>
+        <p:nvSpPr>
+          <p:cNvPr id="3" name="Notes Placeholder 2"/>
+          <p:cNvSpPr>
+            <a:spLocks noGrp="1"/>
+          </p:cNvSpPr>
+          <p:nvPr>
+            <p:ph type="body" idx="1"/>
+          </p:nvPr>
+        </p:nvSpPr>
+        <p:spPr/>
+        <p:txBody>
+          <a:bodyPr/>
+          <a:lstStyle/>
+          <a:p>
+            <a:endParaRPr lang="en-US" dirty="0"/>
+          </a:p>
+        </p:txBody>
+      </p:sp>
+      <p:sp>
+        <p:nvSpPr>
+          <p:cNvPr id="4" name="Date Placeholder 3"/>
+          <p:cNvSpPr>
+            <a:spLocks noGrp="1"/>
+          </p:cNvSpPr>
+          <p:nvPr>
+            <p:ph type="dt" idx="10"/>
+          </p:nvPr>
+        </p:nvSpPr>
+        <p:spPr/>
+        <p:txBody>
+          <a:bodyPr/>
+          <a:lstStyle/>
+          <a:p>
+            <a:fld id="{BEF970E4-9540-437D-B70A-0A41E70CE984}" type="datetime4">
+              <a:rPr lang="de-DE" smtClean="0"/>
+              <a:t>19. January 2017</a:t>
+            </a:fld>
+            <a:endParaRPr lang="de-DE"/>
+          </a:p>
+        </p:txBody>
+      </p:sp>
+      <p:sp>
+        <p:nvSpPr>
+          <p:cNvPr id="5" name="Footer Placeholder 4"/>
+          <p:cNvSpPr>
+            <a:spLocks noGrp="1"/>
+          </p:cNvSpPr>
+          <p:nvPr>
+            <p:ph type="ftr" sz="quarter" idx="11"/>
+          </p:nvPr>
+        </p:nvSpPr>
+        <p:spPr/>
+        <p:txBody>
+          <a:bodyPr/>
+          <a:lstStyle/>
+          <a:p>
+            <a:r>
+              <a:rPr lang="de-DE" smtClean="0"/>
+              <a:t>|  </a:t>
+            </a:r>
+            <a:endParaRPr lang="de-DE"/>
+          </a:p>
+        </p:txBody>
+      </p:sp>
+      <p:sp>
+        <p:nvSpPr>
+          <p:cNvPr id="6" name="Slide Number Placeholder 5"/>
+          <p:cNvSpPr>
+            <a:spLocks noGrp="1"/>
+          </p:cNvSpPr>
+          <p:nvPr>
+            <p:ph type="sldNum" sz="quarter" idx="12"/>
+          </p:nvPr>
+        </p:nvSpPr>
+        <p:spPr/>
+        <p:txBody>
+          <a:bodyPr/>
+          <a:lstStyle/>
+          <a:p>
+            <a:r>
+              <a:rPr lang="de-DE" smtClean="0"/>
+              <a:t>|  </a:t>
+            </a:r>
+            <a:fld id="{C36AA9A4-5D0B-4134-89A6-D8B9DAA4F25C}" type="slidenum">
+              <a:rPr lang="de-DE" smtClean="0"/>
+              <a:pPr/>
+              <a:t>26</a:t>
+            </a:fld>
+            <a:endParaRPr lang="de-DE"/>
+          </a:p>
+        </p:txBody>
+      </p:sp>
+    </p:spTree>
+    <p:extLst>
+      <p:ext uri="{BB962C8B-B14F-4D97-AF65-F5344CB8AC3E}">
+        <p14:creationId xmlns:p14="http://schemas.microsoft.com/office/powerpoint/2010/main" val="1236201559"/>
       </p:ext>
     </p:extLst>
   </p:cSld>
@@ -3800,7 +4078,7 @@
           <a:p>
             <a:fld id="{BEF970E4-9540-437D-B70A-0A41E70CE984}" type="datetime4">
               <a:rPr lang="de-DE" smtClean="0"/>
-              <a:t>18. Januar 2017</a:t>
+              <a:t>19. January 2017</a:t>
             </a:fld>
             <a:endParaRPr lang="de-DE"/>
           </a:p>
@@ -3860,6 +4138,575 @@
     <p:extLst>
       <p:ext uri="{BB962C8B-B14F-4D97-AF65-F5344CB8AC3E}">
         <p14:creationId xmlns:p14="http://schemas.microsoft.com/office/powerpoint/2010/main" val="1909590322"/>
+      </p:ext>
+    </p:extLst>
+  </p:cSld>
+  <p:clrMapOvr>
+    <a:masterClrMapping/>
+  </p:clrMapOvr>
+</p:notes>
+</file>
+
+<file path=ppt/notesSlides/notesSlide20.xml><?xml version="1.0" encoding="utf-8"?>
+<p:notes xmlns:a="http://schemas.openxmlformats.org/drawingml/2006/main" xmlns:r="http://schemas.openxmlformats.org/officeDocument/2006/relationships" xmlns:p="http://schemas.openxmlformats.org/presentationml/2006/main">
+  <p:cSld>
+    <p:spTree>
+      <p:nvGrpSpPr>
+        <p:cNvPr id="1" name=""/>
+        <p:cNvGrpSpPr/>
+        <p:nvPr/>
+      </p:nvGrpSpPr>
+      <p:grpSpPr>
+        <a:xfrm>
+          <a:off x="0" y="0"/>
+          <a:ext cx="0" cy="0"/>
+          <a:chOff x="0" y="0"/>
+          <a:chExt cx="0" cy="0"/>
+        </a:xfrm>
+      </p:grpSpPr>
+      <p:sp>
+        <p:nvSpPr>
+          <p:cNvPr id="2" name="Slide Image Placeholder 1"/>
+          <p:cNvSpPr>
+            <a:spLocks noGrp="1" noRot="1" noChangeAspect="1"/>
+          </p:cNvSpPr>
+          <p:nvPr>
+            <p:ph type="sldImg"/>
+          </p:nvPr>
+        </p:nvSpPr>
+        <p:spPr>
+          <a:xfrm>
+            <a:off x="1371600" y="923925"/>
+            <a:ext cx="4095750" cy="3071813"/>
+          </a:xfrm>
+        </p:spPr>
+      </p:sp>
+      <p:sp>
+        <p:nvSpPr>
+          <p:cNvPr id="3" name="Notes Placeholder 2"/>
+          <p:cNvSpPr>
+            <a:spLocks noGrp="1"/>
+          </p:cNvSpPr>
+          <p:nvPr>
+            <p:ph type="body" idx="1"/>
+          </p:nvPr>
+        </p:nvSpPr>
+        <p:spPr/>
+        <p:txBody>
+          <a:bodyPr/>
+          <a:lstStyle/>
+          <a:p>
+            <a:r>
+              <a:rPr lang="en-US" dirty="0" smtClean="0"/>
+              <a:t>Add photos </a:t>
+            </a:r>
+            <a:endParaRPr lang="en-US" dirty="0"/>
+          </a:p>
+        </p:txBody>
+      </p:sp>
+      <p:sp>
+        <p:nvSpPr>
+          <p:cNvPr id="4" name="Date Placeholder 3"/>
+          <p:cNvSpPr>
+            <a:spLocks noGrp="1"/>
+          </p:cNvSpPr>
+          <p:nvPr>
+            <p:ph type="dt" idx="10"/>
+          </p:nvPr>
+        </p:nvSpPr>
+        <p:spPr/>
+        <p:txBody>
+          <a:bodyPr/>
+          <a:lstStyle/>
+          <a:p>
+            <a:fld id="{BEF970E4-9540-437D-B70A-0A41E70CE984}" type="datetime4">
+              <a:rPr lang="de-DE" smtClean="0"/>
+              <a:t>19. January 2017</a:t>
+            </a:fld>
+            <a:endParaRPr lang="de-DE"/>
+          </a:p>
+        </p:txBody>
+      </p:sp>
+      <p:sp>
+        <p:nvSpPr>
+          <p:cNvPr id="5" name="Footer Placeholder 4"/>
+          <p:cNvSpPr>
+            <a:spLocks noGrp="1"/>
+          </p:cNvSpPr>
+          <p:nvPr>
+            <p:ph type="ftr" sz="quarter" idx="11"/>
+          </p:nvPr>
+        </p:nvSpPr>
+        <p:spPr/>
+        <p:txBody>
+          <a:bodyPr/>
+          <a:lstStyle/>
+          <a:p>
+            <a:r>
+              <a:rPr lang="de-DE"/>
+              <a:t>|  </a:t>
+            </a:r>
+          </a:p>
+        </p:txBody>
+      </p:sp>
+      <p:sp>
+        <p:nvSpPr>
+          <p:cNvPr id="6" name="Slide Number Placeholder 5"/>
+          <p:cNvSpPr>
+            <a:spLocks noGrp="1"/>
+          </p:cNvSpPr>
+          <p:nvPr>
+            <p:ph type="sldNum" sz="quarter" idx="12"/>
+          </p:nvPr>
+        </p:nvSpPr>
+        <p:spPr/>
+        <p:txBody>
+          <a:bodyPr/>
+          <a:lstStyle/>
+          <a:p>
+            <a:r>
+              <a:rPr lang="de-DE"/>
+              <a:t>|  </a:t>
+            </a:r>
+            <a:fld id="{C36AA9A4-5D0B-4134-89A6-D8B9DAA4F25C}" type="slidenum">
+              <a:rPr lang="de-DE" smtClean="0"/>
+              <a:pPr/>
+              <a:t>27</a:t>
+            </a:fld>
+            <a:endParaRPr lang="de-DE"/>
+          </a:p>
+        </p:txBody>
+      </p:sp>
+    </p:spTree>
+    <p:extLst>
+      <p:ext uri="{BB962C8B-B14F-4D97-AF65-F5344CB8AC3E}">
+        <p14:creationId xmlns:p14="http://schemas.microsoft.com/office/powerpoint/2010/main" val="1957951507"/>
+      </p:ext>
+    </p:extLst>
+  </p:cSld>
+  <p:clrMapOvr>
+    <a:masterClrMapping/>
+  </p:clrMapOvr>
+</p:notes>
+</file>
+
+<file path=ppt/notesSlides/notesSlide21.xml><?xml version="1.0" encoding="utf-8"?>
+<p:notes xmlns:a="http://schemas.openxmlformats.org/drawingml/2006/main" xmlns:r="http://schemas.openxmlformats.org/officeDocument/2006/relationships" xmlns:p="http://schemas.openxmlformats.org/presentationml/2006/main">
+  <p:cSld>
+    <p:spTree>
+      <p:nvGrpSpPr>
+        <p:cNvPr id="1" name=""/>
+        <p:cNvGrpSpPr/>
+        <p:nvPr/>
+      </p:nvGrpSpPr>
+      <p:grpSpPr>
+        <a:xfrm>
+          <a:off x="0" y="0"/>
+          <a:ext cx="0" cy="0"/>
+          <a:chOff x="0" y="0"/>
+          <a:chExt cx="0" cy="0"/>
+        </a:xfrm>
+      </p:grpSpPr>
+      <p:sp>
+        <p:nvSpPr>
+          <p:cNvPr id="2" name="Slide Image Placeholder 1"/>
+          <p:cNvSpPr>
+            <a:spLocks noGrp="1" noRot="1" noChangeAspect="1"/>
+          </p:cNvSpPr>
+          <p:nvPr>
+            <p:ph type="sldImg"/>
+          </p:nvPr>
+        </p:nvSpPr>
+        <p:spPr>
+          <a:xfrm>
+            <a:off x="1371600" y="923925"/>
+            <a:ext cx="4095750" cy="3071813"/>
+          </a:xfrm>
+        </p:spPr>
+      </p:sp>
+      <p:sp>
+        <p:nvSpPr>
+          <p:cNvPr id="3" name="Notes Placeholder 2"/>
+          <p:cNvSpPr>
+            <a:spLocks noGrp="1"/>
+          </p:cNvSpPr>
+          <p:nvPr>
+            <p:ph type="body" idx="1"/>
+          </p:nvPr>
+        </p:nvSpPr>
+        <p:spPr/>
+        <p:txBody>
+          <a:bodyPr/>
+          <a:lstStyle/>
+          <a:p>
+            <a:endParaRPr lang="en-US"/>
+          </a:p>
+        </p:txBody>
+      </p:sp>
+      <p:sp>
+        <p:nvSpPr>
+          <p:cNvPr id="4" name="Date Placeholder 3"/>
+          <p:cNvSpPr>
+            <a:spLocks noGrp="1"/>
+          </p:cNvSpPr>
+          <p:nvPr>
+            <p:ph type="dt" idx="10"/>
+          </p:nvPr>
+        </p:nvSpPr>
+        <p:spPr/>
+        <p:txBody>
+          <a:bodyPr/>
+          <a:lstStyle/>
+          <a:p>
+            <a:fld id="{BEF970E4-9540-437D-B70A-0A41E70CE984}" type="datetime4">
+              <a:rPr lang="de-DE" smtClean="0"/>
+              <a:t>19. January 2017</a:t>
+            </a:fld>
+            <a:endParaRPr lang="de-DE"/>
+          </a:p>
+        </p:txBody>
+      </p:sp>
+      <p:sp>
+        <p:nvSpPr>
+          <p:cNvPr id="5" name="Footer Placeholder 4"/>
+          <p:cNvSpPr>
+            <a:spLocks noGrp="1"/>
+          </p:cNvSpPr>
+          <p:nvPr>
+            <p:ph type="ftr" sz="quarter" idx="11"/>
+          </p:nvPr>
+        </p:nvSpPr>
+        <p:spPr/>
+        <p:txBody>
+          <a:bodyPr/>
+          <a:lstStyle/>
+          <a:p>
+            <a:r>
+              <a:rPr lang="de-DE" smtClean="0"/>
+              <a:t>|  </a:t>
+            </a:r>
+            <a:endParaRPr lang="de-DE"/>
+          </a:p>
+        </p:txBody>
+      </p:sp>
+      <p:sp>
+        <p:nvSpPr>
+          <p:cNvPr id="6" name="Slide Number Placeholder 5"/>
+          <p:cNvSpPr>
+            <a:spLocks noGrp="1"/>
+          </p:cNvSpPr>
+          <p:nvPr>
+            <p:ph type="sldNum" sz="quarter" idx="12"/>
+          </p:nvPr>
+        </p:nvSpPr>
+        <p:spPr/>
+        <p:txBody>
+          <a:bodyPr/>
+          <a:lstStyle/>
+          <a:p>
+            <a:r>
+              <a:rPr lang="de-DE" smtClean="0"/>
+              <a:t>|  </a:t>
+            </a:r>
+            <a:fld id="{C36AA9A4-5D0B-4134-89A6-D8B9DAA4F25C}" type="slidenum">
+              <a:rPr lang="de-DE" smtClean="0"/>
+              <a:pPr/>
+              <a:t>28</a:t>
+            </a:fld>
+            <a:endParaRPr lang="de-DE"/>
+          </a:p>
+        </p:txBody>
+      </p:sp>
+    </p:spTree>
+    <p:extLst>
+      <p:ext uri="{BB962C8B-B14F-4D97-AF65-F5344CB8AC3E}">
+        <p14:creationId xmlns:p14="http://schemas.microsoft.com/office/powerpoint/2010/main" val="334645891"/>
+      </p:ext>
+    </p:extLst>
+  </p:cSld>
+  <p:clrMapOvr>
+    <a:masterClrMapping/>
+  </p:clrMapOvr>
+</p:notes>
+</file>
+
+<file path=ppt/notesSlides/notesSlide22.xml><?xml version="1.0" encoding="utf-8"?>
+<p:notes xmlns:a="http://schemas.openxmlformats.org/drawingml/2006/main" xmlns:r="http://schemas.openxmlformats.org/officeDocument/2006/relationships" xmlns:p="http://schemas.openxmlformats.org/presentationml/2006/main">
+  <p:cSld>
+    <p:spTree>
+      <p:nvGrpSpPr>
+        <p:cNvPr id="1" name=""/>
+        <p:cNvGrpSpPr/>
+        <p:nvPr/>
+      </p:nvGrpSpPr>
+      <p:grpSpPr>
+        <a:xfrm>
+          <a:off x="0" y="0"/>
+          <a:ext cx="0" cy="0"/>
+          <a:chOff x="0" y="0"/>
+          <a:chExt cx="0" cy="0"/>
+        </a:xfrm>
+      </p:grpSpPr>
+      <p:sp>
+        <p:nvSpPr>
+          <p:cNvPr id="2" name="Slide Image Placeholder 1"/>
+          <p:cNvSpPr>
+            <a:spLocks noGrp="1" noRot="1" noChangeAspect="1"/>
+          </p:cNvSpPr>
+          <p:nvPr>
+            <p:ph type="sldImg"/>
+          </p:nvPr>
+        </p:nvSpPr>
+        <p:spPr>
+          <a:xfrm>
+            <a:off x="1371600" y="923925"/>
+            <a:ext cx="4095750" cy="3071813"/>
+          </a:xfrm>
+        </p:spPr>
+      </p:sp>
+      <p:sp>
+        <p:nvSpPr>
+          <p:cNvPr id="3" name="Notes Placeholder 2"/>
+          <p:cNvSpPr>
+            <a:spLocks noGrp="1"/>
+          </p:cNvSpPr>
+          <p:nvPr>
+            <p:ph type="body" idx="1"/>
+          </p:nvPr>
+        </p:nvSpPr>
+        <p:spPr/>
+        <p:txBody>
+          <a:bodyPr/>
+          <a:lstStyle/>
+          <a:p>
+            <a:r>
+              <a:rPr lang="en-US" smtClean="0"/>
+              <a:t>Add photos </a:t>
+            </a:r>
+            <a:endParaRPr lang="en-US" dirty="0"/>
+          </a:p>
+        </p:txBody>
+      </p:sp>
+      <p:sp>
+        <p:nvSpPr>
+          <p:cNvPr id="4" name="Date Placeholder 3"/>
+          <p:cNvSpPr>
+            <a:spLocks noGrp="1"/>
+          </p:cNvSpPr>
+          <p:nvPr>
+            <p:ph type="dt" idx="10"/>
+          </p:nvPr>
+        </p:nvSpPr>
+        <p:spPr/>
+        <p:txBody>
+          <a:bodyPr/>
+          <a:lstStyle/>
+          <a:p>
+            <a:fld id="{BEF970E4-9540-437D-B70A-0A41E70CE984}" type="datetime4">
+              <a:rPr lang="de-DE" smtClean="0"/>
+              <a:t>19. January 2017</a:t>
+            </a:fld>
+            <a:endParaRPr lang="de-DE"/>
+          </a:p>
+        </p:txBody>
+      </p:sp>
+      <p:sp>
+        <p:nvSpPr>
+          <p:cNvPr id="5" name="Footer Placeholder 4"/>
+          <p:cNvSpPr>
+            <a:spLocks noGrp="1"/>
+          </p:cNvSpPr>
+          <p:nvPr>
+            <p:ph type="ftr" sz="quarter" idx="11"/>
+          </p:nvPr>
+        </p:nvSpPr>
+        <p:spPr/>
+        <p:txBody>
+          <a:bodyPr/>
+          <a:lstStyle/>
+          <a:p>
+            <a:r>
+              <a:rPr lang="de-DE"/>
+              <a:t>|  </a:t>
+            </a:r>
+          </a:p>
+        </p:txBody>
+      </p:sp>
+      <p:sp>
+        <p:nvSpPr>
+          <p:cNvPr id="6" name="Slide Number Placeholder 5"/>
+          <p:cNvSpPr>
+            <a:spLocks noGrp="1"/>
+          </p:cNvSpPr>
+          <p:nvPr>
+            <p:ph type="sldNum" sz="quarter" idx="12"/>
+          </p:nvPr>
+        </p:nvSpPr>
+        <p:spPr/>
+        <p:txBody>
+          <a:bodyPr/>
+          <a:lstStyle/>
+          <a:p>
+            <a:r>
+              <a:rPr lang="de-DE"/>
+              <a:t>|  </a:t>
+            </a:r>
+            <a:fld id="{C36AA9A4-5D0B-4134-89A6-D8B9DAA4F25C}" type="slidenum">
+              <a:rPr lang="de-DE" smtClean="0"/>
+              <a:pPr/>
+              <a:t>29</a:t>
+            </a:fld>
+            <a:endParaRPr lang="de-DE"/>
+          </a:p>
+        </p:txBody>
+      </p:sp>
+    </p:spTree>
+    <p:extLst>
+      <p:ext uri="{BB962C8B-B14F-4D97-AF65-F5344CB8AC3E}">
+        <p14:creationId xmlns:p14="http://schemas.microsoft.com/office/powerpoint/2010/main" val="1500454912"/>
+      </p:ext>
+    </p:extLst>
+  </p:cSld>
+  <p:clrMapOvr>
+    <a:masterClrMapping/>
+  </p:clrMapOvr>
+</p:notes>
+</file>
+
+<file path=ppt/notesSlides/notesSlide23.xml><?xml version="1.0" encoding="utf-8"?>
+<p:notes xmlns:a="http://schemas.openxmlformats.org/drawingml/2006/main" xmlns:r="http://schemas.openxmlformats.org/officeDocument/2006/relationships" xmlns:p="http://schemas.openxmlformats.org/presentationml/2006/main">
+  <p:cSld>
+    <p:spTree>
+      <p:nvGrpSpPr>
+        <p:cNvPr id="1" name=""/>
+        <p:cNvGrpSpPr/>
+        <p:nvPr/>
+      </p:nvGrpSpPr>
+      <p:grpSpPr>
+        <a:xfrm>
+          <a:off x="0" y="0"/>
+          <a:ext cx="0" cy="0"/>
+          <a:chOff x="0" y="0"/>
+          <a:chExt cx="0" cy="0"/>
+        </a:xfrm>
+      </p:grpSpPr>
+      <p:sp>
+        <p:nvSpPr>
+          <p:cNvPr id="2" name="Slide Image Placeholder 1"/>
+          <p:cNvSpPr>
+            <a:spLocks noGrp="1" noRot="1" noChangeAspect="1"/>
+          </p:cNvSpPr>
+          <p:nvPr>
+            <p:ph type="sldImg"/>
+          </p:nvPr>
+        </p:nvSpPr>
+        <p:spPr>
+          <a:xfrm>
+            <a:off x="1371600" y="923925"/>
+            <a:ext cx="4095750" cy="3071813"/>
+          </a:xfrm>
+        </p:spPr>
+      </p:sp>
+      <p:sp>
+        <p:nvSpPr>
+          <p:cNvPr id="3" name="Notes Placeholder 2"/>
+          <p:cNvSpPr>
+            <a:spLocks noGrp="1"/>
+          </p:cNvSpPr>
+          <p:nvPr>
+            <p:ph type="body" idx="1"/>
+          </p:nvPr>
+        </p:nvSpPr>
+        <p:spPr/>
+        <p:txBody>
+          <a:bodyPr/>
+          <a:lstStyle/>
+          <a:p>
+            <a:r>
+              <a:rPr lang="en-US" dirty="0" smtClean="0"/>
+              <a:t>Add photos </a:t>
+            </a:r>
+            <a:endParaRPr lang="en-US" dirty="0"/>
+          </a:p>
+        </p:txBody>
+      </p:sp>
+      <p:sp>
+        <p:nvSpPr>
+          <p:cNvPr id="4" name="Date Placeholder 3"/>
+          <p:cNvSpPr>
+            <a:spLocks noGrp="1"/>
+          </p:cNvSpPr>
+          <p:nvPr>
+            <p:ph type="dt" idx="10"/>
+          </p:nvPr>
+        </p:nvSpPr>
+        <p:spPr/>
+        <p:txBody>
+          <a:bodyPr/>
+          <a:lstStyle/>
+          <a:p>
+            <a:fld id="{BEF970E4-9540-437D-B70A-0A41E70CE984}" type="datetime4">
+              <a:rPr lang="de-DE" smtClean="0"/>
+              <a:t>19. January 2017</a:t>
+            </a:fld>
+            <a:endParaRPr lang="de-DE"/>
+          </a:p>
+        </p:txBody>
+      </p:sp>
+      <p:sp>
+        <p:nvSpPr>
+          <p:cNvPr id="5" name="Footer Placeholder 4"/>
+          <p:cNvSpPr>
+            <a:spLocks noGrp="1"/>
+          </p:cNvSpPr>
+          <p:nvPr>
+            <p:ph type="ftr" sz="quarter" idx="11"/>
+          </p:nvPr>
+        </p:nvSpPr>
+        <p:spPr/>
+        <p:txBody>
+          <a:bodyPr/>
+          <a:lstStyle/>
+          <a:p>
+            <a:r>
+              <a:rPr lang="de-DE"/>
+              <a:t>|  </a:t>
+            </a:r>
+          </a:p>
+        </p:txBody>
+      </p:sp>
+      <p:sp>
+        <p:nvSpPr>
+          <p:cNvPr id="6" name="Slide Number Placeholder 5"/>
+          <p:cNvSpPr>
+            <a:spLocks noGrp="1"/>
+          </p:cNvSpPr>
+          <p:nvPr>
+            <p:ph type="sldNum" sz="quarter" idx="12"/>
+          </p:nvPr>
+        </p:nvSpPr>
+        <p:spPr/>
+        <p:txBody>
+          <a:bodyPr/>
+          <a:lstStyle/>
+          <a:p>
+            <a:r>
+              <a:rPr lang="de-DE"/>
+              <a:t>|  </a:t>
+            </a:r>
+            <a:fld id="{C36AA9A4-5D0B-4134-89A6-D8B9DAA4F25C}" type="slidenum">
+              <a:rPr lang="de-DE" smtClean="0"/>
+              <a:pPr/>
+              <a:t>30</a:t>
+            </a:fld>
+            <a:endParaRPr lang="de-DE"/>
+          </a:p>
+        </p:txBody>
+      </p:sp>
+    </p:spTree>
+    <p:extLst>
+      <p:ext uri="{BB962C8B-B14F-4D97-AF65-F5344CB8AC3E}">
+        <p14:creationId xmlns:p14="http://schemas.microsoft.com/office/powerpoint/2010/main" val="1031189430"/>
       </p:ext>
     </p:extLst>
   </p:cSld>
@@ -3957,7 +4804,7 @@
           <a:p>
             <a:fld id="{BEF970E4-9540-437D-B70A-0A41E70CE984}" type="datetime4">
               <a:rPr lang="de-DE" smtClean="0"/>
-              <a:t>18. Januar 2017</a:t>
+              <a:t>19. January 2017</a:t>
             </a:fld>
             <a:endParaRPr lang="de-DE"/>
           </a:p>
@@ -4105,7 +4952,7 @@
           <a:p>
             <a:fld id="{BEF970E4-9540-437D-B70A-0A41E70CE984}" type="datetime4">
               <a:rPr lang="de-DE" smtClean="0"/>
-              <a:t>18. Januar 2017</a:t>
+              <a:t>19. January 2017</a:t>
             </a:fld>
             <a:endParaRPr lang="de-DE"/>
           </a:p>
@@ -4253,7 +5100,7 @@
           <a:p>
             <a:fld id="{BEF970E4-9540-437D-B70A-0A41E70CE984}" type="datetime4">
               <a:rPr lang="de-DE" smtClean="0"/>
-              <a:t>18. Januar 2017</a:t>
+              <a:t>19. January 2017</a:t>
             </a:fld>
             <a:endParaRPr lang="de-DE"/>
           </a:p>
@@ -4401,7 +5248,7 @@
           <a:p>
             <a:fld id="{BEF970E4-9540-437D-B70A-0A41E70CE984}" type="datetime4">
               <a:rPr lang="de-DE" smtClean="0"/>
-              <a:t>18. Januar 2017</a:t>
+              <a:t>19. January 2017</a:t>
             </a:fld>
             <a:endParaRPr lang="de-DE"/>
           </a:p>
@@ -4520,6 +5367,18 @@
           <a:bodyPr/>
           <a:lstStyle/>
           <a:p>
+            <a:r>
+              <a:rPr lang="en-US" dirty="0" smtClean="0"/>
+              <a:t>POPMP: proposed </a:t>
+            </a:r>
+            <a:r>
+              <a:rPr lang="en-US" dirty="0" err="1" smtClean="0"/>
+              <a:t>openmp</a:t>
+            </a:r>
+            <a:r>
+              <a:rPr lang="en-US" baseline="0" dirty="0" smtClean="0"/>
+              <a:t> profiling tool</a:t>
+            </a:r>
             <a:endParaRPr lang="en-US" dirty="0"/>
           </a:p>
         </p:txBody>
@@ -4541,7 +5400,7 @@
           <a:p>
             <a:fld id="{BEF970E4-9540-437D-B70A-0A41E70CE984}" type="datetime4">
               <a:rPr lang="de-DE" smtClean="0"/>
-              <a:t>18. Januar 2017</a:t>
+              <a:t>19. January 2017</a:t>
             </a:fld>
             <a:endParaRPr lang="de-DE"/>
           </a:p>
@@ -4563,9 +5422,10 @@
           <a:lstStyle/>
           <a:p>
             <a:r>
-              <a:rPr lang="de-DE"/>
+              <a:rPr lang="de-DE" smtClean="0"/>
               <a:t>|  </a:t>
             </a:r>
+            <a:endParaRPr lang="de-DE"/>
           </a:p>
         </p:txBody>
       </p:sp>
@@ -4585,13 +5445,13 @@
           <a:lstStyle/>
           <a:p>
             <a:r>
-              <a:rPr lang="de-DE"/>
+              <a:rPr lang="de-DE" smtClean="0"/>
               <a:t>|  </a:t>
             </a:r>
             <a:fld id="{C36AA9A4-5D0B-4134-89A6-D8B9DAA4F25C}" type="slidenum">
               <a:rPr lang="de-DE" smtClean="0"/>
               <a:pPr/>
-              <a:t>14</a:t>
+              <a:t>10</a:t>
             </a:fld>
             <a:endParaRPr lang="de-DE"/>
           </a:p>
@@ -4600,7 +5460,7 @@
     </p:spTree>
     <p:extLst>
       <p:ext uri="{BB962C8B-B14F-4D97-AF65-F5344CB8AC3E}">
-        <p14:creationId xmlns:p14="http://schemas.microsoft.com/office/powerpoint/2010/main" val="1865772737"/>
+        <p14:creationId xmlns:p14="http://schemas.microsoft.com/office/powerpoint/2010/main" val="274683053"/>
       </p:ext>
     </p:extLst>
   </p:cSld>
@@ -4680,7 +5540,7 @@
           <a:p>
             <a:fld id="{BEF970E4-9540-437D-B70A-0A41E70CE984}" type="datetime4">
               <a:rPr lang="de-DE" smtClean="0"/>
-              <a:t>18. Januar 2017</a:t>
+              <a:t>19. January 2017</a:t>
             </a:fld>
             <a:endParaRPr lang="de-DE"/>
           </a:p>
@@ -4731,7 +5591,7 @@
             <a:fld id="{C36AA9A4-5D0B-4134-89A6-D8B9DAA4F25C}" type="slidenum">
               <a:rPr lang="de-DE" smtClean="0"/>
               <a:pPr/>
-              <a:t>15</a:t>
+              <a:t>11</a:t>
             </a:fld>
             <a:endParaRPr lang="de-DE"/>
           </a:p>
@@ -4740,7 +5600,7 @@
     </p:spTree>
     <p:extLst>
       <p:ext uri="{BB962C8B-B14F-4D97-AF65-F5344CB8AC3E}">
-        <p14:creationId xmlns:p14="http://schemas.microsoft.com/office/powerpoint/2010/main" val="1744293244"/>
+        <p14:creationId xmlns:p14="http://schemas.microsoft.com/office/powerpoint/2010/main" val="885360903"/>
       </p:ext>
     </p:extLst>
   </p:cSld>
@@ -4820,7 +5680,7 @@
           <a:p>
             <a:fld id="{BEF970E4-9540-437D-B70A-0A41E70CE984}" type="datetime4">
               <a:rPr lang="de-DE" smtClean="0"/>
-              <a:t>18. Januar 2017</a:t>
+              <a:t>19. January 2017</a:t>
             </a:fld>
             <a:endParaRPr lang="de-DE"/>
           </a:p>
@@ -4842,9 +5702,10 @@
           <a:lstStyle/>
           <a:p>
             <a:r>
-              <a:rPr lang="de-DE"/>
+              <a:rPr lang="de-DE" smtClean="0"/>
               <a:t>|  </a:t>
             </a:r>
+            <a:endParaRPr lang="de-DE"/>
           </a:p>
         </p:txBody>
       </p:sp>
@@ -4864,13 +5725,13 @@
           <a:lstStyle/>
           <a:p>
             <a:r>
-              <a:rPr lang="de-DE"/>
+              <a:rPr lang="de-DE" smtClean="0"/>
               <a:t>|  </a:t>
             </a:r>
             <a:fld id="{C36AA9A4-5D0B-4134-89A6-D8B9DAA4F25C}" type="slidenum">
               <a:rPr lang="de-DE" smtClean="0"/>
               <a:pPr/>
-              <a:t>16</a:t>
+              <a:t>15</a:t>
             </a:fld>
             <a:endParaRPr lang="de-DE"/>
           </a:p>
@@ -4879,7 +5740,7 @@
     </p:spTree>
     <p:extLst>
       <p:ext uri="{BB962C8B-B14F-4D97-AF65-F5344CB8AC3E}">
-        <p14:creationId xmlns:p14="http://schemas.microsoft.com/office/powerpoint/2010/main" val="1301839886"/>
+        <p14:creationId xmlns:p14="http://schemas.microsoft.com/office/powerpoint/2010/main" val="194738249"/>
       </p:ext>
     </p:extLst>
   </p:cSld>
@@ -5256,7 +6117,7 @@
                 <a:tabLst/>
                 <a:defRPr/>
               </a:pPr>
-              <a:t>18.01.2017</a:t>
+              <a:t>19.01.17</a:t>
             </a:fld>
             <a:r>
               <a:rPr kumimoji="0" lang="de-DE" sz="1000" b="0" i="0" u="none" strike="noStrike" kern="1200" cap="none" spc="0" normalizeH="0" baseline="0" noProof="0" dirty="0">
@@ -5807,7 +6668,7 @@
                 <a:tabLst/>
                 <a:defRPr/>
               </a:pPr>
-              <a:t>18.01.2017</a:t>
+              <a:t>19.01.17</a:t>
             </a:fld>
             <a:r>
               <a:rPr kumimoji="0" lang="de-DE" sz="1000" b="0" i="0" u="none" strike="noStrike" kern="1200" cap="none" spc="0" normalizeH="0" baseline="0" noProof="0" dirty="0">
@@ -8810,7 +9671,7 @@
                 <a:tabLst/>
                 <a:defRPr/>
               </a:pPr>
-              <a:t>18.01.2017</a:t>
+              <a:t>19.01.17</a:t>
             </a:fld>
             <a:r>
               <a:rPr kumimoji="0" lang="de-DE" sz="1000" b="0" i="0" u="none" strike="noStrike" kern="1200" cap="none" spc="0" normalizeH="0" baseline="0" noProof="0" dirty="0">
@@ -9894,7 +10755,7 @@
                 <a:tabLst/>
                 <a:defRPr/>
               </a:pPr>
-              <a:t>18.01.2017</a:t>
+              <a:t>19.01.17</a:t>
             </a:fld>
             <a:r>
               <a:rPr kumimoji="0" lang="de-DE" sz="1000" b="0" i="0" u="none" strike="noStrike" kern="1200" cap="none" spc="0" normalizeH="0" baseline="0" noProof="0" dirty="0">
@@ -10692,10 +11553,237 @@
             <p:ph idx="1"/>
           </p:nvPr>
         </p:nvSpPr>
-        <p:spPr/>
+        <p:spPr>
+          <a:xfrm>
+            <a:off x="360000" y="1620000"/>
+            <a:ext cx="8532480" cy="4479943"/>
+          </a:xfrm>
+        </p:spPr>
         <p:txBody>
           <a:bodyPr/>
           <a:lstStyle/>
+          <a:p>
+            <a:pPr marL="342900" indent="-342900">
+              <a:buFont typeface="Arial" charset="0"/>
+              <a:buChar char="•"/>
+            </a:pPr>
+            <a:r>
+              <a:rPr lang="en-US" dirty="0" err="1" smtClean="0"/>
+              <a:t>Instrumenter</a:t>
+            </a:r>
+            <a:r>
+              <a:rPr lang="en-US" dirty="0" smtClean="0"/>
+              <a:t> </a:t>
+            </a:r>
+            <a:r>
+              <a:rPr lang="en-US" dirty="0"/>
+              <a:t>from the KOJAK/SCALASCA toolset [FZ </a:t>
+            </a:r>
+            <a:r>
+              <a:rPr lang="en-US" dirty="0" err="1"/>
+              <a:t>Juelich</a:t>
+            </a:r>
+            <a:r>
+              <a:rPr lang="en-US" dirty="0"/>
+              <a:t>] </a:t>
+            </a:r>
+            <a:endParaRPr lang="en-US" dirty="0" smtClean="0"/>
+          </a:p>
+          <a:p>
+            <a:pPr marL="701675" lvl="2" indent="-342900">
+              <a:buFont typeface="Arial" charset="0"/>
+              <a:buChar char="•"/>
+            </a:pPr>
+            <a:r>
+              <a:rPr lang="en-US" dirty="0" smtClean="0"/>
+              <a:t>For performance analysis of </a:t>
+            </a:r>
+            <a:r>
+              <a:rPr lang="en-US" dirty="0" err="1" smtClean="0"/>
+              <a:t>OpenMp</a:t>
+            </a:r>
+            <a:r>
+              <a:rPr lang="en-US" dirty="0" smtClean="0"/>
+              <a:t> applications</a:t>
+            </a:r>
+            <a:endParaRPr lang="en-US" dirty="0"/>
+          </a:p>
+          <a:p>
+            <a:pPr marL="701675" lvl="2" indent="-342900">
+              <a:buFont typeface="Arial" charset="0"/>
+              <a:buChar char="•"/>
+            </a:pPr>
+            <a:r>
+              <a:rPr lang="en-US" dirty="0" smtClean="0"/>
+              <a:t>Supports </a:t>
+            </a:r>
+            <a:r>
+              <a:rPr lang="en-US" dirty="0" err="1" smtClean="0"/>
+              <a:t>Fortan</a:t>
+            </a:r>
+            <a:r>
+              <a:rPr lang="en-US" dirty="0" smtClean="0"/>
+              <a:t>, C, C++ programs</a:t>
+            </a:r>
+          </a:p>
+          <a:p>
+            <a:pPr marL="701675" lvl="2" indent="-342900">
+              <a:buFont typeface="Arial" charset="0"/>
+              <a:buChar char="•"/>
+            </a:pPr>
+            <a:r>
+              <a:rPr lang="en-US" dirty="0" smtClean="0"/>
+              <a:t>Used by many performance </a:t>
+            </a:r>
+            <a:r>
+              <a:rPr lang="en-US" dirty="0" err="1" smtClean="0"/>
+              <a:t>anlysis</a:t>
+            </a:r>
+            <a:r>
+              <a:rPr lang="en-US" dirty="0" smtClean="0"/>
+              <a:t> tools</a:t>
+            </a:r>
+          </a:p>
+          <a:p>
+            <a:pPr marL="881062" lvl="3" indent="-342900">
+              <a:buFont typeface="Arial" charset="0"/>
+              <a:buChar char="•"/>
+            </a:pPr>
+            <a:r>
+              <a:rPr lang="en-US" dirty="0" smtClean="0"/>
+              <a:t>E.g., TAU, </a:t>
+            </a:r>
+            <a:r>
+              <a:rPr lang="en-US" dirty="0" err="1" smtClean="0"/>
+              <a:t>ompP</a:t>
+            </a:r>
+            <a:r>
+              <a:rPr lang="en-US" dirty="0" smtClean="0"/>
+              <a:t>, KOJAK, </a:t>
+            </a:r>
+            <a:r>
+              <a:rPr lang="en-US" dirty="0" err="1" smtClean="0"/>
+              <a:t>Scalasca</a:t>
+            </a:r>
+            <a:r>
+              <a:rPr lang="en-US" dirty="0" smtClean="0"/>
+              <a:t>, </a:t>
+            </a:r>
+            <a:r>
+              <a:rPr lang="en-US" dirty="0" err="1" smtClean="0"/>
+              <a:t>VampirTrace</a:t>
+            </a:r>
+            <a:endParaRPr lang="en-US" dirty="0" smtClean="0"/>
+          </a:p>
+          <a:p>
+            <a:pPr marL="701675" lvl="2" indent="-342900">
+              <a:buFont typeface="Arial" charset="0"/>
+              <a:buChar char="•"/>
+            </a:pPr>
+            <a:endParaRPr lang="en-US" dirty="0" smtClean="0"/>
+          </a:p>
+          <a:p>
+            <a:pPr marL="342900" lvl="1" indent="-342900">
+              <a:buFont typeface="Arial" charset="0"/>
+              <a:buChar char="•"/>
+            </a:pPr>
+            <a:r>
+              <a:rPr lang="en-US" dirty="0"/>
+              <a:t>Source-to-source </a:t>
+            </a:r>
+            <a:r>
+              <a:rPr lang="en-US" dirty="0" err="1" smtClean="0"/>
+              <a:t>instrumenter</a:t>
+            </a:r>
+            <a:r>
+              <a:rPr lang="en-US" dirty="0" smtClean="0"/>
+              <a:t> for OpenMP</a:t>
+            </a:r>
+            <a:endParaRPr lang="en-US" dirty="0"/>
+          </a:p>
+          <a:p>
+            <a:pPr marL="701675" lvl="2" indent="-342900">
+              <a:buFont typeface="Arial" charset="0"/>
+              <a:buChar char="•"/>
+            </a:pPr>
+            <a:r>
+              <a:rPr lang="en-US" dirty="0" smtClean="0"/>
+              <a:t>Adds </a:t>
+            </a:r>
+            <a:r>
+              <a:rPr lang="en-US" dirty="0"/>
+              <a:t>calls according to the POMP </a:t>
+            </a:r>
+            <a:r>
+              <a:rPr lang="en-US" dirty="0" smtClean="0"/>
+              <a:t>specification</a:t>
+            </a:r>
+          </a:p>
+          <a:p>
+            <a:pPr marL="701675" lvl="2" indent="-342900">
+              <a:buFont typeface="Arial" charset="0"/>
+              <a:buChar char="•"/>
+            </a:pPr>
+            <a:r>
+              <a:rPr lang="en-US" dirty="0" smtClean="0"/>
+              <a:t>Generates </a:t>
+            </a:r>
+            <a:r>
+              <a:rPr lang="en-US" dirty="0"/>
+              <a:t>region </a:t>
+            </a:r>
+            <a:r>
+              <a:rPr lang="en-US" dirty="0" smtClean="0"/>
+              <a:t>descriptors</a:t>
+            </a:r>
+          </a:p>
+          <a:p>
+            <a:pPr marL="701675" lvl="2" indent="-342900">
+              <a:buFont typeface="Arial" charset="0"/>
+              <a:buChar char="•"/>
+            </a:pPr>
+            <a:r>
+              <a:rPr lang="en-US" dirty="0"/>
+              <a:t>E.g., </a:t>
+            </a:r>
+            <a:r>
+              <a:rPr lang="en-US" dirty="0" err="1"/>
+              <a:t>POMP_Parallel_enter</a:t>
+            </a:r>
+            <a:r>
+              <a:rPr lang="en-US" dirty="0"/>
+              <a:t>, </a:t>
+            </a:r>
+            <a:r>
+              <a:rPr lang="en-US" dirty="0" err="1"/>
+              <a:t>POMP_Parallel_exit</a:t>
+            </a:r>
+            <a:r>
+              <a:rPr lang="en-US" dirty="0"/>
+              <a:t> </a:t>
+            </a:r>
+          </a:p>
+          <a:p>
+            <a:pPr marL="701675" lvl="2" indent="-342900">
+              <a:buFont typeface="Arial" charset="0"/>
+              <a:buChar char="•"/>
+            </a:pPr>
+            <a:endParaRPr lang="en-US" dirty="0" smtClean="0"/>
+          </a:p>
+          <a:p>
+            <a:pPr marL="701675" lvl="2" indent="-342900">
+              <a:buFont typeface="Arial" charset="0"/>
+              <a:buChar char="•"/>
+            </a:pPr>
+            <a:endParaRPr lang="en-US" dirty="0"/>
+          </a:p>
+          <a:p>
+            <a:pPr marL="701675" lvl="2" indent="-342900">
+              <a:buFont typeface="Arial" charset="0"/>
+              <a:buChar char="•"/>
+            </a:pPr>
+            <a:endParaRPr lang="en-US" dirty="0"/>
+          </a:p>
           <a:p>
             <a:endParaRPr lang="en-US" dirty="0"/>
           </a:p>
@@ -10711,6 +11799,16 @@
   <p:clrMapOvr>
     <a:masterClrMapping/>
   </p:clrMapOvr>
+  <p:transition spd="slow">
+    <p:wipe/>
+  </p:transition>
+  <p:timing>
+    <p:tnLst>
+      <p:par>
+        <p:cTn id="1" dur="indefinite" restart="never" nodeType="tmRoot"/>
+      </p:par>
+    </p:tnLst>
+  </p:timing>
 </p:sld>
 </file>
 
@@ -10748,7 +11846,14 @@
           <a:p>
             <a:r>
               <a:rPr lang="de-DE" dirty="0" smtClean="0"/>
-              <a:t>ThreadSpotter</a:t>
+              <a:t>OPARI</a:t>
+            </a:r>
+            <a:br>
+              <a:rPr lang="de-DE" dirty="0" smtClean="0"/>
+            </a:br>
+            <a:r>
+              <a:rPr lang="de-DE" dirty="0" smtClean="0"/>
+              <a:t>OpenMP Pragma And Region Instrumenter</a:t>
             </a:r>
             <a:endParaRPr lang="en-US" dirty="0"/>
           </a:p>
@@ -10764,25 +11869,413 @@
             <p:ph idx="1"/>
           </p:nvPr>
         </p:nvSpPr>
-        <p:spPr/>
+        <p:spPr>
+          <a:xfrm>
+            <a:off x="360000" y="1620000"/>
+            <a:ext cx="8532480" cy="4479943"/>
+          </a:xfrm>
+        </p:spPr>
         <p:txBody>
           <a:bodyPr/>
           <a:lstStyle/>
           <a:p>
-            <a:endParaRPr lang="en-US"/>
+            <a:pPr marL="701675" lvl="2" indent="-342900">
+              <a:buFont typeface="Arial" charset="0"/>
+              <a:buChar char="•"/>
+            </a:pPr>
+            <a:r>
+              <a:rPr lang="en-US" dirty="0" smtClean="0"/>
+              <a:t>E.g.,</a:t>
+            </a:r>
+          </a:p>
+          <a:p>
+            <a:pPr marL="701675" lvl="2" indent="-342900">
+              <a:buFont typeface="Arial" charset="0"/>
+              <a:buChar char="•"/>
+            </a:pPr>
+            <a:endParaRPr lang="en-US" dirty="0"/>
+          </a:p>
+          <a:p>
+            <a:pPr marL="701675" lvl="2" indent="-342900">
+              <a:buFont typeface="Arial" charset="0"/>
+              <a:buChar char="•"/>
+            </a:pPr>
+            <a:endParaRPr lang="en-US" dirty="0"/>
+          </a:p>
+          <a:p>
+            <a:endParaRPr lang="en-US" dirty="0"/>
           </a:p>
         </p:txBody>
       </p:sp>
+      <p:pic>
+        <p:nvPicPr>
+          <p:cNvPr id="6" name="Picture 5"/>
+          <p:cNvPicPr>
+            <a:picLocks noChangeAspect="1"/>
+          </p:cNvPicPr>
+          <p:nvPr/>
+        </p:nvPicPr>
+        <p:blipFill>
+          <a:blip r:embed="rId3">
+            <a:extLst>
+              <a:ext uri="{28A0092B-C50C-407E-A947-70E740481C1C}">
+                <a14:useLocalDpi xmlns:a14="http://schemas.microsoft.com/office/drawing/2010/main" val="0"/>
+              </a:ext>
+            </a:extLst>
+          </a:blip>
+          <a:stretch>
+            <a:fillRect/>
+          </a:stretch>
+        </p:blipFill>
+        <p:spPr>
+          <a:xfrm>
+            <a:off x="316895" y="3097387"/>
+            <a:ext cx="3096344" cy="1801788"/>
+          </a:xfrm>
+          <a:prstGeom prst="rect">
+            <a:avLst/>
+          </a:prstGeom>
+        </p:spPr>
+      </p:pic>
+      <p:pic>
+        <p:nvPicPr>
+          <p:cNvPr id="7" name="Picture 6"/>
+          <p:cNvPicPr>
+            <a:picLocks noChangeAspect="1"/>
+          </p:cNvPicPr>
+          <p:nvPr/>
+        </p:nvPicPr>
+        <p:blipFill>
+          <a:blip r:embed="rId4">
+            <a:extLst>
+              <a:ext uri="{28A0092B-C50C-407E-A947-70E740481C1C}">
+                <a14:useLocalDpi xmlns:a14="http://schemas.microsoft.com/office/drawing/2010/main" val="0"/>
+              </a:ext>
+            </a:extLst>
+          </a:blip>
+          <a:stretch>
+            <a:fillRect/>
+          </a:stretch>
+        </p:blipFill>
+        <p:spPr>
+          <a:xfrm>
+            <a:off x="1735617" y="2588918"/>
+            <a:ext cx="1828271" cy="699338"/>
+          </a:xfrm>
+          <a:prstGeom prst="rect">
+            <a:avLst/>
+          </a:prstGeom>
+        </p:spPr>
+      </p:pic>
+      <p:sp>
+        <p:nvSpPr>
+          <p:cNvPr id="9" name="TextBox 8"/>
+          <p:cNvSpPr txBox="1"/>
+          <p:nvPr/>
+        </p:nvSpPr>
+        <p:spPr>
+          <a:xfrm>
+            <a:off x="907644" y="5721238"/>
+            <a:ext cx="1914846" cy="307777"/>
+          </a:xfrm>
+          <a:prstGeom prst="rect">
+            <a:avLst/>
+          </a:prstGeom>
+          <a:noFill/>
+        </p:spPr>
+        <p:txBody>
+          <a:bodyPr wrap="square" rtlCol="0">
+            <a:spAutoFit/>
+          </a:bodyPr>
+          <a:lstStyle/>
+          <a:p>
+            <a:r>
+              <a:rPr lang="en-US" sz="1400" dirty="0" smtClean="0"/>
+              <a:t>Original Source Code</a:t>
+            </a:r>
+            <a:endParaRPr lang="en-US" sz="1400" dirty="0"/>
+          </a:p>
+        </p:txBody>
+      </p:sp>
+      <p:sp>
+        <p:nvSpPr>
+          <p:cNvPr id="10" name="TextBox 9"/>
+          <p:cNvSpPr txBox="1"/>
+          <p:nvPr/>
+        </p:nvSpPr>
+        <p:spPr>
+          <a:xfrm>
+            <a:off x="5474752" y="5721238"/>
+            <a:ext cx="2326491" cy="307777"/>
+          </a:xfrm>
+          <a:prstGeom prst="rect">
+            <a:avLst/>
+          </a:prstGeom>
+          <a:noFill/>
+        </p:spPr>
+        <p:txBody>
+          <a:bodyPr wrap="square" rtlCol="0">
+            <a:spAutoFit/>
+          </a:bodyPr>
+          <a:lstStyle/>
+          <a:p>
+            <a:r>
+              <a:rPr lang="en-US" sz="1400" dirty="0" smtClean="0"/>
+              <a:t>Instrumented Source Code</a:t>
+            </a:r>
+            <a:endParaRPr lang="en-US" sz="1400" dirty="0"/>
+          </a:p>
+        </p:txBody>
+      </p:sp>
+      <p:pic>
+        <p:nvPicPr>
+          <p:cNvPr id="14" name="Picture 13"/>
+          <p:cNvPicPr>
+            <a:picLocks noChangeAspect="1"/>
+          </p:cNvPicPr>
+          <p:nvPr/>
+        </p:nvPicPr>
+        <p:blipFill>
+          <a:blip r:embed="rId5">
+            <a:extLst>
+              <a:ext uri="{28A0092B-C50C-407E-A947-70E740481C1C}">
+                <a14:useLocalDpi xmlns:a14="http://schemas.microsoft.com/office/drawing/2010/main" val="0"/>
+              </a:ext>
+            </a:extLst>
+          </a:blip>
+          <a:stretch>
+            <a:fillRect/>
+          </a:stretch>
+        </p:blipFill>
+        <p:spPr>
+          <a:xfrm>
+            <a:off x="4518817" y="2071019"/>
+            <a:ext cx="4238360" cy="2828156"/>
+          </a:xfrm>
+          <a:prstGeom prst="rect">
+            <a:avLst/>
+          </a:prstGeom>
+        </p:spPr>
+      </p:pic>
+      <p:sp>
+        <p:nvSpPr>
+          <p:cNvPr id="17" name="Left Bracket 16"/>
+          <p:cNvSpPr/>
+          <p:nvPr/>
+        </p:nvSpPr>
+        <p:spPr>
+          <a:xfrm>
+            <a:off x="4928204" y="2710281"/>
+            <a:ext cx="72008" cy="1584176"/>
+          </a:xfrm>
+          <a:prstGeom prst="leftBracket">
+            <a:avLst/>
+          </a:prstGeom>
+          <a:ln w="47625">
+            <a:solidFill>
+              <a:srgbClr val="FF0000"/>
+            </a:solidFill>
+          </a:ln>
+        </p:spPr>
+        <p:style>
+          <a:lnRef idx="1">
+            <a:schemeClr val="accent1"/>
+          </a:lnRef>
+          <a:fillRef idx="0">
+            <a:schemeClr val="accent1"/>
+          </a:fillRef>
+          <a:effectRef idx="0">
+            <a:schemeClr val="accent1"/>
+          </a:effectRef>
+          <a:fontRef idx="minor">
+            <a:schemeClr val="tx1"/>
+          </a:fontRef>
+        </p:style>
+        <p:txBody>
+          <a:bodyPr rtlCol="0" anchor="ctr"/>
+          <a:lstStyle/>
+          <a:p>
+            <a:pPr algn="ctr"/>
+            <a:endParaRPr lang="en-US"/>
+          </a:p>
+        </p:txBody>
+      </p:sp>
+      <p:sp>
+        <p:nvSpPr>
+          <p:cNvPr id="18" name="Left Bracket 17"/>
+          <p:cNvSpPr/>
+          <p:nvPr/>
+        </p:nvSpPr>
+        <p:spPr>
+          <a:xfrm>
+            <a:off x="5409598" y="3364867"/>
+            <a:ext cx="65154" cy="504056"/>
+          </a:xfrm>
+          <a:prstGeom prst="leftBracket">
+            <a:avLst/>
+          </a:prstGeom>
+          <a:ln w="47625">
+            <a:solidFill>
+              <a:srgbClr val="FF0000"/>
+            </a:solidFill>
+          </a:ln>
+        </p:spPr>
+        <p:style>
+          <a:lnRef idx="1">
+            <a:schemeClr val="accent1"/>
+          </a:lnRef>
+          <a:fillRef idx="0">
+            <a:schemeClr val="accent1"/>
+          </a:fillRef>
+          <a:effectRef idx="0">
+            <a:schemeClr val="accent1"/>
+          </a:effectRef>
+          <a:fontRef idx="minor">
+            <a:schemeClr val="tx1"/>
+          </a:fontRef>
+        </p:style>
+        <p:txBody>
+          <a:bodyPr rtlCol="0" anchor="ctr"/>
+          <a:lstStyle/>
+          <a:p>
+            <a:pPr algn="ctr"/>
+            <a:endParaRPr lang="en-US"/>
+          </a:p>
+        </p:txBody>
+      </p:sp>
+      <p:sp>
+        <p:nvSpPr>
+          <p:cNvPr id="23" name="Rounded Rectangle 22"/>
+          <p:cNvSpPr/>
+          <p:nvPr/>
+        </p:nvSpPr>
+        <p:spPr>
+          <a:xfrm>
+            <a:off x="6937751" y="4651145"/>
+            <a:ext cx="2045964" cy="648072"/>
+          </a:xfrm>
+          <a:prstGeom prst="roundRect">
+            <a:avLst/>
+          </a:prstGeom>
+          <a:solidFill>
+            <a:schemeClr val="accent5"/>
+          </a:solidFill>
+          <a:ln>
+            <a:solidFill>
+              <a:schemeClr val="tx1"/>
+            </a:solidFill>
+          </a:ln>
+        </p:spPr>
+        <p:style>
+          <a:lnRef idx="2">
+            <a:schemeClr val="accent1">
+              <a:shade val="50000"/>
+            </a:schemeClr>
+          </a:lnRef>
+          <a:fillRef idx="1">
+            <a:schemeClr val="accent1"/>
+          </a:fillRef>
+          <a:effectRef idx="0">
+            <a:schemeClr val="accent1"/>
+          </a:effectRef>
+          <a:fontRef idx="minor">
+            <a:schemeClr val="lt1"/>
+          </a:fontRef>
+        </p:style>
+        <p:txBody>
+          <a:bodyPr rtlCol="0" anchor="ctr"/>
+          <a:lstStyle/>
+          <a:p>
+            <a:r>
+              <a:rPr lang="en-US" sz="1200" dirty="0" smtClean="0">
+                <a:solidFill>
+                  <a:schemeClr val="tx1"/>
+                </a:solidFill>
+              </a:rPr>
+              <a:t>Region Descriptor</a:t>
+            </a:r>
+          </a:p>
+          <a:p>
+            <a:r>
+              <a:rPr lang="en-US" sz="1200" dirty="0" smtClean="0">
+                <a:solidFill>
+                  <a:schemeClr val="tx1"/>
+                </a:solidFill>
+              </a:rPr>
+              <a:t>-File name, line number,</a:t>
+            </a:r>
+            <a:r>
+              <a:rPr lang="mr-IN" sz="1200" dirty="0" smtClean="0">
+                <a:solidFill>
+                  <a:schemeClr val="tx1"/>
+                </a:solidFill>
+              </a:rPr>
+              <a:t>…</a:t>
+            </a:r>
+            <a:endParaRPr lang="en-US" sz="1200" dirty="0">
+              <a:solidFill>
+                <a:schemeClr val="tx1"/>
+              </a:solidFill>
+            </a:endParaRPr>
+          </a:p>
+        </p:txBody>
+      </p:sp>
+      <p:cxnSp>
+        <p:nvCxnSpPr>
+          <p:cNvPr id="20" name="Straight Arrow Connector 19"/>
+          <p:cNvCxnSpPr/>
+          <p:nvPr/>
+        </p:nvCxnSpPr>
+        <p:spPr>
+          <a:xfrm>
+            <a:off x="6804248" y="4365104"/>
+            <a:ext cx="360040" cy="288032"/>
+          </a:xfrm>
+          <a:prstGeom prst="straightConnector1">
+            <a:avLst/>
+          </a:prstGeom>
+          <a:ln w="31750">
+            <a:solidFill>
+              <a:srgbClr val="C00000"/>
+            </a:solidFill>
+            <a:tailEnd type="triangle"/>
+          </a:ln>
+        </p:spPr>
+        <p:style>
+          <a:lnRef idx="1">
+            <a:schemeClr val="accent1"/>
+          </a:lnRef>
+          <a:fillRef idx="0">
+            <a:schemeClr val="accent1"/>
+          </a:fillRef>
+          <a:effectRef idx="0">
+            <a:schemeClr val="accent1"/>
+          </a:effectRef>
+          <a:fontRef idx="minor">
+            <a:schemeClr val="tx1"/>
+          </a:fontRef>
+        </p:style>
+      </p:cxnSp>
     </p:spTree>
     <p:extLst>
       <p:ext uri="{BB962C8B-B14F-4D97-AF65-F5344CB8AC3E}">
-        <p14:creationId xmlns:p14="http://schemas.microsoft.com/office/powerpoint/2010/main" val="2700446556"/>
+        <p14:creationId xmlns:p14="http://schemas.microsoft.com/office/powerpoint/2010/main" val="1534863981"/>
       </p:ext>
     </p:extLst>
   </p:cSld>
   <p:clrMapOvr>
     <a:masterClrMapping/>
   </p:clrMapOvr>
+  <p:transition spd="slow">
+    <p:wipe/>
+  </p:transition>
+  <p:timing>
+    <p:tnLst>
+      <p:par>
+        <p:cTn id="1" dur="indefinite" restart="never" nodeType="tmRoot"/>
+      </p:par>
+    </p:tnLst>
+  </p:timing>
 </p:sld>
 </file>
 
@@ -10819,8 +12312,16 @@
           <a:lstStyle/>
           <a:p>
             <a:r>
-              <a:rPr lang="de-DE" dirty="0" smtClean="0"/>
-              <a:t>Thread Mapping</a:t>
+              <a:rPr lang="en-US" dirty="0"/>
+              <a:t>Rogue Wave </a:t>
+            </a:r>
+            <a:r>
+              <a:rPr lang="en-US" dirty="0" err="1"/>
+              <a:t>ThreadSpotter</a:t>
+            </a:r>
+            <a:r>
+              <a:rPr lang="en-US" dirty="0"/>
+              <a:t> </a:t>
             </a:r>
             <a:endParaRPr lang="en-US" dirty="0"/>
           </a:p>
@@ -10836,47 +12337,71 @@
             <p:ph idx="1"/>
           </p:nvPr>
         </p:nvSpPr>
-        <p:spPr/>
+        <p:spPr>
+          <a:xfrm>
+            <a:off x="360000" y="1620000"/>
+            <a:ext cx="8460472" cy="4479943"/>
+          </a:xfrm>
+        </p:spPr>
         <p:txBody>
           <a:bodyPr/>
           <a:lstStyle/>
           <a:p>
-            <a:r>
-              <a:rPr lang="de-DE" dirty="0" smtClean="0"/>
-              <a:t>Different Approaches</a:t>
-            </a:r>
-          </a:p>
-          <a:p>
-            <a:r>
-              <a:rPr lang="de-DE" dirty="0"/>
-              <a:t>	</a:t>
-            </a:r>
-            <a:r>
-              <a:rPr lang="de-DE" dirty="0" smtClean="0"/>
-              <a:t>Locality</a:t>
-            </a:r>
-          </a:p>
-          <a:p>
-            <a:r>
-              <a:rPr lang="de-DE" dirty="0"/>
-              <a:t>	</a:t>
-            </a:r>
-            <a:r>
-              <a:rPr lang="de-DE" dirty="0" smtClean="0"/>
-              <a:t>Ballance</a:t>
-            </a:r>
-          </a:p>
-          <a:p>
+            <a:pPr marL="342900" indent="-342900">
+              <a:buFont typeface="Arial" charset="0"/>
+              <a:buChar char="•"/>
+            </a:pPr>
+            <a:r>
+              <a:rPr lang="en-US" dirty="0" smtClean="0"/>
+              <a:t>Analyzes an application’s interaction with the cache and the </a:t>
+            </a:r>
             <a:r>
               <a:rPr lang="en-US" dirty="0"/>
-              <a:t>Mapping Policies</a:t>
-            </a:r>
-            <a:endParaRPr lang="de-DE" dirty="0"/>
-          </a:p>
-          <a:p>
-            <a:r>
-              <a:rPr lang="de-DE" dirty="0" smtClean="0"/>
-              <a:t>Refer to the paper of Mathias Dienner</a:t>
+              <a:t>memory subsystems </a:t>
+            </a:r>
+            <a:endParaRPr lang="en-US" dirty="0" smtClean="0"/>
+          </a:p>
+          <a:p>
+            <a:pPr marL="701675" lvl="2" indent="-342900">
+              <a:buFont typeface="Arial" charset="0"/>
+              <a:buChar char="•"/>
+            </a:pPr>
+            <a:r>
+              <a:rPr lang="en-US" dirty="0" smtClean="0"/>
+              <a:t>Single and multithread code on single and multithread cores and  multiprocessor machine</a:t>
+            </a:r>
+          </a:p>
+          <a:p>
+            <a:pPr marL="701675" lvl="2" indent="-342900">
+              <a:buFont typeface="Arial" charset="0"/>
+              <a:buChar char="•"/>
+            </a:pPr>
+            <a:endParaRPr lang="en-US" dirty="0"/>
+          </a:p>
+          <a:p>
+            <a:pPr marL="342900" lvl="1" indent="-342900">
+              <a:buFont typeface="Arial" charset="0"/>
+              <a:buChar char="•"/>
+            </a:pPr>
+            <a:r>
+              <a:rPr lang="en-US" dirty="0" smtClean="0"/>
+              <a:t>Focuses on multithreaded issues on multi-cores	</a:t>
+            </a:r>
+          </a:p>
+          <a:p>
+            <a:pPr marL="701675" lvl="2" indent="-342900">
+              <a:buFont typeface="Arial" charset="0"/>
+              <a:buChar char="•"/>
+            </a:pPr>
+            <a:r>
+              <a:rPr lang="en-US" dirty="0" smtClean="0"/>
+              <a:t>From thread interaction and communication between the cores and caches within the processor</a:t>
+            </a:r>
+          </a:p>
+          <a:p>
+            <a:r>
+              <a:rPr lang="en-US" dirty="0" smtClean="0"/>
+              <a:t>				</a:t>
             </a:r>
             <a:endParaRPr lang="en-US" dirty="0"/>
           </a:p>
@@ -10885,13 +12410,23 @@
     </p:spTree>
     <p:extLst>
       <p:ext uri="{BB962C8B-B14F-4D97-AF65-F5344CB8AC3E}">
-        <p14:creationId xmlns:p14="http://schemas.microsoft.com/office/powerpoint/2010/main" val="3692018628"/>
+        <p14:creationId xmlns:p14="http://schemas.microsoft.com/office/powerpoint/2010/main" val="2700446556"/>
       </p:ext>
     </p:extLst>
   </p:cSld>
   <p:clrMapOvr>
     <a:masterClrMapping/>
   </p:clrMapOvr>
+  <p:transition spd="slow">
+    <p:wipe/>
+  </p:transition>
+  <p:timing>
+    <p:tnLst>
+      <p:par>
+        <p:cTn id="1" dur="indefinite" restart="never" nodeType="tmRoot"/>
+      </p:par>
+    </p:tnLst>
+  </p:timing>
 </p:sld>
 </file>
 
@@ -10928,9 +12463,21 @@
           <a:lstStyle/>
           <a:p>
             <a:r>
-              <a:rPr lang="en-US" dirty="0"/>
-              <a:t>Outline</a:t>
-            </a:r>
+              <a:rPr lang="en-US" dirty="0" smtClean="0"/>
+              <a:t>Rogue Wave </a:t>
+            </a:r>
+            <a:r>
+              <a:rPr lang="en-US" dirty="0" err="1" smtClean="0"/>
+              <a:t>ThreadSpotter</a:t>
+            </a:r>
+            <a:r>
+              <a:rPr lang="en-US" dirty="0" smtClean="0"/>
+              <a:t> </a:t>
+            </a:r>
+            <a:br>
+              <a:rPr lang="en-US" dirty="0" smtClean="0"/>
+            </a:br>
+            <a:endParaRPr lang="en-US" dirty="0"/>
           </a:p>
         </p:txBody>
       </p:sp>
@@ -10944,68 +12491,146 @@
             <p:ph idx="1"/>
           </p:nvPr>
         </p:nvSpPr>
-        <p:spPr/>
+        <p:spPr>
+          <a:xfrm>
+            <a:off x="360000" y="1620000"/>
+            <a:ext cx="8460472" cy="4479943"/>
+          </a:xfrm>
+        </p:spPr>
         <p:txBody>
           <a:bodyPr/>
           <a:lstStyle/>
           <a:p>
             <a:pPr marL="342900" indent="-342900">
-              <a:buFont typeface="Arial" panose="020B0604020202020204" pitchFamily="34" charset="0"/>
+              <a:buFont typeface="Arial" charset="0"/>
               <a:buChar char="•"/>
             </a:pPr>
             <a:r>
               <a:rPr lang="en-US" dirty="0" smtClean="0"/>
-              <a:t>Introduction</a:t>
-            </a:r>
-            <a:endParaRPr lang="en-US" dirty="0"/>
-          </a:p>
-          <a:p>
-            <a:pPr marL="342900" indent="-342900">
-              <a:buFont typeface="Arial" panose="020B0604020202020204" pitchFamily="34" charset="0"/>
+              <a:t>H</a:t>
+            </a:r>
+            <a:r>
+              <a:rPr lang="en-US" dirty="0" smtClean="0"/>
+              <a:t>elps to pinpoint where the program could be made to run faster </a:t>
+            </a:r>
+          </a:p>
+          <a:p>
+            <a:pPr marL="701675" lvl="2" indent="-342900">
+              <a:buFont typeface="Arial" charset="0"/>
               <a:buChar char="•"/>
             </a:pPr>
             <a:r>
-              <a:rPr lang="en-US" dirty="0"/>
-              <a:t>State of the Art</a:t>
-            </a:r>
-          </a:p>
-          <a:p>
-            <a:pPr marL="342900" lvl="1" indent="-342900">
-              <a:buFont typeface="Arial" panose="020B0604020202020204" pitchFamily="34" charset="0"/>
+              <a:rPr lang="en-US" dirty="0" smtClean="0"/>
+              <a:t>Enhancing the application memory access regularity</a:t>
+            </a:r>
+          </a:p>
+          <a:p>
+            <a:pPr marL="881062" lvl="3" indent="-342900">
+              <a:buFont typeface="Arial" charset="0"/>
               <a:buChar char="•"/>
             </a:pPr>
             <a:r>
-              <a:rPr lang="en-US" b="1" dirty="0" smtClean="0"/>
-              <a:t>Objectives</a:t>
-            </a:r>
-            <a:endParaRPr lang="en-US" b="1" dirty="0"/>
-          </a:p>
-          <a:p>
-            <a:pPr marL="342900" indent="-342900">
-              <a:buFont typeface="Arial" panose="020B0604020202020204" pitchFamily="34" charset="0"/>
+              <a:rPr lang="en-US" dirty="0" smtClean="0"/>
+              <a:t>To help hardware </a:t>
+            </a:r>
+            <a:r>
+              <a:rPr lang="en-US" dirty="0" err="1" smtClean="0"/>
+              <a:t>prefetcher</a:t>
+            </a:r>
+            <a:endParaRPr lang="en-US" dirty="0" smtClean="0"/>
+          </a:p>
+          <a:p>
+            <a:pPr marL="701675" lvl="2" indent="-342900">
+              <a:buFont typeface="Arial" charset="0"/>
               <a:buChar char="•"/>
             </a:pPr>
             <a:r>
-              <a:rPr lang="en-US" dirty="0"/>
-              <a:t>Approach</a:t>
-            </a:r>
-          </a:p>
-          <a:p>
-            <a:pPr marL="342900" indent="-342900">
-              <a:buFont typeface="Arial" panose="020B0604020202020204" pitchFamily="34" charset="0"/>
+              <a:rPr lang="en-US" dirty="0" smtClean="0"/>
+              <a:t>Enhancing spatial locality </a:t>
+            </a:r>
+          </a:p>
+          <a:p>
+            <a:pPr marL="881062" lvl="3" indent="-342900">
+              <a:buFont typeface="Arial" charset="0"/>
               <a:buChar char="•"/>
             </a:pPr>
             <a:r>
-              <a:rPr lang="en-US" dirty="0"/>
-              <a:t>Evaluation </a:t>
-            </a:r>
+              <a:rPr lang="en-US" dirty="0" smtClean="0"/>
+              <a:t>To help minimize the amount of unused data transferred between memory and cache</a:t>
+            </a:r>
+          </a:p>
+          <a:p>
+            <a:pPr marL="881062" lvl="3" indent="-342900">
+              <a:buFont typeface="Arial" charset="0"/>
+              <a:buChar char="•"/>
+            </a:pPr>
+            <a:r>
+              <a:rPr lang="en-US" dirty="0" smtClean="0"/>
+              <a:t>Minimize the amount of cache space occupied by unused data</a:t>
+            </a:r>
+          </a:p>
+          <a:p>
+            <a:pPr marL="701675" lvl="2" indent="-342900">
+              <a:buFont typeface="Arial" charset="0"/>
+              <a:buChar char="•"/>
+            </a:pPr>
+            <a:r>
+              <a:rPr lang="en-US" dirty="0" smtClean="0"/>
+              <a:t>Enhancing temporal locality</a:t>
+            </a:r>
+          </a:p>
+          <a:p>
+            <a:pPr marL="881062" lvl="3" indent="-342900">
+              <a:buFont typeface="Arial" charset="0"/>
+              <a:buChar char="•"/>
+            </a:pPr>
+            <a:r>
+              <a:rPr lang="en-US" dirty="0" smtClean="0"/>
+              <a:t>By suggesting ways to reuse data while it remains in the cache</a:t>
+            </a:r>
+          </a:p>
+          <a:p>
+            <a:pPr marL="701675" lvl="2" indent="-342900">
+              <a:buFont typeface="Arial" charset="0"/>
+              <a:buChar char="•"/>
+            </a:pPr>
+            <a:r>
+              <a:rPr lang="en-US" dirty="0" smtClean="0"/>
+              <a:t>Hide memory access</a:t>
+            </a:r>
+          </a:p>
+          <a:p>
+            <a:pPr marL="881062" lvl="3" indent="-342900">
+              <a:buFont typeface="Arial" charset="0"/>
+              <a:buChar char="•"/>
+            </a:pPr>
+            <a:r>
+              <a:rPr lang="en-US" dirty="0" smtClean="0"/>
+              <a:t>By adding </a:t>
+            </a:r>
+            <a:r>
+              <a:rPr lang="en-US" dirty="0" err="1" smtClean="0"/>
+              <a:t>prefetch</a:t>
+            </a:r>
+            <a:r>
+              <a:rPr lang="en-US" dirty="0" smtClean="0"/>
+              <a:t> instructions</a:t>
+            </a:r>
+            <a:endParaRPr lang="en-US" dirty="0"/>
+          </a:p>
+          <a:p>
+            <a:r>
+              <a:rPr lang="en-US" dirty="0" smtClean="0"/>
+              <a:t>		</a:t>
+            </a:r>
+            <a:endParaRPr lang="en-US" dirty="0"/>
           </a:p>
         </p:txBody>
       </p:sp>
     </p:spTree>
     <p:extLst>
       <p:ext uri="{BB962C8B-B14F-4D97-AF65-F5344CB8AC3E}">
-        <p14:creationId xmlns:p14="http://schemas.microsoft.com/office/powerpoint/2010/main" val="1166822466"/>
+        <p14:creationId xmlns:p14="http://schemas.microsoft.com/office/powerpoint/2010/main" val="868090651"/>
       </p:ext>
     </p:extLst>
   </p:cSld>
@@ -11059,8 +12684,28 @@
           <a:p>
             <a:r>
               <a:rPr lang="en-US" dirty="0"/>
-              <a:t>Objectives</a:t>
-            </a:r>
+              <a:t>Rogue Wave </a:t>
+            </a:r>
+            <a:r>
+              <a:rPr lang="en-US" dirty="0" err="1"/>
+              <a:t>ThreadSpotter</a:t>
+            </a:r>
+            <a:r>
+              <a:rPr lang="en-US" dirty="0"/>
+              <a:t> </a:t>
+            </a:r>
+            <a:r>
+              <a:rPr lang="en-US" dirty="0" smtClean="0"/>
+              <a:t/>
+            </a:r>
+            <a:br>
+              <a:rPr lang="en-US" dirty="0" smtClean="0"/>
+            </a:br>
+            <a:r>
+              <a:rPr lang="en-US" dirty="0" smtClean="0"/>
+              <a:t>Structure</a:t>
+            </a:r>
+            <a:endParaRPr lang="en-US" dirty="0"/>
           </a:p>
         </p:txBody>
       </p:sp>
@@ -11077,7 +12722,7 @@
         <p:spPr>
           <a:xfrm>
             <a:off x="360000" y="1620000"/>
-            <a:ext cx="8244447" cy="4479943"/>
+            <a:ext cx="8460472" cy="4479943"/>
           </a:xfrm>
         </p:spPr>
         <p:txBody>
@@ -11090,15 +12735,7 @@
             </a:pPr>
             <a:r>
               <a:rPr lang="en-US" dirty="0" smtClean="0"/>
-              <a:t>Extend </a:t>
-            </a:r>
-            <a:r>
-              <a:rPr lang="en-US" dirty="0" err="1" smtClean="0"/>
-              <a:t>DiscoPoP</a:t>
-            </a:r>
-            <a:r>
-              <a:rPr lang="en-US" dirty="0" smtClean="0"/>
-              <a:t> </a:t>
+              <a:t>Sampler</a:t>
             </a:r>
           </a:p>
           <a:p>
@@ -11108,7 +12745,25 @@
             </a:pPr>
             <a:r>
               <a:rPr lang="en-US" dirty="0" smtClean="0"/>
-              <a:t>OpenMP support (Data dependence)</a:t>
+              <a:t>Spies on the application </a:t>
+            </a:r>
+            <a:r>
+              <a:rPr lang="en-US" dirty="0"/>
+              <a:t>and </a:t>
+            </a:r>
+            <a:r>
+              <a:rPr lang="en-US" dirty="0" smtClean="0"/>
+              <a:t>collects information</a:t>
+            </a:r>
+          </a:p>
+          <a:p>
+            <a:pPr marL="342900" indent="-342900">
+              <a:buFont typeface="Arial" charset="0"/>
+              <a:buChar char="•"/>
+            </a:pPr>
+            <a:r>
+              <a:rPr lang="en-US" dirty="0" smtClean="0"/>
+              <a:t>Reporter</a:t>
             </a:r>
           </a:p>
           <a:p>
@@ -11118,7 +12773,17 @@
             </a:pPr>
             <a:r>
               <a:rPr lang="en-US" dirty="0" smtClean="0"/>
-              <a:t>Communication pattern detection (Threads communication)</a:t>
+              <a:t>The collected information is analyzed and results are written to report</a:t>
+            </a:r>
+          </a:p>
+          <a:p>
+            <a:pPr marL="342900" indent="-342900">
+              <a:buFont typeface="Arial" charset="0"/>
+              <a:buChar char="•"/>
+            </a:pPr>
+            <a:r>
+              <a:rPr lang="en-US" dirty="0" smtClean="0"/>
+              <a:t>A graphical user interface</a:t>
             </a:r>
           </a:p>
           <a:p>
@@ -11126,41 +12791,19 @@
               <a:buFont typeface="Arial" charset="0"/>
               <a:buChar char="•"/>
             </a:pPr>
-            <a:endParaRPr lang="en-US" dirty="0" smtClean="0"/>
-          </a:p>
-          <a:p>
-            <a:pPr marL="342900" lvl="1" indent="-342900">
+            <a:r>
+              <a:rPr lang="en-US" dirty="0" smtClean="0"/>
+              <a:t>To set parameters for sampling and report generation</a:t>
+            </a:r>
+          </a:p>
+          <a:p>
+            <a:pPr marL="342900" indent="-342900">
               <a:buFont typeface="Arial" charset="0"/>
               <a:buChar char="•"/>
             </a:pPr>
             <a:r>
               <a:rPr lang="en-US" dirty="0" smtClean="0"/>
-              <a:t>Adding temporal </a:t>
-            </a:r>
-            <a:r>
-              <a:rPr lang="en-US" dirty="0"/>
-              <a:t>i</a:t>
-            </a:r>
-            <a:r>
-              <a:rPr lang="en-US" dirty="0" smtClean="0"/>
-              <a:t>nformation to communication patterns </a:t>
-            </a:r>
-          </a:p>
-          <a:p>
-            <a:pPr marL="342900" lvl="1" indent="-342900">
-              <a:buFont typeface="Arial" charset="0"/>
-              <a:buChar char="•"/>
-            </a:pPr>
-            <a:endParaRPr lang="en-US" dirty="0" smtClean="0"/>
-          </a:p>
-          <a:p>
-            <a:pPr marL="342900" lvl="1" indent="-342900">
-              <a:buFont typeface="Arial" charset="0"/>
-              <a:buChar char="•"/>
-            </a:pPr>
-            <a:r>
-              <a:rPr lang="en-US" dirty="0" smtClean="0"/>
-              <a:t>Find a use-case</a:t>
+              <a:t>Command line tools</a:t>
             </a:r>
           </a:p>
           <a:p>
@@ -11170,17 +12813,13 @@
             </a:pPr>
             <a:r>
               <a:rPr lang="en-US" dirty="0" smtClean="0"/>
-              <a:t>Thread mapping</a:t>
-            </a:r>
-          </a:p>
-          <a:p>
-            <a:pPr marL="701675" lvl="2" indent="-342900">
-              <a:buFont typeface="Arial" charset="0"/>
-              <a:buChar char="•"/>
-            </a:pPr>
+              <a:t>To do the same thing using command line</a:t>
+            </a:r>
+          </a:p>
+          <a:p>
             <a:r>
               <a:rPr lang="en-US" dirty="0" smtClean="0"/>
-              <a:t>Thread synchronization</a:t>
+              <a:t>				</a:t>
             </a:r>
             <a:endParaRPr lang="en-US" dirty="0"/>
           </a:p>
@@ -11189,7 +12828,7 @@
     </p:spTree>
     <p:extLst>
       <p:ext uri="{BB962C8B-B14F-4D97-AF65-F5344CB8AC3E}">
-        <p14:creationId xmlns:p14="http://schemas.microsoft.com/office/powerpoint/2010/main" val="1583731665"/>
+        <p14:creationId xmlns:p14="http://schemas.microsoft.com/office/powerpoint/2010/main" val="2126179"/>
       </p:ext>
     </p:extLst>
   </p:cSld>
@@ -11242,9 +12881,10 @@
           <a:lstStyle/>
           <a:p>
             <a:r>
-              <a:rPr lang="en-US" dirty="0"/>
-              <a:t>Outline</a:t>
-            </a:r>
+              <a:rPr lang="de-DE" dirty="0" smtClean="0"/>
+              <a:t>Thread Mapping</a:t>
+            </a:r>
+            <a:endParaRPr lang="en-US" dirty="0"/>
           </a:p>
         </p:txBody>
       </p:sp>
@@ -11258,108 +12898,472 @@
             <p:ph idx="1"/>
           </p:nvPr>
         </p:nvSpPr>
-        <p:spPr/>
+        <p:spPr>
+          <a:xfrm>
+            <a:off x="360000" y="1620000"/>
+            <a:ext cx="8532480" cy="4479943"/>
+          </a:xfrm>
+        </p:spPr>
         <p:txBody>
           <a:bodyPr/>
           <a:lstStyle/>
           <a:p>
             <a:pPr marL="342900" indent="-342900">
-              <a:buFont typeface="Arial" panose="020B0604020202020204" pitchFamily="34" charset="0"/>
+              <a:buFont typeface="Arial" charset="0"/>
               <a:buChar char="•"/>
             </a:pPr>
             <a:r>
+              <a:rPr lang="en-US" dirty="0"/>
+              <a:t>L</a:t>
+            </a:r>
+            <a:r>
               <a:rPr lang="en-US" dirty="0" smtClean="0"/>
-              <a:t>Introduction</a:t>
-            </a:r>
-            <a:endParaRPr lang="en-US" dirty="0"/>
+              <a:t>arge </a:t>
+            </a:r>
+            <a:r>
+              <a:rPr lang="en-US" dirty="0"/>
+              <a:t>impact on the application’s performance and energy consumption </a:t>
+            </a:r>
+            <a:endParaRPr lang="de-DE" dirty="0" smtClean="0"/>
           </a:p>
           <a:p>
             <a:pPr marL="342900" indent="-342900">
-              <a:buFont typeface="Arial" panose="020B0604020202020204" pitchFamily="34" charset="0"/>
+              <a:buFont typeface="Arial" charset="0"/>
               <a:buChar char="•"/>
             </a:pPr>
             <a:r>
-              <a:rPr lang="en-US" dirty="0"/>
-              <a:t>State of the Art</a:t>
-            </a:r>
-          </a:p>
-          <a:p>
-            <a:pPr marL="342900" indent="-342900">
-              <a:buFont typeface="Arial" panose="020B0604020202020204" pitchFamily="34" charset="0"/>
+              <a:rPr lang="de-DE" dirty="0" smtClean="0"/>
+              <a:t>Different </a:t>
+            </a:r>
+            <a:r>
+              <a:rPr lang="de-DE" dirty="0" smtClean="0"/>
+              <a:t>Approaches</a:t>
+            </a:r>
+          </a:p>
+          <a:p>
+            <a:pPr marL="701675" lvl="2" indent="-342900">
+              <a:buFont typeface="Arial" charset="0"/>
               <a:buChar char="•"/>
             </a:pPr>
             <a:r>
-              <a:rPr lang="en-US" dirty="0" smtClean="0"/>
-              <a:t>Objectives</a:t>
-            </a:r>
-          </a:p>
-          <a:p>
-            <a:pPr marL="342900" indent="-342900">
-              <a:buFont typeface="Arial" panose="020B0604020202020204" pitchFamily="34" charset="0"/>
+              <a:rPr lang="de-DE" dirty="0" err="1" smtClean="0"/>
+              <a:t>Locality-based</a:t>
+            </a:r>
+            <a:r>
+              <a:rPr lang="de-DE" dirty="0" smtClean="0"/>
+              <a:t> </a:t>
+            </a:r>
+            <a:r>
+              <a:rPr lang="de-DE" dirty="0" err="1" smtClean="0"/>
+              <a:t>mapping</a:t>
+            </a:r>
+            <a:endParaRPr lang="de-DE" dirty="0" smtClean="0"/>
+          </a:p>
+          <a:p>
+            <a:pPr marL="881062" lvl="3" indent="-342900">
+              <a:buFont typeface="Arial" charset="0"/>
               <a:buChar char="•"/>
             </a:pPr>
             <a:r>
-              <a:rPr lang="en-US" b="1" dirty="0" smtClean="0"/>
-              <a:t>Approach</a:t>
-            </a:r>
+              <a:rPr lang="de-DE" dirty="0"/>
+              <a:t>M</a:t>
+            </a:r>
+            <a:r>
+              <a:rPr lang="de-DE" dirty="0" smtClean="0"/>
+              <a:t>apping </a:t>
+            </a:r>
+            <a:r>
+              <a:rPr lang="de-DE" dirty="0" err="1"/>
+              <a:t>threads</a:t>
+            </a:r>
+            <a:r>
+              <a:rPr lang="de-DE" dirty="0"/>
+              <a:t> </a:t>
+            </a:r>
+            <a:r>
+              <a:rPr lang="de-DE" dirty="0" err="1"/>
+              <a:t>that</a:t>
+            </a:r>
+            <a:r>
+              <a:rPr lang="de-DE" dirty="0"/>
+              <a:t> </a:t>
+            </a:r>
+            <a:r>
+              <a:rPr lang="de-DE" dirty="0" err="1"/>
+              <a:t>frequently</a:t>
+            </a:r>
+            <a:r>
+              <a:rPr lang="de-DE" dirty="0"/>
+              <a:t> </a:t>
+            </a:r>
+            <a:r>
+              <a:rPr lang="de-DE" dirty="0" err="1"/>
+              <a:t>communicate</a:t>
+            </a:r>
+            <a:r>
+              <a:rPr lang="de-DE" dirty="0"/>
+              <a:t> </a:t>
+            </a:r>
+            <a:r>
+              <a:rPr lang="de-DE" dirty="0" err="1"/>
+              <a:t>with</a:t>
+            </a:r>
+            <a:r>
+              <a:rPr lang="de-DE" dirty="0"/>
+              <a:t> </a:t>
+            </a:r>
+            <a:r>
+              <a:rPr lang="de-DE" dirty="0" err="1"/>
+              <a:t>each</a:t>
+            </a:r>
+            <a:r>
+              <a:rPr lang="de-DE" dirty="0"/>
+              <a:t> </a:t>
+            </a:r>
+            <a:r>
+              <a:rPr lang="de-DE" dirty="0" err="1"/>
+              <a:t>other</a:t>
+            </a:r>
+            <a:r>
+              <a:rPr lang="de-DE" dirty="0"/>
+              <a:t> </a:t>
+            </a:r>
+            <a:r>
+              <a:rPr lang="de-DE" dirty="0" err="1"/>
+              <a:t>to</a:t>
+            </a:r>
+            <a:r>
+              <a:rPr lang="de-DE" dirty="0"/>
+              <a:t> </a:t>
+            </a:r>
+            <a:r>
+              <a:rPr lang="de-DE" dirty="0" err="1"/>
+              <a:t>processing</a:t>
+            </a:r>
+            <a:r>
+              <a:rPr lang="de-DE" dirty="0"/>
+              <a:t> </a:t>
+            </a:r>
+            <a:r>
+              <a:rPr lang="de-DE" dirty="0" err="1"/>
+              <a:t>units</a:t>
+            </a:r>
+            <a:r>
+              <a:rPr lang="de-DE" dirty="0"/>
+              <a:t> </a:t>
+            </a:r>
+            <a:r>
+              <a:rPr lang="de-DE" dirty="0" err="1"/>
+              <a:t>that</a:t>
+            </a:r>
+            <a:r>
+              <a:rPr lang="de-DE" dirty="0"/>
+              <a:t> </a:t>
+            </a:r>
+            <a:r>
+              <a:rPr lang="de-DE" dirty="0" err="1"/>
+              <a:t>are</a:t>
+            </a:r>
+            <a:r>
+              <a:rPr lang="de-DE" dirty="0"/>
+              <a:t> </a:t>
+            </a:r>
+            <a:r>
+              <a:rPr lang="de-DE" dirty="0" err="1"/>
+              <a:t>closer</a:t>
+            </a:r>
+            <a:r>
+              <a:rPr lang="de-DE" dirty="0"/>
+              <a:t> </a:t>
+            </a:r>
+            <a:r>
+              <a:rPr lang="de-DE" dirty="0" err="1"/>
+              <a:t>to</a:t>
+            </a:r>
+            <a:r>
+              <a:rPr lang="de-DE" dirty="0"/>
+              <a:t> </a:t>
+            </a:r>
+            <a:r>
+              <a:rPr lang="de-DE" dirty="0" err="1"/>
+              <a:t>each</a:t>
+            </a:r>
+            <a:r>
+              <a:rPr lang="de-DE" dirty="0"/>
+              <a:t> </a:t>
+            </a:r>
+            <a:r>
+              <a:rPr lang="de-DE" dirty="0" err="1"/>
+              <a:t>other</a:t>
+            </a:r>
+            <a:r>
+              <a:rPr lang="de-DE" dirty="0"/>
+              <a:t> </a:t>
+            </a:r>
+            <a:r>
+              <a:rPr lang="de-DE" dirty="0" smtClean="0"/>
+              <a:t>in </a:t>
+            </a:r>
+            <a:r>
+              <a:rPr lang="de-DE" dirty="0" err="1" smtClean="0"/>
+              <a:t>memory</a:t>
+            </a:r>
+            <a:r>
+              <a:rPr lang="de-DE" dirty="0" smtClean="0"/>
+              <a:t> </a:t>
+            </a:r>
+            <a:r>
+              <a:rPr lang="de-DE" dirty="0" err="1" smtClean="0"/>
+              <a:t>hierarchy</a:t>
+            </a:r>
+            <a:endParaRPr lang="de-DE" dirty="0" smtClean="0"/>
           </a:p>
           <a:p>
             <a:pPr marL="701675" lvl="2" indent="-342900">
-              <a:buFont typeface="Arial" panose="020B0604020202020204" pitchFamily="34" charset="0"/>
+              <a:buFont typeface="Arial" charset="0"/>
               <a:buChar char="•"/>
             </a:pPr>
             <a:r>
-              <a:rPr lang="en-US" b="1" dirty="0" smtClean="0"/>
-              <a:t>Instrumentation</a:t>
-            </a:r>
-          </a:p>
-          <a:p>
-            <a:pPr marL="701675" lvl="2" indent="-342900">
-              <a:buFont typeface="Arial" panose="020B0604020202020204" pitchFamily="34" charset="0"/>
+              <a:rPr lang="de-DE" dirty="0" err="1" smtClean="0"/>
+              <a:t>Balanced-based</a:t>
+            </a:r>
+            <a:r>
+              <a:rPr lang="de-DE" dirty="0" smtClean="0"/>
+              <a:t> </a:t>
+            </a:r>
+            <a:r>
+              <a:rPr lang="de-DE" dirty="0" err="1" smtClean="0"/>
+              <a:t>mapping</a:t>
+            </a:r>
+            <a:endParaRPr lang="de-DE" dirty="0" smtClean="0"/>
+          </a:p>
+          <a:p>
+            <a:pPr marL="881062" lvl="3" indent="-342900">
+              <a:buFont typeface="Arial" charset="0"/>
               <a:buChar char="•"/>
             </a:pPr>
             <a:r>
-              <a:rPr lang="en-US" dirty="0" smtClean="0"/>
-              <a:t>Profiling</a:t>
-            </a:r>
+              <a:rPr lang="de-DE" dirty="0" smtClean="0"/>
+              <a:t>Mapping </a:t>
+            </a:r>
+            <a:r>
+              <a:rPr lang="de-DE" dirty="0" err="1" smtClean="0"/>
+              <a:t>threads</a:t>
+            </a:r>
+            <a:r>
+              <a:rPr lang="de-DE" dirty="0" smtClean="0"/>
+              <a:t> </a:t>
+            </a:r>
+            <a:r>
+              <a:rPr lang="de-DE" dirty="0" err="1" smtClean="0"/>
+              <a:t>to</a:t>
+            </a:r>
+            <a:r>
+              <a:rPr lang="de-DE" dirty="0" smtClean="0"/>
+              <a:t> </a:t>
+            </a:r>
+            <a:r>
+              <a:rPr lang="de-DE" dirty="0" err="1" smtClean="0"/>
+              <a:t>the</a:t>
+            </a:r>
+            <a:r>
+              <a:rPr lang="de-DE" dirty="0" smtClean="0"/>
+              <a:t> </a:t>
+            </a:r>
+            <a:r>
+              <a:rPr lang="de-DE" dirty="0" err="1" smtClean="0"/>
+              <a:t>cores</a:t>
+            </a:r>
+            <a:r>
+              <a:rPr lang="de-DE" dirty="0" smtClean="0"/>
+              <a:t> </a:t>
+            </a:r>
+            <a:r>
+              <a:rPr lang="de-DE" dirty="0" err="1" smtClean="0"/>
+              <a:t>which</a:t>
+            </a:r>
+            <a:r>
+              <a:rPr lang="de-DE" dirty="0" smtClean="0"/>
+              <a:t> </a:t>
+            </a:r>
+            <a:r>
+              <a:rPr lang="de-DE" dirty="0" err="1" smtClean="0"/>
+              <a:t>have</a:t>
+            </a:r>
+            <a:r>
+              <a:rPr lang="de-DE" dirty="0" smtClean="0"/>
+              <a:t> </a:t>
+            </a:r>
+            <a:r>
+              <a:rPr lang="de-DE" dirty="0" err="1" smtClean="0"/>
+              <a:t>lower</a:t>
+            </a:r>
+            <a:r>
+              <a:rPr lang="de-DE" dirty="0" smtClean="0"/>
+              <a:t> </a:t>
+            </a:r>
+            <a:r>
+              <a:rPr lang="de-DE" dirty="0" err="1" smtClean="0"/>
+              <a:t>load</a:t>
+            </a:r>
+            <a:r>
+              <a:rPr lang="de-DE" dirty="0" smtClean="0"/>
+              <a:t> in </a:t>
+            </a:r>
+            <a:r>
+              <a:rPr lang="de-DE" dirty="0" err="1" smtClean="0"/>
+              <a:t>terms</a:t>
+            </a:r>
+            <a:r>
+              <a:rPr lang="de-DE" dirty="0" smtClean="0"/>
+              <a:t> </a:t>
+            </a:r>
+            <a:r>
+              <a:rPr lang="de-DE" dirty="0" err="1" smtClean="0"/>
+              <a:t>of</a:t>
+            </a:r>
+            <a:r>
+              <a:rPr lang="de-DE" dirty="0" smtClean="0"/>
+              <a:t> </a:t>
+            </a:r>
+            <a:r>
+              <a:rPr lang="de-DE" dirty="0" err="1" smtClean="0"/>
+              <a:t>assigned</a:t>
+            </a:r>
+            <a:r>
+              <a:rPr lang="de-DE" dirty="0" smtClean="0"/>
+              <a:t> </a:t>
+            </a:r>
+            <a:r>
+              <a:rPr lang="de-DE" dirty="0" err="1" smtClean="0"/>
+              <a:t>threads</a:t>
+            </a:r>
+            <a:endParaRPr lang="de-DE" dirty="0" smtClean="0"/>
           </a:p>
           <a:p>
             <a:pPr marL="701675" lvl="2" indent="-342900">
-              <a:buFont typeface="Arial" panose="020B0604020202020204" pitchFamily="34" charset="0"/>
+              <a:buFont typeface="Arial" charset="0"/>
               <a:buChar char="•"/>
             </a:pPr>
             <a:r>
-              <a:rPr lang="en-US" dirty="0" smtClean="0"/>
-              <a:t>Challenge</a:t>
-            </a:r>
-          </a:p>
-          <a:p>
-            <a:pPr marL="701675" lvl="2" indent="-342900">
-              <a:buFont typeface="Arial" panose="020B0604020202020204" pitchFamily="34" charset="0"/>
+              <a:rPr lang="de-DE" dirty="0" err="1"/>
+              <a:t>Combined</a:t>
+            </a:r>
+            <a:r>
+              <a:rPr lang="de-DE" dirty="0"/>
+              <a:t> </a:t>
+            </a:r>
+            <a:r>
+              <a:rPr lang="de-DE" dirty="0" err="1"/>
+              <a:t>apporach</a:t>
+            </a:r>
+            <a:endParaRPr lang="de-DE" dirty="0"/>
+          </a:p>
+          <a:p>
+            <a:pPr marL="881062" lvl="3" indent="-342900">
+              <a:buFont typeface="Arial" charset="0"/>
               <a:buChar char="•"/>
             </a:pPr>
             <a:r>
-              <a:rPr lang="en-US" dirty="0" smtClean="0"/>
-              <a:t>Proposed Solution</a:t>
-            </a:r>
-            <a:endParaRPr lang="en-US" dirty="0"/>
-          </a:p>
-          <a:p>
-            <a:pPr marL="342900" indent="-342900">
-              <a:buFont typeface="Arial" panose="020B0604020202020204" pitchFamily="34" charset="0"/>
-              <a:buChar char="•"/>
-            </a:pPr>
-            <a:r>
-              <a:rPr lang="en-US" dirty="0" smtClean="0"/>
-              <a:t>Evaluation </a:t>
-            </a:r>
+              <a:rPr lang="de-DE" dirty="0" err="1"/>
+              <a:t>Use</a:t>
+            </a:r>
+            <a:r>
+              <a:rPr lang="de-DE" dirty="0"/>
+              <a:t> </a:t>
+            </a:r>
+            <a:r>
+              <a:rPr lang="de-DE" dirty="0" err="1"/>
+              <a:t>both</a:t>
+            </a:r>
+            <a:r>
+              <a:rPr lang="de-DE" dirty="0"/>
+              <a:t> </a:t>
+            </a:r>
+            <a:r>
+              <a:rPr lang="de-DE" dirty="0" err="1"/>
+              <a:t>lolcality</a:t>
+            </a:r>
+            <a:r>
+              <a:rPr lang="de-DE" dirty="0"/>
+              <a:t> </a:t>
+            </a:r>
+            <a:r>
+              <a:rPr lang="de-DE" dirty="0" err="1"/>
+              <a:t>and</a:t>
+            </a:r>
+            <a:r>
+              <a:rPr lang="de-DE" dirty="0"/>
+              <a:t> </a:t>
+            </a:r>
+            <a:r>
+              <a:rPr lang="de-DE" dirty="0" err="1"/>
+              <a:t>balance</a:t>
+            </a:r>
+            <a:r>
+              <a:rPr lang="de-DE" dirty="0"/>
+              <a:t> </a:t>
+            </a:r>
+            <a:r>
+              <a:rPr lang="de-DE" dirty="0" err="1"/>
+              <a:t>parameters</a:t>
+            </a:r>
+            <a:r>
+              <a:rPr lang="de-DE" dirty="0"/>
+              <a:t> </a:t>
+            </a:r>
+            <a:r>
+              <a:rPr lang="de-DE" dirty="0" err="1"/>
+              <a:t>to</a:t>
+            </a:r>
+            <a:r>
+              <a:rPr lang="de-DE" dirty="0"/>
+              <a:t> </a:t>
+            </a:r>
+            <a:r>
+              <a:rPr lang="de-DE" dirty="0" err="1"/>
+              <a:t>map</a:t>
+            </a:r>
+            <a:r>
+              <a:rPr lang="de-DE" dirty="0"/>
+              <a:t> </a:t>
+            </a:r>
+            <a:r>
+              <a:rPr lang="de-DE" dirty="0" err="1"/>
+              <a:t>the</a:t>
+            </a:r>
+            <a:r>
+              <a:rPr lang="de-DE" dirty="0"/>
+              <a:t> </a:t>
+            </a:r>
+            <a:r>
+              <a:rPr lang="de-DE" dirty="0" err="1"/>
+              <a:t>threads</a:t>
+            </a:r>
+            <a:r>
+              <a:rPr lang="de-DE" dirty="0"/>
+              <a:t> </a:t>
+            </a:r>
+            <a:r>
+              <a:rPr lang="de-DE" dirty="0" err="1"/>
+              <a:t>to</a:t>
+            </a:r>
+            <a:r>
+              <a:rPr lang="de-DE" dirty="0"/>
+              <a:t> different </a:t>
+            </a:r>
+            <a:r>
+              <a:rPr lang="de-DE" dirty="0" err="1" smtClean="0"/>
+              <a:t>cores</a:t>
+            </a:r>
+            <a:endParaRPr lang="de-DE" dirty="0"/>
           </a:p>
         </p:txBody>
       </p:sp>
     </p:spTree>
     <p:extLst>
       <p:ext uri="{BB962C8B-B14F-4D97-AF65-F5344CB8AC3E}">
-        <p14:creationId xmlns:p14="http://schemas.microsoft.com/office/powerpoint/2010/main" val="970938415"/>
+        <p14:creationId xmlns:p14="http://schemas.microsoft.com/office/powerpoint/2010/main" val="3692018628"/>
       </p:ext>
     </p:extLst>
   </p:cSld>
@@ -11412,8 +13416,19 @@
           <a:lstStyle/>
           <a:p>
             <a:r>
-              <a:rPr lang="en-US" dirty="0" smtClean="0"/>
-              <a:t>Instrumentation</a:t>
+              <a:rPr lang="de-DE" dirty="0" smtClean="0"/>
+              <a:t>Thread </a:t>
+            </a:r>
+            <a:r>
+              <a:rPr lang="de-DE" dirty="0" smtClean="0"/>
+              <a:t>Mapping</a:t>
+            </a:r>
+            <a:br>
+              <a:rPr lang="de-DE" dirty="0" smtClean="0"/>
+            </a:br>
+            <a:r>
+              <a:rPr lang="de-DE" dirty="0" err="1" smtClean="0"/>
+              <a:t>Policies</a:t>
             </a:r>
             <a:endParaRPr lang="en-US" dirty="0"/>
           </a:p>
@@ -11432,31 +13447,26 @@
         <p:spPr>
           <a:xfrm>
             <a:off x="360000" y="1620000"/>
-            <a:ext cx="8244447" cy="4479943"/>
+            <a:ext cx="8532480" cy="4479943"/>
           </a:xfrm>
         </p:spPr>
         <p:txBody>
           <a:bodyPr/>
           <a:lstStyle/>
           <a:p>
-            <a:pPr marL="342900" indent="-342900">
-              <a:buFont typeface="Arial" charset="0"/>
-              <a:buChar char="•"/>
-            </a:pPr>
-            <a:r>
-              <a:rPr lang="en-US" dirty="0" smtClean="0"/>
-              <a:t>Injection of customized function calls to intermediate code </a:t>
-            </a:r>
-          </a:p>
-          <a:p>
             <a:pPr marL="701675" lvl="2" indent="-342900">
               <a:buFont typeface="Arial" charset="0"/>
               <a:buChar char="•"/>
             </a:pPr>
             <a:r>
               <a:rPr lang="en-US" dirty="0" smtClean="0"/>
-              <a:t>At LLVM IR level</a:t>
-            </a:r>
+              <a:t>OS. </a:t>
+            </a:r>
+            <a:r>
+              <a:rPr lang="en-US" dirty="0"/>
+              <a:t>The mapping performed by the operating system </a:t>
+            </a:r>
+            <a:endParaRPr lang="en-US" dirty="0"/>
           </a:p>
           <a:p>
             <a:pPr marL="701675" lvl="2" indent="-342900">
@@ -11465,8 +13475,133 @@
             </a:pPr>
             <a:r>
               <a:rPr lang="en-US" dirty="0" smtClean="0"/>
-              <a:t>Before Load/Store instructions</a:t>
-            </a:r>
+              <a:t>Compact. </a:t>
+            </a:r>
+            <a:r>
+              <a:rPr lang="en-US" dirty="0"/>
+              <a:t>P</a:t>
+            </a:r>
+            <a:r>
+              <a:rPr lang="en-US" dirty="0" smtClean="0"/>
+              <a:t>erforms </a:t>
+            </a:r>
+            <a:r>
+              <a:rPr lang="en-US" dirty="0"/>
+              <a:t>a round-robin scheduling of threads to PUs </a:t>
+            </a:r>
+            <a:endParaRPr lang="en-US" dirty="0" smtClean="0"/>
+          </a:p>
+          <a:p>
+            <a:pPr marL="881062" lvl="3" indent="-342900">
+              <a:buFont typeface="Arial" charset="0"/>
+              <a:buChar char="•"/>
+            </a:pPr>
+            <a:r>
+              <a:rPr lang="en-US" dirty="0"/>
+              <a:t>N</a:t>
+            </a:r>
+            <a:r>
+              <a:rPr lang="en-US" dirty="0" smtClean="0"/>
+              <a:t>eighboring </a:t>
+            </a:r>
+            <a:r>
+              <a:rPr lang="en-US" dirty="0"/>
+              <a:t>threads are placed close to each other in the memory hierarchy </a:t>
+            </a:r>
+            <a:endParaRPr lang="en-US" dirty="0"/>
+          </a:p>
+          <a:p>
+            <a:pPr marL="701675" lvl="2" indent="-342900">
+              <a:buFont typeface="Arial" charset="0"/>
+              <a:buChar char="•"/>
+            </a:pPr>
+            <a:r>
+              <a:rPr lang="en-US" dirty="0" smtClean="0"/>
+              <a:t>Scatter. </a:t>
+            </a:r>
+            <a:r>
+              <a:rPr lang="en-US" dirty="0"/>
+              <a:t>R</a:t>
+            </a:r>
+            <a:r>
+              <a:rPr lang="en-US" dirty="0" smtClean="0"/>
+              <a:t>epresents </a:t>
+            </a:r>
+            <a:r>
+              <a:rPr lang="en-US" dirty="0"/>
+              <a:t>the opposite of Compact </a:t>
+            </a:r>
+            <a:endParaRPr lang="en-US" dirty="0" smtClean="0"/>
+          </a:p>
+          <a:p>
+            <a:pPr marL="881062" lvl="3" indent="-342900">
+              <a:buFont typeface="Arial" charset="0"/>
+              <a:buChar char="•"/>
+            </a:pPr>
+            <a:r>
+              <a:rPr lang="en-US" dirty="0"/>
+              <a:t>N</a:t>
+            </a:r>
+            <a:r>
+              <a:rPr lang="en-US" dirty="0" smtClean="0"/>
+              <a:t>eighboring </a:t>
+            </a:r>
+            <a:r>
+              <a:rPr lang="en-US" dirty="0"/>
+              <a:t>threads are placed far from each other in the hierarchy </a:t>
+            </a:r>
+            <a:endParaRPr lang="en-US" dirty="0" smtClean="0"/>
+          </a:p>
+          <a:p>
+            <a:pPr marL="701675" lvl="2" indent="-342900">
+              <a:buFont typeface="Arial" charset="0"/>
+              <a:buChar char="•"/>
+            </a:pPr>
+            <a:r>
+              <a:rPr lang="en-US" dirty="0" smtClean="0"/>
+              <a:t>Locality. </a:t>
+            </a:r>
+            <a:r>
+              <a:rPr lang="en-US" dirty="0"/>
+              <a:t>M</a:t>
+            </a:r>
+            <a:r>
+              <a:rPr lang="en-US" dirty="0" smtClean="0"/>
+              <a:t>apping </a:t>
+            </a:r>
+            <a:r>
+              <a:rPr lang="en-US" dirty="0"/>
+              <a:t>threads that communicate frequently close to each other in the memory </a:t>
+            </a:r>
+            <a:r>
+              <a:rPr lang="en-US" dirty="0" smtClean="0"/>
+              <a:t>hierarchy </a:t>
+            </a:r>
+          </a:p>
+          <a:p>
+            <a:pPr marL="881062" lvl="3" indent="-342900">
+              <a:buFont typeface="Arial" charset="0"/>
+              <a:buChar char="•"/>
+            </a:pPr>
+            <a:r>
+              <a:rPr lang="en-US" dirty="0" smtClean="0"/>
+              <a:t>Different algorithms e.g., Matrices</a:t>
+            </a:r>
+          </a:p>
+          <a:p>
+            <a:pPr marL="701675" lvl="2" indent="-342900">
+              <a:buFont typeface="Arial" charset="0"/>
+              <a:buChar char="•"/>
+            </a:pPr>
+            <a:r>
+              <a:rPr lang="en-US" dirty="0" smtClean="0"/>
+              <a:t>Distance. Represents </a:t>
+            </a:r>
+            <a:r>
+              <a:rPr lang="en-US" dirty="0"/>
+              <a:t>the opposite of Locality, placing threads that communicate far apart in the memory hierarchy </a:t>
+            </a:r>
+            <a:endParaRPr lang="en-US" dirty="0" smtClean="0"/>
           </a:p>
           <a:p>
             <a:pPr marL="701675" lvl="2" indent="-342900">
@@ -11477,511 +13612,10 @@
           </a:p>
         </p:txBody>
       </p:sp>
-      <p:pic>
-        <p:nvPicPr>
-          <p:cNvPr id="7" name="Picture 6"/>
-          <p:cNvPicPr>
-            <a:picLocks noChangeAspect="1"/>
-          </p:cNvPicPr>
-          <p:nvPr/>
-        </p:nvPicPr>
-        <p:blipFill>
-          <a:blip r:embed="rId3">
-            <a:extLst>
-              <a:ext uri="{28A0092B-C50C-407E-A947-70E740481C1C}">
-                <a14:useLocalDpi xmlns:a14="http://schemas.microsoft.com/office/drawing/2010/main" val="0"/>
-              </a:ext>
-            </a:extLst>
-          </a:blip>
-          <a:stretch>
-            <a:fillRect/>
-          </a:stretch>
-        </p:blipFill>
-        <p:spPr>
-          <a:xfrm>
-            <a:off x="251520" y="3005752"/>
-            <a:ext cx="8604447" cy="2943528"/>
-          </a:xfrm>
-          <a:prstGeom prst="rect">
-            <a:avLst/>
-          </a:prstGeom>
-          <a:effectLst>
-            <a:softEdge rad="88900"/>
-          </a:effectLst>
-        </p:spPr>
-      </p:pic>
-      <p:sp>
-        <p:nvSpPr>
-          <p:cNvPr id="10" name="Frame 9"/>
-          <p:cNvSpPr/>
-          <p:nvPr/>
-        </p:nvSpPr>
-        <p:spPr>
-          <a:xfrm>
-            <a:off x="1187624" y="3360858"/>
-            <a:ext cx="1368000" cy="216024"/>
-          </a:xfrm>
-          <a:prstGeom prst="frame">
-            <a:avLst/>
-          </a:prstGeom>
-          <a:ln>
-            <a:solidFill>
-              <a:srgbClr val="FF0000"/>
-            </a:solidFill>
-          </a:ln>
-        </p:spPr>
-        <p:style>
-          <a:lnRef idx="2">
-            <a:schemeClr val="accent1">
-              <a:shade val="50000"/>
-            </a:schemeClr>
-          </a:lnRef>
-          <a:fillRef idx="1">
-            <a:schemeClr val="accent1"/>
-          </a:fillRef>
-          <a:effectRef idx="0">
-            <a:schemeClr val="accent1"/>
-          </a:effectRef>
-          <a:fontRef idx="minor">
-            <a:schemeClr val="lt1"/>
-          </a:fontRef>
-        </p:style>
-        <p:txBody>
-          <a:bodyPr rtlCol="0" anchor="ctr"/>
-          <a:lstStyle/>
-          <a:p>
-            <a:pPr algn="ctr"/>
-            <a:endParaRPr lang="en-US">
-              <a:ln>
-                <a:solidFill>
-                  <a:srgbClr val="FF0000"/>
-                </a:solidFill>
-              </a:ln>
-              <a:solidFill>
-                <a:schemeClr val="tx1"/>
-              </a:solidFill>
-            </a:endParaRPr>
-          </a:p>
-        </p:txBody>
-      </p:sp>
-      <p:sp>
-        <p:nvSpPr>
-          <p:cNvPr id="11" name="Frame 10"/>
-          <p:cNvSpPr/>
-          <p:nvPr/>
-        </p:nvSpPr>
-        <p:spPr>
-          <a:xfrm>
-            <a:off x="647439" y="3516957"/>
-            <a:ext cx="468000" cy="216000"/>
-          </a:xfrm>
-          <a:prstGeom prst="frame">
-            <a:avLst/>
-          </a:prstGeom>
-          <a:ln>
-            <a:solidFill>
-              <a:srgbClr val="FF0000"/>
-            </a:solidFill>
-          </a:ln>
-        </p:spPr>
-        <p:style>
-          <a:lnRef idx="2">
-            <a:schemeClr val="accent1">
-              <a:shade val="50000"/>
-            </a:schemeClr>
-          </a:lnRef>
-          <a:fillRef idx="1">
-            <a:schemeClr val="accent1"/>
-          </a:fillRef>
-          <a:effectRef idx="0">
-            <a:schemeClr val="accent1"/>
-          </a:effectRef>
-          <a:fontRef idx="minor">
-            <a:schemeClr val="lt1"/>
-          </a:fontRef>
-        </p:style>
-        <p:txBody>
-          <a:bodyPr rtlCol="0" anchor="ctr"/>
-          <a:lstStyle/>
-          <a:p>
-            <a:pPr algn="ctr"/>
-            <a:endParaRPr lang="en-US">
-              <a:ln>
-                <a:solidFill>
-                  <a:srgbClr val="FF0000"/>
-                </a:solidFill>
-              </a:ln>
-              <a:solidFill>
-                <a:schemeClr val="tx1"/>
-              </a:solidFill>
-            </a:endParaRPr>
-          </a:p>
-        </p:txBody>
-      </p:sp>
-      <p:sp>
-        <p:nvSpPr>
-          <p:cNvPr id="12" name="Frame 11"/>
-          <p:cNvSpPr/>
-          <p:nvPr/>
-        </p:nvSpPr>
-        <p:spPr>
-          <a:xfrm>
-            <a:off x="646710" y="4028162"/>
-            <a:ext cx="468000" cy="216000"/>
-          </a:xfrm>
-          <a:prstGeom prst="frame">
-            <a:avLst/>
-          </a:prstGeom>
-          <a:ln>
-            <a:solidFill>
-              <a:srgbClr val="FF0000"/>
-            </a:solidFill>
-          </a:ln>
-        </p:spPr>
-        <p:style>
-          <a:lnRef idx="2">
-            <a:schemeClr val="accent1">
-              <a:shade val="50000"/>
-            </a:schemeClr>
-          </a:lnRef>
-          <a:fillRef idx="1">
-            <a:schemeClr val="accent1"/>
-          </a:fillRef>
-          <a:effectRef idx="0">
-            <a:schemeClr val="accent1"/>
-          </a:effectRef>
-          <a:fontRef idx="minor">
-            <a:schemeClr val="lt1"/>
-          </a:fontRef>
-        </p:style>
-        <p:txBody>
-          <a:bodyPr rtlCol="0" anchor="ctr"/>
-          <a:lstStyle/>
-          <a:p>
-            <a:pPr algn="ctr"/>
-            <a:endParaRPr lang="en-US">
-              <a:ln>
-                <a:solidFill>
-                  <a:srgbClr val="FF0000"/>
-                </a:solidFill>
-              </a:ln>
-              <a:solidFill>
-                <a:schemeClr val="tx1"/>
-              </a:solidFill>
-            </a:endParaRPr>
-          </a:p>
-        </p:txBody>
-      </p:sp>
-      <p:sp>
-        <p:nvSpPr>
-          <p:cNvPr id="13" name="Frame 12"/>
-          <p:cNvSpPr/>
-          <p:nvPr/>
-        </p:nvSpPr>
-        <p:spPr>
-          <a:xfrm>
-            <a:off x="646710" y="4695279"/>
-            <a:ext cx="468000" cy="216000"/>
-          </a:xfrm>
-          <a:prstGeom prst="frame">
-            <a:avLst/>
-          </a:prstGeom>
-          <a:ln>
-            <a:solidFill>
-              <a:srgbClr val="FF0000"/>
-            </a:solidFill>
-          </a:ln>
-        </p:spPr>
-        <p:style>
-          <a:lnRef idx="2">
-            <a:schemeClr val="accent1">
-              <a:shade val="50000"/>
-            </a:schemeClr>
-          </a:lnRef>
-          <a:fillRef idx="1">
-            <a:schemeClr val="accent1"/>
-          </a:fillRef>
-          <a:effectRef idx="0">
-            <a:schemeClr val="accent1"/>
-          </a:effectRef>
-          <a:fontRef idx="minor">
-            <a:schemeClr val="lt1"/>
-          </a:fontRef>
-        </p:style>
-        <p:txBody>
-          <a:bodyPr rtlCol="0" anchor="ctr"/>
-          <a:lstStyle/>
-          <a:p>
-            <a:pPr algn="ctr"/>
-            <a:endParaRPr lang="en-US">
-              <a:ln>
-                <a:solidFill>
-                  <a:srgbClr val="FF0000"/>
-                </a:solidFill>
-              </a:ln>
-              <a:solidFill>
-                <a:schemeClr val="tx1"/>
-              </a:solidFill>
-            </a:endParaRPr>
-          </a:p>
-        </p:txBody>
-      </p:sp>
-      <p:sp>
-        <p:nvSpPr>
-          <p:cNvPr id="14" name="Frame 13"/>
-          <p:cNvSpPr/>
-          <p:nvPr/>
-        </p:nvSpPr>
-        <p:spPr>
-          <a:xfrm>
-            <a:off x="328572" y="5539914"/>
-            <a:ext cx="468000" cy="265350"/>
-          </a:xfrm>
-          <a:prstGeom prst="frame">
-            <a:avLst/>
-          </a:prstGeom>
-          <a:ln>
-            <a:solidFill>
-              <a:srgbClr val="FFFF00"/>
-            </a:solidFill>
-          </a:ln>
-        </p:spPr>
-        <p:style>
-          <a:lnRef idx="2">
-            <a:schemeClr val="accent1">
-              <a:shade val="50000"/>
-            </a:schemeClr>
-          </a:lnRef>
-          <a:fillRef idx="1">
-            <a:schemeClr val="accent1"/>
-          </a:fillRef>
-          <a:effectRef idx="0">
-            <a:schemeClr val="accent1"/>
-          </a:effectRef>
-          <a:fontRef idx="minor">
-            <a:schemeClr val="lt1"/>
-          </a:fontRef>
-        </p:style>
-        <p:txBody>
-          <a:bodyPr rtlCol="0" anchor="ctr"/>
-          <a:lstStyle/>
-          <a:p>
-            <a:pPr algn="ctr"/>
-            <a:endParaRPr lang="en-US">
-              <a:ln>
-                <a:solidFill>
-                  <a:srgbClr val="FF0000"/>
-                </a:solidFill>
-              </a:ln>
-              <a:solidFill>
-                <a:schemeClr val="tx1"/>
-              </a:solidFill>
-            </a:endParaRPr>
-          </a:p>
-        </p:txBody>
-      </p:sp>
-      <p:sp>
-        <p:nvSpPr>
-          <p:cNvPr id="15" name="Frame 14"/>
-          <p:cNvSpPr/>
-          <p:nvPr/>
-        </p:nvSpPr>
-        <p:spPr>
-          <a:xfrm>
-            <a:off x="1193379" y="5373215"/>
-            <a:ext cx="1404000" cy="216000"/>
-          </a:xfrm>
-          <a:prstGeom prst="frame">
-            <a:avLst/>
-          </a:prstGeom>
-          <a:ln>
-            <a:solidFill>
-              <a:srgbClr val="FFFF00"/>
-            </a:solidFill>
-          </a:ln>
-        </p:spPr>
-        <p:style>
-          <a:lnRef idx="2">
-            <a:schemeClr val="accent1">
-              <a:shade val="50000"/>
-            </a:schemeClr>
-          </a:lnRef>
-          <a:fillRef idx="1">
-            <a:schemeClr val="accent1"/>
-          </a:fillRef>
-          <a:effectRef idx="0">
-            <a:schemeClr val="accent1"/>
-          </a:effectRef>
-          <a:fontRef idx="minor">
-            <a:schemeClr val="lt1"/>
-          </a:fontRef>
-        </p:style>
-        <p:txBody>
-          <a:bodyPr rtlCol="0" anchor="ctr"/>
-          <a:lstStyle/>
-          <a:p>
-            <a:pPr algn="ctr"/>
-            <a:endParaRPr lang="en-US">
-              <a:ln>
-                <a:solidFill>
-                  <a:srgbClr val="FF0000"/>
-                </a:solidFill>
-              </a:ln>
-              <a:solidFill>
-                <a:schemeClr val="tx1"/>
-              </a:solidFill>
-            </a:endParaRPr>
-          </a:p>
-        </p:txBody>
-      </p:sp>
-      <p:sp>
-        <p:nvSpPr>
-          <p:cNvPr id="16" name="Frame 15"/>
-          <p:cNvSpPr/>
-          <p:nvPr/>
-        </p:nvSpPr>
-        <p:spPr>
-          <a:xfrm>
-            <a:off x="1211379" y="3858920"/>
-            <a:ext cx="1368000" cy="216024"/>
-          </a:xfrm>
-          <a:prstGeom prst="frame">
-            <a:avLst/>
-          </a:prstGeom>
-          <a:ln>
-            <a:solidFill>
-              <a:srgbClr val="FF0000"/>
-            </a:solidFill>
-          </a:ln>
-        </p:spPr>
-        <p:style>
-          <a:lnRef idx="2">
-            <a:schemeClr val="accent1">
-              <a:shade val="50000"/>
-            </a:schemeClr>
-          </a:lnRef>
-          <a:fillRef idx="1">
-            <a:schemeClr val="accent1"/>
-          </a:fillRef>
-          <a:effectRef idx="0">
-            <a:schemeClr val="accent1"/>
-          </a:effectRef>
-          <a:fontRef idx="minor">
-            <a:schemeClr val="lt1"/>
-          </a:fontRef>
-        </p:style>
-        <p:txBody>
-          <a:bodyPr rtlCol="0" anchor="ctr"/>
-          <a:lstStyle/>
-          <a:p>
-            <a:pPr algn="ctr"/>
-            <a:endParaRPr lang="en-US">
-              <a:ln>
-                <a:solidFill>
-                  <a:srgbClr val="FF0000"/>
-                </a:solidFill>
-              </a:ln>
-              <a:solidFill>
-                <a:schemeClr val="tx1"/>
-              </a:solidFill>
-            </a:endParaRPr>
-          </a:p>
-        </p:txBody>
-      </p:sp>
-      <p:sp>
-        <p:nvSpPr>
-          <p:cNvPr id="17" name="Frame 16"/>
-          <p:cNvSpPr/>
-          <p:nvPr/>
-        </p:nvSpPr>
-        <p:spPr>
-          <a:xfrm>
-            <a:off x="1187624" y="4547057"/>
-            <a:ext cx="1368000" cy="216024"/>
-          </a:xfrm>
-          <a:prstGeom prst="frame">
-            <a:avLst/>
-          </a:prstGeom>
-          <a:ln>
-            <a:solidFill>
-              <a:srgbClr val="FF0000"/>
-            </a:solidFill>
-          </a:ln>
-        </p:spPr>
-        <p:style>
-          <a:lnRef idx="2">
-            <a:schemeClr val="accent1">
-              <a:shade val="50000"/>
-            </a:schemeClr>
-          </a:lnRef>
-          <a:fillRef idx="1">
-            <a:schemeClr val="accent1"/>
-          </a:fillRef>
-          <a:effectRef idx="0">
-            <a:schemeClr val="accent1"/>
-          </a:effectRef>
-          <a:fontRef idx="minor">
-            <a:schemeClr val="lt1"/>
-          </a:fontRef>
-        </p:style>
-        <p:txBody>
-          <a:bodyPr rtlCol="0" anchor="ctr"/>
-          <a:lstStyle/>
-          <a:p>
-            <a:pPr algn="ctr"/>
-            <a:endParaRPr lang="en-US">
-              <a:ln>
-                <a:solidFill>
-                  <a:srgbClr val="FF0000"/>
-                </a:solidFill>
-              </a:ln>
-              <a:solidFill>
-                <a:schemeClr val="tx1"/>
-              </a:solidFill>
-            </a:endParaRPr>
-          </a:p>
-        </p:txBody>
-      </p:sp>
-      <p:pic>
-        <p:nvPicPr>
-          <p:cNvPr id="6" name="Picture 5"/>
-          <p:cNvPicPr>
-            <a:picLocks noChangeAspect="1"/>
-          </p:cNvPicPr>
-          <p:nvPr/>
-        </p:nvPicPr>
-        <p:blipFill>
-          <a:blip r:embed="rId4">
-            <a:extLst>
-              <a:ext uri="{28A0092B-C50C-407E-A947-70E740481C1C}">
-                <a14:useLocalDpi xmlns:a14="http://schemas.microsoft.com/office/drawing/2010/main" val="0"/>
-              </a:ext>
-            </a:extLst>
-          </a:blip>
-          <a:stretch>
-            <a:fillRect/>
-          </a:stretch>
-        </p:blipFill>
-        <p:spPr>
-          <a:xfrm>
-            <a:off x="4236759" y="2082597"/>
-            <a:ext cx="4504308" cy="625957"/>
-          </a:xfrm>
-          <a:prstGeom prst="rect">
-            <a:avLst/>
-          </a:prstGeom>
-          <a:ln>
-            <a:noFill/>
-          </a:ln>
-          <a:effectLst>
-            <a:softEdge rad="112500"/>
-          </a:effectLst>
-        </p:spPr>
-      </p:pic>
     </p:spTree>
     <p:extLst>
       <p:ext uri="{BB962C8B-B14F-4D97-AF65-F5344CB8AC3E}">
-        <p14:creationId xmlns:p14="http://schemas.microsoft.com/office/powerpoint/2010/main" val="90796408"/>
+        <p14:creationId xmlns:p14="http://schemas.microsoft.com/office/powerpoint/2010/main" val="1097440847"/>
       </p:ext>
     </p:extLst>
   </p:cSld>
@@ -11994,366 +13628,9 @@
   <p:timing>
     <p:tnLst>
       <p:par>
-        <p:cTn id="1" dur="indefinite" restart="never" nodeType="tmRoot">
-          <p:childTnLst>
-            <p:seq concurrent="1" nextAc="seek">
-              <p:cTn id="2" dur="indefinite" nodeType="mainSeq">
-                <p:childTnLst>
-                  <p:par>
-                    <p:cTn id="3" fill="hold">
-                      <p:stCondLst>
-                        <p:cond delay="indefinite"/>
-                      </p:stCondLst>
-                      <p:childTnLst>
-                        <p:par>
-                          <p:cTn id="4" fill="hold">
-                            <p:stCondLst>
-                              <p:cond delay="0"/>
-                            </p:stCondLst>
-                            <p:childTnLst>
-                              <p:par>
-                                <p:cTn id="5" presetID="26" presetClass="emph" presetSubtype="0" fill="hold" nodeType="clickEffect">
-                                  <p:stCondLst>
-                                    <p:cond delay="0"/>
-                                  </p:stCondLst>
-                                  <p:childTnLst>
-                                    <p:animEffect transition="out" filter="fade">
-                                      <p:cBhvr>
-                                        <p:cTn id="6" dur="1000" tmFilter="0, 0; .2, .5; .8, .5; 1, 0"/>
-                                        <p:tgtEl>
-                                          <p:spTgt spid="6"/>
-                                        </p:tgtEl>
-                                      </p:cBhvr>
-                                    </p:animEffect>
-                                    <p:animScale>
-                                      <p:cBhvr>
-                                        <p:cTn id="7" dur="500" autoRev="1" fill="hold"/>
-                                        <p:tgtEl>
-                                          <p:spTgt spid="6"/>
-                                        </p:tgtEl>
-                                      </p:cBhvr>
-                                      <p:by x="105000" y="105000"/>
-                                    </p:animScale>
-                                  </p:childTnLst>
-                                </p:cTn>
-                              </p:par>
-                            </p:childTnLst>
-                          </p:cTn>
-                        </p:par>
-                        <p:par>
-                          <p:cTn id="8" fill="hold">
-                            <p:stCondLst>
-                              <p:cond delay="1000"/>
-                            </p:stCondLst>
-                            <p:childTnLst>
-                              <p:par>
-                                <p:cTn id="9" presetID="26" presetClass="emph" presetSubtype="0" fill="hold" grpId="0" nodeType="afterEffect">
-                                  <p:stCondLst>
-                                    <p:cond delay="500"/>
-                                  </p:stCondLst>
-                                  <p:childTnLst>
-                                    <p:animEffect transition="out" filter="fade">
-                                      <p:cBhvr>
-                                        <p:cTn id="10" dur="1000" tmFilter="0, 0; .2, .5; .8, .5; 1, 0"/>
-                                        <p:tgtEl>
-                                          <p:spTgt spid="11"/>
-                                        </p:tgtEl>
-                                      </p:cBhvr>
-                                    </p:animEffect>
-                                    <p:animScale>
-                                      <p:cBhvr>
-                                        <p:cTn id="11" dur="500" autoRev="1" fill="hold"/>
-                                        <p:tgtEl>
-                                          <p:spTgt spid="11"/>
-                                        </p:tgtEl>
-                                      </p:cBhvr>
-                                      <p:by x="105000" y="105000"/>
-                                    </p:animScale>
-                                  </p:childTnLst>
-                                </p:cTn>
-                              </p:par>
-                            </p:childTnLst>
-                          </p:cTn>
-                        </p:par>
-                        <p:par>
-                          <p:cTn id="12" fill="hold">
-                            <p:stCondLst>
-                              <p:cond delay="2500"/>
-                            </p:stCondLst>
-                            <p:childTnLst>
-                              <p:par>
-                                <p:cTn id="13" presetID="26" presetClass="emph" presetSubtype="0" fill="hold" grpId="0" nodeType="afterEffect">
-                                  <p:stCondLst>
-                                    <p:cond delay="500"/>
-                                  </p:stCondLst>
-                                  <p:childTnLst>
-                                    <p:animEffect transition="out" filter="fade">
-                                      <p:cBhvr>
-                                        <p:cTn id="14" dur="1000" tmFilter="0, 0; .2, .5; .8, .5; 1, 0"/>
-                                        <p:tgtEl>
-                                          <p:spTgt spid="10"/>
-                                        </p:tgtEl>
-                                      </p:cBhvr>
-                                    </p:animEffect>
-                                    <p:animScale>
-                                      <p:cBhvr>
-                                        <p:cTn id="15" dur="500" autoRev="1" fill="hold"/>
-                                        <p:tgtEl>
-                                          <p:spTgt spid="10"/>
-                                        </p:tgtEl>
-                                      </p:cBhvr>
-                                      <p:by x="105000" y="105000"/>
-                                    </p:animScale>
-                                  </p:childTnLst>
-                                </p:cTn>
-                              </p:par>
-                            </p:childTnLst>
-                          </p:cTn>
-                        </p:par>
-                        <p:par>
-                          <p:cTn id="16" fill="hold">
-                            <p:stCondLst>
-                              <p:cond delay="4000"/>
-                            </p:stCondLst>
-                            <p:childTnLst>
-                              <p:par>
-                                <p:cTn id="17" presetID="26" presetClass="emph" presetSubtype="0" fill="hold" grpId="0" nodeType="afterEffect">
-                                  <p:stCondLst>
-                                    <p:cond delay="500"/>
-                                  </p:stCondLst>
-                                  <p:childTnLst>
-                                    <p:animEffect transition="out" filter="fade">
-                                      <p:cBhvr>
-                                        <p:cTn id="18" dur="1000" tmFilter="0, 0; .2, .5; .8, .5; 1, 0"/>
-                                        <p:tgtEl>
-                                          <p:spTgt spid="12"/>
-                                        </p:tgtEl>
-                                      </p:cBhvr>
-                                    </p:animEffect>
-                                    <p:animScale>
-                                      <p:cBhvr>
-                                        <p:cTn id="19" dur="500" autoRev="1" fill="hold"/>
-                                        <p:tgtEl>
-                                          <p:spTgt spid="12"/>
-                                        </p:tgtEl>
-                                      </p:cBhvr>
-                                      <p:by x="105000" y="105000"/>
-                                    </p:animScale>
-                                  </p:childTnLst>
-                                </p:cTn>
-                              </p:par>
-                            </p:childTnLst>
-                          </p:cTn>
-                        </p:par>
-                        <p:par>
-                          <p:cTn id="20" fill="hold">
-                            <p:stCondLst>
-                              <p:cond delay="5500"/>
-                            </p:stCondLst>
-                            <p:childTnLst>
-                              <p:par>
-                                <p:cTn id="21" presetID="26" presetClass="emph" presetSubtype="0" fill="hold" grpId="0" nodeType="afterEffect">
-                                  <p:stCondLst>
-                                    <p:cond delay="500"/>
-                                  </p:stCondLst>
-                                  <p:childTnLst>
-                                    <p:animEffect transition="out" filter="fade">
-                                      <p:cBhvr>
-                                        <p:cTn id="22" dur="1000" tmFilter="0, 0; .2, .5; .8, .5; 1, 0"/>
-                                        <p:tgtEl>
-                                          <p:spTgt spid="16"/>
-                                        </p:tgtEl>
-                                      </p:cBhvr>
-                                    </p:animEffect>
-                                    <p:animScale>
-                                      <p:cBhvr>
-                                        <p:cTn id="23" dur="500" autoRev="1" fill="hold"/>
-                                        <p:tgtEl>
-                                          <p:spTgt spid="16"/>
-                                        </p:tgtEl>
-                                      </p:cBhvr>
-                                      <p:by x="105000" y="105000"/>
-                                    </p:animScale>
-                                  </p:childTnLst>
-                                </p:cTn>
-                              </p:par>
-                            </p:childTnLst>
-                          </p:cTn>
-                        </p:par>
-                        <p:par>
-                          <p:cTn id="24" fill="hold">
-                            <p:stCondLst>
-                              <p:cond delay="7000"/>
-                            </p:stCondLst>
-                            <p:childTnLst>
-                              <p:par>
-                                <p:cTn id="25" presetID="26" presetClass="emph" presetSubtype="0" fill="hold" grpId="0" nodeType="afterEffect">
-                                  <p:stCondLst>
-                                    <p:cond delay="500"/>
-                                  </p:stCondLst>
-                                  <p:childTnLst>
-                                    <p:animEffect transition="out" filter="fade">
-                                      <p:cBhvr>
-                                        <p:cTn id="26" dur="1000" tmFilter="0, 0; .2, .5; .8, .5; 1, 0"/>
-                                        <p:tgtEl>
-                                          <p:spTgt spid="13"/>
-                                        </p:tgtEl>
-                                      </p:cBhvr>
-                                    </p:animEffect>
-                                    <p:animScale>
-                                      <p:cBhvr>
-                                        <p:cTn id="27" dur="500" autoRev="1" fill="hold"/>
-                                        <p:tgtEl>
-                                          <p:spTgt spid="13"/>
-                                        </p:tgtEl>
-                                      </p:cBhvr>
-                                      <p:by x="105000" y="105000"/>
-                                    </p:animScale>
-                                  </p:childTnLst>
-                                </p:cTn>
-                              </p:par>
-                            </p:childTnLst>
-                          </p:cTn>
-                        </p:par>
-                        <p:par>
-                          <p:cTn id="28" fill="hold">
-                            <p:stCondLst>
-                              <p:cond delay="8500"/>
-                            </p:stCondLst>
-                            <p:childTnLst>
-                              <p:par>
-                                <p:cTn id="29" presetID="26" presetClass="emph" presetSubtype="0" fill="hold" grpId="0" nodeType="afterEffect">
-                                  <p:stCondLst>
-                                    <p:cond delay="500"/>
-                                  </p:stCondLst>
-                                  <p:childTnLst>
-                                    <p:animEffect transition="out" filter="fade">
-                                      <p:cBhvr>
-                                        <p:cTn id="30" dur="1000" tmFilter="0, 0; .2, .5; .8, .5; 1, 0"/>
-                                        <p:tgtEl>
-                                          <p:spTgt spid="17"/>
-                                        </p:tgtEl>
-                                      </p:cBhvr>
-                                    </p:animEffect>
-                                    <p:animScale>
-                                      <p:cBhvr>
-                                        <p:cTn id="31" dur="500" autoRev="1" fill="hold"/>
-                                        <p:tgtEl>
-                                          <p:spTgt spid="17"/>
-                                        </p:tgtEl>
-                                      </p:cBhvr>
-                                      <p:by x="105000" y="105000"/>
-                                    </p:animScale>
-                                  </p:childTnLst>
-                                </p:cTn>
-                              </p:par>
-                            </p:childTnLst>
-                          </p:cTn>
-                        </p:par>
-                        <p:par>
-                          <p:cTn id="32" fill="hold">
-                            <p:stCondLst>
-                              <p:cond delay="10000"/>
-                            </p:stCondLst>
-                            <p:childTnLst>
-                              <p:par>
-                                <p:cTn id="33" presetID="26" presetClass="emph" presetSubtype="0" fill="hold" grpId="0" nodeType="afterEffect">
-                                  <p:stCondLst>
-                                    <p:cond delay="500"/>
-                                  </p:stCondLst>
-                                  <p:childTnLst>
-                                    <p:animEffect transition="out" filter="fade">
-                                      <p:cBhvr>
-                                        <p:cTn id="34" dur="1000" tmFilter="0, 0; .2, .5; .8, .5; 1, 0"/>
-                                        <p:tgtEl>
-                                          <p:spTgt spid="14"/>
-                                        </p:tgtEl>
-                                      </p:cBhvr>
-                                    </p:animEffect>
-                                    <p:animScale>
-                                      <p:cBhvr>
-                                        <p:cTn id="35" dur="500" autoRev="1" fill="hold"/>
-                                        <p:tgtEl>
-                                          <p:spTgt spid="14"/>
-                                        </p:tgtEl>
-                                      </p:cBhvr>
-                                      <p:by x="105000" y="105000"/>
-                                    </p:animScale>
-                                  </p:childTnLst>
-                                </p:cTn>
-                              </p:par>
-                            </p:childTnLst>
-                          </p:cTn>
-                        </p:par>
-                        <p:par>
-                          <p:cTn id="36" fill="hold">
-                            <p:stCondLst>
-                              <p:cond delay="11500"/>
-                            </p:stCondLst>
-                            <p:childTnLst>
-                              <p:par>
-                                <p:cTn id="37" presetID="26" presetClass="emph" presetSubtype="0" fill="hold" grpId="0" nodeType="afterEffect">
-                                  <p:stCondLst>
-                                    <p:cond delay="500"/>
-                                  </p:stCondLst>
-                                  <p:childTnLst>
-                                    <p:animEffect transition="out" filter="fade">
-                                      <p:cBhvr>
-                                        <p:cTn id="38" dur="1000" tmFilter="0, 0; .2, .5; .8, .5; 1, 0"/>
-                                        <p:tgtEl>
-                                          <p:spTgt spid="15"/>
-                                        </p:tgtEl>
-                                      </p:cBhvr>
-                                    </p:animEffect>
-                                    <p:animScale>
-                                      <p:cBhvr>
-                                        <p:cTn id="39" dur="500" autoRev="1" fill="hold"/>
-                                        <p:tgtEl>
-                                          <p:spTgt spid="15"/>
-                                        </p:tgtEl>
-                                      </p:cBhvr>
-                                      <p:by x="105000" y="105000"/>
-                                    </p:animScale>
-                                  </p:childTnLst>
-                                </p:cTn>
-                              </p:par>
-                            </p:childTnLst>
-                          </p:cTn>
-                        </p:par>
-                      </p:childTnLst>
-                    </p:cTn>
-                  </p:par>
-                </p:childTnLst>
-              </p:cTn>
-              <p:prevCondLst>
-                <p:cond evt="onPrev" delay="0">
-                  <p:tgtEl>
-                    <p:sldTgt/>
-                  </p:tgtEl>
-                </p:cond>
-              </p:prevCondLst>
-              <p:nextCondLst>
-                <p:cond evt="onNext" delay="0">
-                  <p:tgtEl>
-                    <p:sldTgt/>
-                  </p:tgtEl>
-                </p:cond>
-              </p:nextCondLst>
-            </p:seq>
-          </p:childTnLst>
-        </p:cTn>
+        <p:cTn id="1" dur="indefinite" restart="never" nodeType="tmRoot"/>
       </p:par>
     </p:tnLst>
-    <p:bldLst>
-      <p:bldP spid="10" grpId="0" animBg="1"/>
-      <p:bldP spid="11" grpId="0" animBg="1"/>
-      <p:bldP spid="12" grpId="0" animBg="1"/>
-      <p:bldP spid="13" grpId="0" animBg="1"/>
-      <p:bldP spid="14" grpId="0" animBg="1"/>
-      <p:bldP spid="15" grpId="0" animBg="1"/>
-      <p:bldP spid="16" grpId="0" animBg="1"/>
-      <p:bldP spid="17" grpId="0" animBg="1"/>
-    </p:bldLst>
   </p:timing>
 </p:sld>
 </file>
@@ -12391,9 +13668,21 @@
           <a:lstStyle/>
           <a:p>
             <a:r>
-              <a:rPr lang="en-US" dirty="0"/>
-              <a:t>Outline</a:t>
-            </a:r>
+              <a:rPr lang="de-DE" dirty="0" smtClean="0"/>
+              <a:t>Thread </a:t>
+            </a:r>
+            <a:r>
+              <a:rPr lang="de-DE" dirty="0" smtClean="0"/>
+              <a:t>Mapping</a:t>
+            </a:r>
+            <a:br>
+              <a:rPr lang="de-DE" dirty="0" smtClean="0"/>
+            </a:br>
+            <a:r>
+              <a:rPr lang="de-DE" dirty="0" err="1" smtClean="0"/>
+              <a:t>Policies</a:t>
+            </a:r>
+            <a:endParaRPr lang="en-US" dirty="0"/>
           </a:p>
         </p:txBody>
       </p:sp>
@@ -12407,100 +13696,97 @@
             <p:ph idx="1"/>
           </p:nvPr>
         </p:nvSpPr>
-        <p:spPr/>
+        <p:spPr>
+          <a:xfrm>
+            <a:off x="360000" y="1620000"/>
+            <a:ext cx="8532480" cy="4479943"/>
+          </a:xfrm>
+        </p:spPr>
         <p:txBody>
           <a:bodyPr/>
           <a:lstStyle/>
           <a:p>
-            <a:pPr marL="342900" indent="-342900">
-              <a:buFont typeface="Arial" panose="020B0604020202020204" pitchFamily="34" charset="0"/>
+            <a:pPr marL="701675" lvl="2" indent="-342900">
+              <a:buFont typeface="Arial" charset="0"/>
               <a:buChar char="•"/>
             </a:pPr>
             <a:r>
+              <a:rPr lang="en-US" dirty="0"/>
+              <a:t>Balance. Mapping threads to PUs with lowest amount of </a:t>
+            </a:r>
+            <a:r>
               <a:rPr lang="en-US" dirty="0" smtClean="0"/>
-              <a:t>Introduction</a:t>
-            </a:r>
-          </a:p>
-          <a:p>
-            <a:pPr marL="342900" indent="-342900">
-              <a:buFont typeface="Arial" panose="020B0604020202020204" pitchFamily="34" charset="0"/>
+              <a:t>communications mapped </a:t>
+            </a:r>
+            <a:r>
+              <a:rPr lang="en-US" dirty="0"/>
+              <a:t>to it</a:t>
+            </a:r>
+          </a:p>
+          <a:p>
+            <a:pPr marL="701675" lvl="2" indent="-342900">
+              <a:buFont typeface="Arial" charset="0"/>
               <a:buChar char="•"/>
             </a:pPr>
-            <a:r>
-              <a:rPr lang="en-US" dirty="0" smtClean="0"/>
-              <a:t>Objectives</a:t>
-            </a:r>
-          </a:p>
-          <a:p>
-            <a:pPr marL="342900" indent="-342900">
-              <a:buFont typeface="Arial" panose="020B0604020202020204" pitchFamily="34" charset="0"/>
+            <a:endParaRPr lang="en-US" dirty="0" smtClean="0"/>
+          </a:p>
+          <a:p>
+            <a:pPr marL="701675" lvl="2" indent="-342900">
+              <a:buFont typeface="Arial" charset="0"/>
               <a:buChar char="•"/>
             </a:pPr>
             <a:r>
-              <a:rPr lang="en-US" b="1" dirty="0" smtClean="0"/>
-              <a:t>Approach</a:t>
-            </a:r>
-          </a:p>
-          <a:p>
-            <a:pPr marL="701675" lvl="2" indent="-342900">
-              <a:buFont typeface="Arial" panose="020B0604020202020204" pitchFamily="34" charset="0"/>
+              <a:rPr lang="en-US" dirty="0" smtClean="0"/>
+              <a:t>Balance Locality. </a:t>
+            </a:r>
+            <a:r>
+              <a:rPr lang="en-US" dirty="0"/>
+              <a:t>M</a:t>
+            </a:r>
+            <a:r>
+              <a:rPr lang="en-US" dirty="0" smtClean="0"/>
+              <a:t>aps </a:t>
+            </a:r>
+            <a:r>
+              <a:rPr lang="en-US" dirty="0"/>
+              <a:t>threads that communicate frequently to close PUs whose amounts of communication are lower than the average amount of communication per PU. </a:t>
+            </a:r>
+            <a:endParaRPr lang="en-US" dirty="0"/>
+          </a:p>
+          <a:p>
+            <a:pPr marL="881062" lvl="3" indent="-342900">
+              <a:buFont typeface="Arial" charset="0"/>
               <a:buChar char="•"/>
             </a:pPr>
             <a:r>
               <a:rPr lang="en-US" dirty="0" smtClean="0"/>
-              <a:t>Instrumentation</a:t>
-            </a:r>
-          </a:p>
-          <a:p>
-            <a:pPr marL="701675" lvl="2" indent="-342900">
-              <a:buFont typeface="Arial" panose="020B0604020202020204" pitchFamily="34" charset="0"/>
+              <a:t>First maps based on locality</a:t>
+            </a:r>
+          </a:p>
+          <a:p>
+            <a:pPr marL="881062" lvl="3" indent="-342900">
+              <a:buFont typeface="Arial" charset="0"/>
               <a:buChar char="•"/>
             </a:pPr>
             <a:r>
-              <a:rPr lang="en-US" b="1" dirty="0" smtClean="0"/>
-              <a:t>Profiling</a:t>
-            </a:r>
+              <a:rPr lang="en-US" dirty="0" smtClean="0"/>
+              <a:t>Then </a:t>
+            </a:r>
+            <a:r>
+              <a:rPr lang="en-US" dirty="0"/>
+              <a:t>keeps a similar amount of communication for each cache memory </a:t>
+            </a:r>
+            <a:r>
+              <a:rPr lang="en-US" dirty="0" smtClean="0"/>
+              <a:t>for each memory level</a:t>
+            </a:r>
+            <a:endParaRPr lang="en-US" dirty="0"/>
           </a:p>
           <a:p>
             <a:pPr marL="701675" lvl="2" indent="-342900">
-              <a:buFont typeface="Arial" panose="020B0604020202020204" pitchFamily="34" charset="0"/>
+              <a:buFont typeface="Arial" charset="0"/>
               <a:buChar char="•"/>
             </a:pPr>
-            <a:r>
-              <a:rPr lang="en-US" dirty="0" smtClean="0"/>
-              <a:t>Challenge</a:t>
-            </a:r>
-          </a:p>
-          <a:p>
-            <a:pPr marL="701675" lvl="2" indent="-342900">
-              <a:buFont typeface="Arial" panose="020B0604020202020204" pitchFamily="34" charset="0"/>
-              <a:buChar char="•"/>
-            </a:pPr>
-            <a:r>
-              <a:rPr lang="en-US" dirty="0" smtClean="0"/>
-              <a:t>Proposed Solution</a:t>
-            </a:r>
-            <a:endParaRPr lang="en-US" dirty="0"/>
-          </a:p>
-          <a:p>
-            <a:pPr marL="342900" indent="-342900">
-              <a:buFont typeface="Arial" panose="020B0604020202020204" pitchFamily="34" charset="0"/>
-              <a:buChar char="•"/>
-            </a:pPr>
-            <a:r>
-              <a:rPr lang="en-US" dirty="0" smtClean="0"/>
-              <a:t>Evaluation </a:t>
-            </a:r>
-          </a:p>
-          <a:p>
-            <a:pPr marL="342900" indent="-342900">
-              <a:buFont typeface="Arial" panose="020B0604020202020204" pitchFamily="34" charset="0"/>
-              <a:buChar char="•"/>
-            </a:pPr>
-            <a:r>
-              <a:rPr lang="en-US" dirty="0" smtClean="0"/>
-              <a:t>Summary</a:t>
-            </a:r>
             <a:endParaRPr lang="en-US" dirty="0"/>
           </a:p>
         </p:txBody>
@@ -12508,7 +13794,7 @@
     </p:spTree>
     <p:extLst>
       <p:ext uri="{BB962C8B-B14F-4D97-AF65-F5344CB8AC3E}">
-        <p14:creationId xmlns:p14="http://schemas.microsoft.com/office/powerpoint/2010/main" val="1037286711"/>
+        <p14:creationId xmlns:p14="http://schemas.microsoft.com/office/powerpoint/2010/main" val="1744461621"/>
       </p:ext>
     </p:extLst>
   </p:cSld>
@@ -12560,12 +13846,10 @@
           <a:bodyPr/>
           <a:lstStyle/>
           <a:p>
-            <a:pPr lvl="2"/>
-            <a:r>
-              <a:rPr lang="en-US" dirty="0" smtClean="0"/>
-              <a:t>Profiling</a:t>
-            </a:r>
-            <a:endParaRPr lang="en-US" dirty="0"/>
+            <a:r>
+              <a:rPr lang="en-US" dirty="0"/>
+              <a:t>Outline</a:t>
+            </a:r>
           </a:p>
         </p:txBody>
       </p:sp>
@@ -12579,658 +13863,68 @@
             <p:ph idx="1"/>
           </p:nvPr>
         </p:nvSpPr>
-        <p:spPr>
-          <a:xfrm>
-            <a:off x="360000" y="1620000"/>
-            <a:ext cx="8244447" cy="4615723"/>
-          </a:xfrm>
-        </p:spPr>
+        <p:spPr/>
         <p:txBody>
           <a:bodyPr/>
           <a:lstStyle/>
           <a:p>
             <a:pPr marL="342900" indent="-342900">
-              <a:buFont typeface="Arial" charset="0"/>
+              <a:buFont typeface="Arial" panose="020B0604020202020204" pitchFamily="34" charset="0"/>
               <a:buChar char="•"/>
             </a:pPr>
             <a:r>
               <a:rPr lang="en-US" dirty="0" smtClean="0"/>
-              <a:t>Collection of the required data communication information</a:t>
-            </a:r>
-          </a:p>
-          <a:p>
-            <a:pPr marL="701675" lvl="2" indent="-342900">
-              <a:buFont typeface="Arial" charset="0"/>
+              <a:t>Introduction</a:t>
+            </a:r>
+            <a:endParaRPr lang="en-US" dirty="0"/>
+          </a:p>
+          <a:p>
+            <a:pPr marL="342900" indent="-342900">
+              <a:buFont typeface="Arial" panose="020B0604020202020204" pitchFamily="34" charset="0"/>
               <a:buChar char="•"/>
             </a:pPr>
             <a:r>
-              <a:rPr lang="en-US" dirty="0" smtClean="0"/>
-              <a:t>Time-stamp</a:t>
-            </a:r>
-          </a:p>
-          <a:p>
-            <a:pPr marL="701675" lvl="2" indent="-342900">
-              <a:buFont typeface="Arial" charset="0"/>
+              <a:rPr lang="en-US" dirty="0"/>
+              <a:t>State of the Art</a:t>
+            </a:r>
+          </a:p>
+          <a:p>
+            <a:pPr marL="342900" lvl="1" indent="-342900">
+              <a:buFont typeface="Arial" panose="020B0604020202020204" pitchFamily="34" charset="0"/>
               <a:buChar char="•"/>
             </a:pPr>
             <a:r>
-              <a:rPr lang="en-US" dirty="0" smtClean="0"/>
-              <a:t>S</a:t>
-            </a:r>
-            <a:r>
-              <a:rPr lang="en-US" smtClean="0"/>
-              <a:t>ize </a:t>
-            </a:r>
-            <a:r>
-              <a:rPr lang="en-US" dirty="0" smtClean="0"/>
-              <a:t>of the data</a:t>
-            </a:r>
-          </a:p>
-          <a:p>
-            <a:pPr marL="701675" lvl="2" indent="-342900">
-              <a:buFont typeface="Arial" charset="0"/>
+              <a:rPr lang="en-US" b="1" dirty="0" smtClean="0"/>
+              <a:t>Objectives</a:t>
+            </a:r>
+            <a:endParaRPr lang="en-US" b="1" dirty="0"/>
+          </a:p>
+          <a:p>
+            <a:pPr marL="342900" indent="-342900">
+              <a:buFont typeface="Arial" panose="020B0604020202020204" pitchFamily="34" charset="0"/>
               <a:buChar char="•"/>
             </a:pPr>
             <a:r>
-              <a:rPr lang="en-US" dirty="0" smtClean="0"/>
-              <a:t>Region information</a:t>
-            </a:r>
-          </a:p>
-          <a:p>
-            <a:pPr marL="701675" lvl="2" indent="-342900">
-              <a:buFont typeface="Arial" charset="0"/>
+              <a:rPr lang="en-US" dirty="0"/>
+              <a:t>Approach</a:t>
+            </a:r>
+          </a:p>
+          <a:p>
+            <a:pPr marL="342900" indent="-342900">
+              <a:buFont typeface="Arial" panose="020B0604020202020204" pitchFamily="34" charset="0"/>
               <a:buChar char="•"/>
             </a:pPr>
-            <a:endParaRPr lang="en-US" dirty="0"/>
-          </a:p>
-          <a:p>
-            <a:pPr marL="701675" lvl="2" indent="-342900">
-              <a:buFont typeface="Arial" charset="0"/>
-              <a:buChar char="•"/>
-            </a:pPr>
-            <a:endParaRPr lang="en-US" dirty="0" smtClean="0"/>
+            <a:r>
+              <a:rPr lang="en-US" dirty="0"/>
+              <a:t>Evaluation </a:t>
+            </a:r>
           </a:p>
         </p:txBody>
       </p:sp>
-      <p:grpSp>
-        <p:nvGrpSpPr>
-          <p:cNvPr id="55" name="Group 54"/>
-          <p:cNvGrpSpPr/>
-          <p:nvPr/>
-        </p:nvGrpSpPr>
-        <p:grpSpPr>
-          <a:xfrm>
-            <a:off x="1709915" y="3371640"/>
-            <a:ext cx="5544616" cy="2864083"/>
-            <a:chOff x="3059832" y="3206836"/>
-            <a:chExt cx="5544616" cy="2864083"/>
-          </a:xfrm>
-        </p:grpSpPr>
-        <p:sp>
-          <p:nvSpPr>
-            <p:cNvPr id="30" name="Rectangle 29"/>
-            <p:cNvSpPr/>
-            <p:nvPr/>
-          </p:nvSpPr>
-          <p:spPr>
-            <a:xfrm>
-              <a:off x="3491880" y="4047342"/>
-              <a:ext cx="1512168" cy="432048"/>
-            </a:xfrm>
-            <a:prstGeom prst="rect">
-              <a:avLst/>
-            </a:prstGeom>
-            <a:solidFill>
-              <a:srgbClr val="F5A300"/>
-            </a:solidFill>
-            <a:ln>
-              <a:solidFill>
-                <a:schemeClr val="tx1"/>
-              </a:solidFill>
-            </a:ln>
-          </p:spPr>
-          <p:style>
-            <a:lnRef idx="2">
-              <a:schemeClr val="accent1">
-                <a:shade val="50000"/>
-              </a:schemeClr>
-            </a:lnRef>
-            <a:fillRef idx="1">
-              <a:schemeClr val="accent1"/>
-            </a:fillRef>
-            <a:effectRef idx="0">
-              <a:schemeClr val="accent1"/>
-            </a:effectRef>
-            <a:fontRef idx="minor">
-              <a:schemeClr val="lt1"/>
-            </a:fontRef>
-          </p:style>
-          <p:txBody>
-            <a:bodyPr rtlCol="0" anchor="ctr"/>
-            <a:lstStyle/>
-            <a:p>
-              <a:pPr algn="ctr"/>
-              <a:r>
-                <a:rPr lang="en-US" sz="1400" dirty="0" smtClean="0">
-                  <a:solidFill>
-                    <a:schemeClr val="tx1"/>
-                  </a:solidFill>
-                </a:rPr>
-                <a:t>Instrumentation</a:t>
-              </a:r>
-              <a:endParaRPr lang="en-US" sz="1400" dirty="0">
-                <a:solidFill>
-                  <a:schemeClr val="tx1"/>
-                </a:solidFill>
-              </a:endParaRPr>
-            </a:p>
-          </p:txBody>
-        </p:sp>
-        <p:sp>
-          <p:nvSpPr>
-            <p:cNvPr id="32" name="Rectangle 31"/>
-            <p:cNvSpPr/>
-            <p:nvPr/>
-          </p:nvSpPr>
-          <p:spPr>
-            <a:xfrm>
-              <a:off x="3059832" y="3212976"/>
-              <a:ext cx="2376264" cy="509251"/>
-            </a:xfrm>
-            <a:prstGeom prst="rect">
-              <a:avLst/>
-            </a:prstGeom>
-            <a:solidFill>
-              <a:schemeClr val="bg1"/>
-            </a:solidFill>
-            <a:ln w="15875">
-              <a:solidFill>
-                <a:schemeClr val="tx1"/>
-              </a:solidFill>
-            </a:ln>
-          </p:spPr>
-          <p:style>
-            <a:lnRef idx="2">
-              <a:schemeClr val="accent1">
-                <a:shade val="50000"/>
-              </a:schemeClr>
-            </a:lnRef>
-            <a:fillRef idx="1">
-              <a:schemeClr val="accent1"/>
-            </a:fillRef>
-            <a:effectRef idx="0">
-              <a:schemeClr val="accent1"/>
-            </a:effectRef>
-            <a:fontRef idx="minor">
-              <a:schemeClr val="lt1"/>
-            </a:fontRef>
-          </p:style>
-          <p:txBody>
-            <a:bodyPr rtlCol="0" anchor="ctr"/>
-            <a:lstStyle/>
-            <a:p>
-              <a:pPr algn="ctr"/>
-              <a:r>
-                <a:rPr lang="en-US" sz="1400" dirty="0" smtClean="0">
-                  <a:solidFill>
-                    <a:schemeClr val="tx1"/>
-                  </a:solidFill>
-                </a:rPr>
-                <a:t>Source Code</a:t>
-              </a:r>
-            </a:p>
-            <a:p>
-              <a:pPr algn="ctr"/>
-              <a:r>
-                <a:rPr lang="en-US" sz="1400" dirty="0" smtClean="0">
-                  <a:solidFill>
-                    <a:schemeClr val="tx1"/>
-                  </a:solidFill>
-                </a:rPr>
-                <a:t>(To be analyzed)</a:t>
-              </a:r>
-              <a:endParaRPr lang="en-US" sz="1400" dirty="0">
-                <a:solidFill>
-                  <a:schemeClr val="tx1"/>
-                </a:solidFill>
-              </a:endParaRPr>
-            </a:p>
-          </p:txBody>
-        </p:sp>
-        <p:sp>
-          <p:nvSpPr>
-            <p:cNvPr id="33" name="Rectangle 32"/>
-            <p:cNvSpPr/>
-            <p:nvPr/>
-          </p:nvSpPr>
-          <p:spPr>
-            <a:xfrm>
-              <a:off x="6228184" y="3206836"/>
-              <a:ext cx="2376264" cy="509251"/>
-            </a:xfrm>
-            <a:prstGeom prst="rect">
-              <a:avLst/>
-            </a:prstGeom>
-            <a:solidFill>
-              <a:schemeClr val="bg1"/>
-            </a:solidFill>
-            <a:ln w="15875">
-              <a:solidFill>
-                <a:schemeClr val="tx1"/>
-              </a:solidFill>
-            </a:ln>
-          </p:spPr>
-          <p:style>
-            <a:lnRef idx="2">
-              <a:schemeClr val="accent1">
-                <a:shade val="50000"/>
-              </a:schemeClr>
-            </a:lnRef>
-            <a:fillRef idx="1">
-              <a:schemeClr val="accent1"/>
-            </a:fillRef>
-            <a:effectRef idx="0">
-              <a:schemeClr val="accent1"/>
-            </a:effectRef>
-            <a:fontRef idx="minor">
-              <a:schemeClr val="lt1"/>
-            </a:fontRef>
-          </p:style>
-          <p:txBody>
-            <a:bodyPr rtlCol="0" anchor="ctr"/>
-            <a:lstStyle/>
-            <a:p>
-              <a:pPr algn="ctr"/>
-              <a:r>
-                <a:rPr lang="en-US" sz="1400" dirty="0" smtClean="0">
-                  <a:solidFill>
-                    <a:schemeClr val="tx1"/>
-                  </a:solidFill>
-                </a:rPr>
-                <a:t>Instrumentation Library</a:t>
-              </a:r>
-              <a:endParaRPr lang="en-US" sz="1400" dirty="0">
-                <a:solidFill>
-                  <a:schemeClr val="tx1"/>
-                </a:solidFill>
-              </a:endParaRPr>
-            </a:p>
-          </p:txBody>
-        </p:sp>
-        <p:sp>
-          <p:nvSpPr>
-            <p:cNvPr id="34" name="Rectangle 33"/>
-            <p:cNvSpPr/>
-            <p:nvPr/>
-          </p:nvSpPr>
-          <p:spPr>
-            <a:xfrm>
-              <a:off x="6429503" y="4804885"/>
-              <a:ext cx="1973625" cy="509251"/>
-            </a:xfrm>
-            <a:prstGeom prst="rect">
-              <a:avLst/>
-            </a:prstGeom>
-            <a:solidFill>
-              <a:schemeClr val="bg1"/>
-            </a:solidFill>
-            <a:ln w="15875">
-              <a:solidFill>
-                <a:schemeClr val="tx1"/>
-              </a:solidFill>
-            </a:ln>
-          </p:spPr>
-          <p:style>
-            <a:lnRef idx="2">
-              <a:schemeClr val="accent1">
-                <a:shade val="50000"/>
-              </a:schemeClr>
-            </a:lnRef>
-            <a:fillRef idx="1">
-              <a:schemeClr val="accent1"/>
-            </a:fillRef>
-            <a:effectRef idx="0">
-              <a:schemeClr val="accent1"/>
-            </a:effectRef>
-            <a:fontRef idx="minor">
-              <a:schemeClr val="lt1"/>
-            </a:fontRef>
-          </p:style>
-          <p:txBody>
-            <a:bodyPr rtlCol="0" anchor="ctr"/>
-            <a:lstStyle/>
-            <a:p>
-              <a:pPr algn="ctr"/>
-              <a:r>
-                <a:rPr lang="en-US" sz="1400" dirty="0" smtClean="0">
-                  <a:solidFill>
-                    <a:schemeClr val="tx1"/>
-                  </a:solidFill>
-                </a:rPr>
-                <a:t>Linker &amp; Compiler</a:t>
-              </a:r>
-              <a:endParaRPr lang="en-US" sz="1400" dirty="0">
-                <a:solidFill>
-                  <a:schemeClr val="tx1"/>
-                </a:solidFill>
-              </a:endParaRPr>
-            </a:p>
-          </p:txBody>
-        </p:sp>
-        <p:cxnSp>
-          <p:nvCxnSpPr>
-            <p:cNvPr id="36" name="Straight Arrow Connector 35"/>
-            <p:cNvCxnSpPr>
-              <a:stCxn id="32" idx="2"/>
-              <a:endCxn id="30" idx="0"/>
-            </p:cNvCxnSpPr>
-            <p:nvPr/>
-          </p:nvCxnSpPr>
-          <p:spPr>
-            <a:xfrm>
-              <a:off x="4247964" y="3722227"/>
-              <a:ext cx="0" cy="325115"/>
-            </a:xfrm>
-            <a:prstGeom prst="straightConnector1">
-              <a:avLst/>
-            </a:prstGeom>
-            <a:ln w="12700">
-              <a:solidFill>
-                <a:schemeClr val="tx1"/>
-              </a:solidFill>
-              <a:tailEnd type="stealth"/>
-            </a:ln>
-          </p:spPr>
-          <p:style>
-            <a:lnRef idx="1">
-              <a:schemeClr val="accent1"/>
-            </a:lnRef>
-            <a:fillRef idx="0">
-              <a:schemeClr val="accent1"/>
-            </a:fillRef>
-            <a:effectRef idx="0">
-              <a:schemeClr val="accent1"/>
-            </a:effectRef>
-            <a:fontRef idx="minor">
-              <a:schemeClr val="tx1"/>
-            </a:fontRef>
-          </p:style>
-        </p:cxnSp>
-        <p:sp>
-          <p:nvSpPr>
-            <p:cNvPr id="44" name="Rectangle 43"/>
-            <p:cNvSpPr/>
-            <p:nvPr/>
-          </p:nvSpPr>
-          <p:spPr>
-            <a:xfrm>
-              <a:off x="3059832" y="4804505"/>
-              <a:ext cx="2376264" cy="509251"/>
-            </a:xfrm>
-            <a:prstGeom prst="rect">
-              <a:avLst/>
-            </a:prstGeom>
-            <a:solidFill>
-              <a:schemeClr val="bg1"/>
-            </a:solidFill>
-            <a:ln w="15875">
-              <a:solidFill>
-                <a:schemeClr val="tx1"/>
-              </a:solidFill>
-            </a:ln>
-          </p:spPr>
-          <p:style>
-            <a:lnRef idx="2">
-              <a:schemeClr val="accent1">
-                <a:shade val="50000"/>
-              </a:schemeClr>
-            </a:lnRef>
-            <a:fillRef idx="1">
-              <a:schemeClr val="accent1"/>
-            </a:fillRef>
-            <a:effectRef idx="0">
-              <a:schemeClr val="accent1"/>
-            </a:effectRef>
-            <a:fontRef idx="minor">
-              <a:schemeClr val="lt1"/>
-            </a:fontRef>
-          </p:style>
-          <p:txBody>
-            <a:bodyPr rtlCol="0" anchor="ctr"/>
-            <a:lstStyle/>
-            <a:p>
-              <a:pPr algn="ctr"/>
-              <a:r>
-                <a:rPr lang="en-US" sz="1400" dirty="0" smtClean="0">
-                  <a:solidFill>
-                    <a:schemeClr val="tx1"/>
-                  </a:solidFill>
-                </a:rPr>
-                <a:t>Instrumented Source Code</a:t>
-              </a:r>
-              <a:endParaRPr lang="en-US" sz="1400" dirty="0">
-                <a:solidFill>
-                  <a:schemeClr val="tx1"/>
-                </a:solidFill>
-              </a:endParaRPr>
-            </a:p>
-          </p:txBody>
-        </p:sp>
-        <p:cxnSp>
-          <p:nvCxnSpPr>
-            <p:cNvPr id="45" name="Straight Arrow Connector 44"/>
-            <p:cNvCxnSpPr/>
-            <p:nvPr/>
-          </p:nvCxnSpPr>
-          <p:spPr>
-            <a:xfrm>
-              <a:off x="4254559" y="4479390"/>
-              <a:ext cx="0" cy="325115"/>
-            </a:xfrm>
-            <a:prstGeom prst="straightConnector1">
-              <a:avLst/>
-            </a:prstGeom>
-            <a:ln w="12700">
-              <a:solidFill>
-                <a:schemeClr val="tx1"/>
-              </a:solidFill>
-              <a:tailEnd type="stealth"/>
-            </a:ln>
-          </p:spPr>
-          <p:style>
-            <a:lnRef idx="1">
-              <a:schemeClr val="accent1"/>
-            </a:lnRef>
-            <a:fillRef idx="0">
-              <a:schemeClr val="accent1"/>
-            </a:fillRef>
-            <a:effectRef idx="0">
-              <a:schemeClr val="accent1"/>
-            </a:effectRef>
-            <a:fontRef idx="minor">
-              <a:schemeClr val="tx1"/>
-            </a:fontRef>
-          </p:style>
-        </p:cxnSp>
-        <p:cxnSp>
-          <p:nvCxnSpPr>
-            <p:cNvPr id="47" name="Straight Arrow Connector 46"/>
-            <p:cNvCxnSpPr>
-              <a:stCxn id="33" idx="2"/>
-              <a:endCxn id="34" idx="0"/>
-            </p:cNvCxnSpPr>
-            <p:nvPr/>
-          </p:nvCxnSpPr>
-          <p:spPr>
-            <a:xfrm>
-              <a:off x="7416316" y="3716087"/>
-              <a:ext cx="0" cy="1088798"/>
-            </a:xfrm>
-            <a:prstGeom prst="straightConnector1">
-              <a:avLst/>
-            </a:prstGeom>
-            <a:ln w="12700">
-              <a:solidFill>
-                <a:schemeClr val="tx1"/>
-              </a:solidFill>
-              <a:tailEnd type="stealth"/>
-            </a:ln>
-          </p:spPr>
-          <p:style>
-            <a:lnRef idx="1">
-              <a:schemeClr val="accent1"/>
-            </a:lnRef>
-            <a:fillRef idx="0">
-              <a:schemeClr val="accent1"/>
-            </a:fillRef>
-            <a:effectRef idx="0">
-              <a:schemeClr val="accent1"/>
-            </a:effectRef>
-            <a:fontRef idx="minor">
-              <a:schemeClr val="tx1"/>
-            </a:fontRef>
-          </p:style>
-        </p:cxnSp>
-        <p:cxnSp>
-          <p:nvCxnSpPr>
-            <p:cNvPr id="50" name="Straight Arrow Connector 49"/>
-            <p:cNvCxnSpPr>
-              <a:stCxn id="44" idx="3"/>
-              <a:endCxn id="34" idx="1"/>
-            </p:cNvCxnSpPr>
-            <p:nvPr/>
-          </p:nvCxnSpPr>
-          <p:spPr>
-            <a:xfrm>
-              <a:off x="5436096" y="5059131"/>
-              <a:ext cx="993407" cy="380"/>
-            </a:xfrm>
-            <a:prstGeom prst="straightConnector1">
-              <a:avLst/>
-            </a:prstGeom>
-            <a:ln w="12700">
-              <a:solidFill>
-                <a:schemeClr val="tx1"/>
-              </a:solidFill>
-              <a:tailEnd type="stealth"/>
-            </a:ln>
-          </p:spPr>
-          <p:style>
-            <a:lnRef idx="1">
-              <a:schemeClr val="accent1"/>
-            </a:lnRef>
-            <a:fillRef idx="0">
-              <a:schemeClr val="accent1"/>
-            </a:fillRef>
-            <a:effectRef idx="0">
-              <a:schemeClr val="accent1"/>
-            </a:effectRef>
-            <a:fontRef idx="minor">
-              <a:schemeClr val="tx1"/>
-            </a:fontRef>
-          </p:style>
-        </p:cxnSp>
-        <p:cxnSp>
-          <p:nvCxnSpPr>
-            <p:cNvPr id="53" name="Straight Arrow Connector 52"/>
-            <p:cNvCxnSpPr/>
-            <p:nvPr/>
-          </p:nvCxnSpPr>
-          <p:spPr>
-            <a:xfrm>
-              <a:off x="7406257" y="5313756"/>
-              <a:ext cx="0" cy="325115"/>
-            </a:xfrm>
-            <a:prstGeom prst="straightConnector1">
-              <a:avLst/>
-            </a:prstGeom>
-            <a:ln w="12700">
-              <a:solidFill>
-                <a:schemeClr val="tx1"/>
-              </a:solidFill>
-              <a:tailEnd type="stealth"/>
-            </a:ln>
-          </p:spPr>
-          <p:style>
-            <a:lnRef idx="1">
-              <a:schemeClr val="accent1"/>
-            </a:lnRef>
-            <a:fillRef idx="0">
-              <a:schemeClr val="accent1"/>
-            </a:fillRef>
-            <a:effectRef idx="0">
-              <a:schemeClr val="accent1"/>
-            </a:effectRef>
-            <a:fontRef idx="minor">
-              <a:schemeClr val="tx1"/>
-            </a:fontRef>
-          </p:style>
-        </p:cxnSp>
-        <p:sp>
-          <p:nvSpPr>
-            <p:cNvPr id="54" name="Rectangle 53"/>
-            <p:cNvSpPr/>
-            <p:nvPr/>
-          </p:nvSpPr>
-          <p:spPr>
-            <a:xfrm>
-              <a:off x="6624227" y="5638871"/>
-              <a:ext cx="1584176" cy="432048"/>
-            </a:xfrm>
-            <a:prstGeom prst="rect">
-              <a:avLst/>
-            </a:prstGeom>
-            <a:solidFill>
-              <a:srgbClr val="F5A300"/>
-            </a:solidFill>
-            <a:ln>
-              <a:solidFill>
-                <a:schemeClr val="tx1"/>
-              </a:solidFill>
-            </a:ln>
-          </p:spPr>
-          <p:style>
-            <a:lnRef idx="2">
-              <a:schemeClr val="accent1">
-                <a:shade val="50000"/>
-              </a:schemeClr>
-            </a:lnRef>
-            <a:fillRef idx="1">
-              <a:schemeClr val="accent1"/>
-            </a:fillRef>
-            <a:effectRef idx="0">
-              <a:schemeClr val="accent1"/>
-            </a:effectRef>
-            <a:fontRef idx="minor">
-              <a:schemeClr val="lt1"/>
-            </a:fontRef>
-          </p:style>
-          <p:txBody>
-            <a:bodyPr rtlCol="0" anchor="ctr"/>
-            <a:lstStyle/>
-            <a:p>
-              <a:pPr algn="ctr"/>
-              <a:r>
-                <a:rPr lang="en-US" sz="1400" dirty="0" smtClean="0">
-                  <a:solidFill>
-                    <a:schemeClr val="tx1"/>
-                  </a:solidFill>
-                </a:rPr>
-                <a:t>Executable</a:t>
-              </a:r>
-              <a:endParaRPr lang="en-US" sz="1400" dirty="0">
-                <a:solidFill>
-                  <a:schemeClr val="tx1"/>
-                </a:solidFill>
-              </a:endParaRPr>
-            </a:p>
-          </p:txBody>
-        </p:sp>
-      </p:grpSp>
     </p:spTree>
     <p:extLst>
       <p:ext uri="{BB962C8B-B14F-4D97-AF65-F5344CB8AC3E}">
-        <p14:creationId xmlns:p14="http://schemas.microsoft.com/office/powerpoint/2010/main" val="142248112"/>
+        <p14:creationId xmlns:p14="http://schemas.microsoft.com/office/powerpoint/2010/main" val="1166822466"/>
       </p:ext>
     </p:extLst>
   </p:cSld>
@@ -13284,7 +13978,7 @@
           <a:p>
             <a:r>
               <a:rPr lang="en-US" dirty="0"/>
-              <a:t>Outline</a:t>
+              <a:t>Objectives</a:t>
             </a:r>
           </a:p>
         </p:txBody>
@@ -13299,107 +13993,122 @@
             <p:ph idx="1"/>
           </p:nvPr>
         </p:nvSpPr>
-        <p:spPr/>
+        <p:spPr>
+          <a:xfrm>
+            <a:off x="360000" y="1620000"/>
+            <a:ext cx="8244447" cy="4479943"/>
+          </a:xfrm>
+        </p:spPr>
         <p:txBody>
           <a:bodyPr/>
           <a:lstStyle/>
           <a:p>
             <a:pPr marL="342900" indent="-342900">
-              <a:buFont typeface="Arial" panose="020B0604020202020204" pitchFamily="34" charset="0"/>
+              <a:buFont typeface="Arial" charset="0"/>
               <a:buChar char="•"/>
             </a:pPr>
             <a:r>
               <a:rPr lang="en-US" dirty="0" smtClean="0"/>
-              <a:t>Introduction</a:t>
-            </a:r>
-            <a:endParaRPr lang="en-US" dirty="0"/>
-          </a:p>
-          <a:p>
-            <a:pPr marL="342900" indent="-342900">
-              <a:buFont typeface="Arial" panose="020B0604020202020204" pitchFamily="34" charset="0"/>
+              <a:t>Extend </a:t>
+            </a:r>
+            <a:r>
+              <a:rPr lang="en-US" dirty="0" err="1" smtClean="0"/>
+              <a:t>DiscoPoP</a:t>
+            </a:r>
+            <a:r>
+              <a:rPr lang="en-US" dirty="0" smtClean="0"/>
+              <a:t> </a:t>
+            </a:r>
+          </a:p>
+          <a:p>
+            <a:pPr marL="701675" lvl="2" indent="-342900">
+              <a:buFont typeface="Arial" charset="0"/>
               <a:buChar char="•"/>
             </a:pPr>
             <a:r>
-              <a:rPr lang="en-US" dirty="0"/>
-              <a:t>State of the Art</a:t>
-            </a:r>
-          </a:p>
-          <a:p>
-            <a:pPr marL="342900" indent="-342900">
-              <a:buFont typeface="Arial" panose="020B0604020202020204" pitchFamily="34" charset="0"/>
+              <a:rPr lang="en-US" dirty="0" smtClean="0"/>
+              <a:t>OpenMP support (Data dependence)</a:t>
+            </a:r>
+          </a:p>
+          <a:p>
+            <a:pPr marL="701675" lvl="2" indent="-342900">
+              <a:buFont typeface="Arial" charset="0"/>
               <a:buChar char="•"/>
             </a:pPr>
             <a:r>
               <a:rPr lang="en-US" dirty="0" smtClean="0"/>
-              <a:t>Objectives</a:t>
-            </a:r>
-          </a:p>
-          <a:p>
-            <a:pPr marL="342900" indent="-342900">
-              <a:buFont typeface="Arial" panose="020B0604020202020204" pitchFamily="34" charset="0"/>
+              <a:t>Communication pattern detection (Threads communication)</a:t>
+            </a:r>
+          </a:p>
+          <a:p>
+            <a:pPr marL="701675" lvl="2" indent="-342900">
+              <a:buFont typeface="Arial" charset="0"/>
               <a:buChar char="•"/>
             </a:pPr>
-            <a:r>
-              <a:rPr lang="en-US" b="1" dirty="0" smtClean="0"/>
-              <a:t>Approach</a:t>
-            </a:r>
-          </a:p>
-          <a:p>
-            <a:pPr marL="701675" lvl="2" indent="-342900">
-              <a:buFont typeface="Arial" panose="020B0604020202020204" pitchFamily="34" charset="0"/>
+            <a:endParaRPr lang="en-US" dirty="0" smtClean="0"/>
+          </a:p>
+          <a:p>
+            <a:pPr marL="342900" lvl="1" indent="-342900">
+              <a:buFont typeface="Arial" charset="0"/>
               <a:buChar char="•"/>
             </a:pPr>
             <a:r>
               <a:rPr lang="en-US" dirty="0" smtClean="0"/>
-              <a:t>Instrumentation</a:t>
-            </a:r>
-          </a:p>
-          <a:p>
-            <a:pPr marL="701675" lvl="2" indent="-342900">
-              <a:buFont typeface="Arial" panose="020B0604020202020204" pitchFamily="34" charset="0"/>
+              <a:t>Adding temporal </a:t>
+            </a:r>
+            <a:r>
+              <a:rPr lang="en-US" dirty="0"/>
+              <a:t>i</a:t>
+            </a:r>
+            <a:r>
+              <a:rPr lang="en-US" dirty="0" smtClean="0"/>
+              <a:t>nformation to communication patterns </a:t>
+            </a:r>
+          </a:p>
+          <a:p>
+            <a:pPr marL="342900" lvl="1" indent="-342900">
+              <a:buFont typeface="Arial" charset="0"/>
               <a:buChar char="•"/>
             </a:pPr>
-            <a:r>
-              <a:rPr lang="en-US" dirty="0" smtClean="0"/>
-              <a:t>Profiling and data collection</a:t>
-            </a:r>
-          </a:p>
-          <a:p>
-            <a:pPr marL="701675" lvl="2" indent="-342900">
-              <a:buFont typeface="Arial" panose="020B0604020202020204" pitchFamily="34" charset="0"/>
+            <a:endParaRPr lang="en-US" dirty="0" smtClean="0"/>
+          </a:p>
+          <a:p>
+            <a:pPr marL="342900" lvl="1" indent="-342900">
+              <a:buFont typeface="Arial" charset="0"/>
               <a:buChar char="•"/>
             </a:pPr>
             <a:r>
-              <a:rPr lang="en-US" b="1" dirty="0" smtClean="0"/>
-              <a:t>Challenge</a:t>
+              <a:rPr lang="en-US" dirty="0" smtClean="0"/>
+              <a:t>Find a use-case</a:t>
             </a:r>
           </a:p>
           <a:p>
             <a:pPr marL="701675" lvl="2" indent="-342900">
-              <a:buFont typeface="Arial" panose="020B0604020202020204" pitchFamily="34" charset="0"/>
+              <a:buFont typeface="Arial" charset="0"/>
               <a:buChar char="•"/>
             </a:pPr>
             <a:r>
               <a:rPr lang="en-US" dirty="0" smtClean="0"/>
-              <a:t>Solution</a:t>
-            </a:r>
-          </a:p>
-          <a:p>
-            <a:pPr marL="342900" lvl="1" indent="-342900">
-              <a:buFont typeface="Arial" panose="020B0604020202020204" pitchFamily="34" charset="0"/>
+              <a:t>Thread mapping</a:t>
+            </a:r>
+          </a:p>
+          <a:p>
+            <a:pPr marL="701675" lvl="2" indent="-342900">
+              <a:buFont typeface="Arial" charset="0"/>
               <a:buChar char="•"/>
             </a:pPr>
             <a:r>
               <a:rPr lang="en-US" dirty="0" smtClean="0"/>
-              <a:t>Evaluation </a:t>
-            </a:r>
+              <a:t>Thread synchronization</a:t>
+            </a:r>
+            <a:endParaRPr lang="en-US" dirty="0"/>
           </a:p>
         </p:txBody>
       </p:sp>
     </p:spTree>
     <p:extLst>
       <p:ext uri="{BB962C8B-B14F-4D97-AF65-F5344CB8AC3E}">
-        <p14:creationId xmlns:p14="http://schemas.microsoft.com/office/powerpoint/2010/main" val="1859360118"/>
+        <p14:creationId xmlns:p14="http://schemas.microsoft.com/office/powerpoint/2010/main" val="1583731665"/>
       </p:ext>
     </p:extLst>
   </p:cSld>
@@ -16848,6 +17557,2216 @@
 </file>
 
 <file path=ppt/slides/slide20.xml><?xml version="1.0" encoding="utf-8"?>
+<p:sld xmlns:a="http://schemas.openxmlformats.org/drawingml/2006/main" xmlns:r="http://schemas.openxmlformats.org/officeDocument/2006/relationships" xmlns:p="http://schemas.openxmlformats.org/presentationml/2006/main">
+  <p:cSld>
+    <p:spTree>
+      <p:nvGrpSpPr>
+        <p:cNvPr id="1" name=""/>
+        <p:cNvGrpSpPr/>
+        <p:nvPr/>
+      </p:nvGrpSpPr>
+      <p:grpSpPr>
+        <a:xfrm>
+          <a:off x="0" y="0"/>
+          <a:ext cx="0" cy="0"/>
+          <a:chOff x="0" y="0"/>
+          <a:chExt cx="0" cy="0"/>
+        </a:xfrm>
+      </p:grpSpPr>
+      <p:sp>
+        <p:nvSpPr>
+          <p:cNvPr id="2" name="Title 1"/>
+          <p:cNvSpPr>
+            <a:spLocks noGrp="1"/>
+          </p:cNvSpPr>
+          <p:nvPr>
+            <p:ph type="title"/>
+          </p:nvPr>
+        </p:nvSpPr>
+        <p:spPr/>
+        <p:txBody>
+          <a:bodyPr/>
+          <a:lstStyle/>
+          <a:p>
+            <a:r>
+              <a:rPr lang="en-US" dirty="0"/>
+              <a:t>Outline</a:t>
+            </a:r>
+          </a:p>
+        </p:txBody>
+      </p:sp>
+      <p:sp>
+        <p:nvSpPr>
+          <p:cNvPr id="3" name="Content Placeholder 2"/>
+          <p:cNvSpPr>
+            <a:spLocks noGrp="1"/>
+          </p:cNvSpPr>
+          <p:nvPr>
+            <p:ph idx="1"/>
+          </p:nvPr>
+        </p:nvSpPr>
+        <p:spPr/>
+        <p:txBody>
+          <a:bodyPr/>
+          <a:lstStyle/>
+          <a:p>
+            <a:pPr marL="342900" indent="-342900">
+              <a:buFont typeface="Arial" panose="020B0604020202020204" pitchFamily="34" charset="0"/>
+              <a:buChar char="•"/>
+            </a:pPr>
+            <a:r>
+              <a:rPr lang="en-US" dirty="0" smtClean="0"/>
+              <a:t>Introduction</a:t>
+            </a:r>
+            <a:endParaRPr lang="en-US" dirty="0"/>
+          </a:p>
+          <a:p>
+            <a:pPr marL="342900" indent="-342900">
+              <a:buFont typeface="Arial" panose="020B0604020202020204" pitchFamily="34" charset="0"/>
+              <a:buChar char="•"/>
+            </a:pPr>
+            <a:r>
+              <a:rPr lang="en-US" dirty="0"/>
+              <a:t>State of the Art</a:t>
+            </a:r>
+          </a:p>
+          <a:p>
+            <a:pPr marL="342900" indent="-342900">
+              <a:buFont typeface="Arial" panose="020B0604020202020204" pitchFamily="34" charset="0"/>
+              <a:buChar char="•"/>
+            </a:pPr>
+            <a:r>
+              <a:rPr lang="en-US" dirty="0" smtClean="0"/>
+              <a:t>Objectives</a:t>
+            </a:r>
+          </a:p>
+          <a:p>
+            <a:pPr marL="342900" indent="-342900">
+              <a:buFont typeface="Arial" panose="020B0604020202020204" pitchFamily="34" charset="0"/>
+              <a:buChar char="•"/>
+            </a:pPr>
+            <a:r>
+              <a:rPr lang="en-US" b="1" dirty="0" smtClean="0"/>
+              <a:t>Approach</a:t>
+            </a:r>
+          </a:p>
+          <a:p>
+            <a:pPr marL="701675" lvl="2" indent="-342900">
+              <a:buFont typeface="Arial" panose="020B0604020202020204" pitchFamily="34" charset="0"/>
+              <a:buChar char="•"/>
+            </a:pPr>
+            <a:r>
+              <a:rPr lang="en-US" b="1" dirty="0" smtClean="0"/>
+              <a:t>Instrumentation</a:t>
+            </a:r>
+          </a:p>
+          <a:p>
+            <a:pPr marL="701675" lvl="2" indent="-342900">
+              <a:buFont typeface="Arial" panose="020B0604020202020204" pitchFamily="34" charset="0"/>
+              <a:buChar char="•"/>
+            </a:pPr>
+            <a:r>
+              <a:rPr lang="en-US" dirty="0" smtClean="0"/>
+              <a:t>Profiling</a:t>
+            </a:r>
+          </a:p>
+          <a:p>
+            <a:pPr marL="701675" lvl="2" indent="-342900">
+              <a:buFont typeface="Arial" panose="020B0604020202020204" pitchFamily="34" charset="0"/>
+              <a:buChar char="•"/>
+            </a:pPr>
+            <a:r>
+              <a:rPr lang="en-US" dirty="0" smtClean="0"/>
+              <a:t>Challenge</a:t>
+            </a:r>
+          </a:p>
+          <a:p>
+            <a:pPr marL="701675" lvl="2" indent="-342900">
+              <a:buFont typeface="Arial" panose="020B0604020202020204" pitchFamily="34" charset="0"/>
+              <a:buChar char="•"/>
+            </a:pPr>
+            <a:r>
+              <a:rPr lang="en-US" dirty="0" smtClean="0"/>
+              <a:t>Proposed Solution</a:t>
+            </a:r>
+            <a:endParaRPr lang="en-US" dirty="0"/>
+          </a:p>
+          <a:p>
+            <a:pPr marL="342900" indent="-342900">
+              <a:buFont typeface="Arial" panose="020B0604020202020204" pitchFamily="34" charset="0"/>
+              <a:buChar char="•"/>
+            </a:pPr>
+            <a:r>
+              <a:rPr lang="en-US" dirty="0" smtClean="0"/>
+              <a:t>Evaluation </a:t>
+            </a:r>
+          </a:p>
+        </p:txBody>
+      </p:sp>
+    </p:spTree>
+    <p:extLst>
+      <p:ext uri="{BB962C8B-B14F-4D97-AF65-F5344CB8AC3E}">
+        <p14:creationId xmlns:p14="http://schemas.microsoft.com/office/powerpoint/2010/main" val="970938415"/>
+      </p:ext>
+    </p:extLst>
+  </p:cSld>
+  <p:clrMapOvr>
+    <a:masterClrMapping/>
+  </p:clrMapOvr>
+  <p:transition spd="slow">
+    <p:wipe/>
+  </p:transition>
+  <p:timing>
+    <p:tnLst>
+      <p:par>
+        <p:cTn id="1" dur="indefinite" restart="never" nodeType="tmRoot"/>
+      </p:par>
+    </p:tnLst>
+  </p:timing>
+</p:sld>
+</file>
+
+<file path=ppt/slides/slide21.xml><?xml version="1.0" encoding="utf-8"?>
+<p:sld xmlns:a="http://schemas.openxmlformats.org/drawingml/2006/main" xmlns:r="http://schemas.openxmlformats.org/officeDocument/2006/relationships" xmlns:p="http://schemas.openxmlformats.org/presentationml/2006/main">
+  <p:cSld>
+    <p:spTree>
+      <p:nvGrpSpPr>
+        <p:cNvPr id="1" name=""/>
+        <p:cNvGrpSpPr/>
+        <p:nvPr/>
+      </p:nvGrpSpPr>
+      <p:grpSpPr>
+        <a:xfrm>
+          <a:off x="0" y="0"/>
+          <a:ext cx="0" cy="0"/>
+          <a:chOff x="0" y="0"/>
+          <a:chExt cx="0" cy="0"/>
+        </a:xfrm>
+      </p:grpSpPr>
+      <p:sp>
+        <p:nvSpPr>
+          <p:cNvPr id="2" name="Title 1"/>
+          <p:cNvSpPr>
+            <a:spLocks noGrp="1"/>
+          </p:cNvSpPr>
+          <p:nvPr>
+            <p:ph type="title"/>
+          </p:nvPr>
+        </p:nvSpPr>
+        <p:spPr/>
+        <p:txBody>
+          <a:bodyPr/>
+          <a:lstStyle/>
+          <a:p>
+            <a:r>
+              <a:rPr lang="en-US" dirty="0" smtClean="0"/>
+              <a:t>Instrumentation</a:t>
+            </a:r>
+            <a:endParaRPr lang="en-US" dirty="0"/>
+          </a:p>
+        </p:txBody>
+      </p:sp>
+      <p:sp>
+        <p:nvSpPr>
+          <p:cNvPr id="3" name="Content Placeholder 2"/>
+          <p:cNvSpPr>
+            <a:spLocks noGrp="1"/>
+          </p:cNvSpPr>
+          <p:nvPr>
+            <p:ph idx="1"/>
+          </p:nvPr>
+        </p:nvSpPr>
+        <p:spPr>
+          <a:xfrm>
+            <a:off x="360000" y="1620000"/>
+            <a:ext cx="8244447" cy="4479943"/>
+          </a:xfrm>
+        </p:spPr>
+        <p:txBody>
+          <a:bodyPr/>
+          <a:lstStyle/>
+          <a:p>
+            <a:pPr marL="342900" indent="-342900">
+              <a:buFont typeface="Arial" charset="0"/>
+              <a:buChar char="•"/>
+            </a:pPr>
+            <a:r>
+              <a:rPr lang="en-US" dirty="0" smtClean="0"/>
+              <a:t>Injection of customized function calls to intermediate code </a:t>
+            </a:r>
+          </a:p>
+          <a:p>
+            <a:pPr marL="701675" lvl="2" indent="-342900">
+              <a:buFont typeface="Arial" charset="0"/>
+              <a:buChar char="•"/>
+            </a:pPr>
+            <a:r>
+              <a:rPr lang="en-US" dirty="0" smtClean="0"/>
+              <a:t>At LLVM IR level</a:t>
+            </a:r>
+          </a:p>
+          <a:p>
+            <a:pPr marL="701675" lvl="2" indent="-342900">
+              <a:buFont typeface="Arial" charset="0"/>
+              <a:buChar char="•"/>
+            </a:pPr>
+            <a:r>
+              <a:rPr lang="en-US" dirty="0" smtClean="0"/>
+              <a:t>Before Load/Store instructions</a:t>
+            </a:r>
+          </a:p>
+          <a:p>
+            <a:pPr marL="701675" lvl="2" indent="-342900">
+              <a:buFont typeface="Arial" charset="0"/>
+              <a:buChar char="•"/>
+            </a:pPr>
+            <a:endParaRPr lang="en-US" dirty="0"/>
+          </a:p>
+        </p:txBody>
+      </p:sp>
+      <p:pic>
+        <p:nvPicPr>
+          <p:cNvPr id="7" name="Picture 6"/>
+          <p:cNvPicPr>
+            <a:picLocks noChangeAspect="1"/>
+          </p:cNvPicPr>
+          <p:nvPr/>
+        </p:nvPicPr>
+        <p:blipFill>
+          <a:blip r:embed="rId3">
+            <a:extLst>
+              <a:ext uri="{28A0092B-C50C-407E-A947-70E740481C1C}">
+                <a14:useLocalDpi xmlns:a14="http://schemas.microsoft.com/office/drawing/2010/main" val="0"/>
+              </a:ext>
+            </a:extLst>
+          </a:blip>
+          <a:stretch>
+            <a:fillRect/>
+          </a:stretch>
+        </p:blipFill>
+        <p:spPr>
+          <a:xfrm>
+            <a:off x="251520" y="3005752"/>
+            <a:ext cx="8604447" cy="2943528"/>
+          </a:xfrm>
+          <a:prstGeom prst="rect">
+            <a:avLst/>
+          </a:prstGeom>
+          <a:effectLst>
+            <a:softEdge rad="88900"/>
+          </a:effectLst>
+        </p:spPr>
+      </p:pic>
+      <p:sp>
+        <p:nvSpPr>
+          <p:cNvPr id="10" name="Frame 9"/>
+          <p:cNvSpPr/>
+          <p:nvPr/>
+        </p:nvSpPr>
+        <p:spPr>
+          <a:xfrm>
+            <a:off x="1187624" y="3360858"/>
+            <a:ext cx="1368000" cy="216024"/>
+          </a:xfrm>
+          <a:prstGeom prst="frame">
+            <a:avLst/>
+          </a:prstGeom>
+          <a:ln>
+            <a:solidFill>
+              <a:srgbClr val="FF0000"/>
+            </a:solidFill>
+          </a:ln>
+        </p:spPr>
+        <p:style>
+          <a:lnRef idx="2">
+            <a:schemeClr val="accent1">
+              <a:shade val="50000"/>
+            </a:schemeClr>
+          </a:lnRef>
+          <a:fillRef idx="1">
+            <a:schemeClr val="accent1"/>
+          </a:fillRef>
+          <a:effectRef idx="0">
+            <a:schemeClr val="accent1"/>
+          </a:effectRef>
+          <a:fontRef idx="minor">
+            <a:schemeClr val="lt1"/>
+          </a:fontRef>
+        </p:style>
+        <p:txBody>
+          <a:bodyPr rtlCol="0" anchor="ctr"/>
+          <a:lstStyle/>
+          <a:p>
+            <a:pPr algn="ctr"/>
+            <a:endParaRPr lang="en-US">
+              <a:ln>
+                <a:solidFill>
+                  <a:srgbClr val="FF0000"/>
+                </a:solidFill>
+              </a:ln>
+              <a:solidFill>
+                <a:schemeClr val="tx1"/>
+              </a:solidFill>
+            </a:endParaRPr>
+          </a:p>
+        </p:txBody>
+      </p:sp>
+      <p:sp>
+        <p:nvSpPr>
+          <p:cNvPr id="11" name="Frame 10"/>
+          <p:cNvSpPr/>
+          <p:nvPr/>
+        </p:nvSpPr>
+        <p:spPr>
+          <a:xfrm>
+            <a:off x="647439" y="3516957"/>
+            <a:ext cx="468000" cy="216000"/>
+          </a:xfrm>
+          <a:prstGeom prst="frame">
+            <a:avLst/>
+          </a:prstGeom>
+          <a:ln>
+            <a:solidFill>
+              <a:srgbClr val="FF0000"/>
+            </a:solidFill>
+          </a:ln>
+        </p:spPr>
+        <p:style>
+          <a:lnRef idx="2">
+            <a:schemeClr val="accent1">
+              <a:shade val="50000"/>
+            </a:schemeClr>
+          </a:lnRef>
+          <a:fillRef idx="1">
+            <a:schemeClr val="accent1"/>
+          </a:fillRef>
+          <a:effectRef idx="0">
+            <a:schemeClr val="accent1"/>
+          </a:effectRef>
+          <a:fontRef idx="minor">
+            <a:schemeClr val="lt1"/>
+          </a:fontRef>
+        </p:style>
+        <p:txBody>
+          <a:bodyPr rtlCol="0" anchor="ctr"/>
+          <a:lstStyle/>
+          <a:p>
+            <a:pPr algn="ctr"/>
+            <a:endParaRPr lang="en-US">
+              <a:ln>
+                <a:solidFill>
+                  <a:srgbClr val="FF0000"/>
+                </a:solidFill>
+              </a:ln>
+              <a:solidFill>
+                <a:schemeClr val="tx1"/>
+              </a:solidFill>
+            </a:endParaRPr>
+          </a:p>
+        </p:txBody>
+      </p:sp>
+      <p:sp>
+        <p:nvSpPr>
+          <p:cNvPr id="12" name="Frame 11"/>
+          <p:cNvSpPr/>
+          <p:nvPr/>
+        </p:nvSpPr>
+        <p:spPr>
+          <a:xfrm>
+            <a:off x="646710" y="4028162"/>
+            <a:ext cx="468000" cy="216000"/>
+          </a:xfrm>
+          <a:prstGeom prst="frame">
+            <a:avLst/>
+          </a:prstGeom>
+          <a:ln>
+            <a:solidFill>
+              <a:srgbClr val="FF0000"/>
+            </a:solidFill>
+          </a:ln>
+        </p:spPr>
+        <p:style>
+          <a:lnRef idx="2">
+            <a:schemeClr val="accent1">
+              <a:shade val="50000"/>
+            </a:schemeClr>
+          </a:lnRef>
+          <a:fillRef idx="1">
+            <a:schemeClr val="accent1"/>
+          </a:fillRef>
+          <a:effectRef idx="0">
+            <a:schemeClr val="accent1"/>
+          </a:effectRef>
+          <a:fontRef idx="minor">
+            <a:schemeClr val="lt1"/>
+          </a:fontRef>
+        </p:style>
+        <p:txBody>
+          <a:bodyPr rtlCol="0" anchor="ctr"/>
+          <a:lstStyle/>
+          <a:p>
+            <a:pPr algn="ctr"/>
+            <a:endParaRPr lang="en-US">
+              <a:ln>
+                <a:solidFill>
+                  <a:srgbClr val="FF0000"/>
+                </a:solidFill>
+              </a:ln>
+              <a:solidFill>
+                <a:schemeClr val="tx1"/>
+              </a:solidFill>
+            </a:endParaRPr>
+          </a:p>
+        </p:txBody>
+      </p:sp>
+      <p:sp>
+        <p:nvSpPr>
+          <p:cNvPr id="13" name="Frame 12"/>
+          <p:cNvSpPr/>
+          <p:nvPr/>
+        </p:nvSpPr>
+        <p:spPr>
+          <a:xfrm>
+            <a:off x="646710" y="4695279"/>
+            <a:ext cx="468000" cy="216000"/>
+          </a:xfrm>
+          <a:prstGeom prst="frame">
+            <a:avLst/>
+          </a:prstGeom>
+          <a:ln>
+            <a:solidFill>
+              <a:srgbClr val="FF0000"/>
+            </a:solidFill>
+          </a:ln>
+        </p:spPr>
+        <p:style>
+          <a:lnRef idx="2">
+            <a:schemeClr val="accent1">
+              <a:shade val="50000"/>
+            </a:schemeClr>
+          </a:lnRef>
+          <a:fillRef idx="1">
+            <a:schemeClr val="accent1"/>
+          </a:fillRef>
+          <a:effectRef idx="0">
+            <a:schemeClr val="accent1"/>
+          </a:effectRef>
+          <a:fontRef idx="minor">
+            <a:schemeClr val="lt1"/>
+          </a:fontRef>
+        </p:style>
+        <p:txBody>
+          <a:bodyPr rtlCol="0" anchor="ctr"/>
+          <a:lstStyle/>
+          <a:p>
+            <a:pPr algn="ctr"/>
+            <a:endParaRPr lang="en-US">
+              <a:ln>
+                <a:solidFill>
+                  <a:srgbClr val="FF0000"/>
+                </a:solidFill>
+              </a:ln>
+              <a:solidFill>
+                <a:schemeClr val="tx1"/>
+              </a:solidFill>
+            </a:endParaRPr>
+          </a:p>
+        </p:txBody>
+      </p:sp>
+      <p:sp>
+        <p:nvSpPr>
+          <p:cNvPr id="14" name="Frame 13"/>
+          <p:cNvSpPr/>
+          <p:nvPr/>
+        </p:nvSpPr>
+        <p:spPr>
+          <a:xfrm>
+            <a:off x="328572" y="5539914"/>
+            <a:ext cx="468000" cy="265350"/>
+          </a:xfrm>
+          <a:prstGeom prst="frame">
+            <a:avLst/>
+          </a:prstGeom>
+          <a:ln>
+            <a:solidFill>
+              <a:srgbClr val="FFFF00"/>
+            </a:solidFill>
+          </a:ln>
+        </p:spPr>
+        <p:style>
+          <a:lnRef idx="2">
+            <a:schemeClr val="accent1">
+              <a:shade val="50000"/>
+            </a:schemeClr>
+          </a:lnRef>
+          <a:fillRef idx="1">
+            <a:schemeClr val="accent1"/>
+          </a:fillRef>
+          <a:effectRef idx="0">
+            <a:schemeClr val="accent1"/>
+          </a:effectRef>
+          <a:fontRef idx="minor">
+            <a:schemeClr val="lt1"/>
+          </a:fontRef>
+        </p:style>
+        <p:txBody>
+          <a:bodyPr rtlCol="0" anchor="ctr"/>
+          <a:lstStyle/>
+          <a:p>
+            <a:pPr algn="ctr"/>
+            <a:endParaRPr lang="en-US">
+              <a:ln>
+                <a:solidFill>
+                  <a:srgbClr val="FF0000"/>
+                </a:solidFill>
+              </a:ln>
+              <a:solidFill>
+                <a:schemeClr val="tx1"/>
+              </a:solidFill>
+            </a:endParaRPr>
+          </a:p>
+        </p:txBody>
+      </p:sp>
+      <p:sp>
+        <p:nvSpPr>
+          <p:cNvPr id="15" name="Frame 14"/>
+          <p:cNvSpPr/>
+          <p:nvPr/>
+        </p:nvSpPr>
+        <p:spPr>
+          <a:xfrm>
+            <a:off x="1193379" y="5373215"/>
+            <a:ext cx="1404000" cy="216000"/>
+          </a:xfrm>
+          <a:prstGeom prst="frame">
+            <a:avLst/>
+          </a:prstGeom>
+          <a:ln>
+            <a:solidFill>
+              <a:srgbClr val="FFFF00"/>
+            </a:solidFill>
+          </a:ln>
+        </p:spPr>
+        <p:style>
+          <a:lnRef idx="2">
+            <a:schemeClr val="accent1">
+              <a:shade val="50000"/>
+            </a:schemeClr>
+          </a:lnRef>
+          <a:fillRef idx="1">
+            <a:schemeClr val="accent1"/>
+          </a:fillRef>
+          <a:effectRef idx="0">
+            <a:schemeClr val="accent1"/>
+          </a:effectRef>
+          <a:fontRef idx="minor">
+            <a:schemeClr val="lt1"/>
+          </a:fontRef>
+        </p:style>
+        <p:txBody>
+          <a:bodyPr rtlCol="0" anchor="ctr"/>
+          <a:lstStyle/>
+          <a:p>
+            <a:pPr algn="ctr"/>
+            <a:endParaRPr lang="en-US">
+              <a:ln>
+                <a:solidFill>
+                  <a:srgbClr val="FF0000"/>
+                </a:solidFill>
+              </a:ln>
+              <a:solidFill>
+                <a:schemeClr val="tx1"/>
+              </a:solidFill>
+            </a:endParaRPr>
+          </a:p>
+        </p:txBody>
+      </p:sp>
+      <p:sp>
+        <p:nvSpPr>
+          <p:cNvPr id="16" name="Frame 15"/>
+          <p:cNvSpPr/>
+          <p:nvPr/>
+        </p:nvSpPr>
+        <p:spPr>
+          <a:xfrm>
+            <a:off x="1211379" y="3858920"/>
+            <a:ext cx="1368000" cy="216024"/>
+          </a:xfrm>
+          <a:prstGeom prst="frame">
+            <a:avLst/>
+          </a:prstGeom>
+          <a:ln>
+            <a:solidFill>
+              <a:srgbClr val="FF0000"/>
+            </a:solidFill>
+          </a:ln>
+        </p:spPr>
+        <p:style>
+          <a:lnRef idx="2">
+            <a:schemeClr val="accent1">
+              <a:shade val="50000"/>
+            </a:schemeClr>
+          </a:lnRef>
+          <a:fillRef idx="1">
+            <a:schemeClr val="accent1"/>
+          </a:fillRef>
+          <a:effectRef idx="0">
+            <a:schemeClr val="accent1"/>
+          </a:effectRef>
+          <a:fontRef idx="minor">
+            <a:schemeClr val="lt1"/>
+          </a:fontRef>
+        </p:style>
+        <p:txBody>
+          <a:bodyPr rtlCol="0" anchor="ctr"/>
+          <a:lstStyle/>
+          <a:p>
+            <a:pPr algn="ctr"/>
+            <a:endParaRPr lang="en-US">
+              <a:ln>
+                <a:solidFill>
+                  <a:srgbClr val="FF0000"/>
+                </a:solidFill>
+              </a:ln>
+              <a:solidFill>
+                <a:schemeClr val="tx1"/>
+              </a:solidFill>
+            </a:endParaRPr>
+          </a:p>
+        </p:txBody>
+      </p:sp>
+      <p:sp>
+        <p:nvSpPr>
+          <p:cNvPr id="17" name="Frame 16"/>
+          <p:cNvSpPr/>
+          <p:nvPr/>
+        </p:nvSpPr>
+        <p:spPr>
+          <a:xfrm>
+            <a:off x="1187624" y="4547057"/>
+            <a:ext cx="1368000" cy="216024"/>
+          </a:xfrm>
+          <a:prstGeom prst="frame">
+            <a:avLst/>
+          </a:prstGeom>
+          <a:ln>
+            <a:solidFill>
+              <a:srgbClr val="FF0000"/>
+            </a:solidFill>
+          </a:ln>
+        </p:spPr>
+        <p:style>
+          <a:lnRef idx="2">
+            <a:schemeClr val="accent1">
+              <a:shade val="50000"/>
+            </a:schemeClr>
+          </a:lnRef>
+          <a:fillRef idx="1">
+            <a:schemeClr val="accent1"/>
+          </a:fillRef>
+          <a:effectRef idx="0">
+            <a:schemeClr val="accent1"/>
+          </a:effectRef>
+          <a:fontRef idx="minor">
+            <a:schemeClr val="lt1"/>
+          </a:fontRef>
+        </p:style>
+        <p:txBody>
+          <a:bodyPr rtlCol="0" anchor="ctr"/>
+          <a:lstStyle/>
+          <a:p>
+            <a:pPr algn="ctr"/>
+            <a:endParaRPr lang="en-US">
+              <a:ln>
+                <a:solidFill>
+                  <a:srgbClr val="FF0000"/>
+                </a:solidFill>
+              </a:ln>
+              <a:solidFill>
+                <a:schemeClr val="tx1"/>
+              </a:solidFill>
+            </a:endParaRPr>
+          </a:p>
+        </p:txBody>
+      </p:sp>
+      <p:pic>
+        <p:nvPicPr>
+          <p:cNvPr id="6" name="Picture 5"/>
+          <p:cNvPicPr>
+            <a:picLocks noChangeAspect="1"/>
+          </p:cNvPicPr>
+          <p:nvPr/>
+        </p:nvPicPr>
+        <p:blipFill>
+          <a:blip r:embed="rId4">
+            <a:extLst>
+              <a:ext uri="{28A0092B-C50C-407E-A947-70E740481C1C}">
+                <a14:useLocalDpi xmlns:a14="http://schemas.microsoft.com/office/drawing/2010/main" val="0"/>
+              </a:ext>
+            </a:extLst>
+          </a:blip>
+          <a:stretch>
+            <a:fillRect/>
+          </a:stretch>
+        </p:blipFill>
+        <p:spPr>
+          <a:xfrm>
+            <a:off x="4236759" y="2082597"/>
+            <a:ext cx="4504308" cy="625957"/>
+          </a:xfrm>
+          <a:prstGeom prst="rect">
+            <a:avLst/>
+          </a:prstGeom>
+          <a:ln>
+            <a:noFill/>
+          </a:ln>
+          <a:effectLst>
+            <a:softEdge rad="112500"/>
+          </a:effectLst>
+        </p:spPr>
+      </p:pic>
+    </p:spTree>
+    <p:extLst>
+      <p:ext uri="{BB962C8B-B14F-4D97-AF65-F5344CB8AC3E}">
+        <p14:creationId xmlns:p14="http://schemas.microsoft.com/office/powerpoint/2010/main" val="90796408"/>
+      </p:ext>
+    </p:extLst>
+  </p:cSld>
+  <p:clrMapOvr>
+    <a:masterClrMapping/>
+  </p:clrMapOvr>
+  <p:transition spd="slow">
+    <p:wipe/>
+  </p:transition>
+  <p:timing>
+    <p:tnLst>
+      <p:par>
+        <p:cTn id="1" dur="indefinite" restart="never" nodeType="tmRoot">
+          <p:childTnLst>
+            <p:seq concurrent="1" nextAc="seek">
+              <p:cTn id="2" dur="indefinite" nodeType="mainSeq">
+                <p:childTnLst>
+                  <p:par>
+                    <p:cTn id="3" fill="hold">
+                      <p:stCondLst>
+                        <p:cond delay="indefinite"/>
+                      </p:stCondLst>
+                      <p:childTnLst>
+                        <p:par>
+                          <p:cTn id="4" fill="hold">
+                            <p:stCondLst>
+                              <p:cond delay="0"/>
+                            </p:stCondLst>
+                            <p:childTnLst>
+                              <p:par>
+                                <p:cTn id="5" presetID="26" presetClass="emph" presetSubtype="0" fill="hold" nodeType="clickEffect">
+                                  <p:stCondLst>
+                                    <p:cond delay="0"/>
+                                  </p:stCondLst>
+                                  <p:childTnLst>
+                                    <p:animEffect transition="out" filter="fade">
+                                      <p:cBhvr>
+                                        <p:cTn id="6" dur="1000" tmFilter="0, 0; .2, .5; .8, .5; 1, 0"/>
+                                        <p:tgtEl>
+                                          <p:spTgt spid="6"/>
+                                        </p:tgtEl>
+                                      </p:cBhvr>
+                                    </p:animEffect>
+                                    <p:animScale>
+                                      <p:cBhvr>
+                                        <p:cTn id="7" dur="500" autoRev="1" fill="hold"/>
+                                        <p:tgtEl>
+                                          <p:spTgt spid="6"/>
+                                        </p:tgtEl>
+                                      </p:cBhvr>
+                                      <p:by x="105000" y="105000"/>
+                                    </p:animScale>
+                                  </p:childTnLst>
+                                </p:cTn>
+                              </p:par>
+                            </p:childTnLst>
+                          </p:cTn>
+                        </p:par>
+                        <p:par>
+                          <p:cTn id="8" fill="hold">
+                            <p:stCondLst>
+                              <p:cond delay="1000"/>
+                            </p:stCondLst>
+                            <p:childTnLst>
+                              <p:par>
+                                <p:cTn id="9" presetID="26" presetClass="emph" presetSubtype="0" fill="hold" grpId="0" nodeType="afterEffect">
+                                  <p:stCondLst>
+                                    <p:cond delay="500"/>
+                                  </p:stCondLst>
+                                  <p:childTnLst>
+                                    <p:animEffect transition="out" filter="fade">
+                                      <p:cBhvr>
+                                        <p:cTn id="10" dur="1000" tmFilter="0, 0; .2, .5; .8, .5; 1, 0"/>
+                                        <p:tgtEl>
+                                          <p:spTgt spid="11"/>
+                                        </p:tgtEl>
+                                      </p:cBhvr>
+                                    </p:animEffect>
+                                    <p:animScale>
+                                      <p:cBhvr>
+                                        <p:cTn id="11" dur="500" autoRev="1" fill="hold"/>
+                                        <p:tgtEl>
+                                          <p:spTgt spid="11"/>
+                                        </p:tgtEl>
+                                      </p:cBhvr>
+                                      <p:by x="105000" y="105000"/>
+                                    </p:animScale>
+                                  </p:childTnLst>
+                                </p:cTn>
+                              </p:par>
+                            </p:childTnLst>
+                          </p:cTn>
+                        </p:par>
+                        <p:par>
+                          <p:cTn id="12" fill="hold">
+                            <p:stCondLst>
+                              <p:cond delay="2500"/>
+                            </p:stCondLst>
+                            <p:childTnLst>
+                              <p:par>
+                                <p:cTn id="13" presetID="26" presetClass="emph" presetSubtype="0" fill="hold" grpId="0" nodeType="afterEffect">
+                                  <p:stCondLst>
+                                    <p:cond delay="500"/>
+                                  </p:stCondLst>
+                                  <p:childTnLst>
+                                    <p:animEffect transition="out" filter="fade">
+                                      <p:cBhvr>
+                                        <p:cTn id="14" dur="1000" tmFilter="0, 0; .2, .5; .8, .5; 1, 0"/>
+                                        <p:tgtEl>
+                                          <p:spTgt spid="10"/>
+                                        </p:tgtEl>
+                                      </p:cBhvr>
+                                    </p:animEffect>
+                                    <p:animScale>
+                                      <p:cBhvr>
+                                        <p:cTn id="15" dur="500" autoRev="1" fill="hold"/>
+                                        <p:tgtEl>
+                                          <p:spTgt spid="10"/>
+                                        </p:tgtEl>
+                                      </p:cBhvr>
+                                      <p:by x="105000" y="105000"/>
+                                    </p:animScale>
+                                  </p:childTnLst>
+                                </p:cTn>
+                              </p:par>
+                            </p:childTnLst>
+                          </p:cTn>
+                        </p:par>
+                        <p:par>
+                          <p:cTn id="16" fill="hold">
+                            <p:stCondLst>
+                              <p:cond delay="4000"/>
+                            </p:stCondLst>
+                            <p:childTnLst>
+                              <p:par>
+                                <p:cTn id="17" presetID="26" presetClass="emph" presetSubtype="0" fill="hold" grpId="0" nodeType="afterEffect">
+                                  <p:stCondLst>
+                                    <p:cond delay="500"/>
+                                  </p:stCondLst>
+                                  <p:childTnLst>
+                                    <p:animEffect transition="out" filter="fade">
+                                      <p:cBhvr>
+                                        <p:cTn id="18" dur="1000" tmFilter="0, 0; .2, .5; .8, .5; 1, 0"/>
+                                        <p:tgtEl>
+                                          <p:spTgt spid="12"/>
+                                        </p:tgtEl>
+                                      </p:cBhvr>
+                                    </p:animEffect>
+                                    <p:animScale>
+                                      <p:cBhvr>
+                                        <p:cTn id="19" dur="500" autoRev="1" fill="hold"/>
+                                        <p:tgtEl>
+                                          <p:spTgt spid="12"/>
+                                        </p:tgtEl>
+                                      </p:cBhvr>
+                                      <p:by x="105000" y="105000"/>
+                                    </p:animScale>
+                                  </p:childTnLst>
+                                </p:cTn>
+                              </p:par>
+                            </p:childTnLst>
+                          </p:cTn>
+                        </p:par>
+                        <p:par>
+                          <p:cTn id="20" fill="hold">
+                            <p:stCondLst>
+                              <p:cond delay="5500"/>
+                            </p:stCondLst>
+                            <p:childTnLst>
+                              <p:par>
+                                <p:cTn id="21" presetID="26" presetClass="emph" presetSubtype="0" fill="hold" grpId="0" nodeType="afterEffect">
+                                  <p:stCondLst>
+                                    <p:cond delay="500"/>
+                                  </p:stCondLst>
+                                  <p:childTnLst>
+                                    <p:animEffect transition="out" filter="fade">
+                                      <p:cBhvr>
+                                        <p:cTn id="22" dur="1000" tmFilter="0, 0; .2, .5; .8, .5; 1, 0"/>
+                                        <p:tgtEl>
+                                          <p:spTgt spid="16"/>
+                                        </p:tgtEl>
+                                      </p:cBhvr>
+                                    </p:animEffect>
+                                    <p:animScale>
+                                      <p:cBhvr>
+                                        <p:cTn id="23" dur="500" autoRev="1" fill="hold"/>
+                                        <p:tgtEl>
+                                          <p:spTgt spid="16"/>
+                                        </p:tgtEl>
+                                      </p:cBhvr>
+                                      <p:by x="105000" y="105000"/>
+                                    </p:animScale>
+                                  </p:childTnLst>
+                                </p:cTn>
+                              </p:par>
+                            </p:childTnLst>
+                          </p:cTn>
+                        </p:par>
+                        <p:par>
+                          <p:cTn id="24" fill="hold">
+                            <p:stCondLst>
+                              <p:cond delay="7000"/>
+                            </p:stCondLst>
+                            <p:childTnLst>
+                              <p:par>
+                                <p:cTn id="25" presetID="26" presetClass="emph" presetSubtype="0" fill="hold" grpId="0" nodeType="afterEffect">
+                                  <p:stCondLst>
+                                    <p:cond delay="500"/>
+                                  </p:stCondLst>
+                                  <p:childTnLst>
+                                    <p:animEffect transition="out" filter="fade">
+                                      <p:cBhvr>
+                                        <p:cTn id="26" dur="1000" tmFilter="0, 0; .2, .5; .8, .5; 1, 0"/>
+                                        <p:tgtEl>
+                                          <p:spTgt spid="13"/>
+                                        </p:tgtEl>
+                                      </p:cBhvr>
+                                    </p:animEffect>
+                                    <p:animScale>
+                                      <p:cBhvr>
+                                        <p:cTn id="27" dur="500" autoRev="1" fill="hold"/>
+                                        <p:tgtEl>
+                                          <p:spTgt spid="13"/>
+                                        </p:tgtEl>
+                                      </p:cBhvr>
+                                      <p:by x="105000" y="105000"/>
+                                    </p:animScale>
+                                  </p:childTnLst>
+                                </p:cTn>
+                              </p:par>
+                            </p:childTnLst>
+                          </p:cTn>
+                        </p:par>
+                        <p:par>
+                          <p:cTn id="28" fill="hold">
+                            <p:stCondLst>
+                              <p:cond delay="8500"/>
+                            </p:stCondLst>
+                            <p:childTnLst>
+                              <p:par>
+                                <p:cTn id="29" presetID="26" presetClass="emph" presetSubtype="0" fill="hold" grpId="0" nodeType="afterEffect">
+                                  <p:stCondLst>
+                                    <p:cond delay="500"/>
+                                  </p:stCondLst>
+                                  <p:childTnLst>
+                                    <p:animEffect transition="out" filter="fade">
+                                      <p:cBhvr>
+                                        <p:cTn id="30" dur="1000" tmFilter="0, 0; .2, .5; .8, .5; 1, 0"/>
+                                        <p:tgtEl>
+                                          <p:spTgt spid="17"/>
+                                        </p:tgtEl>
+                                      </p:cBhvr>
+                                    </p:animEffect>
+                                    <p:animScale>
+                                      <p:cBhvr>
+                                        <p:cTn id="31" dur="500" autoRev="1" fill="hold"/>
+                                        <p:tgtEl>
+                                          <p:spTgt spid="17"/>
+                                        </p:tgtEl>
+                                      </p:cBhvr>
+                                      <p:by x="105000" y="105000"/>
+                                    </p:animScale>
+                                  </p:childTnLst>
+                                </p:cTn>
+                              </p:par>
+                            </p:childTnLst>
+                          </p:cTn>
+                        </p:par>
+                        <p:par>
+                          <p:cTn id="32" fill="hold">
+                            <p:stCondLst>
+                              <p:cond delay="10000"/>
+                            </p:stCondLst>
+                            <p:childTnLst>
+                              <p:par>
+                                <p:cTn id="33" presetID="26" presetClass="emph" presetSubtype="0" fill="hold" grpId="0" nodeType="afterEffect">
+                                  <p:stCondLst>
+                                    <p:cond delay="500"/>
+                                  </p:stCondLst>
+                                  <p:childTnLst>
+                                    <p:animEffect transition="out" filter="fade">
+                                      <p:cBhvr>
+                                        <p:cTn id="34" dur="1000" tmFilter="0, 0; .2, .5; .8, .5; 1, 0"/>
+                                        <p:tgtEl>
+                                          <p:spTgt spid="14"/>
+                                        </p:tgtEl>
+                                      </p:cBhvr>
+                                    </p:animEffect>
+                                    <p:animScale>
+                                      <p:cBhvr>
+                                        <p:cTn id="35" dur="500" autoRev="1" fill="hold"/>
+                                        <p:tgtEl>
+                                          <p:spTgt spid="14"/>
+                                        </p:tgtEl>
+                                      </p:cBhvr>
+                                      <p:by x="105000" y="105000"/>
+                                    </p:animScale>
+                                  </p:childTnLst>
+                                </p:cTn>
+                              </p:par>
+                            </p:childTnLst>
+                          </p:cTn>
+                        </p:par>
+                        <p:par>
+                          <p:cTn id="36" fill="hold">
+                            <p:stCondLst>
+                              <p:cond delay="11500"/>
+                            </p:stCondLst>
+                            <p:childTnLst>
+                              <p:par>
+                                <p:cTn id="37" presetID="26" presetClass="emph" presetSubtype="0" fill="hold" grpId="0" nodeType="afterEffect">
+                                  <p:stCondLst>
+                                    <p:cond delay="500"/>
+                                  </p:stCondLst>
+                                  <p:childTnLst>
+                                    <p:animEffect transition="out" filter="fade">
+                                      <p:cBhvr>
+                                        <p:cTn id="38" dur="1000" tmFilter="0, 0; .2, .5; .8, .5; 1, 0"/>
+                                        <p:tgtEl>
+                                          <p:spTgt spid="15"/>
+                                        </p:tgtEl>
+                                      </p:cBhvr>
+                                    </p:animEffect>
+                                    <p:animScale>
+                                      <p:cBhvr>
+                                        <p:cTn id="39" dur="500" autoRev="1" fill="hold"/>
+                                        <p:tgtEl>
+                                          <p:spTgt spid="15"/>
+                                        </p:tgtEl>
+                                      </p:cBhvr>
+                                      <p:by x="105000" y="105000"/>
+                                    </p:animScale>
+                                  </p:childTnLst>
+                                </p:cTn>
+                              </p:par>
+                            </p:childTnLst>
+                          </p:cTn>
+                        </p:par>
+                      </p:childTnLst>
+                    </p:cTn>
+                  </p:par>
+                </p:childTnLst>
+              </p:cTn>
+              <p:prevCondLst>
+                <p:cond evt="onPrev" delay="0">
+                  <p:tgtEl>
+                    <p:sldTgt/>
+                  </p:tgtEl>
+                </p:cond>
+              </p:prevCondLst>
+              <p:nextCondLst>
+                <p:cond evt="onNext" delay="0">
+                  <p:tgtEl>
+                    <p:sldTgt/>
+                  </p:tgtEl>
+                </p:cond>
+              </p:nextCondLst>
+            </p:seq>
+          </p:childTnLst>
+        </p:cTn>
+      </p:par>
+    </p:tnLst>
+    <p:bldLst>
+      <p:bldP spid="10" grpId="0" animBg="1"/>
+      <p:bldP spid="11" grpId="0" animBg="1"/>
+      <p:bldP spid="12" grpId="0" animBg="1"/>
+      <p:bldP spid="13" grpId="0" animBg="1"/>
+      <p:bldP spid="14" grpId="0" animBg="1"/>
+      <p:bldP spid="15" grpId="0" animBg="1"/>
+      <p:bldP spid="16" grpId="0" animBg="1"/>
+      <p:bldP spid="17" grpId="0" animBg="1"/>
+    </p:bldLst>
+  </p:timing>
+</p:sld>
+</file>
+
+<file path=ppt/slides/slide22.xml><?xml version="1.0" encoding="utf-8"?>
+<p:sld xmlns:a="http://schemas.openxmlformats.org/drawingml/2006/main" xmlns:r="http://schemas.openxmlformats.org/officeDocument/2006/relationships" xmlns:p="http://schemas.openxmlformats.org/presentationml/2006/main">
+  <p:cSld>
+    <p:spTree>
+      <p:nvGrpSpPr>
+        <p:cNvPr id="1" name=""/>
+        <p:cNvGrpSpPr/>
+        <p:nvPr/>
+      </p:nvGrpSpPr>
+      <p:grpSpPr>
+        <a:xfrm>
+          <a:off x="0" y="0"/>
+          <a:ext cx="0" cy="0"/>
+          <a:chOff x="0" y="0"/>
+          <a:chExt cx="0" cy="0"/>
+        </a:xfrm>
+      </p:grpSpPr>
+      <p:sp>
+        <p:nvSpPr>
+          <p:cNvPr id="2" name="Title 1"/>
+          <p:cNvSpPr>
+            <a:spLocks noGrp="1"/>
+          </p:cNvSpPr>
+          <p:nvPr>
+            <p:ph type="title"/>
+          </p:nvPr>
+        </p:nvSpPr>
+        <p:spPr/>
+        <p:txBody>
+          <a:bodyPr/>
+          <a:lstStyle/>
+          <a:p>
+            <a:r>
+              <a:rPr lang="en-US" dirty="0"/>
+              <a:t>Outline</a:t>
+            </a:r>
+          </a:p>
+        </p:txBody>
+      </p:sp>
+      <p:sp>
+        <p:nvSpPr>
+          <p:cNvPr id="3" name="Content Placeholder 2"/>
+          <p:cNvSpPr>
+            <a:spLocks noGrp="1"/>
+          </p:cNvSpPr>
+          <p:nvPr>
+            <p:ph idx="1"/>
+          </p:nvPr>
+        </p:nvSpPr>
+        <p:spPr/>
+        <p:txBody>
+          <a:bodyPr/>
+          <a:lstStyle/>
+          <a:p>
+            <a:pPr marL="342900" indent="-342900">
+              <a:buFont typeface="Arial" panose="020B0604020202020204" pitchFamily="34" charset="0"/>
+              <a:buChar char="•"/>
+            </a:pPr>
+            <a:r>
+              <a:rPr lang="en-US" dirty="0" smtClean="0"/>
+              <a:t>Introduction</a:t>
+            </a:r>
+          </a:p>
+          <a:p>
+            <a:pPr marL="342900" indent="-342900">
+              <a:buFont typeface="Arial" panose="020B0604020202020204" pitchFamily="34" charset="0"/>
+              <a:buChar char="•"/>
+            </a:pPr>
+            <a:r>
+              <a:rPr lang="en-US" dirty="0" smtClean="0"/>
+              <a:t>Objectives</a:t>
+            </a:r>
+          </a:p>
+          <a:p>
+            <a:pPr marL="342900" indent="-342900">
+              <a:buFont typeface="Arial" panose="020B0604020202020204" pitchFamily="34" charset="0"/>
+              <a:buChar char="•"/>
+            </a:pPr>
+            <a:r>
+              <a:rPr lang="en-US" b="1" dirty="0" smtClean="0"/>
+              <a:t>Approach</a:t>
+            </a:r>
+          </a:p>
+          <a:p>
+            <a:pPr marL="701675" lvl="2" indent="-342900">
+              <a:buFont typeface="Arial" panose="020B0604020202020204" pitchFamily="34" charset="0"/>
+              <a:buChar char="•"/>
+            </a:pPr>
+            <a:r>
+              <a:rPr lang="en-US" dirty="0" smtClean="0"/>
+              <a:t>Instrumentation</a:t>
+            </a:r>
+          </a:p>
+          <a:p>
+            <a:pPr marL="701675" lvl="2" indent="-342900">
+              <a:buFont typeface="Arial" panose="020B0604020202020204" pitchFamily="34" charset="0"/>
+              <a:buChar char="•"/>
+            </a:pPr>
+            <a:r>
+              <a:rPr lang="en-US" b="1" dirty="0" smtClean="0"/>
+              <a:t>Profiling</a:t>
+            </a:r>
+          </a:p>
+          <a:p>
+            <a:pPr marL="701675" lvl="2" indent="-342900">
+              <a:buFont typeface="Arial" panose="020B0604020202020204" pitchFamily="34" charset="0"/>
+              <a:buChar char="•"/>
+            </a:pPr>
+            <a:r>
+              <a:rPr lang="en-US" dirty="0" smtClean="0"/>
+              <a:t>Challenge</a:t>
+            </a:r>
+          </a:p>
+          <a:p>
+            <a:pPr marL="701675" lvl="2" indent="-342900">
+              <a:buFont typeface="Arial" panose="020B0604020202020204" pitchFamily="34" charset="0"/>
+              <a:buChar char="•"/>
+            </a:pPr>
+            <a:r>
+              <a:rPr lang="en-US" dirty="0" smtClean="0"/>
+              <a:t>Proposed Solution</a:t>
+            </a:r>
+            <a:endParaRPr lang="en-US" dirty="0"/>
+          </a:p>
+          <a:p>
+            <a:pPr marL="342900" indent="-342900">
+              <a:buFont typeface="Arial" panose="020B0604020202020204" pitchFamily="34" charset="0"/>
+              <a:buChar char="•"/>
+            </a:pPr>
+            <a:r>
+              <a:rPr lang="en-US" dirty="0" smtClean="0"/>
+              <a:t>Evaluation </a:t>
+            </a:r>
+          </a:p>
+          <a:p>
+            <a:pPr marL="342900" indent="-342900">
+              <a:buFont typeface="Arial" panose="020B0604020202020204" pitchFamily="34" charset="0"/>
+              <a:buChar char="•"/>
+            </a:pPr>
+            <a:r>
+              <a:rPr lang="en-US" dirty="0" smtClean="0"/>
+              <a:t>Summary</a:t>
+            </a:r>
+            <a:endParaRPr lang="en-US" dirty="0"/>
+          </a:p>
+        </p:txBody>
+      </p:sp>
+    </p:spTree>
+    <p:extLst>
+      <p:ext uri="{BB962C8B-B14F-4D97-AF65-F5344CB8AC3E}">
+        <p14:creationId xmlns:p14="http://schemas.microsoft.com/office/powerpoint/2010/main" val="1037286711"/>
+      </p:ext>
+    </p:extLst>
+  </p:cSld>
+  <p:clrMapOvr>
+    <a:masterClrMapping/>
+  </p:clrMapOvr>
+  <p:transition spd="slow">
+    <p:wipe/>
+  </p:transition>
+  <p:timing>
+    <p:tnLst>
+      <p:par>
+        <p:cTn id="1" dur="indefinite" restart="never" nodeType="tmRoot"/>
+      </p:par>
+    </p:tnLst>
+  </p:timing>
+</p:sld>
+</file>
+
+<file path=ppt/slides/slide23.xml><?xml version="1.0" encoding="utf-8"?>
+<p:sld xmlns:a="http://schemas.openxmlformats.org/drawingml/2006/main" xmlns:r="http://schemas.openxmlformats.org/officeDocument/2006/relationships" xmlns:p="http://schemas.openxmlformats.org/presentationml/2006/main">
+  <p:cSld>
+    <p:spTree>
+      <p:nvGrpSpPr>
+        <p:cNvPr id="1" name=""/>
+        <p:cNvGrpSpPr/>
+        <p:nvPr/>
+      </p:nvGrpSpPr>
+      <p:grpSpPr>
+        <a:xfrm>
+          <a:off x="0" y="0"/>
+          <a:ext cx="0" cy="0"/>
+          <a:chOff x="0" y="0"/>
+          <a:chExt cx="0" cy="0"/>
+        </a:xfrm>
+      </p:grpSpPr>
+      <p:sp>
+        <p:nvSpPr>
+          <p:cNvPr id="2" name="Title 1"/>
+          <p:cNvSpPr>
+            <a:spLocks noGrp="1"/>
+          </p:cNvSpPr>
+          <p:nvPr>
+            <p:ph type="title"/>
+          </p:nvPr>
+        </p:nvSpPr>
+        <p:spPr/>
+        <p:txBody>
+          <a:bodyPr/>
+          <a:lstStyle/>
+          <a:p>
+            <a:pPr lvl="2"/>
+            <a:r>
+              <a:rPr lang="en-US" dirty="0" smtClean="0"/>
+              <a:t>Profiling</a:t>
+            </a:r>
+            <a:endParaRPr lang="en-US" dirty="0"/>
+          </a:p>
+        </p:txBody>
+      </p:sp>
+      <p:sp>
+        <p:nvSpPr>
+          <p:cNvPr id="3" name="Content Placeholder 2"/>
+          <p:cNvSpPr>
+            <a:spLocks noGrp="1"/>
+          </p:cNvSpPr>
+          <p:nvPr>
+            <p:ph idx="1"/>
+          </p:nvPr>
+        </p:nvSpPr>
+        <p:spPr>
+          <a:xfrm>
+            <a:off x="360000" y="1620000"/>
+            <a:ext cx="8244447" cy="4615723"/>
+          </a:xfrm>
+        </p:spPr>
+        <p:txBody>
+          <a:bodyPr/>
+          <a:lstStyle/>
+          <a:p>
+            <a:pPr marL="342900" indent="-342900">
+              <a:buFont typeface="Arial" charset="0"/>
+              <a:buChar char="•"/>
+            </a:pPr>
+            <a:r>
+              <a:rPr lang="en-US" dirty="0" smtClean="0"/>
+              <a:t>Collection of the required data communication information</a:t>
+            </a:r>
+          </a:p>
+          <a:p>
+            <a:pPr marL="701675" lvl="2" indent="-342900">
+              <a:buFont typeface="Arial" charset="0"/>
+              <a:buChar char="•"/>
+            </a:pPr>
+            <a:r>
+              <a:rPr lang="en-US" dirty="0" smtClean="0"/>
+              <a:t>Time-stamp</a:t>
+            </a:r>
+          </a:p>
+          <a:p>
+            <a:pPr marL="701675" lvl="2" indent="-342900">
+              <a:buFont typeface="Arial" charset="0"/>
+              <a:buChar char="•"/>
+            </a:pPr>
+            <a:r>
+              <a:rPr lang="en-US" dirty="0" smtClean="0"/>
+              <a:t>S</a:t>
+            </a:r>
+            <a:r>
+              <a:rPr lang="en-US" smtClean="0"/>
+              <a:t>ize </a:t>
+            </a:r>
+            <a:r>
+              <a:rPr lang="en-US" dirty="0" smtClean="0"/>
+              <a:t>of the data</a:t>
+            </a:r>
+          </a:p>
+          <a:p>
+            <a:pPr marL="701675" lvl="2" indent="-342900">
+              <a:buFont typeface="Arial" charset="0"/>
+              <a:buChar char="•"/>
+            </a:pPr>
+            <a:r>
+              <a:rPr lang="en-US" dirty="0" smtClean="0"/>
+              <a:t>Region information</a:t>
+            </a:r>
+          </a:p>
+          <a:p>
+            <a:pPr marL="701675" lvl="2" indent="-342900">
+              <a:buFont typeface="Arial" charset="0"/>
+              <a:buChar char="•"/>
+            </a:pPr>
+            <a:endParaRPr lang="en-US" dirty="0"/>
+          </a:p>
+          <a:p>
+            <a:pPr marL="701675" lvl="2" indent="-342900">
+              <a:buFont typeface="Arial" charset="0"/>
+              <a:buChar char="•"/>
+            </a:pPr>
+            <a:endParaRPr lang="en-US" dirty="0" smtClean="0"/>
+          </a:p>
+        </p:txBody>
+      </p:sp>
+      <p:grpSp>
+        <p:nvGrpSpPr>
+          <p:cNvPr id="55" name="Group 54"/>
+          <p:cNvGrpSpPr/>
+          <p:nvPr/>
+        </p:nvGrpSpPr>
+        <p:grpSpPr>
+          <a:xfrm>
+            <a:off x="1709915" y="3371640"/>
+            <a:ext cx="5544616" cy="2864083"/>
+            <a:chOff x="3059832" y="3206836"/>
+            <a:chExt cx="5544616" cy="2864083"/>
+          </a:xfrm>
+        </p:grpSpPr>
+        <p:sp>
+          <p:nvSpPr>
+            <p:cNvPr id="30" name="Rectangle 29"/>
+            <p:cNvSpPr/>
+            <p:nvPr/>
+          </p:nvSpPr>
+          <p:spPr>
+            <a:xfrm>
+              <a:off x="3491880" y="4047342"/>
+              <a:ext cx="1512168" cy="432048"/>
+            </a:xfrm>
+            <a:prstGeom prst="rect">
+              <a:avLst/>
+            </a:prstGeom>
+            <a:solidFill>
+              <a:srgbClr val="F5A300"/>
+            </a:solidFill>
+            <a:ln>
+              <a:solidFill>
+                <a:schemeClr val="tx1"/>
+              </a:solidFill>
+            </a:ln>
+          </p:spPr>
+          <p:style>
+            <a:lnRef idx="2">
+              <a:schemeClr val="accent1">
+                <a:shade val="50000"/>
+              </a:schemeClr>
+            </a:lnRef>
+            <a:fillRef idx="1">
+              <a:schemeClr val="accent1"/>
+            </a:fillRef>
+            <a:effectRef idx="0">
+              <a:schemeClr val="accent1"/>
+            </a:effectRef>
+            <a:fontRef idx="minor">
+              <a:schemeClr val="lt1"/>
+            </a:fontRef>
+          </p:style>
+          <p:txBody>
+            <a:bodyPr rtlCol="0" anchor="ctr"/>
+            <a:lstStyle/>
+            <a:p>
+              <a:pPr algn="ctr"/>
+              <a:r>
+                <a:rPr lang="en-US" sz="1400" dirty="0" smtClean="0">
+                  <a:solidFill>
+                    <a:schemeClr val="tx1"/>
+                  </a:solidFill>
+                </a:rPr>
+                <a:t>Instrumentation</a:t>
+              </a:r>
+              <a:endParaRPr lang="en-US" sz="1400" dirty="0">
+                <a:solidFill>
+                  <a:schemeClr val="tx1"/>
+                </a:solidFill>
+              </a:endParaRPr>
+            </a:p>
+          </p:txBody>
+        </p:sp>
+        <p:sp>
+          <p:nvSpPr>
+            <p:cNvPr id="32" name="Rectangle 31"/>
+            <p:cNvSpPr/>
+            <p:nvPr/>
+          </p:nvSpPr>
+          <p:spPr>
+            <a:xfrm>
+              <a:off x="3059832" y="3212976"/>
+              <a:ext cx="2376264" cy="509251"/>
+            </a:xfrm>
+            <a:prstGeom prst="rect">
+              <a:avLst/>
+            </a:prstGeom>
+            <a:solidFill>
+              <a:schemeClr val="bg1"/>
+            </a:solidFill>
+            <a:ln w="15875">
+              <a:solidFill>
+                <a:schemeClr val="tx1"/>
+              </a:solidFill>
+            </a:ln>
+          </p:spPr>
+          <p:style>
+            <a:lnRef idx="2">
+              <a:schemeClr val="accent1">
+                <a:shade val="50000"/>
+              </a:schemeClr>
+            </a:lnRef>
+            <a:fillRef idx="1">
+              <a:schemeClr val="accent1"/>
+            </a:fillRef>
+            <a:effectRef idx="0">
+              <a:schemeClr val="accent1"/>
+            </a:effectRef>
+            <a:fontRef idx="minor">
+              <a:schemeClr val="lt1"/>
+            </a:fontRef>
+          </p:style>
+          <p:txBody>
+            <a:bodyPr rtlCol="0" anchor="ctr"/>
+            <a:lstStyle/>
+            <a:p>
+              <a:pPr algn="ctr"/>
+              <a:r>
+                <a:rPr lang="en-US" sz="1400" dirty="0" smtClean="0">
+                  <a:solidFill>
+                    <a:schemeClr val="tx1"/>
+                  </a:solidFill>
+                </a:rPr>
+                <a:t>Source Code</a:t>
+              </a:r>
+            </a:p>
+            <a:p>
+              <a:pPr algn="ctr"/>
+              <a:r>
+                <a:rPr lang="en-US" sz="1400" dirty="0" smtClean="0">
+                  <a:solidFill>
+                    <a:schemeClr val="tx1"/>
+                  </a:solidFill>
+                </a:rPr>
+                <a:t>(To be analyzed)</a:t>
+              </a:r>
+              <a:endParaRPr lang="en-US" sz="1400" dirty="0">
+                <a:solidFill>
+                  <a:schemeClr val="tx1"/>
+                </a:solidFill>
+              </a:endParaRPr>
+            </a:p>
+          </p:txBody>
+        </p:sp>
+        <p:sp>
+          <p:nvSpPr>
+            <p:cNvPr id="33" name="Rectangle 32"/>
+            <p:cNvSpPr/>
+            <p:nvPr/>
+          </p:nvSpPr>
+          <p:spPr>
+            <a:xfrm>
+              <a:off x="6228184" y="3206836"/>
+              <a:ext cx="2376264" cy="509251"/>
+            </a:xfrm>
+            <a:prstGeom prst="rect">
+              <a:avLst/>
+            </a:prstGeom>
+            <a:solidFill>
+              <a:schemeClr val="bg1"/>
+            </a:solidFill>
+            <a:ln w="15875">
+              <a:solidFill>
+                <a:schemeClr val="tx1"/>
+              </a:solidFill>
+            </a:ln>
+          </p:spPr>
+          <p:style>
+            <a:lnRef idx="2">
+              <a:schemeClr val="accent1">
+                <a:shade val="50000"/>
+              </a:schemeClr>
+            </a:lnRef>
+            <a:fillRef idx="1">
+              <a:schemeClr val="accent1"/>
+            </a:fillRef>
+            <a:effectRef idx="0">
+              <a:schemeClr val="accent1"/>
+            </a:effectRef>
+            <a:fontRef idx="minor">
+              <a:schemeClr val="lt1"/>
+            </a:fontRef>
+          </p:style>
+          <p:txBody>
+            <a:bodyPr rtlCol="0" anchor="ctr"/>
+            <a:lstStyle/>
+            <a:p>
+              <a:pPr algn="ctr"/>
+              <a:r>
+                <a:rPr lang="en-US" sz="1400" dirty="0" smtClean="0">
+                  <a:solidFill>
+                    <a:schemeClr val="tx1"/>
+                  </a:solidFill>
+                </a:rPr>
+                <a:t>Instrumentation Library</a:t>
+              </a:r>
+              <a:endParaRPr lang="en-US" sz="1400" dirty="0">
+                <a:solidFill>
+                  <a:schemeClr val="tx1"/>
+                </a:solidFill>
+              </a:endParaRPr>
+            </a:p>
+          </p:txBody>
+        </p:sp>
+        <p:sp>
+          <p:nvSpPr>
+            <p:cNvPr id="34" name="Rectangle 33"/>
+            <p:cNvSpPr/>
+            <p:nvPr/>
+          </p:nvSpPr>
+          <p:spPr>
+            <a:xfrm>
+              <a:off x="6429503" y="4804885"/>
+              <a:ext cx="1973625" cy="509251"/>
+            </a:xfrm>
+            <a:prstGeom prst="rect">
+              <a:avLst/>
+            </a:prstGeom>
+            <a:solidFill>
+              <a:schemeClr val="bg1"/>
+            </a:solidFill>
+            <a:ln w="15875">
+              <a:solidFill>
+                <a:schemeClr val="tx1"/>
+              </a:solidFill>
+            </a:ln>
+          </p:spPr>
+          <p:style>
+            <a:lnRef idx="2">
+              <a:schemeClr val="accent1">
+                <a:shade val="50000"/>
+              </a:schemeClr>
+            </a:lnRef>
+            <a:fillRef idx="1">
+              <a:schemeClr val="accent1"/>
+            </a:fillRef>
+            <a:effectRef idx="0">
+              <a:schemeClr val="accent1"/>
+            </a:effectRef>
+            <a:fontRef idx="minor">
+              <a:schemeClr val="lt1"/>
+            </a:fontRef>
+          </p:style>
+          <p:txBody>
+            <a:bodyPr rtlCol="0" anchor="ctr"/>
+            <a:lstStyle/>
+            <a:p>
+              <a:pPr algn="ctr"/>
+              <a:r>
+                <a:rPr lang="en-US" sz="1400" dirty="0" smtClean="0">
+                  <a:solidFill>
+                    <a:schemeClr val="tx1"/>
+                  </a:solidFill>
+                </a:rPr>
+                <a:t>Linker &amp; Compiler</a:t>
+              </a:r>
+              <a:endParaRPr lang="en-US" sz="1400" dirty="0">
+                <a:solidFill>
+                  <a:schemeClr val="tx1"/>
+                </a:solidFill>
+              </a:endParaRPr>
+            </a:p>
+          </p:txBody>
+        </p:sp>
+        <p:cxnSp>
+          <p:nvCxnSpPr>
+            <p:cNvPr id="36" name="Straight Arrow Connector 35"/>
+            <p:cNvCxnSpPr>
+              <a:stCxn id="32" idx="2"/>
+              <a:endCxn id="30" idx="0"/>
+            </p:cNvCxnSpPr>
+            <p:nvPr/>
+          </p:nvCxnSpPr>
+          <p:spPr>
+            <a:xfrm>
+              <a:off x="4247964" y="3722227"/>
+              <a:ext cx="0" cy="325115"/>
+            </a:xfrm>
+            <a:prstGeom prst="straightConnector1">
+              <a:avLst/>
+            </a:prstGeom>
+            <a:ln w="12700">
+              <a:solidFill>
+                <a:schemeClr val="tx1"/>
+              </a:solidFill>
+              <a:tailEnd type="stealth"/>
+            </a:ln>
+          </p:spPr>
+          <p:style>
+            <a:lnRef idx="1">
+              <a:schemeClr val="accent1"/>
+            </a:lnRef>
+            <a:fillRef idx="0">
+              <a:schemeClr val="accent1"/>
+            </a:fillRef>
+            <a:effectRef idx="0">
+              <a:schemeClr val="accent1"/>
+            </a:effectRef>
+            <a:fontRef idx="minor">
+              <a:schemeClr val="tx1"/>
+            </a:fontRef>
+          </p:style>
+        </p:cxnSp>
+        <p:sp>
+          <p:nvSpPr>
+            <p:cNvPr id="44" name="Rectangle 43"/>
+            <p:cNvSpPr/>
+            <p:nvPr/>
+          </p:nvSpPr>
+          <p:spPr>
+            <a:xfrm>
+              <a:off x="3059832" y="4804505"/>
+              <a:ext cx="2376264" cy="509251"/>
+            </a:xfrm>
+            <a:prstGeom prst="rect">
+              <a:avLst/>
+            </a:prstGeom>
+            <a:solidFill>
+              <a:schemeClr val="bg1"/>
+            </a:solidFill>
+            <a:ln w="15875">
+              <a:solidFill>
+                <a:schemeClr val="tx1"/>
+              </a:solidFill>
+            </a:ln>
+          </p:spPr>
+          <p:style>
+            <a:lnRef idx="2">
+              <a:schemeClr val="accent1">
+                <a:shade val="50000"/>
+              </a:schemeClr>
+            </a:lnRef>
+            <a:fillRef idx="1">
+              <a:schemeClr val="accent1"/>
+            </a:fillRef>
+            <a:effectRef idx="0">
+              <a:schemeClr val="accent1"/>
+            </a:effectRef>
+            <a:fontRef idx="minor">
+              <a:schemeClr val="lt1"/>
+            </a:fontRef>
+          </p:style>
+          <p:txBody>
+            <a:bodyPr rtlCol="0" anchor="ctr"/>
+            <a:lstStyle/>
+            <a:p>
+              <a:pPr algn="ctr"/>
+              <a:r>
+                <a:rPr lang="en-US" sz="1400" dirty="0" smtClean="0">
+                  <a:solidFill>
+                    <a:schemeClr val="tx1"/>
+                  </a:solidFill>
+                </a:rPr>
+                <a:t>Instrumented Source Code</a:t>
+              </a:r>
+              <a:endParaRPr lang="en-US" sz="1400" dirty="0">
+                <a:solidFill>
+                  <a:schemeClr val="tx1"/>
+                </a:solidFill>
+              </a:endParaRPr>
+            </a:p>
+          </p:txBody>
+        </p:sp>
+        <p:cxnSp>
+          <p:nvCxnSpPr>
+            <p:cNvPr id="45" name="Straight Arrow Connector 44"/>
+            <p:cNvCxnSpPr/>
+            <p:nvPr/>
+          </p:nvCxnSpPr>
+          <p:spPr>
+            <a:xfrm>
+              <a:off x="4254559" y="4479390"/>
+              <a:ext cx="0" cy="325115"/>
+            </a:xfrm>
+            <a:prstGeom prst="straightConnector1">
+              <a:avLst/>
+            </a:prstGeom>
+            <a:ln w="12700">
+              <a:solidFill>
+                <a:schemeClr val="tx1"/>
+              </a:solidFill>
+              <a:tailEnd type="stealth"/>
+            </a:ln>
+          </p:spPr>
+          <p:style>
+            <a:lnRef idx="1">
+              <a:schemeClr val="accent1"/>
+            </a:lnRef>
+            <a:fillRef idx="0">
+              <a:schemeClr val="accent1"/>
+            </a:fillRef>
+            <a:effectRef idx="0">
+              <a:schemeClr val="accent1"/>
+            </a:effectRef>
+            <a:fontRef idx="minor">
+              <a:schemeClr val="tx1"/>
+            </a:fontRef>
+          </p:style>
+        </p:cxnSp>
+        <p:cxnSp>
+          <p:nvCxnSpPr>
+            <p:cNvPr id="47" name="Straight Arrow Connector 46"/>
+            <p:cNvCxnSpPr>
+              <a:stCxn id="33" idx="2"/>
+              <a:endCxn id="34" idx="0"/>
+            </p:cNvCxnSpPr>
+            <p:nvPr/>
+          </p:nvCxnSpPr>
+          <p:spPr>
+            <a:xfrm>
+              <a:off x="7416316" y="3716087"/>
+              <a:ext cx="0" cy="1088798"/>
+            </a:xfrm>
+            <a:prstGeom prst="straightConnector1">
+              <a:avLst/>
+            </a:prstGeom>
+            <a:ln w="12700">
+              <a:solidFill>
+                <a:schemeClr val="tx1"/>
+              </a:solidFill>
+              <a:tailEnd type="stealth"/>
+            </a:ln>
+          </p:spPr>
+          <p:style>
+            <a:lnRef idx="1">
+              <a:schemeClr val="accent1"/>
+            </a:lnRef>
+            <a:fillRef idx="0">
+              <a:schemeClr val="accent1"/>
+            </a:fillRef>
+            <a:effectRef idx="0">
+              <a:schemeClr val="accent1"/>
+            </a:effectRef>
+            <a:fontRef idx="minor">
+              <a:schemeClr val="tx1"/>
+            </a:fontRef>
+          </p:style>
+        </p:cxnSp>
+        <p:cxnSp>
+          <p:nvCxnSpPr>
+            <p:cNvPr id="50" name="Straight Arrow Connector 49"/>
+            <p:cNvCxnSpPr>
+              <a:stCxn id="44" idx="3"/>
+              <a:endCxn id="34" idx="1"/>
+            </p:cNvCxnSpPr>
+            <p:nvPr/>
+          </p:nvCxnSpPr>
+          <p:spPr>
+            <a:xfrm>
+              <a:off x="5436096" y="5059131"/>
+              <a:ext cx="993407" cy="380"/>
+            </a:xfrm>
+            <a:prstGeom prst="straightConnector1">
+              <a:avLst/>
+            </a:prstGeom>
+            <a:ln w="12700">
+              <a:solidFill>
+                <a:schemeClr val="tx1"/>
+              </a:solidFill>
+              <a:tailEnd type="stealth"/>
+            </a:ln>
+          </p:spPr>
+          <p:style>
+            <a:lnRef idx="1">
+              <a:schemeClr val="accent1"/>
+            </a:lnRef>
+            <a:fillRef idx="0">
+              <a:schemeClr val="accent1"/>
+            </a:fillRef>
+            <a:effectRef idx="0">
+              <a:schemeClr val="accent1"/>
+            </a:effectRef>
+            <a:fontRef idx="minor">
+              <a:schemeClr val="tx1"/>
+            </a:fontRef>
+          </p:style>
+        </p:cxnSp>
+        <p:cxnSp>
+          <p:nvCxnSpPr>
+            <p:cNvPr id="53" name="Straight Arrow Connector 52"/>
+            <p:cNvCxnSpPr/>
+            <p:nvPr/>
+          </p:nvCxnSpPr>
+          <p:spPr>
+            <a:xfrm>
+              <a:off x="7406257" y="5313756"/>
+              <a:ext cx="0" cy="325115"/>
+            </a:xfrm>
+            <a:prstGeom prst="straightConnector1">
+              <a:avLst/>
+            </a:prstGeom>
+            <a:ln w="12700">
+              <a:solidFill>
+                <a:schemeClr val="tx1"/>
+              </a:solidFill>
+              <a:tailEnd type="stealth"/>
+            </a:ln>
+          </p:spPr>
+          <p:style>
+            <a:lnRef idx="1">
+              <a:schemeClr val="accent1"/>
+            </a:lnRef>
+            <a:fillRef idx="0">
+              <a:schemeClr val="accent1"/>
+            </a:fillRef>
+            <a:effectRef idx="0">
+              <a:schemeClr val="accent1"/>
+            </a:effectRef>
+            <a:fontRef idx="minor">
+              <a:schemeClr val="tx1"/>
+            </a:fontRef>
+          </p:style>
+        </p:cxnSp>
+        <p:sp>
+          <p:nvSpPr>
+            <p:cNvPr id="54" name="Rectangle 53"/>
+            <p:cNvSpPr/>
+            <p:nvPr/>
+          </p:nvSpPr>
+          <p:spPr>
+            <a:xfrm>
+              <a:off x="6624227" y="5638871"/>
+              <a:ext cx="1584176" cy="432048"/>
+            </a:xfrm>
+            <a:prstGeom prst="rect">
+              <a:avLst/>
+            </a:prstGeom>
+            <a:solidFill>
+              <a:srgbClr val="F5A300"/>
+            </a:solidFill>
+            <a:ln>
+              <a:solidFill>
+                <a:schemeClr val="tx1"/>
+              </a:solidFill>
+            </a:ln>
+          </p:spPr>
+          <p:style>
+            <a:lnRef idx="2">
+              <a:schemeClr val="accent1">
+                <a:shade val="50000"/>
+              </a:schemeClr>
+            </a:lnRef>
+            <a:fillRef idx="1">
+              <a:schemeClr val="accent1"/>
+            </a:fillRef>
+            <a:effectRef idx="0">
+              <a:schemeClr val="accent1"/>
+            </a:effectRef>
+            <a:fontRef idx="minor">
+              <a:schemeClr val="lt1"/>
+            </a:fontRef>
+          </p:style>
+          <p:txBody>
+            <a:bodyPr rtlCol="0" anchor="ctr"/>
+            <a:lstStyle/>
+            <a:p>
+              <a:pPr algn="ctr"/>
+              <a:r>
+                <a:rPr lang="en-US" sz="1400" dirty="0" smtClean="0">
+                  <a:solidFill>
+                    <a:schemeClr val="tx1"/>
+                  </a:solidFill>
+                </a:rPr>
+                <a:t>Executable</a:t>
+              </a:r>
+              <a:endParaRPr lang="en-US" sz="1400" dirty="0">
+                <a:solidFill>
+                  <a:schemeClr val="tx1"/>
+                </a:solidFill>
+              </a:endParaRPr>
+            </a:p>
+          </p:txBody>
+        </p:sp>
+      </p:grpSp>
+    </p:spTree>
+    <p:extLst>
+      <p:ext uri="{BB962C8B-B14F-4D97-AF65-F5344CB8AC3E}">
+        <p14:creationId xmlns:p14="http://schemas.microsoft.com/office/powerpoint/2010/main" val="142248112"/>
+      </p:ext>
+    </p:extLst>
+  </p:cSld>
+  <p:clrMapOvr>
+    <a:masterClrMapping/>
+  </p:clrMapOvr>
+  <p:transition spd="slow">
+    <p:wipe/>
+  </p:transition>
+  <p:timing>
+    <p:tnLst>
+      <p:par>
+        <p:cTn id="1" dur="indefinite" restart="never" nodeType="tmRoot"/>
+      </p:par>
+    </p:tnLst>
+  </p:timing>
+</p:sld>
+</file>
+
+<file path=ppt/slides/slide24.xml><?xml version="1.0" encoding="utf-8"?>
+<p:sld xmlns:a="http://schemas.openxmlformats.org/drawingml/2006/main" xmlns:r="http://schemas.openxmlformats.org/officeDocument/2006/relationships" xmlns:p="http://schemas.openxmlformats.org/presentationml/2006/main">
+  <p:cSld>
+    <p:spTree>
+      <p:nvGrpSpPr>
+        <p:cNvPr id="1" name=""/>
+        <p:cNvGrpSpPr/>
+        <p:nvPr/>
+      </p:nvGrpSpPr>
+      <p:grpSpPr>
+        <a:xfrm>
+          <a:off x="0" y="0"/>
+          <a:ext cx="0" cy="0"/>
+          <a:chOff x="0" y="0"/>
+          <a:chExt cx="0" cy="0"/>
+        </a:xfrm>
+      </p:grpSpPr>
+      <p:sp>
+        <p:nvSpPr>
+          <p:cNvPr id="2" name="Title 1"/>
+          <p:cNvSpPr>
+            <a:spLocks noGrp="1"/>
+          </p:cNvSpPr>
+          <p:nvPr>
+            <p:ph type="title"/>
+          </p:nvPr>
+        </p:nvSpPr>
+        <p:spPr/>
+        <p:txBody>
+          <a:bodyPr/>
+          <a:lstStyle/>
+          <a:p>
+            <a:r>
+              <a:rPr lang="en-US" dirty="0"/>
+              <a:t>Outline</a:t>
+            </a:r>
+          </a:p>
+        </p:txBody>
+      </p:sp>
+      <p:sp>
+        <p:nvSpPr>
+          <p:cNvPr id="3" name="Content Placeholder 2"/>
+          <p:cNvSpPr>
+            <a:spLocks noGrp="1"/>
+          </p:cNvSpPr>
+          <p:nvPr>
+            <p:ph idx="1"/>
+          </p:nvPr>
+        </p:nvSpPr>
+        <p:spPr/>
+        <p:txBody>
+          <a:bodyPr/>
+          <a:lstStyle/>
+          <a:p>
+            <a:pPr marL="342900" indent="-342900">
+              <a:buFont typeface="Arial" panose="020B0604020202020204" pitchFamily="34" charset="0"/>
+              <a:buChar char="•"/>
+            </a:pPr>
+            <a:r>
+              <a:rPr lang="en-US" dirty="0" smtClean="0"/>
+              <a:t>Introduction</a:t>
+            </a:r>
+            <a:endParaRPr lang="en-US" dirty="0"/>
+          </a:p>
+          <a:p>
+            <a:pPr marL="342900" indent="-342900">
+              <a:buFont typeface="Arial" panose="020B0604020202020204" pitchFamily="34" charset="0"/>
+              <a:buChar char="•"/>
+            </a:pPr>
+            <a:r>
+              <a:rPr lang="en-US" dirty="0"/>
+              <a:t>State of the Art</a:t>
+            </a:r>
+          </a:p>
+          <a:p>
+            <a:pPr marL="342900" indent="-342900">
+              <a:buFont typeface="Arial" panose="020B0604020202020204" pitchFamily="34" charset="0"/>
+              <a:buChar char="•"/>
+            </a:pPr>
+            <a:r>
+              <a:rPr lang="en-US" dirty="0" smtClean="0"/>
+              <a:t>Objectives</a:t>
+            </a:r>
+          </a:p>
+          <a:p>
+            <a:pPr marL="342900" indent="-342900">
+              <a:buFont typeface="Arial" panose="020B0604020202020204" pitchFamily="34" charset="0"/>
+              <a:buChar char="•"/>
+            </a:pPr>
+            <a:r>
+              <a:rPr lang="en-US" b="1" dirty="0" smtClean="0"/>
+              <a:t>Approach</a:t>
+            </a:r>
+          </a:p>
+          <a:p>
+            <a:pPr marL="701675" lvl="2" indent="-342900">
+              <a:buFont typeface="Arial" panose="020B0604020202020204" pitchFamily="34" charset="0"/>
+              <a:buChar char="•"/>
+            </a:pPr>
+            <a:r>
+              <a:rPr lang="en-US" dirty="0" smtClean="0"/>
+              <a:t>Instrumentation</a:t>
+            </a:r>
+          </a:p>
+          <a:p>
+            <a:pPr marL="701675" lvl="2" indent="-342900">
+              <a:buFont typeface="Arial" panose="020B0604020202020204" pitchFamily="34" charset="0"/>
+              <a:buChar char="•"/>
+            </a:pPr>
+            <a:r>
+              <a:rPr lang="en-US" dirty="0" smtClean="0"/>
+              <a:t>Profiling and data collection</a:t>
+            </a:r>
+          </a:p>
+          <a:p>
+            <a:pPr marL="701675" lvl="2" indent="-342900">
+              <a:buFont typeface="Arial" panose="020B0604020202020204" pitchFamily="34" charset="0"/>
+              <a:buChar char="•"/>
+            </a:pPr>
+            <a:r>
+              <a:rPr lang="en-US" b="1" dirty="0" smtClean="0"/>
+              <a:t>Challenge</a:t>
+            </a:r>
+          </a:p>
+          <a:p>
+            <a:pPr marL="701675" lvl="2" indent="-342900">
+              <a:buFont typeface="Arial" panose="020B0604020202020204" pitchFamily="34" charset="0"/>
+              <a:buChar char="•"/>
+            </a:pPr>
+            <a:r>
+              <a:rPr lang="en-US" dirty="0" smtClean="0"/>
+              <a:t>Solution</a:t>
+            </a:r>
+          </a:p>
+          <a:p>
+            <a:pPr marL="342900" lvl="1" indent="-342900">
+              <a:buFont typeface="Arial" panose="020B0604020202020204" pitchFamily="34" charset="0"/>
+              <a:buChar char="•"/>
+            </a:pPr>
+            <a:r>
+              <a:rPr lang="en-US" dirty="0" smtClean="0"/>
+              <a:t>Evaluation </a:t>
+            </a:r>
+          </a:p>
+        </p:txBody>
+      </p:sp>
+    </p:spTree>
+    <p:extLst>
+      <p:ext uri="{BB962C8B-B14F-4D97-AF65-F5344CB8AC3E}">
+        <p14:creationId xmlns:p14="http://schemas.microsoft.com/office/powerpoint/2010/main" val="1859360118"/>
+      </p:ext>
+    </p:extLst>
+  </p:cSld>
+  <p:clrMapOvr>
+    <a:masterClrMapping/>
+  </p:clrMapOvr>
+  <p:transition spd="slow">
+    <p:wipe/>
+  </p:transition>
+  <p:timing>
+    <p:tnLst>
+      <p:par>
+        <p:cTn id="1" dur="indefinite" restart="never" nodeType="tmRoot"/>
+      </p:par>
+    </p:tnLst>
+  </p:timing>
+</p:sld>
+</file>
+
+<file path=ppt/slides/slide25.xml><?xml version="1.0" encoding="utf-8"?>
 <p:sld xmlns:a="http://schemas.openxmlformats.org/drawingml/2006/main" xmlns:r="http://schemas.openxmlformats.org/officeDocument/2006/relationships" xmlns:p="http://schemas.openxmlformats.org/presentationml/2006/main">
   <p:cSld>
     <p:spTree>
@@ -20556,7 +23475,7 @@
 </p:sld>
 </file>
 
-<file path=ppt/slides/slide21.xml><?xml version="1.0" encoding="utf-8"?>
+<file path=ppt/slides/slide26.xml><?xml version="1.0" encoding="utf-8"?>
 <p:sld xmlns:a="http://schemas.openxmlformats.org/drawingml/2006/main" xmlns:r="http://schemas.openxmlformats.org/officeDocument/2006/relationships" xmlns:p="http://schemas.openxmlformats.org/presentationml/2006/main">
   <p:cSld>
     <p:spTree>
@@ -20725,7 +23644,7 @@
 </p:sld>
 </file>
 
-<file path=ppt/slides/slide22.xml><?xml version="1.0" encoding="utf-8"?>
+<file path=ppt/slides/slide27.xml><?xml version="1.0" encoding="utf-8"?>
 <p:sld xmlns:a="http://schemas.openxmlformats.org/drawingml/2006/main" xmlns:r="http://schemas.openxmlformats.org/officeDocument/2006/relationships" xmlns:p="http://schemas.openxmlformats.org/presentationml/2006/main">
   <p:cSld>
     <p:spTree>
@@ -22614,7 +25533,7 @@
 </p:sld>
 </file>
 
-<file path=ppt/slides/slide23.xml><?xml version="1.0" encoding="utf-8"?>
+<file path=ppt/slides/slide28.xml><?xml version="1.0" encoding="utf-8"?>
 <p:sld xmlns:a="http://schemas.openxmlformats.org/drawingml/2006/main" xmlns:r="http://schemas.openxmlformats.org/officeDocument/2006/relationships" xmlns:p="http://schemas.openxmlformats.org/presentationml/2006/main">
   <p:cSld>
     <p:spTree>
@@ -22753,7 +25672,7 @@
 </p:sld>
 </file>
 
-<file path=ppt/slides/slide24.xml><?xml version="1.0" encoding="utf-8"?>
+<file path=ppt/slides/slide29.xml><?xml version="1.0" encoding="utf-8"?>
 <p:sld xmlns:a="http://schemas.openxmlformats.org/drawingml/2006/main" xmlns:r="http://schemas.openxmlformats.org/officeDocument/2006/relationships" xmlns:p="http://schemas.openxmlformats.org/presentationml/2006/main">
   <p:cSld>
     <p:spTree>
@@ -23443,122 +26362,6 @@
 </p:sld>
 </file>
 
-<file path=ppt/slides/slide25.xml><?xml version="1.0" encoding="utf-8"?>
-<p:sld xmlns:a="http://schemas.openxmlformats.org/drawingml/2006/main" xmlns:r="http://schemas.openxmlformats.org/officeDocument/2006/relationships" xmlns:p="http://schemas.openxmlformats.org/presentationml/2006/main">
-  <p:cSld>
-    <p:spTree>
-      <p:nvGrpSpPr>
-        <p:cNvPr id="1" name=""/>
-        <p:cNvGrpSpPr/>
-        <p:nvPr/>
-      </p:nvGrpSpPr>
-      <p:grpSpPr>
-        <a:xfrm>
-          <a:off x="0" y="0"/>
-          <a:ext cx="0" cy="0"/>
-          <a:chOff x="0" y="0"/>
-          <a:chExt cx="0" cy="0"/>
-        </a:xfrm>
-      </p:grpSpPr>
-      <p:sp>
-        <p:nvSpPr>
-          <p:cNvPr id="2" name="Title 1"/>
-          <p:cNvSpPr>
-            <a:spLocks noGrp="1"/>
-          </p:cNvSpPr>
-          <p:nvPr>
-            <p:ph type="title"/>
-          </p:nvPr>
-        </p:nvSpPr>
-        <p:spPr/>
-        <p:txBody>
-          <a:bodyPr/>
-          <a:lstStyle/>
-          <a:p>
-            <a:r>
-              <a:rPr lang="en-US" dirty="0" smtClean="0"/>
-              <a:t>Thanks</a:t>
-            </a:r>
-            <a:endParaRPr lang="en-US" dirty="0"/>
-          </a:p>
-        </p:txBody>
-      </p:sp>
-      <p:sp>
-        <p:nvSpPr>
-          <p:cNvPr id="3" name="Content Placeholder 2"/>
-          <p:cNvSpPr>
-            <a:spLocks noGrp="1"/>
-          </p:cNvSpPr>
-          <p:nvPr>
-            <p:ph idx="1"/>
-          </p:nvPr>
-        </p:nvSpPr>
-        <p:spPr>
-          <a:xfrm>
-            <a:off x="251520" y="1620000"/>
-            <a:ext cx="8640960" cy="4479943"/>
-          </a:xfrm>
-        </p:spPr>
-        <p:txBody>
-          <a:bodyPr anchor="ctr"/>
-          <a:lstStyle/>
-          <a:p>
-            <a:pPr algn="ctr"/>
-            <a:r>
-              <a:rPr lang="en-US" dirty="0" smtClean="0"/>
-              <a:t>Thank you for your attention </a:t>
-            </a:r>
-            <a:r>
-              <a:rPr lang="en-US" dirty="0" smtClean="0">
-                <a:sym typeface="Wingdings"/>
-              </a:rPr>
-              <a:t> </a:t>
-            </a:r>
-          </a:p>
-          <a:p>
-            <a:pPr algn="ctr"/>
-            <a:r>
-              <a:rPr lang="en-US" dirty="0" smtClean="0">
-                <a:sym typeface="Wingdings"/>
-              </a:rPr>
-              <a:t>Questions?</a:t>
-            </a:r>
-            <a:endParaRPr lang="en-US" dirty="0"/>
-          </a:p>
-        </p:txBody>
-      </p:sp>
-    </p:spTree>
-    <p:extLst>
-      <p:ext uri="{BB962C8B-B14F-4D97-AF65-F5344CB8AC3E}">
-        <p14:creationId xmlns:p14="http://schemas.microsoft.com/office/powerpoint/2010/main" val="1456552065"/>
-      </p:ext>
-    </p:extLst>
-  </p:cSld>
-  <p:clrMapOvr>
-    <a:masterClrMapping/>
-  </p:clrMapOvr>
-  <mc:AlternateContent xmlns:mc="http://schemas.openxmlformats.org/markup-compatibility/2006" xmlns:p15="http://schemas.microsoft.com/office/powerpoint/2012/main">
-    <mc:Choice Requires="p15">
-      <p:transition xmlns:p14="http://schemas.microsoft.com/office/powerpoint/2010/main" spd="slow" p14:dur="2000">
-        <p15:prstTrans prst="prestige"/>
-      </p:transition>
-    </mc:Choice>
-    <mc:Fallback xmlns="">
-      <p:transition spd="slow">
-        <p:fade/>
-      </p:transition>
-    </mc:Fallback>
-  </mc:AlternateContent>
-  <p:timing>
-    <p:tnLst>
-      <p:par>
-        <p:cTn id="1" dur="indefinite" restart="never" nodeType="tmRoot"/>
-      </p:par>
-    </p:tnLst>
-  </p:timing>
-</p:sld>
-</file>
-
 <file path=ppt/slides/slide3.xml><?xml version="1.0" encoding="utf-8"?>
 <p:sld xmlns:a="http://schemas.openxmlformats.org/drawingml/2006/main" xmlns:r="http://schemas.openxmlformats.org/officeDocument/2006/relationships" xmlns:p="http://schemas.openxmlformats.org/presentationml/2006/main">
   <p:cSld>
@@ -23700,6 +26503,1543 @@
   <p:transition spd="slow">
     <p:wipe/>
   </p:transition>
+  <p:timing>
+    <p:tnLst>
+      <p:par>
+        <p:cTn id="1" dur="indefinite" restart="never" nodeType="tmRoot"/>
+      </p:par>
+    </p:tnLst>
+  </p:timing>
+</p:sld>
+</file>
+
+<file path=ppt/slides/slide30.xml><?xml version="1.0" encoding="utf-8"?>
+<p:sld xmlns:a="http://schemas.openxmlformats.org/drawingml/2006/main" xmlns:r="http://schemas.openxmlformats.org/officeDocument/2006/relationships" xmlns:p="http://schemas.openxmlformats.org/presentationml/2006/main">
+  <p:cSld>
+    <p:spTree>
+      <p:nvGrpSpPr>
+        <p:cNvPr id="1" name=""/>
+        <p:cNvGrpSpPr/>
+        <p:nvPr/>
+      </p:nvGrpSpPr>
+      <p:grpSpPr>
+        <a:xfrm>
+          <a:off x="0" y="0"/>
+          <a:ext cx="0" cy="0"/>
+          <a:chOff x="0" y="0"/>
+          <a:chExt cx="0" cy="0"/>
+        </a:xfrm>
+      </p:grpSpPr>
+      <p:sp>
+        <p:nvSpPr>
+          <p:cNvPr id="2" name="Title 1"/>
+          <p:cNvSpPr>
+            <a:spLocks noGrp="1"/>
+          </p:cNvSpPr>
+          <p:nvPr>
+            <p:ph type="title"/>
+          </p:nvPr>
+        </p:nvSpPr>
+        <p:spPr/>
+        <p:txBody>
+          <a:bodyPr/>
+          <a:lstStyle/>
+          <a:p>
+            <a:pPr marL="701675" marR="0" lvl="2" indent="-342900" defTabSz="914400" eaLnBrk="1" fontAlgn="auto" latinLnBrk="0" hangingPunct="1">
+              <a:lnSpc>
+                <a:spcPct val="100000"/>
+              </a:lnSpc>
+              <a:spcBef>
+                <a:spcPts val="0"/>
+              </a:spcBef>
+              <a:spcAft>
+                <a:spcPts val="0"/>
+              </a:spcAft>
+              <a:buClrTx/>
+              <a:buSzTx/>
+              <a:buFont typeface="Arial" panose="020B0604020202020204" pitchFamily="34" charset="0"/>
+              <a:buNone/>
+              <a:tabLst/>
+              <a:defRPr/>
+            </a:pPr>
+            <a:r>
+              <a:rPr lang="en-US" dirty="0" smtClean="0"/>
+              <a:t>Work Plan</a:t>
+            </a:r>
+            <a:endParaRPr lang="en-US" dirty="0"/>
+          </a:p>
+        </p:txBody>
+      </p:sp>
+      <p:sp>
+        <p:nvSpPr>
+          <p:cNvPr id="3" name="Content Placeholder 2"/>
+          <p:cNvSpPr>
+            <a:spLocks noGrp="1"/>
+          </p:cNvSpPr>
+          <p:nvPr>
+            <p:ph idx="1"/>
+          </p:nvPr>
+        </p:nvSpPr>
+        <p:spPr>
+          <a:xfrm>
+            <a:off x="167996" y="1556792"/>
+            <a:ext cx="8724484" cy="4615723"/>
+          </a:xfrm>
+        </p:spPr>
+        <p:txBody>
+          <a:bodyPr/>
+          <a:lstStyle/>
+          <a:p>
+            <a:pPr marL="342900" indent="-342900">
+              <a:buFont typeface="Arial" charset="0"/>
+              <a:buChar char="•"/>
+            </a:pPr>
+            <a:endParaRPr lang="en-US" dirty="0" smtClean="0"/>
+          </a:p>
+        </p:txBody>
+      </p:sp>
+      <p:sp>
+        <p:nvSpPr>
+          <p:cNvPr id="44" name="TextBox 43"/>
+          <p:cNvSpPr txBox="1"/>
+          <p:nvPr/>
+        </p:nvSpPr>
+        <p:spPr>
+          <a:xfrm>
+            <a:off x="8407516" y="3581646"/>
+            <a:ext cx="537880" cy="246221"/>
+          </a:xfrm>
+          <a:prstGeom prst="rect">
+            <a:avLst/>
+          </a:prstGeom>
+          <a:noFill/>
+        </p:spPr>
+        <p:txBody>
+          <a:bodyPr wrap="square" rtlCol="0">
+            <a:spAutoFit/>
+          </a:bodyPr>
+          <a:lstStyle/>
+          <a:p>
+            <a:r>
+              <a:rPr lang="en-US" sz="1000" dirty="0" smtClean="0">
+                <a:solidFill>
+                  <a:schemeClr val="accent6">
+                    <a:lumMod val="75000"/>
+                  </a:schemeClr>
+                </a:solidFill>
+              </a:rPr>
+              <a:t>Month</a:t>
+            </a:r>
+            <a:endParaRPr lang="en-US" sz="1000" dirty="0">
+              <a:solidFill>
+                <a:schemeClr val="accent6">
+                  <a:lumMod val="75000"/>
+                </a:schemeClr>
+              </a:solidFill>
+            </a:endParaRPr>
+          </a:p>
+        </p:txBody>
+      </p:sp>
+      <p:grpSp>
+        <p:nvGrpSpPr>
+          <p:cNvPr id="89" name="Group 88"/>
+          <p:cNvGrpSpPr/>
+          <p:nvPr/>
+        </p:nvGrpSpPr>
+        <p:grpSpPr>
+          <a:xfrm>
+            <a:off x="611421" y="3512720"/>
+            <a:ext cx="7849011" cy="684479"/>
+            <a:chOff x="611421" y="3512720"/>
+            <a:chExt cx="7849011" cy="684479"/>
+          </a:xfrm>
+        </p:grpSpPr>
+        <p:cxnSp>
+          <p:nvCxnSpPr>
+            <p:cNvPr id="61" name="Straight Connector 60"/>
+            <p:cNvCxnSpPr/>
+            <p:nvPr/>
+          </p:nvCxnSpPr>
+          <p:spPr>
+            <a:xfrm flipV="1">
+              <a:off x="1796175" y="3538897"/>
+              <a:ext cx="0" cy="219663"/>
+            </a:xfrm>
+            <a:prstGeom prst="line">
+              <a:avLst/>
+            </a:prstGeom>
+            <a:ln w="38100">
+              <a:solidFill>
+                <a:schemeClr val="accent6">
+                  <a:lumMod val="75000"/>
+                </a:schemeClr>
+              </a:solidFill>
+            </a:ln>
+          </p:spPr>
+          <p:style>
+            <a:lnRef idx="1">
+              <a:schemeClr val="accent1"/>
+            </a:lnRef>
+            <a:fillRef idx="0">
+              <a:schemeClr val="accent1"/>
+            </a:fillRef>
+            <a:effectRef idx="0">
+              <a:schemeClr val="accent1"/>
+            </a:effectRef>
+            <a:fontRef idx="minor">
+              <a:schemeClr val="tx1"/>
+            </a:fontRef>
+          </p:style>
+        </p:cxnSp>
+        <p:grpSp>
+          <p:nvGrpSpPr>
+            <p:cNvPr id="86" name="Group 85"/>
+            <p:cNvGrpSpPr/>
+            <p:nvPr/>
+          </p:nvGrpSpPr>
+          <p:grpSpPr>
+            <a:xfrm>
+              <a:off x="611421" y="3512720"/>
+              <a:ext cx="7849011" cy="684479"/>
+              <a:chOff x="611421" y="4520833"/>
+              <a:chExt cx="7849011" cy="684479"/>
+            </a:xfrm>
+            <a:solidFill>
+              <a:schemeClr val="bg1"/>
+            </a:solidFill>
+          </p:grpSpPr>
+          <p:grpSp>
+            <p:nvGrpSpPr>
+              <p:cNvPr id="82" name="Group 81"/>
+              <p:cNvGrpSpPr/>
+              <p:nvPr/>
+            </p:nvGrpSpPr>
+            <p:grpSpPr>
+              <a:xfrm>
+                <a:off x="611421" y="4520833"/>
+                <a:ext cx="7849011" cy="684479"/>
+                <a:chOff x="563432" y="4520833"/>
+                <a:chExt cx="7849011" cy="684479"/>
+              </a:xfrm>
+              <a:grpFill/>
+            </p:grpSpPr>
+            <p:sp>
+              <p:nvSpPr>
+                <p:cNvPr id="51" name="TextBox 50"/>
+                <p:cNvSpPr txBox="1"/>
+                <p:nvPr/>
+              </p:nvSpPr>
+              <p:spPr>
+                <a:xfrm>
+                  <a:off x="3945921" y="4835980"/>
+                  <a:ext cx="335985" cy="369332"/>
+                </a:xfrm>
+                <a:prstGeom prst="rect">
+                  <a:avLst/>
+                </a:prstGeom>
+                <a:grpFill/>
+              </p:spPr>
+              <p:txBody>
+                <a:bodyPr wrap="square" rtlCol="0">
+                  <a:spAutoFit/>
+                </a:bodyPr>
+                <a:lstStyle/>
+                <a:p>
+                  <a:r>
+                    <a:rPr lang="en-US" dirty="0" smtClean="0">
+                      <a:solidFill>
+                        <a:schemeClr val="accent6">
+                          <a:lumMod val="75000"/>
+                        </a:schemeClr>
+                      </a:solidFill>
+                    </a:rPr>
+                    <a:t>3</a:t>
+                  </a:r>
+                  <a:endParaRPr lang="en-US" dirty="0">
+                    <a:solidFill>
+                      <a:schemeClr val="accent6">
+                        <a:lumMod val="75000"/>
+                      </a:schemeClr>
+                    </a:solidFill>
+                  </a:endParaRPr>
+                </a:p>
+              </p:txBody>
+            </p:sp>
+            <p:sp>
+              <p:nvSpPr>
+                <p:cNvPr id="52" name="TextBox 51"/>
+                <p:cNvSpPr txBox="1"/>
+                <p:nvPr/>
+              </p:nvSpPr>
+              <p:spPr>
+                <a:xfrm>
+                  <a:off x="2764951" y="4835980"/>
+                  <a:ext cx="335985" cy="369332"/>
+                </a:xfrm>
+                <a:prstGeom prst="rect">
+                  <a:avLst/>
+                </a:prstGeom>
+                <a:grpFill/>
+              </p:spPr>
+              <p:txBody>
+                <a:bodyPr wrap="square" rtlCol="0">
+                  <a:spAutoFit/>
+                </a:bodyPr>
+                <a:lstStyle/>
+                <a:p>
+                  <a:r>
+                    <a:rPr lang="en-US" dirty="0" smtClean="0">
+                      <a:solidFill>
+                        <a:schemeClr val="accent6">
+                          <a:lumMod val="75000"/>
+                        </a:schemeClr>
+                      </a:solidFill>
+                    </a:rPr>
+                    <a:t>2</a:t>
+                  </a:r>
+                  <a:endParaRPr lang="en-US" dirty="0">
+                    <a:solidFill>
+                      <a:schemeClr val="accent6">
+                        <a:lumMod val="75000"/>
+                      </a:schemeClr>
+                    </a:solidFill>
+                  </a:endParaRPr>
+                </a:p>
+              </p:txBody>
+            </p:sp>
+            <p:sp>
+              <p:nvSpPr>
+                <p:cNvPr id="55" name="TextBox 54"/>
+                <p:cNvSpPr txBox="1"/>
+                <p:nvPr/>
+              </p:nvSpPr>
+              <p:spPr>
+                <a:xfrm>
+                  <a:off x="1584728" y="4835980"/>
+                  <a:ext cx="335985" cy="369332"/>
+                </a:xfrm>
+                <a:prstGeom prst="rect">
+                  <a:avLst/>
+                </a:prstGeom>
+                <a:grpFill/>
+              </p:spPr>
+              <p:txBody>
+                <a:bodyPr wrap="square" rtlCol="0">
+                  <a:spAutoFit/>
+                </a:bodyPr>
+                <a:lstStyle/>
+                <a:p>
+                  <a:r>
+                    <a:rPr lang="en-US" dirty="0" smtClean="0">
+                      <a:solidFill>
+                        <a:schemeClr val="accent6">
+                          <a:lumMod val="75000"/>
+                        </a:schemeClr>
+                      </a:solidFill>
+                    </a:rPr>
+                    <a:t>1</a:t>
+                  </a:r>
+                  <a:endParaRPr lang="en-US" dirty="0">
+                    <a:solidFill>
+                      <a:schemeClr val="accent6">
+                        <a:lumMod val="75000"/>
+                      </a:schemeClr>
+                    </a:solidFill>
+                  </a:endParaRPr>
+                </a:p>
+              </p:txBody>
+            </p:sp>
+            <p:sp>
+              <p:nvSpPr>
+                <p:cNvPr id="71" name="TextBox 70"/>
+                <p:cNvSpPr txBox="1"/>
+                <p:nvPr/>
+              </p:nvSpPr>
+              <p:spPr>
+                <a:xfrm>
+                  <a:off x="5128479" y="4835980"/>
+                  <a:ext cx="335985" cy="369332"/>
+                </a:xfrm>
+                <a:prstGeom prst="rect">
+                  <a:avLst/>
+                </a:prstGeom>
+                <a:grpFill/>
+              </p:spPr>
+              <p:txBody>
+                <a:bodyPr wrap="square" rtlCol="0">
+                  <a:spAutoFit/>
+                </a:bodyPr>
+                <a:lstStyle/>
+                <a:p>
+                  <a:r>
+                    <a:rPr lang="en-US" dirty="0" smtClean="0">
+                      <a:solidFill>
+                        <a:schemeClr val="accent6">
+                          <a:lumMod val="75000"/>
+                        </a:schemeClr>
+                      </a:solidFill>
+                    </a:rPr>
+                    <a:t>4</a:t>
+                  </a:r>
+                  <a:endParaRPr lang="en-US" dirty="0">
+                    <a:solidFill>
+                      <a:schemeClr val="accent6">
+                        <a:lumMod val="75000"/>
+                      </a:schemeClr>
+                    </a:solidFill>
+                  </a:endParaRPr>
+                </a:p>
+              </p:txBody>
+            </p:sp>
+            <p:sp>
+              <p:nvSpPr>
+                <p:cNvPr id="72" name="TextBox 71"/>
+                <p:cNvSpPr txBox="1"/>
+                <p:nvPr/>
+              </p:nvSpPr>
+              <p:spPr>
+                <a:xfrm>
+                  <a:off x="6309245" y="4835980"/>
+                  <a:ext cx="335985" cy="369332"/>
+                </a:xfrm>
+                <a:prstGeom prst="rect">
+                  <a:avLst/>
+                </a:prstGeom>
+                <a:grpFill/>
+              </p:spPr>
+              <p:txBody>
+                <a:bodyPr wrap="square" rtlCol="0">
+                  <a:spAutoFit/>
+                </a:bodyPr>
+                <a:lstStyle/>
+                <a:p>
+                  <a:r>
+                    <a:rPr lang="en-US" dirty="0" smtClean="0">
+                      <a:solidFill>
+                        <a:schemeClr val="accent6">
+                          <a:lumMod val="75000"/>
+                        </a:schemeClr>
+                      </a:solidFill>
+                    </a:rPr>
+                    <a:t>5</a:t>
+                  </a:r>
+                  <a:endParaRPr lang="en-US" dirty="0">
+                    <a:solidFill>
+                      <a:schemeClr val="accent6">
+                        <a:lumMod val="75000"/>
+                      </a:schemeClr>
+                    </a:solidFill>
+                  </a:endParaRPr>
+                </a:p>
+              </p:txBody>
+            </p:sp>
+            <p:sp>
+              <p:nvSpPr>
+                <p:cNvPr id="73" name="TextBox 72"/>
+                <p:cNvSpPr txBox="1"/>
+                <p:nvPr/>
+              </p:nvSpPr>
+              <p:spPr>
+                <a:xfrm>
+                  <a:off x="7490009" y="4835980"/>
+                  <a:ext cx="335985" cy="369332"/>
+                </a:xfrm>
+                <a:prstGeom prst="rect">
+                  <a:avLst/>
+                </a:prstGeom>
+                <a:grpFill/>
+              </p:spPr>
+              <p:txBody>
+                <a:bodyPr wrap="square" rtlCol="0">
+                  <a:spAutoFit/>
+                </a:bodyPr>
+                <a:lstStyle/>
+                <a:p>
+                  <a:r>
+                    <a:rPr lang="en-US" dirty="0">
+                      <a:solidFill>
+                        <a:schemeClr val="accent6">
+                          <a:lumMod val="75000"/>
+                        </a:schemeClr>
+                      </a:solidFill>
+                    </a:rPr>
+                    <a:t>6</a:t>
+                  </a:r>
+                  <a:endParaRPr lang="en-US" dirty="0">
+                    <a:solidFill>
+                      <a:schemeClr val="accent6">
+                        <a:lumMod val="75000"/>
+                      </a:schemeClr>
+                    </a:solidFill>
+                  </a:endParaRPr>
+                </a:p>
+              </p:txBody>
+            </p:sp>
+            <p:grpSp>
+              <p:nvGrpSpPr>
+                <p:cNvPr id="81" name="Group 80"/>
+                <p:cNvGrpSpPr/>
+                <p:nvPr/>
+              </p:nvGrpSpPr>
+              <p:grpSpPr>
+                <a:xfrm>
+                  <a:off x="563432" y="4520833"/>
+                  <a:ext cx="7849011" cy="347124"/>
+                  <a:chOff x="563432" y="4520833"/>
+                  <a:chExt cx="7849011" cy="347124"/>
+                </a:xfrm>
+                <a:grpFill/>
+              </p:grpSpPr>
+              <p:grpSp>
+                <p:nvGrpSpPr>
+                  <p:cNvPr id="15" name="Group 14"/>
+                  <p:cNvGrpSpPr/>
+                  <p:nvPr/>
+                </p:nvGrpSpPr>
+                <p:grpSpPr>
+                  <a:xfrm>
+                    <a:off x="1748187" y="4520833"/>
+                    <a:ext cx="6664256" cy="229593"/>
+                    <a:chOff x="1396733" y="5087058"/>
+                    <a:chExt cx="6480720" cy="150526"/>
+                  </a:xfrm>
+                  <a:grpFill/>
+                </p:grpSpPr>
+                <p:cxnSp>
+                  <p:nvCxnSpPr>
+                    <p:cNvPr id="20" name="Straight Arrow Connector 19"/>
+                    <p:cNvCxnSpPr/>
+                    <p:nvPr/>
+                  </p:nvCxnSpPr>
+                  <p:spPr>
+                    <a:xfrm>
+                      <a:off x="1396733" y="5237584"/>
+                      <a:ext cx="6480720" cy="0"/>
+                    </a:xfrm>
+                    <a:prstGeom prst="straightConnector1">
+                      <a:avLst/>
+                    </a:prstGeom>
+                    <a:grpFill/>
+                    <a:ln w="57150" cap="flat">
+                      <a:solidFill>
+                        <a:schemeClr val="accent2">
+                          <a:lumMod val="75000"/>
+                        </a:schemeClr>
+                      </a:solidFill>
+                      <a:round/>
+                      <a:tailEnd type="triangle"/>
+                    </a:ln>
+                  </p:spPr>
+                  <p:style>
+                    <a:lnRef idx="1">
+                      <a:schemeClr val="accent1"/>
+                    </a:lnRef>
+                    <a:fillRef idx="0">
+                      <a:schemeClr val="accent1"/>
+                    </a:fillRef>
+                    <a:effectRef idx="0">
+                      <a:schemeClr val="accent1"/>
+                    </a:effectRef>
+                    <a:fontRef idx="minor">
+                      <a:schemeClr val="tx1"/>
+                    </a:fontRef>
+                  </p:style>
+                </p:cxnSp>
+                <p:cxnSp>
+                  <p:nvCxnSpPr>
+                    <p:cNvPr id="22" name="Straight Connector 21"/>
+                    <p:cNvCxnSpPr/>
+                    <p:nvPr/>
+                  </p:nvCxnSpPr>
+                  <p:spPr>
+                    <a:xfrm>
+                      <a:off x="1396733" y="5231081"/>
+                      <a:ext cx="576064" cy="0"/>
+                    </a:xfrm>
+                    <a:prstGeom prst="line">
+                      <a:avLst/>
+                    </a:prstGeom>
+                    <a:grpFill/>
+                    <a:ln w="34925">
+                      <a:solidFill>
+                        <a:schemeClr val="accent6">
+                          <a:lumMod val="75000"/>
+                        </a:schemeClr>
+                      </a:solidFill>
+                    </a:ln>
+                  </p:spPr>
+                  <p:style>
+                    <a:lnRef idx="1">
+                      <a:schemeClr val="accent1"/>
+                    </a:lnRef>
+                    <a:fillRef idx="0">
+                      <a:schemeClr val="accent1"/>
+                    </a:fillRef>
+                    <a:effectRef idx="0">
+                      <a:schemeClr val="accent1"/>
+                    </a:effectRef>
+                    <a:fontRef idx="minor">
+                      <a:schemeClr val="tx1"/>
+                    </a:fontRef>
+                  </p:style>
+                </p:cxnSp>
+                <p:cxnSp>
+                  <p:nvCxnSpPr>
+                    <p:cNvPr id="26" name="Straight Connector 25"/>
+                    <p:cNvCxnSpPr/>
+                    <p:nvPr/>
+                  </p:nvCxnSpPr>
+                  <p:spPr>
+                    <a:xfrm>
+                      <a:off x="1972797" y="5231080"/>
+                      <a:ext cx="576064" cy="0"/>
+                    </a:xfrm>
+                    <a:prstGeom prst="line">
+                      <a:avLst/>
+                    </a:prstGeom>
+                    <a:grpFill/>
+                    <a:ln w="34925">
+                      <a:solidFill>
+                        <a:schemeClr val="accent6">
+                          <a:lumMod val="75000"/>
+                        </a:schemeClr>
+                      </a:solidFill>
+                    </a:ln>
+                  </p:spPr>
+                  <p:style>
+                    <a:lnRef idx="1">
+                      <a:schemeClr val="accent1"/>
+                    </a:lnRef>
+                    <a:fillRef idx="0">
+                      <a:schemeClr val="accent1"/>
+                    </a:fillRef>
+                    <a:effectRef idx="0">
+                      <a:schemeClr val="accent1"/>
+                    </a:effectRef>
+                    <a:fontRef idx="minor">
+                      <a:schemeClr val="tx1"/>
+                    </a:fontRef>
+                  </p:style>
+                </p:cxnSp>
+                <p:cxnSp>
+                  <p:nvCxnSpPr>
+                    <p:cNvPr id="27" name="Straight Connector 26"/>
+                    <p:cNvCxnSpPr/>
+                    <p:nvPr/>
+                  </p:nvCxnSpPr>
+                  <p:spPr>
+                    <a:xfrm flipV="1">
+                      <a:off x="2548861" y="5087064"/>
+                      <a:ext cx="0" cy="144016"/>
+                    </a:xfrm>
+                    <a:prstGeom prst="line">
+                      <a:avLst/>
+                    </a:prstGeom>
+                    <a:grpFill/>
+                    <a:ln w="38100">
+                      <a:solidFill>
+                        <a:schemeClr val="accent6">
+                          <a:lumMod val="75000"/>
+                        </a:schemeClr>
+                      </a:solidFill>
+                    </a:ln>
+                  </p:spPr>
+                  <p:style>
+                    <a:lnRef idx="1">
+                      <a:schemeClr val="accent1"/>
+                    </a:lnRef>
+                    <a:fillRef idx="0">
+                      <a:schemeClr val="accent1"/>
+                    </a:fillRef>
+                    <a:effectRef idx="0">
+                      <a:schemeClr val="accent1"/>
+                    </a:effectRef>
+                    <a:fontRef idx="minor">
+                      <a:schemeClr val="tx1"/>
+                    </a:fontRef>
+                  </p:style>
+                </p:cxnSp>
+                <p:cxnSp>
+                  <p:nvCxnSpPr>
+                    <p:cNvPr id="31" name="Straight Connector 30"/>
+                    <p:cNvCxnSpPr/>
+                    <p:nvPr/>
+                  </p:nvCxnSpPr>
+                  <p:spPr>
+                    <a:xfrm flipV="1">
+                      <a:off x="3699049" y="5087062"/>
+                      <a:ext cx="0" cy="144016"/>
+                    </a:xfrm>
+                    <a:prstGeom prst="line">
+                      <a:avLst/>
+                    </a:prstGeom>
+                    <a:grpFill/>
+                    <a:ln w="38100">
+                      <a:solidFill>
+                        <a:schemeClr val="accent6">
+                          <a:lumMod val="75000"/>
+                        </a:schemeClr>
+                      </a:solidFill>
+                    </a:ln>
+                  </p:spPr>
+                  <p:style>
+                    <a:lnRef idx="1">
+                      <a:schemeClr val="accent1"/>
+                    </a:lnRef>
+                    <a:fillRef idx="0">
+                      <a:schemeClr val="accent1"/>
+                    </a:fillRef>
+                    <a:effectRef idx="0">
+                      <a:schemeClr val="accent1"/>
+                    </a:effectRef>
+                    <a:fontRef idx="minor">
+                      <a:schemeClr val="tx1"/>
+                    </a:fontRef>
+                  </p:style>
+                </p:cxnSp>
+                <p:cxnSp>
+                  <p:nvCxnSpPr>
+                    <p:cNvPr id="32" name="Straight Connector 31"/>
+                    <p:cNvCxnSpPr/>
+                    <p:nvPr/>
+                  </p:nvCxnSpPr>
+                  <p:spPr>
+                    <a:xfrm>
+                      <a:off x="3697109" y="5231077"/>
+                      <a:ext cx="576064" cy="0"/>
+                    </a:xfrm>
+                    <a:prstGeom prst="line">
+                      <a:avLst/>
+                    </a:prstGeom>
+                    <a:grpFill/>
+                    <a:ln w="34925">
+                      <a:solidFill>
+                        <a:schemeClr val="accent6">
+                          <a:lumMod val="75000"/>
+                        </a:schemeClr>
+                      </a:solidFill>
+                    </a:ln>
+                  </p:spPr>
+                  <p:style>
+                    <a:lnRef idx="1">
+                      <a:schemeClr val="accent1"/>
+                    </a:lnRef>
+                    <a:fillRef idx="0">
+                      <a:schemeClr val="accent1"/>
+                    </a:fillRef>
+                    <a:effectRef idx="0">
+                      <a:schemeClr val="accent1"/>
+                    </a:effectRef>
+                    <a:fontRef idx="minor">
+                      <a:schemeClr val="tx1"/>
+                    </a:fontRef>
+                  </p:style>
+                </p:cxnSp>
+                <p:cxnSp>
+                  <p:nvCxnSpPr>
+                    <p:cNvPr id="34" name="Straight Connector 33"/>
+                    <p:cNvCxnSpPr/>
+                    <p:nvPr/>
+                  </p:nvCxnSpPr>
+                  <p:spPr>
+                    <a:xfrm>
+                      <a:off x="4273173" y="5231076"/>
+                      <a:ext cx="576064" cy="0"/>
+                    </a:xfrm>
+                    <a:prstGeom prst="line">
+                      <a:avLst/>
+                    </a:prstGeom>
+                    <a:grpFill/>
+                    <a:ln w="34925">
+                      <a:solidFill>
+                        <a:schemeClr val="accent6">
+                          <a:lumMod val="75000"/>
+                        </a:schemeClr>
+                      </a:solidFill>
+                    </a:ln>
+                  </p:spPr>
+                  <p:style>
+                    <a:lnRef idx="1">
+                      <a:schemeClr val="accent1"/>
+                    </a:lnRef>
+                    <a:fillRef idx="0">
+                      <a:schemeClr val="accent1"/>
+                    </a:fillRef>
+                    <a:effectRef idx="0">
+                      <a:schemeClr val="accent1"/>
+                    </a:effectRef>
+                    <a:fontRef idx="minor">
+                      <a:schemeClr val="tx1"/>
+                    </a:fontRef>
+                  </p:style>
+                </p:cxnSp>
+                <p:cxnSp>
+                  <p:nvCxnSpPr>
+                    <p:cNvPr id="35" name="Straight Connector 34"/>
+                    <p:cNvCxnSpPr/>
+                    <p:nvPr/>
+                  </p:nvCxnSpPr>
+                  <p:spPr>
+                    <a:xfrm flipV="1">
+                      <a:off x="4849237" y="5087060"/>
+                      <a:ext cx="0" cy="144016"/>
+                    </a:xfrm>
+                    <a:prstGeom prst="line">
+                      <a:avLst/>
+                    </a:prstGeom>
+                    <a:grpFill/>
+                    <a:ln w="38100">
+                      <a:solidFill>
+                        <a:schemeClr val="accent6">
+                          <a:lumMod val="75000"/>
+                        </a:schemeClr>
+                      </a:solidFill>
+                    </a:ln>
+                  </p:spPr>
+                  <p:style>
+                    <a:lnRef idx="1">
+                      <a:schemeClr val="accent1"/>
+                    </a:lnRef>
+                    <a:fillRef idx="0">
+                      <a:schemeClr val="accent1"/>
+                    </a:fillRef>
+                    <a:effectRef idx="0">
+                      <a:schemeClr val="accent1"/>
+                    </a:effectRef>
+                    <a:fontRef idx="minor">
+                      <a:schemeClr val="tx1"/>
+                    </a:fontRef>
+                  </p:style>
+                </p:cxnSp>
+                <p:cxnSp>
+                  <p:nvCxnSpPr>
+                    <p:cNvPr id="36" name="Straight Connector 35"/>
+                    <p:cNvCxnSpPr/>
+                    <p:nvPr/>
+                  </p:nvCxnSpPr>
+                  <p:spPr>
+                    <a:xfrm>
+                      <a:off x="4847297" y="5231075"/>
+                      <a:ext cx="576064" cy="0"/>
+                    </a:xfrm>
+                    <a:prstGeom prst="line">
+                      <a:avLst/>
+                    </a:prstGeom>
+                    <a:grpFill/>
+                    <a:ln w="34925">
+                      <a:solidFill>
+                        <a:schemeClr val="accent6">
+                          <a:lumMod val="75000"/>
+                        </a:schemeClr>
+                      </a:solidFill>
+                    </a:ln>
+                  </p:spPr>
+                  <p:style>
+                    <a:lnRef idx="1">
+                      <a:schemeClr val="accent1"/>
+                    </a:lnRef>
+                    <a:fillRef idx="0">
+                      <a:schemeClr val="accent1"/>
+                    </a:fillRef>
+                    <a:effectRef idx="0">
+                      <a:schemeClr val="accent1"/>
+                    </a:effectRef>
+                    <a:fontRef idx="minor">
+                      <a:schemeClr val="tx1"/>
+                    </a:fontRef>
+                  </p:style>
+                </p:cxnSp>
+                <p:cxnSp>
+                  <p:nvCxnSpPr>
+                    <p:cNvPr id="38" name="Straight Connector 37"/>
+                    <p:cNvCxnSpPr/>
+                    <p:nvPr/>
+                  </p:nvCxnSpPr>
+                  <p:spPr>
+                    <a:xfrm>
+                      <a:off x="5422391" y="5231075"/>
+                      <a:ext cx="576064" cy="0"/>
+                    </a:xfrm>
+                    <a:prstGeom prst="line">
+                      <a:avLst/>
+                    </a:prstGeom>
+                    <a:grpFill/>
+                    <a:ln w="34925">
+                      <a:solidFill>
+                        <a:schemeClr val="accent6">
+                          <a:lumMod val="75000"/>
+                        </a:schemeClr>
+                      </a:solidFill>
+                    </a:ln>
+                  </p:spPr>
+                  <p:style>
+                    <a:lnRef idx="1">
+                      <a:schemeClr val="accent1"/>
+                    </a:lnRef>
+                    <a:fillRef idx="0">
+                      <a:schemeClr val="accent1"/>
+                    </a:fillRef>
+                    <a:effectRef idx="0">
+                      <a:schemeClr val="accent1"/>
+                    </a:effectRef>
+                    <a:fontRef idx="minor">
+                      <a:schemeClr val="tx1"/>
+                    </a:fontRef>
+                  </p:style>
+                </p:cxnSp>
+                <p:cxnSp>
+                  <p:nvCxnSpPr>
+                    <p:cNvPr id="39" name="Straight Connector 38"/>
+                    <p:cNvCxnSpPr/>
+                    <p:nvPr/>
+                  </p:nvCxnSpPr>
+                  <p:spPr>
+                    <a:xfrm flipV="1">
+                      <a:off x="5998455" y="5087059"/>
+                      <a:ext cx="0" cy="144016"/>
+                    </a:xfrm>
+                    <a:prstGeom prst="line">
+                      <a:avLst/>
+                    </a:prstGeom>
+                    <a:grpFill/>
+                    <a:ln w="38100">
+                      <a:solidFill>
+                        <a:schemeClr val="accent6">
+                          <a:lumMod val="75000"/>
+                        </a:schemeClr>
+                      </a:solidFill>
+                    </a:ln>
+                  </p:spPr>
+                  <p:style>
+                    <a:lnRef idx="1">
+                      <a:schemeClr val="accent1"/>
+                    </a:lnRef>
+                    <a:fillRef idx="0">
+                      <a:schemeClr val="accent1"/>
+                    </a:fillRef>
+                    <a:effectRef idx="0">
+                      <a:schemeClr val="accent1"/>
+                    </a:effectRef>
+                    <a:fontRef idx="minor">
+                      <a:schemeClr val="tx1"/>
+                    </a:fontRef>
+                  </p:style>
+                </p:cxnSp>
+                <p:cxnSp>
+                  <p:nvCxnSpPr>
+                    <p:cNvPr id="40" name="Straight Connector 39"/>
+                    <p:cNvCxnSpPr/>
+                    <p:nvPr/>
+                  </p:nvCxnSpPr>
+                  <p:spPr>
+                    <a:xfrm>
+                      <a:off x="5995544" y="5231074"/>
+                      <a:ext cx="576064" cy="0"/>
+                    </a:xfrm>
+                    <a:prstGeom prst="line">
+                      <a:avLst/>
+                    </a:prstGeom>
+                    <a:grpFill/>
+                    <a:ln w="34925">
+                      <a:solidFill>
+                        <a:schemeClr val="accent6">
+                          <a:lumMod val="75000"/>
+                        </a:schemeClr>
+                      </a:solidFill>
+                    </a:ln>
+                  </p:spPr>
+                  <p:style>
+                    <a:lnRef idx="1">
+                      <a:schemeClr val="accent1"/>
+                    </a:lnRef>
+                    <a:fillRef idx="0">
+                      <a:schemeClr val="accent1"/>
+                    </a:fillRef>
+                    <a:effectRef idx="0">
+                      <a:schemeClr val="accent1"/>
+                    </a:effectRef>
+                    <a:fontRef idx="minor">
+                      <a:schemeClr val="tx1"/>
+                    </a:fontRef>
+                  </p:style>
+                </p:cxnSp>
+                <p:cxnSp>
+                  <p:nvCxnSpPr>
+                    <p:cNvPr id="42" name="Straight Connector 41"/>
+                    <p:cNvCxnSpPr/>
+                    <p:nvPr/>
+                  </p:nvCxnSpPr>
+                  <p:spPr>
+                    <a:xfrm>
+                      <a:off x="6567726" y="5231074"/>
+                      <a:ext cx="576064" cy="0"/>
+                    </a:xfrm>
+                    <a:prstGeom prst="line">
+                      <a:avLst/>
+                    </a:prstGeom>
+                    <a:grpFill/>
+                    <a:ln w="34925">
+                      <a:solidFill>
+                        <a:schemeClr val="accent6">
+                          <a:lumMod val="75000"/>
+                        </a:schemeClr>
+                      </a:solidFill>
+                    </a:ln>
+                  </p:spPr>
+                  <p:style>
+                    <a:lnRef idx="1">
+                      <a:schemeClr val="accent1"/>
+                    </a:lnRef>
+                    <a:fillRef idx="0">
+                      <a:schemeClr val="accent1"/>
+                    </a:fillRef>
+                    <a:effectRef idx="0">
+                      <a:schemeClr val="accent1"/>
+                    </a:effectRef>
+                    <a:fontRef idx="minor">
+                      <a:schemeClr val="tx1"/>
+                    </a:fontRef>
+                  </p:style>
+                </p:cxnSp>
+                <p:cxnSp>
+                  <p:nvCxnSpPr>
+                    <p:cNvPr id="43" name="Straight Connector 42"/>
+                    <p:cNvCxnSpPr/>
+                    <p:nvPr/>
+                  </p:nvCxnSpPr>
+                  <p:spPr>
+                    <a:xfrm flipV="1">
+                      <a:off x="7143790" y="5087058"/>
+                      <a:ext cx="0" cy="144016"/>
+                    </a:xfrm>
+                    <a:prstGeom prst="line">
+                      <a:avLst/>
+                    </a:prstGeom>
+                    <a:grpFill/>
+                    <a:ln w="38100">
+                      <a:solidFill>
+                        <a:schemeClr val="accent6">
+                          <a:lumMod val="75000"/>
+                        </a:schemeClr>
+                      </a:solidFill>
+                    </a:ln>
+                  </p:spPr>
+                  <p:style>
+                    <a:lnRef idx="1">
+                      <a:schemeClr val="accent1"/>
+                    </a:lnRef>
+                    <a:fillRef idx="0">
+                      <a:schemeClr val="accent1"/>
+                    </a:fillRef>
+                    <a:effectRef idx="0">
+                      <a:schemeClr val="accent1"/>
+                    </a:effectRef>
+                    <a:fontRef idx="minor">
+                      <a:schemeClr val="tx1"/>
+                    </a:fontRef>
+                  </p:style>
+                </p:cxnSp>
+              </p:grpSp>
+              <p:cxnSp>
+                <p:nvCxnSpPr>
+                  <p:cNvPr id="66" name="Straight Connector 65"/>
+                  <p:cNvCxnSpPr/>
+                  <p:nvPr/>
+                </p:nvCxnSpPr>
+                <p:spPr>
+                  <a:xfrm flipV="1">
+                    <a:off x="563432" y="4648294"/>
+                    <a:ext cx="0" cy="219663"/>
+                  </a:xfrm>
+                  <a:prstGeom prst="line">
+                    <a:avLst/>
+                  </a:prstGeom>
+                  <a:grpFill/>
+                  <a:ln w="38100">
+                    <a:solidFill>
+                      <a:schemeClr val="accent6">
+                        <a:lumMod val="75000"/>
+                      </a:schemeClr>
+                    </a:solidFill>
+                  </a:ln>
+                </p:spPr>
+                <p:style>
+                  <a:lnRef idx="1">
+                    <a:schemeClr val="accent1"/>
+                  </a:lnRef>
+                  <a:fillRef idx="0">
+                    <a:schemeClr val="accent1"/>
+                  </a:fillRef>
+                  <a:effectRef idx="0">
+                    <a:schemeClr val="accent1"/>
+                  </a:effectRef>
+                  <a:fontRef idx="minor">
+                    <a:schemeClr val="tx1"/>
+                  </a:fontRef>
+                </p:style>
+              </p:cxnSp>
+            </p:grpSp>
+          </p:grpSp>
+          <p:cxnSp>
+            <p:nvCxnSpPr>
+              <p:cNvPr id="84" name="Straight Connector 83"/>
+              <p:cNvCxnSpPr/>
+              <p:nvPr/>
+            </p:nvCxnSpPr>
+            <p:spPr>
+              <a:xfrm flipV="1">
+                <a:off x="611421" y="4749579"/>
+                <a:ext cx="1184756" cy="17094"/>
+              </a:xfrm>
+              <a:prstGeom prst="line">
+                <a:avLst/>
+              </a:prstGeom>
+              <a:grpFill/>
+              <a:ln w="57150">
+                <a:solidFill>
+                  <a:schemeClr val="accent6">
+                    <a:lumMod val="75000"/>
+                  </a:schemeClr>
+                </a:solidFill>
+              </a:ln>
+            </p:spPr>
+            <p:style>
+              <a:lnRef idx="1">
+                <a:schemeClr val="accent1"/>
+              </a:lnRef>
+              <a:fillRef idx="0">
+                <a:schemeClr val="accent1"/>
+              </a:fillRef>
+              <a:effectRef idx="0">
+                <a:schemeClr val="accent1"/>
+              </a:effectRef>
+              <a:fontRef idx="minor">
+                <a:schemeClr val="tx1"/>
+              </a:fontRef>
+            </p:style>
+          </p:cxnSp>
+        </p:grpSp>
+      </p:grpSp>
+      <p:sp>
+        <p:nvSpPr>
+          <p:cNvPr id="88" name="Double Bracket 87"/>
+          <p:cNvSpPr/>
+          <p:nvPr/>
+        </p:nvSpPr>
+        <p:spPr>
+          <a:xfrm>
+            <a:off x="611420" y="1772816"/>
+            <a:ext cx="1184755" cy="1715248"/>
+          </a:xfrm>
+          <a:prstGeom prst="bracketPair">
+            <a:avLst/>
+          </a:prstGeom>
+          <a:ln w="28575">
+            <a:solidFill>
+              <a:srgbClr val="C00000">
+                <a:alpha val="96000"/>
+              </a:srgbClr>
+            </a:solidFill>
+          </a:ln>
+        </p:spPr>
+        <p:style>
+          <a:lnRef idx="1">
+            <a:schemeClr val="accent1"/>
+          </a:lnRef>
+          <a:fillRef idx="0">
+            <a:schemeClr val="accent1"/>
+          </a:fillRef>
+          <a:effectRef idx="0">
+            <a:schemeClr val="accent1"/>
+          </a:effectRef>
+          <a:fontRef idx="minor">
+            <a:schemeClr val="tx1"/>
+          </a:fontRef>
+        </p:style>
+        <p:txBody>
+          <a:bodyPr rtlCol="0" anchor="ctr"/>
+          <a:lstStyle/>
+          <a:p>
+            <a:pPr algn="ctr"/>
+            <a:r>
+              <a:rPr lang="en-US" sz="1400" dirty="0" smtClean="0"/>
+              <a:t>Implement </a:t>
+            </a:r>
+            <a:r>
+              <a:rPr lang="en-US" sz="1400" dirty="0" err="1" smtClean="0"/>
+              <a:t>OpenMp</a:t>
+            </a:r>
+            <a:r>
+              <a:rPr lang="en-US" sz="1400" dirty="0" smtClean="0"/>
+              <a:t> LLVM Passes (Synch. /RAW)</a:t>
+            </a:r>
+            <a:endParaRPr lang="en-US" sz="1400" dirty="0"/>
+          </a:p>
+        </p:txBody>
+      </p:sp>
+      <p:sp>
+        <p:nvSpPr>
+          <p:cNvPr id="90" name="Double Bracket 89"/>
+          <p:cNvSpPr/>
+          <p:nvPr/>
+        </p:nvSpPr>
+        <p:spPr>
+          <a:xfrm>
+            <a:off x="1830844" y="4134159"/>
+            <a:ext cx="1184755" cy="1715248"/>
+          </a:xfrm>
+          <a:prstGeom prst="bracketPair">
+            <a:avLst/>
+          </a:prstGeom>
+          <a:ln w="28575">
+            <a:solidFill>
+              <a:srgbClr val="C00000">
+                <a:alpha val="96000"/>
+              </a:srgbClr>
+            </a:solidFill>
+          </a:ln>
+        </p:spPr>
+        <p:style>
+          <a:lnRef idx="1">
+            <a:schemeClr val="accent1"/>
+          </a:lnRef>
+          <a:fillRef idx="0">
+            <a:schemeClr val="accent1"/>
+          </a:fillRef>
+          <a:effectRef idx="0">
+            <a:schemeClr val="accent1"/>
+          </a:effectRef>
+          <a:fontRef idx="minor">
+            <a:schemeClr val="tx1"/>
+          </a:fontRef>
+        </p:style>
+        <p:txBody>
+          <a:bodyPr rtlCol="0" anchor="ctr"/>
+          <a:lstStyle/>
+          <a:p>
+            <a:pPr algn="ctr"/>
+            <a:r>
+              <a:rPr lang="en-US" sz="1400" dirty="0"/>
+              <a:t>Add Temporal information and extract time series</a:t>
+            </a:r>
+            <a:endParaRPr lang="en-US" sz="1400" dirty="0"/>
+          </a:p>
+        </p:txBody>
+      </p:sp>
+      <p:sp>
+        <p:nvSpPr>
+          <p:cNvPr id="91" name="Double Bracket 90"/>
+          <p:cNvSpPr/>
+          <p:nvPr/>
+        </p:nvSpPr>
+        <p:spPr>
+          <a:xfrm>
+            <a:off x="2980932" y="1766997"/>
+            <a:ext cx="1184755" cy="1715248"/>
+          </a:xfrm>
+          <a:prstGeom prst="bracketPair">
+            <a:avLst/>
+          </a:prstGeom>
+          <a:ln w="28575">
+            <a:solidFill>
+              <a:srgbClr val="C00000">
+                <a:alpha val="96000"/>
+              </a:srgbClr>
+            </a:solidFill>
+          </a:ln>
+        </p:spPr>
+        <p:style>
+          <a:lnRef idx="1">
+            <a:schemeClr val="accent1"/>
+          </a:lnRef>
+          <a:fillRef idx="0">
+            <a:schemeClr val="accent1"/>
+          </a:fillRef>
+          <a:effectRef idx="0">
+            <a:schemeClr val="accent1"/>
+          </a:effectRef>
+          <a:fontRef idx="minor">
+            <a:schemeClr val="tx1"/>
+          </a:fontRef>
+        </p:style>
+        <p:txBody>
+          <a:bodyPr rtlCol="0" anchor="ctr"/>
+          <a:lstStyle/>
+          <a:p>
+            <a:pPr algn="ctr"/>
+            <a:r>
+              <a:rPr lang="en-US" sz="1400" dirty="0" smtClean="0"/>
+              <a:t>Applying </a:t>
+            </a:r>
+            <a:r>
+              <a:rPr lang="en-US" sz="1400" dirty="0"/>
+              <a:t>use </a:t>
+            </a:r>
+            <a:r>
+              <a:rPr lang="en-US" sz="1400" dirty="0" smtClean="0"/>
+              <a:t>case of</a:t>
+            </a:r>
+            <a:endParaRPr lang="en-US" sz="1400" dirty="0"/>
+          </a:p>
+          <a:p>
+            <a:pPr algn="ctr"/>
+            <a:r>
+              <a:rPr lang="en-US" sz="1400" dirty="0"/>
+              <a:t>Thread Mapping</a:t>
+            </a:r>
+            <a:endParaRPr lang="en-US" sz="1400" dirty="0"/>
+          </a:p>
+        </p:txBody>
+      </p:sp>
+      <p:sp>
+        <p:nvSpPr>
+          <p:cNvPr id="92" name="Double Bracket 91"/>
+          <p:cNvSpPr/>
+          <p:nvPr/>
+        </p:nvSpPr>
+        <p:spPr>
+          <a:xfrm>
+            <a:off x="4165687" y="4134159"/>
+            <a:ext cx="1184755" cy="1715248"/>
+          </a:xfrm>
+          <a:prstGeom prst="bracketPair">
+            <a:avLst/>
+          </a:prstGeom>
+          <a:ln w="28575">
+            <a:solidFill>
+              <a:srgbClr val="C00000">
+                <a:alpha val="96000"/>
+              </a:srgbClr>
+            </a:solidFill>
+          </a:ln>
+        </p:spPr>
+        <p:style>
+          <a:lnRef idx="1">
+            <a:schemeClr val="accent1"/>
+          </a:lnRef>
+          <a:fillRef idx="0">
+            <a:schemeClr val="accent1"/>
+          </a:fillRef>
+          <a:effectRef idx="0">
+            <a:schemeClr val="accent1"/>
+          </a:effectRef>
+          <a:fontRef idx="minor">
+            <a:schemeClr val="tx1"/>
+          </a:fontRef>
+        </p:style>
+        <p:txBody>
+          <a:bodyPr rtlCol="0" anchor="ctr"/>
+          <a:lstStyle/>
+          <a:p>
+            <a:pPr algn="ctr"/>
+            <a:r>
+              <a:rPr lang="en-US" sz="1400" dirty="0"/>
+              <a:t>Extract </a:t>
+            </a:r>
+            <a:r>
+              <a:rPr lang="en-US" sz="1400" dirty="0" smtClean="0"/>
+              <a:t>results and  </a:t>
+            </a:r>
+            <a:r>
+              <a:rPr lang="en-US" sz="1400" dirty="0"/>
+              <a:t>benchmarking</a:t>
+            </a:r>
+            <a:endParaRPr lang="en-US" sz="1400" dirty="0"/>
+          </a:p>
+        </p:txBody>
+      </p:sp>
+      <p:sp>
+        <p:nvSpPr>
+          <p:cNvPr id="94" name="Double Bracket 93"/>
+          <p:cNvSpPr/>
+          <p:nvPr/>
+        </p:nvSpPr>
+        <p:spPr>
+          <a:xfrm>
+            <a:off x="5344460" y="1771587"/>
+            <a:ext cx="2361531" cy="1715248"/>
+          </a:xfrm>
+          <a:prstGeom prst="bracketPair">
+            <a:avLst/>
+          </a:prstGeom>
+          <a:ln w="28575">
+            <a:solidFill>
+              <a:srgbClr val="C00000">
+                <a:alpha val="96000"/>
+              </a:srgbClr>
+            </a:solidFill>
+          </a:ln>
+        </p:spPr>
+        <p:style>
+          <a:lnRef idx="1">
+            <a:schemeClr val="accent1"/>
+          </a:lnRef>
+          <a:fillRef idx="0">
+            <a:schemeClr val="accent1"/>
+          </a:fillRef>
+          <a:effectRef idx="0">
+            <a:schemeClr val="accent1"/>
+          </a:effectRef>
+          <a:fontRef idx="minor">
+            <a:schemeClr val="tx1"/>
+          </a:fontRef>
+        </p:style>
+        <p:txBody>
+          <a:bodyPr rtlCol="0" anchor="ctr"/>
+          <a:lstStyle/>
+          <a:p>
+            <a:pPr algn="ctr"/>
+            <a:r>
+              <a:rPr lang="en-US" sz="1400" dirty="0"/>
+              <a:t>Writing the thesis</a:t>
+            </a:r>
+          </a:p>
+          <a:p>
+            <a:pPr algn="ctr"/>
+            <a:r>
+              <a:rPr lang="en-US" sz="1400" dirty="0"/>
+              <a:t>+</a:t>
+            </a:r>
+          </a:p>
+          <a:p>
+            <a:pPr algn="ctr"/>
+            <a:r>
+              <a:rPr lang="en-US" sz="1400" dirty="0"/>
+              <a:t>Buffer</a:t>
+            </a:r>
+            <a:endParaRPr lang="en-US" sz="1400" dirty="0"/>
+          </a:p>
+        </p:txBody>
+      </p:sp>
+    </p:spTree>
+    <p:extLst>
+      <p:ext uri="{BB962C8B-B14F-4D97-AF65-F5344CB8AC3E}">
+        <p14:creationId xmlns:p14="http://schemas.microsoft.com/office/powerpoint/2010/main" val="2028843728"/>
+      </p:ext>
+    </p:extLst>
+  </p:cSld>
+  <p:clrMapOvr>
+    <a:masterClrMapping/>
+  </p:clrMapOvr>
+  <p:transition spd="slow">
+    <p:wipe/>
+  </p:transition>
+  <p:timing>
+    <p:tnLst>
+      <p:par>
+        <p:cTn id="1" dur="indefinite" restart="never" nodeType="tmRoot"/>
+      </p:par>
+    </p:tnLst>
+  </p:timing>
+</p:sld>
+</file>
+
+<file path=ppt/slides/slide31.xml><?xml version="1.0" encoding="utf-8"?>
+<p:sld xmlns:a="http://schemas.openxmlformats.org/drawingml/2006/main" xmlns:r="http://schemas.openxmlformats.org/officeDocument/2006/relationships" xmlns:p="http://schemas.openxmlformats.org/presentationml/2006/main">
+  <p:cSld>
+    <p:spTree>
+      <p:nvGrpSpPr>
+        <p:cNvPr id="1" name=""/>
+        <p:cNvGrpSpPr/>
+        <p:nvPr/>
+      </p:nvGrpSpPr>
+      <p:grpSpPr>
+        <a:xfrm>
+          <a:off x="0" y="0"/>
+          <a:ext cx="0" cy="0"/>
+          <a:chOff x="0" y="0"/>
+          <a:chExt cx="0" cy="0"/>
+        </a:xfrm>
+      </p:grpSpPr>
+      <p:sp>
+        <p:nvSpPr>
+          <p:cNvPr id="2" name="Title 1"/>
+          <p:cNvSpPr>
+            <a:spLocks noGrp="1"/>
+          </p:cNvSpPr>
+          <p:nvPr>
+            <p:ph type="title"/>
+          </p:nvPr>
+        </p:nvSpPr>
+        <p:spPr/>
+        <p:txBody>
+          <a:bodyPr/>
+          <a:lstStyle/>
+          <a:p>
+            <a:r>
+              <a:rPr lang="en-US" dirty="0" smtClean="0"/>
+              <a:t>Thanks</a:t>
+            </a:r>
+            <a:endParaRPr lang="en-US" dirty="0"/>
+          </a:p>
+        </p:txBody>
+      </p:sp>
+      <p:sp>
+        <p:nvSpPr>
+          <p:cNvPr id="3" name="Content Placeholder 2"/>
+          <p:cNvSpPr>
+            <a:spLocks noGrp="1"/>
+          </p:cNvSpPr>
+          <p:nvPr>
+            <p:ph idx="1"/>
+          </p:nvPr>
+        </p:nvSpPr>
+        <p:spPr>
+          <a:xfrm>
+            <a:off x="251520" y="1620000"/>
+            <a:ext cx="8640960" cy="4479943"/>
+          </a:xfrm>
+        </p:spPr>
+        <p:txBody>
+          <a:bodyPr anchor="ctr"/>
+          <a:lstStyle/>
+          <a:p>
+            <a:pPr algn="ctr"/>
+            <a:r>
+              <a:rPr lang="en-US" dirty="0" smtClean="0"/>
+              <a:t>Thank you for your attention </a:t>
+            </a:r>
+            <a:r>
+              <a:rPr lang="en-US" dirty="0" smtClean="0">
+                <a:sym typeface="Wingdings"/>
+              </a:rPr>
+              <a:t> </a:t>
+            </a:r>
+          </a:p>
+          <a:p>
+            <a:pPr algn="ctr"/>
+            <a:r>
+              <a:rPr lang="en-US" dirty="0" smtClean="0">
+                <a:sym typeface="Wingdings"/>
+              </a:rPr>
+              <a:t>Questions?</a:t>
+            </a:r>
+            <a:endParaRPr lang="en-US" dirty="0"/>
+          </a:p>
+        </p:txBody>
+      </p:sp>
+    </p:spTree>
+    <p:extLst>
+      <p:ext uri="{BB962C8B-B14F-4D97-AF65-F5344CB8AC3E}">
+        <p14:creationId xmlns:p14="http://schemas.microsoft.com/office/powerpoint/2010/main" val="1456552065"/>
+      </p:ext>
+    </p:extLst>
+  </p:cSld>
+  <p:clrMapOvr>
+    <a:masterClrMapping/>
+  </p:clrMapOvr>
+  <mc:AlternateContent xmlns:mc="http://schemas.openxmlformats.org/markup-compatibility/2006" xmlns:p15="http://schemas.microsoft.com/office/powerpoint/2012/main">
+    <mc:Choice Requires="p15">
+      <p:transition xmlns:p14="http://schemas.microsoft.com/office/powerpoint/2010/main" spd="slow" p14:dur="2000">
+        <p15:prstTrans prst="prestige"/>
+      </p:transition>
+    </mc:Choice>
+    <mc:Fallback xmlns="">
+      <p:transition spd="slow">
+        <p:fade/>
+      </p:transition>
+    </mc:Fallback>
+  </mc:AlternateContent>
   <p:timing>
     <p:tnLst>
       <p:par>
@@ -25112,6 +29452,57 @@
               <a:rPr lang="en-US" b="1" dirty="0" smtClean="0"/>
               <a:t>Art</a:t>
             </a:r>
+          </a:p>
+          <a:p>
+            <a:pPr marL="701675" lvl="2" indent="-342900">
+              <a:buFont typeface="Arial" panose="020B0604020202020204" pitchFamily="34" charset="0"/>
+              <a:buChar char="•"/>
+            </a:pPr>
+            <a:r>
+              <a:rPr lang="en-US" b="1" dirty="0" err="1" smtClean="0"/>
+              <a:t>Pthred</a:t>
+            </a:r>
+            <a:r>
+              <a:rPr lang="en-US" b="1" dirty="0" smtClean="0"/>
+              <a:t> in </a:t>
+            </a:r>
+            <a:r>
+              <a:rPr lang="en-US" b="1" dirty="0" err="1" smtClean="0"/>
+              <a:t>DiscoPoP</a:t>
+            </a:r>
+            <a:endParaRPr lang="en-US" b="1" dirty="0" smtClean="0"/>
+          </a:p>
+          <a:p>
+            <a:pPr marL="701675" lvl="2" indent="-342900">
+              <a:buFont typeface="Arial" panose="020B0604020202020204" pitchFamily="34" charset="0"/>
+              <a:buChar char="•"/>
+            </a:pPr>
+            <a:r>
+              <a:rPr lang="en-US" b="1" dirty="0" smtClean="0"/>
+              <a:t>OPARI</a:t>
+            </a:r>
+          </a:p>
+          <a:p>
+            <a:pPr marL="701675" lvl="2" indent="-342900">
+              <a:buFont typeface="Arial" panose="020B0604020202020204" pitchFamily="34" charset="0"/>
+              <a:buChar char="•"/>
+            </a:pPr>
+            <a:r>
+              <a:rPr lang="en-US" b="1" dirty="0" err="1" smtClean="0"/>
+              <a:t>Threadspotter</a:t>
+            </a:r>
+            <a:endParaRPr lang="en-US" b="1" dirty="0" smtClean="0"/>
+          </a:p>
+          <a:p>
+            <a:pPr marL="701675" lvl="2" indent="-342900">
+              <a:buFont typeface="Arial" panose="020B0604020202020204" pitchFamily="34" charset="0"/>
+              <a:buChar char="•"/>
+            </a:pPr>
+            <a:r>
+              <a:rPr lang="en-US" b="1" dirty="0" smtClean="0"/>
+              <a:t>Tread Mapping</a:t>
+            </a:r>
+            <a:endParaRPr lang="en-US" b="1" dirty="0" smtClean="0"/>
           </a:p>
           <a:p>
             <a:pPr marL="342900" lvl="1" indent="-342900">

--- a/Presentations/Proposal.pptx
+++ b/Presentations/Proposal.pptx
@@ -6,10 +6,10 @@
     <p:sldMasterId id="2147483658" r:id="rId2"/>
   </p:sldMasterIdLst>
   <p:notesMasterIdLst>
-    <p:notesMasterId r:id="rId34"/>
+    <p:notesMasterId r:id="rId33"/>
   </p:notesMasterIdLst>
   <p:handoutMasterIdLst>
-    <p:handoutMasterId r:id="rId35"/>
+    <p:handoutMasterId r:id="rId34"/>
   </p:handoutMasterIdLst>
   <p:sldIdLst>
     <p:sldId id="256" r:id="rId3"/>
@@ -25,24 +25,23 @@
     <p:sldId id="379" r:id="rId13"/>
     <p:sldId id="377" r:id="rId14"/>
     <p:sldId id="381" r:id="rId15"/>
-    <p:sldId id="380" r:id="rId16"/>
-    <p:sldId id="378" r:id="rId17"/>
-    <p:sldId id="383" r:id="rId18"/>
-    <p:sldId id="382" r:id="rId19"/>
-    <p:sldId id="355" r:id="rId20"/>
-    <p:sldId id="375" r:id="rId21"/>
-    <p:sldId id="356" r:id="rId22"/>
-    <p:sldId id="360" r:id="rId23"/>
-    <p:sldId id="362" r:id="rId24"/>
-    <p:sldId id="361" r:id="rId25"/>
-    <p:sldId id="363" r:id="rId26"/>
-    <p:sldId id="368" r:id="rId27"/>
-    <p:sldId id="370" r:id="rId28"/>
-    <p:sldId id="369" r:id="rId29"/>
-    <p:sldId id="364" r:id="rId30"/>
-    <p:sldId id="371" r:id="rId31"/>
-    <p:sldId id="384" r:id="rId32"/>
-    <p:sldId id="348" r:id="rId33"/>
+    <p:sldId id="378" r:id="rId16"/>
+    <p:sldId id="383" r:id="rId17"/>
+    <p:sldId id="382" r:id="rId18"/>
+    <p:sldId id="355" r:id="rId19"/>
+    <p:sldId id="375" r:id="rId20"/>
+    <p:sldId id="356" r:id="rId21"/>
+    <p:sldId id="360" r:id="rId22"/>
+    <p:sldId id="362" r:id="rId23"/>
+    <p:sldId id="361" r:id="rId24"/>
+    <p:sldId id="363" r:id="rId25"/>
+    <p:sldId id="368" r:id="rId26"/>
+    <p:sldId id="370" r:id="rId27"/>
+    <p:sldId id="369" r:id="rId28"/>
+    <p:sldId id="364" r:id="rId29"/>
+    <p:sldId id="371" r:id="rId30"/>
+    <p:sldId id="384" r:id="rId31"/>
+    <p:sldId id="348" r:id="rId32"/>
   </p:sldIdLst>
   <p:sldSz cx="9144000" cy="6858000" type="screen4x3"/>
   <p:notesSz cx="6858000" cy="9144000"/>
@@ -2721,7 +2720,7 @@
             <a:fld id="{C36AA9A4-5D0B-4134-89A6-D8B9DAA4F25C}" type="slidenum">
               <a:rPr lang="de-DE" smtClean="0"/>
               <a:pPr/>
-              <a:t>16</a:t>
+              <a:t>14</a:t>
             </a:fld>
             <a:endParaRPr lang="de-DE"/>
           </a:p>
@@ -2730,7 +2729,7 @@
     </p:spTree>
     <p:extLst>
       <p:ext uri="{BB962C8B-B14F-4D97-AF65-F5344CB8AC3E}">
-        <p14:creationId xmlns:p14="http://schemas.microsoft.com/office/powerpoint/2010/main" val="2098755093"/>
+        <p14:creationId xmlns:p14="http://schemas.microsoft.com/office/powerpoint/2010/main" val="194738249"/>
       </p:ext>
     </p:extLst>
   </p:cSld>
@@ -2789,6 +2788,93 @@
           <a:bodyPr/>
           <a:lstStyle/>
           <a:p>
+            <a:pPr marL="701675" lvl="2" indent="-342900">
+              <a:buFont typeface="Arial" charset="0"/>
+              <a:buChar char="•"/>
+            </a:pPr>
+            <a:r>
+              <a:rPr lang="en-US" dirty="0" smtClean="0"/>
+              <a:t>OS: The mapping performed by the operating system </a:t>
+            </a:r>
+          </a:p>
+          <a:p>
+            <a:pPr marL="701675" lvl="2" indent="-342900">
+              <a:buFont typeface="Arial" charset="0"/>
+              <a:buChar char="•"/>
+            </a:pPr>
+            <a:r>
+              <a:rPr lang="en-US" dirty="0" smtClean="0"/>
+              <a:t>Compact: Performs a round-robin scheduling of threads to PUs </a:t>
+            </a:r>
+          </a:p>
+          <a:p>
+            <a:pPr marL="881062" lvl="3" indent="-342900">
+              <a:buFont typeface="Arial" charset="0"/>
+              <a:buChar char="•"/>
+            </a:pPr>
+            <a:r>
+              <a:rPr lang="en-US" dirty="0" smtClean="0"/>
+              <a:t>Neighboring threads are placed close to each other in the memory hierarchy </a:t>
+            </a:r>
+          </a:p>
+          <a:p>
+            <a:pPr marL="701675" lvl="2" indent="-342900">
+              <a:buFont typeface="Arial" charset="0"/>
+              <a:buChar char="•"/>
+            </a:pPr>
+            <a:r>
+              <a:rPr lang="en-US" dirty="0" smtClean="0"/>
+              <a:t>Scatter: Represents the opposite of Compact </a:t>
+            </a:r>
+          </a:p>
+          <a:p>
+            <a:pPr marL="881062" lvl="3" indent="-342900">
+              <a:buFont typeface="Arial" charset="0"/>
+              <a:buChar char="•"/>
+            </a:pPr>
+            <a:r>
+              <a:rPr lang="en-US" dirty="0" smtClean="0"/>
+              <a:t>Neighboring threads are placed far from each other in the hierarchy </a:t>
+            </a:r>
+          </a:p>
+          <a:p>
+            <a:pPr marL="701675" lvl="2" indent="-342900">
+              <a:buFont typeface="Arial" charset="0"/>
+              <a:buChar char="•"/>
+            </a:pPr>
+            <a:r>
+              <a:rPr lang="en-US" dirty="0" smtClean="0"/>
+              <a:t>Locality: Mapping threads that communicate frequently close to each other in the memory hierarchy </a:t>
+            </a:r>
+          </a:p>
+          <a:p>
+            <a:pPr marL="881062" lvl="3" indent="-342900">
+              <a:buFont typeface="Arial" charset="0"/>
+              <a:buChar char="•"/>
+            </a:pPr>
+            <a:r>
+              <a:rPr lang="en-US" dirty="0" smtClean="0"/>
+              <a:t>Different algorithms e.g., Matrices</a:t>
+            </a:r>
+          </a:p>
+          <a:p>
+            <a:pPr marL="701675" lvl="2" indent="-342900">
+              <a:buFont typeface="Arial" charset="0"/>
+              <a:buChar char="•"/>
+            </a:pPr>
+            <a:r>
+              <a:rPr lang="en-US" dirty="0" smtClean="0"/>
+              <a:t>Distance: Represents the opposite of Locality, placing threads that communicate far apart in the memory hierarchy </a:t>
+            </a:r>
+          </a:p>
+          <a:p>
+            <a:pPr marL="701675" lvl="2" indent="-342900">
+              <a:buFont typeface="Arial" charset="0"/>
+              <a:buChar char="•"/>
+            </a:pPr>
+            <a:endParaRPr lang="en-US" dirty="0" smtClean="0"/>
+          </a:p>
+          <a:p>
             <a:endParaRPr lang="en-US" dirty="0"/>
           </a:p>
         </p:txBody>
@@ -2861,7 +2947,7 @@
             <a:fld id="{C36AA9A4-5D0B-4134-89A6-D8B9DAA4F25C}" type="slidenum">
               <a:rPr lang="de-DE" smtClean="0"/>
               <a:pPr/>
-              <a:t>17</a:t>
+              <a:t>15</a:t>
             </a:fld>
             <a:endParaRPr lang="de-DE"/>
           </a:p>
@@ -2870,7 +2956,7 @@
     </p:spTree>
     <p:extLst>
       <p:ext uri="{BB962C8B-B14F-4D97-AF65-F5344CB8AC3E}">
-        <p14:creationId xmlns:p14="http://schemas.microsoft.com/office/powerpoint/2010/main" val="1719715303"/>
+        <p14:creationId xmlns:p14="http://schemas.microsoft.com/office/powerpoint/2010/main" val="2098755093"/>
       </p:ext>
     </p:extLst>
   </p:cSld>
@@ -2972,9 +3058,10 @@
           <a:lstStyle/>
           <a:p>
             <a:r>
-              <a:rPr lang="de-DE"/>
+              <a:rPr lang="de-DE" smtClean="0"/>
               <a:t>|  </a:t>
             </a:r>
+            <a:endParaRPr lang="de-DE"/>
           </a:p>
         </p:txBody>
       </p:sp>
@@ -2994,13 +3081,13 @@
           <a:lstStyle/>
           <a:p>
             <a:r>
-              <a:rPr lang="de-DE"/>
+              <a:rPr lang="de-DE" smtClean="0"/>
               <a:t>|  </a:t>
             </a:r>
             <a:fld id="{C36AA9A4-5D0B-4134-89A6-D8B9DAA4F25C}" type="slidenum">
               <a:rPr lang="de-DE" smtClean="0"/>
               <a:pPr/>
-              <a:t>19</a:t>
+              <a:t>16</a:t>
             </a:fld>
             <a:endParaRPr lang="de-DE"/>
           </a:p>
@@ -3009,7 +3096,7 @@
     </p:spTree>
     <p:extLst>
       <p:ext uri="{BB962C8B-B14F-4D97-AF65-F5344CB8AC3E}">
-        <p14:creationId xmlns:p14="http://schemas.microsoft.com/office/powerpoint/2010/main" val="1865772737"/>
+        <p14:creationId xmlns:p14="http://schemas.microsoft.com/office/powerpoint/2010/main" val="1719715303"/>
       </p:ext>
     </p:extLst>
   </p:cSld>
@@ -3111,10 +3198,9 @@
           <a:lstStyle/>
           <a:p>
             <a:r>
-              <a:rPr lang="de-DE" smtClean="0"/>
+              <a:rPr lang="de-DE"/>
               <a:t>|  </a:t>
             </a:r>
-            <a:endParaRPr lang="de-DE"/>
           </a:p>
         </p:txBody>
       </p:sp>
@@ -3134,13 +3220,13 @@
           <a:lstStyle/>
           <a:p>
             <a:r>
-              <a:rPr lang="de-DE" smtClean="0"/>
+              <a:rPr lang="de-DE"/>
               <a:t>|  </a:t>
             </a:r>
             <a:fld id="{C36AA9A4-5D0B-4134-89A6-D8B9DAA4F25C}" type="slidenum">
               <a:rPr lang="de-DE" smtClean="0"/>
               <a:pPr/>
-              <a:t>20</a:t>
+              <a:t>18</a:t>
             </a:fld>
             <a:endParaRPr lang="de-DE"/>
           </a:p>
@@ -3149,7 +3235,7 @@
     </p:spTree>
     <p:extLst>
       <p:ext uri="{BB962C8B-B14F-4D97-AF65-F5344CB8AC3E}">
-        <p14:creationId xmlns:p14="http://schemas.microsoft.com/office/powerpoint/2010/main" val="1744293244"/>
+        <p14:creationId xmlns:p14="http://schemas.microsoft.com/office/powerpoint/2010/main" val="1865772737"/>
       </p:ext>
     </p:extLst>
   </p:cSld>
@@ -3251,9 +3337,10 @@
           <a:lstStyle/>
           <a:p>
             <a:r>
-              <a:rPr lang="de-DE"/>
+              <a:rPr lang="de-DE" smtClean="0"/>
               <a:t>|  </a:t>
             </a:r>
+            <a:endParaRPr lang="de-DE"/>
           </a:p>
         </p:txBody>
       </p:sp>
@@ -3273,13 +3360,13 @@
           <a:lstStyle/>
           <a:p>
             <a:r>
-              <a:rPr lang="de-DE"/>
+              <a:rPr lang="de-DE" smtClean="0"/>
               <a:t>|  </a:t>
             </a:r>
             <a:fld id="{C36AA9A4-5D0B-4134-89A6-D8B9DAA4F25C}" type="slidenum">
               <a:rPr lang="de-DE" smtClean="0"/>
               <a:pPr/>
-              <a:t>21</a:t>
+              <a:t>19</a:t>
             </a:fld>
             <a:endParaRPr lang="de-DE"/>
           </a:p>
@@ -3288,7 +3375,7 @@
     </p:spTree>
     <p:extLst>
       <p:ext uri="{BB962C8B-B14F-4D97-AF65-F5344CB8AC3E}">
-        <p14:creationId xmlns:p14="http://schemas.microsoft.com/office/powerpoint/2010/main" val="1301839886"/>
+        <p14:creationId xmlns:p14="http://schemas.microsoft.com/office/powerpoint/2010/main" val="1744293244"/>
       </p:ext>
     </p:extLst>
   </p:cSld>
@@ -3347,7 +3434,7 @@
           <a:bodyPr/>
           <a:lstStyle/>
           <a:p>
-            <a:endParaRPr lang="en-US"/>
+            <a:endParaRPr lang="en-US" dirty="0"/>
           </a:p>
         </p:txBody>
       </p:sp>
@@ -3390,10 +3477,9 @@
           <a:lstStyle/>
           <a:p>
             <a:r>
-              <a:rPr lang="de-DE" smtClean="0"/>
+              <a:rPr lang="de-DE"/>
               <a:t>|  </a:t>
             </a:r>
-            <a:endParaRPr lang="de-DE"/>
           </a:p>
         </p:txBody>
       </p:sp>
@@ -3413,13 +3499,13 @@
           <a:lstStyle/>
           <a:p>
             <a:r>
-              <a:rPr lang="de-DE" smtClean="0"/>
+              <a:rPr lang="de-DE"/>
               <a:t>|  </a:t>
             </a:r>
             <a:fld id="{C36AA9A4-5D0B-4134-89A6-D8B9DAA4F25C}" type="slidenum">
               <a:rPr lang="de-DE" smtClean="0"/>
               <a:pPr/>
-              <a:t>22</a:t>
+              <a:t>20</a:t>
             </a:fld>
             <a:endParaRPr lang="de-DE"/>
           </a:p>
@@ -3428,7 +3514,7 @@
     </p:spTree>
     <p:extLst>
       <p:ext uri="{BB962C8B-B14F-4D97-AF65-F5344CB8AC3E}">
-        <p14:creationId xmlns:p14="http://schemas.microsoft.com/office/powerpoint/2010/main" val="405505431"/>
+        <p14:creationId xmlns:p14="http://schemas.microsoft.com/office/powerpoint/2010/main" val="1301839886"/>
       </p:ext>
     </p:extLst>
   </p:cSld>
@@ -3487,11 +3573,7 @@
           <a:bodyPr/>
           <a:lstStyle/>
           <a:p>
-            <a:r>
-              <a:rPr lang="en-US" dirty="0" smtClean="0"/>
-              <a:t>Change the color of photo</a:t>
-            </a:r>
-            <a:endParaRPr lang="en-US" dirty="0"/>
+            <a:endParaRPr lang="en-US"/>
           </a:p>
         </p:txBody>
       </p:sp>
@@ -3534,9 +3616,10 @@
           <a:lstStyle/>
           <a:p>
             <a:r>
-              <a:rPr lang="de-DE"/>
+              <a:rPr lang="de-DE" smtClean="0"/>
               <a:t>|  </a:t>
             </a:r>
+            <a:endParaRPr lang="de-DE"/>
           </a:p>
         </p:txBody>
       </p:sp>
@@ -3556,13 +3639,13 @@
           <a:lstStyle/>
           <a:p>
             <a:r>
-              <a:rPr lang="de-DE"/>
+              <a:rPr lang="de-DE" smtClean="0"/>
               <a:t>|  </a:t>
             </a:r>
             <a:fld id="{C36AA9A4-5D0B-4134-89A6-D8B9DAA4F25C}" type="slidenum">
               <a:rPr lang="de-DE" smtClean="0"/>
               <a:pPr/>
-              <a:t>23</a:t>
+              <a:t>21</a:t>
             </a:fld>
             <a:endParaRPr lang="de-DE"/>
           </a:p>
@@ -3571,7 +3654,7 @@
     </p:spTree>
     <p:extLst>
       <p:ext uri="{BB962C8B-B14F-4D97-AF65-F5344CB8AC3E}">
-        <p14:creationId xmlns:p14="http://schemas.microsoft.com/office/powerpoint/2010/main" val="614719273"/>
+        <p14:creationId xmlns:p14="http://schemas.microsoft.com/office/powerpoint/2010/main" val="405505431"/>
       </p:ext>
     </p:extLst>
   </p:cSld>
@@ -3630,6 +3713,10 @@
           <a:bodyPr/>
           <a:lstStyle/>
           <a:p>
+            <a:r>
+              <a:rPr lang="en-US" dirty="0" smtClean="0"/>
+              <a:t>Change the color of photo</a:t>
+            </a:r>
             <a:endParaRPr lang="en-US" dirty="0"/>
           </a:p>
         </p:txBody>
@@ -3673,10 +3760,9 @@
           <a:lstStyle/>
           <a:p>
             <a:r>
-              <a:rPr lang="de-DE" smtClean="0"/>
+              <a:rPr lang="de-DE"/>
               <a:t>|  </a:t>
             </a:r>
-            <a:endParaRPr lang="de-DE"/>
           </a:p>
         </p:txBody>
       </p:sp>
@@ -3696,13 +3782,13 @@
           <a:lstStyle/>
           <a:p>
             <a:r>
-              <a:rPr lang="de-DE" smtClean="0"/>
+              <a:rPr lang="de-DE"/>
               <a:t>|  </a:t>
             </a:r>
             <a:fld id="{C36AA9A4-5D0B-4134-89A6-D8B9DAA4F25C}" type="slidenum">
               <a:rPr lang="de-DE" smtClean="0"/>
               <a:pPr/>
-              <a:t>24</a:t>
+              <a:t>22</a:t>
             </a:fld>
             <a:endParaRPr lang="de-DE"/>
           </a:p>
@@ -3711,7 +3797,7 @@
     </p:spTree>
     <p:extLst>
       <p:ext uri="{BB962C8B-B14F-4D97-AF65-F5344CB8AC3E}">
-        <p14:creationId xmlns:p14="http://schemas.microsoft.com/office/powerpoint/2010/main" val="83472082"/>
+        <p14:creationId xmlns:p14="http://schemas.microsoft.com/office/powerpoint/2010/main" val="614719273"/>
       </p:ext>
     </p:extLst>
   </p:cSld>
@@ -3770,10 +3856,6 @@
           <a:bodyPr/>
           <a:lstStyle/>
           <a:p>
-            <a:r>
-              <a:rPr lang="en-US" dirty="0" smtClean="0"/>
-              <a:t>Add photos </a:t>
-            </a:r>
             <a:endParaRPr lang="en-US" dirty="0"/>
           </a:p>
         </p:txBody>
@@ -3817,9 +3899,10 @@
           <a:lstStyle/>
           <a:p>
             <a:r>
-              <a:rPr lang="de-DE"/>
+              <a:rPr lang="de-DE" smtClean="0"/>
               <a:t>|  </a:t>
             </a:r>
+            <a:endParaRPr lang="de-DE"/>
           </a:p>
         </p:txBody>
       </p:sp>
@@ -3839,13 +3922,13 @@
           <a:lstStyle/>
           <a:p>
             <a:r>
-              <a:rPr lang="de-DE"/>
+              <a:rPr lang="de-DE" smtClean="0"/>
               <a:t>|  </a:t>
             </a:r>
             <a:fld id="{C36AA9A4-5D0B-4134-89A6-D8B9DAA4F25C}" type="slidenum">
               <a:rPr lang="de-DE" smtClean="0"/>
               <a:pPr/>
-              <a:t>25</a:t>
+              <a:t>23</a:t>
             </a:fld>
             <a:endParaRPr lang="de-DE"/>
           </a:p>
@@ -3854,7 +3937,7 @@
     </p:spTree>
     <p:extLst>
       <p:ext uri="{BB962C8B-B14F-4D97-AF65-F5344CB8AC3E}">
-        <p14:creationId xmlns:p14="http://schemas.microsoft.com/office/powerpoint/2010/main" val="459473194"/>
+        <p14:creationId xmlns:p14="http://schemas.microsoft.com/office/powerpoint/2010/main" val="83472082"/>
       </p:ext>
     </p:extLst>
   </p:cSld>
@@ -3913,6 +3996,10 @@
           <a:bodyPr/>
           <a:lstStyle/>
           <a:p>
+            <a:r>
+              <a:rPr lang="en-US" dirty="0" smtClean="0"/>
+              <a:t>Add photos </a:t>
+            </a:r>
             <a:endParaRPr lang="en-US" dirty="0"/>
           </a:p>
         </p:txBody>
@@ -3956,10 +4043,9 @@
           <a:lstStyle/>
           <a:p>
             <a:r>
-              <a:rPr lang="de-DE" smtClean="0"/>
+              <a:rPr lang="de-DE"/>
               <a:t>|  </a:t>
             </a:r>
-            <a:endParaRPr lang="de-DE"/>
           </a:p>
         </p:txBody>
       </p:sp>
@@ -3979,13 +4065,13 @@
           <a:lstStyle/>
           <a:p>
             <a:r>
-              <a:rPr lang="de-DE" smtClean="0"/>
+              <a:rPr lang="de-DE"/>
               <a:t>|  </a:t>
             </a:r>
             <a:fld id="{C36AA9A4-5D0B-4134-89A6-D8B9DAA4F25C}" type="slidenum">
               <a:rPr lang="de-DE" smtClean="0"/>
               <a:pPr/>
-              <a:t>26</a:t>
+              <a:t>24</a:t>
             </a:fld>
             <a:endParaRPr lang="de-DE"/>
           </a:p>
@@ -3994,7 +4080,7 @@
     </p:spTree>
     <p:extLst>
       <p:ext uri="{BB962C8B-B14F-4D97-AF65-F5344CB8AC3E}">
-        <p14:creationId xmlns:p14="http://schemas.microsoft.com/office/powerpoint/2010/main" val="1236201559"/>
+        <p14:creationId xmlns:p14="http://schemas.microsoft.com/office/powerpoint/2010/main" val="459473194"/>
       </p:ext>
     </p:extLst>
   </p:cSld>
@@ -4196,10 +4282,6 @@
           <a:bodyPr/>
           <a:lstStyle/>
           <a:p>
-            <a:r>
-              <a:rPr lang="en-US" dirty="0" smtClean="0"/>
-              <a:t>Add photos </a:t>
-            </a:r>
             <a:endParaRPr lang="en-US" dirty="0"/>
           </a:p>
         </p:txBody>
@@ -4243,9 +4325,10 @@
           <a:lstStyle/>
           <a:p>
             <a:r>
-              <a:rPr lang="de-DE"/>
+              <a:rPr lang="de-DE" smtClean="0"/>
               <a:t>|  </a:t>
             </a:r>
+            <a:endParaRPr lang="de-DE"/>
           </a:p>
         </p:txBody>
       </p:sp>
@@ -4265,13 +4348,13 @@
           <a:lstStyle/>
           <a:p>
             <a:r>
-              <a:rPr lang="de-DE"/>
+              <a:rPr lang="de-DE" smtClean="0"/>
               <a:t>|  </a:t>
             </a:r>
             <a:fld id="{C36AA9A4-5D0B-4134-89A6-D8B9DAA4F25C}" type="slidenum">
               <a:rPr lang="de-DE" smtClean="0"/>
               <a:pPr/>
-              <a:t>27</a:t>
+              <a:t>25</a:t>
             </a:fld>
             <a:endParaRPr lang="de-DE"/>
           </a:p>
@@ -4280,7 +4363,7 @@
     </p:spTree>
     <p:extLst>
       <p:ext uri="{BB962C8B-B14F-4D97-AF65-F5344CB8AC3E}">
-        <p14:creationId xmlns:p14="http://schemas.microsoft.com/office/powerpoint/2010/main" val="1957951507"/>
+        <p14:creationId xmlns:p14="http://schemas.microsoft.com/office/powerpoint/2010/main" val="1236201559"/>
       </p:ext>
     </p:extLst>
   </p:cSld>
@@ -4339,7 +4422,11 @@
           <a:bodyPr/>
           <a:lstStyle/>
           <a:p>
-            <a:endParaRPr lang="en-US"/>
+            <a:r>
+              <a:rPr lang="en-US" dirty="0" smtClean="0"/>
+              <a:t>Add photos </a:t>
+            </a:r>
+            <a:endParaRPr lang="en-US" dirty="0"/>
           </a:p>
         </p:txBody>
       </p:sp>
@@ -4382,10 +4469,9 @@
           <a:lstStyle/>
           <a:p>
             <a:r>
-              <a:rPr lang="de-DE" smtClean="0"/>
+              <a:rPr lang="de-DE"/>
               <a:t>|  </a:t>
             </a:r>
-            <a:endParaRPr lang="de-DE"/>
           </a:p>
         </p:txBody>
       </p:sp>
@@ -4405,13 +4491,13 @@
           <a:lstStyle/>
           <a:p>
             <a:r>
-              <a:rPr lang="de-DE" smtClean="0"/>
+              <a:rPr lang="de-DE"/>
               <a:t>|  </a:t>
             </a:r>
             <a:fld id="{C36AA9A4-5D0B-4134-89A6-D8B9DAA4F25C}" type="slidenum">
               <a:rPr lang="de-DE" smtClean="0"/>
               <a:pPr/>
-              <a:t>28</a:t>
+              <a:t>26</a:t>
             </a:fld>
             <a:endParaRPr lang="de-DE"/>
           </a:p>
@@ -4420,7 +4506,7 @@
     </p:spTree>
     <p:extLst>
       <p:ext uri="{BB962C8B-B14F-4D97-AF65-F5344CB8AC3E}">
-        <p14:creationId xmlns:p14="http://schemas.microsoft.com/office/powerpoint/2010/main" val="334645891"/>
+        <p14:creationId xmlns:p14="http://schemas.microsoft.com/office/powerpoint/2010/main" val="1957951507"/>
       </p:ext>
     </p:extLst>
   </p:cSld>
@@ -4479,11 +4565,7 @@
           <a:bodyPr/>
           <a:lstStyle/>
           <a:p>
-            <a:r>
-              <a:rPr lang="en-US" smtClean="0"/>
-              <a:t>Add photos </a:t>
-            </a:r>
-            <a:endParaRPr lang="en-US" dirty="0"/>
+            <a:endParaRPr lang="en-US"/>
           </a:p>
         </p:txBody>
       </p:sp>
@@ -4526,9 +4608,10 @@
           <a:lstStyle/>
           <a:p>
             <a:r>
-              <a:rPr lang="de-DE"/>
+              <a:rPr lang="de-DE" smtClean="0"/>
               <a:t>|  </a:t>
             </a:r>
+            <a:endParaRPr lang="de-DE"/>
           </a:p>
         </p:txBody>
       </p:sp>
@@ -4548,13 +4631,13 @@
           <a:lstStyle/>
           <a:p>
             <a:r>
-              <a:rPr lang="de-DE"/>
+              <a:rPr lang="de-DE" smtClean="0"/>
               <a:t>|  </a:t>
             </a:r>
             <a:fld id="{C36AA9A4-5D0B-4134-89A6-D8B9DAA4F25C}" type="slidenum">
               <a:rPr lang="de-DE" smtClean="0"/>
               <a:pPr/>
-              <a:t>29</a:t>
+              <a:t>27</a:t>
             </a:fld>
             <a:endParaRPr lang="de-DE"/>
           </a:p>
@@ -4563,7 +4646,7 @@
     </p:spTree>
     <p:extLst>
       <p:ext uri="{BB962C8B-B14F-4D97-AF65-F5344CB8AC3E}">
-        <p14:creationId xmlns:p14="http://schemas.microsoft.com/office/powerpoint/2010/main" val="1500454912"/>
+        <p14:creationId xmlns:p14="http://schemas.microsoft.com/office/powerpoint/2010/main" val="334645891"/>
       </p:ext>
     </p:extLst>
   </p:cSld>
@@ -4623,7 +4706,7 @@
           <a:lstStyle/>
           <a:p>
             <a:r>
-              <a:rPr lang="en-US" dirty="0" smtClean="0"/>
+              <a:rPr lang="en-US" smtClean="0"/>
               <a:t>Add photos </a:t>
             </a:r>
             <a:endParaRPr lang="en-US" dirty="0"/>
@@ -4697,7 +4780,150 @@
             <a:fld id="{C36AA9A4-5D0B-4134-89A6-D8B9DAA4F25C}" type="slidenum">
               <a:rPr lang="de-DE" smtClean="0"/>
               <a:pPr/>
-              <a:t>30</a:t>
+              <a:t>28</a:t>
+            </a:fld>
+            <a:endParaRPr lang="de-DE"/>
+          </a:p>
+        </p:txBody>
+      </p:sp>
+    </p:spTree>
+    <p:extLst>
+      <p:ext uri="{BB962C8B-B14F-4D97-AF65-F5344CB8AC3E}">
+        <p14:creationId xmlns:p14="http://schemas.microsoft.com/office/powerpoint/2010/main" val="1500454912"/>
+      </p:ext>
+    </p:extLst>
+  </p:cSld>
+  <p:clrMapOvr>
+    <a:masterClrMapping/>
+  </p:clrMapOvr>
+</p:notes>
+</file>
+
+<file path=ppt/notesSlides/notesSlide24.xml><?xml version="1.0" encoding="utf-8"?>
+<p:notes xmlns:a="http://schemas.openxmlformats.org/drawingml/2006/main" xmlns:r="http://schemas.openxmlformats.org/officeDocument/2006/relationships" xmlns:p="http://schemas.openxmlformats.org/presentationml/2006/main">
+  <p:cSld>
+    <p:spTree>
+      <p:nvGrpSpPr>
+        <p:cNvPr id="1" name=""/>
+        <p:cNvGrpSpPr/>
+        <p:nvPr/>
+      </p:nvGrpSpPr>
+      <p:grpSpPr>
+        <a:xfrm>
+          <a:off x="0" y="0"/>
+          <a:ext cx="0" cy="0"/>
+          <a:chOff x="0" y="0"/>
+          <a:chExt cx="0" cy="0"/>
+        </a:xfrm>
+      </p:grpSpPr>
+      <p:sp>
+        <p:nvSpPr>
+          <p:cNvPr id="2" name="Slide Image Placeholder 1"/>
+          <p:cNvSpPr>
+            <a:spLocks noGrp="1" noRot="1" noChangeAspect="1"/>
+          </p:cNvSpPr>
+          <p:nvPr>
+            <p:ph type="sldImg"/>
+          </p:nvPr>
+        </p:nvSpPr>
+        <p:spPr>
+          <a:xfrm>
+            <a:off x="1371600" y="923925"/>
+            <a:ext cx="4095750" cy="3071813"/>
+          </a:xfrm>
+        </p:spPr>
+      </p:sp>
+      <p:sp>
+        <p:nvSpPr>
+          <p:cNvPr id="3" name="Notes Placeholder 2"/>
+          <p:cNvSpPr>
+            <a:spLocks noGrp="1"/>
+          </p:cNvSpPr>
+          <p:nvPr>
+            <p:ph type="body" idx="1"/>
+          </p:nvPr>
+        </p:nvSpPr>
+        <p:spPr/>
+        <p:txBody>
+          <a:bodyPr/>
+          <a:lstStyle/>
+          <a:p>
+            <a:r>
+              <a:rPr lang="en-US" dirty="0" smtClean="0"/>
+              <a:t>Add photos </a:t>
+            </a:r>
+            <a:endParaRPr lang="en-US" dirty="0"/>
+          </a:p>
+        </p:txBody>
+      </p:sp>
+      <p:sp>
+        <p:nvSpPr>
+          <p:cNvPr id="4" name="Date Placeholder 3"/>
+          <p:cNvSpPr>
+            <a:spLocks noGrp="1"/>
+          </p:cNvSpPr>
+          <p:nvPr>
+            <p:ph type="dt" idx="10"/>
+          </p:nvPr>
+        </p:nvSpPr>
+        <p:spPr/>
+        <p:txBody>
+          <a:bodyPr/>
+          <a:lstStyle/>
+          <a:p>
+            <a:fld id="{BEF970E4-9540-437D-B70A-0A41E70CE984}" type="datetime4">
+              <a:rPr lang="de-DE" smtClean="0"/>
+              <a:t>19. January 2017</a:t>
+            </a:fld>
+            <a:endParaRPr lang="de-DE"/>
+          </a:p>
+        </p:txBody>
+      </p:sp>
+      <p:sp>
+        <p:nvSpPr>
+          <p:cNvPr id="5" name="Footer Placeholder 4"/>
+          <p:cNvSpPr>
+            <a:spLocks noGrp="1"/>
+          </p:cNvSpPr>
+          <p:nvPr>
+            <p:ph type="ftr" sz="quarter" idx="11"/>
+          </p:nvPr>
+        </p:nvSpPr>
+        <p:spPr/>
+        <p:txBody>
+          <a:bodyPr/>
+          <a:lstStyle/>
+          <a:p>
+            <a:r>
+              <a:rPr lang="de-DE"/>
+              <a:t>|  </a:t>
+            </a:r>
+          </a:p>
+        </p:txBody>
+      </p:sp>
+      <p:sp>
+        <p:nvSpPr>
+          <p:cNvPr id="6" name="Slide Number Placeholder 5"/>
+          <p:cNvSpPr>
+            <a:spLocks noGrp="1"/>
+          </p:cNvSpPr>
+          <p:nvPr>
+            <p:ph type="sldNum" sz="quarter" idx="12"/>
+          </p:nvPr>
+        </p:nvSpPr>
+        <p:spPr/>
+        <p:txBody>
+          <a:bodyPr/>
+          <a:lstStyle/>
+          <a:p>
+            <a:r>
+              <a:rPr lang="de-DE"/>
+              <a:t>|  </a:t>
+            </a:r>
+            <a:fld id="{C36AA9A4-5D0B-4134-89A6-D8B9DAA4F25C}" type="slidenum">
+              <a:rPr lang="de-DE" smtClean="0"/>
+              <a:pPr/>
+              <a:t>29</a:t>
             </a:fld>
             <a:endParaRPr lang="de-DE"/>
           </a:p>
@@ -5659,6 +5885,109 @@
           <a:bodyPr/>
           <a:lstStyle/>
           <a:p>
+            <a:pPr marL="701675" lvl="2" indent="-342900">
+              <a:buFont typeface="Arial" charset="0"/>
+              <a:buChar char="•"/>
+            </a:pPr>
+            <a:r>
+              <a:rPr lang="en-US" dirty="0" smtClean="0"/>
+              <a:t>Enhancing the application memory access regularity</a:t>
+            </a:r>
+          </a:p>
+          <a:p>
+            <a:pPr marL="881062" lvl="3" indent="-342900">
+              <a:buFont typeface="Arial" charset="0"/>
+              <a:buChar char="•"/>
+            </a:pPr>
+            <a:r>
+              <a:rPr lang="en-US" dirty="0" smtClean="0"/>
+              <a:t>To help hardware </a:t>
+            </a:r>
+            <a:r>
+              <a:rPr lang="en-US" dirty="0" err="1" smtClean="0"/>
+              <a:t>prefetcher</a:t>
+            </a:r>
+            <a:endParaRPr lang="en-US" dirty="0" smtClean="0"/>
+          </a:p>
+          <a:p>
+            <a:pPr marL="701675" lvl="2" indent="-342900">
+              <a:buFont typeface="Arial" charset="0"/>
+              <a:buChar char="•"/>
+            </a:pPr>
+            <a:r>
+              <a:rPr lang="en-US" dirty="0" smtClean="0"/>
+              <a:t>Enhancing spatial locality </a:t>
+            </a:r>
+          </a:p>
+          <a:p>
+            <a:pPr marL="881062" lvl="3" indent="-342900">
+              <a:buFont typeface="Arial" charset="0"/>
+              <a:buChar char="•"/>
+            </a:pPr>
+            <a:r>
+              <a:rPr lang="en-US" dirty="0" smtClean="0"/>
+              <a:t>To help minimize the amount of unused data transferred between memory and cache</a:t>
+            </a:r>
+          </a:p>
+          <a:p>
+            <a:pPr marL="881062" lvl="3" indent="-342900">
+              <a:buFont typeface="Arial" charset="0"/>
+              <a:buChar char="•"/>
+            </a:pPr>
+            <a:r>
+              <a:rPr lang="en-US" dirty="0" smtClean="0"/>
+              <a:t>Minimize the amount of cache space occupied by unused data</a:t>
+            </a:r>
+          </a:p>
+          <a:p>
+            <a:pPr marL="701675" lvl="2" indent="-342900">
+              <a:buFont typeface="Arial" charset="0"/>
+              <a:buChar char="•"/>
+            </a:pPr>
+            <a:r>
+              <a:rPr lang="en-US" dirty="0" smtClean="0"/>
+              <a:t>Enhancing temporal locality</a:t>
+            </a:r>
+          </a:p>
+          <a:p>
+            <a:pPr marL="881062" lvl="3" indent="-342900">
+              <a:buFont typeface="Arial" charset="0"/>
+              <a:buChar char="•"/>
+            </a:pPr>
+            <a:r>
+              <a:rPr lang="en-US" dirty="0" smtClean="0"/>
+              <a:t>By suggesting ways to reuse data while it remains in the cache</a:t>
+            </a:r>
+          </a:p>
+          <a:p>
+            <a:pPr marL="701675" lvl="2" indent="-342900">
+              <a:buFont typeface="Arial" charset="0"/>
+              <a:buChar char="•"/>
+            </a:pPr>
+            <a:r>
+              <a:rPr lang="en-US" dirty="0" smtClean="0"/>
+              <a:t>Hide memory access</a:t>
+            </a:r>
+          </a:p>
+          <a:p>
+            <a:pPr marL="881062" lvl="3" indent="-342900">
+              <a:buFont typeface="Arial" charset="0"/>
+              <a:buChar char="•"/>
+            </a:pPr>
+            <a:r>
+              <a:rPr lang="en-US" dirty="0" smtClean="0"/>
+              <a:t>By adding </a:t>
+            </a:r>
+            <a:r>
+              <a:rPr lang="en-US" dirty="0" err="1" smtClean="0"/>
+              <a:t>prefetch</a:t>
+            </a:r>
+            <a:r>
+              <a:rPr lang="en-US" dirty="0" smtClean="0"/>
+              <a:t> instructions</a:t>
+            </a:r>
+          </a:p>
+          <a:p>
             <a:endParaRPr lang="en-US" dirty="0"/>
           </a:p>
         </p:txBody>
@@ -5731,7 +6060,7 @@
             <a:fld id="{C36AA9A4-5D0B-4134-89A6-D8B9DAA4F25C}" type="slidenum">
               <a:rPr lang="de-DE" smtClean="0"/>
               <a:pPr/>
-              <a:t>15</a:t>
+              <a:t>13</a:t>
             </a:fld>
             <a:endParaRPr lang="de-DE"/>
           </a:p>
@@ -5740,7 +6069,7 @@
     </p:spTree>
     <p:extLst>
       <p:ext uri="{BB962C8B-B14F-4D97-AF65-F5344CB8AC3E}">
-        <p14:creationId xmlns:p14="http://schemas.microsoft.com/office/powerpoint/2010/main" val="194738249"/>
+        <p14:creationId xmlns:p14="http://schemas.microsoft.com/office/powerpoint/2010/main" val="856152240"/>
       </p:ext>
     </p:extLst>
   </p:cSld>
@@ -11789,6 +12118,153 @@
           </a:p>
         </p:txBody>
       </p:sp>
+      <p:graphicFrame>
+        <p:nvGraphicFramePr>
+          <p:cNvPr id="7" name="Table 6"/>
+          <p:cNvGraphicFramePr>
+            <a:graphicFrameLocks noGrp="1"/>
+          </p:cNvGraphicFramePr>
+          <p:nvPr>
+            <p:extLst>
+              <p:ext uri="{D42A27DB-BD31-4B8C-83A1-F6EECF244321}">
+                <p14:modId xmlns:p14="http://schemas.microsoft.com/office/powerpoint/2010/main" val="152080199"/>
+              </p:ext>
+            </p:extLst>
+          </p:nvPr>
+        </p:nvGraphicFramePr>
+        <p:xfrm>
+          <a:off x="251520" y="5820543"/>
+          <a:ext cx="6640512" cy="406400"/>
+        </p:xfrm>
+        <a:graphic>
+          <a:graphicData uri="http://schemas.openxmlformats.org/drawingml/2006/table">
+            <a:tbl>
+              <a:tblPr/>
+              <a:tblGrid>
+                <a:gridCol w="6640512"/>
+              </a:tblGrid>
+              <a:tr h="0">
+                <a:tc>
+                  <a:txBody>
+                    <a:bodyPr/>
+                    <a:lstStyle/>
+                    <a:p>
+                      <a:pPr algn="l"/>
+                      <a:r>
+                        <a:rPr lang="en-US" sz="1000" kern="1200" dirty="0" smtClean="0">
+                          <a:solidFill>
+                            <a:schemeClr val="tx1"/>
+                          </a:solidFill>
+                          <a:latin typeface="Arial" charset="0"/>
+                          <a:ea typeface="+mn-ea"/>
+                          <a:cs typeface="+mn-cs"/>
+                        </a:rPr>
+                        <a:t>Design and Prototype of a Performance Tool Interface for OpenMP. By Bernd Mohr et al</a:t>
+                      </a:r>
+                      <a:endParaRPr lang="en-US" sz="1000" kern="1200" dirty="0">
+                        <a:solidFill>
+                          <a:schemeClr val="tx1"/>
+                        </a:solidFill>
+                        <a:latin typeface="Arial" charset="0"/>
+                        <a:ea typeface="+mn-ea"/>
+                        <a:cs typeface="+mn-cs"/>
+                      </a:endParaRPr>
+                    </a:p>
+                  </a:txBody>
+                  <a:tcPr marR="63500" marT="12700" marB="12700">
+                    <a:lnL>
+                      <a:noFill/>
+                    </a:lnL>
+                    <a:lnR>
+                      <a:noFill/>
+                    </a:lnR>
+                    <a:lnT>
+                      <a:noFill/>
+                    </a:lnT>
+                    <a:lnB>
+                      <a:noFill/>
+                    </a:lnB>
+                    <a:solidFill>
+                      <a:srgbClr val="FFFFFF"/>
+                    </a:solidFill>
+                  </a:tcPr>
+                </a:tc>
+              </a:tr>
+              <a:tr h="0">
+                <a:tc>
+                  <a:txBody>
+                    <a:bodyPr/>
+                    <a:lstStyle/>
+                    <a:p>
+                      <a:r>
+                        <a:rPr lang="en-US" sz="1000" kern="1200" dirty="0">
+                          <a:solidFill>
+                            <a:schemeClr val="tx1"/>
+                          </a:solidFill>
+                          <a:latin typeface="Arial" charset="0"/>
+                          <a:ea typeface="+mn-ea"/>
+                          <a:cs typeface="+mn-cs"/>
+                        </a:rPr>
+                        <a:t>Volume 23 Issue 1, August 2002 </a:t>
+                      </a:r>
+                      <a:r>
+                        <a:rPr lang="en-US" sz="1000" kern="1200" baseline="0" dirty="0" smtClean="0">
+                          <a:solidFill>
+                            <a:schemeClr val="tx1"/>
+                          </a:solidFill>
+                          <a:latin typeface="Arial" charset="0"/>
+                          <a:ea typeface="+mn-ea"/>
+                          <a:cs typeface="+mn-cs"/>
+                        </a:rPr>
+                        <a:t> </a:t>
+                      </a:r>
+                      <a:r>
+                        <a:rPr lang="en-US" sz="1000" kern="1200" dirty="0" smtClean="0">
+                          <a:solidFill>
+                            <a:schemeClr val="tx1"/>
+                          </a:solidFill>
+                          <a:latin typeface="Arial" charset="0"/>
+                          <a:ea typeface="+mn-ea"/>
+                          <a:cs typeface="+mn-cs"/>
+                        </a:rPr>
+                        <a:t>Pages </a:t>
+                      </a:r>
+                      <a:r>
+                        <a:rPr lang="en-US" sz="1000" kern="1200" dirty="0">
+                          <a:solidFill>
+                            <a:schemeClr val="tx1"/>
+                          </a:solidFill>
+                          <a:latin typeface="Arial" charset="0"/>
+                          <a:ea typeface="+mn-ea"/>
+                          <a:cs typeface="+mn-cs"/>
+                        </a:rPr>
+                        <a:t>105-128 </a:t>
+                      </a:r>
+                    </a:p>
+                  </a:txBody>
+                  <a:tcPr marL="63500" marR="12700" marT="12700" marB="63500">
+                    <a:lnL>
+                      <a:noFill/>
+                    </a:lnL>
+                    <a:lnR>
+                      <a:noFill/>
+                    </a:lnR>
+                    <a:lnT>
+                      <a:noFill/>
+                    </a:lnT>
+                    <a:lnB>
+                      <a:noFill/>
+                    </a:lnB>
+                    <a:solidFill>
+                      <a:srgbClr val="FFFFFF"/>
+                    </a:solidFill>
+                  </a:tcPr>
+                </a:tc>
+              </a:tr>
+            </a:tbl>
+          </a:graphicData>
+        </a:graphic>
+      </p:graphicFrame>
     </p:spTree>
     <p:extLst>
       <p:ext uri="{BB962C8B-B14F-4D97-AF65-F5344CB8AC3E}">
@@ -11959,8 +12435,8 @@
         </p:blipFill>
         <p:spPr>
           <a:xfrm>
-            <a:off x="1735617" y="2588918"/>
-            <a:ext cx="1828271" cy="699338"/>
+            <a:off x="317731" y="2240414"/>
+            <a:ext cx="2238046" cy="699338"/>
           </a:xfrm>
           <a:prstGeom prst="rect">
             <a:avLst/>
@@ -12298,37 +12774,6 @@
       </p:grpSpPr>
       <p:sp>
         <p:nvSpPr>
-          <p:cNvPr id="2" name="Title 1"/>
-          <p:cNvSpPr>
-            <a:spLocks noGrp="1"/>
-          </p:cNvSpPr>
-          <p:nvPr>
-            <p:ph type="title"/>
-          </p:nvPr>
-        </p:nvSpPr>
-        <p:spPr/>
-        <p:txBody>
-          <a:bodyPr/>
-          <a:lstStyle/>
-          <a:p>
-            <a:r>
-              <a:rPr lang="en-US" dirty="0"/>
-              <a:t>Rogue Wave </a:t>
-            </a:r>
-            <a:r>
-              <a:rPr lang="en-US" dirty="0" err="1"/>
-              <a:t>ThreadSpotter</a:t>
-            </a:r>
-            <a:r>
-              <a:rPr lang="en-US" dirty="0"/>
-              <a:t> </a:t>
-            </a:r>
-            <a:endParaRPr lang="en-US" dirty="0"/>
-          </a:p>
-        </p:txBody>
-      </p:sp>
-      <p:sp>
-        <p:nvSpPr>
           <p:cNvPr id="3" name="Content Placeholder 2"/>
           <p:cNvSpPr>
             <a:spLocks noGrp="1"/>
@@ -12404,6 +12849,103 @@
               <a:t>				</a:t>
             </a:r>
             <a:endParaRPr lang="en-US" dirty="0"/>
+          </a:p>
+        </p:txBody>
+      </p:sp>
+      <p:sp>
+        <p:nvSpPr>
+          <p:cNvPr id="6" name="Title 1"/>
+          <p:cNvSpPr>
+            <a:spLocks noGrp="1"/>
+          </p:cNvSpPr>
+          <p:nvPr>
+            <p:ph type="title"/>
+          </p:nvPr>
+        </p:nvSpPr>
+        <p:spPr/>
+        <p:txBody>
+          <a:bodyPr/>
+          <a:lstStyle/>
+          <a:p>
+            <a:r>
+              <a:rPr lang="en-US" dirty="0" smtClean="0"/>
+              <a:t/>
+            </a:r>
+            <a:br>
+              <a:rPr lang="en-US" dirty="0" smtClean="0"/>
+            </a:br>
+            <a:r>
+              <a:rPr lang="en-US" dirty="0" smtClean="0"/>
+              <a:t>Rogue Wave </a:t>
+            </a:r>
+            <a:r>
+              <a:rPr lang="en-US" dirty="0" err="1" smtClean="0"/>
+              <a:t>ThreadSpotter</a:t>
+            </a:r>
+            <a:r>
+              <a:rPr lang="en-US" dirty="0" smtClean="0"/>
+              <a:t> </a:t>
+            </a:r>
+            <a:br>
+              <a:rPr lang="en-US" dirty="0" smtClean="0"/>
+            </a:br>
+            <a:endParaRPr lang="en-US" dirty="0"/>
+          </a:p>
+        </p:txBody>
+      </p:sp>
+      <p:sp>
+        <p:nvSpPr>
+          <p:cNvPr id="7" name="TextBox 6"/>
+          <p:cNvSpPr txBox="1"/>
+          <p:nvPr/>
+        </p:nvSpPr>
+        <p:spPr>
+          <a:xfrm>
+            <a:off x="215447" y="5945482"/>
+            <a:ext cx="6372777" cy="553998"/>
+          </a:xfrm>
+          <a:prstGeom prst="rect">
+            <a:avLst/>
+          </a:prstGeom>
+          <a:noFill/>
+        </p:spPr>
+        <p:txBody>
+          <a:bodyPr wrap="square" rtlCol="0">
+            <a:spAutoFit/>
+          </a:bodyPr>
+          <a:lstStyle/>
+          <a:p>
+            <a:r>
+              <a:rPr lang="en-US" sz="1000" dirty="0">
+                <a:hlinkClick r:id="rId2"/>
+              </a:rPr>
+              <a:t>http://</a:t>
+            </a:r>
+            <a:r>
+              <a:rPr lang="en-US" sz="1000" dirty="0" smtClean="0">
+                <a:hlinkClick r:id="rId2"/>
+              </a:rPr>
+              <a:t>www.paratools.com/threadspotter</a:t>
+            </a:r>
+            <a:endParaRPr lang="en-US" sz="1000" dirty="0" smtClean="0"/>
+          </a:p>
+          <a:p>
+            <a:r>
+              <a:rPr lang="en-US" sz="1000" dirty="0">
+                <a:hlinkClick r:id="rId3" action="ppaction://hlinkfile"/>
+              </a:rPr>
+              <a:t>ftp://</a:t>
+            </a:r>
+            <a:r>
+              <a:rPr lang="en-US" sz="1000" dirty="0" smtClean="0">
+                <a:hlinkClick r:id="rId3" action="ppaction://hlinkfile"/>
+              </a:rPr>
+              <a:t>ftp.paratools.com/threadspotter/documentation/ParaTools_TS_tutorial.pdf</a:t>
+            </a:r>
+            <a:endParaRPr lang="en-US" sz="1000" dirty="0" smtClean="0"/>
+          </a:p>
+          <a:p>
+            <a:endParaRPr lang="en-US" sz="1000" dirty="0"/>
           </a:p>
         </p:txBody>
       </p:sp>
@@ -12464,6 +13006,13 @@
           <a:p>
             <a:r>
               <a:rPr lang="en-US" dirty="0" smtClean="0"/>
+              <a:t/>
+            </a:r>
+            <a:br>
+              <a:rPr lang="en-US" dirty="0" smtClean="0"/>
+            </a:br>
+            <a:r>
+              <a:rPr lang="en-US" dirty="0" smtClean="0"/>
               <a:t>Rogue Wave </a:t>
             </a:r>
             <a:r>
@@ -12525,49 +13074,11 @@
             </a:r>
           </a:p>
           <a:p>
-            <a:pPr marL="881062" lvl="3" indent="-342900">
-              <a:buFont typeface="Arial" charset="0"/>
-              <a:buChar char="•"/>
-            </a:pPr>
-            <a:r>
-              <a:rPr lang="en-US" dirty="0" smtClean="0"/>
-              <a:t>To help hardware </a:t>
-            </a:r>
-            <a:r>
-              <a:rPr lang="en-US" dirty="0" err="1" smtClean="0"/>
-              <a:t>prefetcher</a:t>
-            </a:r>
-            <a:endParaRPr lang="en-US" dirty="0" smtClean="0"/>
-          </a:p>
-          <a:p>
             <a:pPr marL="701675" lvl="2" indent="-342900">
               <a:buFont typeface="Arial" charset="0"/>
               <a:buChar char="•"/>
             </a:pPr>
-            <a:r>
-              <a:rPr lang="en-US" dirty="0" smtClean="0"/>
-              <a:t>Enhancing spatial locality </a:t>
-            </a:r>
-          </a:p>
-          <a:p>
-            <a:pPr marL="881062" lvl="3" indent="-342900">
-              <a:buFont typeface="Arial" charset="0"/>
-              <a:buChar char="•"/>
-            </a:pPr>
-            <a:r>
-              <a:rPr lang="en-US" dirty="0" smtClean="0"/>
-              <a:t>To help minimize the amount of unused data transferred between memory and cache</a:t>
-            </a:r>
-          </a:p>
-          <a:p>
-            <a:pPr marL="881062" lvl="3" indent="-342900">
-              <a:buFont typeface="Arial" charset="0"/>
-              <a:buChar char="•"/>
-            </a:pPr>
-            <a:r>
-              <a:rPr lang="en-US" dirty="0" smtClean="0"/>
-              <a:t>Minimize the amount of cache space occupied by unused data</a:t>
-            </a:r>
+            <a:endParaRPr lang="en-US" dirty="0" smtClean="0"/>
           </a:p>
           <a:p>
             <a:pPr marL="701675" lvl="2" indent="-342900">
@@ -12576,17 +13087,7 @@
             </a:pPr>
             <a:r>
               <a:rPr lang="en-US" dirty="0" smtClean="0"/>
-              <a:t>Enhancing temporal locality</a:t>
-            </a:r>
-          </a:p>
-          <a:p>
-            <a:pPr marL="881062" lvl="3" indent="-342900">
-              <a:buFont typeface="Arial" charset="0"/>
-              <a:buChar char="•"/>
-            </a:pPr>
-            <a:r>
-              <a:rPr lang="en-US" dirty="0" smtClean="0"/>
-              <a:t>By suggesting ways to reuse data while it remains in the cache</a:t>
+              <a:t>Enhancing spatial locality </a:t>
             </a:r>
           </a:p>
           <a:p>
@@ -12594,29 +13095,34 @@
               <a:buFont typeface="Arial" charset="0"/>
               <a:buChar char="•"/>
             </a:pPr>
-            <a:r>
-              <a:rPr lang="en-US" dirty="0" smtClean="0"/>
-              <a:t>Hide memory access</a:t>
-            </a:r>
-          </a:p>
-          <a:p>
-            <a:pPr marL="881062" lvl="3" indent="-342900">
+            <a:endParaRPr lang="en-US" dirty="0" smtClean="0"/>
+          </a:p>
+          <a:p>
+            <a:pPr marL="701675" lvl="2" indent="-342900">
               <a:buFont typeface="Arial" charset="0"/>
               <a:buChar char="•"/>
             </a:pPr>
             <a:r>
               <a:rPr lang="en-US" dirty="0" smtClean="0"/>
-              <a:t>By adding </a:t>
-            </a:r>
-            <a:r>
-              <a:rPr lang="en-US" dirty="0" err="1" smtClean="0"/>
-              <a:t>prefetch</a:t>
-            </a:r>
+              <a:t>Enhancing temporal locality</a:t>
+            </a:r>
+          </a:p>
+          <a:p>
+            <a:pPr marL="701675" lvl="2" indent="-342900">
+              <a:buFont typeface="Arial" charset="0"/>
+              <a:buChar char="•"/>
+            </a:pPr>
+            <a:endParaRPr lang="en-US" dirty="0" smtClean="0"/>
+          </a:p>
+          <a:p>
+            <a:pPr marL="701675" lvl="2" indent="-342900">
+              <a:buFont typeface="Arial" charset="0"/>
+              <a:buChar char="•"/>
+            </a:pPr>
             <a:r>
               <a:rPr lang="en-US" dirty="0" smtClean="0"/>
-              <a:t> instructions</a:t>
-            </a:r>
-            <a:endParaRPr lang="en-US" dirty="0"/>
+              <a:t>Hide memory access</a:t>
+            </a:r>
           </a:p>
           <a:p>
             <a:r>
@@ -12624,6 +13130,62 @@
               <a:t>		</a:t>
             </a:r>
             <a:endParaRPr lang="en-US" dirty="0"/>
+          </a:p>
+        </p:txBody>
+      </p:sp>
+      <p:sp>
+        <p:nvSpPr>
+          <p:cNvPr id="4" name="TextBox 3"/>
+          <p:cNvSpPr txBox="1"/>
+          <p:nvPr/>
+        </p:nvSpPr>
+        <p:spPr>
+          <a:xfrm>
+            <a:off x="215447" y="5945482"/>
+            <a:ext cx="6372777" cy="553998"/>
+          </a:xfrm>
+          <a:prstGeom prst="rect">
+            <a:avLst/>
+          </a:prstGeom>
+          <a:noFill/>
+        </p:spPr>
+        <p:txBody>
+          <a:bodyPr wrap="square" rtlCol="0">
+            <a:spAutoFit/>
+          </a:bodyPr>
+          <a:lstStyle/>
+          <a:p>
+            <a:r>
+              <a:rPr lang="en-US" sz="1000" dirty="0">
+                <a:hlinkClick r:id="rId3"/>
+              </a:rPr>
+              <a:t>http://</a:t>
+            </a:r>
+            <a:r>
+              <a:rPr lang="en-US" sz="1000" dirty="0" smtClean="0">
+                <a:hlinkClick r:id="rId3"/>
+              </a:rPr>
+              <a:t>www.paratools.com/threadspotter</a:t>
+            </a:r>
+            <a:endParaRPr lang="en-US" sz="1000" dirty="0" smtClean="0"/>
+          </a:p>
+          <a:p>
+            <a:r>
+              <a:rPr lang="en-US" sz="1000" dirty="0">
+                <a:hlinkClick r:id="rId4" action="ppaction://hlinkfile"/>
+              </a:rPr>
+              <a:t>ftp://</a:t>
+            </a:r>
+            <a:r>
+              <a:rPr lang="en-US" sz="1000" dirty="0" smtClean="0">
+                <a:hlinkClick r:id="rId4" action="ppaction://hlinkfile"/>
+              </a:rPr>
+              <a:t>ftp.paratools.com/threadspotter/documentation/ParaTools_TS_tutorial.pdf</a:t>
+            </a:r>
+            <a:endParaRPr lang="en-US" sz="1000" dirty="0" smtClean="0"/>
+          </a:p>
+          <a:p>
+            <a:endParaRPr lang="en-US" sz="1000" dirty="0"/>
           </a:p>
         </p:txBody>
       </p:sp>
@@ -12683,27 +13245,8 @@
           <a:lstStyle/>
           <a:p>
             <a:r>
-              <a:rPr lang="en-US" dirty="0"/>
-              <a:t>Rogue Wave </a:t>
-            </a:r>
-            <a:r>
-              <a:rPr lang="en-US" dirty="0" err="1"/>
-              <a:t>ThreadSpotter</a:t>
-            </a:r>
-            <a:r>
-              <a:rPr lang="en-US" dirty="0"/>
-              <a:t> </a:t>
-            </a:r>
-            <a:r>
-              <a:rPr lang="en-US" dirty="0" smtClean="0"/>
-              <a:t/>
-            </a:r>
-            <a:br>
-              <a:rPr lang="en-US" dirty="0" smtClean="0"/>
-            </a:br>
-            <a:r>
-              <a:rPr lang="en-US" dirty="0" smtClean="0"/>
-              <a:t>Structure</a:t>
+              <a:rPr lang="de-DE" dirty="0" smtClean="0"/>
+              <a:t>Thread Mapping</a:t>
             </a:r>
             <a:endParaRPr lang="en-US" dirty="0"/>
           </a:p>
@@ -12722,7 +13265,7 @@
         <p:spPr>
           <a:xfrm>
             <a:off x="360000" y="1620000"/>
-            <a:ext cx="8460472" cy="4479943"/>
+            <a:ext cx="8532480" cy="4479943"/>
           </a:xfrm>
         </p:spPr>
         <p:txBody>
@@ -12734,8 +13277,31 @@
               <a:buChar char="•"/>
             </a:pPr>
             <a:r>
+              <a:rPr lang="en-US" dirty="0"/>
+              <a:t>L</a:t>
+            </a:r>
+            <a:r>
               <a:rPr lang="en-US" dirty="0" smtClean="0"/>
-              <a:t>Sampler</a:t>
+              <a:t>arge </a:t>
+            </a:r>
+            <a:r>
+              <a:rPr lang="en-US" dirty="0"/>
+              <a:t>impact on the application’s performance and energy consumption </a:t>
+            </a:r>
+            <a:endParaRPr lang="de-DE" dirty="0" smtClean="0"/>
+          </a:p>
+          <a:p>
+            <a:pPr marL="342900" indent="-342900">
+              <a:buFont typeface="Arial" charset="0"/>
+              <a:buChar char="•"/>
+            </a:pPr>
+            <a:r>
+              <a:rPr lang="de-DE" dirty="0" smtClean="0"/>
+              <a:t>Different </a:t>
+            </a:r>
+            <a:r>
+              <a:rPr lang="de-DE" dirty="0" smtClean="0"/>
+              <a:t>Approaches</a:t>
             </a:r>
           </a:p>
           <a:p>
@@ -12744,27 +13310,184 @@
               <a:buChar char="•"/>
             </a:pPr>
             <a:r>
-              <a:rPr lang="en-US" dirty="0" smtClean="0"/>
-              <a:t>Spies on the application </a:t>
-            </a:r>
-            <a:r>
-              <a:rPr lang="en-US" dirty="0"/>
-              <a:t>and </a:t>
-            </a:r>
-            <a:r>
-              <a:rPr lang="en-US" dirty="0" smtClean="0"/>
-              <a:t>collects information</a:t>
-            </a:r>
-          </a:p>
-          <a:p>
-            <a:pPr marL="342900" indent="-342900">
+              <a:rPr lang="de-DE" dirty="0" err="1" smtClean="0"/>
+              <a:t>Locality-based</a:t>
+            </a:r>
+            <a:r>
+              <a:rPr lang="de-DE" dirty="0" smtClean="0"/>
+              <a:t> </a:t>
+            </a:r>
+            <a:r>
+              <a:rPr lang="de-DE" dirty="0" err="1" smtClean="0"/>
+              <a:t>mapping</a:t>
+            </a:r>
+            <a:endParaRPr lang="de-DE" dirty="0" smtClean="0"/>
+          </a:p>
+          <a:p>
+            <a:pPr marL="881062" lvl="3" indent="-342900">
               <a:buFont typeface="Arial" charset="0"/>
               <a:buChar char="•"/>
             </a:pPr>
             <a:r>
-              <a:rPr lang="en-US" dirty="0" smtClean="0"/>
-              <a:t>Reporter</a:t>
-            </a:r>
+              <a:rPr lang="de-DE" dirty="0"/>
+              <a:t>M</a:t>
+            </a:r>
+            <a:r>
+              <a:rPr lang="de-DE" dirty="0" smtClean="0"/>
+              <a:t>apping </a:t>
+            </a:r>
+            <a:r>
+              <a:rPr lang="de-DE" dirty="0" err="1"/>
+              <a:t>threads</a:t>
+            </a:r>
+            <a:r>
+              <a:rPr lang="de-DE" dirty="0"/>
+              <a:t> </a:t>
+            </a:r>
+            <a:r>
+              <a:rPr lang="de-DE" dirty="0" err="1"/>
+              <a:t>that</a:t>
+            </a:r>
+            <a:r>
+              <a:rPr lang="de-DE" dirty="0"/>
+              <a:t> </a:t>
+            </a:r>
+            <a:r>
+              <a:rPr lang="de-DE" dirty="0" err="1"/>
+              <a:t>frequently</a:t>
+            </a:r>
+            <a:r>
+              <a:rPr lang="de-DE" dirty="0"/>
+              <a:t> </a:t>
+            </a:r>
+            <a:r>
+              <a:rPr lang="de-DE" dirty="0" err="1"/>
+              <a:t>communicate</a:t>
+            </a:r>
+            <a:r>
+              <a:rPr lang="de-DE" dirty="0"/>
+              <a:t> </a:t>
+            </a:r>
+            <a:r>
+              <a:rPr lang="de-DE" dirty="0" err="1"/>
+              <a:t>with</a:t>
+            </a:r>
+            <a:r>
+              <a:rPr lang="de-DE" dirty="0"/>
+              <a:t> </a:t>
+            </a:r>
+            <a:r>
+              <a:rPr lang="de-DE" dirty="0" err="1"/>
+              <a:t>each</a:t>
+            </a:r>
+            <a:r>
+              <a:rPr lang="de-DE" dirty="0"/>
+              <a:t> </a:t>
+            </a:r>
+            <a:r>
+              <a:rPr lang="de-DE" dirty="0" err="1"/>
+              <a:t>other</a:t>
+            </a:r>
+            <a:r>
+              <a:rPr lang="de-DE" dirty="0"/>
+              <a:t> </a:t>
+            </a:r>
+            <a:r>
+              <a:rPr lang="de-DE" dirty="0" err="1"/>
+              <a:t>to</a:t>
+            </a:r>
+            <a:r>
+              <a:rPr lang="de-DE" dirty="0"/>
+              <a:t> </a:t>
+            </a:r>
+            <a:r>
+              <a:rPr lang="de-DE" dirty="0" err="1"/>
+              <a:t>processing</a:t>
+            </a:r>
+            <a:r>
+              <a:rPr lang="de-DE" dirty="0"/>
+              <a:t> </a:t>
+            </a:r>
+            <a:r>
+              <a:rPr lang="de-DE" dirty="0" err="1"/>
+              <a:t>units</a:t>
+            </a:r>
+            <a:r>
+              <a:rPr lang="de-DE" dirty="0"/>
+              <a:t> </a:t>
+            </a:r>
+            <a:r>
+              <a:rPr lang="de-DE" dirty="0" err="1"/>
+              <a:t>that</a:t>
+            </a:r>
+            <a:r>
+              <a:rPr lang="de-DE" dirty="0"/>
+              <a:t> </a:t>
+            </a:r>
+            <a:r>
+              <a:rPr lang="de-DE" dirty="0" err="1"/>
+              <a:t>are</a:t>
+            </a:r>
+            <a:r>
+              <a:rPr lang="de-DE" dirty="0"/>
+              <a:t> </a:t>
+            </a:r>
+            <a:r>
+              <a:rPr lang="de-DE" dirty="0" err="1"/>
+              <a:t>closer</a:t>
+            </a:r>
+            <a:r>
+              <a:rPr lang="de-DE" dirty="0"/>
+              <a:t> </a:t>
+            </a:r>
+            <a:r>
+              <a:rPr lang="de-DE" dirty="0" err="1"/>
+              <a:t>to</a:t>
+            </a:r>
+            <a:r>
+              <a:rPr lang="de-DE" dirty="0"/>
+              <a:t> </a:t>
+            </a:r>
+            <a:r>
+              <a:rPr lang="de-DE" dirty="0" err="1"/>
+              <a:t>each</a:t>
+            </a:r>
+            <a:r>
+              <a:rPr lang="de-DE" dirty="0"/>
+              <a:t> </a:t>
+            </a:r>
+            <a:r>
+              <a:rPr lang="de-DE" dirty="0" err="1"/>
+              <a:t>other</a:t>
+            </a:r>
+            <a:r>
+              <a:rPr lang="de-DE" dirty="0"/>
+              <a:t> </a:t>
+            </a:r>
+            <a:r>
+              <a:rPr lang="de-DE" dirty="0" smtClean="0"/>
+              <a:t>in </a:t>
+            </a:r>
+            <a:r>
+              <a:rPr lang="de-DE" dirty="0" err="1" smtClean="0"/>
+              <a:t>memory</a:t>
+            </a:r>
+            <a:r>
+              <a:rPr lang="de-DE" dirty="0" smtClean="0"/>
+              <a:t> </a:t>
+            </a:r>
+            <a:r>
+              <a:rPr lang="de-DE" dirty="0" err="1" smtClean="0"/>
+              <a:t>hierarchy</a:t>
+            </a:r>
+            <a:endParaRPr lang="de-DE" dirty="0" smtClean="0"/>
+          </a:p>
+          <a:p>
+            <a:pPr marL="881062" lvl="3" indent="-342900">
+              <a:buFont typeface="Arial" charset="0"/>
+              <a:buChar char="•"/>
+            </a:pPr>
+            <a:endParaRPr lang="de-DE" dirty="0" smtClean="0"/>
           </a:p>
           <a:p>
             <a:pPr marL="701675" lvl="2" indent="-342900">
@@ -12772,19 +13495,128 @@
               <a:buChar char="•"/>
             </a:pPr>
             <a:r>
-              <a:rPr lang="en-US" dirty="0" smtClean="0"/>
-              <a:t>The collected information is analyzed and results are written to report</a:t>
-            </a:r>
-          </a:p>
-          <a:p>
-            <a:pPr marL="342900" indent="-342900">
+              <a:rPr lang="de-DE" dirty="0" err="1" smtClean="0"/>
+              <a:t>Balanced-based</a:t>
+            </a:r>
+            <a:r>
+              <a:rPr lang="de-DE" dirty="0" smtClean="0"/>
+              <a:t> </a:t>
+            </a:r>
+            <a:r>
+              <a:rPr lang="de-DE" dirty="0" err="1" smtClean="0"/>
+              <a:t>mapping</a:t>
+            </a:r>
+            <a:endParaRPr lang="de-DE" dirty="0" smtClean="0"/>
+          </a:p>
+          <a:p>
+            <a:pPr marL="881062" lvl="3" indent="-342900">
               <a:buFont typeface="Arial" charset="0"/>
               <a:buChar char="•"/>
             </a:pPr>
             <a:r>
-              <a:rPr lang="en-US" dirty="0" smtClean="0"/>
-              <a:t>A graphical user interface</a:t>
-            </a:r>
+              <a:rPr lang="de-DE" dirty="0" smtClean="0"/>
+              <a:t>Mapping </a:t>
+            </a:r>
+            <a:r>
+              <a:rPr lang="de-DE" dirty="0" err="1" smtClean="0"/>
+              <a:t>threads</a:t>
+            </a:r>
+            <a:r>
+              <a:rPr lang="de-DE" dirty="0" smtClean="0"/>
+              <a:t> </a:t>
+            </a:r>
+            <a:r>
+              <a:rPr lang="de-DE" dirty="0" err="1" smtClean="0"/>
+              <a:t>to</a:t>
+            </a:r>
+            <a:r>
+              <a:rPr lang="de-DE" dirty="0" smtClean="0"/>
+              <a:t> </a:t>
+            </a:r>
+            <a:r>
+              <a:rPr lang="de-DE" dirty="0" err="1" smtClean="0"/>
+              <a:t>the</a:t>
+            </a:r>
+            <a:r>
+              <a:rPr lang="de-DE" dirty="0" smtClean="0"/>
+              <a:t> </a:t>
+            </a:r>
+            <a:r>
+              <a:rPr lang="de-DE" dirty="0" err="1" smtClean="0"/>
+              <a:t>cores</a:t>
+            </a:r>
+            <a:r>
+              <a:rPr lang="de-DE" dirty="0" smtClean="0"/>
+              <a:t> </a:t>
+            </a:r>
+            <a:r>
+              <a:rPr lang="de-DE" dirty="0" err="1" smtClean="0"/>
+              <a:t>which</a:t>
+            </a:r>
+            <a:r>
+              <a:rPr lang="de-DE" dirty="0" smtClean="0"/>
+              <a:t> </a:t>
+            </a:r>
+            <a:r>
+              <a:rPr lang="de-DE" dirty="0" err="1" smtClean="0"/>
+              <a:t>have</a:t>
+            </a:r>
+            <a:r>
+              <a:rPr lang="de-DE" dirty="0" smtClean="0"/>
+              <a:t> </a:t>
+            </a:r>
+            <a:r>
+              <a:rPr lang="de-DE" dirty="0" err="1" smtClean="0"/>
+              <a:t>lower</a:t>
+            </a:r>
+            <a:r>
+              <a:rPr lang="de-DE" dirty="0" smtClean="0"/>
+              <a:t> </a:t>
+            </a:r>
+            <a:r>
+              <a:rPr lang="de-DE" dirty="0" err="1" smtClean="0"/>
+              <a:t>load</a:t>
+            </a:r>
+            <a:r>
+              <a:rPr lang="de-DE" dirty="0" smtClean="0"/>
+              <a:t> in </a:t>
+            </a:r>
+            <a:r>
+              <a:rPr lang="de-DE" dirty="0" err="1" smtClean="0"/>
+              <a:t>terms</a:t>
+            </a:r>
+            <a:r>
+              <a:rPr lang="de-DE" dirty="0" smtClean="0"/>
+              <a:t> </a:t>
+            </a:r>
+            <a:r>
+              <a:rPr lang="de-DE" dirty="0" err="1" smtClean="0"/>
+              <a:t>of</a:t>
+            </a:r>
+            <a:r>
+              <a:rPr lang="de-DE" dirty="0" smtClean="0"/>
+              <a:t> </a:t>
+            </a:r>
+            <a:r>
+              <a:rPr lang="de-DE" dirty="0" err="1" smtClean="0"/>
+              <a:t>assigned</a:t>
+            </a:r>
+            <a:r>
+              <a:rPr lang="de-DE" dirty="0" smtClean="0"/>
+              <a:t> </a:t>
+            </a:r>
+            <a:r>
+              <a:rPr lang="de-DE" dirty="0" err="1" smtClean="0"/>
+              <a:t>threads</a:t>
+            </a:r>
+            <a:endParaRPr lang="de-DE" dirty="0" smtClean="0"/>
+          </a:p>
+          <a:p>
+            <a:pPr marL="881062" lvl="3" indent="-342900">
+              <a:buFont typeface="Arial" charset="0"/>
+              <a:buChar char="•"/>
+            </a:pPr>
+            <a:endParaRPr lang="de-DE" dirty="0" smtClean="0"/>
           </a:p>
           <a:p>
             <a:pPr marL="701675" lvl="2" indent="-342900">
@@ -12792,43 +13624,177 @@
               <a:buChar char="•"/>
             </a:pPr>
             <a:r>
-              <a:rPr lang="en-US" dirty="0" smtClean="0"/>
-              <a:t>To set parameters for sampling and report generation</a:t>
-            </a:r>
-          </a:p>
-          <a:p>
-            <a:pPr marL="342900" indent="-342900">
+              <a:rPr lang="de-DE" dirty="0" err="1"/>
+              <a:t>Combined</a:t>
+            </a:r>
+            <a:r>
+              <a:rPr lang="de-DE" dirty="0"/>
+              <a:t> </a:t>
+            </a:r>
+            <a:r>
+              <a:rPr lang="de-DE" dirty="0" err="1"/>
+              <a:t>apporach</a:t>
+            </a:r>
+            <a:endParaRPr lang="de-DE" dirty="0"/>
+          </a:p>
+          <a:p>
+            <a:pPr marL="881062" lvl="3" indent="-342900">
               <a:buFont typeface="Arial" charset="0"/>
               <a:buChar char="•"/>
             </a:pPr>
             <a:r>
-              <a:rPr lang="en-US" dirty="0" smtClean="0"/>
-              <a:t>Command line tools</a:t>
-            </a:r>
-          </a:p>
-          <a:p>
-            <a:pPr marL="701675" lvl="2" indent="-342900">
-              <a:buFont typeface="Arial" charset="0"/>
-              <a:buChar char="•"/>
-            </a:pPr>
-            <a:r>
-              <a:rPr lang="en-US" dirty="0" smtClean="0"/>
-              <a:t>To do the same thing using command line</a:t>
-            </a:r>
-          </a:p>
-          <a:p>
-            <a:r>
-              <a:rPr lang="en-US" dirty="0" smtClean="0"/>
-              <a:t>				</a:t>
-            </a:r>
-            <a:endParaRPr lang="en-US" dirty="0"/>
+              <a:rPr lang="de-DE" dirty="0" err="1"/>
+              <a:t>Use</a:t>
+            </a:r>
+            <a:r>
+              <a:rPr lang="de-DE" dirty="0"/>
+              <a:t> </a:t>
+            </a:r>
+            <a:r>
+              <a:rPr lang="de-DE" dirty="0" err="1"/>
+              <a:t>both</a:t>
+            </a:r>
+            <a:r>
+              <a:rPr lang="de-DE" dirty="0"/>
+              <a:t> </a:t>
+            </a:r>
+            <a:r>
+              <a:rPr lang="de-DE" dirty="0" err="1"/>
+              <a:t>lolcality</a:t>
+            </a:r>
+            <a:r>
+              <a:rPr lang="de-DE" dirty="0"/>
+              <a:t> </a:t>
+            </a:r>
+            <a:r>
+              <a:rPr lang="de-DE" dirty="0" err="1"/>
+              <a:t>and</a:t>
+            </a:r>
+            <a:r>
+              <a:rPr lang="de-DE" dirty="0"/>
+              <a:t> </a:t>
+            </a:r>
+            <a:r>
+              <a:rPr lang="de-DE" dirty="0" err="1"/>
+              <a:t>balance</a:t>
+            </a:r>
+            <a:r>
+              <a:rPr lang="de-DE" dirty="0"/>
+              <a:t> </a:t>
+            </a:r>
+            <a:r>
+              <a:rPr lang="de-DE" dirty="0" err="1"/>
+              <a:t>parameters</a:t>
+            </a:r>
+            <a:r>
+              <a:rPr lang="de-DE" dirty="0"/>
+              <a:t> </a:t>
+            </a:r>
+            <a:r>
+              <a:rPr lang="de-DE" dirty="0" err="1"/>
+              <a:t>to</a:t>
+            </a:r>
+            <a:r>
+              <a:rPr lang="de-DE" dirty="0"/>
+              <a:t> </a:t>
+            </a:r>
+            <a:r>
+              <a:rPr lang="de-DE" dirty="0" err="1"/>
+              <a:t>map</a:t>
+            </a:r>
+            <a:r>
+              <a:rPr lang="de-DE" dirty="0"/>
+              <a:t> </a:t>
+            </a:r>
+            <a:r>
+              <a:rPr lang="de-DE" dirty="0" err="1"/>
+              <a:t>the</a:t>
+            </a:r>
+            <a:r>
+              <a:rPr lang="de-DE" dirty="0"/>
+              <a:t> </a:t>
+            </a:r>
+            <a:r>
+              <a:rPr lang="de-DE" dirty="0" err="1"/>
+              <a:t>threads</a:t>
+            </a:r>
+            <a:r>
+              <a:rPr lang="de-DE" dirty="0"/>
+              <a:t> </a:t>
+            </a:r>
+            <a:r>
+              <a:rPr lang="de-DE" dirty="0" err="1"/>
+              <a:t>to</a:t>
+            </a:r>
+            <a:r>
+              <a:rPr lang="de-DE" dirty="0"/>
+              <a:t> different </a:t>
+            </a:r>
+            <a:r>
+              <a:rPr lang="de-DE" dirty="0" err="1" smtClean="0"/>
+              <a:t>cores</a:t>
+            </a:r>
+            <a:endParaRPr lang="de-DE" dirty="0"/>
+          </a:p>
+        </p:txBody>
+      </p:sp>
+      <p:sp>
+        <p:nvSpPr>
+          <p:cNvPr id="4" name="TextBox 3"/>
+          <p:cNvSpPr txBox="1"/>
+          <p:nvPr/>
+        </p:nvSpPr>
+        <p:spPr>
+          <a:xfrm>
+            <a:off x="215447" y="5945482"/>
+            <a:ext cx="6372777" cy="553998"/>
+          </a:xfrm>
+          <a:prstGeom prst="rect">
+            <a:avLst/>
+          </a:prstGeom>
+          <a:noFill/>
+        </p:spPr>
+        <p:txBody>
+          <a:bodyPr wrap="square" rtlCol="0">
+            <a:spAutoFit/>
+          </a:bodyPr>
+          <a:lstStyle/>
+          <a:p>
+            <a:r>
+              <a:rPr lang="en-US" sz="1000" dirty="0" err="1"/>
+              <a:t>Diener</a:t>
+            </a:r>
+            <a:r>
+              <a:rPr lang="en-US" sz="1000" dirty="0"/>
+              <a:t> M., </a:t>
+            </a:r>
+            <a:r>
+              <a:rPr lang="en-US" sz="1000" dirty="0" smtClean="0"/>
+              <a:t>et al. </a:t>
+            </a:r>
+            <a:r>
+              <a:rPr lang="en-US" sz="1000" dirty="0"/>
+              <a:t>(2015) Locality and Balance for Communication-Aware Thread Mapping in Multicore Systems</a:t>
+            </a:r>
+            <a:r>
+              <a:rPr lang="en-US" sz="1000" dirty="0" smtClean="0"/>
+              <a:t>. Euro-Par 2015</a:t>
+            </a:r>
+            <a:r>
+              <a:rPr lang="en-US" sz="1000" dirty="0"/>
+              <a:t/>
+            </a:r>
+            <a:br>
+              <a:rPr lang="en-US" sz="1000" dirty="0"/>
+            </a:br>
+            <a:endParaRPr lang="en-US" sz="1000" dirty="0"/>
           </a:p>
         </p:txBody>
       </p:sp>
     </p:spTree>
     <p:extLst>
       <p:ext uri="{BB962C8B-B14F-4D97-AF65-F5344CB8AC3E}">
-        <p14:creationId xmlns:p14="http://schemas.microsoft.com/office/powerpoint/2010/main" val="2126179"/>
+        <p14:creationId xmlns:p14="http://schemas.microsoft.com/office/powerpoint/2010/main" val="3692018628"/>
       </p:ext>
     </p:extLst>
   </p:cSld>
@@ -12882,7 +13848,18 @@
           <a:p>
             <a:r>
               <a:rPr lang="de-DE" dirty="0" smtClean="0"/>
-              <a:t>Thread Mapping</a:t>
+              <a:t>Thread </a:t>
+            </a:r>
+            <a:r>
+              <a:rPr lang="de-DE" dirty="0" smtClean="0"/>
+              <a:t>Mapping</a:t>
+            </a:r>
+            <a:br>
+              <a:rPr lang="de-DE" dirty="0" smtClean="0"/>
+            </a:br>
+            <a:r>
+              <a:rPr lang="de-DE" dirty="0" err="1" smtClean="0"/>
+              <a:t>Policies</a:t>
             </a:r>
             <a:endParaRPr lang="en-US" dirty="0"/>
           </a:p>
@@ -12908,337 +13885,26 @@
           <a:bodyPr/>
           <a:lstStyle/>
           <a:p>
-            <a:pPr marL="342900" indent="-342900">
-              <a:buFont typeface="Arial" charset="0"/>
-              <a:buChar char="•"/>
-            </a:pPr>
-            <a:r>
-              <a:rPr lang="en-US" dirty="0"/>
-              <a:t>L</a:t>
-            </a:r>
-            <a:r>
-              <a:rPr lang="en-US" dirty="0" smtClean="0"/>
-              <a:t>arge </a:t>
-            </a:r>
-            <a:r>
-              <a:rPr lang="en-US" dirty="0"/>
-              <a:t>impact on the application’s performance and energy consumption </a:t>
-            </a:r>
-            <a:endParaRPr lang="de-DE" dirty="0" smtClean="0"/>
-          </a:p>
-          <a:p>
-            <a:pPr marL="342900" indent="-342900">
-              <a:buFont typeface="Arial" charset="0"/>
-              <a:buChar char="•"/>
-            </a:pPr>
-            <a:r>
-              <a:rPr lang="de-DE" dirty="0" smtClean="0"/>
-              <a:t>Different </a:t>
-            </a:r>
-            <a:r>
-              <a:rPr lang="de-DE" dirty="0" smtClean="0"/>
-              <a:t>Approaches</a:t>
-            </a:r>
-          </a:p>
-          <a:p>
             <a:pPr marL="701675" lvl="2" indent="-342900">
               <a:buFont typeface="Arial" charset="0"/>
               <a:buChar char="•"/>
             </a:pPr>
             <a:r>
-              <a:rPr lang="de-DE" dirty="0" err="1" smtClean="0"/>
-              <a:t>Locality-based</a:t>
-            </a:r>
-            <a:r>
-              <a:rPr lang="de-DE" dirty="0" smtClean="0"/>
-              <a:t> </a:t>
-            </a:r>
-            <a:r>
-              <a:rPr lang="de-DE" dirty="0" err="1" smtClean="0"/>
-              <a:t>mapping</a:t>
-            </a:r>
-            <a:endParaRPr lang="de-DE" dirty="0" smtClean="0"/>
-          </a:p>
-          <a:p>
-            <a:pPr marL="881062" lvl="3" indent="-342900">
-              <a:buFont typeface="Arial" charset="0"/>
-              <a:buChar char="•"/>
-            </a:pPr>
-            <a:r>
-              <a:rPr lang="de-DE" dirty="0"/>
-              <a:t>M</a:t>
-            </a:r>
-            <a:r>
-              <a:rPr lang="de-DE" dirty="0" smtClean="0"/>
-              <a:t>apping </a:t>
-            </a:r>
-            <a:r>
-              <a:rPr lang="de-DE" dirty="0" err="1"/>
-              <a:t>threads</a:t>
-            </a:r>
-            <a:r>
-              <a:rPr lang="de-DE" dirty="0"/>
-              <a:t> </a:t>
-            </a:r>
-            <a:r>
-              <a:rPr lang="de-DE" dirty="0" err="1"/>
-              <a:t>that</a:t>
-            </a:r>
-            <a:r>
-              <a:rPr lang="de-DE" dirty="0"/>
-              <a:t> </a:t>
-            </a:r>
-            <a:r>
-              <a:rPr lang="de-DE" dirty="0" err="1"/>
-              <a:t>frequently</a:t>
-            </a:r>
-            <a:r>
-              <a:rPr lang="de-DE" dirty="0"/>
-              <a:t> </a:t>
-            </a:r>
-            <a:r>
-              <a:rPr lang="de-DE" dirty="0" err="1"/>
-              <a:t>communicate</a:t>
-            </a:r>
-            <a:r>
-              <a:rPr lang="de-DE" dirty="0"/>
-              <a:t> </a:t>
-            </a:r>
-            <a:r>
-              <a:rPr lang="de-DE" dirty="0" err="1"/>
-              <a:t>with</a:t>
-            </a:r>
-            <a:r>
-              <a:rPr lang="de-DE" dirty="0"/>
-              <a:t> </a:t>
-            </a:r>
-            <a:r>
-              <a:rPr lang="de-DE" dirty="0" err="1"/>
-              <a:t>each</a:t>
-            </a:r>
-            <a:r>
-              <a:rPr lang="de-DE" dirty="0"/>
-              <a:t> </a:t>
-            </a:r>
-            <a:r>
-              <a:rPr lang="de-DE" dirty="0" err="1"/>
-              <a:t>other</a:t>
-            </a:r>
-            <a:r>
-              <a:rPr lang="de-DE" dirty="0"/>
-              <a:t> </a:t>
-            </a:r>
-            <a:r>
-              <a:rPr lang="de-DE" dirty="0" err="1"/>
-              <a:t>to</a:t>
-            </a:r>
-            <a:r>
-              <a:rPr lang="de-DE" dirty="0"/>
-              <a:t> </a:t>
-            </a:r>
-            <a:r>
-              <a:rPr lang="de-DE" dirty="0" err="1"/>
-              <a:t>processing</a:t>
-            </a:r>
-            <a:r>
-              <a:rPr lang="de-DE" dirty="0"/>
-              <a:t> </a:t>
-            </a:r>
-            <a:r>
-              <a:rPr lang="de-DE" dirty="0" err="1"/>
-              <a:t>units</a:t>
-            </a:r>
-            <a:r>
-              <a:rPr lang="de-DE" dirty="0"/>
-              <a:t> </a:t>
-            </a:r>
-            <a:r>
-              <a:rPr lang="de-DE" dirty="0" err="1"/>
-              <a:t>that</a:t>
-            </a:r>
-            <a:r>
-              <a:rPr lang="de-DE" dirty="0"/>
-              <a:t> </a:t>
-            </a:r>
-            <a:r>
-              <a:rPr lang="de-DE" dirty="0" err="1"/>
-              <a:t>are</a:t>
-            </a:r>
-            <a:r>
-              <a:rPr lang="de-DE" dirty="0"/>
-              <a:t> </a:t>
-            </a:r>
-            <a:r>
-              <a:rPr lang="de-DE" dirty="0" err="1"/>
-              <a:t>closer</a:t>
-            </a:r>
-            <a:r>
-              <a:rPr lang="de-DE" dirty="0"/>
-              <a:t> </a:t>
-            </a:r>
-            <a:r>
-              <a:rPr lang="de-DE" dirty="0" err="1"/>
-              <a:t>to</a:t>
-            </a:r>
-            <a:r>
-              <a:rPr lang="de-DE" dirty="0"/>
-              <a:t> </a:t>
-            </a:r>
-            <a:r>
-              <a:rPr lang="de-DE" dirty="0" err="1"/>
-              <a:t>each</a:t>
-            </a:r>
-            <a:r>
-              <a:rPr lang="de-DE" dirty="0"/>
-              <a:t> </a:t>
-            </a:r>
-            <a:r>
-              <a:rPr lang="de-DE" dirty="0" err="1"/>
-              <a:t>other</a:t>
-            </a:r>
-            <a:r>
-              <a:rPr lang="de-DE" dirty="0"/>
-              <a:t> </a:t>
-            </a:r>
-            <a:r>
-              <a:rPr lang="de-DE" dirty="0" smtClean="0"/>
-              <a:t>in </a:t>
-            </a:r>
-            <a:r>
-              <a:rPr lang="de-DE" dirty="0" err="1" smtClean="0"/>
-              <a:t>memory</a:t>
-            </a:r>
-            <a:r>
-              <a:rPr lang="de-DE" dirty="0" smtClean="0"/>
-              <a:t> </a:t>
-            </a:r>
-            <a:r>
-              <a:rPr lang="de-DE" dirty="0" err="1" smtClean="0"/>
-              <a:t>hierarchy</a:t>
-            </a:r>
-            <a:endParaRPr lang="de-DE" dirty="0" smtClean="0"/>
+              <a:rPr lang="en-US" dirty="0" smtClean="0"/>
+              <a:t>OS: </a:t>
+            </a:r>
+            <a:r>
+              <a:rPr lang="en-US" dirty="0"/>
+              <a:t>The mapping performed by the operating system </a:t>
+            </a:r>
+            <a:endParaRPr lang="en-US" dirty="0" smtClean="0"/>
           </a:p>
           <a:p>
             <a:pPr marL="701675" lvl="2" indent="-342900">
               <a:buFont typeface="Arial" charset="0"/>
               <a:buChar char="•"/>
             </a:pPr>
-            <a:r>
-              <a:rPr lang="de-DE" dirty="0" err="1" smtClean="0"/>
-              <a:t>Balanced-based</a:t>
-            </a:r>
-            <a:r>
-              <a:rPr lang="de-DE" dirty="0" smtClean="0"/>
-              <a:t> </a:t>
-            </a:r>
-            <a:r>
-              <a:rPr lang="de-DE" dirty="0" err="1" smtClean="0"/>
-              <a:t>mapping</a:t>
-            </a:r>
-            <a:endParaRPr lang="de-DE" dirty="0" smtClean="0"/>
-          </a:p>
-          <a:p>
-            <a:pPr marL="881062" lvl="3" indent="-342900">
-              <a:buFont typeface="Arial" charset="0"/>
-              <a:buChar char="•"/>
-            </a:pPr>
-            <a:r>
-              <a:rPr lang="de-DE" dirty="0" smtClean="0"/>
-              <a:t>Mapping </a:t>
-            </a:r>
-            <a:r>
-              <a:rPr lang="de-DE" dirty="0" err="1" smtClean="0"/>
-              <a:t>threads</a:t>
-            </a:r>
-            <a:r>
-              <a:rPr lang="de-DE" dirty="0" smtClean="0"/>
-              <a:t> </a:t>
-            </a:r>
-            <a:r>
-              <a:rPr lang="de-DE" dirty="0" err="1" smtClean="0"/>
-              <a:t>to</a:t>
-            </a:r>
-            <a:r>
-              <a:rPr lang="de-DE" dirty="0" smtClean="0"/>
-              <a:t> </a:t>
-            </a:r>
-            <a:r>
-              <a:rPr lang="de-DE" dirty="0" err="1" smtClean="0"/>
-              <a:t>the</a:t>
-            </a:r>
-            <a:r>
-              <a:rPr lang="de-DE" dirty="0" smtClean="0"/>
-              <a:t> </a:t>
-            </a:r>
-            <a:r>
-              <a:rPr lang="de-DE" dirty="0" err="1" smtClean="0"/>
-              <a:t>cores</a:t>
-            </a:r>
-            <a:r>
-              <a:rPr lang="de-DE" dirty="0" smtClean="0"/>
-              <a:t> </a:t>
-            </a:r>
-            <a:r>
-              <a:rPr lang="de-DE" dirty="0" err="1" smtClean="0"/>
-              <a:t>which</a:t>
-            </a:r>
-            <a:r>
-              <a:rPr lang="de-DE" dirty="0" smtClean="0"/>
-              <a:t> </a:t>
-            </a:r>
-            <a:r>
-              <a:rPr lang="de-DE" dirty="0" err="1" smtClean="0"/>
-              <a:t>have</a:t>
-            </a:r>
-            <a:r>
-              <a:rPr lang="de-DE" dirty="0" smtClean="0"/>
-              <a:t> </a:t>
-            </a:r>
-            <a:r>
-              <a:rPr lang="de-DE" dirty="0" err="1" smtClean="0"/>
-              <a:t>lower</a:t>
-            </a:r>
-            <a:r>
-              <a:rPr lang="de-DE" dirty="0" smtClean="0"/>
-              <a:t> </a:t>
-            </a:r>
-            <a:r>
-              <a:rPr lang="de-DE" dirty="0" err="1" smtClean="0"/>
-              <a:t>load</a:t>
-            </a:r>
-            <a:r>
-              <a:rPr lang="de-DE" dirty="0" smtClean="0"/>
-              <a:t> in </a:t>
-            </a:r>
-            <a:r>
-              <a:rPr lang="de-DE" dirty="0" err="1" smtClean="0"/>
-              <a:t>terms</a:t>
-            </a:r>
-            <a:r>
-              <a:rPr lang="de-DE" dirty="0" smtClean="0"/>
-              <a:t> </a:t>
-            </a:r>
-            <a:r>
-              <a:rPr lang="de-DE" dirty="0" err="1" smtClean="0"/>
-              <a:t>of</a:t>
-            </a:r>
-            <a:r>
-              <a:rPr lang="de-DE" dirty="0" smtClean="0"/>
-              <a:t> </a:t>
-            </a:r>
-            <a:r>
-              <a:rPr lang="de-DE" dirty="0" err="1" smtClean="0"/>
-              <a:t>assigned</a:t>
-            </a:r>
-            <a:r>
-              <a:rPr lang="de-DE" dirty="0" smtClean="0"/>
-              <a:t> </a:t>
-            </a:r>
-            <a:r>
-              <a:rPr lang="de-DE" dirty="0" err="1" smtClean="0"/>
-              <a:t>threads</a:t>
-            </a:r>
-            <a:endParaRPr lang="de-DE" dirty="0" smtClean="0"/>
+            <a:endParaRPr lang="en-US" dirty="0"/>
           </a:p>
           <a:p>
             <a:pPr marL="701675" lvl="2" indent="-342900">
@@ -13246,124 +13912,174 @@
               <a:buChar char="•"/>
             </a:pPr>
             <a:r>
-              <a:rPr lang="de-DE" dirty="0" err="1"/>
-              <a:t>Combined</a:t>
-            </a:r>
-            <a:r>
-              <a:rPr lang="de-DE" dirty="0"/>
-              <a:t> </a:t>
-            </a:r>
-            <a:r>
-              <a:rPr lang="de-DE" dirty="0" err="1"/>
-              <a:t>apporach</a:t>
-            </a:r>
-            <a:endParaRPr lang="de-DE" dirty="0"/>
-          </a:p>
-          <a:p>
-            <a:pPr marL="881062" lvl="3" indent="-342900">
+              <a:rPr lang="en-US" dirty="0" smtClean="0"/>
+              <a:t>Compact: </a:t>
+            </a:r>
+            <a:r>
+              <a:rPr lang="en-US" dirty="0"/>
+              <a:t>P</a:t>
+            </a:r>
+            <a:r>
+              <a:rPr lang="en-US" dirty="0" smtClean="0"/>
+              <a:t>erforms </a:t>
+            </a:r>
+            <a:r>
+              <a:rPr lang="en-US" dirty="0"/>
+              <a:t>a round-robin scheduling of threads to PUs </a:t>
+            </a:r>
+            <a:endParaRPr lang="en-US" dirty="0" smtClean="0"/>
+          </a:p>
+          <a:p>
+            <a:pPr marL="701675" lvl="2" indent="-342900">
               <a:buFont typeface="Arial" charset="0"/>
               <a:buChar char="•"/>
             </a:pPr>
-            <a:r>
-              <a:rPr lang="de-DE" dirty="0" err="1"/>
-              <a:t>Use</a:t>
-            </a:r>
-            <a:r>
-              <a:rPr lang="de-DE" dirty="0"/>
-              <a:t> </a:t>
-            </a:r>
-            <a:r>
-              <a:rPr lang="de-DE" dirty="0" err="1"/>
-              <a:t>both</a:t>
-            </a:r>
-            <a:r>
-              <a:rPr lang="de-DE" dirty="0"/>
-              <a:t> </a:t>
-            </a:r>
-            <a:r>
-              <a:rPr lang="de-DE" dirty="0" err="1"/>
-              <a:t>lolcality</a:t>
-            </a:r>
-            <a:r>
-              <a:rPr lang="de-DE" dirty="0"/>
-              <a:t> </a:t>
-            </a:r>
-            <a:r>
-              <a:rPr lang="de-DE" dirty="0" err="1"/>
-              <a:t>and</a:t>
-            </a:r>
-            <a:r>
-              <a:rPr lang="de-DE" dirty="0"/>
-              <a:t> </a:t>
-            </a:r>
-            <a:r>
-              <a:rPr lang="de-DE" dirty="0" err="1"/>
-              <a:t>balance</a:t>
-            </a:r>
-            <a:r>
-              <a:rPr lang="de-DE" dirty="0"/>
-              <a:t> </a:t>
-            </a:r>
-            <a:r>
-              <a:rPr lang="de-DE" dirty="0" err="1"/>
-              <a:t>parameters</a:t>
-            </a:r>
-            <a:r>
-              <a:rPr lang="de-DE" dirty="0"/>
-              <a:t> </a:t>
-            </a:r>
-            <a:r>
-              <a:rPr lang="de-DE" dirty="0" err="1"/>
-              <a:t>to</a:t>
-            </a:r>
-            <a:r>
-              <a:rPr lang="de-DE" dirty="0"/>
-              <a:t> </a:t>
-            </a:r>
-            <a:r>
-              <a:rPr lang="de-DE" dirty="0" err="1"/>
-              <a:t>map</a:t>
-            </a:r>
-            <a:r>
-              <a:rPr lang="de-DE" dirty="0"/>
-              <a:t> </a:t>
-            </a:r>
-            <a:r>
-              <a:rPr lang="de-DE" dirty="0" err="1"/>
-              <a:t>the</a:t>
-            </a:r>
-            <a:r>
-              <a:rPr lang="de-DE" dirty="0"/>
-              <a:t> </a:t>
-            </a:r>
-            <a:r>
-              <a:rPr lang="de-DE" dirty="0" err="1"/>
-              <a:t>threads</a:t>
-            </a:r>
-            <a:r>
-              <a:rPr lang="de-DE" dirty="0"/>
-              <a:t> </a:t>
-            </a:r>
-            <a:r>
-              <a:rPr lang="de-DE" dirty="0" err="1"/>
-              <a:t>to</a:t>
-            </a:r>
-            <a:r>
-              <a:rPr lang="de-DE" dirty="0"/>
-              <a:t> different </a:t>
-            </a:r>
-            <a:r>
-              <a:rPr lang="de-DE" dirty="0" err="1" smtClean="0"/>
-              <a:t>cores</a:t>
-            </a:r>
-            <a:endParaRPr lang="de-DE" dirty="0"/>
+            <a:endParaRPr lang="en-US" dirty="0" smtClean="0"/>
+          </a:p>
+          <a:p>
+            <a:pPr marL="701675" lvl="2" indent="-342900">
+              <a:buFont typeface="Arial" charset="0"/>
+              <a:buChar char="•"/>
+            </a:pPr>
+            <a:r>
+              <a:rPr lang="en-US" dirty="0" smtClean="0"/>
+              <a:t>Scatter: </a:t>
+            </a:r>
+            <a:r>
+              <a:rPr lang="en-US" dirty="0"/>
+              <a:t>R</a:t>
+            </a:r>
+            <a:r>
+              <a:rPr lang="en-US" dirty="0" smtClean="0"/>
+              <a:t>epresents </a:t>
+            </a:r>
+            <a:r>
+              <a:rPr lang="en-US" dirty="0"/>
+              <a:t>the opposite of Compact </a:t>
+            </a:r>
+            <a:endParaRPr lang="en-US" dirty="0" smtClean="0"/>
+          </a:p>
+          <a:p>
+            <a:pPr marL="701675" lvl="2" indent="-342900">
+              <a:buFont typeface="Arial" charset="0"/>
+              <a:buChar char="•"/>
+            </a:pPr>
+            <a:endParaRPr lang="en-US" dirty="0" smtClean="0"/>
+          </a:p>
+          <a:p>
+            <a:pPr marL="701675" lvl="2" indent="-342900">
+              <a:buFont typeface="Arial" charset="0"/>
+              <a:buChar char="•"/>
+            </a:pPr>
+            <a:r>
+              <a:rPr lang="en-US" dirty="0" smtClean="0"/>
+              <a:t>Locality: </a:t>
+            </a:r>
+            <a:r>
+              <a:rPr lang="en-US" dirty="0"/>
+              <a:t>M</a:t>
+            </a:r>
+            <a:r>
+              <a:rPr lang="en-US" dirty="0" smtClean="0"/>
+              <a:t>apping </a:t>
+            </a:r>
+            <a:r>
+              <a:rPr lang="en-US" dirty="0"/>
+              <a:t>threads that communicate frequently close to each other in the memory </a:t>
+            </a:r>
+            <a:r>
+              <a:rPr lang="en-US" dirty="0" smtClean="0"/>
+              <a:t>hierarchy </a:t>
+            </a:r>
+          </a:p>
+          <a:p>
+            <a:pPr marL="701675" lvl="2" indent="-342900">
+              <a:buFont typeface="Arial" charset="0"/>
+              <a:buChar char="•"/>
+            </a:pPr>
+            <a:endParaRPr lang="en-US" dirty="0" smtClean="0"/>
+          </a:p>
+          <a:p>
+            <a:pPr marL="701675" lvl="2" indent="-342900">
+              <a:buFont typeface="Arial" charset="0"/>
+              <a:buChar char="•"/>
+            </a:pPr>
+            <a:r>
+              <a:rPr lang="en-US" dirty="0" smtClean="0"/>
+              <a:t>Distance: Represents </a:t>
+            </a:r>
+            <a:r>
+              <a:rPr lang="en-US" dirty="0"/>
+              <a:t>the opposite of Locality, placing threads that communicate far apart in the memory hierarchy </a:t>
+            </a:r>
+            <a:endParaRPr lang="en-US" dirty="0" smtClean="0"/>
+          </a:p>
+          <a:p>
+            <a:pPr marL="701675" lvl="2" indent="-342900">
+              <a:buFont typeface="Arial" charset="0"/>
+              <a:buChar char="•"/>
+            </a:pPr>
+            <a:endParaRPr lang="en-US" dirty="0"/>
+          </a:p>
+        </p:txBody>
+      </p:sp>
+      <p:sp>
+        <p:nvSpPr>
+          <p:cNvPr id="4" name="TextBox 3"/>
+          <p:cNvSpPr txBox="1"/>
+          <p:nvPr/>
+        </p:nvSpPr>
+        <p:spPr>
+          <a:xfrm>
+            <a:off x="215447" y="5945482"/>
+            <a:ext cx="6372777" cy="553998"/>
+          </a:xfrm>
+          <a:prstGeom prst="rect">
+            <a:avLst/>
+          </a:prstGeom>
+          <a:noFill/>
+        </p:spPr>
+        <p:txBody>
+          <a:bodyPr wrap="square" rtlCol="0">
+            <a:spAutoFit/>
+          </a:bodyPr>
+          <a:lstStyle/>
+          <a:p>
+            <a:r>
+              <a:rPr lang="en-US" sz="1000" dirty="0" err="1"/>
+              <a:t>Diener</a:t>
+            </a:r>
+            <a:r>
+              <a:rPr lang="en-US" sz="1000" dirty="0"/>
+              <a:t> M., </a:t>
+            </a:r>
+            <a:r>
+              <a:rPr lang="en-US" sz="1000" dirty="0" smtClean="0"/>
+              <a:t>et al. </a:t>
+            </a:r>
+            <a:r>
+              <a:rPr lang="en-US" sz="1000" dirty="0"/>
+              <a:t>(2015) Locality and Balance for Communication-Aware Thread Mapping in Multicore Systems</a:t>
+            </a:r>
+            <a:r>
+              <a:rPr lang="en-US" sz="1000" dirty="0" smtClean="0"/>
+              <a:t>. Euro-Par 2015</a:t>
+            </a:r>
+            <a:r>
+              <a:rPr lang="en-US" sz="1000" dirty="0"/>
+              <a:t/>
+            </a:r>
+            <a:br>
+              <a:rPr lang="en-US" sz="1000" dirty="0"/>
+            </a:br>
+            <a:endParaRPr lang="en-US" sz="1000" dirty="0"/>
           </a:p>
         </p:txBody>
       </p:sp>
     </p:spTree>
     <p:extLst>
       <p:ext uri="{BB962C8B-B14F-4D97-AF65-F5344CB8AC3E}">
-        <p14:creationId xmlns:p14="http://schemas.microsoft.com/office/powerpoint/2010/main" val="3692018628"/>
+        <p14:creationId xmlns:p14="http://schemas.microsoft.com/office/powerpoint/2010/main" val="1097440847"/>
       </p:ext>
     </p:extLst>
   </p:cSld>
@@ -13460,36 +14176,54 @@
             </a:pPr>
             <a:r>
               <a:rPr lang="en-US" dirty="0" smtClean="0"/>
-              <a:t>OS. </a:t>
+              <a:t>Balance: </a:t>
             </a:r>
             <a:r>
               <a:rPr lang="en-US" dirty="0"/>
-              <a:t>The mapping performed by the operating system </a:t>
-            </a:r>
-            <a:endParaRPr lang="en-US" dirty="0"/>
+              <a:t>Mapping threads to PUs with lowest amount of </a:t>
+            </a:r>
+            <a:r>
+              <a:rPr lang="en-US" dirty="0" smtClean="0"/>
+              <a:t>communications mapped </a:t>
+            </a:r>
+            <a:r>
+              <a:rPr lang="en-US" dirty="0"/>
+              <a:t>to it</a:t>
+            </a:r>
           </a:p>
           <a:p>
             <a:pPr marL="701675" lvl="2" indent="-342900">
               <a:buFont typeface="Arial" charset="0"/>
               <a:buChar char="•"/>
             </a:pPr>
+            <a:endParaRPr lang="en-US" dirty="0" smtClean="0"/>
+          </a:p>
+          <a:p>
+            <a:pPr marL="701675" lvl="2" indent="-342900">
+              <a:buFont typeface="Arial" charset="0"/>
+              <a:buChar char="•"/>
+            </a:pPr>
             <a:r>
               <a:rPr lang="en-US" dirty="0" smtClean="0"/>
-              <a:t>Compact. </a:t>
+              <a:t>Balance Locality: </a:t>
             </a:r>
             <a:r>
               <a:rPr lang="en-US" dirty="0"/>
-              <a:t>P</a:t>
+              <a:t>M</a:t>
             </a:r>
             <a:r>
               <a:rPr lang="en-US" dirty="0" smtClean="0"/>
-              <a:t>erforms </a:t>
+              <a:t>aps </a:t>
             </a:r>
             <a:r>
               <a:rPr lang="en-US" dirty="0"/>
-              <a:t>a round-robin scheduling of threads to PUs </a:t>
-            </a:r>
-            <a:endParaRPr lang="en-US" dirty="0" smtClean="0"/>
+              <a:t>threads that communicate frequently to close PUs whose amounts of communication are lower than the average amount of communication per </a:t>
+            </a:r>
+            <a:r>
+              <a:rPr lang="en-US" dirty="0" smtClean="0"/>
+              <a:t>PU </a:t>
+            </a:r>
+            <a:endParaRPr lang="en-US" dirty="0"/>
           </a:p>
           <a:p>
             <a:pPr marL="881062" lvl="3" indent="-342900">
@@ -13497,41 +14231,9 @@
               <a:buChar char="•"/>
             </a:pPr>
             <a:r>
-              <a:rPr lang="en-US" dirty="0"/>
-              <a:t>N</a:t>
-            </a:r>
-            <a:r>
               <a:rPr lang="en-US" dirty="0" smtClean="0"/>
-              <a:t>eighboring </a:t>
-            </a:r>
-            <a:r>
-              <a:rPr lang="en-US" dirty="0"/>
-              <a:t>threads are placed close to each other in the memory hierarchy </a:t>
-            </a:r>
-            <a:endParaRPr lang="en-US" dirty="0"/>
-          </a:p>
-          <a:p>
-            <a:pPr marL="701675" lvl="2" indent="-342900">
-              <a:buFont typeface="Arial" charset="0"/>
-              <a:buChar char="•"/>
-            </a:pPr>
-            <a:r>
-              <a:rPr lang="en-US" dirty="0" smtClean="0"/>
-              <a:t>Scatter. </a:t>
-            </a:r>
-            <a:r>
-              <a:rPr lang="en-US" dirty="0"/>
-              <a:t>R</a:t>
-            </a:r>
-            <a:r>
-              <a:rPr lang="en-US" dirty="0" smtClean="0"/>
-              <a:t>epresents </a:t>
-            </a:r>
-            <a:r>
-              <a:rPr lang="en-US" dirty="0"/>
-              <a:t>the opposite of Compact </a:t>
-            </a:r>
-            <a:endParaRPr lang="en-US" dirty="0" smtClean="0"/>
+              <a:t>First maps based on locality</a:t>
+            </a:r>
           </a:p>
           <a:p>
             <a:pPr marL="881062" lvl="3" indent="-342900">
@@ -13539,69 +14241,18 @@
               <a:buChar char="•"/>
             </a:pPr>
             <a:r>
+              <a:rPr lang="en-US" dirty="0" smtClean="0"/>
+              <a:t>Then </a:t>
+            </a:r>
+            <a:r>
               <a:rPr lang="en-US" dirty="0"/>
-              <a:t>N</a:t>
+              <a:t>keeps a similar amount of communication for each cache memory </a:t>
             </a:r>
             <a:r>
               <a:rPr lang="en-US" dirty="0" smtClean="0"/>
-              <a:t>eighboring </a:t>
-            </a:r>
-            <a:r>
-              <a:rPr lang="en-US" dirty="0"/>
-              <a:t>threads are placed far from each other in the hierarchy </a:t>
-            </a:r>
-            <a:endParaRPr lang="en-US" dirty="0" smtClean="0"/>
-          </a:p>
-          <a:p>
-            <a:pPr marL="701675" lvl="2" indent="-342900">
-              <a:buFont typeface="Arial" charset="0"/>
-              <a:buChar char="•"/>
-            </a:pPr>
-            <a:r>
-              <a:rPr lang="en-US" dirty="0" smtClean="0"/>
-              <a:t>Locality. </a:t>
-            </a:r>
-            <a:r>
-              <a:rPr lang="en-US" dirty="0"/>
-              <a:t>M</a:t>
-            </a:r>
-            <a:r>
-              <a:rPr lang="en-US" dirty="0" smtClean="0"/>
-              <a:t>apping </a:t>
-            </a:r>
-            <a:r>
-              <a:rPr lang="en-US" dirty="0"/>
-              <a:t>threads that communicate frequently close to each other in the memory </a:t>
-            </a:r>
-            <a:r>
-              <a:rPr lang="en-US" dirty="0" smtClean="0"/>
-              <a:t>hierarchy </a:t>
-            </a:r>
-          </a:p>
-          <a:p>
-            <a:pPr marL="881062" lvl="3" indent="-342900">
-              <a:buFont typeface="Arial" charset="0"/>
-              <a:buChar char="•"/>
-            </a:pPr>
-            <a:r>
-              <a:rPr lang="en-US" dirty="0" smtClean="0"/>
-              <a:t>Different algorithms e.g., Matrices</a:t>
-            </a:r>
-          </a:p>
-          <a:p>
-            <a:pPr marL="701675" lvl="2" indent="-342900">
-              <a:buFont typeface="Arial" charset="0"/>
-              <a:buChar char="•"/>
-            </a:pPr>
-            <a:r>
-              <a:rPr lang="en-US" dirty="0" smtClean="0"/>
-              <a:t>Distance. Represents </a:t>
-            </a:r>
-            <a:r>
-              <a:rPr lang="en-US" dirty="0"/>
-              <a:t>the opposite of Locality, placing threads that communicate far apart in the memory hierarchy </a:t>
-            </a:r>
-            <a:endParaRPr lang="en-US" dirty="0" smtClean="0"/>
+              <a:t>for each memory level</a:t>
+            </a:r>
+            <a:endParaRPr lang="en-US" dirty="0"/>
           </a:p>
           <a:p>
             <a:pPr marL="701675" lvl="2" indent="-342900">
@@ -13612,10 +14263,63 @@
           </a:p>
         </p:txBody>
       </p:sp>
+      <p:sp>
+        <p:nvSpPr>
+          <p:cNvPr id="4" name="TextBox 3"/>
+          <p:cNvSpPr txBox="1"/>
+          <p:nvPr/>
+        </p:nvSpPr>
+        <p:spPr>
+          <a:xfrm>
+            <a:off x="215447" y="5945482"/>
+            <a:ext cx="6372777" cy="553998"/>
+          </a:xfrm>
+          <a:prstGeom prst="rect">
+            <a:avLst/>
+          </a:prstGeom>
+          <a:noFill/>
+        </p:spPr>
+        <p:txBody>
+          <a:bodyPr wrap="square" rtlCol="0">
+            <a:spAutoFit/>
+          </a:bodyPr>
+          <a:lstStyle/>
+          <a:p>
+            <a:r>
+              <a:rPr lang="en-US" sz="1000" dirty="0" err="1"/>
+              <a:t>Diener</a:t>
+            </a:r>
+            <a:r>
+              <a:rPr lang="en-US" sz="1000" dirty="0"/>
+              <a:t> M., </a:t>
+            </a:r>
+            <a:r>
+              <a:rPr lang="en-US" sz="1000" dirty="0" smtClean="0"/>
+              <a:t>et al. </a:t>
+            </a:r>
+            <a:r>
+              <a:rPr lang="en-US" sz="1000" dirty="0"/>
+              <a:t>(2015) Locality and Balance for Communication-Aware Thread Mapping in Multicore Systems</a:t>
+            </a:r>
+            <a:r>
+              <a:rPr lang="en-US" sz="1000" dirty="0" smtClean="0"/>
+              <a:t>. Euro-Par 2015</a:t>
+            </a:r>
+            <a:r>
+              <a:rPr lang="en-US" sz="1000" dirty="0"/>
+              <a:t/>
+            </a:r>
+            <a:br>
+              <a:rPr lang="en-US" sz="1000" dirty="0"/>
+            </a:br>
+            <a:endParaRPr lang="en-US" sz="1000" dirty="0"/>
+          </a:p>
+        </p:txBody>
+      </p:sp>
     </p:spTree>
     <p:extLst>
       <p:ext uri="{BB962C8B-B14F-4D97-AF65-F5344CB8AC3E}">
-        <p14:creationId xmlns:p14="http://schemas.microsoft.com/office/powerpoint/2010/main" val="1097440847"/>
+        <p14:creationId xmlns:p14="http://schemas.microsoft.com/office/powerpoint/2010/main" val="1744461621"/>
       </p:ext>
     </p:extLst>
   </p:cSld>
@@ -13668,21 +14372,9 @@
           <a:lstStyle/>
           <a:p>
             <a:r>
-              <a:rPr lang="de-DE" dirty="0" smtClean="0"/>
-              <a:t>Thread </a:t>
-            </a:r>
-            <a:r>
-              <a:rPr lang="de-DE" dirty="0" smtClean="0"/>
-              <a:t>Mapping</a:t>
-            </a:r>
-            <a:br>
-              <a:rPr lang="de-DE" dirty="0" smtClean="0"/>
-            </a:br>
-            <a:r>
-              <a:rPr lang="de-DE" dirty="0" err="1" smtClean="0"/>
-              <a:t>Policies</a:t>
-            </a:r>
-            <a:endParaRPr lang="en-US" dirty="0"/>
+              <a:rPr lang="en-US" dirty="0"/>
+              <a:t>Outline</a:t>
+            </a:r>
           </a:p>
         </p:txBody>
       </p:sp>
@@ -13696,105 +14388,68 @@
             <p:ph idx="1"/>
           </p:nvPr>
         </p:nvSpPr>
-        <p:spPr>
-          <a:xfrm>
-            <a:off x="360000" y="1620000"/>
-            <a:ext cx="8532480" cy="4479943"/>
-          </a:xfrm>
-        </p:spPr>
+        <p:spPr/>
         <p:txBody>
           <a:bodyPr/>
           <a:lstStyle/>
           <a:p>
-            <a:pPr marL="701675" lvl="2" indent="-342900">
-              <a:buFont typeface="Arial" charset="0"/>
+            <a:pPr marL="342900" indent="-342900">
+              <a:buFont typeface="Arial" panose="020B0604020202020204" pitchFamily="34" charset="0"/>
               <a:buChar char="•"/>
             </a:pPr>
             <a:r>
-              <a:rPr lang="en-US" dirty="0"/>
-              <a:t>Balance. Mapping threads to PUs with lowest amount of </a:t>
-            </a:r>
-            <a:r>
               <a:rPr lang="en-US" dirty="0" smtClean="0"/>
-              <a:t>communications mapped </a:t>
-            </a:r>
-            <a:r>
-              <a:rPr lang="en-US" dirty="0"/>
-              <a:t>to it</a:t>
-            </a:r>
-          </a:p>
-          <a:p>
-            <a:pPr marL="701675" lvl="2" indent="-342900">
-              <a:buFont typeface="Arial" charset="0"/>
+              <a:t>Introduction</a:t>
+            </a:r>
+            <a:endParaRPr lang="en-US" dirty="0"/>
+          </a:p>
+          <a:p>
+            <a:pPr marL="342900" indent="-342900">
+              <a:buFont typeface="Arial" panose="020B0604020202020204" pitchFamily="34" charset="0"/>
               <a:buChar char="•"/>
             </a:pPr>
-            <a:endParaRPr lang="en-US" dirty="0" smtClean="0"/>
-          </a:p>
-          <a:p>
-            <a:pPr marL="701675" lvl="2" indent="-342900">
-              <a:buFont typeface="Arial" charset="0"/>
+            <a:r>
+              <a:rPr lang="en-US" dirty="0"/>
+              <a:t>State of the Art</a:t>
+            </a:r>
+          </a:p>
+          <a:p>
+            <a:pPr marL="342900" lvl="1" indent="-342900">
+              <a:buFont typeface="Arial" panose="020B0604020202020204" pitchFamily="34" charset="0"/>
               <a:buChar char="•"/>
             </a:pPr>
             <a:r>
-              <a:rPr lang="en-US" dirty="0" smtClean="0"/>
-              <a:t>Balance Locality. </a:t>
-            </a:r>
-            <a:r>
-              <a:rPr lang="en-US" dirty="0"/>
-              <a:t>M</a:t>
-            </a:r>
-            <a:r>
-              <a:rPr lang="en-US" dirty="0" smtClean="0"/>
-              <a:t>aps </a:t>
-            </a:r>
-            <a:r>
-              <a:rPr lang="en-US" dirty="0"/>
-              <a:t>threads that communicate frequently to close PUs whose amounts of communication are lower than the average amount of communication per PU. </a:t>
-            </a:r>
-            <a:endParaRPr lang="en-US" dirty="0"/>
-          </a:p>
-          <a:p>
-            <a:pPr marL="881062" lvl="3" indent="-342900">
-              <a:buFont typeface="Arial" charset="0"/>
+              <a:rPr lang="en-US" b="1" dirty="0" smtClean="0"/>
+              <a:t>Objectives</a:t>
+            </a:r>
+            <a:endParaRPr lang="en-US" b="1" dirty="0"/>
+          </a:p>
+          <a:p>
+            <a:pPr marL="342900" indent="-342900">
+              <a:buFont typeface="Arial" panose="020B0604020202020204" pitchFamily="34" charset="0"/>
               <a:buChar char="•"/>
             </a:pPr>
             <a:r>
-              <a:rPr lang="en-US" dirty="0" smtClean="0"/>
-              <a:t>First maps based on locality</a:t>
-            </a:r>
-          </a:p>
-          <a:p>
-            <a:pPr marL="881062" lvl="3" indent="-342900">
-              <a:buFont typeface="Arial" charset="0"/>
+              <a:rPr lang="en-US" dirty="0"/>
+              <a:t>Approach</a:t>
+            </a:r>
+          </a:p>
+          <a:p>
+            <a:pPr marL="342900" indent="-342900">
+              <a:buFont typeface="Arial" panose="020B0604020202020204" pitchFamily="34" charset="0"/>
               <a:buChar char="•"/>
             </a:pPr>
             <a:r>
-              <a:rPr lang="en-US" dirty="0" smtClean="0"/>
-              <a:t>Then </a:t>
-            </a:r>
-            <a:r>
               <a:rPr lang="en-US" dirty="0"/>
-              <a:t>keeps a similar amount of communication for each cache memory </a:t>
-            </a:r>
-            <a:r>
-              <a:rPr lang="en-US" dirty="0" smtClean="0"/>
-              <a:t>for each memory level</a:t>
-            </a:r>
-            <a:endParaRPr lang="en-US" dirty="0"/>
-          </a:p>
-          <a:p>
-            <a:pPr marL="701675" lvl="2" indent="-342900">
-              <a:buFont typeface="Arial" charset="0"/>
-              <a:buChar char="•"/>
-            </a:pPr>
-            <a:endParaRPr lang="en-US" dirty="0"/>
+              <a:t>Evaluation </a:t>
+            </a:r>
           </a:p>
         </p:txBody>
       </p:sp>
     </p:spTree>
     <p:extLst>
       <p:ext uri="{BB962C8B-B14F-4D97-AF65-F5344CB8AC3E}">
-        <p14:creationId xmlns:p14="http://schemas.microsoft.com/office/powerpoint/2010/main" val="1744461621"/>
+        <p14:creationId xmlns:p14="http://schemas.microsoft.com/office/powerpoint/2010/main" val="1166822466"/>
       </p:ext>
     </p:extLst>
   </p:cSld>
@@ -13848,7 +14503,7 @@
           <a:p>
             <a:r>
               <a:rPr lang="en-US" dirty="0"/>
-              <a:t>Outline</a:t>
+              <a:t>Objectives</a:t>
             </a:r>
           </a:p>
         </p:txBody>
@@ -13863,68 +14518,122 @@
             <p:ph idx="1"/>
           </p:nvPr>
         </p:nvSpPr>
-        <p:spPr/>
+        <p:spPr>
+          <a:xfrm>
+            <a:off x="360000" y="1620000"/>
+            <a:ext cx="8244447" cy="4479943"/>
+          </a:xfrm>
+        </p:spPr>
         <p:txBody>
           <a:bodyPr/>
           <a:lstStyle/>
           <a:p>
             <a:pPr marL="342900" indent="-342900">
-              <a:buFont typeface="Arial" panose="020B0604020202020204" pitchFamily="34" charset="0"/>
+              <a:buFont typeface="Arial" charset="0"/>
               <a:buChar char="•"/>
             </a:pPr>
             <a:r>
               <a:rPr lang="en-US" dirty="0" smtClean="0"/>
-              <a:t>Introduction</a:t>
-            </a:r>
-            <a:endParaRPr lang="en-US" dirty="0"/>
-          </a:p>
-          <a:p>
-            <a:pPr marL="342900" indent="-342900">
-              <a:buFont typeface="Arial" panose="020B0604020202020204" pitchFamily="34" charset="0"/>
+              <a:t>Extend </a:t>
+            </a:r>
+            <a:r>
+              <a:rPr lang="en-US" dirty="0" err="1" smtClean="0"/>
+              <a:t>DiscoPoP</a:t>
+            </a:r>
+            <a:r>
+              <a:rPr lang="en-US" dirty="0" smtClean="0"/>
+              <a:t> </a:t>
+            </a:r>
+          </a:p>
+          <a:p>
+            <a:pPr marL="701675" lvl="2" indent="-342900">
+              <a:buFont typeface="Arial" charset="0"/>
               <a:buChar char="•"/>
             </a:pPr>
             <a:r>
-              <a:rPr lang="en-US" dirty="0"/>
-              <a:t>State of the Art</a:t>
-            </a:r>
-          </a:p>
-          <a:p>
-            <a:pPr marL="342900" lvl="1" indent="-342900">
-              <a:buFont typeface="Arial" panose="020B0604020202020204" pitchFamily="34" charset="0"/>
+              <a:rPr lang="en-US" dirty="0" smtClean="0"/>
+              <a:t>OpenMP support (Data dependence)</a:t>
+            </a:r>
+          </a:p>
+          <a:p>
+            <a:pPr marL="701675" lvl="2" indent="-342900">
+              <a:buFont typeface="Arial" charset="0"/>
               <a:buChar char="•"/>
             </a:pPr>
             <a:r>
-              <a:rPr lang="en-US" b="1" dirty="0" smtClean="0"/>
-              <a:t>Objectives</a:t>
-            </a:r>
-            <a:endParaRPr lang="en-US" b="1" dirty="0"/>
-          </a:p>
-          <a:p>
-            <a:pPr marL="342900" indent="-342900">
-              <a:buFont typeface="Arial" panose="020B0604020202020204" pitchFamily="34" charset="0"/>
+              <a:rPr lang="en-US" dirty="0" smtClean="0"/>
+              <a:t>Communication pattern detection (Threads communication)</a:t>
+            </a:r>
+          </a:p>
+          <a:p>
+            <a:pPr marL="701675" lvl="2" indent="-342900">
+              <a:buFont typeface="Arial" charset="0"/>
               <a:buChar char="•"/>
             </a:pPr>
-            <a:r>
-              <a:rPr lang="en-US" dirty="0"/>
-              <a:t>Approach</a:t>
-            </a:r>
-          </a:p>
-          <a:p>
-            <a:pPr marL="342900" indent="-342900">
-              <a:buFont typeface="Arial" panose="020B0604020202020204" pitchFamily="34" charset="0"/>
+            <a:endParaRPr lang="en-US" dirty="0" smtClean="0"/>
+          </a:p>
+          <a:p>
+            <a:pPr marL="342900" lvl="1" indent="-342900">
+              <a:buFont typeface="Arial" charset="0"/>
               <a:buChar char="•"/>
             </a:pPr>
             <a:r>
+              <a:rPr lang="en-US" dirty="0" smtClean="0"/>
+              <a:t>Adding temporal </a:t>
+            </a:r>
+            <a:r>
               <a:rPr lang="en-US" dirty="0"/>
-              <a:t>Evaluation </a:t>
-            </a:r>
+              <a:t>i</a:t>
+            </a:r>
+            <a:r>
+              <a:rPr lang="en-US" dirty="0" smtClean="0"/>
+              <a:t>nformation to communication patterns </a:t>
+            </a:r>
+          </a:p>
+          <a:p>
+            <a:pPr marL="342900" lvl="1" indent="-342900">
+              <a:buFont typeface="Arial" charset="0"/>
+              <a:buChar char="•"/>
+            </a:pPr>
+            <a:endParaRPr lang="en-US" dirty="0" smtClean="0"/>
+          </a:p>
+          <a:p>
+            <a:pPr marL="342900" lvl="1" indent="-342900">
+              <a:buFont typeface="Arial" charset="0"/>
+              <a:buChar char="•"/>
+            </a:pPr>
+            <a:r>
+              <a:rPr lang="en-US" dirty="0" smtClean="0"/>
+              <a:t>Find a use-case</a:t>
+            </a:r>
+          </a:p>
+          <a:p>
+            <a:pPr marL="701675" lvl="2" indent="-342900">
+              <a:buFont typeface="Arial" charset="0"/>
+              <a:buChar char="•"/>
+            </a:pPr>
+            <a:r>
+              <a:rPr lang="en-US" dirty="0" smtClean="0"/>
+              <a:t>Thread mapping</a:t>
+            </a:r>
+          </a:p>
+          <a:p>
+            <a:pPr marL="701675" lvl="2" indent="-342900">
+              <a:buFont typeface="Arial" charset="0"/>
+              <a:buChar char="•"/>
+            </a:pPr>
+            <a:r>
+              <a:rPr lang="en-US" dirty="0" smtClean="0"/>
+              <a:t>Thread synchronization</a:t>
+            </a:r>
+            <a:endParaRPr lang="en-US" dirty="0"/>
           </a:p>
         </p:txBody>
       </p:sp>
     </p:spTree>
     <p:extLst>
       <p:ext uri="{BB962C8B-B14F-4D97-AF65-F5344CB8AC3E}">
-        <p14:creationId xmlns:p14="http://schemas.microsoft.com/office/powerpoint/2010/main" val="1166822466"/>
+        <p14:creationId xmlns:p14="http://schemas.microsoft.com/office/powerpoint/2010/main" val="1583731665"/>
       </p:ext>
     </p:extLst>
   </p:cSld>
@@ -13978,7 +14687,7 @@
           <a:p>
             <a:r>
               <a:rPr lang="en-US" dirty="0"/>
-              <a:t>Objectives</a:t>
+              <a:t>Outline</a:t>
             </a:r>
           </a:p>
         </p:txBody>
@@ -13993,122 +14702,108 @@
             <p:ph idx="1"/>
           </p:nvPr>
         </p:nvSpPr>
-        <p:spPr>
-          <a:xfrm>
-            <a:off x="360000" y="1620000"/>
-            <a:ext cx="8244447" cy="4479943"/>
-          </a:xfrm>
-        </p:spPr>
+        <p:spPr/>
         <p:txBody>
           <a:bodyPr/>
           <a:lstStyle/>
           <a:p>
             <a:pPr marL="342900" indent="-342900">
-              <a:buFont typeface="Arial" charset="0"/>
+              <a:buFont typeface="Arial" panose="020B0604020202020204" pitchFamily="34" charset="0"/>
               <a:buChar char="•"/>
             </a:pPr>
             <a:r>
               <a:rPr lang="en-US" dirty="0" smtClean="0"/>
-              <a:t>Extend </a:t>
-            </a:r>
-            <a:r>
-              <a:rPr lang="en-US" dirty="0" err="1" smtClean="0"/>
-              <a:t>DiscoPoP</a:t>
-            </a:r>
-            <a:r>
-              <a:rPr lang="en-US" dirty="0" smtClean="0"/>
-              <a:t> </a:t>
-            </a:r>
-          </a:p>
-          <a:p>
-            <a:pPr marL="701675" lvl="2" indent="-342900">
-              <a:buFont typeface="Arial" charset="0"/>
+              <a:t>Introduction</a:t>
+            </a:r>
+            <a:endParaRPr lang="en-US" dirty="0"/>
+          </a:p>
+          <a:p>
+            <a:pPr marL="342900" indent="-342900">
+              <a:buFont typeface="Arial" panose="020B0604020202020204" pitchFamily="34" charset="0"/>
               <a:buChar char="•"/>
             </a:pPr>
             <a:r>
-              <a:rPr lang="en-US" dirty="0" smtClean="0"/>
-              <a:t>OpenMP support (Data dependence)</a:t>
-            </a:r>
-          </a:p>
-          <a:p>
-            <a:pPr marL="701675" lvl="2" indent="-342900">
-              <a:buFont typeface="Arial" charset="0"/>
+              <a:rPr lang="en-US" dirty="0"/>
+              <a:t>State of the Art</a:t>
+            </a:r>
+          </a:p>
+          <a:p>
+            <a:pPr marL="342900" indent="-342900">
+              <a:buFont typeface="Arial" panose="020B0604020202020204" pitchFamily="34" charset="0"/>
               <a:buChar char="•"/>
             </a:pPr>
             <a:r>
               <a:rPr lang="en-US" dirty="0" smtClean="0"/>
-              <a:t>Communication pattern detection (Threads communication)</a:t>
-            </a:r>
-          </a:p>
-          <a:p>
-            <a:pPr marL="701675" lvl="2" indent="-342900">
-              <a:buFont typeface="Arial" charset="0"/>
+              <a:t>Objectives</a:t>
+            </a:r>
+          </a:p>
+          <a:p>
+            <a:pPr marL="342900" indent="-342900">
+              <a:buFont typeface="Arial" panose="020B0604020202020204" pitchFamily="34" charset="0"/>
               <a:buChar char="•"/>
             </a:pPr>
-            <a:endParaRPr lang="en-US" dirty="0" smtClean="0"/>
-          </a:p>
-          <a:p>
-            <a:pPr marL="342900" lvl="1" indent="-342900">
-              <a:buFont typeface="Arial" charset="0"/>
+            <a:r>
+              <a:rPr lang="en-US" b="1" dirty="0" smtClean="0"/>
+              <a:t>Approach</a:t>
+            </a:r>
+          </a:p>
+          <a:p>
+            <a:pPr marL="701675" lvl="2" indent="-342900">
+              <a:buFont typeface="Arial" panose="020B0604020202020204" pitchFamily="34" charset="0"/>
               <a:buChar char="•"/>
             </a:pPr>
             <a:r>
-              <a:rPr lang="en-US" dirty="0" smtClean="0"/>
-              <a:t>Adding temporal </a:t>
-            </a:r>
-            <a:r>
-              <a:rPr lang="en-US" dirty="0"/>
-              <a:t>i</a:t>
-            </a:r>
-            <a:r>
-              <a:rPr lang="en-US" dirty="0" smtClean="0"/>
-              <a:t>nformation to communication patterns </a:t>
-            </a:r>
-          </a:p>
-          <a:p>
-            <a:pPr marL="342900" lvl="1" indent="-342900">
-              <a:buFont typeface="Arial" charset="0"/>
+              <a:rPr lang="en-US" b="1" dirty="0" smtClean="0"/>
+              <a:t>Instrumentation</a:t>
+            </a:r>
+          </a:p>
+          <a:p>
+            <a:pPr marL="701675" lvl="2" indent="-342900">
+              <a:buFont typeface="Arial" panose="020B0604020202020204" pitchFamily="34" charset="0"/>
               <a:buChar char="•"/>
             </a:pPr>
-            <a:endParaRPr lang="en-US" dirty="0" smtClean="0"/>
-          </a:p>
-          <a:p>
-            <a:pPr marL="342900" lvl="1" indent="-342900">
-              <a:buFont typeface="Arial" charset="0"/>
+            <a:r>
+              <a:rPr lang="en-US" dirty="0" smtClean="0"/>
+              <a:t>Profiling</a:t>
+            </a:r>
+          </a:p>
+          <a:p>
+            <a:pPr marL="701675" lvl="2" indent="-342900">
+              <a:buFont typeface="Arial" panose="020B0604020202020204" pitchFamily="34" charset="0"/>
               <a:buChar char="•"/>
             </a:pPr>
             <a:r>
               <a:rPr lang="en-US" dirty="0" smtClean="0"/>
-              <a:t>Find a use-case</a:t>
+              <a:t>Challenge</a:t>
             </a:r>
           </a:p>
           <a:p>
             <a:pPr marL="701675" lvl="2" indent="-342900">
-              <a:buFont typeface="Arial" charset="0"/>
+              <a:buFont typeface="Arial" panose="020B0604020202020204" pitchFamily="34" charset="0"/>
               <a:buChar char="•"/>
             </a:pPr>
             <a:r>
               <a:rPr lang="en-US" dirty="0" smtClean="0"/>
-              <a:t>Thread mapping</a:t>
-            </a:r>
-          </a:p>
-          <a:p>
-            <a:pPr marL="701675" lvl="2" indent="-342900">
-              <a:buFont typeface="Arial" charset="0"/>
+              <a:t>Proposed Solution</a:t>
+            </a:r>
+            <a:endParaRPr lang="en-US" dirty="0"/>
+          </a:p>
+          <a:p>
+            <a:pPr marL="342900" indent="-342900">
+              <a:buFont typeface="Arial" panose="020B0604020202020204" pitchFamily="34" charset="0"/>
               <a:buChar char="•"/>
             </a:pPr>
             <a:r>
               <a:rPr lang="en-US" dirty="0" smtClean="0"/>
-              <a:t>Thread synchronization</a:t>
-            </a:r>
-            <a:endParaRPr lang="en-US" dirty="0"/>
+              <a:t>Evaluation </a:t>
+            </a:r>
           </a:p>
         </p:txBody>
       </p:sp>
     </p:spTree>
     <p:extLst>
       <p:ext uri="{BB962C8B-B14F-4D97-AF65-F5344CB8AC3E}">
-        <p14:creationId xmlns:p14="http://schemas.microsoft.com/office/powerpoint/2010/main" val="1583731665"/>
+        <p14:creationId xmlns:p14="http://schemas.microsoft.com/office/powerpoint/2010/main" val="970938415"/>
       </p:ext>
     </p:extLst>
   </p:cSld>
@@ -17589,176 +18284,6 @@
           <a:lstStyle/>
           <a:p>
             <a:r>
-              <a:rPr lang="en-US" dirty="0"/>
-              <a:t>Outline</a:t>
-            </a:r>
-          </a:p>
-        </p:txBody>
-      </p:sp>
-      <p:sp>
-        <p:nvSpPr>
-          <p:cNvPr id="3" name="Content Placeholder 2"/>
-          <p:cNvSpPr>
-            <a:spLocks noGrp="1"/>
-          </p:cNvSpPr>
-          <p:nvPr>
-            <p:ph idx="1"/>
-          </p:nvPr>
-        </p:nvSpPr>
-        <p:spPr/>
-        <p:txBody>
-          <a:bodyPr/>
-          <a:lstStyle/>
-          <a:p>
-            <a:pPr marL="342900" indent="-342900">
-              <a:buFont typeface="Arial" panose="020B0604020202020204" pitchFamily="34" charset="0"/>
-              <a:buChar char="•"/>
-            </a:pPr>
-            <a:r>
-              <a:rPr lang="en-US" dirty="0" smtClean="0"/>
-              <a:t>Introduction</a:t>
-            </a:r>
-            <a:endParaRPr lang="en-US" dirty="0"/>
-          </a:p>
-          <a:p>
-            <a:pPr marL="342900" indent="-342900">
-              <a:buFont typeface="Arial" panose="020B0604020202020204" pitchFamily="34" charset="0"/>
-              <a:buChar char="•"/>
-            </a:pPr>
-            <a:r>
-              <a:rPr lang="en-US" dirty="0"/>
-              <a:t>State of the Art</a:t>
-            </a:r>
-          </a:p>
-          <a:p>
-            <a:pPr marL="342900" indent="-342900">
-              <a:buFont typeface="Arial" panose="020B0604020202020204" pitchFamily="34" charset="0"/>
-              <a:buChar char="•"/>
-            </a:pPr>
-            <a:r>
-              <a:rPr lang="en-US" dirty="0" smtClean="0"/>
-              <a:t>Objectives</a:t>
-            </a:r>
-          </a:p>
-          <a:p>
-            <a:pPr marL="342900" indent="-342900">
-              <a:buFont typeface="Arial" panose="020B0604020202020204" pitchFamily="34" charset="0"/>
-              <a:buChar char="•"/>
-            </a:pPr>
-            <a:r>
-              <a:rPr lang="en-US" b="1" dirty="0" smtClean="0"/>
-              <a:t>Approach</a:t>
-            </a:r>
-          </a:p>
-          <a:p>
-            <a:pPr marL="701675" lvl="2" indent="-342900">
-              <a:buFont typeface="Arial" panose="020B0604020202020204" pitchFamily="34" charset="0"/>
-              <a:buChar char="•"/>
-            </a:pPr>
-            <a:r>
-              <a:rPr lang="en-US" b="1" dirty="0" smtClean="0"/>
-              <a:t>Instrumentation</a:t>
-            </a:r>
-          </a:p>
-          <a:p>
-            <a:pPr marL="701675" lvl="2" indent="-342900">
-              <a:buFont typeface="Arial" panose="020B0604020202020204" pitchFamily="34" charset="0"/>
-              <a:buChar char="•"/>
-            </a:pPr>
-            <a:r>
-              <a:rPr lang="en-US" dirty="0" smtClean="0"/>
-              <a:t>Profiling</a:t>
-            </a:r>
-          </a:p>
-          <a:p>
-            <a:pPr marL="701675" lvl="2" indent="-342900">
-              <a:buFont typeface="Arial" panose="020B0604020202020204" pitchFamily="34" charset="0"/>
-              <a:buChar char="•"/>
-            </a:pPr>
-            <a:r>
-              <a:rPr lang="en-US" dirty="0" smtClean="0"/>
-              <a:t>Challenge</a:t>
-            </a:r>
-          </a:p>
-          <a:p>
-            <a:pPr marL="701675" lvl="2" indent="-342900">
-              <a:buFont typeface="Arial" panose="020B0604020202020204" pitchFamily="34" charset="0"/>
-              <a:buChar char="•"/>
-            </a:pPr>
-            <a:r>
-              <a:rPr lang="en-US" dirty="0" smtClean="0"/>
-              <a:t>Proposed Solution</a:t>
-            </a:r>
-            <a:endParaRPr lang="en-US" dirty="0"/>
-          </a:p>
-          <a:p>
-            <a:pPr marL="342900" indent="-342900">
-              <a:buFont typeface="Arial" panose="020B0604020202020204" pitchFamily="34" charset="0"/>
-              <a:buChar char="•"/>
-            </a:pPr>
-            <a:r>
-              <a:rPr lang="en-US" dirty="0" smtClean="0"/>
-              <a:t>Evaluation </a:t>
-            </a:r>
-          </a:p>
-        </p:txBody>
-      </p:sp>
-    </p:spTree>
-    <p:extLst>
-      <p:ext uri="{BB962C8B-B14F-4D97-AF65-F5344CB8AC3E}">
-        <p14:creationId xmlns:p14="http://schemas.microsoft.com/office/powerpoint/2010/main" val="970938415"/>
-      </p:ext>
-    </p:extLst>
-  </p:cSld>
-  <p:clrMapOvr>
-    <a:masterClrMapping/>
-  </p:clrMapOvr>
-  <p:transition spd="slow">
-    <p:wipe/>
-  </p:transition>
-  <p:timing>
-    <p:tnLst>
-      <p:par>
-        <p:cTn id="1" dur="indefinite" restart="never" nodeType="tmRoot"/>
-      </p:par>
-    </p:tnLst>
-  </p:timing>
-</p:sld>
-</file>
-
-<file path=ppt/slides/slide21.xml><?xml version="1.0" encoding="utf-8"?>
-<p:sld xmlns:a="http://schemas.openxmlformats.org/drawingml/2006/main" xmlns:r="http://schemas.openxmlformats.org/officeDocument/2006/relationships" xmlns:p="http://schemas.openxmlformats.org/presentationml/2006/main">
-  <p:cSld>
-    <p:spTree>
-      <p:nvGrpSpPr>
-        <p:cNvPr id="1" name=""/>
-        <p:cNvGrpSpPr/>
-        <p:nvPr/>
-      </p:nvGrpSpPr>
-      <p:grpSpPr>
-        <a:xfrm>
-          <a:off x="0" y="0"/>
-          <a:ext cx="0" cy="0"/>
-          <a:chOff x="0" y="0"/>
-          <a:chExt cx="0" cy="0"/>
-        </a:xfrm>
-      </p:grpSpPr>
-      <p:sp>
-        <p:nvSpPr>
-          <p:cNvPr id="2" name="Title 1"/>
-          <p:cNvSpPr>
-            <a:spLocks noGrp="1"/>
-          </p:cNvSpPr>
-          <p:nvPr>
-            <p:ph type="title"/>
-          </p:nvPr>
-        </p:nvSpPr>
-        <p:spPr/>
-        <p:txBody>
-          <a:bodyPr/>
-          <a:lstStyle/>
-          <a:p>
-            <a:r>
               <a:rPr lang="en-US" dirty="0" smtClean="0"/>
               <a:t>Instrumentation</a:t>
             </a:r>
@@ -18705,7 +19230,7 @@
 </p:sld>
 </file>
 
-<file path=ppt/slides/slide22.xml><?xml version="1.0" encoding="utf-8"?>
+<file path=ppt/slides/slide21.xml><?xml version="1.0" encoding="utf-8"?>
 <p:sld xmlns:a="http://schemas.openxmlformats.org/drawingml/2006/main" xmlns:r="http://schemas.openxmlformats.org/officeDocument/2006/relationships" xmlns:p="http://schemas.openxmlformats.org/presentationml/2006/main">
   <p:cSld>
     <p:spTree>
@@ -18875,7 +19400,7 @@
 </p:sld>
 </file>
 
-<file path=ppt/slides/slide23.xml><?xml version="1.0" encoding="utf-8"?>
+<file path=ppt/slides/slide22.xml><?xml version="1.0" encoding="utf-8"?>
 <p:sld xmlns:a="http://schemas.openxmlformats.org/drawingml/2006/main" xmlns:r="http://schemas.openxmlformats.org/officeDocument/2006/relationships" xmlns:p="http://schemas.openxmlformats.org/presentationml/2006/main">
   <p:cSld>
     <p:spTree>
@@ -19597,7 +20122,7 @@
 </p:sld>
 </file>
 
-<file path=ppt/slides/slide24.xml><?xml version="1.0" encoding="utf-8"?>
+<file path=ppt/slides/slide23.xml><?xml version="1.0" encoding="utf-8"?>
 <p:sld xmlns:a="http://schemas.openxmlformats.org/drawingml/2006/main" xmlns:r="http://schemas.openxmlformats.org/officeDocument/2006/relationships" xmlns:p="http://schemas.openxmlformats.org/presentationml/2006/main">
   <p:cSld>
     <p:spTree>
@@ -19766,7 +20291,7 @@
 </p:sld>
 </file>
 
-<file path=ppt/slides/slide25.xml><?xml version="1.0" encoding="utf-8"?>
+<file path=ppt/slides/slide24.xml><?xml version="1.0" encoding="utf-8"?>
 <p:sld xmlns:a="http://schemas.openxmlformats.org/drawingml/2006/main" xmlns:r="http://schemas.openxmlformats.org/officeDocument/2006/relationships" xmlns:p="http://schemas.openxmlformats.org/presentationml/2006/main">
   <p:cSld>
     <p:spTree>
@@ -23475,7 +24000,7 @@
 </p:sld>
 </file>
 
-<file path=ppt/slides/slide26.xml><?xml version="1.0" encoding="utf-8"?>
+<file path=ppt/slides/slide25.xml><?xml version="1.0" encoding="utf-8"?>
 <p:sld xmlns:a="http://schemas.openxmlformats.org/drawingml/2006/main" xmlns:r="http://schemas.openxmlformats.org/officeDocument/2006/relationships" xmlns:p="http://schemas.openxmlformats.org/presentationml/2006/main">
   <p:cSld>
     <p:spTree>
@@ -23644,7 +24169,7 @@
 </p:sld>
 </file>
 
-<file path=ppt/slides/slide27.xml><?xml version="1.0" encoding="utf-8"?>
+<file path=ppt/slides/slide26.xml><?xml version="1.0" encoding="utf-8"?>
 <p:sld xmlns:a="http://schemas.openxmlformats.org/drawingml/2006/main" xmlns:r="http://schemas.openxmlformats.org/officeDocument/2006/relationships" xmlns:p="http://schemas.openxmlformats.org/presentationml/2006/main">
   <p:cSld>
     <p:spTree>
@@ -25533,6 +26058,145 @@
 </p:sld>
 </file>
 
+<file path=ppt/slides/slide27.xml><?xml version="1.0" encoding="utf-8"?>
+<p:sld xmlns:a="http://schemas.openxmlformats.org/drawingml/2006/main" xmlns:r="http://schemas.openxmlformats.org/officeDocument/2006/relationships" xmlns:p="http://schemas.openxmlformats.org/presentationml/2006/main">
+  <p:cSld>
+    <p:spTree>
+      <p:nvGrpSpPr>
+        <p:cNvPr id="1" name=""/>
+        <p:cNvGrpSpPr/>
+        <p:nvPr/>
+      </p:nvGrpSpPr>
+      <p:grpSpPr>
+        <a:xfrm>
+          <a:off x="0" y="0"/>
+          <a:ext cx="0" cy="0"/>
+          <a:chOff x="0" y="0"/>
+          <a:chExt cx="0" cy="0"/>
+        </a:xfrm>
+      </p:grpSpPr>
+      <p:sp>
+        <p:nvSpPr>
+          <p:cNvPr id="2" name="Title 1"/>
+          <p:cNvSpPr>
+            <a:spLocks noGrp="1"/>
+          </p:cNvSpPr>
+          <p:nvPr>
+            <p:ph type="title"/>
+          </p:nvPr>
+        </p:nvSpPr>
+        <p:spPr/>
+        <p:txBody>
+          <a:bodyPr/>
+          <a:lstStyle/>
+          <a:p>
+            <a:r>
+              <a:rPr lang="en-US" dirty="0"/>
+              <a:t>Outline</a:t>
+            </a:r>
+          </a:p>
+        </p:txBody>
+      </p:sp>
+      <p:sp>
+        <p:nvSpPr>
+          <p:cNvPr id="3" name="Content Placeholder 2"/>
+          <p:cNvSpPr>
+            <a:spLocks noGrp="1"/>
+          </p:cNvSpPr>
+          <p:nvPr>
+            <p:ph idx="1"/>
+          </p:nvPr>
+        </p:nvSpPr>
+        <p:spPr/>
+        <p:txBody>
+          <a:bodyPr/>
+          <a:lstStyle/>
+          <a:p>
+            <a:pPr marL="342900" indent="-342900">
+              <a:buFont typeface="Arial" panose="020B0604020202020204" pitchFamily="34" charset="0"/>
+              <a:buChar char="•"/>
+            </a:pPr>
+            <a:r>
+              <a:rPr lang="en-US" dirty="0" smtClean="0"/>
+              <a:t>Introduction</a:t>
+            </a:r>
+            <a:endParaRPr lang="en-US" dirty="0"/>
+          </a:p>
+          <a:p>
+            <a:pPr marL="342900" indent="-342900">
+              <a:buFont typeface="Arial" panose="020B0604020202020204" pitchFamily="34" charset="0"/>
+              <a:buChar char="•"/>
+            </a:pPr>
+            <a:r>
+              <a:rPr lang="en-US" dirty="0"/>
+              <a:t>State of the Art</a:t>
+            </a:r>
+          </a:p>
+          <a:p>
+            <a:pPr marL="342900" indent="-342900">
+              <a:buFont typeface="Arial" panose="020B0604020202020204" pitchFamily="34" charset="0"/>
+              <a:buChar char="•"/>
+            </a:pPr>
+            <a:r>
+              <a:rPr lang="en-US" dirty="0" smtClean="0"/>
+              <a:t>Objectives</a:t>
+            </a:r>
+          </a:p>
+          <a:p>
+            <a:pPr marL="342900" indent="-342900">
+              <a:buFont typeface="Arial" panose="020B0604020202020204" pitchFamily="34" charset="0"/>
+              <a:buChar char="•"/>
+            </a:pPr>
+            <a:r>
+              <a:rPr lang="en-US" dirty="0" smtClean="0"/>
+              <a:t>Approach</a:t>
+            </a:r>
+          </a:p>
+          <a:p>
+            <a:pPr marL="342900" indent="-342900">
+              <a:buFont typeface="Arial" panose="020B0604020202020204" pitchFamily="34" charset="0"/>
+              <a:buChar char="•"/>
+            </a:pPr>
+            <a:r>
+              <a:rPr lang="en-US" b="1" dirty="0" smtClean="0"/>
+              <a:t>Evaluation </a:t>
+            </a:r>
+          </a:p>
+          <a:p>
+            <a:pPr marL="701675" lvl="2" indent="-342900">
+              <a:buFont typeface="Arial" panose="020B0604020202020204" pitchFamily="34" charset="0"/>
+              <a:buChar char="•"/>
+            </a:pPr>
+            <a:r>
+              <a:rPr lang="en-US" b="1" dirty="0" smtClean="0"/>
+              <a:t>Correctness and Efficiency</a:t>
+            </a:r>
+          </a:p>
+        </p:txBody>
+      </p:sp>
+    </p:spTree>
+    <p:extLst>
+      <p:ext uri="{BB962C8B-B14F-4D97-AF65-F5344CB8AC3E}">
+        <p14:creationId xmlns:p14="http://schemas.microsoft.com/office/powerpoint/2010/main" val="1134262330"/>
+      </p:ext>
+    </p:extLst>
+  </p:cSld>
+  <p:clrMapOvr>
+    <a:masterClrMapping/>
+  </p:clrMapOvr>
+  <p:transition spd="slow">
+    <p:wipe/>
+  </p:transition>
+  <p:timing>
+    <p:tnLst>
+      <p:par>
+        <p:cTn id="1" dur="indefinite" restart="never" nodeType="tmRoot"/>
+      </p:par>
+    </p:tnLst>
+  </p:timing>
+</p:sld>
+</file>
+
 <file path=ppt/slides/slide28.xml><?xml version="1.0" encoding="utf-8"?>
 <p:sld xmlns:a="http://schemas.openxmlformats.org/drawingml/2006/main" xmlns:r="http://schemas.openxmlformats.org/officeDocument/2006/relationships" xmlns:p="http://schemas.openxmlformats.org/presentationml/2006/main">
   <p:cSld>
@@ -25565,145 +26229,6 @@
           <a:bodyPr/>
           <a:lstStyle/>
           <a:p>
-            <a:r>
-              <a:rPr lang="en-US" dirty="0"/>
-              <a:t>Outline</a:t>
-            </a:r>
-          </a:p>
-        </p:txBody>
-      </p:sp>
-      <p:sp>
-        <p:nvSpPr>
-          <p:cNvPr id="3" name="Content Placeholder 2"/>
-          <p:cNvSpPr>
-            <a:spLocks noGrp="1"/>
-          </p:cNvSpPr>
-          <p:nvPr>
-            <p:ph idx="1"/>
-          </p:nvPr>
-        </p:nvSpPr>
-        <p:spPr/>
-        <p:txBody>
-          <a:bodyPr/>
-          <a:lstStyle/>
-          <a:p>
-            <a:pPr marL="342900" indent="-342900">
-              <a:buFont typeface="Arial" panose="020B0604020202020204" pitchFamily="34" charset="0"/>
-              <a:buChar char="•"/>
-            </a:pPr>
-            <a:r>
-              <a:rPr lang="en-US" dirty="0" smtClean="0"/>
-              <a:t>Introduction</a:t>
-            </a:r>
-            <a:endParaRPr lang="en-US" dirty="0"/>
-          </a:p>
-          <a:p>
-            <a:pPr marL="342900" indent="-342900">
-              <a:buFont typeface="Arial" panose="020B0604020202020204" pitchFamily="34" charset="0"/>
-              <a:buChar char="•"/>
-            </a:pPr>
-            <a:r>
-              <a:rPr lang="en-US" dirty="0"/>
-              <a:t>State of the Art</a:t>
-            </a:r>
-          </a:p>
-          <a:p>
-            <a:pPr marL="342900" indent="-342900">
-              <a:buFont typeface="Arial" panose="020B0604020202020204" pitchFamily="34" charset="0"/>
-              <a:buChar char="•"/>
-            </a:pPr>
-            <a:r>
-              <a:rPr lang="en-US" dirty="0" smtClean="0"/>
-              <a:t>Objectives</a:t>
-            </a:r>
-          </a:p>
-          <a:p>
-            <a:pPr marL="342900" indent="-342900">
-              <a:buFont typeface="Arial" panose="020B0604020202020204" pitchFamily="34" charset="0"/>
-              <a:buChar char="•"/>
-            </a:pPr>
-            <a:r>
-              <a:rPr lang="en-US" dirty="0" smtClean="0"/>
-              <a:t>Approach</a:t>
-            </a:r>
-          </a:p>
-          <a:p>
-            <a:pPr marL="342900" indent="-342900">
-              <a:buFont typeface="Arial" panose="020B0604020202020204" pitchFamily="34" charset="0"/>
-              <a:buChar char="•"/>
-            </a:pPr>
-            <a:r>
-              <a:rPr lang="en-US" b="1" dirty="0" smtClean="0"/>
-              <a:t>Evaluation </a:t>
-            </a:r>
-          </a:p>
-          <a:p>
-            <a:pPr marL="701675" lvl="2" indent="-342900">
-              <a:buFont typeface="Arial" panose="020B0604020202020204" pitchFamily="34" charset="0"/>
-              <a:buChar char="•"/>
-            </a:pPr>
-            <a:r>
-              <a:rPr lang="en-US" b="1" dirty="0" smtClean="0"/>
-              <a:t>Correctness and Efficiency</a:t>
-            </a:r>
-          </a:p>
-        </p:txBody>
-      </p:sp>
-    </p:spTree>
-    <p:extLst>
-      <p:ext uri="{BB962C8B-B14F-4D97-AF65-F5344CB8AC3E}">
-        <p14:creationId xmlns:p14="http://schemas.microsoft.com/office/powerpoint/2010/main" val="1134262330"/>
-      </p:ext>
-    </p:extLst>
-  </p:cSld>
-  <p:clrMapOvr>
-    <a:masterClrMapping/>
-  </p:clrMapOvr>
-  <p:transition spd="slow">
-    <p:wipe/>
-  </p:transition>
-  <p:timing>
-    <p:tnLst>
-      <p:par>
-        <p:cTn id="1" dur="indefinite" restart="never" nodeType="tmRoot"/>
-      </p:par>
-    </p:tnLst>
-  </p:timing>
-</p:sld>
-</file>
-
-<file path=ppt/slides/slide29.xml><?xml version="1.0" encoding="utf-8"?>
-<p:sld xmlns:a="http://schemas.openxmlformats.org/drawingml/2006/main" xmlns:r="http://schemas.openxmlformats.org/officeDocument/2006/relationships" xmlns:p="http://schemas.openxmlformats.org/presentationml/2006/main">
-  <p:cSld>
-    <p:spTree>
-      <p:nvGrpSpPr>
-        <p:cNvPr id="1" name=""/>
-        <p:cNvGrpSpPr/>
-        <p:nvPr/>
-      </p:nvGrpSpPr>
-      <p:grpSpPr>
-        <a:xfrm>
-          <a:off x="0" y="0"/>
-          <a:ext cx="0" cy="0"/>
-          <a:chOff x="0" y="0"/>
-          <a:chExt cx="0" cy="0"/>
-        </a:xfrm>
-      </p:grpSpPr>
-      <p:sp>
-        <p:nvSpPr>
-          <p:cNvPr id="2" name="Title 1"/>
-          <p:cNvSpPr>
-            <a:spLocks noGrp="1"/>
-          </p:cNvSpPr>
-          <p:nvPr>
-            <p:ph type="title"/>
-          </p:nvPr>
-        </p:nvSpPr>
-        <p:spPr/>
-        <p:txBody>
-          <a:bodyPr/>
-          <a:lstStyle/>
-          <a:p>
             <a:pPr marL="701675" marR="0" lvl="2" indent="-342900" defTabSz="914400" eaLnBrk="1" fontAlgn="auto" latinLnBrk="0" hangingPunct="1">
               <a:lnSpc>
                 <a:spcPct val="100000"/>
@@ -25864,6 +26389,17 @@
               <a:rPr lang="en-US" dirty="0" smtClean="0"/>
               <a:t>Efficiency</a:t>
             </a:r>
+          </a:p>
+          <a:p>
+            <a:pPr marL="701675" lvl="2" indent="-342900">
+              <a:buFont typeface="Arial" charset="0"/>
+              <a:buChar char="•"/>
+            </a:pPr>
+            <a:r>
+              <a:rPr lang="en-US" dirty="0" smtClean="0"/>
+              <a:t>Using synchronization primitives to find thread’s communication </a:t>
+            </a:r>
+            <a:endParaRPr lang="en-US" dirty="0" smtClean="0"/>
           </a:p>
           <a:p>
             <a:pPr marL="701675" lvl="2" indent="-342900">
@@ -26362,158 +26898,7 @@
 </p:sld>
 </file>
 
-<file path=ppt/slides/slide3.xml><?xml version="1.0" encoding="utf-8"?>
-<p:sld xmlns:a="http://schemas.openxmlformats.org/drawingml/2006/main" xmlns:r="http://schemas.openxmlformats.org/officeDocument/2006/relationships" xmlns:p="http://schemas.openxmlformats.org/presentationml/2006/main">
-  <p:cSld>
-    <p:spTree>
-      <p:nvGrpSpPr>
-        <p:cNvPr id="1" name=""/>
-        <p:cNvGrpSpPr/>
-        <p:nvPr/>
-      </p:nvGrpSpPr>
-      <p:grpSpPr>
-        <a:xfrm>
-          <a:off x="0" y="0"/>
-          <a:ext cx="0" cy="0"/>
-          <a:chOff x="0" y="0"/>
-          <a:chExt cx="0" cy="0"/>
-        </a:xfrm>
-      </p:grpSpPr>
-      <p:sp>
-        <p:nvSpPr>
-          <p:cNvPr id="2" name="Title 1"/>
-          <p:cNvSpPr>
-            <a:spLocks noGrp="1"/>
-          </p:cNvSpPr>
-          <p:nvPr>
-            <p:ph type="title"/>
-          </p:nvPr>
-        </p:nvSpPr>
-        <p:spPr/>
-        <p:txBody>
-          <a:bodyPr/>
-          <a:lstStyle/>
-          <a:p>
-            <a:r>
-              <a:rPr lang="en-US" dirty="0"/>
-              <a:t>Outline</a:t>
-            </a:r>
-          </a:p>
-        </p:txBody>
-      </p:sp>
-      <p:sp>
-        <p:nvSpPr>
-          <p:cNvPr id="3" name="Content Placeholder 2"/>
-          <p:cNvSpPr>
-            <a:spLocks noGrp="1"/>
-          </p:cNvSpPr>
-          <p:nvPr>
-            <p:ph idx="1"/>
-          </p:nvPr>
-        </p:nvSpPr>
-        <p:spPr/>
-        <p:txBody>
-          <a:bodyPr/>
-          <a:lstStyle/>
-          <a:p>
-            <a:pPr marL="342900" indent="-342900">
-              <a:buFont typeface="Arial" panose="020B0604020202020204" pitchFamily="34" charset="0"/>
-              <a:buChar char="•"/>
-            </a:pPr>
-            <a:r>
-              <a:rPr lang="en-US" b="1" dirty="0" smtClean="0"/>
-              <a:t>Introduction</a:t>
-            </a:r>
-          </a:p>
-          <a:p>
-            <a:pPr marL="701675" lvl="2" indent="-342900">
-              <a:buFont typeface="Arial" panose="020B0604020202020204" pitchFamily="34" charset="0"/>
-              <a:buChar char="•"/>
-            </a:pPr>
-            <a:r>
-              <a:rPr lang="en-US" b="1" dirty="0" smtClean="0"/>
-              <a:t>OpenMP</a:t>
-            </a:r>
-          </a:p>
-          <a:p>
-            <a:pPr marL="701675" lvl="2" indent="-342900">
-              <a:buFont typeface="Arial" panose="020B0604020202020204" pitchFamily="34" charset="0"/>
-              <a:buChar char="•"/>
-            </a:pPr>
-            <a:r>
-              <a:rPr lang="en-US" dirty="0" err="1" smtClean="0"/>
-              <a:t>DiscoPoP</a:t>
-            </a:r>
-            <a:endParaRPr lang="en-US" dirty="0" smtClean="0"/>
-          </a:p>
-          <a:p>
-            <a:pPr marL="342900" lvl="1" indent="-342900">
-              <a:buFont typeface="Arial" panose="020B0604020202020204" pitchFamily="34" charset="0"/>
-              <a:buChar char="•"/>
-            </a:pPr>
-            <a:r>
-              <a:rPr lang="en-US" dirty="0" smtClean="0"/>
-              <a:t>State of the Art</a:t>
-            </a:r>
-            <a:endParaRPr lang="en-US" dirty="0"/>
-          </a:p>
-          <a:p>
-            <a:pPr marL="342900" lvl="1" indent="-342900">
-              <a:buFont typeface="Arial" panose="020B0604020202020204" pitchFamily="34" charset="0"/>
-              <a:buChar char="•"/>
-            </a:pPr>
-            <a:r>
-              <a:rPr lang="en-US" dirty="0" smtClean="0"/>
-              <a:t>Objectives</a:t>
-            </a:r>
-          </a:p>
-          <a:p>
-            <a:pPr marL="342900" indent="-342900">
-              <a:buFont typeface="Arial" panose="020B0604020202020204" pitchFamily="34" charset="0"/>
-              <a:buChar char="•"/>
-            </a:pPr>
-            <a:r>
-              <a:rPr lang="en-US" dirty="0" smtClean="0"/>
-              <a:t>Approach</a:t>
-            </a:r>
-            <a:endParaRPr lang="en-US" dirty="0"/>
-          </a:p>
-          <a:p>
-            <a:pPr marL="342900" indent="-342900">
-              <a:buFont typeface="Arial" panose="020B0604020202020204" pitchFamily="34" charset="0"/>
-              <a:buChar char="•"/>
-            </a:pPr>
-            <a:r>
-              <a:rPr lang="en-US" dirty="0" smtClean="0"/>
-              <a:t>Evaluation </a:t>
-            </a:r>
-          </a:p>
-        </p:txBody>
-      </p:sp>
-    </p:spTree>
-    <p:extLst>
-      <p:ext uri="{BB962C8B-B14F-4D97-AF65-F5344CB8AC3E}">
-        <p14:creationId xmlns:p14="http://schemas.microsoft.com/office/powerpoint/2010/main" val="1130081413"/>
-      </p:ext>
-    </p:extLst>
-  </p:cSld>
-  <p:clrMapOvr>
-    <a:masterClrMapping/>
-  </p:clrMapOvr>
-  <p:transition spd="slow">
-    <p:wipe/>
-  </p:transition>
-  <p:timing>
-    <p:tnLst>
-      <p:par>
-        <p:cTn id="1" dur="indefinite" restart="never" nodeType="tmRoot"/>
-      </p:par>
-    </p:tnLst>
-  </p:timing>
-</p:sld>
-</file>
-
-<file path=ppt/slides/slide30.xml><?xml version="1.0" encoding="utf-8"?>
+<file path=ppt/slides/slide29.xml><?xml version="1.0" encoding="utf-8"?>
 <p:sld xmlns:a="http://schemas.openxmlformats.org/drawingml/2006/main" xmlns:r="http://schemas.openxmlformats.org/officeDocument/2006/relationships" xmlns:p="http://schemas.openxmlformats.org/presentationml/2006/main">
   <p:cSld>
     <p:spTree>
@@ -27671,7 +28056,7 @@
             </a:r>
             <a:r>
               <a:rPr lang="en-US" sz="1400" dirty="0" smtClean="0"/>
-              <a:t> LLVM Passes (Synch. /RAW)</a:t>
+              <a:t> LLVM Passes (Synch. /Mem. access)</a:t>
             </a:r>
             <a:endParaRPr lang="en-US" sz="1400" dirty="0"/>
           </a:p>
@@ -27934,7 +28319,158 @@
 </p:sld>
 </file>
 
-<file path=ppt/slides/slide31.xml><?xml version="1.0" encoding="utf-8"?>
+<file path=ppt/slides/slide3.xml><?xml version="1.0" encoding="utf-8"?>
+<p:sld xmlns:a="http://schemas.openxmlformats.org/drawingml/2006/main" xmlns:r="http://schemas.openxmlformats.org/officeDocument/2006/relationships" xmlns:p="http://schemas.openxmlformats.org/presentationml/2006/main">
+  <p:cSld>
+    <p:spTree>
+      <p:nvGrpSpPr>
+        <p:cNvPr id="1" name=""/>
+        <p:cNvGrpSpPr/>
+        <p:nvPr/>
+      </p:nvGrpSpPr>
+      <p:grpSpPr>
+        <a:xfrm>
+          <a:off x="0" y="0"/>
+          <a:ext cx="0" cy="0"/>
+          <a:chOff x="0" y="0"/>
+          <a:chExt cx="0" cy="0"/>
+        </a:xfrm>
+      </p:grpSpPr>
+      <p:sp>
+        <p:nvSpPr>
+          <p:cNvPr id="2" name="Title 1"/>
+          <p:cNvSpPr>
+            <a:spLocks noGrp="1"/>
+          </p:cNvSpPr>
+          <p:nvPr>
+            <p:ph type="title"/>
+          </p:nvPr>
+        </p:nvSpPr>
+        <p:spPr/>
+        <p:txBody>
+          <a:bodyPr/>
+          <a:lstStyle/>
+          <a:p>
+            <a:r>
+              <a:rPr lang="en-US" dirty="0"/>
+              <a:t>Outline</a:t>
+            </a:r>
+          </a:p>
+        </p:txBody>
+      </p:sp>
+      <p:sp>
+        <p:nvSpPr>
+          <p:cNvPr id="3" name="Content Placeholder 2"/>
+          <p:cNvSpPr>
+            <a:spLocks noGrp="1"/>
+          </p:cNvSpPr>
+          <p:nvPr>
+            <p:ph idx="1"/>
+          </p:nvPr>
+        </p:nvSpPr>
+        <p:spPr/>
+        <p:txBody>
+          <a:bodyPr/>
+          <a:lstStyle/>
+          <a:p>
+            <a:pPr marL="342900" indent="-342900">
+              <a:buFont typeface="Arial" panose="020B0604020202020204" pitchFamily="34" charset="0"/>
+              <a:buChar char="•"/>
+            </a:pPr>
+            <a:r>
+              <a:rPr lang="en-US" b="1" dirty="0" smtClean="0"/>
+              <a:t>Introduction</a:t>
+            </a:r>
+          </a:p>
+          <a:p>
+            <a:pPr marL="701675" lvl="2" indent="-342900">
+              <a:buFont typeface="Arial" panose="020B0604020202020204" pitchFamily="34" charset="0"/>
+              <a:buChar char="•"/>
+            </a:pPr>
+            <a:r>
+              <a:rPr lang="en-US" b="1" dirty="0" smtClean="0"/>
+              <a:t>OpenMP</a:t>
+            </a:r>
+          </a:p>
+          <a:p>
+            <a:pPr marL="701675" lvl="2" indent="-342900">
+              <a:buFont typeface="Arial" panose="020B0604020202020204" pitchFamily="34" charset="0"/>
+              <a:buChar char="•"/>
+            </a:pPr>
+            <a:r>
+              <a:rPr lang="en-US" dirty="0" err="1" smtClean="0"/>
+              <a:t>DiscoPoP</a:t>
+            </a:r>
+            <a:endParaRPr lang="en-US" dirty="0" smtClean="0"/>
+          </a:p>
+          <a:p>
+            <a:pPr marL="342900" lvl="1" indent="-342900">
+              <a:buFont typeface="Arial" panose="020B0604020202020204" pitchFamily="34" charset="0"/>
+              <a:buChar char="•"/>
+            </a:pPr>
+            <a:r>
+              <a:rPr lang="en-US" dirty="0" smtClean="0"/>
+              <a:t>State of the Art</a:t>
+            </a:r>
+            <a:endParaRPr lang="en-US" dirty="0"/>
+          </a:p>
+          <a:p>
+            <a:pPr marL="342900" lvl="1" indent="-342900">
+              <a:buFont typeface="Arial" panose="020B0604020202020204" pitchFamily="34" charset="0"/>
+              <a:buChar char="•"/>
+            </a:pPr>
+            <a:r>
+              <a:rPr lang="en-US" dirty="0" smtClean="0"/>
+              <a:t>Objectives</a:t>
+            </a:r>
+          </a:p>
+          <a:p>
+            <a:pPr marL="342900" indent="-342900">
+              <a:buFont typeface="Arial" panose="020B0604020202020204" pitchFamily="34" charset="0"/>
+              <a:buChar char="•"/>
+            </a:pPr>
+            <a:r>
+              <a:rPr lang="en-US" dirty="0" smtClean="0"/>
+              <a:t>Approach</a:t>
+            </a:r>
+            <a:endParaRPr lang="en-US" dirty="0"/>
+          </a:p>
+          <a:p>
+            <a:pPr marL="342900" indent="-342900">
+              <a:buFont typeface="Arial" panose="020B0604020202020204" pitchFamily="34" charset="0"/>
+              <a:buChar char="•"/>
+            </a:pPr>
+            <a:r>
+              <a:rPr lang="en-US" dirty="0" smtClean="0"/>
+              <a:t>Evaluation </a:t>
+            </a:r>
+          </a:p>
+        </p:txBody>
+      </p:sp>
+    </p:spTree>
+    <p:extLst>
+      <p:ext uri="{BB962C8B-B14F-4D97-AF65-F5344CB8AC3E}">
+        <p14:creationId xmlns:p14="http://schemas.microsoft.com/office/powerpoint/2010/main" val="1130081413"/>
+      </p:ext>
+    </p:extLst>
+  </p:cSld>
+  <p:clrMapOvr>
+    <a:masterClrMapping/>
+  </p:clrMapOvr>
+  <p:transition spd="slow">
+    <p:wipe/>
+  </p:transition>
+  <p:timing>
+    <p:tnLst>
+      <p:par>
+        <p:cTn id="1" dur="indefinite" restart="never" nodeType="tmRoot"/>
+      </p:par>
+    </p:tnLst>
+  </p:timing>
+</p:sld>
+</file>
+
+<file path=ppt/slides/slide30.xml><?xml version="1.0" encoding="utf-8"?>
 <p:sld xmlns:a="http://schemas.openxmlformats.org/drawingml/2006/main" xmlns:r="http://schemas.openxmlformats.org/officeDocument/2006/relationships" xmlns:p="http://schemas.openxmlformats.org/presentationml/2006/main">
   <p:cSld>
     <p:spTree>
@@ -29459,16 +29995,8 @@
               <a:buChar char="•"/>
             </a:pPr>
             <a:r>
-              <a:rPr lang="en-US" b="1" dirty="0" err="1" smtClean="0"/>
-              <a:t>Pthred</a:t>
-            </a:r>
-            <a:r>
               <a:rPr lang="en-US" b="1" dirty="0" smtClean="0"/>
-              <a:t> in </a:t>
-            </a:r>
-            <a:r>
-              <a:rPr lang="en-US" b="1" dirty="0" err="1" smtClean="0"/>
-              <a:t>DiscoPoP</a:t>
+              <a:t>Profiling and instrumentation</a:t>
             </a:r>
             <a:endParaRPr lang="en-US" b="1" dirty="0" smtClean="0"/>
           </a:p>
@@ -29479,28 +30007,7 @@
             </a:pPr>
             <a:r>
               <a:rPr lang="en-US" b="1" dirty="0" smtClean="0"/>
-              <a:t>OPARI</a:t>
-            </a:r>
-          </a:p>
-          <a:p>
-            <a:pPr marL="701675" lvl="2" indent="-342900">
-              <a:buFont typeface="Arial" panose="020B0604020202020204" pitchFamily="34" charset="0"/>
-              <a:buChar char="•"/>
-            </a:pPr>
-            <a:r>
-              <a:rPr lang="en-US" b="1" dirty="0" err="1" smtClean="0"/>
-              <a:t>Threadspotter</a:t>
-            </a:r>
-            <a:endParaRPr lang="en-US" b="1" dirty="0" smtClean="0"/>
-          </a:p>
-          <a:p>
-            <a:pPr marL="701675" lvl="2" indent="-342900">
-              <a:buFont typeface="Arial" panose="020B0604020202020204" pitchFamily="34" charset="0"/>
-              <a:buChar char="•"/>
-            </a:pPr>
-            <a:r>
-              <a:rPr lang="en-US" b="1" dirty="0" smtClean="0"/>
-              <a:t>Tread Mapping</a:t>
+              <a:t>Thread Mapping</a:t>
             </a:r>
             <a:endParaRPr lang="en-US" b="1" dirty="0" smtClean="0"/>
           </a:p>

--- a/Presentations/Proposal.pptx
+++ b/Presentations/Proposal.pptx
@@ -473,11 +473,11 @@
           <c:showPercent val="0"/>
           <c:showBubbleSize val="0"/>
         </c:dLbls>
-        <c:axId val="816493936"/>
-        <c:axId val="744293232"/>
+        <c:axId val="870903952"/>
+        <c:axId val="815526528"/>
       </c:scatterChart>
       <c:valAx>
-        <c:axId val="816493936"/>
+        <c:axId val="870903952"/>
         <c:scaling>
           <c:orientation val="minMax"/>
         </c:scaling>
@@ -620,12 +620,12 @@
             <a:endParaRPr lang="en-US"/>
           </a:p>
         </c:txPr>
-        <c:crossAx val="744293232"/>
+        <c:crossAx val="815526528"/>
         <c:crosses val="autoZero"/>
         <c:crossBetween val="midCat"/>
       </c:valAx>
       <c:valAx>
-        <c:axId val="744293232"/>
+        <c:axId val="815526528"/>
         <c:scaling>
           <c:orientation val="minMax"/>
         </c:scaling>
@@ -773,7 +773,7 @@
             <a:endParaRPr lang="en-US"/>
           </a:p>
         </c:txPr>
-        <c:crossAx val="816493936"/>
+        <c:crossAx val="870903952"/>
         <c:crosses val="autoZero"/>
         <c:crossBetween val="midCat"/>
       </c:valAx>
@@ -1504,7 +1504,7 @@
           <a:p>
             <a:fld id="{74BB652D-7810-496D-A2FA-D61220BB4334}" type="datetime4">
               <a:rPr lang="de-DE" smtClean="0"/>
-              <a:t>19. January 2017</a:t>
+              <a:t>23. January 2017</a:t>
             </a:fld>
             <a:endParaRPr lang="de-DE"/>
           </a:p>
@@ -1887,7 +1887,7 @@
           <a:p>
             <a:fld id="{BEF970E4-9540-437D-B70A-0A41E70CE984}" type="datetime4">
               <a:rPr lang="de-DE" smtClean="0"/>
-              <a:t>19. January 2017</a:t>
+              <a:t>23. January 2017</a:t>
             </a:fld>
             <a:endParaRPr lang="de-DE"/>
           </a:p>
@@ -2529,7 +2529,7 @@
           <a:p>
             <a:fld id="{BEF970E4-9540-437D-B70A-0A41E70CE984}" type="datetime4">
               <a:rPr lang="de-DE" smtClean="0"/>
-              <a:t>19. January 2017</a:t>
+              <a:t>23. January 2017</a:t>
             </a:fld>
             <a:endParaRPr lang="de-DE"/>
           </a:p>
@@ -2648,6 +2648,163 @@
           <a:bodyPr/>
           <a:lstStyle/>
           <a:p>
+            <a:pPr marL="358775" lvl="2" indent="0">
+              <a:buFont typeface="Arial" charset="0"/>
+              <a:buNone/>
+            </a:pPr>
+            <a:r>
+              <a:rPr lang="en-US" sz="1200" b="0" i="0" kern="1200" dirty="0" smtClean="0">
+                <a:solidFill>
+                  <a:schemeClr val="tx1"/>
+                </a:solidFill>
+                <a:effectLst/>
+                <a:latin typeface="Bitstream Charter" pitchFamily="2" charset="0"/>
+                <a:ea typeface="+mn-ea"/>
+                <a:cs typeface="+mn-cs"/>
+              </a:rPr>
+              <a:t>Memory </a:t>
+            </a:r>
+            <a:r>
+              <a:rPr lang="en-US" sz="1200" b="0" i="0" kern="1200" dirty="0" err="1" smtClean="0">
+                <a:solidFill>
+                  <a:schemeClr val="tx1"/>
+                </a:solidFill>
+                <a:effectLst/>
+                <a:latin typeface="Bitstream Charter" pitchFamily="2" charset="0"/>
+                <a:ea typeface="+mn-ea"/>
+                <a:cs typeface="+mn-cs"/>
+              </a:rPr>
+              <a:t>Hiding:memory</a:t>
+            </a:r>
+            <a:r>
+              <a:rPr lang="en-US" sz="1200" b="0" i="0" kern="1200" dirty="0" smtClean="0">
+                <a:solidFill>
+                  <a:schemeClr val="tx1"/>
+                </a:solidFill>
+                <a:effectLst/>
+                <a:latin typeface="Bitstream Charter" pitchFamily="2" charset="0"/>
+                <a:ea typeface="+mn-ea"/>
+                <a:cs typeface="+mn-cs"/>
+              </a:rPr>
+              <a:t> access time is 'hidden' by executing other instructions whilst waiting for the memory access</a:t>
+            </a:r>
+            <a:endParaRPr lang="en-US" dirty="0" smtClean="0"/>
+          </a:p>
+          <a:p>
+            <a:pPr marL="701675" lvl="2" indent="-342900">
+              <a:buFont typeface="Arial" charset="0"/>
+              <a:buChar char="•"/>
+            </a:pPr>
+            <a:endParaRPr lang="en-US" dirty="0" smtClean="0"/>
+          </a:p>
+          <a:p>
+            <a:pPr marL="701675" lvl="2" indent="-342900">
+              <a:buFont typeface="Arial" charset="0"/>
+              <a:buChar char="•"/>
+            </a:pPr>
+            <a:r>
+              <a:rPr lang="en-US" dirty="0" smtClean="0"/>
+              <a:t>Enhancing </a:t>
+            </a:r>
+            <a:r>
+              <a:rPr lang="en-US" dirty="0" smtClean="0"/>
+              <a:t>the application memory access regularity</a:t>
+            </a:r>
+          </a:p>
+          <a:p>
+            <a:pPr marL="881062" lvl="3" indent="-342900">
+              <a:buFont typeface="Arial" charset="0"/>
+              <a:buChar char="•"/>
+            </a:pPr>
+            <a:r>
+              <a:rPr lang="en-US" dirty="0" smtClean="0"/>
+              <a:t>To help hardware </a:t>
+            </a:r>
+            <a:r>
+              <a:rPr lang="en-US" dirty="0" err="1" smtClean="0"/>
+              <a:t>prefetcher</a:t>
+            </a:r>
+            <a:endParaRPr lang="en-US" dirty="0" smtClean="0"/>
+          </a:p>
+          <a:p>
+            <a:pPr marL="701675" lvl="2" indent="-342900">
+              <a:buFont typeface="Arial" charset="0"/>
+              <a:buChar char="•"/>
+            </a:pPr>
+            <a:r>
+              <a:rPr lang="en-US" dirty="0" smtClean="0"/>
+              <a:t>Enhancing spatial locality </a:t>
+            </a:r>
+          </a:p>
+          <a:p>
+            <a:pPr marL="881062" lvl="3" indent="-342900">
+              <a:buFont typeface="Arial" charset="0"/>
+              <a:buChar char="•"/>
+            </a:pPr>
+            <a:r>
+              <a:rPr lang="en-US" dirty="0" smtClean="0"/>
+              <a:t>To help minimize the amount of unused data transferred between memory and cache</a:t>
+            </a:r>
+          </a:p>
+          <a:p>
+            <a:pPr marL="881062" lvl="3" indent="-342900">
+              <a:buFont typeface="Arial" charset="0"/>
+              <a:buChar char="•"/>
+            </a:pPr>
+            <a:r>
+              <a:rPr lang="en-US" dirty="0" smtClean="0"/>
+              <a:t>Minimize the amount of cache space occupied by unused data</a:t>
+            </a:r>
+          </a:p>
+          <a:p>
+            <a:pPr marL="701675" lvl="2" indent="-342900">
+              <a:buFont typeface="Arial" charset="0"/>
+              <a:buChar char="•"/>
+            </a:pPr>
+            <a:r>
+              <a:rPr lang="en-US" dirty="0" smtClean="0"/>
+              <a:t>Enhancing temporal locality</a:t>
+            </a:r>
+          </a:p>
+          <a:p>
+            <a:pPr marL="881062" lvl="3" indent="-342900">
+              <a:buFont typeface="Arial" charset="0"/>
+              <a:buChar char="•"/>
+            </a:pPr>
+            <a:r>
+              <a:rPr lang="en-US" dirty="0" smtClean="0"/>
+              <a:t>By suggesting ways to reuse data while it remains in the cache</a:t>
+            </a:r>
+          </a:p>
+          <a:p>
+            <a:pPr marL="701675" lvl="2" indent="-342900">
+              <a:buFont typeface="Arial" charset="0"/>
+              <a:buChar char="•"/>
+            </a:pPr>
+            <a:r>
+              <a:rPr lang="en-US" dirty="0" smtClean="0"/>
+              <a:t>Hide memory access</a:t>
+            </a:r>
+          </a:p>
+          <a:p>
+            <a:pPr marL="881062" lvl="3" indent="-342900">
+              <a:buFont typeface="Arial" charset="0"/>
+              <a:buChar char="•"/>
+            </a:pPr>
+            <a:r>
+              <a:rPr lang="en-US" dirty="0" smtClean="0"/>
+              <a:t>By adding </a:t>
+            </a:r>
+            <a:r>
+              <a:rPr lang="en-US" dirty="0" err="1" smtClean="0"/>
+              <a:t>prefetch</a:t>
+            </a:r>
+            <a:r>
+              <a:rPr lang="en-US" dirty="0" smtClean="0"/>
+              <a:t> instructions</a:t>
+            </a:r>
+          </a:p>
+          <a:p>
             <a:endParaRPr lang="en-US" dirty="0"/>
           </a:p>
         </p:txBody>
@@ -2669,7 +2826,7 @@
           <a:p>
             <a:fld id="{BEF970E4-9540-437D-B70A-0A41E70CE984}" type="datetime4">
               <a:rPr lang="de-DE" smtClean="0"/>
-              <a:t>19. January 2017</a:t>
+              <a:t>23. January 2017</a:t>
             </a:fld>
             <a:endParaRPr lang="de-DE"/>
           </a:p>
@@ -2720,7 +2877,7 @@
             <a:fld id="{C36AA9A4-5D0B-4134-89A6-D8B9DAA4F25C}" type="slidenum">
               <a:rPr lang="de-DE" smtClean="0"/>
               <a:pPr/>
-              <a:t>14</a:t>
+              <a:t>13</a:t>
             </a:fld>
             <a:endParaRPr lang="de-DE"/>
           </a:p>
@@ -2729,7 +2886,7 @@
     </p:spTree>
     <p:extLst>
       <p:ext uri="{BB962C8B-B14F-4D97-AF65-F5344CB8AC3E}">
-        <p14:creationId xmlns:p14="http://schemas.microsoft.com/office/powerpoint/2010/main" val="194738249"/>
+        <p14:creationId xmlns:p14="http://schemas.microsoft.com/office/powerpoint/2010/main" val="856152240"/>
       </p:ext>
     </p:extLst>
   </p:cSld>
@@ -2788,93 +2945,6 @@
           <a:bodyPr/>
           <a:lstStyle/>
           <a:p>
-            <a:pPr marL="701675" lvl="2" indent="-342900">
-              <a:buFont typeface="Arial" charset="0"/>
-              <a:buChar char="•"/>
-            </a:pPr>
-            <a:r>
-              <a:rPr lang="en-US" dirty="0" smtClean="0"/>
-              <a:t>OS: The mapping performed by the operating system </a:t>
-            </a:r>
-          </a:p>
-          <a:p>
-            <a:pPr marL="701675" lvl="2" indent="-342900">
-              <a:buFont typeface="Arial" charset="0"/>
-              <a:buChar char="•"/>
-            </a:pPr>
-            <a:r>
-              <a:rPr lang="en-US" dirty="0" smtClean="0"/>
-              <a:t>Compact: Performs a round-robin scheduling of threads to PUs </a:t>
-            </a:r>
-          </a:p>
-          <a:p>
-            <a:pPr marL="881062" lvl="3" indent="-342900">
-              <a:buFont typeface="Arial" charset="0"/>
-              <a:buChar char="•"/>
-            </a:pPr>
-            <a:r>
-              <a:rPr lang="en-US" dirty="0" smtClean="0"/>
-              <a:t>Neighboring threads are placed close to each other in the memory hierarchy </a:t>
-            </a:r>
-          </a:p>
-          <a:p>
-            <a:pPr marL="701675" lvl="2" indent="-342900">
-              <a:buFont typeface="Arial" charset="0"/>
-              <a:buChar char="•"/>
-            </a:pPr>
-            <a:r>
-              <a:rPr lang="en-US" dirty="0" smtClean="0"/>
-              <a:t>Scatter: Represents the opposite of Compact </a:t>
-            </a:r>
-          </a:p>
-          <a:p>
-            <a:pPr marL="881062" lvl="3" indent="-342900">
-              <a:buFont typeface="Arial" charset="0"/>
-              <a:buChar char="•"/>
-            </a:pPr>
-            <a:r>
-              <a:rPr lang="en-US" dirty="0" smtClean="0"/>
-              <a:t>Neighboring threads are placed far from each other in the hierarchy </a:t>
-            </a:r>
-          </a:p>
-          <a:p>
-            <a:pPr marL="701675" lvl="2" indent="-342900">
-              <a:buFont typeface="Arial" charset="0"/>
-              <a:buChar char="•"/>
-            </a:pPr>
-            <a:r>
-              <a:rPr lang="en-US" dirty="0" smtClean="0"/>
-              <a:t>Locality: Mapping threads that communicate frequently close to each other in the memory hierarchy </a:t>
-            </a:r>
-          </a:p>
-          <a:p>
-            <a:pPr marL="881062" lvl="3" indent="-342900">
-              <a:buFont typeface="Arial" charset="0"/>
-              <a:buChar char="•"/>
-            </a:pPr>
-            <a:r>
-              <a:rPr lang="en-US" dirty="0" smtClean="0"/>
-              <a:t>Different algorithms e.g., Matrices</a:t>
-            </a:r>
-          </a:p>
-          <a:p>
-            <a:pPr marL="701675" lvl="2" indent="-342900">
-              <a:buFont typeface="Arial" charset="0"/>
-              <a:buChar char="•"/>
-            </a:pPr>
-            <a:r>
-              <a:rPr lang="en-US" dirty="0" smtClean="0"/>
-              <a:t>Distance: Represents the opposite of Locality, placing threads that communicate far apart in the memory hierarchy </a:t>
-            </a:r>
-          </a:p>
-          <a:p>
-            <a:pPr marL="701675" lvl="2" indent="-342900">
-              <a:buFont typeface="Arial" charset="0"/>
-              <a:buChar char="•"/>
-            </a:pPr>
-            <a:endParaRPr lang="en-US" dirty="0" smtClean="0"/>
-          </a:p>
-          <a:p>
             <a:endParaRPr lang="en-US" dirty="0"/>
           </a:p>
         </p:txBody>
@@ -2896,7 +2966,7 @@
           <a:p>
             <a:fld id="{BEF970E4-9540-437D-B70A-0A41E70CE984}" type="datetime4">
               <a:rPr lang="de-DE" smtClean="0"/>
-              <a:t>19. January 2017</a:t>
+              <a:t>23. January 2017</a:t>
             </a:fld>
             <a:endParaRPr lang="de-DE"/>
           </a:p>
@@ -2947,7 +3017,7 @@
             <a:fld id="{C36AA9A4-5D0B-4134-89A6-D8B9DAA4F25C}" type="slidenum">
               <a:rPr lang="de-DE" smtClean="0"/>
               <a:pPr/>
-              <a:t>15</a:t>
+              <a:t>14</a:t>
             </a:fld>
             <a:endParaRPr lang="de-DE"/>
           </a:p>
@@ -2956,7 +3026,7 @@
     </p:spTree>
     <p:extLst>
       <p:ext uri="{BB962C8B-B14F-4D97-AF65-F5344CB8AC3E}">
-        <p14:creationId xmlns:p14="http://schemas.microsoft.com/office/powerpoint/2010/main" val="2098755093"/>
+        <p14:creationId xmlns:p14="http://schemas.microsoft.com/office/powerpoint/2010/main" val="194738249"/>
       </p:ext>
     </p:extLst>
   </p:cSld>
@@ -3015,6 +3085,93 @@
           <a:bodyPr/>
           <a:lstStyle/>
           <a:p>
+            <a:pPr marL="701675" lvl="2" indent="-342900">
+              <a:buFont typeface="Arial" charset="0"/>
+              <a:buChar char="•"/>
+            </a:pPr>
+            <a:r>
+              <a:rPr lang="en-US" dirty="0" smtClean="0"/>
+              <a:t>OS: The mapping performed by the operating system </a:t>
+            </a:r>
+          </a:p>
+          <a:p>
+            <a:pPr marL="701675" lvl="2" indent="-342900">
+              <a:buFont typeface="Arial" charset="0"/>
+              <a:buChar char="•"/>
+            </a:pPr>
+            <a:r>
+              <a:rPr lang="en-US" dirty="0" smtClean="0"/>
+              <a:t>Compact: Performs a round-robin scheduling of threads to PUs </a:t>
+            </a:r>
+          </a:p>
+          <a:p>
+            <a:pPr marL="881062" lvl="3" indent="-342900">
+              <a:buFont typeface="Arial" charset="0"/>
+              <a:buChar char="•"/>
+            </a:pPr>
+            <a:r>
+              <a:rPr lang="en-US" dirty="0" smtClean="0"/>
+              <a:t>Neighboring threads are placed close to each other in the memory hierarchy </a:t>
+            </a:r>
+          </a:p>
+          <a:p>
+            <a:pPr marL="701675" lvl="2" indent="-342900">
+              <a:buFont typeface="Arial" charset="0"/>
+              <a:buChar char="•"/>
+            </a:pPr>
+            <a:r>
+              <a:rPr lang="en-US" dirty="0" smtClean="0"/>
+              <a:t>Scatter: Represents the opposite of Compact </a:t>
+            </a:r>
+          </a:p>
+          <a:p>
+            <a:pPr marL="881062" lvl="3" indent="-342900">
+              <a:buFont typeface="Arial" charset="0"/>
+              <a:buChar char="•"/>
+            </a:pPr>
+            <a:r>
+              <a:rPr lang="en-US" dirty="0" smtClean="0"/>
+              <a:t>Neighboring threads are placed far from each other in the hierarchy </a:t>
+            </a:r>
+          </a:p>
+          <a:p>
+            <a:pPr marL="701675" lvl="2" indent="-342900">
+              <a:buFont typeface="Arial" charset="0"/>
+              <a:buChar char="•"/>
+            </a:pPr>
+            <a:r>
+              <a:rPr lang="en-US" dirty="0" smtClean="0"/>
+              <a:t>Locality: Mapping threads that communicate frequently close to each other in the memory hierarchy </a:t>
+            </a:r>
+          </a:p>
+          <a:p>
+            <a:pPr marL="881062" lvl="3" indent="-342900">
+              <a:buFont typeface="Arial" charset="0"/>
+              <a:buChar char="•"/>
+            </a:pPr>
+            <a:r>
+              <a:rPr lang="en-US" dirty="0" smtClean="0"/>
+              <a:t>Different algorithms e.g., Matrices</a:t>
+            </a:r>
+          </a:p>
+          <a:p>
+            <a:pPr marL="701675" lvl="2" indent="-342900">
+              <a:buFont typeface="Arial" charset="0"/>
+              <a:buChar char="•"/>
+            </a:pPr>
+            <a:r>
+              <a:rPr lang="en-US" dirty="0" smtClean="0"/>
+              <a:t>Distance: Represents the opposite of Locality, placing threads that communicate far apart in the memory hierarchy </a:t>
+            </a:r>
+          </a:p>
+          <a:p>
+            <a:pPr marL="701675" lvl="2" indent="-342900">
+              <a:buFont typeface="Arial" charset="0"/>
+              <a:buChar char="•"/>
+            </a:pPr>
+            <a:endParaRPr lang="en-US" dirty="0" smtClean="0"/>
+          </a:p>
+          <a:p>
             <a:endParaRPr lang="en-US" dirty="0"/>
           </a:p>
         </p:txBody>
@@ -3036,7 +3193,7 @@
           <a:p>
             <a:fld id="{BEF970E4-9540-437D-B70A-0A41E70CE984}" type="datetime4">
               <a:rPr lang="de-DE" smtClean="0"/>
-              <a:t>19. January 2017</a:t>
+              <a:t>23. January 2017</a:t>
             </a:fld>
             <a:endParaRPr lang="de-DE"/>
           </a:p>
@@ -3087,7 +3244,7 @@
             <a:fld id="{C36AA9A4-5D0B-4134-89A6-D8B9DAA4F25C}" type="slidenum">
               <a:rPr lang="de-DE" smtClean="0"/>
               <a:pPr/>
-              <a:t>16</a:t>
+              <a:t>15</a:t>
             </a:fld>
             <a:endParaRPr lang="de-DE"/>
           </a:p>
@@ -3096,7 +3253,7 @@
     </p:spTree>
     <p:extLst>
       <p:ext uri="{BB962C8B-B14F-4D97-AF65-F5344CB8AC3E}">
-        <p14:creationId xmlns:p14="http://schemas.microsoft.com/office/powerpoint/2010/main" val="1719715303"/>
+        <p14:creationId xmlns:p14="http://schemas.microsoft.com/office/powerpoint/2010/main" val="2098755093"/>
       </p:ext>
     </p:extLst>
   </p:cSld>
@@ -3176,7 +3333,7 @@
           <a:p>
             <a:fld id="{BEF970E4-9540-437D-B70A-0A41E70CE984}" type="datetime4">
               <a:rPr lang="de-DE" smtClean="0"/>
-              <a:t>19. January 2017</a:t>
+              <a:t>23. January 2017</a:t>
             </a:fld>
             <a:endParaRPr lang="de-DE"/>
           </a:p>
@@ -3198,9 +3355,10 @@
           <a:lstStyle/>
           <a:p>
             <a:r>
-              <a:rPr lang="de-DE"/>
+              <a:rPr lang="de-DE" smtClean="0"/>
               <a:t>|  </a:t>
             </a:r>
+            <a:endParaRPr lang="de-DE"/>
           </a:p>
         </p:txBody>
       </p:sp>
@@ -3220,13 +3378,13 @@
           <a:lstStyle/>
           <a:p>
             <a:r>
-              <a:rPr lang="de-DE"/>
+              <a:rPr lang="de-DE" smtClean="0"/>
               <a:t>|  </a:t>
             </a:r>
             <a:fld id="{C36AA9A4-5D0B-4134-89A6-D8B9DAA4F25C}" type="slidenum">
               <a:rPr lang="de-DE" smtClean="0"/>
               <a:pPr/>
-              <a:t>18</a:t>
+              <a:t>16</a:t>
             </a:fld>
             <a:endParaRPr lang="de-DE"/>
           </a:p>
@@ -3235,7 +3393,7 @@
     </p:spTree>
     <p:extLst>
       <p:ext uri="{BB962C8B-B14F-4D97-AF65-F5344CB8AC3E}">
-        <p14:creationId xmlns:p14="http://schemas.microsoft.com/office/powerpoint/2010/main" val="1865772737"/>
+        <p14:creationId xmlns:p14="http://schemas.microsoft.com/office/powerpoint/2010/main" val="1719715303"/>
       </p:ext>
     </p:extLst>
   </p:cSld>
@@ -3315,7 +3473,7 @@
           <a:p>
             <a:fld id="{BEF970E4-9540-437D-B70A-0A41E70CE984}" type="datetime4">
               <a:rPr lang="de-DE" smtClean="0"/>
-              <a:t>19. January 2017</a:t>
+              <a:t>23. January 2017</a:t>
             </a:fld>
             <a:endParaRPr lang="de-DE"/>
           </a:p>
@@ -3337,10 +3495,9 @@
           <a:lstStyle/>
           <a:p>
             <a:r>
-              <a:rPr lang="de-DE" smtClean="0"/>
+              <a:rPr lang="de-DE"/>
               <a:t>|  </a:t>
             </a:r>
-            <a:endParaRPr lang="de-DE"/>
           </a:p>
         </p:txBody>
       </p:sp>
@@ -3360,13 +3517,13 @@
           <a:lstStyle/>
           <a:p>
             <a:r>
-              <a:rPr lang="de-DE" smtClean="0"/>
+              <a:rPr lang="de-DE"/>
               <a:t>|  </a:t>
             </a:r>
             <a:fld id="{C36AA9A4-5D0B-4134-89A6-D8B9DAA4F25C}" type="slidenum">
               <a:rPr lang="de-DE" smtClean="0"/>
               <a:pPr/>
-              <a:t>19</a:t>
+              <a:t>18</a:t>
             </a:fld>
             <a:endParaRPr lang="de-DE"/>
           </a:p>
@@ -3375,7 +3532,7 @@
     </p:spTree>
     <p:extLst>
       <p:ext uri="{BB962C8B-B14F-4D97-AF65-F5344CB8AC3E}">
-        <p14:creationId xmlns:p14="http://schemas.microsoft.com/office/powerpoint/2010/main" val="1744293244"/>
+        <p14:creationId xmlns:p14="http://schemas.microsoft.com/office/powerpoint/2010/main" val="1865772737"/>
       </p:ext>
     </p:extLst>
   </p:cSld>
@@ -3455,7 +3612,7 @@
           <a:p>
             <a:fld id="{BEF970E4-9540-437D-B70A-0A41E70CE984}" type="datetime4">
               <a:rPr lang="de-DE" smtClean="0"/>
-              <a:t>19. January 2017</a:t>
+              <a:t>23. January 2017</a:t>
             </a:fld>
             <a:endParaRPr lang="de-DE"/>
           </a:p>
@@ -3477,9 +3634,10 @@
           <a:lstStyle/>
           <a:p>
             <a:r>
-              <a:rPr lang="de-DE"/>
+              <a:rPr lang="de-DE" smtClean="0"/>
               <a:t>|  </a:t>
             </a:r>
+            <a:endParaRPr lang="de-DE"/>
           </a:p>
         </p:txBody>
       </p:sp>
@@ -3499,13 +3657,13 @@
           <a:lstStyle/>
           <a:p>
             <a:r>
-              <a:rPr lang="de-DE"/>
+              <a:rPr lang="de-DE" smtClean="0"/>
               <a:t>|  </a:t>
             </a:r>
             <a:fld id="{C36AA9A4-5D0B-4134-89A6-D8B9DAA4F25C}" type="slidenum">
               <a:rPr lang="de-DE" smtClean="0"/>
               <a:pPr/>
-              <a:t>20</a:t>
+              <a:t>19</a:t>
             </a:fld>
             <a:endParaRPr lang="de-DE"/>
           </a:p>
@@ -3514,7 +3672,7 @@
     </p:spTree>
     <p:extLst>
       <p:ext uri="{BB962C8B-B14F-4D97-AF65-F5344CB8AC3E}">
-        <p14:creationId xmlns:p14="http://schemas.microsoft.com/office/powerpoint/2010/main" val="1301839886"/>
+        <p14:creationId xmlns:p14="http://schemas.microsoft.com/office/powerpoint/2010/main" val="1744293244"/>
       </p:ext>
     </p:extLst>
   </p:cSld>
@@ -3573,7 +3731,7 @@
           <a:bodyPr/>
           <a:lstStyle/>
           <a:p>
-            <a:endParaRPr lang="en-US"/>
+            <a:endParaRPr lang="en-US" dirty="0"/>
           </a:p>
         </p:txBody>
       </p:sp>
@@ -3594,7 +3752,7 @@
           <a:p>
             <a:fld id="{BEF970E4-9540-437D-B70A-0A41E70CE984}" type="datetime4">
               <a:rPr lang="de-DE" smtClean="0"/>
-              <a:t>19. January 2017</a:t>
+              <a:t>23. January 2017</a:t>
             </a:fld>
             <a:endParaRPr lang="de-DE"/>
           </a:p>
@@ -3616,10 +3774,9 @@
           <a:lstStyle/>
           <a:p>
             <a:r>
-              <a:rPr lang="de-DE" smtClean="0"/>
+              <a:rPr lang="de-DE"/>
               <a:t>|  </a:t>
             </a:r>
-            <a:endParaRPr lang="de-DE"/>
           </a:p>
         </p:txBody>
       </p:sp>
@@ -3639,13 +3796,13 @@
           <a:lstStyle/>
           <a:p>
             <a:r>
-              <a:rPr lang="de-DE" smtClean="0"/>
+              <a:rPr lang="de-DE"/>
               <a:t>|  </a:t>
             </a:r>
             <a:fld id="{C36AA9A4-5D0B-4134-89A6-D8B9DAA4F25C}" type="slidenum">
               <a:rPr lang="de-DE" smtClean="0"/>
               <a:pPr/>
-              <a:t>21</a:t>
+              <a:t>20</a:t>
             </a:fld>
             <a:endParaRPr lang="de-DE"/>
           </a:p>
@@ -3654,7 +3811,7 @@
     </p:spTree>
     <p:extLst>
       <p:ext uri="{BB962C8B-B14F-4D97-AF65-F5344CB8AC3E}">
-        <p14:creationId xmlns:p14="http://schemas.microsoft.com/office/powerpoint/2010/main" val="405505431"/>
+        <p14:creationId xmlns:p14="http://schemas.microsoft.com/office/powerpoint/2010/main" val="1301839886"/>
       </p:ext>
     </p:extLst>
   </p:cSld>
@@ -3713,11 +3870,7 @@
           <a:bodyPr/>
           <a:lstStyle/>
           <a:p>
-            <a:r>
-              <a:rPr lang="en-US" dirty="0" smtClean="0"/>
-              <a:t>Change the color of photo</a:t>
-            </a:r>
-            <a:endParaRPr lang="en-US" dirty="0"/>
+            <a:endParaRPr lang="en-US"/>
           </a:p>
         </p:txBody>
       </p:sp>
@@ -3738,7 +3891,7 @@
           <a:p>
             <a:fld id="{BEF970E4-9540-437D-B70A-0A41E70CE984}" type="datetime4">
               <a:rPr lang="de-DE" smtClean="0"/>
-              <a:t>19. January 2017</a:t>
+              <a:t>23. January 2017</a:t>
             </a:fld>
             <a:endParaRPr lang="de-DE"/>
           </a:p>
@@ -3760,9 +3913,10 @@
           <a:lstStyle/>
           <a:p>
             <a:r>
-              <a:rPr lang="de-DE"/>
+              <a:rPr lang="de-DE" smtClean="0"/>
               <a:t>|  </a:t>
             </a:r>
+            <a:endParaRPr lang="de-DE"/>
           </a:p>
         </p:txBody>
       </p:sp>
@@ -3782,13 +3936,13 @@
           <a:lstStyle/>
           <a:p>
             <a:r>
-              <a:rPr lang="de-DE"/>
+              <a:rPr lang="de-DE" smtClean="0"/>
               <a:t>|  </a:t>
             </a:r>
             <a:fld id="{C36AA9A4-5D0B-4134-89A6-D8B9DAA4F25C}" type="slidenum">
               <a:rPr lang="de-DE" smtClean="0"/>
               <a:pPr/>
-              <a:t>22</a:t>
+              <a:t>21</a:t>
             </a:fld>
             <a:endParaRPr lang="de-DE"/>
           </a:p>
@@ -3797,7 +3951,7 @@
     </p:spTree>
     <p:extLst>
       <p:ext uri="{BB962C8B-B14F-4D97-AF65-F5344CB8AC3E}">
-        <p14:creationId xmlns:p14="http://schemas.microsoft.com/office/powerpoint/2010/main" val="614719273"/>
+        <p14:creationId xmlns:p14="http://schemas.microsoft.com/office/powerpoint/2010/main" val="405505431"/>
       </p:ext>
     </p:extLst>
   </p:cSld>
@@ -3856,6 +4010,10 @@
           <a:bodyPr/>
           <a:lstStyle/>
           <a:p>
+            <a:r>
+              <a:rPr lang="en-US" dirty="0" smtClean="0"/>
+              <a:t>Change the color of photo</a:t>
+            </a:r>
             <a:endParaRPr lang="en-US" dirty="0"/>
           </a:p>
         </p:txBody>
@@ -3877,7 +4035,7 @@
           <a:p>
             <a:fld id="{BEF970E4-9540-437D-B70A-0A41E70CE984}" type="datetime4">
               <a:rPr lang="de-DE" smtClean="0"/>
-              <a:t>19. January 2017</a:t>
+              <a:t>23. January 2017</a:t>
             </a:fld>
             <a:endParaRPr lang="de-DE"/>
           </a:p>
@@ -3899,10 +4057,9 @@
           <a:lstStyle/>
           <a:p>
             <a:r>
-              <a:rPr lang="de-DE" smtClean="0"/>
+              <a:rPr lang="de-DE"/>
               <a:t>|  </a:t>
             </a:r>
-            <a:endParaRPr lang="de-DE"/>
           </a:p>
         </p:txBody>
       </p:sp>
@@ -3922,13 +4079,13 @@
           <a:lstStyle/>
           <a:p>
             <a:r>
-              <a:rPr lang="de-DE" smtClean="0"/>
+              <a:rPr lang="de-DE"/>
               <a:t>|  </a:t>
             </a:r>
             <a:fld id="{C36AA9A4-5D0B-4134-89A6-D8B9DAA4F25C}" type="slidenum">
               <a:rPr lang="de-DE" smtClean="0"/>
               <a:pPr/>
-              <a:t>23</a:t>
+              <a:t>22</a:t>
             </a:fld>
             <a:endParaRPr lang="de-DE"/>
           </a:p>
@@ -3937,7 +4094,7 @@
     </p:spTree>
     <p:extLst>
       <p:ext uri="{BB962C8B-B14F-4D97-AF65-F5344CB8AC3E}">
-        <p14:creationId xmlns:p14="http://schemas.microsoft.com/office/powerpoint/2010/main" val="83472082"/>
+        <p14:creationId xmlns:p14="http://schemas.microsoft.com/office/powerpoint/2010/main" val="614719273"/>
       </p:ext>
     </p:extLst>
   </p:cSld>
@@ -3996,10 +4153,6 @@
           <a:bodyPr/>
           <a:lstStyle/>
           <a:p>
-            <a:r>
-              <a:rPr lang="en-US" dirty="0" smtClean="0"/>
-              <a:t>Add photos </a:t>
-            </a:r>
             <a:endParaRPr lang="en-US" dirty="0"/>
           </a:p>
         </p:txBody>
@@ -4021,7 +4174,7 @@
           <a:p>
             <a:fld id="{BEF970E4-9540-437D-B70A-0A41E70CE984}" type="datetime4">
               <a:rPr lang="de-DE" smtClean="0"/>
-              <a:t>19. January 2017</a:t>
+              <a:t>23. January 2017</a:t>
             </a:fld>
             <a:endParaRPr lang="de-DE"/>
           </a:p>
@@ -4043,9 +4196,10 @@
           <a:lstStyle/>
           <a:p>
             <a:r>
-              <a:rPr lang="de-DE"/>
+              <a:rPr lang="de-DE" smtClean="0"/>
               <a:t>|  </a:t>
             </a:r>
+            <a:endParaRPr lang="de-DE"/>
           </a:p>
         </p:txBody>
       </p:sp>
@@ -4065,13 +4219,13 @@
           <a:lstStyle/>
           <a:p>
             <a:r>
-              <a:rPr lang="de-DE"/>
+              <a:rPr lang="de-DE" smtClean="0"/>
               <a:t>|  </a:t>
             </a:r>
             <a:fld id="{C36AA9A4-5D0B-4134-89A6-D8B9DAA4F25C}" type="slidenum">
               <a:rPr lang="de-DE" smtClean="0"/>
               <a:pPr/>
-              <a:t>24</a:t>
+              <a:t>23</a:t>
             </a:fld>
             <a:endParaRPr lang="de-DE"/>
           </a:p>
@@ -4080,7 +4234,7 @@
     </p:spTree>
     <p:extLst>
       <p:ext uri="{BB962C8B-B14F-4D97-AF65-F5344CB8AC3E}">
-        <p14:creationId xmlns:p14="http://schemas.microsoft.com/office/powerpoint/2010/main" val="459473194"/>
+        <p14:creationId xmlns:p14="http://schemas.microsoft.com/office/powerpoint/2010/main" val="83472082"/>
       </p:ext>
     </p:extLst>
   </p:cSld>
@@ -4164,7 +4318,7 @@
           <a:p>
             <a:fld id="{BEF970E4-9540-437D-B70A-0A41E70CE984}" type="datetime4">
               <a:rPr lang="de-DE" smtClean="0"/>
-              <a:t>19. January 2017</a:t>
+              <a:t>23. January 2017</a:t>
             </a:fld>
             <a:endParaRPr lang="de-DE"/>
           </a:p>
@@ -4282,6 +4436,10 @@
           <a:bodyPr/>
           <a:lstStyle/>
           <a:p>
+            <a:r>
+              <a:rPr lang="en-US" dirty="0" smtClean="0"/>
+              <a:t>Add photos </a:t>
+            </a:r>
             <a:endParaRPr lang="en-US" dirty="0"/>
           </a:p>
         </p:txBody>
@@ -4303,7 +4461,7 @@
           <a:p>
             <a:fld id="{BEF970E4-9540-437D-B70A-0A41E70CE984}" type="datetime4">
               <a:rPr lang="de-DE" smtClean="0"/>
-              <a:t>19. January 2017</a:t>
+              <a:t>23. January 2017</a:t>
             </a:fld>
             <a:endParaRPr lang="de-DE"/>
           </a:p>
@@ -4325,10 +4483,9 @@
           <a:lstStyle/>
           <a:p>
             <a:r>
-              <a:rPr lang="de-DE" smtClean="0"/>
+              <a:rPr lang="de-DE"/>
               <a:t>|  </a:t>
             </a:r>
-            <a:endParaRPr lang="de-DE"/>
           </a:p>
         </p:txBody>
       </p:sp>
@@ -4348,13 +4505,13 @@
           <a:lstStyle/>
           <a:p>
             <a:r>
-              <a:rPr lang="de-DE" smtClean="0"/>
+              <a:rPr lang="de-DE"/>
               <a:t>|  </a:t>
             </a:r>
             <a:fld id="{C36AA9A4-5D0B-4134-89A6-D8B9DAA4F25C}" type="slidenum">
               <a:rPr lang="de-DE" smtClean="0"/>
               <a:pPr/>
-              <a:t>25</a:t>
+              <a:t>24</a:t>
             </a:fld>
             <a:endParaRPr lang="de-DE"/>
           </a:p>
@@ -4363,7 +4520,7 @@
     </p:spTree>
     <p:extLst>
       <p:ext uri="{BB962C8B-B14F-4D97-AF65-F5344CB8AC3E}">
-        <p14:creationId xmlns:p14="http://schemas.microsoft.com/office/powerpoint/2010/main" val="1236201559"/>
+        <p14:creationId xmlns:p14="http://schemas.microsoft.com/office/powerpoint/2010/main" val="459473194"/>
       </p:ext>
     </p:extLst>
   </p:cSld>
@@ -4422,10 +4579,6 @@
           <a:bodyPr/>
           <a:lstStyle/>
           <a:p>
-            <a:r>
-              <a:rPr lang="en-US" dirty="0" smtClean="0"/>
-              <a:t>Add photos </a:t>
-            </a:r>
             <a:endParaRPr lang="en-US" dirty="0"/>
           </a:p>
         </p:txBody>
@@ -4447,7 +4600,7 @@
           <a:p>
             <a:fld id="{BEF970E4-9540-437D-B70A-0A41E70CE984}" type="datetime4">
               <a:rPr lang="de-DE" smtClean="0"/>
-              <a:t>19. January 2017</a:t>
+              <a:t>23. January 2017</a:t>
             </a:fld>
             <a:endParaRPr lang="de-DE"/>
           </a:p>
@@ -4469,9 +4622,10 @@
           <a:lstStyle/>
           <a:p>
             <a:r>
-              <a:rPr lang="de-DE"/>
+              <a:rPr lang="de-DE" smtClean="0"/>
               <a:t>|  </a:t>
             </a:r>
+            <a:endParaRPr lang="de-DE"/>
           </a:p>
         </p:txBody>
       </p:sp>
@@ -4491,13 +4645,13 @@
           <a:lstStyle/>
           <a:p>
             <a:r>
-              <a:rPr lang="de-DE"/>
+              <a:rPr lang="de-DE" smtClean="0"/>
               <a:t>|  </a:t>
             </a:r>
             <a:fld id="{C36AA9A4-5D0B-4134-89A6-D8B9DAA4F25C}" type="slidenum">
               <a:rPr lang="de-DE" smtClean="0"/>
               <a:pPr/>
-              <a:t>26</a:t>
+              <a:t>25</a:t>
             </a:fld>
             <a:endParaRPr lang="de-DE"/>
           </a:p>
@@ -4506,7 +4660,7 @@
     </p:spTree>
     <p:extLst>
       <p:ext uri="{BB962C8B-B14F-4D97-AF65-F5344CB8AC3E}">
-        <p14:creationId xmlns:p14="http://schemas.microsoft.com/office/powerpoint/2010/main" val="1957951507"/>
+        <p14:creationId xmlns:p14="http://schemas.microsoft.com/office/powerpoint/2010/main" val="1236201559"/>
       </p:ext>
     </p:extLst>
   </p:cSld>
@@ -4565,7 +4719,11 @@
           <a:bodyPr/>
           <a:lstStyle/>
           <a:p>
-            <a:endParaRPr lang="en-US"/>
+            <a:r>
+              <a:rPr lang="en-US" dirty="0" smtClean="0"/>
+              <a:t>Add photos </a:t>
+            </a:r>
+            <a:endParaRPr lang="en-US" dirty="0"/>
           </a:p>
         </p:txBody>
       </p:sp>
@@ -4586,7 +4744,7 @@
           <a:p>
             <a:fld id="{BEF970E4-9540-437D-B70A-0A41E70CE984}" type="datetime4">
               <a:rPr lang="de-DE" smtClean="0"/>
-              <a:t>19. January 2017</a:t>
+              <a:t>23. January 2017</a:t>
             </a:fld>
             <a:endParaRPr lang="de-DE"/>
           </a:p>
@@ -4608,10 +4766,9 @@
           <a:lstStyle/>
           <a:p>
             <a:r>
-              <a:rPr lang="de-DE" smtClean="0"/>
+              <a:rPr lang="de-DE"/>
               <a:t>|  </a:t>
             </a:r>
-            <a:endParaRPr lang="de-DE"/>
           </a:p>
         </p:txBody>
       </p:sp>
@@ -4631,13 +4788,13 @@
           <a:lstStyle/>
           <a:p>
             <a:r>
-              <a:rPr lang="de-DE" smtClean="0"/>
+              <a:rPr lang="de-DE"/>
               <a:t>|  </a:t>
             </a:r>
             <a:fld id="{C36AA9A4-5D0B-4134-89A6-D8B9DAA4F25C}" type="slidenum">
               <a:rPr lang="de-DE" smtClean="0"/>
               <a:pPr/>
-              <a:t>27</a:t>
+              <a:t>26</a:t>
             </a:fld>
             <a:endParaRPr lang="de-DE"/>
           </a:p>
@@ -4646,7 +4803,7 @@
     </p:spTree>
     <p:extLst>
       <p:ext uri="{BB962C8B-B14F-4D97-AF65-F5344CB8AC3E}">
-        <p14:creationId xmlns:p14="http://schemas.microsoft.com/office/powerpoint/2010/main" val="334645891"/>
+        <p14:creationId xmlns:p14="http://schemas.microsoft.com/office/powerpoint/2010/main" val="1957951507"/>
       </p:ext>
     </p:extLst>
   </p:cSld>
@@ -4705,11 +4862,7 @@
           <a:bodyPr/>
           <a:lstStyle/>
           <a:p>
-            <a:r>
-              <a:rPr lang="en-US" smtClean="0"/>
-              <a:t>Add photos </a:t>
-            </a:r>
-            <a:endParaRPr lang="en-US" dirty="0"/>
+            <a:endParaRPr lang="en-US"/>
           </a:p>
         </p:txBody>
       </p:sp>
@@ -4730,7 +4883,7 @@
           <a:p>
             <a:fld id="{BEF970E4-9540-437D-B70A-0A41E70CE984}" type="datetime4">
               <a:rPr lang="de-DE" smtClean="0"/>
-              <a:t>19. January 2017</a:t>
+              <a:t>23. January 2017</a:t>
             </a:fld>
             <a:endParaRPr lang="de-DE"/>
           </a:p>
@@ -4752,9 +4905,10 @@
           <a:lstStyle/>
           <a:p>
             <a:r>
-              <a:rPr lang="de-DE"/>
+              <a:rPr lang="de-DE" smtClean="0"/>
               <a:t>|  </a:t>
             </a:r>
+            <a:endParaRPr lang="de-DE"/>
           </a:p>
         </p:txBody>
       </p:sp>
@@ -4774,13 +4928,13 @@
           <a:lstStyle/>
           <a:p>
             <a:r>
-              <a:rPr lang="de-DE"/>
+              <a:rPr lang="de-DE" smtClean="0"/>
               <a:t>|  </a:t>
             </a:r>
             <a:fld id="{C36AA9A4-5D0B-4134-89A6-D8B9DAA4F25C}" type="slidenum">
               <a:rPr lang="de-DE" smtClean="0"/>
               <a:pPr/>
-              <a:t>28</a:t>
+              <a:t>27</a:t>
             </a:fld>
             <a:endParaRPr lang="de-DE"/>
           </a:p>
@@ -4789,7 +4943,7 @@
     </p:spTree>
     <p:extLst>
       <p:ext uri="{BB962C8B-B14F-4D97-AF65-F5344CB8AC3E}">
-        <p14:creationId xmlns:p14="http://schemas.microsoft.com/office/powerpoint/2010/main" val="1500454912"/>
+        <p14:creationId xmlns:p14="http://schemas.microsoft.com/office/powerpoint/2010/main" val="334645891"/>
       </p:ext>
     </p:extLst>
   </p:cSld>
@@ -4849,7 +5003,7 @@
           <a:lstStyle/>
           <a:p>
             <a:r>
-              <a:rPr lang="en-US" dirty="0" smtClean="0"/>
+              <a:rPr lang="en-US" smtClean="0"/>
               <a:t>Add photos </a:t>
             </a:r>
             <a:endParaRPr lang="en-US" dirty="0"/>
@@ -4873,7 +5027,150 @@
           <a:p>
             <a:fld id="{BEF970E4-9540-437D-B70A-0A41E70CE984}" type="datetime4">
               <a:rPr lang="de-DE" smtClean="0"/>
-              <a:t>19. January 2017</a:t>
+              <a:t>23. January 2017</a:t>
+            </a:fld>
+            <a:endParaRPr lang="de-DE"/>
+          </a:p>
+        </p:txBody>
+      </p:sp>
+      <p:sp>
+        <p:nvSpPr>
+          <p:cNvPr id="5" name="Footer Placeholder 4"/>
+          <p:cNvSpPr>
+            <a:spLocks noGrp="1"/>
+          </p:cNvSpPr>
+          <p:nvPr>
+            <p:ph type="ftr" sz="quarter" idx="11"/>
+          </p:nvPr>
+        </p:nvSpPr>
+        <p:spPr/>
+        <p:txBody>
+          <a:bodyPr/>
+          <a:lstStyle/>
+          <a:p>
+            <a:r>
+              <a:rPr lang="de-DE"/>
+              <a:t>|  </a:t>
+            </a:r>
+          </a:p>
+        </p:txBody>
+      </p:sp>
+      <p:sp>
+        <p:nvSpPr>
+          <p:cNvPr id="6" name="Slide Number Placeholder 5"/>
+          <p:cNvSpPr>
+            <a:spLocks noGrp="1"/>
+          </p:cNvSpPr>
+          <p:nvPr>
+            <p:ph type="sldNum" sz="quarter" idx="12"/>
+          </p:nvPr>
+        </p:nvSpPr>
+        <p:spPr/>
+        <p:txBody>
+          <a:bodyPr/>
+          <a:lstStyle/>
+          <a:p>
+            <a:r>
+              <a:rPr lang="de-DE"/>
+              <a:t>|  </a:t>
+            </a:r>
+            <a:fld id="{C36AA9A4-5D0B-4134-89A6-D8B9DAA4F25C}" type="slidenum">
+              <a:rPr lang="de-DE" smtClean="0"/>
+              <a:pPr/>
+              <a:t>28</a:t>
+            </a:fld>
+            <a:endParaRPr lang="de-DE"/>
+          </a:p>
+        </p:txBody>
+      </p:sp>
+    </p:spTree>
+    <p:extLst>
+      <p:ext uri="{BB962C8B-B14F-4D97-AF65-F5344CB8AC3E}">
+        <p14:creationId xmlns:p14="http://schemas.microsoft.com/office/powerpoint/2010/main" val="1500454912"/>
+      </p:ext>
+    </p:extLst>
+  </p:cSld>
+  <p:clrMapOvr>
+    <a:masterClrMapping/>
+  </p:clrMapOvr>
+</p:notes>
+</file>
+
+<file path=ppt/notesSlides/notesSlide25.xml><?xml version="1.0" encoding="utf-8"?>
+<p:notes xmlns:a="http://schemas.openxmlformats.org/drawingml/2006/main" xmlns:r="http://schemas.openxmlformats.org/officeDocument/2006/relationships" xmlns:p="http://schemas.openxmlformats.org/presentationml/2006/main">
+  <p:cSld>
+    <p:spTree>
+      <p:nvGrpSpPr>
+        <p:cNvPr id="1" name=""/>
+        <p:cNvGrpSpPr/>
+        <p:nvPr/>
+      </p:nvGrpSpPr>
+      <p:grpSpPr>
+        <a:xfrm>
+          <a:off x="0" y="0"/>
+          <a:ext cx="0" cy="0"/>
+          <a:chOff x="0" y="0"/>
+          <a:chExt cx="0" cy="0"/>
+        </a:xfrm>
+      </p:grpSpPr>
+      <p:sp>
+        <p:nvSpPr>
+          <p:cNvPr id="2" name="Slide Image Placeholder 1"/>
+          <p:cNvSpPr>
+            <a:spLocks noGrp="1" noRot="1" noChangeAspect="1"/>
+          </p:cNvSpPr>
+          <p:nvPr>
+            <p:ph type="sldImg"/>
+          </p:nvPr>
+        </p:nvSpPr>
+        <p:spPr>
+          <a:xfrm>
+            <a:off x="1371600" y="923925"/>
+            <a:ext cx="4095750" cy="3071813"/>
+          </a:xfrm>
+        </p:spPr>
+      </p:sp>
+      <p:sp>
+        <p:nvSpPr>
+          <p:cNvPr id="3" name="Notes Placeholder 2"/>
+          <p:cNvSpPr>
+            <a:spLocks noGrp="1"/>
+          </p:cNvSpPr>
+          <p:nvPr>
+            <p:ph type="body" idx="1"/>
+          </p:nvPr>
+        </p:nvSpPr>
+        <p:spPr/>
+        <p:txBody>
+          <a:bodyPr/>
+          <a:lstStyle/>
+          <a:p>
+            <a:r>
+              <a:rPr lang="en-US" dirty="0" smtClean="0"/>
+              <a:t>Add photos </a:t>
+            </a:r>
+            <a:endParaRPr lang="en-US" dirty="0"/>
+          </a:p>
+        </p:txBody>
+      </p:sp>
+      <p:sp>
+        <p:nvSpPr>
+          <p:cNvPr id="4" name="Date Placeholder 3"/>
+          <p:cNvSpPr>
+            <a:spLocks noGrp="1"/>
+          </p:cNvSpPr>
+          <p:nvPr>
+            <p:ph type="dt" idx="10"/>
+          </p:nvPr>
+        </p:nvSpPr>
+        <p:spPr/>
+        <p:txBody>
+          <a:bodyPr/>
+          <a:lstStyle/>
+          <a:p>
+            <a:fld id="{BEF970E4-9540-437D-B70A-0A41E70CE984}" type="datetime4">
+              <a:rPr lang="de-DE" smtClean="0"/>
+              <a:t>23. January 2017</a:t>
             </a:fld>
             <a:endParaRPr lang="de-DE"/>
           </a:p>
@@ -5030,7 +5327,7 @@
           <a:p>
             <a:fld id="{BEF970E4-9540-437D-B70A-0A41E70CE984}" type="datetime4">
               <a:rPr lang="de-DE" smtClean="0"/>
-              <a:t>19. January 2017</a:t>
+              <a:t>23. January 2017</a:t>
             </a:fld>
             <a:endParaRPr lang="de-DE"/>
           </a:p>
@@ -5178,7 +5475,7 @@
           <a:p>
             <a:fld id="{BEF970E4-9540-437D-B70A-0A41E70CE984}" type="datetime4">
               <a:rPr lang="de-DE" smtClean="0"/>
-              <a:t>19. January 2017</a:t>
+              <a:t>23. January 2017</a:t>
             </a:fld>
             <a:endParaRPr lang="de-DE"/>
           </a:p>
@@ -5326,7 +5623,7 @@
           <a:p>
             <a:fld id="{BEF970E4-9540-437D-B70A-0A41E70CE984}" type="datetime4">
               <a:rPr lang="de-DE" smtClean="0"/>
-              <a:t>19. January 2017</a:t>
+              <a:t>23. January 2017</a:t>
             </a:fld>
             <a:endParaRPr lang="de-DE"/>
           </a:p>
@@ -5474,7 +5771,7 @@
           <a:p>
             <a:fld id="{BEF970E4-9540-437D-B70A-0A41E70CE984}" type="datetime4">
               <a:rPr lang="de-DE" smtClean="0"/>
-              <a:t>19. January 2017</a:t>
+              <a:t>23. January 2017</a:t>
             </a:fld>
             <a:endParaRPr lang="de-DE"/>
           </a:p>
@@ -5595,7 +5892,11 @@
           <a:p>
             <a:r>
               <a:rPr lang="en-US" dirty="0" smtClean="0"/>
-              <a:t>POPMP: proposed </a:t>
+              <a:t>POMP</a:t>
+            </a:r>
+            <a:r>
+              <a:rPr lang="en-US" dirty="0" smtClean="0"/>
+              <a:t>: proposed </a:t>
             </a:r>
             <a:r>
               <a:rPr lang="en-US" dirty="0" err="1" smtClean="0"/>
@@ -5626,7 +5927,7 @@
           <a:p>
             <a:fld id="{BEF970E4-9540-437D-B70A-0A41E70CE984}" type="datetime4">
               <a:rPr lang="de-DE" smtClean="0"/>
-              <a:t>19. January 2017</a:t>
+              <a:t>23. January 2017</a:t>
             </a:fld>
             <a:endParaRPr lang="de-DE"/>
           </a:p>
@@ -5766,7 +6067,7 @@
           <a:p>
             <a:fld id="{BEF970E4-9540-437D-B70A-0A41E70CE984}" type="datetime4">
               <a:rPr lang="de-DE" smtClean="0"/>
-              <a:t>19. January 2017</a:t>
+              <a:t>23. January 2017</a:t>
             </a:fld>
             <a:endParaRPr lang="de-DE"/>
           </a:p>
@@ -5885,106 +6186,174 @@
           <a:bodyPr/>
           <a:lstStyle/>
           <a:p>
-            <a:pPr marL="701675" lvl="2" indent="-342900">
-              <a:buFont typeface="Arial" charset="0"/>
-              <a:buChar char="•"/>
+            <a:pPr marL="0" marR="0" indent="0" algn="l" defTabSz="914400" rtl="0" eaLnBrk="1" fontAlgn="base" latinLnBrk="0" hangingPunct="1">
+              <a:lnSpc>
+                <a:spcPct val="100000"/>
+              </a:lnSpc>
+              <a:spcBef>
+                <a:spcPct val="10000"/>
+              </a:spcBef>
+              <a:spcAft>
+                <a:spcPct val="0"/>
+              </a:spcAft>
+              <a:buClrTx/>
+              <a:buSzTx/>
+              <a:buFontTx/>
+              <a:buNone/>
+              <a:tabLst/>
+              <a:defRPr/>
             </a:pPr>
             <a:r>
+              <a:rPr lang="en-US" dirty="0" err="1" smtClean="0"/>
+              <a:t>ThreadSpotter</a:t>
+            </a:r>
+            <a:r>
               <a:rPr lang="en-US" dirty="0" smtClean="0"/>
-              <a:t>Enhancing the application memory access regularity</a:t>
-            </a:r>
-          </a:p>
-          <a:p>
-            <a:pPr marL="881062" lvl="3" indent="-342900">
-              <a:buFont typeface="Arial" charset="0"/>
-              <a:buChar char="•"/>
+              <a:t> will help you understand and improve the runtime performance of your applications by identifying areas where the program is using processor cache memory, and in some cases suggests ways to restructure the code to make more effective use of the cache memory. </a:t>
+            </a:r>
+          </a:p>
+          <a:p>
+            <a:pPr marL="0" marR="0" lvl="2" indent="0" algn="l" defTabSz="914400" rtl="0" eaLnBrk="1" fontAlgn="base" latinLnBrk="0" hangingPunct="1">
+              <a:lnSpc>
+                <a:spcPct val="100000"/>
+              </a:lnSpc>
+              <a:spcBef>
+                <a:spcPct val="10000"/>
+              </a:spcBef>
+              <a:spcAft>
+                <a:spcPct val="0"/>
+              </a:spcAft>
+              <a:buClrTx/>
+              <a:buSzTx/>
+              <a:buFontTx/>
+              <a:buNone/>
+              <a:tabLst/>
+              <a:defRPr/>
             </a:pPr>
             <a:r>
               <a:rPr lang="en-US" dirty="0" smtClean="0"/>
-              <a:t>To help hardware </a:t>
-            </a:r>
-            <a:r>
-              <a:rPr lang="en-US" dirty="0" err="1" smtClean="0"/>
+              <a:t>Memory bandwidth: Limitations</a:t>
+            </a:r>
+            <a:r>
+              <a:rPr lang="en-US" baseline="0" dirty="0" smtClean="0"/>
+              <a:t> of memory bus</a:t>
+            </a:r>
+          </a:p>
+          <a:p>
+            <a:pPr marL="0" marR="0" lvl="2" indent="0" algn="l" defTabSz="914400" rtl="0" eaLnBrk="1" fontAlgn="base" latinLnBrk="0" hangingPunct="1">
+              <a:lnSpc>
+                <a:spcPct val="100000"/>
+              </a:lnSpc>
+              <a:spcBef>
+                <a:spcPct val="10000"/>
+              </a:spcBef>
+              <a:spcAft>
+                <a:spcPct val="0"/>
+              </a:spcAft>
+              <a:buClrTx/>
+              <a:buSzTx/>
+              <a:buFontTx/>
+              <a:buNone/>
+              <a:tabLst/>
+              <a:defRPr/>
+            </a:pPr>
+            <a:r>
+              <a:rPr lang="en-US" baseline="0" dirty="0" smtClean="0"/>
+              <a:t>Memory Latency: The regularity of the application’s memory accesses affect the efficiency of  hardware </a:t>
+            </a:r>
+            <a:r>
+              <a:rPr lang="en-US" baseline="0" dirty="0" err="1" smtClean="0"/>
               <a:t>prefetcher</a:t>
             </a:r>
+            <a:r>
+              <a:rPr lang="en-US" baseline="0" dirty="0" smtClean="0"/>
+              <a:t>(Higher cache misses)</a:t>
+            </a:r>
+          </a:p>
+          <a:p>
+            <a:pPr marL="0" marR="0" lvl="2" indent="0" algn="l" defTabSz="914400" rtl="0" eaLnBrk="1" fontAlgn="base" latinLnBrk="0" hangingPunct="1">
+              <a:lnSpc>
+                <a:spcPct val="100000"/>
+              </a:lnSpc>
+              <a:spcBef>
+                <a:spcPct val="10000"/>
+              </a:spcBef>
+              <a:spcAft>
+                <a:spcPct val="0"/>
+              </a:spcAft>
+              <a:buClrTx/>
+              <a:buSzTx/>
+              <a:buFontTx/>
+              <a:buNone/>
+              <a:tabLst/>
+              <a:defRPr/>
+            </a:pPr>
+            <a:r>
+              <a:rPr lang="en-US" baseline="0" dirty="0" smtClean="0"/>
+              <a:t>Data Locality: Caches filled with the unused data causing high cache miss rates</a:t>
+            </a:r>
+          </a:p>
+          <a:p>
+            <a:pPr marL="0" marR="0" lvl="2" indent="0" algn="l" defTabSz="914400" rtl="0" eaLnBrk="1" fontAlgn="base" latinLnBrk="0" hangingPunct="1">
+              <a:lnSpc>
+                <a:spcPct val="100000"/>
+              </a:lnSpc>
+              <a:spcBef>
+                <a:spcPct val="10000"/>
+              </a:spcBef>
+              <a:spcAft>
+                <a:spcPct val="0"/>
+              </a:spcAft>
+              <a:buClrTx/>
+              <a:buSzTx/>
+              <a:buFontTx/>
+              <a:buNone/>
+              <a:tabLst/>
+              <a:defRPr/>
+            </a:pPr>
             <a:endParaRPr lang="en-US" dirty="0" smtClean="0"/>
           </a:p>
           <a:p>
-            <a:pPr marL="701675" lvl="2" indent="-342900">
-              <a:buFont typeface="Arial" charset="0"/>
-              <a:buChar char="•"/>
+            <a:pPr marL="0" marR="0" indent="0" algn="l" defTabSz="914400" rtl="0" eaLnBrk="1" fontAlgn="base" latinLnBrk="0" hangingPunct="1">
+              <a:lnSpc>
+                <a:spcPct val="100000"/>
+              </a:lnSpc>
+              <a:spcBef>
+                <a:spcPct val="10000"/>
+              </a:spcBef>
+              <a:spcAft>
+                <a:spcPct val="0"/>
+              </a:spcAft>
+              <a:buClrTx/>
+              <a:buSzTx/>
+              <a:buFontTx/>
+              <a:buNone/>
+              <a:tabLst/>
+              <a:defRPr/>
             </a:pPr>
+            <a:endParaRPr lang="en-US" dirty="0" smtClean="0"/>
+          </a:p>
+          <a:p>
+            <a:pPr marL="0" marR="0" indent="0" algn="l" defTabSz="914400" rtl="0" eaLnBrk="1" fontAlgn="base" latinLnBrk="0" hangingPunct="1">
+              <a:lnSpc>
+                <a:spcPct val="100000"/>
+              </a:lnSpc>
+              <a:spcBef>
+                <a:spcPct val="10000"/>
+              </a:spcBef>
+              <a:spcAft>
+                <a:spcPct val="0"/>
+              </a:spcAft>
+              <a:buClrTx/>
+              <a:buSzTx/>
+              <a:buFontTx/>
+              <a:buNone/>
+              <a:tabLst/>
+              <a:defRPr/>
+            </a:pPr>
             <a:r>
               <a:rPr lang="en-US" dirty="0" smtClean="0"/>
-              <a:t>Enhancing spatial locality </a:t>
-            </a:r>
-          </a:p>
-          <a:p>
-            <a:pPr marL="881062" lvl="3" indent="-342900">
-              <a:buFont typeface="Arial" charset="0"/>
-              <a:buChar char="•"/>
-            </a:pPr>
-            <a:r>
-              <a:rPr lang="en-US" dirty="0" smtClean="0"/>
-              <a:t>To help minimize the amount of unused data transferred between memory and cache</a:t>
-            </a:r>
-          </a:p>
-          <a:p>
-            <a:pPr marL="881062" lvl="3" indent="-342900">
-              <a:buFont typeface="Arial" charset="0"/>
-              <a:buChar char="•"/>
-            </a:pPr>
-            <a:r>
-              <a:rPr lang="en-US" dirty="0" smtClean="0"/>
-              <a:t>Minimize the amount of cache space occupied by unused data</a:t>
-            </a:r>
-          </a:p>
-          <a:p>
-            <a:pPr marL="701675" lvl="2" indent="-342900">
-              <a:buFont typeface="Arial" charset="0"/>
-              <a:buChar char="•"/>
-            </a:pPr>
-            <a:r>
-              <a:rPr lang="en-US" dirty="0" smtClean="0"/>
-              <a:t>Enhancing temporal locality</a:t>
-            </a:r>
-          </a:p>
-          <a:p>
-            <a:pPr marL="881062" lvl="3" indent="-342900">
-              <a:buFont typeface="Arial" charset="0"/>
-              <a:buChar char="•"/>
-            </a:pPr>
-            <a:r>
-              <a:rPr lang="en-US" dirty="0" smtClean="0"/>
-              <a:t>By suggesting ways to reuse data while it remains in the cache</a:t>
-            </a:r>
-          </a:p>
-          <a:p>
-            <a:pPr marL="701675" lvl="2" indent="-342900">
-              <a:buFont typeface="Arial" charset="0"/>
-              <a:buChar char="•"/>
-            </a:pPr>
-            <a:r>
-              <a:rPr lang="en-US" dirty="0" smtClean="0"/>
-              <a:t>Hide memory access</a:t>
-            </a:r>
-          </a:p>
-          <a:p>
-            <a:pPr marL="881062" lvl="3" indent="-342900">
-              <a:buFont typeface="Arial" charset="0"/>
-              <a:buChar char="•"/>
-            </a:pPr>
-            <a:r>
-              <a:rPr lang="en-US" dirty="0" smtClean="0"/>
-              <a:t>By adding </a:t>
-            </a:r>
-            <a:r>
-              <a:rPr lang="en-US" dirty="0" err="1" smtClean="0"/>
-              <a:t>prefetch</a:t>
-            </a:r>
-            <a:r>
-              <a:rPr lang="en-US" dirty="0" smtClean="0"/>
-              <a:t> instructions</a:t>
+              <a:t>	</a:t>
             </a:r>
           </a:p>
           <a:p>
@@ -6009,7 +6378,7 @@
           <a:p>
             <a:fld id="{BEF970E4-9540-437D-B70A-0A41E70CE984}" type="datetime4">
               <a:rPr lang="de-DE" smtClean="0"/>
-              <a:t>19. January 2017</a:t>
+              <a:t>23. January 2017</a:t>
             </a:fld>
             <a:endParaRPr lang="de-DE"/>
           </a:p>
@@ -6060,7 +6429,7 @@
             <a:fld id="{C36AA9A4-5D0B-4134-89A6-D8B9DAA4F25C}" type="slidenum">
               <a:rPr lang="de-DE" smtClean="0"/>
               <a:pPr/>
-              <a:t>13</a:t>
+              <a:t>12</a:t>
             </a:fld>
             <a:endParaRPr lang="de-DE"/>
           </a:p>
@@ -6069,7 +6438,7 @@
     </p:spTree>
     <p:extLst>
       <p:ext uri="{BB962C8B-B14F-4D97-AF65-F5344CB8AC3E}">
-        <p14:creationId xmlns:p14="http://schemas.microsoft.com/office/powerpoint/2010/main" val="856152240"/>
+        <p14:creationId xmlns:p14="http://schemas.microsoft.com/office/powerpoint/2010/main" val="1829572801"/>
       </p:ext>
     </p:extLst>
   </p:cSld>
@@ -6446,7 +6815,7 @@
                 <a:tabLst/>
                 <a:defRPr/>
               </a:pPr>
-              <a:t>19.01.17</a:t>
+              <a:t>23.01.17</a:t>
             </a:fld>
             <a:r>
               <a:rPr kumimoji="0" lang="de-DE" sz="1000" b="0" i="0" u="none" strike="noStrike" kern="1200" cap="none" spc="0" normalizeH="0" baseline="0" noProof="0" dirty="0">
@@ -6997,7 +7366,7 @@
                 <a:tabLst/>
                 <a:defRPr/>
               </a:pPr>
-              <a:t>19.01.17</a:t>
+              <a:t>23.01.17</a:t>
             </a:fld>
             <a:r>
               <a:rPr kumimoji="0" lang="de-DE" sz="1000" b="0" i="0" u="none" strike="noStrike" kern="1200" cap="none" spc="0" normalizeH="0" baseline="0" noProof="0" dirty="0">
@@ -10000,7 +10369,7 @@
                 <a:tabLst/>
                 <a:defRPr/>
               </a:pPr>
-              <a:t>19.01.17</a:t>
+              <a:t>23.01.17</a:t>
             </a:fld>
             <a:r>
               <a:rPr kumimoji="0" lang="de-DE" sz="1000" b="0" i="0" u="none" strike="noStrike" kern="1200" cap="none" spc="0" normalizeH="0" baseline="0" noProof="0" dirty="0">
@@ -11084,7 +11453,7 @@
                 <a:tabLst/>
                 <a:defRPr/>
               </a:pPr>
-              <a:t>19.01.17</a:t>
+              <a:t>23.01.17</a:t>
             </a:fld>
             <a:r>
               <a:rPr kumimoji="0" lang="de-DE" sz="1000" b="0" i="0" u="none" strike="noStrike" kern="1200" cap="none" spc="0" normalizeH="0" baseline="0" noProof="0" dirty="0">
@@ -11775,30 +12144,22 @@
           <a:lstStyle/>
           <a:p>
             <a:r>
-              <a:rPr lang="en-US" b="0" dirty="0"/>
-              <a:t>Integrating </a:t>
-            </a:r>
-            <a:r>
-              <a:rPr lang="en-US" b="0" dirty="0" smtClean="0"/>
-              <a:t>Temporal </a:t>
-            </a:r>
-            <a:r>
-              <a:rPr lang="en-US" b="0" dirty="0"/>
-              <a:t>I</a:t>
-            </a:r>
-            <a:r>
-              <a:rPr lang="en-US" b="0" dirty="0" smtClean="0"/>
-              <a:t>nformation </a:t>
-            </a:r>
-            <a:r>
-              <a:rPr lang="en-US" b="0" dirty="0"/>
-              <a:t>in </a:t>
-            </a:r>
-            <a:r>
-              <a:rPr lang="en-US" b="0" dirty="0" smtClean="0"/>
-              <a:t>Data Communication Profiling for OpenMP</a:t>
-            </a:r>
-            <a:endParaRPr lang="de-DE" dirty="0"/>
+              <a:rPr lang="en-US" dirty="0"/>
+              <a:t>Detecting </a:t>
+            </a:r>
+            <a:r>
+              <a:rPr lang="en-US" dirty="0" smtClean="0"/>
+              <a:t>Thread Communication Patterns </a:t>
+            </a:r>
+            <a:r>
+              <a:rPr lang="en-US" dirty="0"/>
+              <a:t>in OpenMP </a:t>
+            </a:r>
+            <a:r>
+              <a:rPr lang="en-US" dirty="0" smtClean="0"/>
+              <a:t>Applications </a:t>
+            </a:r>
+            <a:endParaRPr lang="en-US" dirty="0"/>
           </a:p>
         </p:txBody>
       </p:sp>
@@ -12505,7 +12866,7 @@
       </p:sp>
       <p:pic>
         <p:nvPicPr>
-          <p:cNvPr id="14" name="Picture 13"/>
+          <p:cNvPr id="4" name="Picture 3"/>
           <p:cNvPicPr>
             <a:picLocks noChangeAspect="1"/>
           </p:cNvPicPr>
@@ -12525,8 +12886,8 @@
         </p:blipFill>
         <p:spPr>
           <a:xfrm>
-            <a:off x="4518817" y="2071019"/>
-            <a:ext cx="4238360" cy="2828156"/>
+            <a:off x="4578668" y="1885997"/>
+            <a:ext cx="3593731" cy="3081281"/>
           </a:xfrm>
           <a:prstGeom prst="rect">
             <a:avLst/>
@@ -12541,8 +12902,8 @@
         </p:nvSpPr>
         <p:spPr>
           <a:xfrm>
-            <a:off x="4928204" y="2710281"/>
-            <a:ext cx="72008" cy="1584176"/>
+            <a:off x="5076056" y="2636912"/>
+            <a:ext cx="45719" cy="1584176"/>
           </a:xfrm>
           <a:prstGeom prst="leftBracket">
             <a:avLst/>
@@ -12584,8 +12945,8 @@
         </p:nvSpPr>
         <p:spPr>
           <a:xfrm>
-            <a:off x="5409598" y="3364867"/>
-            <a:ext cx="65154" cy="504056"/>
+            <a:off x="5580112" y="3284984"/>
+            <a:ext cx="45719" cy="461584"/>
           </a:xfrm>
           <a:prstGeom prst="leftBracket">
             <a:avLst/>
@@ -12627,7 +12988,7 @@
         </p:nvSpPr>
         <p:spPr>
           <a:xfrm>
-            <a:off x="6937751" y="4651145"/>
+            <a:off x="6486476" y="4614047"/>
             <a:ext cx="2045964" cy="648072"/>
           </a:xfrm>
           <a:prstGeom prst="roundRect">
@@ -12704,8 +13065,8 @@
         </p:nvCxnSpPr>
         <p:spPr>
           <a:xfrm>
-            <a:off x="6804248" y="4365104"/>
-            <a:ext cx="360040" cy="288032"/>
+            <a:off x="7092280" y="4293096"/>
+            <a:ext cx="304359" cy="320951"/>
           </a:xfrm>
           <a:prstGeom prst="straightConnector1">
             <a:avLst/>
@@ -12798,13 +13159,35 @@
             </a:pPr>
             <a:r>
               <a:rPr lang="en-US" dirty="0" smtClean="0"/>
-              <a:t>Analyzes an application’s interaction with the cache and the </a:t>
+              <a:t>Analyzes </a:t>
+            </a:r>
+            <a:r>
+              <a:rPr lang="en-US" dirty="0" smtClean="0"/>
+              <a:t>an application’s interaction with the cache and the </a:t>
             </a:r>
             <a:r>
               <a:rPr lang="en-US" dirty="0"/>
               <a:t>memory subsystems </a:t>
             </a:r>
             <a:endParaRPr lang="en-US" dirty="0" smtClean="0"/>
+          </a:p>
+          <a:p>
+            <a:pPr marL="342900" lvl="1" indent="-342900">
+              <a:buFont typeface="Arial" charset="0"/>
+              <a:buChar char="•"/>
+            </a:pPr>
+            <a:r>
+              <a:rPr lang="en-US" dirty="0" smtClean="0"/>
+              <a:t>Suggests </a:t>
+            </a:r>
+            <a:r>
+              <a:rPr lang="en-US" dirty="0"/>
+              <a:t>ways to restructure the code to make more effective use of the cache </a:t>
+            </a:r>
+            <a:r>
+              <a:rPr lang="en-US" dirty="0" smtClean="0"/>
+              <a:t>memory based on</a:t>
+            </a:r>
           </a:p>
           <a:p>
             <a:pPr marL="701675" lvl="2" indent="-342900">
@@ -12813,7 +13196,7 @@
             </a:pPr>
             <a:r>
               <a:rPr lang="en-US" dirty="0" smtClean="0"/>
-              <a:t>Single and multithread code on single and multithread cores and  multiprocessor machine</a:t>
+              <a:t>Memory bandwidth</a:t>
             </a:r>
           </a:p>
           <a:p>
@@ -12821,6 +13204,30 @@
               <a:buFont typeface="Arial" charset="0"/>
               <a:buChar char="•"/>
             </a:pPr>
+            <a:r>
+              <a:rPr lang="en-US" dirty="0" smtClean="0"/>
+              <a:t>Memory Latency</a:t>
+            </a:r>
+          </a:p>
+          <a:p>
+            <a:pPr marL="701675" lvl="2" indent="-342900">
+              <a:buFont typeface="Arial" charset="0"/>
+              <a:buChar char="•"/>
+            </a:pPr>
+            <a:r>
+              <a:rPr lang="en-US" dirty="0" smtClean="0"/>
+              <a:t>Data Locality</a:t>
+            </a:r>
+          </a:p>
+          <a:p>
+            <a:pPr marL="701675" lvl="2" indent="-342900">
+              <a:buFont typeface="Arial" charset="0"/>
+              <a:buChar char="•"/>
+            </a:pPr>
+            <a:r>
+              <a:rPr lang="en-US" dirty="0" smtClean="0"/>
+              <a:t>Thread communication/ interaction</a:t>
+            </a:r>
             <a:endParaRPr lang="en-US" dirty="0"/>
           </a:p>
           <a:p>
@@ -12828,20 +13235,7 @@
               <a:buFont typeface="Arial" charset="0"/>
               <a:buChar char="•"/>
             </a:pPr>
-            <a:r>
-              <a:rPr lang="en-US" dirty="0" smtClean="0"/>
-              <a:t>Focuses on multithreaded issues on multi-cores	</a:t>
-            </a:r>
-          </a:p>
-          <a:p>
-            <a:pPr marL="701675" lvl="2" indent="-342900">
-              <a:buFont typeface="Arial" charset="0"/>
-              <a:buChar char="•"/>
-            </a:pPr>
-            <a:r>
-              <a:rPr lang="en-US" dirty="0" smtClean="0"/>
-              <a:t>From thread interaction and communication between the cores and caches within the processor</a:t>
-            </a:r>
+            <a:endParaRPr lang="en-US" dirty="0" smtClean="0"/>
           </a:p>
           <a:p>
             <a:r>
@@ -12917,13 +13311,13 @@
           <a:p>
             <a:r>
               <a:rPr lang="en-US" sz="1000" dirty="0">
-                <a:hlinkClick r:id="rId2"/>
+                <a:hlinkClick r:id="rId3"/>
               </a:rPr>
               <a:t>http://</a:t>
             </a:r>
             <a:r>
               <a:rPr lang="en-US" sz="1000" dirty="0" smtClean="0">
-                <a:hlinkClick r:id="rId2"/>
+                <a:hlinkClick r:id="rId3"/>
               </a:rPr>
               <a:t>www.paratools.com/threadspotter</a:t>
             </a:r>
@@ -12932,13 +13326,13 @@
           <a:p>
             <a:r>
               <a:rPr lang="en-US" sz="1000" dirty="0">
-                <a:hlinkClick r:id="rId3" action="ppaction://hlinkfile"/>
+                <a:hlinkClick r:id="rId4" action="ppaction://hlinkfile"/>
               </a:rPr>
               <a:t>ftp://</a:t>
             </a:r>
             <a:r>
               <a:rPr lang="en-US" sz="1000" dirty="0" smtClean="0">
-                <a:hlinkClick r:id="rId3" action="ppaction://hlinkfile"/>
+                <a:hlinkClick r:id="rId4" action="ppaction://hlinkfile"/>
               </a:rPr>
               <a:t>ftp.paratools.com/threadspotter/documentation/ParaTools_TS_tutorial.pdf</a:t>
             </a:r>
@@ -13056,11 +13450,7 @@
             </a:pPr>
             <a:r>
               <a:rPr lang="en-US" dirty="0" smtClean="0"/>
-              <a:t>H</a:t>
-            </a:r>
-            <a:r>
-              <a:rPr lang="en-US" dirty="0" smtClean="0"/>
-              <a:t>elps to pinpoint where the program could be made to run faster </a:t>
+              <a:t>Helps to pinpoint where the program could be made to run faster </a:t>
             </a:r>
           </a:p>
           <a:p>
@@ -13297,11 +13687,7 @@
             </a:pPr>
             <a:r>
               <a:rPr lang="de-DE" dirty="0" smtClean="0"/>
-              <a:t>Different </a:t>
-            </a:r>
-            <a:r>
-              <a:rPr lang="de-DE" dirty="0" smtClean="0"/>
-              <a:t>Approaches</a:t>
+              <a:t>Different Approaches</a:t>
             </a:r>
           </a:p>
           <a:p>
@@ -13848,11 +14234,7 @@
           <a:p>
             <a:r>
               <a:rPr lang="de-DE" dirty="0" smtClean="0"/>
-              <a:t>Thread </a:t>
-            </a:r>
-            <a:r>
-              <a:rPr lang="de-DE" dirty="0" smtClean="0"/>
-              <a:t>Mapping</a:t>
+              <a:t>Thread Mapping</a:t>
             </a:r>
             <a:br>
               <a:rPr lang="de-DE" dirty="0" smtClean="0"/>
@@ -13897,14 +14279,29 @@
               <a:rPr lang="en-US" dirty="0"/>
               <a:t>The mapping performed by the operating system </a:t>
             </a:r>
-            <a:endParaRPr lang="en-US" dirty="0" smtClean="0"/>
           </a:p>
           <a:p>
             <a:pPr marL="701675" lvl="2" indent="-342900">
               <a:buFont typeface="Arial" charset="0"/>
               <a:buChar char="•"/>
             </a:pPr>
-            <a:endParaRPr lang="en-US" dirty="0"/>
+            <a:r>
+              <a:rPr lang="en-US" dirty="0" smtClean="0"/>
+              <a:t>Compact: </a:t>
+            </a:r>
+            <a:r>
+              <a:rPr lang="en-US" dirty="0"/>
+              <a:t>Neighboring threads are placed close to each other in the memory hierarchy ,</a:t>
+            </a:r>
+            <a:r>
+              <a:rPr lang="en-US" dirty="0" smtClean="0"/>
+              <a:t>a </a:t>
+            </a:r>
+            <a:r>
+              <a:rPr lang="en-US" dirty="0"/>
+              <a:t>round-robin scheduling of threads to PUs </a:t>
+            </a:r>
+            <a:endParaRPr lang="en-US" dirty="0" smtClean="0"/>
           </a:p>
           <a:p>
             <a:pPr marL="701675" lvl="2" indent="-342900">
@@ -13913,19 +14310,19 @@
             </a:pPr>
             <a:r>
               <a:rPr lang="en-US" dirty="0" smtClean="0"/>
-              <a:t>Compact: </a:t>
+              <a:t>Scatter: </a:t>
             </a:r>
             <a:r>
               <a:rPr lang="en-US" dirty="0"/>
-              <a:t>P</a:t>
+              <a:t>R</a:t>
             </a:r>
             <a:r>
               <a:rPr lang="en-US" dirty="0" smtClean="0"/>
-              <a:t>erforms </a:t>
+              <a:t>epresents </a:t>
             </a:r>
             <a:r>
               <a:rPr lang="en-US" dirty="0"/>
-              <a:t>a round-robin scheduling of threads to PUs </a:t>
+              <a:t>the opposite of Compact </a:t>
             </a:r>
             <a:endParaRPr lang="en-US" dirty="0" smtClean="0"/>
           </a:p>
@@ -13934,43 +14331,6 @@
               <a:buFont typeface="Arial" charset="0"/>
               <a:buChar char="•"/>
             </a:pPr>
-            <a:endParaRPr lang="en-US" dirty="0" smtClean="0"/>
-          </a:p>
-          <a:p>
-            <a:pPr marL="701675" lvl="2" indent="-342900">
-              <a:buFont typeface="Arial" charset="0"/>
-              <a:buChar char="•"/>
-            </a:pPr>
-            <a:r>
-              <a:rPr lang="en-US" dirty="0" smtClean="0"/>
-              <a:t>Scatter: </a:t>
-            </a:r>
-            <a:r>
-              <a:rPr lang="en-US" dirty="0"/>
-              <a:t>R</a:t>
-            </a:r>
-            <a:r>
-              <a:rPr lang="en-US" dirty="0" smtClean="0"/>
-              <a:t>epresents </a:t>
-            </a:r>
-            <a:r>
-              <a:rPr lang="en-US" dirty="0"/>
-              <a:t>the opposite of Compact </a:t>
-            </a:r>
-            <a:endParaRPr lang="en-US" dirty="0" smtClean="0"/>
-          </a:p>
-          <a:p>
-            <a:pPr marL="701675" lvl="2" indent="-342900">
-              <a:buFont typeface="Arial" charset="0"/>
-              <a:buChar char="•"/>
-            </a:pPr>
-            <a:endParaRPr lang="en-US" dirty="0" smtClean="0"/>
-          </a:p>
-          <a:p>
-            <a:pPr marL="701675" lvl="2" indent="-342900">
-              <a:buFont typeface="Arial" charset="0"/>
-              <a:buChar char="•"/>
-            </a:pPr>
             <a:r>
               <a:rPr lang="en-US" dirty="0" smtClean="0"/>
               <a:t>Locality: </a:t>
@@ -13991,13 +14351,6 @@
               <a:rPr lang="en-US" dirty="0" smtClean="0"/>
               <a:t>hierarchy </a:t>
             </a:r>
-          </a:p>
-          <a:p>
-            <a:pPr marL="701675" lvl="2" indent="-342900">
-              <a:buFont typeface="Arial" charset="0"/>
-              <a:buChar char="•"/>
-            </a:pPr>
-            <a:endParaRPr lang="en-US" dirty="0" smtClean="0"/>
           </a:p>
           <a:p>
             <a:pPr marL="701675" lvl="2" indent="-342900">
@@ -14133,11 +14486,7 @@
           <a:p>
             <a:r>
               <a:rPr lang="de-DE" dirty="0" smtClean="0"/>
-              <a:t>Thread </a:t>
-            </a:r>
-            <a:r>
-              <a:rPr lang="de-DE" dirty="0" smtClean="0"/>
-              <a:t>Mapping</a:t>
+              <a:t>Thread Mapping</a:t>
             </a:r>
             <a:br>
               <a:rPr lang="de-DE" dirty="0" smtClean="0"/>
@@ -26399,7 +26748,6 @@
               <a:rPr lang="en-US" dirty="0" smtClean="0"/>
               <a:t>Using synchronization primitives to find thread’s communication </a:t>
             </a:r>
-            <a:endParaRPr lang="en-US" dirty="0" smtClean="0"/>
           </a:p>
           <a:p>
             <a:pPr marL="701675" lvl="2" indent="-342900">
@@ -27350,13 +27698,6 @@
                     </a:rPr>
                     <a:t>6</a:t>
                   </a:r>
-                  <a:endParaRPr lang="en-US" dirty="0">
-                    <a:solidFill>
-                      <a:schemeClr val="accent6">
-                        <a:lumMod val="75000"/>
-                      </a:schemeClr>
-                    </a:solidFill>
-                  </a:endParaRPr>
                 </a:p>
               </p:txBody>
             </p:sp>
@@ -28107,7 +28448,6 @@
               <a:rPr lang="en-US" sz="1400" dirty="0"/>
               <a:t>Add Temporal information and extract time series</a:t>
             </a:r>
-            <a:endParaRPr lang="en-US" sz="1400" dirty="0"/>
           </a:p>
         </p:txBody>
       </p:sp>
@@ -28172,7 +28512,6 @@
               <a:rPr lang="en-US" sz="1400" dirty="0"/>
               <a:t>Thread Mapping</a:t>
             </a:r>
-            <a:endParaRPr lang="en-US" sz="1400" dirty="0"/>
           </a:p>
         </p:txBody>
       </p:sp>
@@ -28229,7 +28568,6 @@
               <a:rPr lang="en-US" sz="1400" dirty="0"/>
               <a:t>benchmarking</a:t>
             </a:r>
-            <a:endParaRPr lang="en-US" sz="1400" dirty="0"/>
           </a:p>
         </p:txBody>
       </p:sp>
@@ -28292,7 +28630,6 @@
               <a:rPr lang="en-US" sz="1400" dirty="0"/>
               <a:t>Buffer</a:t>
             </a:r>
-            <a:endParaRPr lang="en-US" sz="1400" dirty="0"/>
           </a:p>
         </p:txBody>
       </p:sp>
@@ -29998,7 +30335,6 @@
               <a:rPr lang="en-US" b="1" dirty="0" smtClean="0"/>
               <a:t>Profiling and instrumentation</a:t>
             </a:r>
-            <a:endParaRPr lang="en-US" b="1" dirty="0" smtClean="0"/>
           </a:p>
           <a:p>
             <a:pPr marL="701675" lvl="2" indent="-342900">
@@ -30009,7 +30345,6 @@
               <a:rPr lang="en-US" b="1" dirty="0" smtClean="0"/>
               <a:t>Thread Mapping</a:t>
             </a:r>
-            <a:endParaRPr lang="en-US" b="1" dirty="0" smtClean="0"/>
           </a:p>
           <a:p>
             <a:pPr marL="342900" lvl="1" indent="-342900">
